--- a/com.yrtech.bentleyAPI/com.yrtech.InventoryAPI/template/PlanOffLine.pptx
+++ b/com.yrtech.bentleyAPI/com.yrtech.InventoryAPI/template/PlanOffLine.pptx
@@ -123,7 +123,7 @@
   </p:defaultTextStyle>
   <p:extLst>
     <p:ext uri="{EFAFB233-063F-42B5-8137-9DF3F51BA10A}">
-      <p15:sldGuideLst xmlns:p15="http://schemas.microsoft.com/office/powerpoint/2012/main">
+      <p15:sldGuideLst xmlns="" xmlns:p15="http://schemas.microsoft.com/office/powerpoint/2012/main">
         <p15:guide id="1" pos="7310" userDrawn="1">
           <p15:clr>
             <a:srgbClr val="A4A3A4"/>
@@ -222,7 +222,7 @@
           <a:p>
             <a:fld id="{69A4D669-94F9-4D70-8C76-4C2D35D4E5D0}" type="datetimeFigureOut">
               <a:rPr lang="en-US" smtClean="0"/>
-              <a:t>3/9/2022</a:t>
+              <a:t>4/4/2022</a:t>
             </a:fld>
             <a:endParaRPr lang="en-US" dirty="0"/>
           </a:p>
@@ -1482,7 +1482,7 @@
           <a:graphicData uri="http://schemas.openxmlformats.org/presentationml/2006/ole">
             <mc:AlternateContent xmlns:mc="http://schemas.openxmlformats.org/markup-compatibility/2006">
               <mc:Choice xmlns:v="urn:schemas-microsoft-com:vml" Requires="v">
-                <p:oleObj spid="_x0000_s32789" name="think-cell Slide" r:id="rId5" imgW="216" imgH="216" progId="TCLayout.ActiveDocument.1">
+                <p:oleObj spid="_x0000_s32813" name="think-cell Slide" r:id="rId5" imgW="216" imgH="216" progId="TCLayout.ActiveDocument.1">
                   <p:embed/>
                 </p:oleObj>
               </mc:Choice>
@@ -1679,7 +1679,7 @@
           <p:cNvPr id="4" name="Footer Placeholder 3">
             <a:extLst>
               <a:ext uri="{FF2B5EF4-FFF2-40B4-BE49-F238E27FC236}">
-                <a16:creationId xmlns:a16="http://schemas.microsoft.com/office/drawing/2014/main" id="{17D6DE4C-D976-4B4B-B087-C035EF8D4F6F}"/>
+                <a16:creationId xmlns="" xmlns:a16="http://schemas.microsoft.com/office/drawing/2014/main" id="{17D6DE4C-D976-4B4B-B087-C035EF8D4F6F}"/>
               </a:ext>
             </a:extLst>
           </p:cNvPr>
@@ -1738,7 +1738,7 @@
           <p:cNvPr id="13" name="Straight Connector 12">
             <a:extLst>
               <a:ext uri="{FF2B5EF4-FFF2-40B4-BE49-F238E27FC236}">
-                <a16:creationId xmlns:a16="http://schemas.microsoft.com/office/drawing/2014/main" id="{95C486A1-9876-924E-85C2-906892F8B9AC}"/>
+                <a16:creationId xmlns="" xmlns:a16="http://schemas.microsoft.com/office/drawing/2014/main" id="{95C486A1-9876-924E-85C2-906892F8B9AC}"/>
               </a:ext>
             </a:extLst>
           </p:cNvPr>
@@ -1781,7 +1781,7 @@
           <p:cNvPr id="17" name="Slide Number Placeholder 5">
             <a:extLst>
               <a:ext uri="{FF2B5EF4-FFF2-40B4-BE49-F238E27FC236}">
-                <a16:creationId xmlns:a16="http://schemas.microsoft.com/office/drawing/2014/main" id="{CC67CD5C-67EC-5144-B858-5347C50D1ACD}"/>
+                <a16:creationId xmlns="" xmlns:a16="http://schemas.microsoft.com/office/drawing/2014/main" id="{CC67CD5C-67EC-5144-B858-5347C50D1ACD}"/>
               </a:ext>
             </a:extLst>
           </p:cNvPr>
@@ -1833,7 +1833,7 @@
           <p:cNvPr id="8" name="Title 7">
             <a:extLst>
               <a:ext uri="{FF2B5EF4-FFF2-40B4-BE49-F238E27FC236}">
-                <a16:creationId xmlns:a16="http://schemas.microsoft.com/office/drawing/2014/main" id="{8A6F1540-D306-D44E-B1B3-1ACCF1041F70}"/>
+                <a16:creationId xmlns="" xmlns:a16="http://schemas.microsoft.com/office/drawing/2014/main" id="{8A6F1540-D306-D44E-B1B3-1ACCF1041F70}"/>
               </a:ext>
             </a:extLst>
           </p:cNvPr>
@@ -2240,7 +2240,7 @@
           <a:graphicData uri="http://schemas.openxmlformats.org/presentationml/2006/ole">
             <mc:AlternateContent xmlns:mc="http://schemas.openxmlformats.org/markup-compatibility/2006">
               <mc:Choice xmlns:v="urn:schemas-microsoft-com:vml" Requires="v">
-                <p:oleObj spid="_x0000_s33813" name="think-cell Slide" r:id="rId4" imgW="216" imgH="216" progId="TCLayout.ActiveDocument.1">
+                <p:oleObj spid="_x0000_s33837" name="think-cell Slide" r:id="rId4" imgW="216" imgH="216" progId="TCLayout.ActiveDocument.1">
                   <p:embed/>
                 </p:oleObj>
               </mc:Choice>
@@ -2366,7 +2366,7 @@
           <p:cNvPr id="8" name="Title 7">
             <a:extLst>
               <a:ext uri="{FF2B5EF4-FFF2-40B4-BE49-F238E27FC236}">
-                <a16:creationId xmlns:a16="http://schemas.microsoft.com/office/drawing/2014/main" id="{8A6F1540-D306-D44E-B1B3-1ACCF1041F70}"/>
+                <a16:creationId xmlns="" xmlns:a16="http://schemas.microsoft.com/office/drawing/2014/main" id="{8A6F1540-D306-D44E-B1B3-1ACCF1041F70}"/>
               </a:ext>
             </a:extLst>
           </p:cNvPr>
@@ -2402,7 +2402,7 @@
           <p:cNvPr id="9" name="Content Placeholder 2">
             <a:extLst>
               <a:ext uri="{FF2B5EF4-FFF2-40B4-BE49-F238E27FC236}">
-                <a16:creationId xmlns:a16="http://schemas.microsoft.com/office/drawing/2014/main" id="{0A7C1352-3D49-F849-9BC3-BC0AF9CD8F04}"/>
+                <a16:creationId xmlns="" xmlns:a16="http://schemas.microsoft.com/office/drawing/2014/main" id="{0A7C1352-3D49-F849-9BC3-BC0AF9CD8F04}"/>
               </a:ext>
             </a:extLst>
           </p:cNvPr>
@@ -2494,7 +2494,7 @@
           <p:cNvPr id="10" name="Content Placeholder 2">
             <a:extLst>
               <a:ext uri="{FF2B5EF4-FFF2-40B4-BE49-F238E27FC236}">
-                <a16:creationId xmlns:a16="http://schemas.microsoft.com/office/drawing/2014/main" id="{D1AA7CFB-7669-2648-A3E1-E647E531399E}"/>
+                <a16:creationId xmlns="" xmlns:a16="http://schemas.microsoft.com/office/drawing/2014/main" id="{D1AA7CFB-7669-2648-A3E1-E647E531399E}"/>
               </a:ext>
             </a:extLst>
           </p:cNvPr>
@@ -2586,7 +2586,7 @@
           <p:cNvPr id="11" name="Content Placeholder 2">
             <a:extLst>
               <a:ext uri="{FF2B5EF4-FFF2-40B4-BE49-F238E27FC236}">
-                <a16:creationId xmlns:a16="http://schemas.microsoft.com/office/drawing/2014/main" id="{2E4B4082-D988-5D43-9C32-2C7F747717ED}"/>
+                <a16:creationId xmlns="" xmlns:a16="http://schemas.microsoft.com/office/drawing/2014/main" id="{2E4B4082-D988-5D43-9C32-2C7F747717ED}"/>
               </a:ext>
             </a:extLst>
           </p:cNvPr>
@@ -2678,7 +2678,7 @@
           <p:cNvPr id="12" name="Content Placeholder 2">
             <a:extLst>
               <a:ext uri="{FF2B5EF4-FFF2-40B4-BE49-F238E27FC236}">
-                <a16:creationId xmlns:a16="http://schemas.microsoft.com/office/drawing/2014/main" id="{45B8DE4D-1F9B-7341-8CB2-D70634815B55}"/>
+                <a16:creationId xmlns="" xmlns:a16="http://schemas.microsoft.com/office/drawing/2014/main" id="{45B8DE4D-1F9B-7341-8CB2-D70634815B55}"/>
               </a:ext>
             </a:extLst>
           </p:cNvPr>
@@ -2770,7 +2770,7 @@
           <p:cNvPr id="14" name="Footer Placeholder 3">
             <a:extLst>
               <a:ext uri="{FF2B5EF4-FFF2-40B4-BE49-F238E27FC236}">
-                <a16:creationId xmlns:a16="http://schemas.microsoft.com/office/drawing/2014/main" id="{DBA440F4-82E0-7E45-8A6F-4A8C7572AEE5}"/>
+                <a16:creationId xmlns="" xmlns:a16="http://schemas.microsoft.com/office/drawing/2014/main" id="{DBA440F4-82E0-7E45-8A6F-4A8C7572AEE5}"/>
               </a:ext>
             </a:extLst>
           </p:cNvPr>
@@ -2829,7 +2829,7 @@
           <p:cNvPr id="15" name="Slide Number Placeholder 5">
             <a:extLst>
               <a:ext uri="{FF2B5EF4-FFF2-40B4-BE49-F238E27FC236}">
-                <a16:creationId xmlns:a16="http://schemas.microsoft.com/office/drawing/2014/main" id="{CC67CD5C-67EC-5144-B858-5347C50D1ACD}"/>
+                <a16:creationId xmlns="" xmlns:a16="http://schemas.microsoft.com/office/drawing/2014/main" id="{CC67CD5C-67EC-5144-B858-5347C50D1ACD}"/>
               </a:ext>
             </a:extLst>
           </p:cNvPr>
@@ -2881,7 +2881,7 @@
           <p:cNvPr id="16" name="Straight Connector 15">
             <a:extLst>
               <a:ext uri="{FF2B5EF4-FFF2-40B4-BE49-F238E27FC236}">
-                <a16:creationId xmlns:a16="http://schemas.microsoft.com/office/drawing/2014/main" id="{95C486A1-9876-924E-85C2-906892F8B9AC}"/>
+                <a16:creationId xmlns="" xmlns:a16="http://schemas.microsoft.com/office/drawing/2014/main" id="{95C486A1-9876-924E-85C2-906892F8B9AC}"/>
               </a:ext>
             </a:extLst>
           </p:cNvPr>
@@ -2977,7 +2977,7 @@
           <a:graphicData uri="http://schemas.openxmlformats.org/presentationml/2006/ole">
             <mc:AlternateContent xmlns:mc="http://schemas.openxmlformats.org/markup-compatibility/2006">
               <mc:Choice xmlns:v="urn:schemas-microsoft-com:vml" Requires="v">
-                <p:oleObj spid="_x0000_s34837" name="think-cell Slide" r:id="rId4" imgW="216" imgH="216" progId="TCLayout.ActiveDocument.1">
+                <p:oleObj spid="_x0000_s34861" name="think-cell Slide" r:id="rId4" imgW="216" imgH="216" progId="TCLayout.ActiveDocument.1">
                   <p:embed/>
                 </p:oleObj>
               </mc:Choice>
@@ -3017,7 +3017,7 @@
           <p:cNvPr id="8" name="Title 7">
             <a:extLst>
               <a:ext uri="{FF2B5EF4-FFF2-40B4-BE49-F238E27FC236}">
-                <a16:creationId xmlns:a16="http://schemas.microsoft.com/office/drawing/2014/main" id="{8A6F1540-D306-D44E-B1B3-1ACCF1041F70}"/>
+                <a16:creationId xmlns="" xmlns:a16="http://schemas.microsoft.com/office/drawing/2014/main" id="{8A6F1540-D306-D44E-B1B3-1ACCF1041F70}"/>
               </a:ext>
             </a:extLst>
           </p:cNvPr>
@@ -3813,7 +3813,7 @@
           <p:cNvPr id="37" name="Footer Placeholder 3">
             <a:extLst>
               <a:ext uri="{FF2B5EF4-FFF2-40B4-BE49-F238E27FC236}">
-                <a16:creationId xmlns:a16="http://schemas.microsoft.com/office/drawing/2014/main" id="{DBA440F4-82E0-7E45-8A6F-4A8C7572AEE5}"/>
+                <a16:creationId xmlns="" xmlns:a16="http://schemas.microsoft.com/office/drawing/2014/main" id="{DBA440F4-82E0-7E45-8A6F-4A8C7572AEE5}"/>
               </a:ext>
             </a:extLst>
           </p:cNvPr>
@@ -3872,7 +3872,7 @@
           <p:cNvPr id="38" name="Slide Number Placeholder 5">
             <a:extLst>
               <a:ext uri="{FF2B5EF4-FFF2-40B4-BE49-F238E27FC236}">
-                <a16:creationId xmlns:a16="http://schemas.microsoft.com/office/drawing/2014/main" id="{CC67CD5C-67EC-5144-B858-5347C50D1ACD}"/>
+                <a16:creationId xmlns="" xmlns:a16="http://schemas.microsoft.com/office/drawing/2014/main" id="{CC67CD5C-67EC-5144-B858-5347C50D1ACD}"/>
               </a:ext>
             </a:extLst>
           </p:cNvPr>
@@ -3924,7 +3924,7 @@
           <p:cNvPr id="39" name="Straight Connector 38">
             <a:extLst>
               <a:ext uri="{FF2B5EF4-FFF2-40B4-BE49-F238E27FC236}">
-                <a16:creationId xmlns:a16="http://schemas.microsoft.com/office/drawing/2014/main" id="{95C486A1-9876-924E-85C2-906892F8B9AC}"/>
+                <a16:creationId xmlns="" xmlns:a16="http://schemas.microsoft.com/office/drawing/2014/main" id="{95C486A1-9876-924E-85C2-906892F8B9AC}"/>
               </a:ext>
             </a:extLst>
           </p:cNvPr>
@@ -4025,7 +4025,7 @@
           <a:graphicData uri="http://schemas.openxmlformats.org/presentationml/2006/ole">
             <mc:AlternateContent xmlns:mc="http://schemas.openxmlformats.org/markup-compatibility/2006">
               <mc:Choice xmlns:v="urn:schemas-microsoft-com:vml" Requires="v">
-                <p:oleObj spid="_x0000_s35861" name="think-cell Slide" r:id="rId5" imgW="216" imgH="216" progId="TCLayout.ActiveDocument.1">
+                <p:oleObj spid="_x0000_s35885" name="think-cell Slide" r:id="rId5" imgW="216" imgH="216" progId="TCLayout.ActiveDocument.1">
                   <p:embed/>
                 </p:oleObj>
               </mc:Choice>
@@ -4242,7 +4242,7 @@
           <p:cNvPr id="4" name="Footer Placeholder 3">
             <a:extLst>
               <a:ext uri="{FF2B5EF4-FFF2-40B4-BE49-F238E27FC236}">
-                <a16:creationId xmlns:a16="http://schemas.microsoft.com/office/drawing/2014/main" id="{17D6DE4C-D976-4B4B-B087-C035EF8D4F6F}"/>
+                <a16:creationId xmlns="" xmlns:a16="http://schemas.microsoft.com/office/drawing/2014/main" id="{17D6DE4C-D976-4B4B-B087-C035EF8D4F6F}"/>
               </a:ext>
             </a:extLst>
           </p:cNvPr>
@@ -4301,7 +4301,7 @@
           <p:cNvPr id="17" name="Slide Number Placeholder 5">
             <a:extLst>
               <a:ext uri="{FF2B5EF4-FFF2-40B4-BE49-F238E27FC236}">
-                <a16:creationId xmlns:a16="http://schemas.microsoft.com/office/drawing/2014/main" id="{CC67CD5C-67EC-5144-B858-5347C50D1ACD}"/>
+                <a16:creationId xmlns="" xmlns:a16="http://schemas.microsoft.com/office/drawing/2014/main" id="{CC67CD5C-67EC-5144-B858-5347C50D1ACD}"/>
               </a:ext>
             </a:extLst>
           </p:cNvPr>
@@ -4353,7 +4353,7 @@
           <p:cNvPr id="8" name="Title 7">
             <a:extLst>
               <a:ext uri="{FF2B5EF4-FFF2-40B4-BE49-F238E27FC236}">
-                <a16:creationId xmlns:a16="http://schemas.microsoft.com/office/drawing/2014/main" id="{8A6F1540-D306-D44E-B1B3-1ACCF1041F70}"/>
+                <a16:creationId xmlns="" xmlns:a16="http://schemas.microsoft.com/office/drawing/2014/main" id="{8A6F1540-D306-D44E-B1B3-1ACCF1041F70}"/>
               </a:ext>
             </a:extLst>
           </p:cNvPr>
@@ -4397,7 +4397,7 @@
           <p:cNvPr id="9" name="Straight Connector 8">
             <a:extLst>
               <a:ext uri="{FF2B5EF4-FFF2-40B4-BE49-F238E27FC236}">
-                <a16:creationId xmlns:a16="http://schemas.microsoft.com/office/drawing/2014/main" id="{BB1AA2BE-B537-254D-958A-FBAFDE7E90DC}"/>
+                <a16:creationId xmlns="" xmlns:a16="http://schemas.microsoft.com/office/drawing/2014/main" id="{BB1AA2BE-B537-254D-958A-FBAFDE7E90DC}"/>
               </a:ext>
             </a:extLst>
           </p:cNvPr>
@@ -4440,7 +4440,7 @@
           <p:cNvPr id="10" name="Straight Connector 9">
             <a:extLst>
               <a:ext uri="{FF2B5EF4-FFF2-40B4-BE49-F238E27FC236}">
-                <a16:creationId xmlns:a16="http://schemas.microsoft.com/office/drawing/2014/main" id="{95C486A1-9876-924E-85C2-906892F8B9AC}"/>
+                <a16:creationId xmlns="" xmlns:a16="http://schemas.microsoft.com/office/drawing/2014/main" id="{95C486A1-9876-924E-85C2-906892F8B9AC}"/>
               </a:ext>
             </a:extLst>
           </p:cNvPr>
@@ -4544,7 +4544,7 @@
           <a:graphicData uri="http://schemas.openxmlformats.org/presentationml/2006/ole">
             <mc:AlternateContent xmlns:mc="http://schemas.openxmlformats.org/markup-compatibility/2006">
               <mc:Choice xmlns:v="urn:schemas-microsoft-com:vml" Requires="v">
-                <p:oleObj spid="_x0000_s45059" name="think-cell Slide" r:id="rId4" imgW="216" imgH="216" progId="TCLayout.ActiveDocument.1">
+                <p:oleObj spid="_x0000_s45083" name="think-cell Slide" r:id="rId4" imgW="216" imgH="216" progId="TCLayout.ActiveDocument.1">
                   <p:embed/>
                 </p:oleObj>
               </mc:Choice>
@@ -4630,7 +4630,7 @@
           <a:graphicData uri="http://schemas.openxmlformats.org/presentationml/2006/ole">
             <mc:AlternateContent xmlns:mc="http://schemas.openxmlformats.org/markup-compatibility/2006">
               <mc:Choice xmlns:v="urn:schemas-microsoft-com:vml" Requires="v">
-                <p:oleObj spid="_x0000_s37909" name="think-cell Slide" r:id="rId5" imgW="216" imgH="216" progId="TCLayout.ActiveDocument.1">
+                <p:oleObj spid="_x0000_s37933" name="think-cell Slide" r:id="rId5" imgW="216" imgH="216" progId="TCLayout.ActiveDocument.1">
                   <p:embed/>
                 </p:oleObj>
               </mc:Choice>
@@ -4827,7 +4827,7 @@
           <p:cNvPr id="4" name="Footer Placeholder 3">
             <a:extLst>
               <a:ext uri="{FF2B5EF4-FFF2-40B4-BE49-F238E27FC236}">
-                <a16:creationId xmlns:a16="http://schemas.microsoft.com/office/drawing/2014/main" id="{17D6DE4C-D976-4B4B-B087-C035EF8D4F6F}"/>
+                <a16:creationId xmlns="" xmlns:a16="http://schemas.microsoft.com/office/drawing/2014/main" id="{17D6DE4C-D976-4B4B-B087-C035EF8D4F6F}"/>
               </a:ext>
             </a:extLst>
           </p:cNvPr>
@@ -4886,7 +4886,7 @@
           <p:cNvPr id="13" name="Straight Connector 12">
             <a:extLst>
               <a:ext uri="{FF2B5EF4-FFF2-40B4-BE49-F238E27FC236}">
-                <a16:creationId xmlns:a16="http://schemas.microsoft.com/office/drawing/2014/main" id="{95C486A1-9876-924E-85C2-906892F8B9AC}"/>
+                <a16:creationId xmlns="" xmlns:a16="http://schemas.microsoft.com/office/drawing/2014/main" id="{95C486A1-9876-924E-85C2-906892F8B9AC}"/>
               </a:ext>
             </a:extLst>
           </p:cNvPr>
@@ -4929,7 +4929,7 @@
           <p:cNvPr id="17" name="Slide Number Placeholder 5">
             <a:extLst>
               <a:ext uri="{FF2B5EF4-FFF2-40B4-BE49-F238E27FC236}">
-                <a16:creationId xmlns:a16="http://schemas.microsoft.com/office/drawing/2014/main" id="{CC67CD5C-67EC-5144-B858-5347C50D1ACD}"/>
+                <a16:creationId xmlns="" xmlns:a16="http://schemas.microsoft.com/office/drawing/2014/main" id="{CC67CD5C-67EC-5144-B858-5347C50D1ACD}"/>
               </a:ext>
             </a:extLst>
           </p:cNvPr>
@@ -4981,7 +4981,7 @@
           <p:cNvPr id="8" name="Title 7">
             <a:extLst>
               <a:ext uri="{FF2B5EF4-FFF2-40B4-BE49-F238E27FC236}">
-                <a16:creationId xmlns:a16="http://schemas.microsoft.com/office/drawing/2014/main" id="{8A6F1540-D306-D44E-B1B3-1ACCF1041F70}"/>
+                <a16:creationId xmlns="" xmlns:a16="http://schemas.microsoft.com/office/drawing/2014/main" id="{8A6F1540-D306-D44E-B1B3-1ACCF1041F70}"/>
               </a:ext>
             </a:extLst>
           </p:cNvPr>
@@ -5107,7 +5107,7 @@
           <a:graphicData uri="http://schemas.openxmlformats.org/presentationml/2006/ole">
             <mc:AlternateContent xmlns:mc="http://schemas.openxmlformats.org/markup-compatibility/2006">
               <mc:Choice xmlns:v="urn:schemas-microsoft-com:vml" Requires="v">
-                <p:oleObj spid="_x0000_s38933" name="think-cell Slide" r:id="rId4" imgW="216" imgH="216" progId="TCLayout.ActiveDocument.1">
+                <p:oleObj spid="_x0000_s38957" name="think-cell Slide" r:id="rId4" imgW="216" imgH="216" progId="TCLayout.ActiveDocument.1">
                   <p:embed/>
                 </p:oleObj>
               </mc:Choice>
@@ -5233,7 +5233,7 @@
           <p:cNvPr id="8" name="Title 7">
             <a:extLst>
               <a:ext uri="{FF2B5EF4-FFF2-40B4-BE49-F238E27FC236}">
-                <a16:creationId xmlns:a16="http://schemas.microsoft.com/office/drawing/2014/main" id="{8A6F1540-D306-D44E-B1B3-1ACCF1041F70}"/>
+                <a16:creationId xmlns="" xmlns:a16="http://schemas.microsoft.com/office/drawing/2014/main" id="{8A6F1540-D306-D44E-B1B3-1ACCF1041F70}"/>
               </a:ext>
             </a:extLst>
           </p:cNvPr>
@@ -5269,7 +5269,7 @@
           <p:cNvPr id="9" name="Content Placeholder 2">
             <a:extLst>
               <a:ext uri="{FF2B5EF4-FFF2-40B4-BE49-F238E27FC236}">
-                <a16:creationId xmlns:a16="http://schemas.microsoft.com/office/drawing/2014/main" id="{0A7C1352-3D49-F849-9BC3-BC0AF9CD8F04}"/>
+                <a16:creationId xmlns="" xmlns:a16="http://schemas.microsoft.com/office/drawing/2014/main" id="{0A7C1352-3D49-F849-9BC3-BC0AF9CD8F04}"/>
               </a:ext>
             </a:extLst>
           </p:cNvPr>
@@ -5361,7 +5361,7 @@
           <p:cNvPr id="10" name="Content Placeholder 2">
             <a:extLst>
               <a:ext uri="{FF2B5EF4-FFF2-40B4-BE49-F238E27FC236}">
-                <a16:creationId xmlns:a16="http://schemas.microsoft.com/office/drawing/2014/main" id="{D1AA7CFB-7669-2648-A3E1-E647E531399E}"/>
+                <a16:creationId xmlns="" xmlns:a16="http://schemas.microsoft.com/office/drawing/2014/main" id="{D1AA7CFB-7669-2648-A3E1-E647E531399E}"/>
               </a:ext>
             </a:extLst>
           </p:cNvPr>
@@ -5453,7 +5453,7 @@
           <p:cNvPr id="11" name="Content Placeholder 2">
             <a:extLst>
               <a:ext uri="{FF2B5EF4-FFF2-40B4-BE49-F238E27FC236}">
-                <a16:creationId xmlns:a16="http://schemas.microsoft.com/office/drawing/2014/main" id="{2E4B4082-D988-5D43-9C32-2C7F747717ED}"/>
+                <a16:creationId xmlns="" xmlns:a16="http://schemas.microsoft.com/office/drawing/2014/main" id="{2E4B4082-D988-5D43-9C32-2C7F747717ED}"/>
               </a:ext>
             </a:extLst>
           </p:cNvPr>
@@ -5545,7 +5545,7 @@
           <p:cNvPr id="12" name="Content Placeholder 2">
             <a:extLst>
               <a:ext uri="{FF2B5EF4-FFF2-40B4-BE49-F238E27FC236}">
-                <a16:creationId xmlns:a16="http://schemas.microsoft.com/office/drawing/2014/main" id="{45B8DE4D-1F9B-7341-8CB2-D70634815B55}"/>
+                <a16:creationId xmlns="" xmlns:a16="http://schemas.microsoft.com/office/drawing/2014/main" id="{45B8DE4D-1F9B-7341-8CB2-D70634815B55}"/>
               </a:ext>
             </a:extLst>
           </p:cNvPr>
@@ -5637,7 +5637,7 @@
           <p:cNvPr id="14" name="Footer Placeholder 3">
             <a:extLst>
               <a:ext uri="{FF2B5EF4-FFF2-40B4-BE49-F238E27FC236}">
-                <a16:creationId xmlns:a16="http://schemas.microsoft.com/office/drawing/2014/main" id="{DBA440F4-82E0-7E45-8A6F-4A8C7572AEE5}"/>
+                <a16:creationId xmlns="" xmlns:a16="http://schemas.microsoft.com/office/drawing/2014/main" id="{DBA440F4-82E0-7E45-8A6F-4A8C7572AEE5}"/>
               </a:ext>
             </a:extLst>
           </p:cNvPr>
@@ -5696,7 +5696,7 @@
           <p:cNvPr id="15" name="Slide Number Placeholder 5">
             <a:extLst>
               <a:ext uri="{FF2B5EF4-FFF2-40B4-BE49-F238E27FC236}">
-                <a16:creationId xmlns:a16="http://schemas.microsoft.com/office/drawing/2014/main" id="{CC67CD5C-67EC-5144-B858-5347C50D1ACD}"/>
+                <a16:creationId xmlns="" xmlns:a16="http://schemas.microsoft.com/office/drawing/2014/main" id="{CC67CD5C-67EC-5144-B858-5347C50D1ACD}"/>
               </a:ext>
             </a:extLst>
           </p:cNvPr>
@@ -5748,7 +5748,7 @@
           <p:cNvPr id="16" name="Straight Connector 15">
             <a:extLst>
               <a:ext uri="{FF2B5EF4-FFF2-40B4-BE49-F238E27FC236}">
-                <a16:creationId xmlns:a16="http://schemas.microsoft.com/office/drawing/2014/main" id="{95C486A1-9876-924E-85C2-906892F8B9AC}"/>
+                <a16:creationId xmlns="" xmlns:a16="http://schemas.microsoft.com/office/drawing/2014/main" id="{95C486A1-9876-924E-85C2-906892F8B9AC}"/>
               </a:ext>
             </a:extLst>
           </p:cNvPr>
@@ -5844,7 +5844,7 @@
           <a:graphicData uri="http://schemas.openxmlformats.org/presentationml/2006/ole">
             <mc:AlternateContent xmlns:mc="http://schemas.openxmlformats.org/markup-compatibility/2006">
               <mc:Choice xmlns:v="urn:schemas-microsoft-com:vml" Requires="v">
-                <p:oleObj spid="_x0000_s39957" name="think-cell Slide" r:id="rId4" imgW="216" imgH="216" progId="TCLayout.ActiveDocument.1">
+                <p:oleObj spid="_x0000_s39981" name="think-cell Slide" r:id="rId4" imgW="216" imgH="216" progId="TCLayout.ActiveDocument.1">
                   <p:embed/>
                 </p:oleObj>
               </mc:Choice>
@@ -5884,7 +5884,7 @@
           <p:cNvPr id="8" name="Title 7">
             <a:extLst>
               <a:ext uri="{FF2B5EF4-FFF2-40B4-BE49-F238E27FC236}">
-                <a16:creationId xmlns:a16="http://schemas.microsoft.com/office/drawing/2014/main" id="{8A6F1540-D306-D44E-B1B3-1ACCF1041F70}"/>
+                <a16:creationId xmlns="" xmlns:a16="http://schemas.microsoft.com/office/drawing/2014/main" id="{8A6F1540-D306-D44E-B1B3-1ACCF1041F70}"/>
               </a:ext>
             </a:extLst>
           </p:cNvPr>
@@ -6680,7 +6680,7 @@
           <p:cNvPr id="37" name="Footer Placeholder 3">
             <a:extLst>
               <a:ext uri="{FF2B5EF4-FFF2-40B4-BE49-F238E27FC236}">
-                <a16:creationId xmlns:a16="http://schemas.microsoft.com/office/drawing/2014/main" id="{DBA440F4-82E0-7E45-8A6F-4A8C7572AEE5}"/>
+                <a16:creationId xmlns="" xmlns:a16="http://schemas.microsoft.com/office/drawing/2014/main" id="{DBA440F4-82E0-7E45-8A6F-4A8C7572AEE5}"/>
               </a:ext>
             </a:extLst>
           </p:cNvPr>
@@ -6739,7 +6739,7 @@
           <p:cNvPr id="38" name="Slide Number Placeholder 5">
             <a:extLst>
               <a:ext uri="{FF2B5EF4-FFF2-40B4-BE49-F238E27FC236}">
-                <a16:creationId xmlns:a16="http://schemas.microsoft.com/office/drawing/2014/main" id="{CC67CD5C-67EC-5144-B858-5347C50D1ACD}"/>
+                <a16:creationId xmlns="" xmlns:a16="http://schemas.microsoft.com/office/drawing/2014/main" id="{CC67CD5C-67EC-5144-B858-5347C50D1ACD}"/>
               </a:ext>
             </a:extLst>
           </p:cNvPr>
@@ -6791,7 +6791,7 @@
           <p:cNvPr id="39" name="Straight Connector 38">
             <a:extLst>
               <a:ext uri="{FF2B5EF4-FFF2-40B4-BE49-F238E27FC236}">
-                <a16:creationId xmlns:a16="http://schemas.microsoft.com/office/drawing/2014/main" id="{95C486A1-9876-924E-85C2-906892F8B9AC}"/>
+                <a16:creationId xmlns="" xmlns:a16="http://schemas.microsoft.com/office/drawing/2014/main" id="{95C486A1-9876-924E-85C2-906892F8B9AC}"/>
               </a:ext>
             </a:extLst>
           </p:cNvPr>
@@ -6892,7 +6892,7 @@
           <a:graphicData uri="http://schemas.openxmlformats.org/presentationml/2006/ole">
             <mc:AlternateContent xmlns:mc="http://schemas.openxmlformats.org/markup-compatibility/2006">
               <mc:Choice xmlns:v="urn:schemas-microsoft-com:vml" Requires="v">
-                <p:oleObj spid="_x0000_s40981" name="think-cell Slide" r:id="rId5" imgW="216" imgH="216" progId="TCLayout.ActiveDocument.1">
+                <p:oleObj spid="_x0000_s41005" name="think-cell Slide" r:id="rId5" imgW="216" imgH="216" progId="TCLayout.ActiveDocument.1">
                   <p:embed/>
                 </p:oleObj>
               </mc:Choice>
@@ -7109,7 +7109,7 @@
           <p:cNvPr id="4" name="Footer Placeholder 3">
             <a:extLst>
               <a:ext uri="{FF2B5EF4-FFF2-40B4-BE49-F238E27FC236}">
-                <a16:creationId xmlns:a16="http://schemas.microsoft.com/office/drawing/2014/main" id="{17D6DE4C-D976-4B4B-B087-C035EF8D4F6F}"/>
+                <a16:creationId xmlns="" xmlns:a16="http://schemas.microsoft.com/office/drawing/2014/main" id="{17D6DE4C-D976-4B4B-B087-C035EF8D4F6F}"/>
               </a:ext>
             </a:extLst>
           </p:cNvPr>
@@ -7168,7 +7168,7 @@
           <p:cNvPr id="17" name="Slide Number Placeholder 5">
             <a:extLst>
               <a:ext uri="{FF2B5EF4-FFF2-40B4-BE49-F238E27FC236}">
-                <a16:creationId xmlns:a16="http://schemas.microsoft.com/office/drawing/2014/main" id="{CC67CD5C-67EC-5144-B858-5347C50D1ACD}"/>
+                <a16:creationId xmlns="" xmlns:a16="http://schemas.microsoft.com/office/drawing/2014/main" id="{CC67CD5C-67EC-5144-B858-5347C50D1ACD}"/>
               </a:ext>
             </a:extLst>
           </p:cNvPr>
@@ -7220,7 +7220,7 @@
           <p:cNvPr id="8" name="Title 7">
             <a:extLst>
               <a:ext uri="{FF2B5EF4-FFF2-40B4-BE49-F238E27FC236}">
-                <a16:creationId xmlns:a16="http://schemas.microsoft.com/office/drawing/2014/main" id="{8A6F1540-D306-D44E-B1B3-1ACCF1041F70}"/>
+                <a16:creationId xmlns="" xmlns:a16="http://schemas.microsoft.com/office/drawing/2014/main" id="{8A6F1540-D306-D44E-B1B3-1ACCF1041F70}"/>
               </a:ext>
             </a:extLst>
           </p:cNvPr>
@@ -7264,7 +7264,7 @@
           <p:cNvPr id="9" name="Straight Connector 8">
             <a:extLst>
               <a:ext uri="{FF2B5EF4-FFF2-40B4-BE49-F238E27FC236}">
-                <a16:creationId xmlns:a16="http://schemas.microsoft.com/office/drawing/2014/main" id="{BB1AA2BE-B537-254D-958A-FBAFDE7E90DC}"/>
+                <a16:creationId xmlns="" xmlns:a16="http://schemas.microsoft.com/office/drawing/2014/main" id="{BB1AA2BE-B537-254D-958A-FBAFDE7E90DC}"/>
               </a:ext>
             </a:extLst>
           </p:cNvPr>
@@ -7307,7 +7307,7 @@
           <p:cNvPr id="10" name="Straight Connector 9">
             <a:extLst>
               <a:ext uri="{FF2B5EF4-FFF2-40B4-BE49-F238E27FC236}">
-                <a16:creationId xmlns:a16="http://schemas.microsoft.com/office/drawing/2014/main" id="{95C486A1-9876-924E-85C2-906892F8B9AC}"/>
+                <a16:creationId xmlns="" xmlns:a16="http://schemas.microsoft.com/office/drawing/2014/main" id="{95C486A1-9876-924E-85C2-906892F8B9AC}"/>
               </a:ext>
             </a:extLst>
           </p:cNvPr>
@@ -7412,7 +7412,7 @@
           <a:graphicData uri="http://schemas.openxmlformats.org/presentationml/2006/ole">
             <mc:AlternateContent xmlns:mc="http://schemas.openxmlformats.org/markup-compatibility/2006">
               <mc:Choice xmlns:v="urn:schemas-microsoft-com:vml" Requires="v">
-                <p:oleObj spid="_x0000_s31765" name="think-cell Slide" r:id="rId10" imgW="216" imgH="216" progId="TCLayout.ActiveDocument.1">
+                <p:oleObj spid="_x0000_s31789" name="think-cell Slide" r:id="rId10" imgW="216" imgH="216" progId="TCLayout.ActiveDocument.1">
                   <p:embed/>
                 </p:oleObj>
               </mc:Choice>
@@ -7532,7 +7532,7 @@
           <p:cNvPr id="10" name="Straight Connector 9">
             <a:extLst>
               <a:ext uri="{FF2B5EF4-FFF2-40B4-BE49-F238E27FC236}">
-                <a16:creationId xmlns:a16="http://schemas.microsoft.com/office/drawing/2014/main" id="{BB1AA2BE-B537-254D-958A-FBAFDE7E90DC}"/>
+                <a16:creationId xmlns="" xmlns:a16="http://schemas.microsoft.com/office/drawing/2014/main" id="{BB1AA2BE-B537-254D-958A-FBAFDE7E90DC}"/>
               </a:ext>
             </a:extLst>
           </p:cNvPr>
@@ -7575,7 +7575,7 @@
           <p:cNvPr id="15" name="Footer Placeholder 3">
             <a:extLst>
               <a:ext uri="{FF2B5EF4-FFF2-40B4-BE49-F238E27FC236}">
-                <a16:creationId xmlns:a16="http://schemas.microsoft.com/office/drawing/2014/main" id="{DBA440F4-82E0-7E45-8A6F-4A8C7572AEE5}"/>
+                <a16:creationId xmlns="" xmlns:a16="http://schemas.microsoft.com/office/drawing/2014/main" id="{DBA440F4-82E0-7E45-8A6F-4A8C7572AEE5}"/>
               </a:ext>
             </a:extLst>
           </p:cNvPr>
@@ -7634,7 +7634,7 @@
           <p:cNvPr id="16" name="Slide Number Placeholder 5">
             <a:extLst>
               <a:ext uri="{FF2B5EF4-FFF2-40B4-BE49-F238E27FC236}">
-                <a16:creationId xmlns:a16="http://schemas.microsoft.com/office/drawing/2014/main" id="{2D9636C8-FF6B-E141-B9E1-70C7091B23B1}"/>
+                <a16:creationId xmlns="" xmlns:a16="http://schemas.microsoft.com/office/drawing/2014/main" id="{2D9636C8-FF6B-E141-B9E1-70C7091B23B1}"/>
               </a:ext>
             </a:extLst>
           </p:cNvPr>
@@ -8001,7 +8001,7 @@
   </p:txStyles>
   <p:extLst mod="1">
     <p:ext uri="{27BBF7A9-308A-43DC-89C8-2F10F3537804}">
-      <p15:sldGuideLst xmlns:p15="http://schemas.microsoft.com/office/powerpoint/2012/main">
+      <p15:sldGuideLst xmlns="" xmlns:p15="http://schemas.microsoft.com/office/powerpoint/2012/main">
         <p15:guide id="1" orient="horz" pos="2041">
           <p15:clr>
             <a:srgbClr val="F26B43"/>
@@ -8170,7 +8170,7 @@
           <a:graphicData uri="http://schemas.openxmlformats.org/presentationml/2006/ole">
             <mc:AlternateContent xmlns:mc="http://schemas.openxmlformats.org/markup-compatibility/2006">
               <mc:Choice xmlns:v="urn:schemas-microsoft-com:vml" Requires="v">
-                <p:oleObj spid="_x0000_s36886" name="think-cell Slide" r:id="rId10" imgW="216" imgH="216" progId="TCLayout.ActiveDocument.1">
+                <p:oleObj spid="_x0000_s36910" name="think-cell Slide" r:id="rId10" imgW="216" imgH="216" progId="TCLayout.ActiveDocument.1">
                   <p:embed/>
                 </p:oleObj>
               </mc:Choice>
@@ -8290,7 +8290,7 @@
           <p:cNvPr id="10" name="Straight Connector 9">
             <a:extLst>
               <a:ext uri="{FF2B5EF4-FFF2-40B4-BE49-F238E27FC236}">
-                <a16:creationId xmlns:a16="http://schemas.microsoft.com/office/drawing/2014/main" id="{BB1AA2BE-B537-254D-958A-FBAFDE7E90DC}"/>
+                <a16:creationId xmlns="" xmlns:a16="http://schemas.microsoft.com/office/drawing/2014/main" id="{BB1AA2BE-B537-254D-958A-FBAFDE7E90DC}"/>
               </a:ext>
             </a:extLst>
           </p:cNvPr>
@@ -8333,7 +8333,7 @@
           <p:cNvPr id="15" name="Footer Placeholder 3">
             <a:extLst>
               <a:ext uri="{FF2B5EF4-FFF2-40B4-BE49-F238E27FC236}">
-                <a16:creationId xmlns:a16="http://schemas.microsoft.com/office/drawing/2014/main" id="{DBA440F4-82E0-7E45-8A6F-4A8C7572AEE5}"/>
+                <a16:creationId xmlns="" xmlns:a16="http://schemas.microsoft.com/office/drawing/2014/main" id="{DBA440F4-82E0-7E45-8A6F-4A8C7572AEE5}"/>
               </a:ext>
             </a:extLst>
           </p:cNvPr>
@@ -8392,7 +8392,7 @@
           <p:cNvPr id="16" name="Slide Number Placeholder 5">
             <a:extLst>
               <a:ext uri="{FF2B5EF4-FFF2-40B4-BE49-F238E27FC236}">
-                <a16:creationId xmlns:a16="http://schemas.microsoft.com/office/drawing/2014/main" id="{2D9636C8-FF6B-E141-B9E1-70C7091B23B1}"/>
+                <a16:creationId xmlns="" xmlns:a16="http://schemas.microsoft.com/office/drawing/2014/main" id="{2D9636C8-FF6B-E141-B9E1-70C7091B23B1}"/>
               </a:ext>
             </a:extLst>
           </p:cNvPr>
@@ -8759,7 +8759,7 @@
   </p:txStyles>
   <p:extLst mod="1">
     <p:ext uri="{27BBF7A9-308A-43DC-89C8-2F10F3537804}">
-      <p15:sldGuideLst xmlns:p15="http://schemas.microsoft.com/office/powerpoint/2012/main">
+      <p15:sldGuideLst xmlns="" xmlns:p15="http://schemas.microsoft.com/office/powerpoint/2012/main">
         <p15:guide id="1" orient="horz" pos="2041">
           <p15:clr>
             <a:srgbClr val="F26B43"/>
@@ -9028,18 +9028,15 @@
               </a:rPr>
               <a:t>宾利</a:t>
             </a:r>
-            <a:r>
-              <a:rPr lang="en-US" altLang="zh-CN" sz="1507" dirty="0" smtClean="0">
-                <a:solidFill>
-                  <a:srgbClr val="F1F1F1"/>
-                </a:solidFill>
-                <a:latin typeface="+mn-lt"/>
-                <a:ea typeface="+mn-ea"/>
-                <a:cs typeface="+mn-ea"/>
-                <a:sym typeface="+mn-lt"/>
-              </a:rPr>
-              <a:t>XXXX</a:t>
-            </a:r>
+            <a:endParaRPr lang="en-US" altLang="zh-CN" sz="1507" dirty="0" smtClean="0">
+              <a:solidFill>
+                <a:srgbClr val="F1F1F1"/>
+              </a:solidFill>
+              <a:latin typeface="+mn-lt"/>
+              <a:ea typeface="+mn-ea"/>
+              <a:cs typeface="+mn-ea"/>
+              <a:sym typeface="+mn-lt"/>
+            </a:endParaRPr>
           </a:p>
           <a:p>
             <a:pPr algn="l">
@@ -9157,7 +9154,7 @@
                 <a:cs typeface="+mn-ea"/>
                 <a:sym typeface="+mn-lt"/>
               </a:rPr>
-              <a:t>2022-xx-xx</a:t>
+              <a:t>2022--</a:t>
             </a:r>
             <a:endParaRPr lang="en-US" sz="1507" dirty="0">
               <a:solidFill>
@@ -9221,7 +9218,7 @@
                 <a:cs typeface="+mn-ea"/>
                 <a:sym typeface="+mn-lt"/>
               </a:rPr>
-              <a:t>2022-xx-xx</a:t>
+              <a:t>2022--</a:t>
             </a:r>
             <a:endParaRPr lang="en-US" sz="1507" dirty="0">
               <a:solidFill>
@@ -10046,14 +10043,14 @@
           <p:nvPr>
             <p:extLst>
               <p:ext uri="{D42A27DB-BD31-4B8C-83A1-F6EECF244321}">
-                <p14:modId xmlns:p14="http://schemas.microsoft.com/office/powerpoint/2010/main" val="2717914370"/>
+                <p14:modId xmlns:p14="http://schemas.microsoft.com/office/powerpoint/2010/main" val="136459136"/>
               </p:ext>
             </p:extLst>
           </p:nvPr>
         </p:nvGraphicFramePr>
         <p:xfrm>
           <a:off x="587141" y="1234463"/>
-          <a:ext cx="11032602" cy="4650664"/>
+          <a:ext cx="11032602" cy="4516989"/>
         </p:xfrm>
         <a:graphic>
           <a:graphicData uri="http://schemas.openxmlformats.org/drawingml/2006/table">
@@ -10065,21 +10062,21 @@
                 <a:gridCol w="2878070">
                   <a:extLst>
                     <a:ext uri="{9D8B030D-6E8A-4147-A177-3AD203B41FA5}">
-                      <a16:colId xmlns:a16="http://schemas.microsoft.com/office/drawing/2014/main" val="20000"/>
+                      <a16:colId xmlns="" xmlns:a16="http://schemas.microsoft.com/office/drawing/2014/main" val="20000"/>
                     </a:ext>
                   </a:extLst>
                 </a:gridCol>
                 <a:gridCol w="4077266">
                   <a:extLst>
                     <a:ext uri="{9D8B030D-6E8A-4147-A177-3AD203B41FA5}">
-                      <a16:colId xmlns:a16="http://schemas.microsoft.com/office/drawing/2014/main" val="20001"/>
+                      <a16:colId xmlns="" xmlns:a16="http://schemas.microsoft.com/office/drawing/2014/main" val="20001"/>
                     </a:ext>
                   </a:extLst>
                 </a:gridCol>
                 <a:gridCol w="4077266">
                   <a:extLst>
                     <a:ext uri="{9D8B030D-6E8A-4147-A177-3AD203B41FA5}">
-                      <a16:colId xmlns:a16="http://schemas.microsoft.com/office/drawing/2014/main" val="610373499"/>
+                      <a16:colId xmlns="" xmlns:a16="http://schemas.microsoft.com/office/drawing/2014/main" val="610373499"/>
                     </a:ext>
                   </a:extLst>
                 </a:gridCol>
@@ -10358,7 +10355,7 @@
                 </a:tc>
                 <a:extLst>
                   <a:ext uri="{0D108BD9-81ED-4DB2-BD59-A6C34878D82A}">
-                    <a16:rowId xmlns:a16="http://schemas.microsoft.com/office/drawing/2014/main" val="10000"/>
+                    <a16:rowId xmlns="" xmlns:a16="http://schemas.microsoft.com/office/drawing/2014/main" val="10000"/>
                   </a:ext>
                 </a:extLst>
               </a:tr>
@@ -10385,173 +10382,7 @@
                         <a:tabLst/>
                         <a:defRPr/>
                       </a:pPr>
-                      <a:r>
-                        <a:rPr lang="en-US" sz="1200" b="0" kern="1200" dirty="0" smtClean="0">
-                          <a:solidFill>
-                            <a:schemeClr val="tx1">
-                              <a:lumMod val="75000"/>
-                              <a:lumOff val="25000"/>
-                            </a:schemeClr>
-                          </a:solidFill>
-                          <a:latin typeface="+mn-lt"/>
-                          <a:ea typeface="+mn-ea"/>
-                          <a:cs typeface="+mn-ea"/>
-                          <a:sym typeface="+mn-lt"/>
-                        </a:rPr>
-                        <a:t>XX：XX - XX：XX</a:t>
-                      </a:r>
-                    </a:p>
-                  </a:txBody>
-                  <a:tcPr marL="108666" marR="108666" marT="108522" marB="108522" anchor="ctr">
-                    <a:lnL w="57150" cap="flat" cmpd="sng" algn="ctr">
-                      <a:noFill/>
-                      <a:prstDash val="solid"/>
-                      <a:round/>
-                      <a:headEnd type="none" w="med" len="med"/>
-                      <a:tailEnd type="none" w="med" len="med"/>
-                    </a:lnL>
-                    <a:lnR w="3175" cap="flat" cmpd="sng" algn="ctr">
-                      <a:noFill/>
-                      <a:prstDash val="solid"/>
-                      <a:round/>
-                      <a:headEnd type="none" w="med" len="med"/>
-                      <a:tailEnd type="none" w="med" len="med"/>
-                    </a:lnR>
-                    <a:lnT w="6350" cap="flat" cmpd="sng" algn="ctr">
-                      <a:noFill/>
-                      <a:prstDash val="solid"/>
-                      <a:round/>
-                      <a:headEnd type="none" w="med" len="med"/>
-                      <a:tailEnd type="none" w="med" len="med"/>
-                    </a:lnT>
-                    <a:lnB w="3175" cap="flat" cmpd="sng" algn="ctr">
-                      <a:solidFill>
-                        <a:schemeClr val="bg1">
-                          <a:lumMod val="75000"/>
-                        </a:schemeClr>
-                      </a:solidFill>
-                      <a:prstDash val="sysDot"/>
-                      <a:round/>
-                      <a:headEnd type="none" w="med" len="med"/>
-                      <a:tailEnd type="none" w="med" len="med"/>
-                    </a:lnB>
-                    <a:lnTlToBr w="12700" cmpd="sng">
-                      <a:noFill/>
-                      <a:prstDash val="solid"/>
-                    </a:lnTlToBr>
-                    <a:lnBlToTr w="12700" cmpd="sng">
-                      <a:noFill/>
-                      <a:prstDash val="solid"/>
-                    </a:lnBlToTr>
-                    <a:noFill/>
-                  </a:tcPr>
-                </a:tc>
-                <a:tc>
-                  <a:txBody>
-                    <a:bodyPr/>
-                    <a:lstStyle/>
-                    <a:p>
-                      <a:pPr marL="0" marR="0" lvl="0" indent="0" algn="l" defTabSz="685792" rtl="0" eaLnBrk="1" fontAlgn="auto" latinLnBrk="0" hangingPunct="1">
-                        <a:lnSpc>
-                          <a:spcPct val="130000"/>
-                        </a:lnSpc>
-                        <a:spcBef>
-                          <a:spcPts val="0"/>
-                        </a:spcBef>
-                        <a:spcAft>
-                          <a:spcPts val="0"/>
-                        </a:spcAft>
-                        <a:buClrTx/>
-                        <a:buSzTx/>
-                        <a:buFontTx/>
-                        <a:buNone/>
-                        <a:tabLst/>
-                        <a:defRPr/>
-                      </a:pPr>
-                      <a:r>
-                        <a:rPr lang="en-US" sz="1200" b="0" kern="1200" dirty="0" smtClean="0">
-                          <a:solidFill>
-                            <a:schemeClr val="tx1">
-                              <a:lumMod val="75000"/>
-                              <a:lumOff val="25000"/>
-                            </a:schemeClr>
-                          </a:solidFill>
-                          <a:latin typeface="+mn-lt"/>
-                          <a:ea typeface="+mn-ea"/>
-                          <a:cs typeface="+mn-ea"/>
-                          <a:sym typeface="+mn-lt"/>
-                        </a:rPr>
-                        <a:t>XXXX</a:t>
-                      </a:r>
-                    </a:p>
-                    <a:p>
-                      <a:pPr marL="0" marR="0" lvl="0" indent="0" algn="l" defTabSz="685792" rtl="0" eaLnBrk="1" fontAlgn="auto" latinLnBrk="0" hangingPunct="1">
-                        <a:lnSpc>
-                          <a:spcPct val="130000"/>
-                        </a:lnSpc>
-                        <a:spcBef>
-                          <a:spcPts val="0"/>
-                        </a:spcBef>
-                        <a:spcAft>
-                          <a:spcPts val="0"/>
-                        </a:spcAft>
-                        <a:buClrTx/>
-                        <a:buSzTx/>
-                        <a:buFontTx/>
-                        <a:buNone/>
-                        <a:tabLst/>
-                        <a:defRPr/>
-                      </a:pPr>
-                      <a:r>
-                        <a:rPr lang="en-US" altLang="zh-CN" sz="1200" b="0" kern="1200" dirty="0" smtClean="0">
-                          <a:solidFill>
-                            <a:schemeClr val="tx1">
-                              <a:lumMod val="75000"/>
-                              <a:lumOff val="25000"/>
-                            </a:schemeClr>
-                          </a:solidFill>
-                          <a:latin typeface="+mn-lt"/>
-                          <a:ea typeface="+mn-ea"/>
-                          <a:cs typeface="+mn-ea"/>
-                          <a:sym typeface="+mn-lt"/>
-                        </a:rPr>
-                        <a:t>XXXX</a:t>
-                      </a:r>
-                    </a:p>
-                    <a:p>
-                      <a:pPr marL="0" marR="0" lvl="0" indent="0" algn="l" defTabSz="685792" rtl="0" eaLnBrk="1" fontAlgn="auto" latinLnBrk="0" hangingPunct="1">
-                        <a:lnSpc>
-                          <a:spcPct val="130000"/>
-                        </a:lnSpc>
-                        <a:spcBef>
-                          <a:spcPts val="0"/>
-                        </a:spcBef>
-                        <a:spcAft>
-                          <a:spcPts val="0"/>
-                        </a:spcAft>
-                        <a:buClrTx/>
-                        <a:buSzTx/>
-                        <a:buFontTx/>
-                        <a:buNone/>
-                        <a:tabLst/>
-                        <a:defRPr/>
-                      </a:pPr>
-                      <a:r>
-                        <a:rPr lang="en-US" altLang="zh-CN" sz="1200" b="0" kern="1200" dirty="0" smtClean="0">
-                          <a:solidFill>
-                            <a:schemeClr val="tx1">
-                              <a:lumMod val="75000"/>
-                              <a:lumOff val="25000"/>
-                            </a:schemeClr>
-                          </a:solidFill>
-                          <a:latin typeface="+mn-lt"/>
-                          <a:ea typeface="+mn-ea"/>
-                          <a:cs typeface="+mn-ea"/>
-                          <a:sym typeface="+mn-lt"/>
-                        </a:rPr>
-                        <a:t>XXXX</a:t>
-                      </a:r>
-                      <a:endParaRPr lang="en-US" altLang="zh-CN" sz="1200" b="0" kern="1200" dirty="0">
+                      <a:endParaRPr lang="en-US" sz="1200" b="0" kern="1200" dirty="0" smtClean="0">
                         <a:solidFill>
                           <a:schemeClr val="tx1">
                             <a:lumMod val="75000"/>
@@ -10566,14 +10397,14 @@
                     </a:p>
                   </a:txBody>
                   <a:tcPr marL="108666" marR="108666" marT="108522" marB="108522" anchor="ctr">
-                    <a:lnL w="3175" cap="flat" cmpd="sng" algn="ctr">
+                    <a:lnL w="57150" cap="flat" cmpd="sng" algn="ctr">
                       <a:noFill/>
                       <a:prstDash val="solid"/>
                       <a:round/>
                       <a:headEnd type="none" w="med" len="med"/>
                       <a:tailEnd type="none" w="med" len="med"/>
                     </a:lnL>
-                    <a:lnR w="57150" cap="flat" cmpd="sng" algn="ctr">
+                    <a:lnR w="3175" cap="flat" cmpd="sng" algn="ctr">
                       <a:noFill/>
                       <a:prstDash val="solid"/>
                       <a:round/>
@@ -10689,9 +10520,89 @@
                     <a:noFill/>
                   </a:tcPr>
                 </a:tc>
+                <a:tc>
+                  <a:txBody>
+                    <a:bodyPr/>
+                    <a:lstStyle/>
+                    <a:p>
+                      <a:pPr marL="0" marR="0" lvl="0" indent="0" algn="l" defTabSz="685792" rtl="0" eaLnBrk="1" fontAlgn="auto" latinLnBrk="0" hangingPunct="1">
+                        <a:lnSpc>
+                          <a:spcPct val="130000"/>
+                        </a:lnSpc>
+                        <a:spcBef>
+                          <a:spcPts val="0"/>
+                        </a:spcBef>
+                        <a:spcAft>
+                          <a:spcPts val="0"/>
+                        </a:spcAft>
+                        <a:buClrTx/>
+                        <a:buSzTx/>
+                        <a:buFontTx/>
+                        <a:buNone/>
+                        <a:tabLst/>
+                        <a:defRPr/>
+                      </a:pPr>
+                      <a:endParaRPr lang="en-US" altLang="zh-CN" sz="1200" b="0" kern="1200" dirty="0">
+                        <a:solidFill>
+                          <a:schemeClr val="tx1">
+                            <a:lumMod val="75000"/>
+                            <a:lumOff val="25000"/>
+                          </a:schemeClr>
+                        </a:solidFill>
+                        <a:latin typeface="+mn-lt"/>
+                        <a:ea typeface="+mn-ea"/>
+                        <a:cs typeface="+mn-ea"/>
+                        <a:sym typeface="+mn-lt"/>
+                      </a:endParaRPr>
+                    </a:p>
+                  </a:txBody>
+                  <a:tcPr marL="108666" marR="108666" marT="108522" marB="108522" anchor="ctr">
+                    <a:lnL w="3175" cap="flat" cmpd="sng" algn="ctr">
+                      <a:noFill/>
+                      <a:prstDash val="solid"/>
+                      <a:round/>
+                      <a:headEnd type="none" w="med" len="med"/>
+                      <a:tailEnd type="none" w="med" len="med"/>
+                    </a:lnL>
+                    <a:lnR w="57150" cap="flat" cmpd="sng" algn="ctr">
+                      <a:noFill/>
+                      <a:prstDash val="solid"/>
+                      <a:round/>
+                      <a:headEnd type="none" w="med" len="med"/>
+                      <a:tailEnd type="none" w="med" len="med"/>
+                    </a:lnR>
+                    <a:lnT w="6350" cap="flat" cmpd="sng" algn="ctr">
+                      <a:noFill/>
+                      <a:prstDash val="solid"/>
+                      <a:round/>
+                      <a:headEnd type="none" w="med" len="med"/>
+                      <a:tailEnd type="none" w="med" len="med"/>
+                    </a:lnT>
+                    <a:lnB w="3175" cap="flat" cmpd="sng" algn="ctr">
+                      <a:solidFill>
+                        <a:schemeClr val="bg1">
+                          <a:lumMod val="75000"/>
+                        </a:schemeClr>
+                      </a:solidFill>
+                      <a:prstDash val="sysDot"/>
+                      <a:round/>
+                      <a:headEnd type="none" w="med" len="med"/>
+                      <a:tailEnd type="none" w="med" len="med"/>
+                    </a:lnB>
+                    <a:lnTlToBr w="12700" cmpd="sng">
+                      <a:noFill/>
+                      <a:prstDash val="solid"/>
+                    </a:lnTlToBr>
+                    <a:lnBlToTr w="12700" cmpd="sng">
+                      <a:noFill/>
+                      <a:prstDash val="solid"/>
+                    </a:lnBlToTr>
+                    <a:noFill/>
+                  </a:tcPr>
+                </a:tc>
                 <a:extLst>
                   <a:ext uri="{0D108BD9-81ED-4DB2-BD59-A6C34878D82A}">
-                    <a16:rowId xmlns:a16="http://schemas.microsoft.com/office/drawing/2014/main" val="10001"/>
+                    <a16:rowId xmlns="" xmlns:a16="http://schemas.microsoft.com/office/drawing/2014/main" val="10001"/>
                   </a:ext>
                 </a:extLst>
               </a:tr>
@@ -10950,7 +10861,7 @@
                 </a:tc>
                 <a:extLst>
                   <a:ext uri="{0D108BD9-81ED-4DB2-BD59-A6C34878D82A}">
-                    <a16:rowId xmlns:a16="http://schemas.microsoft.com/office/drawing/2014/main" val="10002"/>
+                    <a16:rowId xmlns="" xmlns:a16="http://schemas.microsoft.com/office/drawing/2014/main" val="10002"/>
                   </a:ext>
                 </a:extLst>
               </a:tr>
@@ -11209,7 +11120,7 @@
                 </a:tc>
                 <a:extLst>
                   <a:ext uri="{0D108BD9-81ED-4DB2-BD59-A6C34878D82A}">
-                    <a16:rowId xmlns:a16="http://schemas.microsoft.com/office/drawing/2014/main" val="10003"/>
+                    <a16:rowId xmlns="" xmlns:a16="http://schemas.microsoft.com/office/drawing/2014/main" val="10003"/>
                   </a:ext>
                 </a:extLst>
               </a:tr>
@@ -11468,7 +11379,7 @@
                 </a:tc>
                 <a:extLst>
                   <a:ext uri="{0D108BD9-81ED-4DB2-BD59-A6C34878D82A}">
-                    <a16:rowId xmlns:a16="http://schemas.microsoft.com/office/drawing/2014/main" val="10004"/>
+                    <a16:rowId xmlns="" xmlns:a16="http://schemas.microsoft.com/office/drawing/2014/main" val="10004"/>
                   </a:ext>
                 </a:extLst>
               </a:tr>
@@ -11727,7 +11638,7 @@
                 </a:tc>
                 <a:extLst>
                   <a:ext uri="{0D108BD9-81ED-4DB2-BD59-A6C34878D82A}">
-                    <a16:rowId xmlns:a16="http://schemas.microsoft.com/office/drawing/2014/main" val="2987373226"/>
+                    <a16:rowId xmlns="" xmlns:a16="http://schemas.microsoft.com/office/drawing/2014/main" val="2987373226"/>
                   </a:ext>
                 </a:extLst>
               </a:tr>
@@ -11986,7 +11897,7 @@
                 </a:tc>
                 <a:extLst>
                   <a:ext uri="{0D108BD9-81ED-4DB2-BD59-A6C34878D82A}">
-                    <a16:rowId xmlns:a16="http://schemas.microsoft.com/office/drawing/2014/main" val="2639051246"/>
+                    <a16:rowId xmlns="" xmlns:a16="http://schemas.microsoft.com/office/drawing/2014/main" val="2639051246"/>
                   </a:ext>
                 </a:extLst>
               </a:tr>
@@ -12245,7 +12156,7 @@
                 </a:tc>
                 <a:extLst>
                   <a:ext uri="{0D108BD9-81ED-4DB2-BD59-A6C34878D82A}">
-                    <a16:rowId xmlns:a16="http://schemas.microsoft.com/office/drawing/2014/main" val="1177553746"/>
+                    <a16:rowId xmlns="" xmlns:a16="http://schemas.microsoft.com/office/drawing/2014/main" val="1177553746"/>
                   </a:ext>
                 </a:extLst>
               </a:tr>
@@ -12498,7 +12409,7 @@
                 </a:tc>
                 <a:extLst>
                   <a:ext uri="{0D108BD9-81ED-4DB2-BD59-A6C34878D82A}">
-                    <a16:rowId xmlns:a16="http://schemas.microsoft.com/office/drawing/2014/main" val="4230401121"/>
+                    <a16:rowId xmlns="" xmlns:a16="http://schemas.microsoft.com/office/drawing/2014/main" val="4230401121"/>
                   </a:ext>
                 </a:extLst>
               </a:tr>
@@ -12555,42 +12466,6 @@
                 <a:srgbClr val="232323"/>
               </a:solidFill>
               <a:latin typeface="+mn-lt"/>
-              <a:cs typeface="+mn-ea"/>
-              <a:sym typeface="+mn-lt"/>
-            </a:endParaRPr>
-          </a:p>
-        </p:txBody>
-      </p:sp>
-      <p:sp>
-        <p:nvSpPr>
-          <p:cNvPr id="3" name="TextBox 2"/>
-          <p:cNvSpPr txBox="1"/>
-          <p:nvPr/>
-        </p:nvSpPr>
-        <p:spPr>
-          <a:xfrm>
-            <a:off x="3965609" y="3128210"/>
-            <a:ext cx="3877280" cy="369332"/>
-          </a:xfrm>
-          <a:prstGeom prst="rect">
-            <a:avLst/>
-          </a:prstGeom>
-          <a:noFill/>
-        </p:spPr>
-        <p:txBody>
-          <a:bodyPr wrap="none" rtlCol="0">
-            <a:spAutoFit/>
-          </a:bodyPr>
-          <a:lstStyle/>
-          <a:p>
-            <a:r>
-              <a:rPr lang="zh-CN" altLang="en-US" dirty="0" smtClean="0">
-                <a:cs typeface="+mn-ea"/>
-                <a:sym typeface="+mn-lt"/>
-              </a:rPr>
-              <a:t>请提供详细的活动流程，精确到分钟</a:t>
-            </a:r>
-            <a:endParaRPr lang="en-US" dirty="0">
               <a:cs typeface="+mn-ea"/>
               <a:sym typeface="+mn-lt"/>
             </a:endParaRPr>
@@ -12828,7 +12703,7 @@
           <a:graphicData uri="http://schemas.openxmlformats.org/presentationml/2006/ole">
             <mc:AlternateContent xmlns:mc="http://schemas.openxmlformats.org/markup-compatibility/2006">
               <mc:Choice xmlns:v="urn:schemas-microsoft-com:vml" Requires="v">
-                <p:oleObj spid="_x0000_s42011" name="think-cell Slide" r:id="rId6" imgW="416" imgH="416" progId="TCLayout.ActiveDocument.1">
+                <p:oleObj spid="_x0000_s42035" name="think-cell Slide" r:id="rId6" imgW="416" imgH="416" progId="TCLayout.ActiveDocument.1">
                   <p:embed/>
                 </p:oleObj>
               </mc:Choice>
@@ -12872,14 +12747,14 @@
           <p:nvPr>
             <p:extLst>
               <p:ext uri="{D42A27DB-BD31-4B8C-83A1-F6EECF244321}">
-                <p14:modId xmlns:p14="http://schemas.microsoft.com/office/powerpoint/2010/main" val="314199438"/>
+                <p14:modId xmlns:p14="http://schemas.microsoft.com/office/powerpoint/2010/main" val="840222015"/>
               </p:ext>
             </p:extLst>
           </p:nvPr>
         </p:nvGraphicFramePr>
         <p:xfrm>
           <a:off x="539749" y="1107029"/>
-          <a:ext cx="11079991" cy="3272527"/>
+          <a:ext cx="11079991" cy="3442711"/>
         </p:xfrm>
         <a:graphic>
           <a:graphicData uri="http://schemas.openxmlformats.org/drawingml/2006/table">
@@ -12891,42 +12766,42 @@
                 <a:gridCol w="1924933">
                   <a:extLst>
                     <a:ext uri="{9D8B030D-6E8A-4147-A177-3AD203B41FA5}">
-                      <a16:colId xmlns:a16="http://schemas.microsoft.com/office/drawing/2014/main" val="1357581311"/>
+                      <a16:colId xmlns="" xmlns:a16="http://schemas.microsoft.com/office/drawing/2014/main" val="1357581311"/>
                     </a:ext>
                   </a:extLst>
                 </a:gridCol>
                 <a:gridCol w="2706957">
                   <a:extLst>
                     <a:ext uri="{9D8B030D-6E8A-4147-A177-3AD203B41FA5}">
-                      <a16:colId xmlns:a16="http://schemas.microsoft.com/office/drawing/2014/main" val="1956442140"/>
+                      <a16:colId xmlns="" xmlns:a16="http://schemas.microsoft.com/office/drawing/2014/main" val="1956442140"/>
                     </a:ext>
                   </a:extLst>
                 </a:gridCol>
                 <a:gridCol w="1378384">
                   <a:extLst>
                     <a:ext uri="{9D8B030D-6E8A-4147-A177-3AD203B41FA5}">
-                      <a16:colId xmlns:a16="http://schemas.microsoft.com/office/drawing/2014/main" val="3122743454"/>
+                      <a16:colId xmlns="" xmlns:a16="http://schemas.microsoft.com/office/drawing/2014/main" val="3122743454"/>
                     </a:ext>
                   </a:extLst>
                 </a:gridCol>
                 <a:gridCol w="1030714">
                   <a:extLst>
                     <a:ext uri="{9D8B030D-6E8A-4147-A177-3AD203B41FA5}">
-                      <a16:colId xmlns:a16="http://schemas.microsoft.com/office/drawing/2014/main" val="755301095"/>
+                      <a16:colId xmlns="" xmlns:a16="http://schemas.microsoft.com/office/drawing/2014/main" val="755301095"/>
                     </a:ext>
                   </a:extLst>
                 </a:gridCol>
                 <a:gridCol w="2464037">
                   <a:extLst>
                     <a:ext uri="{9D8B030D-6E8A-4147-A177-3AD203B41FA5}">
-                      <a16:colId xmlns:a16="http://schemas.microsoft.com/office/drawing/2014/main" val="2056552446"/>
+                      <a16:colId xmlns="" xmlns:a16="http://schemas.microsoft.com/office/drawing/2014/main" val="2056552446"/>
                     </a:ext>
                   </a:extLst>
                 </a:gridCol>
                 <a:gridCol w="1574966">
                   <a:extLst>
                     <a:ext uri="{9D8B030D-6E8A-4147-A177-3AD203B41FA5}">
-                      <a16:colId xmlns:a16="http://schemas.microsoft.com/office/drawing/2014/main" val="1567976445"/>
+                      <a16:colId xmlns="" xmlns:a16="http://schemas.microsoft.com/office/drawing/2014/main" val="1567976445"/>
                     </a:ext>
                   </a:extLst>
                 </a:gridCol>
@@ -13071,7 +12946,7 @@
                 </a:tc>
                 <a:extLst>
                   <a:ext uri="{0D108BD9-81ED-4DB2-BD59-A6C34878D82A}">
-                    <a16:rowId xmlns:a16="http://schemas.microsoft.com/office/drawing/2014/main" val="3203583067"/>
+                    <a16:rowId xmlns="" xmlns:a16="http://schemas.microsoft.com/office/drawing/2014/main" val="3203583067"/>
                   </a:ext>
                 </a:extLst>
               </a:tr>
@@ -13236,18 +13111,15 @@
                         <a:tabLst/>
                         <a:defRPr/>
                       </a:pPr>
-                      <a:r>
-                        <a:rPr lang="en-US" sz="1200" b="0" kern="1200" dirty="0" smtClean="0">
-                          <a:solidFill>
-                            <a:schemeClr val="tx1"/>
-                          </a:solidFill>
-                          <a:latin typeface="+mn-lt"/>
-                          <a:ea typeface="+mn-ea"/>
-                          <a:cs typeface="+mn-ea"/>
-                          <a:sym typeface="+mn-lt"/>
-                        </a:rPr>
-                        <a:t>XXXXXX</a:t>
-                      </a:r>
+                      <a:endParaRPr lang="en-US" sz="1200" b="0" kern="1200" dirty="0" smtClean="0">
+                        <a:solidFill>
+                          <a:schemeClr val="tx1"/>
+                        </a:solidFill>
+                        <a:latin typeface="+mn-lt"/>
+                        <a:ea typeface="+mn-ea"/>
+                        <a:cs typeface="+mn-ea"/>
+                        <a:sym typeface="+mn-lt"/>
+                      </a:endParaRPr>
                     </a:p>
                   </a:txBody>
                   <a:tcPr marL="108522" marR="108522" marT="54261" marB="54261" anchor="ctr">
@@ -13407,7 +13279,7 @@
                 </a:tc>
                 <a:extLst>
                   <a:ext uri="{0D108BD9-81ED-4DB2-BD59-A6C34878D82A}">
-                    <a16:rowId xmlns:a16="http://schemas.microsoft.com/office/drawing/2014/main" val="851841494"/>
+                    <a16:rowId xmlns="" xmlns:a16="http://schemas.microsoft.com/office/drawing/2014/main" val="851841494"/>
                   </a:ext>
                 </a:extLst>
               </a:tr>
@@ -13532,18 +13404,6 @@
                     <a:lstStyle/>
                     <a:p>
                       <a:pPr marL="0" algn="l" defTabSz="685792" rtl="0" eaLnBrk="1" latinLnBrk="0" hangingPunct="1"/>
-                      <a:r>
-                        <a:rPr lang="en-US" sz="1200" b="0" kern="1200" dirty="0" smtClean="0">
-                          <a:solidFill>
-                            <a:schemeClr val="tx1"/>
-                          </a:solidFill>
-                          <a:latin typeface="+mn-lt"/>
-                          <a:ea typeface="+mn-ea"/>
-                          <a:cs typeface="+mn-ea"/>
-                          <a:sym typeface="+mn-lt"/>
-                        </a:rPr>
-                        <a:t>XX/XX/2021 – XX/XX/2021</a:t>
-                      </a:r>
                       <a:endParaRPr lang="en-US" sz="1200" b="0" kern="1200" dirty="0">
                         <a:solidFill>
                           <a:schemeClr val="tx1"/>
@@ -13945,7 +13805,7 @@
                 </a:tc>
                 <a:extLst>
                   <a:ext uri="{0D108BD9-81ED-4DB2-BD59-A6C34878D82A}">
-                    <a16:rowId xmlns:a16="http://schemas.microsoft.com/office/drawing/2014/main" val="1437797630"/>
+                    <a16:rowId xmlns="" xmlns:a16="http://schemas.microsoft.com/office/drawing/2014/main" val="1437797630"/>
                   </a:ext>
                 </a:extLst>
               </a:tr>
@@ -14216,18 +14076,6 @@
                     <a:bodyPr/>
                     <a:lstStyle/>
                     <a:p>
-                      <a:r>
-                        <a:rPr lang="en-US" sz="1200" b="0" kern="1200" dirty="0" smtClean="0">
-                          <a:solidFill>
-                            <a:schemeClr val="tx1"/>
-                          </a:solidFill>
-                          <a:latin typeface="+mn-lt"/>
-                          <a:ea typeface="+mn-ea"/>
-                          <a:cs typeface="+mn-ea"/>
-                          <a:sym typeface="+mn-lt"/>
-                        </a:rPr>
-                        <a:t>xx</a:t>
-                      </a:r>
                       <a:endParaRPr lang="en-US" sz="1200" b="0" kern="1200" dirty="0">
                         <a:solidFill>
                           <a:schemeClr val="tx1"/>
@@ -14558,18 +14406,6 @@
                     <a:lstStyle/>
                     <a:p>
                       <a:pPr marL="0" algn="l" defTabSz="685792" rtl="0" eaLnBrk="1" latinLnBrk="0" hangingPunct="1"/>
-                      <a:r>
-                        <a:rPr lang="en-US" sz="1200" b="0" kern="1200" dirty="0" smtClean="0">
-                          <a:solidFill>
-                            <a:schemeClr val="tx1"/>
-                          </a:solidFill>
-                          <a:latin typeface="+mn-lt"/>
-                          <a:ea typeface="+mn-ea"/>
-                          <a:cs typeface="+mn-ea"/>
-                          <a:sym typeface="+mn-lt"/>
-                        </a:rPr>
-                        <a:t>XX</a:t>
-                      </a:r>
                       <a:endParaRPr lang="en-US" sz="1200" b="0" kern="1200" dirty="0">
                         <a:solidFill>
                           <a:schemeClr val="tx1"/>
@@ -14621,7 +14457,7 @@
                 </a:tc>
                 <a:extLst>
                   <a:ext uri="{0D108BD9-81ED-4DB2-BD59-A6C34878D82A}">
-                    <a16:rowId xmlns:a16="http://schemas.microsoft.com/office/drawing/2014/main" val="406495537"/>
+                    <a16:rowId xmlns="" xmlns:a16="http://schemas.microsoft.com/office/drawing/2014/main" val="406495537"/>
                   </a:ext>
                 </a:extLst>
               </a:tr>
@@ -14810,18 +14646,6 @@
                     <a:bodyPr/>
                     <a:lstStyle/>
                     <a:p>
-                      <a:r>
-                        <a:rPr lang="en-US" sz="1200" b="0" dirty="0" smtClean="0">
-                          <a:solidFill>
-                            <a:schemeClr val="tx1"/>
-                          </a:solidFill>
-                          <a:latin typeface="+mn-lt"/>
-                          <a:ea typeface="+mn-ea"/>
-                          <a:cs typeface="+mn-ea"/>
-                          <a:sym typeface="+mn-lt"/>
-                        </a:rPr>
-                        <a:t>xx</a:t>
-                      </a:r>
                       <a:endParaRPr lang="en-US" sz="1200" b="0" dirty="0">
                         <a:solidFill>
                           <a:schemeClr val="tx1"/>
@@ -14978,18 +14802,6 @@
                     <a:lstStyle/>
                     <a:p>
                       <a:pPr marL="0" algn="l" defTabSz="685792" rtl="0" eaLnBrk="1" latinLnBrk="0" hangingPunct="1"/>
-                      <a:r>
-                        <a:rPr lang="en-US" sz="1200" b="0" kern="1200" dirty="0" smtClean="0">
-                          <a:solidFill>
-                            <a:schemeClr val="tx1"/>
-                          </a:solidFill>
-                          <a:latin typeface="+mn-lt"/>
-                          <a:ea typeface="+mn-ea"/>
-                          <a:cs typeface="+mn-ea"/>
-                          <a:sym typeface="+mn-lt"/>
-                        </a:rPr>
-                        <a:t>XX</a:t>
-                      </a:r>
                       <a:endParaRPr lang="en-US" sz="1200" b="0" kern="1200" dirty="0">
                         <a:solidFill>
                           <a:schemeClr val="tx1"/>
@@ -15035,7 +14847,7 @@
                 </a:tc>
                 <a:extLst>
                   <a:ext uri="{0D108BD9-81ED-4DB2-BD59-A6C34878D82A}">
-                    <a16:rowId xmlns:a16="http://schemas.microsoft.com/office/drawing/2014/main" val="2200042587"/>
+                    <a16:rowId xmlns="" xmlns:a16="http://schemas.microsoft.com/office/drawing/2014/main" val="2200042587"/>
                   </a:ext>
                 </a:extLst>
               </a:tr>
@@ -15227,18 +15039,15 @@
                         <a:tabLst/>
                         <a:defRPr/>
                       </a:pPr>
-                      <a:r>
-                        <a:rPr lang="en-US" altLang="zh-CN" sz="1200" b="0" kern="1200" dirty="0" smtClean="0">
-                          <a:solidFill>
-                            <a:schemeClr val="tx1"/>
-                          </a:solidFill>
-                          <a:latin typeface="+mn-lt"/>
-                          <a:ea typeface="+mn-ea"/>
-                          <a:cs typeface="+mn-ea"/>
-                          <a:sym typeface="+mn-lt"/>
-                        </a:rPr>
-                        <a:t>RMB X,XXX</a:t>
-                      </a:r>
+                      <a:endParaRPr lang="en-US" altLang="zh-CN" sz="1200" b="0" kern="1200" dirty="0" smtClean="0">
+                        <a:solidFill>
+                          <a:schemeClr val="tx1"/>
+                        </a:solidFill>
+                        <a:latin typeface="+mn-lt"/>
+                        <a:ea typeface="+mn-ea"/>
+                        <a:cs typeface="+mn-ea"/>
+                        <a:sym typeface="+mn-lt"/>
+                      </a:endParaRPr>
                     </a:p>
                   </a:txBody>
                   <a:tcPr marL="108522" marR="108522" marT="54261" marB="54261" anchor="ctr">
@@ -15314,7 +15123,7 @@
                 </a:tc>
                 <a:extLst>
                   <a:ext uri="{0D108BD9-81ED-4DB2-BD59-A6C34878D82A}">
-                    <a16:rowId xmlns:a16="http://schemas.microsoft.com/office/drawing/2014/main" val="4069117920"/>
+                    <a16:rowId xmlns="" xmlns:a16="http://schemas.microsoft.com/office/drawing/2014/main" val="4069117920"/>
                   </a:ext>
                 </a:extLst>
               </a:tr>
@@ -15507,18 +15316,6 @@
                         <a:tabLst/>
                         <a:defRPr/>
                       </a:pPr>
-                      <a:r>
-                        <a:rPr lang="en-US" sz="1200" b="0" kern="1200" dirty="0" smtClean="0">
-                          <a:solidFill>
-                            <a:schemeClr val="tx1"/>
-                          </a:solidFill>
-                          <a:latin typeface="+mn-lt"/>
-                          <a:ea typeface="+mn-ea"/>
-                          <a:cs typeface="+mn-ea"/>
-                          <a:sym typeface="+mn-lt"/>
-                        </a:rPr>
-                        <a:t>xx</a:t>
-                      </a:r>
                       <a:endParaRPr lang="en-US" sz="1200" b="0" kern="1200" dirty="0">
                         <a:solidFill>
                           <a:schemeClr val="tx1"/>
@@ -15679,18 +15476,6 @@
                     <a:lstStyle/>
                     <a:p>
                       <a:pPr marL="0" algn="l" defTabSz="685792" rtl="0" eaLnBrk="1" latinLnBrk="0" hangingPunct="1"/>
-                      <a:r>
-                        <a:rPr lang="en-US" sz="1200" b="0" kern="1200" dirty="0" smtClean="0">
-                          <a:solidFill>
-                            <a:schemeClr val="tx1"/>
-                          </a:solidFill>
-                          <a:latin typeface="+mn-lt"/>
-                          <a:ea typeface="+mn-ea"/>
-                          <a:cs typeface="+mn-ea"/>
-                          <a:sym typeface="+mn-lt"/>
-                        </a:rPr>
-                        <a:t>XX</a:t>
-                      </a:r>
                       <a:endParaRPr lang="en-US" sz="1200" b="0" kern="1200" dirty="0">
                         <a:solidFill>
                           <a:schemeClr val="tx1"/>
@@ -15742,7 +15527,7 @@
                 </a:tc>
                 <a:extLst>
                   <a:ext uri="{0D108BD9-81ED-4DB2-BD59-A6C34878D82A}">
-                    <a16:rowId xmlns:a16="http://schemas.microsoft.com/office/drawing/2014/main" val="2348740028"/>
+                    <a16:rowId xmlns="" xmlns:a16="http://schemas.microsoft.com/office/drawing/2014/main" val="2348740028"/>
                   </a:ext>
                 </a:extLst>
               </a:tr>
@@ -15881,35 +15666,35 @@
                 <a:gridCol w="2454326">
                   <a:extLst>
                     <a:ext uri="{9D8B030D-6E8A-4147-A177-3AD203B41FA5}">
-                      <a16:colId xmlns:a16="http://schemas.microsoft.com/office/drawing/2014/main" val="20000"/>
+                      <a16:colId xmlns="" xmlns:a16="http://schemas.microsoft.com/office/drawing/2014/main" val="20000"/>
                     </a:ext>
                   </a:extLst>
                 </a:gridCol>
                 <a:gridCol w="2306453">
                   <a:extLst>
                     <a:ext uri="{9D8B030D-6E8A-4147-A177-3AD203B41FA5}">
-                      <a16:colId xmlns:a16="http://schemas.microsoft.com/office/drawing/2014/main" val="20002"/>
+                      <a16:colId xmlns="" xmlns:a16="http://schemas.microsoft.com/office/drawing/2014/main" val="20002"/>
                     </a:ext>
                   </a:extLst>
                 </a:gridCol>
                 <a:gridCol w="2254336">
                   <a:extLst>
                     <a:ext uri="{9D8B030D-6E8A-4147-A177-3AD203B41FA5}">
-                      <a16:colId xmlns:a16="http://schemas.microsoft.com/office/drawing/2014/main" val="2575180168"/>
+                      <a16:colId xmlns="" xmlns:a16="http://schemas.microsoft.com/office/drawing/2014/main" val="2575180168"/>
                     </a:ext>
                   </a:extLst>
                 </a:gridCol>
                 <a:gridCol w="2355667">
                   <a:extLst>
                     <a:ext uri="{9D8B030D-6E8A-4147-A177-3AD203B41FA5}">
-                      <a16:colId xmlns:a16="http://schemas.microsoft.com/office/drawing/2014/main" val="20003"/>
+                      <a16:colId xmlns="" xmlns:a16="http://schemas.microsoft.com/office/drawing/2014/main" val="20003"/>
                     </a:ext>
                   </a:extLst>
                 </a:gridCol>
                 <a:gridCol w="1661586">
                   <a:extLst>
                     <a:ext uri="{9D8B030D-6E8A-4147-A177-3AD203B41FA5}">
-                      <a16:colId xmlns:a16="http://schemas.microsoft.com/office/drawing/2014/main" val="1141158204"/>
+                      <a16:colId xmlns="" xmlns:a16="http://schemas.microsoft.com/office/drawing/2014/main" val="1141158204"/>
                     </a:ext>
                   </a:extLst>
                 </a:gridCol>
@@ -16593,7 +16378,7 @@
                 </a:tc>
                 <a:extLst>
                   <a:ext uri="{0D108BD9-81ED-4DB2-BD59-A6C34878D82A}">
-                    <a16:rowId xmlns:a16="http://schemas.microsoft.com/office/drawing/2014/main" val="10000"/>
+                    <a16:rowId xmlns="" xmlns:a16="http://schemas.microsoft.com/office/drawing/2014/main" val="10000"/>
                   </a:ext>
                 </a:extLst>
               </a:tr>
@@ -16981,7 +16766,7 @@
                 </a:tc>
                 <a:extLst>
                   <a:ext uri="{0D108BD9-81ED-4DB2-BD59-A6C34878D82A}">
-                    <a16:rowId xmlns:a16="http://schemas.microsoft.com/office/drawing/2014/main" val="3242880312"/>
+                    <a16:rowId xmlns="" xmlns:a16="http://schemas.microsoft.com/office/drawing/2014/main" val="3242880312"/>
                   </a:ext>
                 </a:extLst>
               </a:tr>
@@ -17346,7 +17131,7 @@
           <p:nvPr>
             <p:extLst>
               <p:ext uri="{D42A27DB-BD31-4B8C-83A1-F6EECF244321}">
-                <p14:modId xmlns:p14="http://schemas.microsoft.com/office/powerpoint/2010/main" val="1601136957"/>
+                <p14:modId xmlns:p14="http://schemas.microsoft.com/office/powerpoint/2010/main" val="2361389655"/>
               </p:ext>
             </p:extLst>
           </p:nvPr>
@@ -17365,63 +17150,63 @@
                 <a:gridCol w="854780">
                   <a:extLst>
                     <a:ext uri="{9D8B030D-6E8A-4147-A177-3AD203B41FA5}">
-                      <a16:colId xmlns:a16="http://schemas.microsoft.com/office/drawing/2014/main" val="2715221625"/>
+                      <a16:colId xmlns="" xmlns:a16="http://schemas.microsoft.com/office/drawing/2014/main" val="2715221625"/>
                     </a:ext>
                   </a:extLst>
                 </a:gridCol>
                 <a:gridCol w="854780">
                   <a:extLst>
                     <a:ext uri="{9D8B030D-6E8A-4147-A177-3AD203B41FA5}">
-                      <a16:colId xmlns:a16="http://schemas.microsoft.com/office/drawing/2014/main" val="1722467380"/>
+                      <a16:colId xmlns="" xmlns:a16="http://schemas.microsoft.com/office/drawing/2014/main" val="1722467380"/>
                     </a:ext>
                   </a:extLst>
                 </a:gridCol>
                 <a:gridCol w="1158769">
                   <a:extLst>
                     <a:ext uri="{9D8B030D-6E8A-4147-A177-3AD203B41FA5}">
-                      <a16:colId xmlns:a16="http://schemas.microsoft.com/office/drawing/2014/main" val="8733085"/>
+                      <a16:colId xmlns="" xmlns:a16="http://schemas.microsoft.com/office/drawing/2014/main" val="8733085"/>
                     </a:ext>
                   </a:extLst>
                 </a:gridCol>
                 <a:gridCol w="899883">
                   <a:extLst>
                     <a:ext uri="{9D8B030D-6E8A-4147-A177-3AD203B41FA5}">
-                      <a16:colId xmlns:a16="http://schemas.microsoft.com/office/drawing/2014/main" val="2034639721"/>
+                      <a16:colId xmlns="" xmlns:a16="http://schemas.microsoft.com/office/drawing/2014/main" val="2034639721"/>
                     </a:ext>
                   </a:extLst>
                 </a:gridCol>
                 <a:gridCol w="1968445">
                   <a:extLst>
                     <a:ext uri="{9D8B030D-6E8A-4147-A177-3AD203B41FA5}">
-                      <a16:colId xmlns:a16="http://schemas.microsoft.com/office/drawing/2014/main" val="984284813"/>
+                      <a16:colId xmlns="" xmlns:a16="http://schemas.microsoft.com/office/drawing/2014/main" val="984284813"/>
                     </a:ext>
                   </a:extLst>
                 </a:gridCol>
                 <a:gridCol w="1634194">
                   <a:extLst>
                     <a:ext uri="{9D8B030D-6E8A-4147-A177-3AD203B41FA5}">
-                      <a16:colId xmlns:a16="http://schemas.microsoft.com/office/drawing/2014/main" val="610353967"/>
+                      <a16:colId xmlns="" xmlns:a16="http://schemas.microsoft.com/office/drawing/2014/main" val="610353967"/>
                     </a:ext>
                   </a:extLst>
                 </a:gridCol>
                 <a:gridCol w="1234134">
                   <a:extLst>
                     <a:ext uri="{9D8B030D-6E8A-4147-A177-3AD203B41FA5}">
-                      <a16:colId xmlns:a16="http://schemas.microsoft.com/office/drawing/2014/main" val="2199988680"/>
+                      <a16:colId xmlns="" xmlns:a16="http://schemas.microsoft.com/office/drawing/2014/main" val="2199988680"/>
                     </a:ext>
                   </a:extLst>
                 </a:gridCol>
                 <a:gridCol w="942636">
                   <a:extLst>
                     <a:ext uri="{9D8B030D-6E8A-4147-A177-3AD203B41FA5}">
-                      <a16:colId xmlns:a16="http://schemas.microsoft.com/office/drawing/2014/main" val="1060807198"/>
+                      <a16:colId xmlns="" xmlns:a16="http://schemas.microsoft.com/office/drawing/2014/main" val="1060807198"/>
                     </a:ext>
                   </a:extLst>
                 </a:gridCol>
                 <a:gridCol w="1925692">
                   <a:extLst>
                     <a:ext uri="{9D8B030D-6E8A-4147-A177-3AD203B41FA5}">
-                      <a16:colId xmlns:a16="http://schemas.microsoft.com/office/drawing/2014/main" val="3687281855"/>
+                      <a16:colId xmlns="" xmlns:a16="http://schemas.microsoft.com/office/drawing/2014/main" val="3687281855"/>
                     </a:ext>
                   </a:extLst>
                 </a:gridCol>
@@ -17552,7 +17337,7 @@
                 </a:tc>
                 <a:extLst>
                   <a:ext uri="{0D108BD9-81ED-4DB2-BD59-A6C34878D82A}">
-                    <a16:rowId xmlns:a16="http://schemas.microsoft.com/office/drawing/2014/main" val="132260445"/>
+                    <a16:rowId xmlns="" xmlns:a16="http://schemas.microsoft.com/office/drawing/2014/main" val="132260445"/>
                   </a:ext>
                 </a:extLst>
               </a:tr>
@@ -17621,18 +17406,15 @@
                         <a:buFontTx/>
                         <a:buNone/>
                       </a:pPr>
-                      <a:r>
-                        <a:rPr lang="en-US" altLang="zh-CN" sz="1200" b="0" dirty="0" smtClean="0">
-                          <a:solidFill>
-                            <a:schemeClr val="tx1"/>
-                          </a:solidFill>
-                          <a:latin typeface="+mn-lt"/>
-                          <a:ea typeface="+mn-ea"/>
-                          <a:cs typeface="+mn-ea"/>
-                          <a:sym typeface="+mn-lt"/>
-                        </a:rPr>
-                        <a:t>RMB XX,XXX</a:t>
-                      </a:r>
+                      <a:endParaRPr lang="en-US" altLang="zh-CN" sz="1200" b="0" dirty="0" smtClean="0">
+                        <a:solidFill>
+                          <a:schemeClr val="tx1"/>
+                        </a:solidFill>
+                        <a:latin typeface="+mn-lt"/>
+                        <a:ea typeface="+mn-ea"/>
+                        <a:cs typeface="+mn-ea"/>
+                        <a:sym typeface="+mn-lt"/>
+                      </a:endParaRPr>
                     </a:p>
                   </a:txBody>
                   <a:tcPr anchor="ctr">
@@ -17705,7 +17487,7 @@
                 </a:tc>
                 <a:extLst>
                   <a:ext uri="{0D108BD9-81ED-4DB2-BD59-A6C34878D82A}">
-                    <a16:rowId xmlns:a16="http://schemas.microsoft.com/office/drawing/2014/main" val="1454925855"/>
+                    <a16:rowId xmlns="" xmlns:a16="http://schemas.microsoft.com/office/drawing/2014/main" val="1454925855"/>
                   </a:ext>
                 </a:extLst>
               </a:tr>
@@ -17770,15 +17552,12 @@
                     <a:bodyPr/>
                     <a:lstStyle/>
                     <a:p>
-                      <a:r>
-                        <a:rPr lang="en-US" sz="1200" dirty="0" smtClean="0">
-                          <a:latin typeface="+mn-lt"/>
-                          <a:ea typeface="+mn-ea"/>
-                          <a:cs typeface="+mn-ea"/>
-                          <a:sym typeface="+mn-lt"/>
-                        </a:rPr>
-                        <a:t>RMB XX,XXX</a:t>
-                      </a:r>
+                      <a:endParaRPr lang="en-US" sz="1200" dirty="0" smtClean="0">
+                        <a:latin typeface="+mn-lt"/>
+                        <a:ea typeface="+mn-ea"/>
+                        <a:cs typeface="+mn-ea"/>
+                        <a:sym typeface="+mn-lt"/>
+                      </a:endParaRPr>
                     </a:p>
                   </a:txBody>
                   <a:tcPr anchor="ctr">
@@ -17851,7 +17630,7 @@
                 </a:tc>
                 <a:extLst>
                   <a:ext uri="{0D108BD9-81ED-4DB2-BD59-A6C34878D82A}">
-                    <a16:rowId xmlns:a16="http://schemas.microsoft.com/office/drawing/2014/main" val="1815440894"/>
+                    <a16:rowId xmlns="" xmlns:a16="http://schemas.microsoft.com/office/drawing/2014/main" val="1815440894"/>
                   </a:ext>
                 </a:extLst>
               </a:tr>
@@ -17973,7 +17752,7 @@
                 </a:tc>
                 <a:extLst>
                   <a:ext uri="{0D108BD9-81ED-4DB2-BD59-A6C34878D82A}">
-                    <a16:rowId xmlns:a16="http://schemas.microsoft.com/office/drawing/2014/main" val="344899817"/>
+                    <a16:rowId xmlns="" xmlns:a16="http://schemas.microsoft.com/office/drawing/2014/main" val="344899817"/>
                   </a:ext>
                 </a:extLst>
               </a:tr>
@@ -18124,7 +17903,7 @@
                 </a:tc>
                 <a:extLst>
                   <a:ext uri="{0D108BD9-81ED-4DB2-BD59-A6C34878D82A}">
-                    <a16:rowId xmlns:a16="http://schemas.microsoft.com/office/drawing/2014/main" val="1268840849"/>
+                    <a16:rowId xmlns="" xmlns:a16="http://schemas.microsoft.com/office/drawing/2014/main" val="1268840849"/>
                   </a:ext>
                 </a:extLst>
               </a:tr>
@@ -18562,7 +18341,7 @@
                 </a:tc>
                 <a:extLst>
                   <a:ext uri="{0D108BD9-81ED-4DB2-BD59-A6C34878D82A}">
-                    <a16:rowId xmlns:a16="http://schemas.microsoft.com/office/drawing/2014/main" val="3241501689"/>
+                    <a16:rowId xmlns="" xmlns:a16="http://schemas.microsoft.com/office/drawing/2014/main" val="3241501689"/>
                   </a:ext>
                 </a:extLst>
               </a:tr>
@@ -18646,18 +18425,15 @@
                         <a:buFontTx/>
                         <a:buNone/>
                       </a:pPr>
-                      <a:r>
-                        <a:rPr lang="en-US" altLang="zh-CN" sz="1200" b="0" dirty="0" smtClean="0">
-                          <a:solidFill>
-                            <a:schemeClr val="tx1"/>
-                          </a:solidFill>
-                          <a:latin typeface="+mn-lt"/>
-                          <a:ea typeface="+mn-ea"/>
-                          <a:cs typeface="+mn-ea"/>
-                          <a:sym typeface="+mn-lt"/>
-                        </a:rPr>
-                        <a:t>RMB XX,XXX</a:t>
-                      </a:r>
+                      <a:endParaRPr lang="en-US" altLang="zh-CN" sz="1200" b="0" dirty="0" smtClean="0">
+                        <a:solidFill>
+                          <a:schemeClr val="tx1"/>
+                        </a:solidFill>
+                        <a:latin typeface="+mn-lt"/>
+                        <a:ea typeface="+mn-ea"/>
+                        <a:cs typeface="+mn-ea"/>
+                        <a:sym typeface="+mn-lt"/>
+                      </a:endParaRPr>
                     </a:p>
                   </a:txBody>
                   <a:tcPr anchor="ctr">
@@ -18675,42 +18451,6 @@
                         <a:buFontTx/>
                         <a:buNone/>
                       </a:pPr>
-                      <a:r>
-                        <a:rPr lang="zh-CN" altLang="en-US" sz="1200" b="0" dirty="0" smtClean="0">
-                          <a:solidFill>
-                            <a:schemeClr val="tx1"/>
-                          </a:solidFill>
-                          <a:latin typeface="+mn-lt"/>
-                          <a:ea typeface="+mn-ea"/>
-                          <a:cs typeface="+mn-ea"/>
-                          <a:sym typeface="+mn-lt"/>
-                        </a:rPr>
-                        <a:t>是</a:t>
-                      </a:r>
-                      <a:r>
-                        <a:rPr lang="en-US" altLang="zh-CN" sz="1200" b="0" dirty="0" smtClean="0">
-                          <a:solidFill>
-                            <a:schemeClr val="tx1"/>
-                          </a:solidFill>
-                          <a:latin typeface="+mn-lt"/>
-                          <a:ea typeface="+mn-ea"/>
-                          <a:cs typeface="+mn-ea"/>
-                          <a:sym typeface="+mn-lt"/>
-                        </a:rPr>
-                        <a:t>/</a:t>
-                      </a:r>
-                      <a:r>
-                        <a:rPr lang="zh-CN" altLang="en-US" sz="1200" b="0" dirty="0" smtClean="0">
-                          <a:solidFill>
-                            <a:schemeClr val="tx1"/>
-                          </a:solidFill>
-                          <a:latin typeface="+mn-lt"/>
-                          <a:ea typeface="+mn-ea"/>
-                          <a:cs typeface="+mn-ea"/>
-                          <a:sym typeface="+mn-lt"/>
-                        </a:rPr>
-                        <a:t>否</a:t>
-                      </a:r>
                       <a:endParaRPr lang="en-US" altLang="zh-CN" sz="1200" b="0" dirty="0" smtClean="0">
                         <a:solidFill>
                           <a:schemeClr val="tx1"/>
@@ -18737,188 +18477,17 @@
                         <a:buFontTx/>
                         <a:buNone/>
                       </a:pPr>
-                      <a:r>
-                        <a:rPr lang="zh-CN" altLang="en-US" sz="1000" b="0" dirty="0" smtClean="0">
-                          <a:solidFill>
-                            <a:schemeClr val="accent1">
-                              <a:lumMod val="75000"/>
-                            </a:schemeClr>
-                          </a:solidFill>
-                          <a:latin typeface="+mn-lt"/>
-                          <a:ea typeface="+mn-ea"/>
-                          <a:cs typeface="+mn-ea"/>
-                          <a:sym typeface="+mn-lt"/>
-                        </a:rPr>
-                        <a:t>场地用途</a:t>
-                      </a:r>
-                      <a:r>
-                        <a:rPr lang="en-US" altLang="zh-CN" sz="1000" b="0" dirty="0" smtClean="0">
-                          <a:solidFill>
-                            <a:schemeClr val="accent1">
-                              <a:lumMod val="75000"/>
-                            </a:schemeClr>
-                          </a:solidFill>
-                          <a:latin typeface="+mn-lt"/>
-                          <a:ea typeface="+mn-ea"/>
-                          <a:cs typeface="+mn-ea"/>
-                          <a:sym typeface="+mn-lt"/>
-                        </a:rPr>
-                        <a:t>(</a:t>
-                      </a:r>
-                      <a:r>
-                        <a:rPr lang="zh-CN" altLang="en-US" sz="1000" b="0" dirty="0" smtClean="0">
-                          <a:solidFill>
-                            <a:schemeClr val="accent1">
-                              <a:lumMod val="75000"/>
-                            </a:schemeClr>
-                          </a:solidFill>
-                          <a:latin typeface="+mn-lt"/>
-                          <a:ea typeface="+mn-ea"/>
-                          <a:cs typeface="+mn-ea"/>
-                          <a:sym typeface="+mn-lt"/>
-                        </a:rPr>
-                        <a:t>车展</a:t>
-                      </a:r>
-                      <a:r>
-                        <a:rPr lang="en-US" altLang="zh-CN" sz="1000" b="0" dirty="0" smtClean="0">
-                          <a:solidFill>
-                            <a:schemeClr val="accent1">
-                              <a:lumMod val="75000"/>
-                            </a:schemeClr>
-                          </a:solidFill>
-                          <a:latin typeface="+mn-lt"/>
-                          <a:ea typeface="+mn-ea"/>
-                          <a:cs typeface="+mn-ea"/>
-                          <a:sym typeface="+mn-lt"/>
-                        </a:rPr>
-                        <a:t>/</a:t>
-                      </a:r>
-                      <a:r>
-                        <a:rPr lang="zh-CN" altLang="en-US" sz="1000" b="0" dirty="0" smtClean="0">
-                          <a:solidFill>
-                            <a:schemeClr val="accent1">
-                              <a:lumMod val="75000"/>
-                            </a:schemeClr>
-                          </a:solidFill>
-                          <a:latin typeface="+mn-lt"/>
-                          <a:ea typeface="+mn-ea"/>
-                          <a:cs typeface="+mn-ea"/>
-                          <a:sym typeface="+mn-lt"/>
-                        </a:rPr>
-                        <a:t>静展</a:t>
-                      </a:r>
-                      <a:r>
-                        <a:rPr lang="en-US" altLang="zh-CN" sz="1000" b="0" dirty="0" smtClean="0">
-                          <a:solidFill>
-                            <a:schemeClr val="accent1">
-                              <a:lumMod val="75000"/>
-                            </a:schemeClr>
-                          </a:solidFill>
-                          <a:latin typeface="+mn-lt"/>
-                          <a:ea typeface="+mn-ea"/>
-                          <a:cs typeface="+mn-ea"/>
-                          <a:sym typeface="+mn-lt"/>
-                        </a:rPr>
-                        <a:t>/</a:t>
-                      </a:r>
-                      <a:r>
-                        <a:rPr lang="zh-CN" altLang="en-US" sz="1000" b="0" dirty="0" smtClean="0">
-                          <a:solidFill>
-                            <a:schemeClr val="accent1">
-                              <a:lumMod val="75000"/>
-                            </a:schemeClr>
-                          </a:solidFill>
-                          <a:latin typeface="+mn-lt"/>
-                          <a:ea typeface="+mn-ea"/>
-                          <a:cs typeface="+mn-ea"/>
-                          <a:sym typeface="+mn-lt"/>
-                        </a:rPr>
-                        <a:t>试驾等</a:t>
-                      </a:r>
-                      <a:r>
-                        <a:rPr lang="en-US" altLang="zh-CN" sz="1000" b="0" dirty="0" smtClean="0">
-                          <a:solidFill>
-                            <a:schemeClr val="accent1">
-                              <a:lumMod val="75000"/>
-                            </a:schemeClr>
-                          </a:solidFill>
-                          <a:latin typeface="+mn-lt"/>
-                          <a:ea typeface="+mn-ea"/>
-                          <a:cs typeface="+mn-ea"/>
-                          <a:sym typeface="+mn-lt"/>
-                        </a:rPr>
-                        <a:t>)/</a:t>
-                      </a:r>
-                      <a:r>
-                        <a:rPr lang="zh-CN" altLang="en-US" sz="1000" b="0" dirty="0" smtClean="0">
-                          <a:solidFill>
-                            <a:schemeClr val="accent1">
-                              <a:lumMod val="75000"/>
-                            </a:schemeClr>
-                          </a:solidFill>
-                          <a:latin typeface="+mn-lt"/>
-                          <a:ea typeface="+mn-ea"/>
-                          <a:cs typeface="+mn-ea"/>
-                          <a:sym typeface="+mn-lt"/>
-                        </a:rPr>
-                        <a:t>使用天数</a:t>
-                      </a:r>
-                      <a:r>
-                        <a:rPr lang="en-US" altLang="zh-CN" sz="1000" b="0" dirty="0" smtClean="0">
-                          <a:solidFill>
-                            <a:schemeClr val="accent1">
-                              <a:lumMod val="75000"/>
-                            </a:schemeClr>
-                          </a:solidFill>
-                          <a:latin typeface="+mn-lt"/>
-                          <a:ea typeface="+mn-ea"/>
-                          <a:cs typeface="+mn-ea"/>
-                          <a:sym typeface="+mn-lt"/>
-                        </a:rPr>
-                        <a:t>/</a:t>
-                      </a:r>
-                      <a:r>
-                        <a:rPr lang="zh-CN" altLang="en-US" sz="1000" b="0" dirty="0" smtClean="0">
-                          <a:solidFill>
-                            <a:schemeClr val="accent1">
-                              <a:lumMod val="75000"/>
-                            </a:schemeClr>
-                          </a:solidFill>
-                          <a:latin typeface="+mn-lt"/>
-                          <a:ea typeface="+mn-ea"/>
-                          <a:cs typeface="+mn-ea"/>
-                          <a:sym typeface="+mn-lt"/>
-                        </a:rPr>
-                        <a:t>每日费用</a:t>
-                      </a:r>
-                      <a:r>
-                        <a:rPr lang="en-US" altLang="zh-CN" sz="1000" b="0" dirty="0" smtClean="0">
-                          <a:solidFill>
-                            <a:schemeClr val="accent1">
-                              <a:lumMod val="75000"/>
-                            </a:schemeClr>
-                          </a:solidFill>
-                          <a:latin typeface="+mn-lt"/>
-                          <a:ea typeface="+mn-ea"/>
-                          <a:cs typeface="+mn-ea"/>
-                          <a:sym typeface="+mn-lt"/>
-                        </a:rPr>
-                        <a:t>/</a:t>
-                      </a:r>
-                      <a:r>
-                        <a:rPr lang="zh-CN" altLang="en-US" sz="1000" b="0" dirty="0" smtClean="0">
-                          <a:solidFill>
-                            <a:schemeClr val="accent1">
-                              <a:lumMod val="75000"/>
-                            </a:schemeClr>
-                          </a:solidFill>
-                          <a:latin typeface="+mn-lt"/>
-                          <a:ea typeface="+mn-ea"/>
-                          <a:cs typeface="+mn-ea"/>
-                          <a:sym typeface="+mn-lt"/>
-                        </a:rPr>
-                        <a:t>选择理由</a:t>
-                      </a:r>
+                      <a:endParaRPr lang="zh-CN" altLang="en-US" sz="1000" b="0" dirty="0" smtClean="0">
+                        <a:solidFill>
+                          <a:schemeClr val="accent1">
+                            <a:lumMod val="75000"/>
+                          </a:schemeClr>
+                        </a:solidFill>
+                        <a:latin typeface="+mn-lt"/>
+                        <a:ea typeface="+mn-ea"/>
+                        <a:cs typeface="+mn-ea"/>
+                        <a:sym typeface="+mn-lt"/>
+                      </a:endParaRPr>
                     </a:p>
                   </a:txBody>
                   <a:tcPr>
@@ -19016,18 +18585,15 @@
                         <a:buFontTx/>
                         <a:buNone/>
                       </a:pPr>
-                      <a:r>
-                        <a:rPr lang="en-US" altLang="zh-CN" sz="1200" b="0" dirty="0" smtClean="0">
-                          <a:solidFill>
-                            <a:schemeClr val="tx1"/>
-                          </a:solidFill>
-                          <a:latin typeface="+mn-lt"/>
-                          <a:ea typeface="+mn-ea"/>
-                          <a:cs typeface="+mn-ea"/>
-                          <a:sym typeface="+mn-lt"/>
-                        </a:rPr>
-                        <a:t>RMB XX,XXX</a:t>
-                      </a:r>
+                      <a:endParaRPr lang="en-US" altLang="zh-CN" sz="1200" b="0" dirty="0" smtClean="0">
+                        <a:solidFill>
+                          <a:schemeClr val="tx1"/>
+                        </a:solidFill>
+                        <a:latin typeface="+mn-lt"/>
+                        <a:ea typeface="+mn-ea"/>
+                        <a:cs typeface="+mn-ea"/>
+                        <a:sym typeface="+mn-lt"/>
+                      </a:endParaRPr>
                     </a:p>
                   </a:txBody>
                   <a:tcPr anchor="ctr">
@@ -19058,60 +18624,6 @@
                         <a:tabLst/>
                         <a:defRPr/>
                       </a:pPr>
-                      <a:r>
-                        <a:rPr kumimoji="0" lang="zh-CN" altLang="en-US" sz="1200" b="0" i="0" u="none" strike="noStrike" kern="1200" cap="none" spc="0" normalizeH="0" baseline="0" noProof="0" dirty="0" smtClean="0">
-                          <a:ln>
-                            <a:noFill/>
-                          </a:ln>
-                          <a:solidFill>
-                            <a:srgbClr val="000000"/>
-                          </a:solidFill>
-                          <a:effectLst/>
-                          <a:uLnTx/>
-                          <a:uFillTx/>
-                          <a:latin typeface="+mn-lt"/>
-                          <a:ea typeface="+mn-ea"/>
-                          <a:cs typeface="+mn-ea"/>
-                          <a:sym typeface="+mn-lt"/>
-                        </a:rPr>
-                        <a:t>是</a:t>
-                      </a:r>
-                      <a:r>
-                        <a:rPr kumimoji="0" lang="en-US" altLang="zh-CN" sz="1200" b="0" i="0" u="none" strike="noStrike" kern="1200" cap="none" spc="0" normalizeH="0" baseline="0" noProof="0" dirty="0" smtClean="0">
-                          <a:ln>
-                            <a:noFill/>
-                          </a:ln>
-                          <a:solidFill>
-                            <a:srgbClr val="000000"/>
-                          </a:solidFill>
-                          <a:effectLst/>
-                          <a:uLnTx/>
-                          <a:uFillTx/>
-                          <a:latin typeface="+mn-lt"/>
-                          <a:ea typeface="+mn-ea"/>
-                          <a:cs typeface="+mn-ea"/>
-                          <a:sym typeface="+mn-lt"/>
-                        </a:rPr>
-                        <a:t>/</a:t>
-                      </a:r>
-                      <a:r>
-                        <a:rPr kumimoji="0" lang="zh-CN" altLang="en-US" sz="1200" b="0" i="0" u="none" strike="noStrike" kern="1200" cap="none" spc="0" normalizeH="0" baseline="0" noProof="0" dirty="0" smtClean="0">
-                          <a:ln>
-                            <a:noFill/>
-                          </a:ln>
-                          <a:solidFill>
-                            <a:srgbClr val="000000"/>
-                          </a:solidFill>
-                          <a:effectLst/>
-                          <a:uLnTx/>
-                          <a:uFillTx/>
-                          <a:latin typeface="+mn-lt"/>
-                          <a:ea typeface="+mn-ea"/>
-                          <a:cs typeface="+mn-ea"/>
-                          <a:sym typeface="+mn-lt"/>
-                        </a:rPr>
-                        <a:t>否</a:t>
-                      </a:r>
                       <a:endParaRPr kumimoji="0" lang="en-US" altLang="zh-CN" sz="1200" b="0" i="0" u="none" strike="noStrike" kern="1200" cap="none" spc="0" normalizeH="0" baseline="0" noProof="0" dirty="0" smtClean="0">
                         <a:ln>
                           <a:noFill/>
@@ -19157,226 +18669,6 @@
                         <a:tabLst/>
                         <a:defRPr/>
                       </a:pPr>
-                      <a:r>
-                        <a:rPr kumimoji="0" lang="zh-CN" altLang="en-US" sz="1000" b="0" i="0" u="none" strike="noStrike" kern="1200" cap="none" spc="0" normalizeH="0" baseline="0" noProof="0" dirty="0" smtClean="0">
-                          <a:ln>
-                            <a:noFill/>
-                          </a:ln>
-                          <a:solidFill>
-                            <a:schemeClr val="accent1">
-                              <a:lumMod val="75000"/>
-                            </a:schemeClr>
-                          </a:solidFill>
-                          <a:effectLst/>
-                          <a:uLnTx/>
-                          <a:uFillTx/>
-                          <a:latin typeface="+mn-lt"/>
-                          <a:ea typeface="+mn-ea"/>
-                          <a:cs typeface="+mn-ea"/>
-                          <a:sym typeface="+mn-lt"/>
-                        </a:rPr>
-                        <a:t>摄影师人数</a:t>
-                      </a:r>
-                      <a:r>
-                        <a:rPr kumimoji="0" lang="en-US" altLang="zh-CN" sz="1000" b="0" i="0" u="none" strike="noStrike" kern="1200" cap="none" spc="0" normalizeH="0" baseline="0" noProof="0" dirty="0" smtClean="0">
-                          <a:ln>
-                            <a:noFill/>
-                          </a:ln>
-                          <a:solidFill>
-                            <a:schemeClr val="accent1">
-                              <a:lumMod val="75000"/>
-                            </a:schemeClr>
-                          </a:solidFill>
-                          <a:effectLst/>
-                          <a:uLnTx/>
-                          <a:uFillTx/>
-                          <a:latin typeface="+mn-lt"/>
-                          <a:ea typeface="+mn-ea"/>
-                          <a:cs typeface="+mn-ea"/>
-                          <a:sym typeface="+mn-lt"/>
-                        </a:rPr>
-                        <a:t>/</a:t>
-                      </a:r>
-                      <a:r>
-                        <a:rPr kumimoji="0" lang="zh-CN" altLang="en-US" sz="1000" b="0" i="0" u="none" strike="noStrike" kern="1200" cap="none" spc="0" normalizeH="0" baseline="0" noProof="0" dirty="0" smtClean="0">
-                          <a:ln>
-                            <a:noFill/>
-                          </a:ln>
-                          <a:solidFill>
-                            <a:schemeClr val="accent1">
-                              <a:lumMod val="75000"/>
-                            </a:schemeClr>
-                          </a:solidFill>
-                          <a:effectLst/>
-                          <a:uLnTx/>
-                          <a:uFillTx/>
-                          <a:latin typeface="+mn-lt"/>
-                          <a:ea typeface="+mn-ea"/>
-                          <a:cs typeface="+mn-ea"/>
-                          <a:sym typeface="+mn-lt"/>
-                        </a:rPr>
-                        <a:t>从业年限</a:t>
-                      </a:r>
-                      <a:r>
-                        <a:rPr kumimoji="0" lang="en-US" altLang="zh-CN" sz="1000" b="0" i="0" u="none" strike="noStrike" kern="1200" cap="none" spc="0" normalizeH="0" baseline="0" noProof="0" dirty="0" smtClean="0">
-                          <a:ln>
-                            <a:noFill/>
-                          </a:ln>
-                          <a:solidFill>
-                            <a:schemeClr val="accent1">
-                              <a:lumMod val="75000"/>
-                            </a:schemeClr>
-                          </a:solidFill>
-                          <a:effectLst/>
-                          <a:uLnTx/>
-                          <a:uFillTx/>
-                          <a:latin typeface="+mn-lt"/>
-                          <a:ea typeface="+mn-ea"/>
-                          <a:cs typeface="+mn-ea"/>
-                          <a:sym typeface="+mn-lt"/>
-                        </a:rPr>
-                        <a:t>/</a:t>
-                      </a:r>
-                      <a:r>
-                        <a:rPr kumimoji="0" lang="zh-CN" altLang="en-US" sz="1000" b="0" i="0" u="none" strike="noStrike" kern="1200" cap="none" spc="0" normalizeH="0" baseline="0" noProof="0" dirty="0" smtClean="0">
-                          <a:ln>
-                            <a:noFill/>
-                          </a:ln>
-                          <a:solidFill>
-                            <a:schemeClr val="accent1">
-                              <a:lumMod val="75000"/>
-                            </a:schemeClr>
-                          </a:solidFill>
-                          <a:effectLst/>
-                          <a:uLnTx/>
-                          <a:uFillTx/>
-                          <a:latin typeface="+mn-lt"/>
-                          <a:ea typeface="+mn-ea"/>
-                          <a:cs typeface="+mn-ea"/>
-                          <a:sym typeface="+mn-lt"/>
-                        </a:rPr>
-                        <a:t>拍摄时长</a:t>
-                      </a:r>
-                      <a:r>
-                        <a:rPr kumimoji="0" lang="en-US" altLang="zh-CN" sz="1000" b="0" i="0" u="none" strike="noStrike" kern="1200" cap="none" spc="0" normalizeH="0" baseline="0" noProof="0" dirty="0" smtClean="0">
-                          <a:ln>
-                            <a:noFill/>
-                          </a:ln>
-                          <a:solidFill>
-                            <a:schemeClr val="accent1">
-                              <a:lumMod val="75000"/>
-                            </a:schemeClr>
-                          </a:solidFill>
-                          <a:effectLst/>
-                          <a:uLnTx/>
-                          <a:uFillTx/>
-                          <a:latin typeface="+mn-lt"/>
-                          <a:ea typeface="+mn-ea"/>
-                          <a:cs typeface="+mn-ea"/>
-                          <a:sym typeface="+mn-lt"/>
-                        </a:rPr>
-                        <a:t>/</a:t>
-                      </a:r>
-                      <a:r>
-                        <a:rPr kumimoji="0" lang="zh-CN" altLang="en-US" sz="1000" b="0" i="0" u="none" strike="noStrike" kern="1200" cap="none" spc="0" normalizeH="0" baseline="0" noProof="0" dirty="0" smtClean="0">
-                          <a:ln>
-                            <a:noFill/>
-                          </a:ln>
-                          <a:solidFill>
-                            <a:schemeClr val="accent1">
-                              <a:lumMod val="75000"/>
-                            </a:schemeClr>
-                          </a:solidFill>
-                          <a:effectLst/>
-                          <a:uLnTx/>
-                          <a:uFillTx/>
-                          <a:latin typeface="+mn-lt"/>
-                          <a:ea typeface="+mn-ea"/>
-                          <a:cs typeface="+mn-ea"/>
-                          <a:sym typeface="+mn-lt"/>
-                        </a:rPr>
-                        <a:t>摄影设备（相机</a:t>
-                      </a:r>
-                      <a:r>
-                        <a:rPr kumimoji="0" lang="en-US" altLang="zh-CN" sz="1000" b="0" i="0" u="none" strike="noStrike" kern="1200" cap="none" spc="0" normalizeH="0" baseline="0" noProof="0" dirty="0" smtClean="0">
-                          <a:ln>
-                            <a:noFill/>
-                          </a:ln>
-                          <a:solidFill>
-                            <a:schemeClr val="accent1">
-                              <a:lumMod val="75000"/>
-                            </a:schemeClr>
-                          </a:solidFill>
-                          <a:effectLst/>
-                          <a:uLnTx/>
-                          <a:uFillTx/>
-                          <a:latin typeface="+mn-lt"/>
-                          <a:ea typeface="+mn-ea"/>
-                          <a:cs typeface="+mn-ea"/>
-                          <a:sym typeface="+mn-lt"/>
-                        </a:rPr>
-                        <a:t>/</a:t>
-                      </a:r>
-                      <a:r>
-                        <a:rPr kumimoji="0" lang="zh-CN" altLang="en-US" sz="1000" b="0" i="0" u="none" strike="noStrike" kern="1200" cap="none" spc="0" normalizeH="0" baseline="0" noProof="0" dirty="0" smtClean="0">
-                          <a:ln>
-                            <a:noFill/>
-                          </a:ln>
-                          <a:solidFill>
-                            <a:schemeClr val="accent1">
-                              <a:lumMod val="75000"/>
-                            </a:schemeClr>
-                          </a:solidFill>
-                          <a:effectLst/>
-                          <a:uLnTx/>
-                          <a:uFillTx/>
-                          <a:latin typeface="+mn-lt"/>
-                          <a:ea typeface="+mn-ea"/>
-                          <a:cs typeface="+mn-ea"/>
-                          <a:sym typeface="+mn-lt"/>
-                        </a:rPr>
-                        <a:t>摄像机</a:t>
-                      </a:r>
-                      <a:r>
-                        <a:rPr kumimoji="0" lang="en-US" altLang="zh-CN" sz="1000" b="0" i="0" u="none" strike="noStrike" kern="1200" cap="none" spc="0" normalizeH="0" baseline="0" noProof="0" dirty="0" smtClean="0">
-                          <a:ln>
-                            <a:noFill/>
-                          </a:ln>
-                          <a:solidFill>
-                            <a:schemeClr val="accent1">
-                              <a:lumMod val="75000"/>
-                            </a:schemeClr>
-                          </a:solidFill>
-                          <a:effectLst/>
-                          <a:uLnTx/>
-                          <a:uFillTx/>
-                          <a:latin typeface="+mn-lt"/>
-                          <a:ea typeface="+mn-ea"/>
-                          <a:cs typeface="+mn-ea"/>
-                          <a:sym typeface="+mn-lt"/>
-                        </a:rPr>
-                        <a:t>/</a:t>
-                      </a:r>
-                      <a:r>
-                        <a:rPr kumimoji="0" lang="zh-CN" altLang="en-US" sz="1000" b="0" i="0" u="none" strike="noStrike" kern="1200" cap="none" spc="0" normalizeH="0" baseline="0" noProof="0" dirty="0" smtClean="0">
-                          <a:ln>
-                            <a:noFill/>
-                          </a:ln>
-                          <a:solidFill>
-                            <a:schemeClr val="accent1">
-                              <a:lumMod val="75000"/>
-                            </a:schemeClr>
-                          </a:solidFill>
-                          <a:effectLst/>
-                          <a:uLnTx/>
-                          <a:uFillTx/>
-                          <a:latin typeface="+mn-lt"/>
-                          <a:ea typeface="+mn-ea"/>
-                          <a:cs typeface="+mn-ea"/>
-                          <a:sym typeface="+mn-lt"/>
-                        </a:rPr>
-                        <a:t>无人机等）</a:t>
-                      </a:r>
                       <a:endParaRPr kumimoji="0" lang="en-US" altLang="zh-CN" sz="1000" b="0" i="0" u="none" strike="noStrike" kern="1200" cap="none" spc="0" normalizeH="0" baseline="0" noProof="0" dirty="0" smtClean="0">
                         <a:ln>
                           <a:noFill/>
@@ -19404,7 +18696,7 @@
                 </a:tc>
                 <a:extLst>
                   <a:ext uri="{0D108BD9-81ED-4DB2-BD59-A6C34878D82A}">
-                    <a16:rowId xmlns:a16="http://schemas.microsoft.com/office/drawing/2014/main" val="3375075753"/>
+                    <a16:rowId xmlns="" xmlns:a16="http://schemas.microsoft.com/office/drawing/2014/main" val="3375075753"/>
                   </a:ext>
                 </a:extLst>
               </a:tr>
@@ -19499,18 +18791,15 @@
                         <a:buFontTx/>
                         <a:buNone/>
                       </a:pPr>
-                      <a:r>
-                        <a:rPr lang="en-US" altLang="zh-CN" sz="1200" b="0" dirty="0" smtClean="0">
-                          <a:solidFill>
-                            <a:schemeClr val="tx1"/>
-                          </a:solidFill>
-                          <a:latin typeface="+mn-lt"/>
-                          <a:ea typeface="+mn-ea"/>
-                          <a:cs typeface="+mn-ea"/>
-                          <a:sym typeface="+mn-lt"/>
-                        </a:rPr>
-                        <a:t>RMB XX,XXX</a:t>
-                      </a:r>
+                      <a:endParaRPr lang="en-US" altLang="zh-CN" sz="1200" b="0" dirty="0" smtClean="0">
+                        <a:solidFill>
+                          <a:schemeClr val="tx1"/>
+                        </a:solidFill>
+                        <a:latin typeface="+mn-lt"/>
+                        <a:ea typeface="+mn-ea"/>
+                        <a:cs typeface="+mn-ea"/>
+                        <a:sym typeface="+mn-lt"/>
+                      </a:endParaRPr>
                     </a:p>
                   </a:txBody>
                   <a:tcPr anchor="ctr">
@@ -19541,60 +18830,6 @@
                         <a:tabLst/>
                         <a:defRPr/>
                       </a:pPr>
-                      <a:r>
-                        <a:rPr kumimoji="0" lang="zh-CN" altLang="en-US" sz="1200" b="0" i="0" u="none" strike="noStrike" kern="1200" cap="none" spc="0" normalizeH="0" baseline="0" noProof="0" dirty="0" smtClean="0">
-                          <a:ln>
-                            <a:noFill/>
-                          </a:ln>
-                          <a:solidFill>
-                            <a:srgbClr val="000000"/>
-                          </a:solidFill>
-                          <a:effectLst/>
-                          <a:uLnTx/>
-                          <a:uFillTx/>
-                          <a:latin typeface="+mn-lt"/>
-                          <a:ea typeface="+mn-ea"/>
-                          <a:cs typeface="+mn-ea"/>
-                          <a:sym typeface="+mn-lt"/>
-                        </a:rPr>
-                        <a:t>是</a:t>
-                      </a:r>
-                      <a:r>
-                        <a:rPr kumimoji="0" lang="en-US" altLang="zh-CN" sz="1200" b="0" i="0" u="none" strike="noStrike" kern="1200" cap="none" spc="0" normalizeH="0" baseline="0" noProof="0" dirty="0" smtClean="0">
-                          <a:ln>
-                            <a:noFill/>
-                          </a:ln>
-                          <a:solidFill>
-                            <a:srgbClr val="000000"/>
-                          </a:solidFill>
-                          <a:effectLst/>
-                          <a:uLnTx/>
-                          <a:uFillTx/>
-                          <a:latin typeface="+mn-lt"/>
-                          <a:ea typeface="+mn-ea"/>
-                          <a:cs typeface="+mn-ea"/>
-                          <a:sym typeface="+mn-lt"/>
-                        </a:rPr>
-                        <a:t>/</a:t>
-                      </a:r>
-                      <a:r>
-                        <a:rPr kumimoji="0" lang="zh-CN" altLang="en-US" sz="1200" b="0" i="0" u="none" strike="noStrike" kern="1200" cap="none" spc="0" normalizeH="0" baseline="0" noProof="0" dirty="0" smtClean="0">
-                          <a:ln>
-                            <a:noFill/>
-                          </a:ln>
-                          <a:solidFill>
-                            <a:srgbClr val="000000"/>
-                          </a:solidFill>
-                          <a:effectLst/>
-                          <a:uLnTx/>
-                          <a:uFillTx/>
-                          <a:latin typeface="+mn-lt"/>
-                          <a:ea typeface="+mn-ea"/>
-                          <a:cs typeface="+mn-ea"/>
-                          <a:sym typeface="+mn-lt"/>
-                        </a:rPr>
-                        <a:t>否</a:t>
-                      </a:r>
                       <a:endParaRPr kumimoji="0" lang="en-US" altLang="zh-CN" sz="1200" b="0" i="0" u="none" strike="noStrike" kern="1200" cap="none" spc="0" normalizeH="0" baseline="0" noProof="0" dirty="0" smtClean="0">
                         <a:ln>
                           <a:noFill/>
@@ -19640,20 +18875,6 @@
                         <a:tabLst/>
                         <a:defRPr/>
                       </a:pPr>
-                      <a:r>
-                        <a:rPr lang="zh-CN" altLang="en-US" sz="1000" b="0" dirty="0" smtClean="0">
-                          <a:solidFill>
-                            <a:schemeClr val="accent1">
-                              <a:lumMod val="75000"/>
-                            </a:schemeClr>
-                          </a:solidFill>
-                          <a:latin typeface="+mn-lt"/>
-                          <a:ea typeface="+mn-ea"/>
-                          <a:cs typeface="+mn-ea"/>
-                          <a:sym typeface="+mn-lt"/>
-                        </a:rPr>
-                        <a:t>具体搭建方案及内容</a:t>
-                      </a:r>
                       <a:endParaRPr lang="en-US" altLang="zh-CN" sz="1000" b="0" dirty="0" smtClean="0">
                         <a:solidFill>
                           <a:schemeClr val="accent1">
@@ -19740,18 +18961,15 @@
                         <a:tabLst/>
                         <a:defRPr/>
                       </a:pPr>
-                      <a:r>
-                        <a:rPr lang="en-US" altLang="zh-CN" sz="1200" b="0" dirty="0" smtClean="0">
-                          <a:solidFill>
-                            <a:schemeClr val="tx1"/>
-                          </a:solidFill>
-                          <a:latin typeface="+mn-lt"/>
-                          <a:ea typeface="+mn-ea"/>
-                          <a:cs typeface="+mn-ea"/>
-                          <a:sym typeface="+mn-lt"/>
-                        </a:rPr>
-                        <a:t>RMB XX,XXX</a:t>
-                      </a:r>
+                      <a:endParaRPr lang="en-US" altLang="zh-CN" sz="1200" b="0" dirty="0" smtClean="0">
+                        <a:solidFill>
+                          <a:schemeClr val="tx1"/>
+                        </a:solidFill>
+                        <a:latin typeface="+mn-lt"/>
+                        <a:ea typeface="+mn-ea"/>
+                        <a:cs typeface="+mn-ea"/>
+                        <a:sym typeface="+mn-lt"/>
+                      </a:endParaRPr>
                     </a:p>
                   </a:txBody>
                   <a:tcPr anchor="ctr">
@@ -19782,60 +19000,6 @@
                         <a:tabLst/>
                         <a:defRPr/>
                       </a:pPr>
-                      <a:r>
-                        <a:rPr kumimoji="0" lang="zh-CN" altLang="en-US" sz="1200" b="0" i="0" u="none" strike="noStrike" kern="1200" cap="none" spc="0" normalizeH="0" baseline="0" noProof="0" dirty="0" smtClean="0">
-                          <a:ln>
-                            <a:noFill/>
-                          </a:ln>
-                          <a:solidFill>
-                            <a:srgbClr val="000000"/>
-                          </a:solidFill>
-                          <a:effectLst/>
-                          <a:uLnTx/>
-                          <a:uFillTx/>
-                          <a:latin typeface="+mn-lt"/>
-                          <a:ea typeface="+mn-ea"/>
-                          <a:cs typeface="+mn-ea"/>
-                          <a:sym typeface="+mn-lt"/>
-                        </a:rPr>
-                        <a:t>是</a:t>
-                      </a:r>
-                      <a:r>
-                        <a:rPr kumimoji="0" lang="en-US" altLang="zh-CN" sz="1200" b="0" i="0" u="none" strike="noStrike" kern="1200" cap="none" spc="0" normalizeH="0" baseline="0" noProof="0" dirty="0" smtClean="0">
-                          <a:ln>
-                            <a:noFill/>
-                          </a:ln>
-                          <a:solidFill>
-                            <a:srgbClr val="000000"/>
-                          </a:solidFill>
-                          <a:effectLst/>
-                          <a:uLnTx/>
-                          <a:uFillTx/>
-                          <a:latin typeface="+mn-lt"/>
-                          <a:ea typeface="+mn-ea"/>
-                          <a:cs typeface="+mn-ea"/>
-                          <a:sym typeface="+mn-lt"/>
-                        </a:rPr>
-                        <a:t>/</a:t>
-                      </a:r>
-                      <a:r>
-                        <a:rPr kumimoji="0" lang="zh-CN" altLang="en-US" sz="1200" b="0" i="0" u="none" strike="noStrike" kern="1200" cap="none" spc="0" normalizeH="0" baseline="0" noProof="0" dirty="0" smtClean="0">
-                          <a:ln>
-                            <a:noFill/>
-                          </a:ln>
-                          <a:solidFill>
-                            <a:srgbClr val="000000"/>
-                          </a:solidFill>
-                          <a:effectLst/>
-                          <a:uLnTx/>
-                          <a:uFillTx/>
-                          <a:latin typeface="+mn-lt"/>
-                          <a:ea typeface="+mn-ea"/>
-                          <a:cs typeface="+mn-ea"/>
-                          <a:sym typeface="+mn-lt"/>
-                        </a:rPr>
-                        <a:t>否</a:t>
-                      </a:r>
                       <a:endParaRPr kumimoji="0" lang="en-US" altLang="zh-CN" sz="1200" b="0" i="0" u="none" strike="noStrike" kern="1200" cap="none" spc="0" normalizeH="0" baseline="0" noProof="0" dirty="0" smtClean="0">
                         <a:ln>
                           <a:noFill/>
@@ -19881,102 +19045,6 @@
                         <a:tabLst/>
                         <a:defRPr/>
                       </a:pPr>
-                      <a:r>
-                        <a:rPr kumimoji="0" lang="zh-CN" altLang="en-US" sz="1000" b="0" i="0" u="none" strike="noStrike" kern="1200" cap="none" spc="0" normalizeH="0" baseline="0" noProof="0" dirty="0" smtClean="0">
-                          <a:ln>
-                            <a:noFill/>
-                          </a:ln>
-                          <a:solidFill>
-                            <a:schemeClr val="accent1">
-                              <a:lumMod val="75000"/>
-                            </a:schemeClr>
-                          </a:solidFill>
-                          <a:effectLst/>
-                          <a:uLnTx/>
-                          <a:uFillTx/>
-                          <a:latin typeface="+mn-lt"/>
-                          <a:ea typeface="+mn-ea"/>
-                          <a:cs typeface="+mn-ea"/>
-                          <a:sym typeface="+mn-lt"/>
-                        </a:rPr>
-                        <a:t>表演人数及具体表演</a:t>
-                      </a:r>
-                      <a:r>
-                        <a:rPr kumimoji="0" lang="zh-CN" altLang="en-US" sz="1000" b="0" i="0" u="none" strike="noStrike" kern="1200" cap="none" spc="0" normalizeH="0" baseline="0" noProof="0" dirty="0" smtClean="0">
-                          <a:ln>
-                            <a:noFill/>
-                          </a:ln>
-                          <a:solidFill>
-                            <a:schemeClr val="accent1">
-                              <a:lumMod val="75000"/>
-                            </a:schemeClr>
-                          </a:solidFill>
-                          <a:effectLst/>
-                          <a:uLnTx/>
-                          <a:uFillTx/>
-                          <a:latin typeface="+mn-lt"/>
-                          <a:ea typeface="+mn-ea"/>
-                          <a:cs typeface="+mn-ea"/>
-                          <a:sym typeface="+mn-lt"/>
-                        </a:rPr>
-                        <a:t>方案</a:t>
-                      </a:r>
-                      <a:endParaRPr kumimoji="0" lang="en-US" altLang="zh-CN" sz="1000" b="0" i="0" u="none" strike="noStrike" kern="1200" cap="none" spc="0" normalizeH="0" baseline="0" noProof="0" dirty="0" smtClean="0">
-                        <a:ln>
-                          <a:noFill/>
-                        </a:ln>
-                        <a:solidFill>
-                          <a:schemeClr val="accent1">
-                            <a:lumMod val="75000"/>
-                          </a:schemeClr>
-                        </a:solidFill>
-                        <a:effectLst/>
-                        <a:uLnTx/>
-                        <a:uFillTx/>
-                        <a:latin typeface="+mn-lt"/>
-                        <a:ea typeface="+mn-ea"/>
-                        <a:cs typeface="+mn-ea"/>
-                        <a:sym typeface="+mn-lt"/>
-                      </a:endParaRPr>
-                    </a:p>
-                    <a:p>
-                      <a:pPr marL="0" marR="0" lvl="0" indent="0" algn="l" defTabSz="914389" rtl="0" eaLnBrk="1" fontAlgn="auto" latinLnBrk="0" hangingPunct="1">
-                        <a:lnSpc>
-                          <a:spcPct val="100000"/>
-                        </a:lnSpc>
-                        <a:spcBef>
-                          <a:spcPts val="0"/>
-                        </a:spcBef>
-                        <a:spcAft>
-                          <a:spcPts val="0"/>
-                        </a:spcAft>
-                        <a:buClrTx/>
-                        <a:buSzTx/>
-                        <a:buFontTx/>
-                        <a:buNone/>
-                        <a:tabLst/>
-                        <a:defRPr/>
-                      </a:pPr>
-                      <a:r>
-                        <a:rPr kumimoji="0" lang="zh-CN" altLang="en-US" sz="1000" b="0" i="0" u="none" strike="noStrike" kern="1200" cap="none" spc="0" normalizeH="0" baseline="0" noProof="0" dirty="0" smtClean="0">
-                          <a:ln>
-                            <a:noFill/>
-                          </a:ln>
-                          <a:solidFill>
-                            <a:schemeClr val="accent1">
-                              <a:lumMod val="75000"/>
-                            </a:schemeClr>
-                          </a:solidFill>
-                          <a:effectLst/>
-                          <a:uLnTx/>
-                          <a:uFillTx/>
-                          <a:latin typeface="+mn-lt"/>
-                          <a:ea typeface="+mn-ea"/>
-                          <a:cs typeface="+mn-ea"/>
-                          <a:sym typeface="+mn-lt"/>
-                        </a:rPr>
-                        <a:t>如果有不同表演内容请详细说明</a:t>
-                      </a:r>
                       <a:endParaRPr kumimoji="0" lang="en-US" altLang="zh-CN" sz="1000" b="0" i="0" u="none" strike="noStrike" kern="1200" cap="none" spc="0" normalizeH="0" baseline="0" noProof="0" dirty="0" smtClean="0">
                         <a:ln>
                           <a:noFill/>
@@ -20004,7 +19072,7 @@
                 </a:tc>
                 <a:extLst>
                   <a:ext uri="{0D108BD9-81ED-4DB2-BD59-A6C34878D82A}">
-                    <a16:rowId xmlns:a16="http://schemas.microsoft.com/office/drawing/2014/main" val="1818738132"/>
+                    <a16:rowId xmlns="" xmlns:a16="http://schemas.microsoft.com/office/drawing/2014/main" val="1818738132"/>
                   </a:ext>
                 </a:extLst>
               </a:tr>
@@ -20147,18 +19215,15 @@
                         <a:buFontTx/>
                         <a:buNone/>
                       </a:pPr>
-                      <a:r>
-                        <a:rPr lang="en-US" altLang="zh-CN" sz="1200" b="0" dirty="0" smtClean="0">
-                          <a:solidFill>
-                            <a:schemeClr val="tx1"/>
-                          </a:solidFill>
-                          <a:latin typeface="+mn-lt"/>
-                          <a:ea typeface="+mn-ea"/>
-                          <a:cs typeface="+mn-ea"/>
-                          <a:sym typeface="+mn-lt"/>
-                        </a:rPr>
-                        <a:t>RMB XX,XXX</a:t>
-                      </a:r>
+                      <a:endParaRPr lang="en-US" altLang="zh-CN" sz="1200" b="0" dirty="0" smtClean="0">
+                        <a:solidFill>
+                          <a:schemeClr val="tx1"/>
+                        </a:solidFill>
+                        <a:latin typeface="+mn-lt"/>
+                        <a:ea typeface="+mn-ea"/>
+                        <a:cs typeface="+mn-ea"/>
+                        <a:sym typeface="+mn-lt"/>
+                      </a:endParaRPr>
                     </a:p>
                   </a:txBody>
                   <a:tcPr anchor="ctr">
@@ -20189,60 +19254,6 @@
                         <a:tabLst/>
                         <a:defRPr/>
                       </a:pPr>
-                      <a:r>
-                        <a:rPr kumimoji="0" lang="zh-CN" altLang="en-US" sz="1200" b="0" i="0" u="none" strike="noStrike" kern="1200" cap="none" spc="0" normalizeH="0" baseline="0" noProof="0" dirty="0" smtClean="0">
-                          <a:ln>
-                            <a:noFill/>
-                          </a:ln>
-                          <a:solidFill>
-                            <a:srgbClr val="000000"/>
-                          </a:solidFill>
-                          <a:effectLst/>
-                          <a:uLnTx/>
-                          <a:uFillTx/>
-                          <a:latin typeface="+mn-lt"/>
-                          <a:ea typeface="+mn-ea"/>
-                          <a:cs typeface="+mn-ea"/>
-                          <a:sym typeface="+mn-lt"/>
-                        </a:rPr>
-                        <a:t>是</a:t>
-                      </a:r>
-                      <a:r>
-                        <a:rPr kumimoji="0" lang="en-US" altLang="zh-CN" sz="1200" b="0" i="0" u="none" strike="noStrike" kern="1200" cap="none" spc="0" normalizeH="0" baseline="0" noProof="0" dirty="0" smtClean="0">
-                          <a:ln>
-                            <a:noFill/>
-                          </a:ln>
-                          <a:solidFill>
-                            <a:srgbClr val="000000"/>
-                          </a:solidFill>
-                          <a:effectLst/>
-                          <a:uLnTx/>
-                          <a:uFillTx/>
-                          <a:latin typeface="+mn-lt"/>
-                          <a:ea typeface="+mn-ea"/>
-                          <a:cs typeface="+mn-ea"/>
-                          <a:sym typeface="+mn-lt"/>
-                        </a:rPr>
-                        <a:t>/</a:t>
-                      </a:r>
-                      <a:r>
-                        <a:rPr kumimoji="0" lang="zh-CN" altLang="en-US" sz="1200" b="0" i="0" u="none" strike="noStrike" kern="1200" cap="none" spc="0" normalizeH="0" baseline="0" noProof="0" dirty="0" smtClean="0">
-                          <a:ln>
-                            <a:noFill/>
-                          </a:ln>
-                          <a:solidFill>
-                            <a:srgbClr val="000000"/>
-                          </a:solidFill>
-                          <a:effectLst/>
-                          <a:uLnTx/>
-                          <a:uFillTx/>
-                          <a:latin typeface="+mn-lt"/>
-                          <a:ea typeface="+mn-ea"/>
-                          <a:cs typeface="+mn-ea"/>
-                          <a:sym typeface="+mn-lt"/>
-                        </a:rPr>
-                        <a:t>否</a:t>
-                      </a:r>
                       <a:endParaRPr kumimoji="0" lang="en-US" altLang="zh-CN" sz="1200" b="0" i="0" u="none" strike="noStrike" kern="1200" cap="none" spc="0" normalizeH="0" baseline="0" noProof="0" dirty="0" smtClean="0">
                         <a:ln>
                           <a:noFill/>
@@ -20288,64 +19299,6 @@
                         <a:tabLst/>
                         <a:defRPr/>
                       </a:pPr>
-                      <a:r>
-                        <a:rPr lang="zh-CN" altLang="en-US" sz="1000" b="0" dirty="0" smtClean="0">
-                          <a:solidFill>
-                            <a:schemeClr val="accent1">
-                              <a:lumMod val="75000"/>
-                            </a:schemeClr>
-                          </a:solidFill>
-                          <a:latin typeface="+mn-lt"/>
-                          <a:ea typeface="+mn-ea"/>
-                          <a:cs typeface="+mn-ea"/>
-                          <a:sym typeface="+mn-lt"/>
-                        </a:rPr>
-                        <a:t>总就餐人数</a:t>
-                      </a:r>
-                      <a:endParaRPr lang="en-US" altLang="zh-CN" sz="1000" b="0" dirty="0" smtClean="0">
-                        <a:solidFill>
-                          <a:schemeClr val="accent1">
-                            <a:lumMod val="75000"/>
-                          </a:schemeClr>
-                        </a:solidFill>
-                        <a:latin typeface="+mn-lt"/>
-                        <a:ea typeface="+mn-ea"/>
-                        <a:cs typeface="+mn-ea"/>
-                        <a:sym typeface="+mn-lt"/>
-                      </a:endParaRPr>
-                    </a:p>
-                    <a:p>
-                      <a:pPr marL="0" marR="0" lvl="0" indent="0" algn="l" defTabSz="914389" rtl="0" eaLnBrk="1" fontAlgn="auto" latinLnBrk="0" hangingPunct="1">
-                        <a:lnSpc>
-                          <a:spcPct val="100000"/>
-                        </a:lnSpc>
-                        <a:spcBef>
-                          <a:spcPts val="0"/>
-                        </a:spcBef>
-                        <a:spcAft>
-                          <a:spcPts val="0"/>
-                        </a:spcAft>
-                        <a:buClrTx/>
-                        <a:buSzTx/>
-                        <a:buFontTx/>
-                        <a:buNone/>
-                        <a:tabLst/>
-                        <a:defRPr/>
-                      </a:pPr>
-                      <a:r>
-                        <a:rPr lang="zh-CN" altLang="en-US" sz="1000" b="0" dirty="0" smtClean="0">
-                          <a:solidFill>
-                            <a:schemeClr val="accent1">
-                              <a:lumMod val="75000"/>
-                            </a:schemeClr>
-                          </a:solidFill>
-                          <a:latin typeface="+mn-lt"/>
-                          <a:ea typeface="+mn-ea"/>
-                          <a:cs typeface="+mn-ea"/>
-                          <a:sym typeface="+mn-lt"/>
-                        </a:rPr>
-                        <a:t>人均餐费</a:t>
-                      </a:r>
                       <a:endParaRPr lang="en-US" altLang="zh-CN" sz="1000" b="0" dirty="0" smtClean="0">
                         <a:solidFill>
                           <a:schemeClr val="accent1">
@@ -20432,18 +19385,15 @@
                         <a:tabLst/>
                         <a:defRPr/>
                       </a:pPr>
-                      <a:r>
-                        <a:rPr lang="en-US" altLang="zh-CN" sz="1200" b="0" dirty="0" smtClean="0">
-                          <a:solidFill>
-                            <a:schemeClr val="tx1"/>
-                          </a:solidFill>
-                          <a:latin typeface="+mn-lt"/>
-                          <a:ea typeface="+mn-ea"/>
-                          <a:cs typeface="+mn-ea"/>
-                          <a:sym typeface="+mn-lt"/>
-                        </a:rPr>
-                        <a:t>RMB XX,XXX</a:t>
-                      </a:r>
+                      <a:endParaRPr lang="en-US" altLang="zh-CN" sz="1200" b="0" dirty="0" smtClean="0">
+                        <a:solidFill>
+                          <a:schemeClr val="tx1"/>
+                        </a:solidFill>
+                        <a:latin typeface="+mn-lt"/>
+                        <a:ea typeface="+mn-ea"/>
+                        <a:cs typeface="+mn-ea"/>
+                        <a:sym typeface="+mn-lt"/>
+                      </a:endParaRPr>
                     </a:p>
                   </a:txBody>
                   <a:tcPr anchor="ctr">
@@ -20474,60 +19424,6 @@
                         <a:tabLst/>
                         <a:defRPr/>
                       </a:pPr>
-                      <a:r>
-                        <a:rPr kumimoji="0" lang="zh-CN" altLang="en-US" sz="1200" b="0" i="0" u="none" strike="noStrike" kern="1200" cap="none" spc="0" normalizeH="0" baseline="0" noProof="0" dirty="0" smtClean="0">
-                          <a:ln>
-                            <a:noFill/>
-                          </a:ln>
-                          <a:solidFill>
-                            <a:srgbClr val="000000"/>
-                          </a:solidFill>
-                          <a:effectLst/>
-                          <a:uLnTx/>
-                          <a:uFillTx/>
-                          <a:latin typeface="+mn-lt"/>
-                          <a:ea typeface="+mn-ea"/>
-                          <a:cs typeface="+mn-ea"/>
-                          <a:sym typeface="+mn-lt"/>
-                        </a:rPr>
-                        <a:t>是</a:t>
-                      </a:r>
-                      <a:r>
-                        <a:rPr kumimoji="0" lang="en-US" altLang="zh-CN" sz="1200" b="0" i="0" u="none" strike="noStrike" kern="1200" cap="none" spc="0" normalizeH="0" baseline="0" noProof="0" dirty="0" smtClean="0">
-                          <a:ln>
-                            <a:noFill/>
-                          </a:ln>
-                          <a:solidFill>
-                            <a:srgbClr val="000000"/>
-                          </a:solidFill>
-                          <a:effectLst/>
-                          <a:uLnTx/>
-                          <a:uFillTx/>
-                          <a:latin typeface="+mn-lt"/>
-                          <a:ea typeface="+mn-ea"/>
-                          <a:cs typeface="+mn-ea"/>
-                          <a:sym typeface="+mn-lt"/>
-                        </a:rPr>
-                        <a:t>/</a:t>
-                      </a:r>
-                      <a:r>
-                        <a:rPr kumimoji="0" lang="zh-CN" altLang="en-US" sz="1200" b="0" i="0" u="none" strike="noStrike" kern="1200" cap="none" spc="0" normalizeH="0" baseline="0" noProof="0" dirty="0" smtClean="0">
-                          <a:ln>
-                            <a:noFill/>
-                          </a:ln>
-                          <a:solidFill>
-                            <a:srgbClr val="000000"/>
-                          </a:solidFill>
-                          <a:effectLst/>
-                          <a:uLnTx/>
-                          <a:uFillTx/>
-                          <a:latin typeface="+mn-lt"/>
-                          <a:ea typeface="+mn-ea"/>
-                          <a:cs typeface="+mn-ea"/>
-                          <a:sym typeface="+mn-lt"/>
-                        </a:rPr>
-                        <a:t>否</a:t>
-                      </a:r>
                       <a:endParaRPr kumimoji="0" lang="en-US" altLang="zh-CN" sz="1200" b="0" i="0" u="none" strike="noStrike" kern="1200" cap="none" spc="0" normalizeH="0" baseline="0" noProof="0" dirty="0" smtClean="0">
                         <a:ln>
                           <a:noFill/>
@@ -20573,106 +19469,6 @@
                         <a:tabLst/>
                         <a:defRPr/>
                       </a:pPr>
-                      <a:r>
-                        <a:rPr kumimoji="0" lang="zh-CN" altLang="en-US" sz="1000" b="0" i="0" u="none" strike="noStrike" kern="1200" cap="none" spc="0" normalizeH="0" baseline="0" noProof="0" dirty="0" smtClean="0">
-                          <a:ln>
-                            <a:noFill/>
-                          </a:ln>
-                          <a:solidFill>
-                            <a:schemeClr val="accent1">
-                              <a:lumMod val="75000"/>
-                            </a:schemeClr>
-                          </a:solidFill>
-                          <a:effectLst/>
-                          <a:uLnTx/>
-                          <a:uFillTx/>
-                          <a:latin typeface="+mn-lt"/>
-                          <a:ea typeface="+mn-ea"/>
-                          <a:cs typeface="+mn-ea"/>
-                          <a:sym typeface="+mn-lt"/>
-                        </a:rPr>
-                        <a:t>人数</a:t>
-                      </a:r>
-                      <a:r>
-                        <a:rPr kumimoji="0" lang="en-US" altLang="zh-CN" sz="1000" b="0" i="0" u="none" strike="noStrike" kern="1200" cap="none" spc="0" normalizeH="0" baseline="0" noProof="0" dirty="0" smtClean="0">
-                          <a:ln>
-                            <a:noFill/>
-                          </a:ln>
-                          <a:solidFill>
-                            <a:schemeClr val="accent1">
-                              <a:lumMod val="75000"/>
-                            </a:schemeClr>
-                          </a:solidFill>
-                          <a:effectLst/>
-                          <a:uLnTx/>
-                          <a:uFillTx/>
-                          <a:latin typeface="+mn-lt"/>
-                          <a:ea typeface="+mn-ea"/>
-                          <a:cs typeface="+mn-ea"/>
-                          <a:sym typeface="+mn-lt"/>
-                        </a:rPr>
-                        <a:t>/</a:t>
-                      </a:r>
-                      <a:r>
-                        <a:rPr kumimoji="0" lang="zh-CN" altLang="en-US" sz="1000" b="0" i="0" u="none" strike="noStrike" kern="1200" cap="none" spc="0" normalizeH="0" baseline="0" noProof="0" dirty="0" smtClean="0">
-                          <a:ln>
-                            <a:noFill/>
-                          </a:ln>
-                          <a:solidFill>
-                            <a:schemeClr val="accent1">
-                              <a:lumMod val="75000"/>
-                            </a:schemeClr>
-                          </a:solidFill>
-                          <a:effectLst/>
-                          <a:uLnTx/>
-                          <a:uFillTx/>
-                          <a:latin typeface="+mn-lt"/>
-                          <a:ea typeface="+mn-ea"/>
-                          <a:cs typeface="+mn-ea"/>
-                          <a:sym typeface="+mn-lt"/>
-                        </a:rPr>
-                        <a:t>从业时长</a:t>
-                      </a:r>
-                      <a:r>
-                        <a:rPr kumimoji="0" lang="en-US" altLang="zh-CN" sz="1000" b="0" i="0" u="none" strike="noStrike" kern="1200" cap="none" spc="0" normalizeH="0" baseline="0" noProof="0" dirty="0" smtClean="0">
-                          <a:ln>
-                            <a:noFill/>
-                          </a:ln>
-                          <a:solidFill>
-                            <a:schemeClr val="accent1">
-                              <a:lumMod val="75000"/>
-                            </a:schemeClr>
-                          </a:solidFill>
-                          <a:effectLst/>
-                          <a:uLnTx/>
-                          <a:uFillTx/>
-                          <a:latin typeface="+mn-lt"/>
-                          <a:ea typeface="+mn-ea"/>
-                          <a:cs typeface="+mn-ea"/>
-                          <a:sym typeface="+mn-lt"/>
-                        </a:rPr>
-                        <a:t>/</a:t>
-                      </a:r>
-                      <a:r>
-                        <a:rPr kumimoji="0" lang="zh-CN" altLang="en-US" sz="1000" b="0" i="0" u="none" strike="noStrike" kern="1200" cap="none" spc="0" normalizeH="0" baseline="0" noProof="0" dirty="0" smtClean="0">
-                          <a:ln>
-                            <a:noFill/>
-                          </a:ln>
-                          <a:solidFill>
-                            <a:schemeClr val="accent1">
-                              <a:lumMod val="75000"/>
-                            </a:schemeClr>
-                          </a:solidFill>
-                          <a:effectLst/>
-                          <a:uLnTx/>
-                          <a:uFillTx/>
-                          <a:latin typeface="+mn-lt"/>
-                          <a:ea typeface="+mn-ea"/>
-                          <a:cs typeface="+mn-ea"/>
-                          <a:sym typeface="+mn-lt"/>
-                        </a:rPr>
-                        <a:t>相关经历</a:t>
-                      </a:r>
                       <a:endParaRPr kumimoji="0" lang="en-US" altLang="zh-CN" sz="1000" b="0" i="0" u="none" strike="noStrike" kern="1200" cap="none" spc="0" normalizeH="0" baseline="0" noProof="0" dirty="0" smtClean="0">
                         <a:ln>
                           <a:noFill/>
@@ -20700,7 +19496,7 @@
                 </a:tc>
                 <a:extLst>
                   <a:ext uri="{0D108BD9-81ED-4DB2-BD59-A6C34878D82A}">
-                    <a16:rowId xmlns:a16="http://schemas.microsoft.com/office/drawing/2014/main" val="3192001067"/>
+                    <a16:rowId xmlns="" xmlns:a16="http://schemas.microsoft.com/office/drawing/2014/main" val="3192001067"/>
                   </a:ext>
                 </a:extLst>
               </a:tr>
@@ -20813,18 +19609,15 @@
                         <a:tabLst/>
                         <a:defRPr/>
                       </a:pPr>
-                      <a:r>
-                        <a:rPr lang="en-US" altLang="zh-CN" sz="1200" b="0" dirty="0" smtClean="0">
-                          <a:solidFill>
-                            <a:schemeClr val="tx1"/>
-                          </a:solidFill>
-                          <a:latin typeface="+mn-lt"/>
-                          <a:ea typeface="+mn-ea"/>
-                          <a:cs typeface="+mn-ea"/>
-                          <a:sym typeface="+mn-lt"/>
-                        </a:rPr>
-                        <a:t>RMB XX,XXX</a:t>
-                      </a:r>
+                      <a:endParaRPr lang="en-US" altLang="zh-CN" sz="1200" b="0" dirty="0" smtClean="0">
+                        <a:solidFill>
+                          <a:schemeClr val="tx1"/>
+                        </a:solidFill>
+                        <a:latin typeface="+mn-lt"/>
+                        <a:ea typeface="+mn-ea"/>
+                        <a:cs typeface="+mn-ea"/>
+                        <a:sym typeface="+mn-lt"/>
+                      </a:endParaRPr>
                     </a:p>
                   </a:txBody>
                   <a:tcPr anchor="ctr">
@@ -20855,60 +19648,6 @@
                         <a:tabLst/>
                         <a:defRPr/>
                       </a:pPr>
-                      <a:r>
-                        <a:rPr kumimoji="0" lang="zh-CN" altLang="en-US" sz="1200" b="0" i="0" u="none" strike="noStrike" kern="1200" cap="none" spc="0" normalizeH="0" baseline="0" noProof="0" dirty="0" smtClean="0">
-                          <a:ln>
-                            <a:noFill/>
-                          </a:ln>
-                          <a:solidFill>
-                            <a:srgbClr val="000000"/>
-                          </a:solidFill>
-                          <a:effectLst/>
-                          <a:uLnTx/>
-                          <a:uFillTx/>
-                          <a:latin typeface="+mn-lt"/>
-                          <a:ea typeface="+mn-ea"/>
-                          <a:cs typeface="+mn-ea"/>
-                          <a:sym typeface="+mn-lt"/>
-                        </a:rPr>
-                        <a:t>是</a:t>
-                      </a:r>
-                      <a:r>
-                        <a:rPr kumimoji="0" lang="en-US" altLang="zh-CN" sz="1200" b="0" i="0" u="none" strike="noStrike" kern="1200" cap="none" spc="0" normalizeH="0" baseline="0" noProof="0" dirty="0" smtClean="0">
-                          <a:ln>
-                            <a:noFill/>
-                          </a:ln>
-                          <a:solidFill>
-                            <a:srgbClr val="000000"/>
-                          </a:solidFill>
-                          <a:effectLst/>
-                          <a:uLnTx/>
-                          <a:uFillTx/>
-                          <a:latin typeface="+mn-lt"/>
-                          <a:ea typeface="+mn-ea"/>
-                          <a:cs typeface="+mn-ea"/>
-                          <a:sym typeface="+mn-lt"/>
-                        </a:rPr>
-                        <a:t>/</a:t>
-                      </a:r>
-                      <a:r>
-                        <a:rPr kumimoji="0" lang="zh-CN" altLang="en-US" sz="1200" b="0" i="0" u="none" strike="noStrike" kern="1200" cap="none" spc="0" normalizeH="0" baseline="0" noProof="0" dirty="0" smtClean="0">
-                          <a:ln>
-                            <a:noFill/>
-                          </a:ln>
-                          <a:solidFill>
-                            <a:srgbClr val="000000"/>
-                          </a:solidFill>
-                          <a:effectLst/>
-                          <a:uLnTx/>
-                          <a:uFillTx/>
-                          <a:latin typeface="+mn-lt"/>
-                          <a:ea typeface="+mn-ea"/>
-                          <a:cs typeface="+mn-ea"/>
-                          <a:sym typeface="+mn-lt"/>
-                        </a:rPr>
-                        <a:t>否</a:t>
-                      </a:r>
                       <a:endParaRPr kumimoji="0" lang="en-US" altLang="zh-CN" sz="1200" b="0" i="0" u="none" strike="noStrike" kern="1200" cap="none" spc="0" normalizeH="0" baseline="0" noProof="0" dirty="0" smtClean="0">
                         <a:ln>
                           <a:noFill/>
@@ -20954,64 +19693,6 @@
                         <a:tabLst/>
                         <a:defRPr/>
                       </a:pPr>
-                      <a:r>
-                        <a:rPr lang="zh-CN" altLang="en-US" sz="1000" b="0" dirty="0" smtClean="0">
-                          <a:solidFill>
-                            <a:schemeClr val="accent1">
-                              <a:lumMod val="75000"/>
-                            </a:schemeClr>
-                          </a:solidFill>
-                          <a:latin typeface="+mn-lt"/>
-                          <a:ea typeface="+mn-ea"/>
-                          <a:cs typeface="+mn-ea"/>
-                          <a:sym typeface="+mn-lt"/>
-                        </a:rPr>
-                        <a:t>总就餐人数</a:t>
-                      </a:r>
-                      <a:endParaRPr lang="en-US" altLang="zh-CN" sz="1000" b="0" dirty="0" smtClean="0">
-                        <a:solidFill>
-                          <a:schemeClr val="accent1">
-                            <a:lumMod val="75000"/>
-                          </a:schemeClr>
-                        </a:solidFill>
-                        <a:latin typeface="+mn-lt"/>
-                        <a:ea typeface="+mn-ea"/>
-                        <a:cs typeface="+mn-ea"/>
-                        <a:sym typeface="+mn-lt"/>
-                      </a:endParaRPr>
-                    </a:p>
-                    <a:p>
-                      <a:pPr marL="0" marR="0" lvl="0" indent="0" algn="l" defTabSz="914389" rtl="0" eaLnBrk="1" fontAlgn="auto" latinLnBrk="0" hangingPunct="1">
-                        <a:lnSpc>
-                          <a:spcPct val="100000"/>
-                        </a:lnSpc>
-                        <a:spcBef>
-                          <a:spcPts val="0"/>
-                        </a:spcBef>
-                        <a:spcAft>
-                          <a:spcPts val="0"/>
-                        </a:spcAft>
-                        <a:buClrTx/>
-                        <a:buSzTx/>
-                        <a:buFontTx/>
-                        <a:buNone/>
-                        <a:tabLst/>
-                        <a:defRPr/>
-                      </a:pPr>
-                      <a:r>
-                        <a:rPr lang="zh-CN" altLang="en-US" sz="1000" b="0" dirty="0" smtClean="0">
-                          <a:solidFill>
-                            <a:schemeClr val="accent1">
-                              <a:lumMod val="75000"/>
-                            </a:schemeClr>
-                          </a:solidFill>
-                          <a:latin typeface="+mn-lt"/>
-                          <a:ea typeface="+mn-ea"/>
-                          <a:cs typeface="+mn-ea"/>
-                          <a:sym typeface="+mn-lt"/>
-                        </a:rPr>
-                        <a:t>人均酒水费用</a:t>
-                      </a:r>
                       <a:endParaRPr lang="en-US" altLang="zh-CN" sz="1000" b="0" dirty="0" smtClean="0">
                         <a:solidFill>
                           <a:schemeClr val="accent1">
@@ -21073,7 +19754,7 @@
                 </a:tc>
                 <a:extLst>
                   <a:ext uri="{0D108BD9-81ED-4DB2-BD59-A6C34878D82A}">
-                    <a16:rowId xmlns:a16="http://schemas.microsoft.com/office/drawing/2014/main" val="564902271"/>
+                    <a16:rowId xmlns="" xmlns:a16="http://schemas.microsoft.com/office/drawing/2014/main" val="564902271"/>
                   </a:ext>
                 </a:extLst>
               </a:tr>
@@ -21190,18 +19871,15 @@
                         <a:tabLst/>
                         <a:defRPr/>
                       </a:pPr>
-                      <a:r>
-                        <a:rPr lang="en-US" altLang="zh-CN" sz="1200" b="0" dirty="0" smtClean="0">
-                          <a:solidFill>
-                            <a:schemeClr val="tx1"/>
-                          </a:solidFill>
-                          <a:latin typeface="+mn-lt"/>
-                          <a:ea typeface="+mn-ea"/>
-                          <a:cs typeface="+mn-ea"/>
-                          <a:sym typeface="+mn-lt"/>
-                        </a:rPr>
-                        <a:t>RMB XX,XXX</a:t>
-                      </a:r>
+                      <a:endParaRPr lang="en-US" altLang="zh-CN" sz="1200" b="0" dirty="0" smtClean="0">
+                        <a:solidFill>
+                          <a:schemeClr val="tx1"/>
+                        </a:solidFill>
+                        <a:latin typeface="+mn-lt"/>
+                        <a:ea typeface="+mn-ea"/>
+                        <a:cs typeface="+mn-ea"/>
+                        <a:sym typeface="+mn-lt"/>
+                      </a:endParaRPr>
                     </a:p>
                   </a:txBody>
                   <a:tcPr anchor="ctr">
@@ -21232,60 +19910,6 @@
                         <a:tabLst/>
                         <a:defRPr/>
                       </a:pPr>
-                      <a:r>
-                        <a:rPr kumimoji="0" lang="zh-CN" altLang="en-US" sz="1200" b="0" i="0" u="none" strike="noStrike" kern="1200" cap="none" spc="0" normalizeH="0" baseline="0" noProof="0" dirty="0" smtClean="0">
-                          <a:ln>
-                            <a:noFill/>
-                          </a:ln>
-                          <a:solidFill>
-                            <a:srgbClr val="000000"/>
-                          </a:solidFill>
-                          <a:effectLst/>
-                          <a:uLnTx/>
-                          <a:uFillTx/>
-                          <a:latin typeface="+mn-lt"/>
-                          <a:ea typeface="+mn-ea"/>
-                          <a:cs typeface="+mn-ea"/>
-                          <a:sym typeface="+mn-lt"/>
-                        </a:rPr>
-                        <a:t>是</a:t>
-                      </a:r>
-                      <a:r>
-                        <a:rPr kumimoji="0" lang="en-US" altLang="zh-CN" sz="1200" b="0" i="0" u="none" strike="noStrike" kern="1200" cap="none" spc="0" normalizeH="0" baseline="0" noProof="0" dirty="0" smtClean="0">
-                          <a:ln>
-                            <a:noFill/>
-                          </a:ln>
-                          <a:solidFill>
-                            <a:srgbClr val="000000"/>
-                          </a:solidFill>
-                          <a:effectLst/>
-                          <a:uLnTx/>
-                          <a:uFillTx/>
-                          <a:latin typeface="+mn-lt"/>
-                          <a:ea typeface="+mn-ea"/>
-                          <a:cs typeface="+mn-ea"/>
-                          <a:sym typeface="+mn-lt"/>
-                        </a:rPr>
-                        <a:t>/</a:t>
-                      </a:r>
-                      <a:r>
-                        <a:rPr kumimoji="0" lang="zh-CN" altLang="en-US" sz="1200" b="0" i="0" u="none" strike="noStrike" kern="1200" cap="none" spc="0" normalizeH="0" baseline="0" noProof="0" dirty="0" smtClean="0">
-                          <a:ln>
-                            <a:noFill/>
-                          </a:ln>
-                          <a:solidFill>
-                            <a:srgbClr val="000000"/>
-                          </a:solidFill>
-                          <a:effectLst/>
-                          <a:uLnTx/>
-                          <a:uFillTx/>
-                          <a:latin typeface="+mn-lt"/>
-                          <a:ea typeface="+mn-ea"/>
-                          <a:cs typeface="+mn-ea"/>
-                          <a:sym typeface="+mn-lt"/>
-                        </a:rPr>
-                        <a:t>否</a:t>
-                      </a:r>
                       <a:endParaRPr kumimoji="0" lang="en-US" altLang="zh-CN" sz="1200" b="0" i="0" u="none" strike="noStrike" kern="1200" cap="none" spc="0" normalizeH="0" baseline="0" noProof="0" dirty="0" smtClean="0">
                         <a:ln>
                           <a:noFill/>
@@ -21331,20 +19955,6 @@
                         <a:tabLst/>
                         <a:defRPr/>
                       </a:pPr>
-                      <a:r>
-                        <a:rPr lang="zh-CN" altLang="en-US" sz="1000" b="0" dirty="0" smtClean="0">
-                          <a:solidFill>
-                            <a:schemeClr val="accent1">
-                              <a:lumMod val="75000"/>
-                            </a:schemeClr>
-                          </a:solidFill>
-                          <a:latin typeface="+mn-lt"/>
-                          <a:ea typeface="+mn-ea"/>
-                          <a:cs typeface="+mn-ea"/>
-                          <a:sym typeface="+mn-lt"/>
-                        </a:rPr>
-                        <a:t>注明其他费用内容</a:t>
-                      </a:r>
                       <a:endParaRPr lang="en-US" altLang="zh-CN" sz="1000" b="0" dirty="0" smtClean="0">
                         <a:solidFill>
                           <a:schemeClr val="accent1">
@@ -21431,18 +20041,15 @@
                         <a:tabLst/>
                         <a:defRPr/>
                       </a:pPr>
-                      <a:r>
-                        <a:rPr lang="en-US" altLang="zh-CN" sz="1200" b="0" dirty="0" smtClean="0">
-                          <a:solidFill>
-                            <a:schemeClr val="tx1"/>
-                          </a:solidFill>
-                          <a:latin typeface="+mn-lt"/>
-                          <a:ea typeface="+mn-ea"/>
-                          <a:cs typeface="+mn-ea"/>
-                          <a:sym typeface="+mn-lt"/>
-                        </a:rPr>
-                        <a:t>RMB XX,XXX</a:t>
-                      </a:r>
+                      <a:endParaRPr lang="en-US" altLang="zh-CN" sz="1200" b="0" dirty="0" smtClean="0">
+                        <a:solidFill>
+                          <a:schemeClr val="tx1"/>
+                        </a:solidFill>
+                        <a:latin typeface="+mn-lt"/>
+                        <a:ea typeface="+mn-ea"/>
+                        <a:cs typeface="+mn-ea"/>
+                        <a:sym typeface="+mn-lt"/>
+                      </a:endParaRPr>
                     </a:p>
                   </a:txBody>
                   <a:tcPr anchor="ctr">
@@ -21473,60 +20080,6 @@
                         <a:tabLst/>
                         <a:defRPr/>
                       </a:pPr>
-                      <a:r>
-                        <a:rPr kumimoji="0" lang="zh-CN" altLang="en-US" sz="1200" b="0" i="0" u="none" strike="noStrike" kern="1200" cap="none" spc="0" normalizeH="0" baseline="0" noProof="0" dirty="0" smtClean="0">
-                          <a:ln>
-                            <a:noFill/>
-                          </a:ln>
-                          <a:solidFill>
-                            <a:srgbClr val="000000"/>
-                          </a:solidFill>
-                          <a:effectLst/>
-                          <a:uLnTx/>
-                          <a:uFillTx/>
-                          <a:latin typeface="+mn-lt"/>
-                          <a:ea typeface="+mn-ea"/>
-                          <a:cs typeface="+mn-ea"/>
-                          <a:sym typeface="+mn-lt"/>
-                        </a:rPr>
-                        <a:t>是</a:t>
-                      </a:r>
-                      <a:r>
-                        <a:rPr kumimoji="0" lang="en-US" altLang="zh-CN" sz="1200" b="0" i="0" u="none" strike="noStrike" kern="1200" cap="none" spc="0" normalizeH="0" baseline="0" noProof="0" dirty="0" smtClean="0">
-                          <a:ln>
-                            <a:noFill/>
-                          </a:ln>
-                          <a:solidFill>
-                            <a:srgbClr val="000000"/>
-                          </a:solidFill>
-                          <a:effectLst/>
-                          <a:uLnTx/>
-                          <a:uFillTx/>
-                          <a:latin typeface="+mn-lt"/>
-                          <a:ea typeface="+mn-ea"/>
-                          <a:cs typeface="+mn-ea"/>
-                          <a:sym typeface="+mn-lt"/>
-                        </a:rPr>
-                        <a:t>/</a:t>
-                      </a:r>
-                      <a:r>
-                        <a:rPr kumimoji="0" lang="zh-CN" altLang="en-US" sz="1200" b="0" i="0" u="none" strike="noStrike" kern="1200" cap="none" spc="0" normalizeH="0" baseline="0" noProof="0" dirty="0" smtClean="0">
-                          <a:ln>
-                            <a:noFill/>
-                          </a:ln>
-                          <a:solidFill>
-                            <a:srgbClr val="000000"/>
-                          </a:solidFill>
-                          <a:effectLst/>
-                          <a:uLnTx/>
-                          <a:uFillTx/>
-                          <a:latin typeface="+mn-lt"/>
-                          <a:ea typeface="+mn-ea"/>
-                          <a:cs typeface="+mn-ea"/>
-                          <a:sym typeface="+mn-lt"/>
-                        </a:rPr>
-                        <a:t>否</a:t>
-                      </a:r>
                       <a:endParaRPr kumimoji="0" lang="en-US" altLang="zh-CN" sz="1200" b="0" i="0" u="none" strike="noStrike" kern="1200" cap="none" spc="0" normalizeH="0" baseline="0" noProof="0" dirty="0" smtClean="0">
                         <a:ln>
                           <a:noFill/>
@@ -21675,7 +20228,7 @@
                 </a:tc>
                 <a:extLst>
                   <a:ext uri="{0D108BD9-81ED-4DB2-BD59-A6C34878D82A}">
-                    <a16:rowId xmlns:a16="http://schemas.microsoft.com/office/drawing/2014/main" val="981176443"/>
+                    <a16:rowId xmlns="" xmlns:a16="http://schemas.microsoft.com/office/drawing/2014/main" val="981176443"/>
                   </a:ext>
                 </a:extLst>
               </a:tr>
@@ -21953,8 +20506,8 @@
         </p:nvGrpSpPr>
         <p:grpSpPr>
           <a:xfrm>
-            <a:off x="539015" y="1730368"/>
-            <a:ext cx="11080728" cy="4593430"/>
+            <a:off x="539015" y="1730367"/>
+            <a:ext cx="11080728" cy="4947269"/>
             <a:chOff x="181914" y="1426463"/>
             <a:chExt cx="9940530" cy="3182113"/>
           </a:xfrm>
@@ -23528,7 +22081,7 @@
           <a:graphicData uri="http://schemas.openxmlformats.org/presentationml/2006/ole">
             <mc:AlternateContent xmlns:mc="http://schemas.openxmlformats.org/markup-compatibility/2006">
               <mc:Choice xmlns:v="urn:schemas-microsoft-com:vml" Requires="v">
-                <p:oleObj spid="_x0000_s44052" name="think-cell Slide" r:id="rId5" imgW="416" imgH="416" progId="TCLayout.ActiveDocument.1">
+                <p:oleObj spid="_x0000_s44076" name="think-cell Slide" r:id="rId5" imgW="416" imgH="416" progId="TCLayout.ActiveDocument.1">
                   <p:embed/>
                 </p:oleObj>
               </mc:Choice>
@@ -23571,8 +22124,8 @@
         </p:nvSpPr>
         <p:spPr>
           <a:xfrm>
-            <a:off x="558263" y="1150394"/>
-            <a:ext cx="11061479" cy="5163779"/>
+            <a:off x="558263" y="1661020"/>
+            <a:ext cx="11061479" cy="5037616"/>
           </a:xfrm>
           <a:prstGeom prst="rect">
             <a:avLst/>
@@ -23736,42 +22289,6 @@
           </a:p>
         </p:txBody>
       </p:sp>
-      <p:pic>
-        <p:nvPicPr>
-          <p:cNvPr id="7" name="图片 5">
-            <a:extLst>
-              <a:ext uri="{FF2B5EF4-FFF2-40B4-BE49-F238E27FC236}">
-                <a16:creationId xmlns:a16="http://schemas.microsoft.com/office/drawing/2014/main" id="{678FB949-4BA1-0C4C-A94C-DCC5BCEA5D66}"/>
-              </a:ext>
-            </a:extLst>
-          </p:cNvPr>
-          <p:cNvPicPr>
-            <a:picLocks noChangeAspect="1"/>
-          </p:cNvPicPr>
-          <p:nvPr/>
-        </p:nvPicPr>
-        <p:blipFill>
-          <a:blip r:embed="rId7">
-            <a:extLst>
-              <a:ext uri="{28A0092B-C50C-407E-A947-70E740481C1C}">
-                <a14:useLocalDpi xmlns:a14="http://schemas.microsoft.com/office/drawing/2010/main" val="0"/>
-              </a:ext>
-            </a:extLst>
-          </a:blip>
-          <a:stretch>
-            <a:fillRect/>
-          </a:stretch>
-        </p:blipFill>
-        <p:spPr>
-          <a:xfrm>
-            <a:off x="1397873" y="1075747"/>
-            <a:ext cx="9382258" cy="5238426"/>
-          </a:xfrm>
-          <a:prstGeom prst="rect">
-            <a:avLst/>
-          </a:prstGeom>
-        </p:spPr>
-      </p:pic>
       <p:sp>
         <p:nvSpPr>
           <p:cNvPr id="4" name="Rectangle 3"/>
@@ -24019,6 +22536,186 @@
               <a:t>Plan</a:t>
             </a:r>
             <a:endParaRPr lang="en-US" altLang="zh-CN" sz="1050" dirty="0"/>
+          </a:p>
+        </p:txBody>
+      </p:sp>
+      <p:sp>
+        <p:nvSpPr>
+          <p:cNvPr id="9" name="Rectangle 8"/>
+          <p:cNvSpPr/>
+          <p:nvPr/>
+        </p:nvSpPr>
+        <p:spPr>
+          <a:xfrm>
+            <a:off x="558264" y="1126740"/>
+            <a:ext cx="11081395" cy="523220"/>
+          </a:xfrm>
+          <a:prstGeom prst="rect">
+            <a:avLst/>
+          </a:prstGeom>
+          <a:solidFill>
+            <a:schemeClr val="accent1">
+              <a:lumMod val="50000"/>
+            </a:schemeClr>
+          </a:solidFill>
+        </p:spPr>
+        <p:txBody>
+          <a:bodyPr wrap="square">
+            <a:spAutoFit/>
+          </a:bodyPr>
+          <a:lstStyle>
+            <a:defPPr>
+              <a:defRPr lang="en-US"/>
+            </a:defPPr>
+            <a:lvl1pPr marL="0" algn="l" defTabSz="914400" rtl="0" eaLnBrk="1" latinLnBrk="0" hangingPunct="1">
+              <a:defRPr sz="1800" kern="1200">
+                <a:solidFill>
+                  <a:schemeClr val="tx1"/>
+                </a:solidFill>
+                <a:latin typeface="+mn-lt"/>
+                <a:ea typeface="+mn-ea"/>
+                <a:cs typeface="+mn-cs"/>
+              </a:defRPr>
+            </a:lvl1pPr>
+            <a:lvl2pPr marL="457200" algn="l" defTabSz="914400" rtl="0" eaLnBrk="1" latinLnBrk="0" hangingPunct="1">
+              <a:defRPr sz="1800" kern="1200">
+                <a:solidFill>
+                  <a:schemeClr val="tx1"/>
+                </a:solidFill>
+                <a:latin typeface="+mn-lt"/>
+                <a:ea typeface="+mn-ea"/>
+                <a:cs typeface="+mn-cs"/>
+              </a:defRPr>
+            </a:lvl2pPr>
+            <a:lvl3pPr marL="914400" algn="l" defTabSz="914400" rtl="0" eaLnBrk="1" latinLnBrk="0" hangingPunct="1">
+              <a:defRPr sz="1800" kern="1200">
+                <a:solidFill>
+                  <a:schemeClr val="tx1"/>
+                </a:solidFill>
+                <a:latin typeface="+mn-lt"/>
+                <a:ea typeface="+mn-ea"/>
+                <a:cs typeface="+mn-cs"/>
+              </a:defRPr>
+            </a:lvl3pPr>
+            <a:lvl4pPr marL="1371600" algn="l" defTabSz="914400" rtl="0" eaLnBrk="1" latinLnBrk="0" hangingPunct="1">
+              <a:defRPr sz="1800" kern="1200">
+                <a:solidFill>
+                  <a:schemeClr val="tx1"/>
+                </a:solidFill>
+                <a:latin typeface="+mn-lt"/>
+                <a:ea typeface="+mn-ea"/>
+                <a:cs typeface="+mn-cs"/>
+              </a:defRPr>
+            </a:lvl4pPr>
+            <a:lvl5pPr marL="1828800" algn="l" defTabSz="914400" rtl="0" eaLnBrk="1" latinLnBrk="0" hangingPunct="1">
+              <a:defRPr sz="1800" kern="1200">
+                <a:solidFill>
+                  <a:schemeClr val="tx1"/>
+                </a:solidFill>
+                <a:latin typeface="+mn-lt"/>
+                <a:ea typeface="+mn-ea"/>
+                <a:cs typeface="+mn-cs"/>
+              </a:defRPr>
+            </a:lvl5pPr>
+            <a:lvl6pPr marL="2286000" algn="l" defTabSz="914400" rtl="0" eaLnBrk="1" latinLnBrk="0" hangingPunct="1">
+              <a:defRPr sz="1800" kern="1200">
+                <a:solidFill>
+                  <a:schemeClr val="tx1"/>
+                </a:solidFill>
+                <a:latin typeface="+mn-lt"/>
+                <a:ea typeface="+mn-ea"/>
+                <a:cs typeface="+mn-cs"/>
+              </a:defRPr>
+            </a:lvl6pPr>
+            <a:lvl7pPr marL="2743200" algn="l" defTabSz="914400" rtl="0" eaLnBrk="1" latinLnBrk="0" hangingPunct="1">
+              <a:defRPr sz="1800" kern="1200">
+                <a:solidFill>
+                  <a:schemeClr val="tx1"/>
+                </a:solidFill>
+                <a:latin typeface="+mn-lt"/>
+                <a:ea typeface="+mn-ea"/>
+                <a:cs typeface="+mn-cs"/>
+              </a:defRPr>
+            </a:lvl7pPr>
+            <a:lvl8pPr marL="3200400" algn="l" defTabSz="914400" rtl="0" eaLnBrk="1" latinLnBrk="0" hangingPunct="1">
+              <a:defRPr sz="1800" kern="1200">
+                <a:solidFill>
+                  <a:schemeClr val="tx1"/>
+                </a:solidFill>
+                <a:latin typeface="+mn-lt"/>
+                <a:ea typeface="+mn-ea"/>
+                <a:cs typeface="+mn-cs"/>
+              </a:defRPr>
+            </a:lvl8pPr>
+            <a:lvl9pPr marL="3657600" algn="l" defTabSz="914400" rtl="0" eaLnBrk="1" latinLnBrk="0" hangingPunct="1">
+              <a:defRPr sz="1800" kern="1200">
+                <a:solidFill>
+                  <a:schemeClr val="tx1"/>
+                </a:solidFill>
+                <a:latin typeface="+mn-lt"/>
+                <a:ea typeface="+mn-ea"/>
+                <a:cs typeface="+mn-cs"/>
+              </a:defRPr>
+            </a:lvl9pPr>
+          </a:lstStyle>
+          <a:p>
+            <a:pPr algn="ctr" defTabSz="1085210" eaLnBrk="0" fontAlgn="base" hangingPunct="0">
+              <a:spcBef>
+                <a:spcPct val="0"/>
+              </a:spcBef>
+              <a:spcAft>
+                <a:spcPct val="0"/>
+              </a:spcAft>
+              <a:buSzPct val="100000"/>
+            </a:pPr>
+            <a:r>
+              <a:rPr lang="en-US" altLang="zh-CN" sz="1400" b="1" dirty="0">
+                <a:solidFill>
+                  <a:srgbClr val="FFFFFF"/>
+                </a:solidFill>
+                <a:cs typeface="+mn-ea"/>
+                <a:sym typeface="+mn-lt"/>
+              </a:rPr>
+              <a:t>Brand Representation </a:t>
+            </a:r>
+            <a:endParaRPr lang="en-US" altLang="zh-CN" sz="1400" b="1" dirty="0" smtClean="0">
+              <a:solidFill>
+                <a:srgbClr val="FFFFFF"/>
+              </a:solidFill>
+              <a:cs typeface="+mn-ea"/>
+              <a:sym typeface="+mn-lt"/>
+            </a:endParaRPr>
+          </a:p>
+          <a:p>
+            <a:pPr algn="ctr" defTabSz="1085210" eaLnBrk="0" fontAlgn="base" hangingPunct="0">
+              <a:spcBef>
+                <a:spcPct val="0"/>
+              </a:spcBef>
+              <a:spcAft>
+                <a:spcPct val="0"/>
+              </a:spcAft>
+              <a:buSzPct val="100000"/>
+            </a:pPr>
+            <a:r>
+              <a:rPr lang="zh-CN" altLang="en-US" sz="1400" b="1" dirty="0" smtClean="0">
+                <a:solidFill>
+                  <a:srgbClr val="FFFFFF"/>
+                </a:solidFill>
+                <a:cs typeface="+mn-ea"/>
+                <a:sym typeface="+mn-lt"/>
+              </a:rPr>
+              <a:t>活动</a:t>
+            </a:r>
+            <a:r>
+              <a:rPr lang="zh-CN" altLang="en-US" sz="1400" b="1" dirty="0">
+                <a:solidFill>
+                  <a:srgbClr val="FFFFFF"/>
+                </a:solidFill>
+                <a:cs typeface="+mn-ea"/>
+                <a:sym typeface="+mn-lt"/>
+              </a:rPr>
+              <a:t>主视觉或背板</a:t>
+            </a:r>
           </a:p>
         </p:txBody>
       </p:sp>
@@ -26029,12 +24726,12 @@
     </a:clrScheme>
     <a:fontScheme name="1hz2wouy">
       <a:majorFont>
-        <a:latin typeface="Bentley Light" panose="020F0302020204030204"/>
+        <a:latin typeface="Bentley Light"/>
         <a:ea typeface="黑体"/>
         <a:cs typeface=""/>
       </a:majorFont>
       <a:minorFont>
-        <a:latin typeface="Bentley Light" panose="020F0502020204030204"/>
+        <a:latin typeface="Bentley Light"/>
         <a:ea typeface="黑体"/>
         <a:cs typeface=""/>
       </a:minorFont>
@@ -26214,7 +24911,7 @@
   <a:extraClrSchemeLst/>
   <a:extLst>
     <a:ext uri="{05A4C25C-085E-4340-85A3-A5531E510DB2}">
-      <thm15:themeFamily xmlns:thm15="http://schemas.microsoft.com/office/thememl/2012/main" name="Bentley template 2021.potx" id="{C9F80F40-B2B1-4DB6-919B-71F3AAFFE5B0}" vid="{F9D38CA0-4F02-4029-A6BC-9642EF690A5C}"/>
+      <thm15:themeFamily xmlns="" xmlns:thm15="http://schemas.microsoft.com/office/thememl/2012/main" name="Bentley template 2021.potx" id="{C9F80F40-B2B1-4DB6-919B-71F3AAFFE5B0}" vid="{F9D38CA0-4F02-4029-A6BC-9642EF690A5C}"/>
     </a:ext>
   </a:extLst>
 </a:theme>
@@ -26263,12 +24960,12 @@
     </a:clrScheme>
     <a:fontScheme name="1hz2wouy">
       <a:majorFont>
-        <a:latin typeface="Bentley Light" panose="020F0302020204030204"/>
+        <a:latin typeface="Bentley Light"/>
         <a:ea typeface="黑体"/>
         <a:cs typeface=""/>
       </a:majorFont>
       <a:minorFont>
-        <a:latin typeface="Bentley Light" panose="020F0502020204030204"/>
+        <a:latin typeface="Bentley Light"/>
         <a:ea typeface="黑体"/>
         <a:cs typeface=""/>
       </a:minorFont>
@@ -26448,7 +25145,7 @@
   <a:extraClrSchemeLst/>
   <a:extLst>
     <a:ext uri="{05A4C25C-085E-4340-85A3-A5531E510DB2}">
-      <thm15:themeFamily xmlns:thm15="http://schemas.microsoft.com/office/thememl/2012/main" name="Bentley template 2021.potx" id="{C9F80F40-B2B1-4DB6-919B-71F3AAFFE5B0}" vid="{F9D38CA0-4F02-4029-A6BC-9642EF690A5C}"/>
+      <thm15:themeFamily xmlns="" xmlns:thm15="http://schemas.microsoft.com/office/thememl/2012/main" name="Bentley template 2021.potx" id="{C9F80F40-B2B1-4DB6-919B-71F3AAFFE5B0}" vid="{F9D38CA0-4F02-4029-A6BC-9642EF690A5C}"/>
     </a:ext>
   </a:extLst>
 </a:theme>
@@ -26497,7 +25194,7 @@
     </a:clrScheme>
     <a:fontScheme name="Office">
       <a:majorFont>
-        <a:latin typeface="Calibri Light" panose="020F0302020204030204"/>
+        <a:latin typeface="Calibri Light"/>
         <a:ea typeface=""/>
         <a:cs typeface=""/>
         <a:font script="Jpan" typeface="游ゴシック Light"/>
@@ -26532,7 +25229,7 @@
         <a:font script="Geor" typeface="Sylfaen"/>
       </a:majorFont>
       <a:minorFont>
-        <a:latin typeface="Calibri" panose="020F0502020204030204"/>
+        <a:latin typeface="Calibri"/>
         <a:ea typeface=""/>
         <a:cs typeface=""/>
         <a:font script="Jpan" typeface="游ゴシック"/>
@@ -26709,7 +25406,7 @@
   <a:extraClrSchemeLst/>
   <a:extLst>
     <a:ext uri="{05A4C25C-085E-4340-85A3-A5531E510DB2}">
-      <thm15:themeFamily xmlns:thm15="http://schemas.microsoft.com/office/thememl/2012/main" name="Office Theme" id="{62F939B6-93AF-4DB8-9C6B-D6C7DFDC589F}" vid="{4A3C46E8-61CC-4603-A589-7422A47A8E4A}"/>
+      <thm15:themeFamily xmlns="" xmlns:thm15="http://schemas.microsoft.com/office/thememl/2012/main" name="Office Theme" id="{62F939B6-93AF-4DB8-9C6B-D6C7DFDC589F}" vid="{4A3C46E8-61CC-4603-A589-7422A47A8E4A}"/>
     </a:ext>
   </a:extLst>
 </a:theme>

--- a/com.yrtech.bentleyAPI/com.yrtech.InventoryAPI/template/PlanOffLine.pptx
+++ b/com.yrtech.bentleyAPI/com.yrtech.InventoryAPI/template/PlanOffLine.pptx
@@ -123,7 +123,7 @@
   </p:defaultTextStyle>
   <p:extLst>
     <p:ext uri="{EFAFB233-063F-42B5-8137-9DF3F51BA10A}">
-      <p15:sldGuideLst xmlns="" xmlns:p15="http://schemas.microsoft.com/office/powerpoint/2012/main">
+      <p15:sldGuideLst xmlns:p15="http://schemas.microsoft.com/office/powerpoint/2012/main" xmlns="">
         <p15:guide id="1" pos="7310" userDrawn="1">
           <p15:clr>
             <a:srgbClr val="A4A3A4"/>
@@ -222,7 +222,7 @@
           <a:p>
             <a:fld id="{69A4D669-94F9-4D70-8C76-4C2D35D4E5D0}" type="datetimeFigureOut">
               <a:rPr lang="en-US" smtClean="0"/>
-              <a:t>4/4/2022</a:t>
+              <a:t>4/9/2022</a:t>
             </a:fld>
             <a:endParaRPr lang="en-US" dirty="0"/>
           </a:p>
@@ -1482,7 +1482,7 @@
           <a:graphicData uri="http://schemas.openxmlformats.org/presentationml/2006/ole">
             <mc:AlternateContent xmlns:mc="http://schemas.openxmlformats.org/markup-compatibility/2006">
               <mc:Choice xmlns:v="urn:schemas-microsoft-com:vml" Requires="v">
-                <p:oleObj spid="_x0000_s32813" name="think-cell Slide" r:id="rId5" imgW="216" imgH="216" progId="TCLayout.ActiveDocument.1">
+                <p:oleObj spid="_x0000_s32814" name="think-cell Slide" r:id="rId5" imgW="216" imgH="216" progId="TCLayout.ActiveDocument.1">
                   <p:embed/>
                 </p:oleObj>
               </mc:Choice>
@@ -1679,7 +1679,7 @@
           <p:cNvPr id="4" name="Footer Placeholder 3">
             <a:extLst>
               <a:ext uri="{FF2B5EF4-FFF2-40B4-BE49-F238E27FC236}">
-                <a16:creationId xmlns="" xmlns:a16="http://schemas.microsoft.com/office/drawing/2014/main" id="{17D6DE4C-D976-4B4B-B087-C035EF8D4F6F}"/>
+                <a16:creationId xmlns:a16="http://schemas.microsoft.com/office/drawing/2014/main" xmlns="" id="{17D6DE4C-D976-4B4B-B087-C035EF8D4F6F}"/>
               </a:ext>
             </a:extLst>
           </p:cNvPr>
@@ -1738,7 +1738,7 @@
           <p:cNvPr id="13" name="Straight Connector 12">
             <a:extLst>
               <a:ext uri="{FF2B5EF4-FFF2-40B4-BE49-F238E27FC236}">
-                <a16:creationId xmlns="" xmlns:a16="http://schemas.microsoft.com/office/drawing/2014/main" id="{95C486A1-9876-924E-85C2-906892F8B9AC}"/>
+                <a16:creationId xmlns:a16="http://schemas.microsoft.com/office/drawing/2014/main" xmlns="" id="{95C486A1-9876-924E-85C2-906892F8B9AC}"/>
               </a:ext>
             </a:extLst>
           </p:cNvPr>
@@ -1781,7 +1781,7 @@
           <p:cNvPr id="17" name="Slide Number Placeholder 5">
             <a:extLst>
               <a:ext uri="{FF2B5EF4-FFF2-40B4-BE49-F238E27FC236}">
-                <a16:creationId xmlns="" xmlns:a16="http://schemas.microsoft.com/office/drawing/2014/main" id="{CC67CD5C-67EC-5144-B858-5347C50D1ACD}"/>
+                <a16:creationId xmlns:a16="http://schemas.microsoft.com/office/drawing/2014/main" xmlns="" id="{CC67CD5C-67EC-5144-B858-5347C50D1ACD}"/>
               </a:ext>
             </a:extLst>
           </p:cNvPr>
@@ -1833,7 +1833,7 @@
           <p:cNvPr id="8" name="Title 7">
             <a:extLst>
               <a:ext uri="{FF2B5EF4-FFF2-40B4-BE49-F238E27FC236}">
-                <a16:creationId xmlns="" xmlns:a16="http://schemas.microsoft.com/office/drawing/2014/main" id="{8A6F1540-D306-D44E-B1B3-1ACCF1041F70}"/>
+                <a16:creationId xmlns:a16="http://schemas.microsoft.com/office/drawing/2014/main" xmlns="" id="{8A6F1540-D306-D44E-B1B3-1ACCF1041F70}"/>
               </a:ext>
             </a:extLst>
           </p:cNvPr>
@@ -2240,7 +2240,7 @@
           <a:graphicData uri="http://schemas.openxmlformats.org/presentationml/2006/ole">
             <mc:AlternateContent xmlns:mc="http://schemas.openxmlformats.org/markup-compatibility/2006">
               <mc:Choice xmlns:v="urn:schemas-microsoft-com:vml" Requires="v">
-                <p:oleObj spid="_x0000_s33837" name="think-cell Slide" r:id="rId4" imgW="216" imgH="216" progId="TCLayout.ActiveDocument.1">
+                <p:oleObj spid="_x0000_s33838" name="think-cell Slide" r:id="rId4" imgW="216" imgH="216" progId="TCLayout.ActiveDocument.1">
                   <p:embed/>
                 </p:oleObj>
               </mc:Choice>
@@ -2366,7 +2366,7 @@
           <p:cNvPr id="8" name="Title 7">
             <a:extLst>
               <a:ext uri="{FF2B5EF4-FFF2-40B4-BE49-F238E27FC236}">
-                <a16:creationId xmlns="" xmlns:a16="http://schemas.microsoft.com/office/drawing/2014/main" id="{8A6F1540-D306-D44E-B1B3-1ACCF1041F70}"/>
+                <a16:creationId xmlns:a16="http://schemas.microsoft.com/office/drawing/2014/main" xmlns="" id="{8A6F1540-D306-D44E-B1B3-1ACCF1041F70}"/>
               </a:ext>
             </a:extLst>
           </p:cNvPr>
@@ -2402,7 +2402,7 @@
           <p:cNvPr id="9" name="Content Placeholder 2">
             <a:extLst>
               <a:ext uri="{FF2B5EF4-FFF2-40B4-BE49-F238E27FC236}">
-                <a16:creationId xmlns="" xmlns:a16="http://schemas.microsoft.com/office/drawing/2014/main" id="{0A7C1352-3D49-F849-9BC3-BC0AF9CD8F04}"/>
+                <a16:creationId xmlns:a16="http://schemas.microsoft.com/office/drawing/2014/main" xmlns="" id="{0A7C1352-3D49-F849-9BC3-BC0AF9CD8F04}"/>
               </a:ext>
             </a:extLst>
           </p:cNvPr>
@@ -2494,7 +2494,7 @@
           <p:cNvPr id="10" name="Content Placeholder 2">
             <a:extLst>
               <a:ext uri="{FF2B5EF4-FFF2-40B4-BE49-F238E27FC236}">
-                <a16:creationId xmlns="" xmlns:a16="http://schemas.microsoft.com/office/drawing/2014/main" id="{D1AA7CFB-7669-2648-A3E1-E647E531399E}"/>
+                <a16:creationId xmlns:a16="http://schemas.microsoft.com/office/drawing/2014/main" xmlns="" id="{D1AA7CFB-7669-2648-A3E1-E647E531399E}"/>
               </a:ext>
             </a:extLst>
           </p:cNvPr>
@@ -2586,7 +2586,7 @@
           <p:cNvPr id="11" name="Content Placeholder 2">
             <a:extLst>
               <a:ext uri="{FF2B5EF4-FFF2-40B4-BE49-F238E27FC236}">
-                <a16:creationId xmlns="" xmlns:a16="http://schemas.microsoft.com/office/drawing/2014/main" id="{2E4B4082-D988-5D43-9C32-2C7F747717ED}"/>
+                <a16:creationId xmlns:a16="http://schemas.microsoft.com/office/drawing/2014/main" xmlns="" id="{2E4B4082-D988-5D43-9C32-2C7F747717ED}"/>
               </a:ext>
             </a:extLst>
           </p:cNvPr>
@@ -2678,7 +2678,7 @@
           <p:cNvPr id="12" name="Content Placeholder 2">
             <a:extLst>
               <a:ext uri="{FF2B5EF4-FFF2-40B4-BE49-F238E27FC236}">
-                <a16:creationId xmlns="" xmlns:a16="http://schemas.microsoft.com/office/drawing/2014/main" id="{45B8DE4D-1F9B-7341-8CB2-D70634815B55}"/>
+                <a16:creationId xmlns:a16="http://schemas.microsoft.com/office/drawing/2014/main" xmlns="" id="{45B8DE4D-1F9B-7341-8CB2-D70634815B55}"/>
               </a:ext>
             </a:extLst>
           </p:cNvPr>
@@ -2770,7 +2770,7 @@
           <p:cNvPr id="14" name="Footer Placeholder 3">
             <a:extLst>
               <a:ext uri="{FF2B5EF4-FFF2-40B4-BE49-F238E27FC236}">
-                <a16:creationId xmlns="" xmlns:a16="http://schemas.microsoft.com/office/drawing/2014/main" id="{DBA440F4-82E0-7E45-8A6F-4A8C7572AEE5}"/>
+                <a16:creationId xmlns:a16="http://schemas.microsoft.com/office/drawing/2014/main" xmlns="" id="{DBA440F4-82E0-7E45-8A6F-4A8C7572AEE5}"/>
               </a:ext>
             </a:extLst>
           </p:cNvPr>
@@ -2829,7 +2829,7 @@
           <p:cNvPr id="15" name="Slide Number Placeholder 5">
             <a:extLst>
               <a:ext uri="{FF2B5EF4-FFF2-40B4-BE49-F238E27FC236}">
-                <a16:creationId xmlns="" xmlns:a16="http://schemas.microsoft.com/office/drawing/2014/main" id="{CC67CD5C-67EC-5144-B858-5347C50D1ACD}"/>
+                <a16:creationId xmlns:a16="http://schemas.microsoft.com/office/drawing/2014/main" xmlns="" id="{CC67CD5C-67EC-5144-B858-5347C50D1ACD}"/>
               </a:ext>
             </a:extLst>
           </p:cNvPr>
@@ -2881,7 +2881,7 @@
           <p:cNvPr id="16" name="Straight Connector 15">
             <a:extLst>
               <a:ext uri="{FF2B5EF4-FFF2-40B4-BE49-F238E27FC236}">
-                <a16:creationId xmlns="" xmlns:a16="http://schemas.microsoft.com/office/drawing/2014/main" id="{95C486A1-9876-924E-85C2-906892F8B9AC}"/>
+                <a16:creationId xmlns:a16="http://schemas.microsoft.com/office/drawing/2014/main" xmlns="" id="{95C486A1-9876-924E-85C2-906892F8B9AC}"/>
               </a:ext>
             </a:extLst>
           </p:cNvPr>
@@ -2977,7 +2977,7 @@
           <a:graphicData uri="http://schemas.openxmlformats.org/presentationml/2006/ole">
             <mc:AlternateContent xmlns:mc="http://schemas.openxmlformats.org/markup-compatibility/2006">
               <mc:Choice xmlns:v="urn:schemas-microsoft-com:vml" Requires="v">
-                <p:oleObj spid="_x0000_s34861" name="think-cell Slide" r:id="rId4" imgW="216" imgH="216" progId="TCLayout.ActiveDocument.1">
+                <p:oleObj spid="_x0000_s34862" name="think-cell Slide" r:id="rId4" imgW="216" imgH="216" progId="TCLayout.ActiveDocument.1">
                   <p:embed/>
                 </p:oleObj>
               </mc:Choice>
@@ -3017,7 +3017,7 @@
           <p:cNvPr id="8" name="Title 7">
             <a:extLst>
               <a:ext uri="{FF2B5EF4-FFF2-40B4-BE49-F238E27FC236}">
-                <a16:creationId xmlns="" xmlns:a16="http://schemas.microsoft.com/office/drawing/2014/main" id="{8A6F1540-D306-D44E-B1B3-1ACCF1041F70}"/>
+                <a16:creationId xmlns:a16="http://schemas.microsoft.com/office/drawing/2014/main" xmlns="" id="{8A6F1540-D306-D44E-B1B3-1ACCF1041F70}"/>
               </a:ext>
             </a:extLst>
           </p:cNvPr>
@@ -3813,7 +3813,7 @@
           <p:cNvPr id="37" name="Footer Placeholder 3">
             <a:extLst>
               <a:ext uri="{FF2B5EF4-FFF2-40B4-BE49-F238E27FC236}">
-                <a16:creationId xmlns="" xmlns:a16="http://schemas.microsoft.com/office/drawing/2014/main" id="{DBA440F4-82E0-7E45-8A6F-4A8C7572AEE5}"/>
+                <a16:creationId xmlns:a16="http://schemas.microsoft.com/office/drawing/2014/main" xmlns="" id="{DBA440F4-82E0-7E45-8A6F-4A8C7572AEE5}"/>
               </a:ext>
             </a:extLst>
           </p:cNvPr>
@@ -3872,7 +3872,7 @@
           <p:cNvPr id="38" name="Slide Number Placeholder 5">
             <a:extLst>
               <a:ext uri="{FF2B5EF4-FFF2-40B4-BE49-F238E27FC236}">
-                <a16:creationId xmlns="" xmlns:a16="http://schemas.microsoft.com/office/drawing/2014/main" id="{CC67CD5C-67EC-5144-B858-5347C50D1ACD}"/>
+                <a16:creationId xmlns:a16="http://schemas.microsoft.com/office/drawing/2014/main" xmlns="" id="{CC67CD5C-67EC-5144-B858-5347C50D1ACD}"/>
               </a:ext>
             </a:extLst>
           </p:cNvPr>
@@ -3924,7 +3924,7 @@
           <p:cNvPr id="39" name="Straight Connector 38">
             <a:extLst>
               <a:ext uri="{FF2B5EF4-FFF2-40B4-BE49-F238E27FC236}">
-                <a16:creationId xmlns="" xmlns:a16="http://schemas.microsoft.com/office/drawing/2014/main" id="{95C486A1-9876-924E-85C2-906892F8B9AC}"/>
+                <a16:creationId xmlns:a16="http://schemas.microsoft.com/office/drawing/2014/main" xmlns="" id="{95C486A1-9876-924E-85C2-906892F8B9AC}"/>
               </a:ext>
             </a:extLst>
           </p:cNvPr>
@@ -4025,7 +4025,7 @@
           <a:graphicData uri="http://schemas.openxmlformats.org/presentationml/2006/ole">
             <mc:AlternateContent xmlns:mc="http://schemas.openxmlformats.org/markup-compatibility/2006">
               <mc:Choice xmlns:v="urn:schemas-microsoft-com:vml" Requires="v">
-                <p:oleObj spid="_x0000_s35885" name="think-cell Slide" r:id="rId5" imgW="216" imgH="216" progId="TCLayout.ActiveDocument.1">
+                <p:oleObj spid="_x0000_s35886" name="think-cell Slide" r:id="rId5" imgW="216" imgH="216" progId="TCLayout.ActiveDocument.1">
                   <p:embed/>
                 </p:oleObj>
               </mc:Choice>
@@ -4242,7 +4242,7 @@
           <p:cNvPr id="4" name="Footer Placeholder 3">
             <a:extLst>
               <a:ext uri="{FF2B5EF4-FFF2-40B4-BE49-F238E27FC236}">
-                <a16:creationId xmlns="" xmlns:a16="http://schemas.microsoft.com/office/drawing/2014/main" id="{17D6DE4C-D976-4B4B-B087-C035EF8D4F6F}"/>
+                <a16:creationId xmlns:a16="http://schemas.microsoft.com/office/drawing/2014/main" xmlns="" id="{17D6DE4C-D976-4B4B-B087-C035EF8D4F6F}"/>
               </a:ext>
             </a:extLst>
           </p:cNvPr>
@@ -4301,7 +4301,7 @@
           <p:cNvPr id="17" name="Slide Number Placeholder 5">
             <a:extLst>
               <a:ext uri="{FF2B5EF4-FFF2-40B4-BE49-F238E27FC236}">
-                <a16:creationId xmlns="" xmlns:a16="http://schemas.microsoft.com/office/drawing/2014/main" id="{CC67CD5C-67EC-5144-B858-5347C50D1ACD}"/>
+                <a16:creationId xmlns:a16="http://schemas.microsoft.com/office/drawing/2014/main" xmlns="" id="{CC67CD5C-67EC-5144-B858-5347C50D1ACD}"/>
               </a:ext>
             </a:extLst>
           </p:cNvPr>
@@ -4353,7 +4353,7 @@
           <p:cNvPr id="8" name="Title 7">
             <a:extLst>
               <a:ext uri="{FF2B5EF4-FFF2-40B4-BE49-F238E27FC236}">
-                <a16:creationId xmlns="" xmlns:a16="http://schemas.microsoft.com/office/drawing/2014/main" id="{8A6F1540-D306-D44E-B1B3-1ACCF1041F70}"/>
+                <a16:creationId xmlns:a16="http://schemas.microsoft.com/office/drawing/2014/main" xmlns="" id="{8A6F1540-D306-D44E-B1B3-1ACCF1041F70}"/>
               </a:ext>
             </a:extLst>
           </p:cNvPr>
@@ -4397,7 +4397,7 @@
           <p:cNvPr id="9" name="Straight Connector 8">
             <a:extLst>
               <a:ext uri="{FF2B5EF4-FFF2-40B4-BE49-F238E27FC236}">
-                <a16:creationId xmlns="" xmlns:a16="http://schemas.microsoft.com/office/drawing/2014/main" id="{BB1AA2BE-B537-254D-958A-FBAFDE7E90DC}"/>
+                <a16:creationId xmlns:a16="http://schemas.microsoft.com/office/drawing/2014/main" xmlns="" id="{BB1AA2BE-B537-254D-958A-FBAFDE7E90DC}"/>
               </a:ext>
             </a:extLst>
           </p:cNvPr>
@@ -4440,7 +4440,7 @@
           <p:cNvPr id="10" name="Straight Connector 9">
             <a:extLst>
               <a:ext uri="{FF2B5EF4-FFF2-40B4-BE49-F238E27FC236}">
-                <a16:creationId xmlns="" xmlns:a16="http://schemas.microsoft.com/office/drawing/2014/main" id="{95C486A1-9876-924E-85C2-906892F8B9AC}"/>
+                <a16:creationId xmlns:a16="http://schemas.microsoft.com/office/drawing/2014/main" xmlns="" id="{95C486A1-9876-924E-85C2-906892F8B9AC}"/>
               </a:ext>
             </a:extLst>
           </p:cNvPr>
@@ -4544,7 +4544,7 @@
           <a:graphicData uri="http://schemas.openxmlformats.org/presentationml/2006/ole">
             <mc:AlternateContent xmlns:mc="http://schemas.openxmlformats.org/markup-compatibility/2006">
               <mc:Choice xmlns:v="urn:schemas-microsoft-com:vml" Requires="v">
-                <p:oleObj spid="_x0000_s45083" name="think-cell Slide" r:id="rId4" imgW="216" imgH="216" progId="TCLayout.ActiveDocument.1">
+                <p:oleObj spid="_x0000_s45084" name="think-cell Slide" r:id="rId4" imgW="216" imgH="216" progId="TCLayout.ActiveDocument.1">
                   <p:embed/>
                 </p:oleObj>
               </mc:Choice>
@@ -4630,7 +4630,7 @@
           <a:graphicData uri="http://schemas.openxmlformats.org/presentationml/2006/ole">
             <mc:AlternateContent xmlns:mc="http://schemas.openxmlformats.org/markup-compatibility/2006">
               <mc:Choice xmlns:v="urn:schemas-microsoft-com:vml" Requires="v">
-                <p:oleObj spid="_x0000_s37933" name="think-cell Slide" r:id="rId5" imgW="216" imgH="216" progId="TCLayout.ActiveDocument.1">
+                <p:oleObj spid="_x0000_s37934" name="think-cell Slide" r:id="rId5" imgW="216" imgH="216" progId="TCLayout.ActiveDocument.1">
                   <p:embed/>
                 </p:oleObj>
               </mc:Choice>
@@ -4827,7 +4827,7 @@
           <p:cNvPr id="4" name="Footer Placeholder 3">
             <a:extLst>
               <a:ext uri="{FF2B5EF4-FFF2-40B4-BE49-F238E27FC236}">
-                <a16:creationId xmlns="" xmlns:a16="http://schemas.microsoft.com/office/drawing/2014/main" id="{17D6DE4C-D976-4B4B-B087-C035EF8D4F6F}"/>
+                <a16:creationId xmlns:a16="http://schemas.microsoft.com/office/drawing/2014/main" xmlns="" id="{17D6DE4C-D976-4B4B-B087-C035EF8D4F6F}"/>
               </a:ext>
             </a:extLst>
           </p:cNvPr>
@@ -4886,7 +4886,7 @@
           <p:cNvPr id="13" name="Straight Connector 12">
             <a:extLst>
               <a:ext uri="{FF2B5EF4-FFF2-40B4-BE49-F238E27FC236}">
-                <a16:creationId xmlns="" xmlns:a16="http://schemas.microsoft.com/office/drawing/2014/main" id="{95C486A1-9876-924E-85C2-906892F8B9AC}"/>
+                <a16:creationId xmlns:a16="http://schemas.microsoft.com/office/drawing/2014/main" xmlns="" id="{95C486A1-9876-924E-85C2-906892F8B9AC}"/>
               </a:ext>
             </a:extLst>
           </p:cNvPr>
@@ -4929,7 +4929,7 @@
           <p:cNvPr id="17" name="Slide Number Placeholder 5">
             <a:extLst>
               <a:ext uri="{FF2B5EF4-FFF2-40B4-BE49-F238E27FC236}">
-                <a16:creationId xmlns="" xmlns:a16="http://schemas.microsoft.com/office/drawing/2014/main" id="{CC67CD5C-67EC-5144-B858-5347C50D1ACD}"/>
+                <a16:creationId xmlns:a16="http://schemas.microsoft.com/office/drawing/2014/main" xmlns="" id="{CC67CD5C-67EC-5144-B858-5347C50D1ACD}"/>
               </a:ext>
             </a:extLst>
           </p:cNvPr>
@@ -4981,7 +4981,7 @@
           <p:cNvPr id="8" name="Title 7">
             <a:extLst>
               <a:ext uri="{FF2B5EF4-FFF2-40B4-BE49-F238E27FC236}">
-                <a16:creationId xmlns="" xmlns:a16="http://schemas.microsoft.com/office/drawing/2014/main" id="{8A6F1540-D306-D44E-B1B3-1ACCF1041F70}"/>
+                <a16:creationId xmlns:a16="http://schemas.microsoft.com/office/drawing/2014/main" xmlns="" id="{8A6F1540-D306-D44E-B1B3-1ACCF1041F70}"/>
               </a:ext>
             </a:extLst>
           </p:cNvPr>
@@ -5107,7 +5107,7 @@
           <a:graphicData uri="http://schemas.openxmlformats.org/presentationml/2006/ole">
             <mc:AlternateContent xmlns:mc="http://schemas.openxmlformats.org/markup-compatibility/2006">
               <mc:Choice xmlns:v="urn:schemas-microsoft-com:vml" Requires="v">
-                <p:oleObj spid="_x0000_s38957" name="think-cell Slide" r:id="rId4" imgW="216" imgH="216" progId="TCLayout.ActiveDocument.1">
+                <p:oleObj spid="_x0000_s38958" name="think-cell Slide" r:id="rId4" imgW="216" imgH="216" progId="TCLayout.ActiveDocument.1">
                   <p:embed/>
                 </p:oleObj>
               </mc:Choice>
@@ -5233,7 +5233,7 @@
           <p:cNvPr id="8" name="Title 7">
             <a:extLst>
               <a:ext uri="{FF2B5EF4-FFF2-40B4-BE49-F238E27FC236}">
-                <a16:creationId xmlns="" xmlns:a16="http://schemas.microsoft.com/office/drawing/2014/main" id="{8A6F1540-D306-D44E-B1B3-1ACCF1041F70}"/>
+                <a16:creationId xmlns:a16="http://schemas.microsoft.com/office/drawing/2014/main" xmlns="" id="{8A6F1540-D306-D44E-B1B3-1ACCF1041F70}"/>
               </a:ext>
             </a:extLst>
           </p:cNvPr>
@@ -5269,7 +5269,7 @@
           <p:cNvPr id="9" name="Content Placeholder 2">
             <a:extLst>
               <a:ext uri="{FF2B5EF4-FFF2-40B4-BE49-F238E27FC236}">
-                <a16:creationId xmlns="" xmlns:a16="http://schemas.microsoft.com/office/drawing/2014/main" id="{0A7C1352-3D49-F849-9BC3-BC0AF9CD8F04}"/>
+                <a16:creationId xmlns:a16="http://schemas.microsoft.com/office/drawing/2014/main" xmlns="" id="{0A7C1352-3D49-F849-9BC3-BC0AF9CD8F04}"/>
               </a:ext>
             </a:extLst>
           </p:cNvPr>
@@ -5361,7 +5361,7 @@
           <p:cNvPr id="10" name="Content Placeholder 2">
             <a:extLst>
               <a:ext uri="{FF2B5EF4-FFF2-40B4-BE49-F238E27FC236}">
-                <a16:creationId xmlns="" xmlns:a16="http://schemas.microsoft.com/office/drawing/2014/main" id="{D1AA7CFB-7669-2648-A3E1-E647E531399E}"/>
+                <a16:creationId xmlns:a16="http://schemas.microsoft.com/office/drawing/2014/main" xmlns="" id="{D1AA7CFB-7669-2648-A3E1-E647E531399E}"/>
               </a:ext>
             </a:extLst>
           </p:cNvPr>
@@ -5453,7 +5453,7 @@
           <p:cNvPr id="11" name="Content Placeholder 2">
             <a:extLst>
               <a:ext uri="{FF2B5EF4-FFF2-40B4-BE49-F238E27FC236}">
-                <a16:creationId xmlns="" xmlns:a16="http://schemas.microsoft.com/office/drawing/2014/main" id="{2E4B4082-D988-5D43-9C32-2C7F747717ED}"/>
+                <a16:creationId xmlns:a16="http://schemas.microsoft.com/office/drawing/2014/main" xmlns="" id="{2E4B4082-D988-5D43-9C32-2C7F747717ED}"/>
               </a:ext>
             </a:extLst>
           </p:cNvPr>
@@ -5545,7 +5545,7 @@
           <p:cNvPr id="12" name="Content Placeholder 2">
             <a:extLst>
               <a:ext uri="{FF2B5EF4-FFF2-40B4-BE49-F238E27FC236}">
-                <a16:creationId xmlns="" xmlns:a16="http://schemas.microsoft.com/office/drawing/2014/main" id="{45B8DE4D-1F9B-7341-8CB2-D70634815B55}"/>
+                <a16:creationId xmlns:a16="http://schemas.microsoft.com/office/drawing/2014/main" xmlns="" id="{45B8DE4D-1F9B-7341-8CB2-D70634815B55}"/>
               </a:ext>
             </a:extLst>
           </p:cNvPr>
@@ -5637,7 +5637,7 @@
           <p:cNvPr id="14" name="Footer Placeholder 3">
             <a:extLst>
               <a:ext uri="{FF2B5EF4-FFF2-40B4-BE49-F238E27FC236}">
-                <a16:creationId xmlns="" xmlns:a16="http://schemas.microsoft.com/office/drawing/2014/main" id="{DBA440F4-82E0-7E45-8A6F-4A8C7572AEE5}"/>
+                <a16:creationId xmlns:a16="http://schemas.microsoft.com/office/drawing/2014/main" xmlns="" id="{DBA440F4-82E0-7E45-8A6F-4A8C7572AEE5}"/>
               </a:ext>
             </a:extLst>
           </p:cNvPr>
@@ -5696,7 +5696,7 @@
           <p:cNvPr id="15" name="Slide Number Placeholder 5">
             <a:extLst>
               <a:ext uri="{FF2B5EF4-FFF2-40B4-BE49-F238E27FC236}">
-                <a16:creationId xmlns="" xmlns:a16="http://schemas.microsoft.com/office/drawing/2014/main" id="{CC67CD5C-67EC-5144-B858-5347C50D1ACD}"/>
+                <a16:creationId xmlns:a16="http://schemas.microsoft.com/office/drawing/2014/main" xmlns="" id="{CC67CD5C-67EC-5144-B858-5347C50D1ACD}"/>
               </a:ext>
             </a:extLst>
           </p:cNvPr>
@@ -5748,7 +5748,7 @@
           <p:cNvPr id="16" name="Straight Connector 15">
             <a:extLst>
               <a:ext uri="{FF2B5EF4-FFF2-40B4-BE49-F238E27FC236}">
-                <a16:creationId xmlns="" xmlns:a16="http://schemas.microsoft.com/office/drawing/2014/main" id="{95C486A1-9876-924E-85C2-906892F8B9AC}"/>
+                <a16:creationId xmlns:a16="http://schemas.microsoft.com/office/drawing/2014/main" xmlns="" id="{95C486A1-9876-924E-85C2-906892F8B9AC}"/>
               </a:ext>
             </a:extLst>
           </p:cNvPr>
@@ -5844,7 +5844,7 @@
           <a:graphicData uri="http://schemas.openxmlformats.org/presentationml/2006/ole">
             <mc:AlternateContent xmlns:mc="http://schemas.openxmlformats.org/markup-compatibility/2006">
               <mc:Choice xmlns:v="urn:schemas-microsoft-com:vml" Requires="v">
-                <p:oleObj spid="_x0000_s39981" name="think-cell Slide" r:id="rId4" imgW="216" imgH="216" progId="TCLayout.ActiveDocument.1">
+                <p:oleObj spid="_x0000_s39982" name="think-cell Slide" r:id="rId4" imgW="216" imgH="216" progId="TCLayout.ActiveDocument.1">
                   <p:embed/>
                 </p:oleObj>
               </mc:Choice>
@@ -5884,7 +5884,7 @@
           <p:cNvPr id="8" name="Title 7">
             <a:extLst>
               <a:ext uri="{FF2B5EF4-FFF2-40B4-BE49-F238E27FC236}">
-                <a16:creationId xmlns="" xmlns:a16="http://schemas.microsoft.com/office/drawing/2014/main" id="{8A6F1540-D306-D44E-B1B3-1ACCF1041F70}"/>
+                <a16:creationId xmlns:a16="http://schemas.microsoft.com/office/drawing/2014/main" xmlns="" id="{8A6F1540-D306-D44E-B1B3-1ACCF1041F70}"/>
               </a:ext>
             </a:extLst>
           </p:cNvPr>
@@ -6680,7 +6680,7 @@
           <p:cNvPr id="37" name="Footer Placeholder 3">
             <a:extLst>
               <a:ext uri="{FF2B5EF4-FFF2-40B4-BE49-F238E27FC236}">
-                <a16:creationId xmlns="" xmlns:a16="http://schemas.microsoft.com/office/drawing/2014/main" id="{DBA440F4-82E0-7E45-8A6F-4A8C7572AEE5}"/>
+                <a16:creationId xmlns:a16="http://schemas.microsoft.com/office/drawing/2014/main" xmlns="" id="{DBA440F4-82E0-7E45-8A6F-4A8C7572AEE5}"/>
               </a:ext>
             </a:extLst>
           </p:cNvPr>
@@ -6739,7 +6739,7 @@
           <p:cNvPr id="38" name="Slide Number Placeholder 5">
             <a:extLst>
               <a:ext uri="{FF2B5EF4-FFF2-40B4-BE49-F238E27FC236}">
-                <a16:creationId xmlns="" xmlns:a16="http://schemas.microsoft.com/office/drawing/2014/main" id="{CC67CD5C-67EC-5144-B858-5347C50D1ACD}"/>
+                <a16:creationId xmlns:a16="http://schemas.microsoft.com/office/drawing/2014/main" xmlns="" id="{CC67CD5C-67EC-5144-B858-5347C50D1ACD}"/>
               </a:ext>
             </a:extLst>
           </p:cNvPr>
@@ -6791,7 +6791,7 @@
           <p:cNvPr id="39" name="Straight Connector 38">
             <a:extLst>
               <a:ext uri="{FF2B5EF4-FFF2-40B4-BE49-F238E27FC236}">
-                <a16:creationId xmlns="" xmlns:a16="http://schemas.microsoft.com/office/drawing/2014/main" id="{95C486A1-9876-924E-85C2-906892F8B9AC}"/>
+                <a16:creationId xmlns:a16="http://schemas.microsoft.com/office/drawing/2014/main" xmlns="" id="{95C486A1-9876-924E-85C2-906892F8B9AC}"/>
               </a:ext>
             </a:extLst>
           </p:cNvPr>
@@ -6892,7 +6892,7 @@
           <a:graphicData uri="http://schemas.openxmlformats.org/presentationml/2006/ole">
             <mc:AlternateContent xmlns:mc="http://schemas.openxmlformats.org/markup-compatibility/2006">
               <mc:Choice xmlns:v="urn:schemas-microsoft-com:vml" Requires="v">
-                <p:oleObj spid="_x0000_s41005" name="think-cell Slide" r:id="rId5" imgW="216" imgH="216" progId="TCLayout.ActiveDocument.1">
+                <p:oleObj spid="_x0000_s41006" name="think-cell Slide" r:id="rId5" imgW="216" imgH="216" progId="TCLayout.ActiveDocument.1">
                   <p:embed/>
                 </p:oleObj>
               </mc:Choice>
@@ -7109,7 +7109,7 @@
           <p:cNvPr id="4" name="Footer Placeholder 3">
             <a:extLst>
               <a:ext uri="{FF2B5EF4-FFF2-40B4-BE49-F238E27FC236}">
-                <a16:creationId xmlns="" xmlns:a16="http://schemas.microsoft.com/office/drawing/2014/main" id="{17D6DE4C-D976-4B4B-B087-C035EF8D4F6F}"/>
+                <a16:creationId xmlns:a16="http://schemas.microsoft.com/office/drawing/2014/main" xmlns="" id="{17D6DE4C-D976-4B4B-B087-C035EF8D4F6F}"/>
               </a:ext>
             </a:extLst>
           </p:cNvPr>
@@ -7168,7 +7168,7 @@
           <p:cNvPr id="17" name="Slide Number Placeholder 5">
             <a:extLst>
               <a:ext uri="{FF2B5EF4-FFF2-40B4-BE49-F238E27FC236}">
-                <a16:creationId xmlns="" xmlns:a16="http://schemas.microsoft.com/office/drawing/2014/main" id="{CC67CD5C-67EC-5144-B858-5347C50D1ACD}"/>
+                <a16:creationId xmlns:a16="http://schemas.microsoft.com/office/drawing/2014/main" xmlns="" id="{CC67CD5C-67EC-5144-B858-5347C50D1ACD}"/>
               </a:ext>
             </a:extLst>
           </p:cNvPr>
@@ -7220,7 +7220,7 @@
           <p:cNvPr id="8" name="Title 7">
             <a:extLst>
               <a:ext uri="{FF2B5EF4-FFF2-40B4-BE49-F238E27FC236}">
-                <a16:creationId xmlns="" xmlns:a16="http://schemas.microsoft.com/office/drawing/2014/main" id="{8A6F1540-D306-D44E-B1B3-1ACCF1041F70}"/>
+                <a16:creationId xmlns:a16="http://schemas.microsoft.com/office/drawing/2014/main" xmlns="" id="{8A6F1540-D306-D44E-B1B3-1ACCF1041F70}"/>
               </a:ext>
             </a:extLst>
           </p:cNvPr>
@@ -7264,7 +7264,7 @@
           <p:cNvPr id="9" name="Straight Connector 8">
             <a:extLst>
               <a:ext uri="{FF2B5EF4-FFF2-40B4-BE49-F238E27FC236}">
-                <a16:creationId xmlns="" xmlns:a16="http://schemas.microsoft.com/office/drawing/2014/main" id="{BB1AA2BE-B537-254D-958A-FBAFDE7E90DC}"/>
+                <a16:creationId xmlns:a16="http://schemas.microsoft.com/office/drawing/2014/main" xmlns="" id="{BB1AA2BE-B537-254D-958A-FBAFDE7E90DC}"/>
               </a:ext>
             </a:extLst>
           </p:cNvPr>
@@ -7307,7 +7307,7 @@
           <p:cNvPr id="10" name="Straight Connector 9">
             <a:extLst>
               <a:ext uri="{FF2B5EF4-FFF2-40B4-BE49-F238E27FC236}">
-                <a16:creationId xmlns="" xmlns:a16="http://schemas.microsoft.com/office/drawing/2014/main" id="{95C486A1-9876-924E-85C2-906892F8B9AC}"/>
+                <a16:creationId xmlns:a16="http://schemas.microsoft.com/office/drawing/2014/main" xmlns="" id="{95C486A1-9876-924E-85C2-906892F8B9AC}"/>
               </a:ext>
             </a:extLst>
           </p:cNvPr>
@@ -7412,7 +7412,7 @@
           <a:graphicData uri="http://schemas.openxmlformats.org/presentationml/2006/ole">
             <mc:AlternateContent xmlns:mc="http://schemas.openxmlformats.org/markup-compatibility/2006">
               <mc:Choice xmlns:v="urn:schemas-microsoft-com:vml" Requires="v">
-                <p:oleObj spid="_x0000_s31789" name="think-cell Slide" r:id="rId10" imgW="216" imgH="216" progId="TCLayout.ActiveDocument.1">
+                <p:oleObj spid="_x0000_s31790" name="think-cell Slide" r:id="rId10" imgW="216" imgH="216" progId="TCLayout.ActiveDocument.1">
                   <p:embed/>
                 </p:oleObj>
               </mc:Choice>
@@ -7532,7 +7532,7 @@
           <p:cNvPr id="10" name="Straight Connector 9">
             <a:extLst>
               <a:ext uri="{FF2B5EF4-FFF2-40B4-BE49-F238E27FC236}">
-                <a16:creationId xmlns="" xmlns:a16="http://schemas.microsoft.com/office/drawing/2014/main" id="{BB1AA2BE-B537-254D-958A-FBAFDE7E90DC}"/>
+                <a16:creationId xmlns:a16="http://schemas.microsoft.com/office/drawing/2014/main" xmlns="" id="{BB1AA2BE-B537-254D-958A-FBAFDE7E90DC}"/>
               </a:ext>
             </a:extLst>
           </p:cNvPr>
@@ -7575,7 +7575,7 @@
           <p:cNvPr id="15" name="Footer Placeholder 3">
             <a:extLst>
               <a:ext uri="{FF2B5EF4-FFF2-40B4-BE49-F238E27FC236}">
-                <a16:creationId xmlns="" xmlns:a16="http://schemas.microsoft.com/office/drawing/2014/main" id="{DBA440F4-82E0-7E45-8A6F-4A8C7572AEE5}"/>
+                <a16:creationId xmlns:a16="http://schemas.microsoft.com/office/drawing/2014/main" xmlns="" id="{DBA440F4-82E0-7E45-8A6F-4A8C7572AEE5}"/>
               </a:ext>
             </a:extLst>
           </p:cNvPr>
@@ -7634,7 +7634,7 @@
           <p:cNvPr id="16" name="Slide Number Placeholder 5">
             <a:extLst>
               <a:ext uri="{FF2B5EF4-FFF2-40B4-BE49-F238E27FC236}">
-                <a16:creationId xmlns="" xmlns:a16="http://schemas.microsoft.com/office/drawing/2014/main" id="{2D9636C8-FF6B-E141-B9E1-70C7091B23B1}"/>
+                <a16:creationId xmlns:a16="http://schemas.microsoft.com/office/drawing/2014/main" xmlns="" id="{2D9636C8-FF6B-E141-B9E1-70C7091B23B1}"/>
               </a:ext>
             </a:extLst>
           </p:cNvPr>
@@ -8001,7 +8001,7 @@
   </p:txStyles>
   <p:extLst mod="1">
     <p:ext uri="{27BBF7A9-308A-43DC-89C8-2F10F3537804}">
-      <p15:sldGuideLst xmlns="" xmlns:p15="http://schemas.microsoft.com/office/powerpoint/2012/main">
+      <p15:sldGuideLst xmlns:p15="http://schemas.microsoft.com/office/powerpoint/2012/main" xmlns="">
         <p15:guide id="1" orient="horz" pos="2041">
           <p15:clr>
             <a:srgbClr val="F26B43"/>
@@ -8170,7 +8170,7 @@
           <a:graphicData uri="http://schemas.openxmlformats.org/presentationml/2006/ole">
             <mc:AlternateContent xmlns:mc="http://schemas.openxmlformats.org/markup-compatibility/2006">
               <mc:Choice xmlns:v="urn:schemas-microsoft-com:vml" Requires="v">
-                <p:oleObj spid="_x0000_s36910" name="think-cell Slide" r:id="rId10" imgW="216" imgH="216" progId="TCLayout.ActiveDocument.1">
+                <p:oleObj spid="_x0000_s36911" name="think-cell Slide" r:id="rId10" imgW="216" imgH="216" progId="TCLayout.ActiveDocument.1">
                   <p:embed/>
                 </p:oleObj>
               </mc:Choice>
@@ -8290,7 +8290,7 @@
           <p:cNvPr id="10" name="Straight Connector 9">
             <a:extLst>
               <a:ext uri="{FF2B5EF4-FFF2-40B4-BE49-F238E27FC236}">
-                <a16:creationId xmlns="" xmlns:a16="http://schemas.microsoft.com/office/drawing/2014/main" id="{BB1AA2BE-B537-254D-958A-FBAFDE7E90DC}"/>
+                <a16:creationId xmlns:a16="http://schemas.microsoft.com/office/drawing/2014/main" xmlns="" id="{BB1AA2BE-B537-254D-958A-FBAFDE7E90DC}"/>
               </a:ext>
             </a:extLst>
           </p:cNvPr>
@@ -8333,7 +8333,7 @@
           <p:cNvPr id="15" name="Footer Placeholder 3">
             <a:extLst>
               <a:ext uri="{FF2B5EF4-FFF2-40B4-BE49-F238E27FC236}">
-                <a16:creationId xmlns="" xmlns:a16="http://schemas.microsoft.com/office/drawing/2014/main" id="{DBA440F4-82E0-7E45-8A6F-4A8C7572AEE5}"/>
+                <a16:creationId xmlns:a16="http://schemas.microsoft.com/office/drawing/2014/main" xmlns="" id="{DBA440F4-82E0-7E45-8A6F-4A8C7572AEE5}"/>
               </a:ext>
             </a:extLst>
           </p:cNvPr>
@@ -8392,7 +8392,7 @@
           <p:cNvPr id="16" name="Slide Number Placeholder 5">
             <a:extLst>
               <a:ext uri="{FF2B5EF4-FFF2-40B4-BE49-F238E27FC236}">
-                <a16:creationId xmlns="" xmlns:a16="http://schemas.microsoft.com/office/drawing/2014/main" id="{2D9636C8-FF6B-E141-B9E1-70C7091B23B1}"/>
+                <a16:creationId xmlns:a16="http://schemas.microsoft.com/office/drawing/2014/main" xmlns="" id="{2D9636C8-FF6B-E141-B9E1-70C7091B23B1}"/>
               </a:ext>
             </a:extLst>
           </p:cNvPr>
@@ -8759,7 +8759,7 @@
   </p:txStyles>
   <p:extLst mod="1">
     <p:ext uri="{27BBF7A9-308A-43DC-89C8-2F10F3537804}">
-      <p15:sldGuideLst xmlns="" xmlns:p15="http://schemas.microsoft.com/office/powerpoint/2012/main">
+      <p15:sldGuideLst xmlns:p15="http://schemas.microsoft.com/office/powerpoint/2012/main" xmlns="">
         <p15:guide id="1" orient="horz" pos="2041">
           <p15:clr>
             <a:srgbClr val="F26B43"/>
@@ -10062,21 +10062,21 @@
                 <a:gridCol w="2878070">
                   <a:extLst>
                     <a:ext uri="{9D8B030D-6E8A-4147-A177-3AD203B41FA5}">
-                      <a16:colId xmlns="" xmlns:a16="http://schemas.microsoft.com/office/drawing/2014/main" val="20000"/>
+                      <a16:colId xmlns:a16="http://schemas.microsoft.com/office/drawing/2014/main" xmlns="" val="20000"/>
                     </a:ext>
                   </a:extLst>
                 </a:gridCol>
                 <a:gridCol w="4077266">
                   <a:extLst>
                     <a:ext uri="{9D8B030D-6E8A-4147-A177-3AD203B41FA5}">
-                      <a16:colId xmlns="" xmlns:a16="http://schemas.microsoft.com/office/drawing/2014/main" val="20001"/>
+                      <a16:colId xmlns:a16="http://schemas.microsoft.com/office/drawing/2014/main" xmlns="" val="20001"/>
                     </a:ext>
                   </a:extLst>
                 </a:gridCol>
                 <a:gridCol w="4077266">
                   <a:extLst>
                     <a:ext uri="{9D8B030D-6E8A-4147-A177-3AD203B41FA5}">
-                      <a16:colId xmlns="" xmlns:a16="http://schemas.microsoft.com/office/drawing/2014/main" val="610373499"/>
+                      <a16:colId xmlns:a16="http://schemas.microsoft.com/office/drawing/2014/main" xmlns="" val="610373499"/>
                     </a:ext>
                   </a:extLst>
                 </a:gridCol>
@@ -10355,7 +10355,7 @@
                 </a:tc>
                 <a:extLst>
                   <a:ext uri="{0D108BD9-81ED-4DB2-BD59-A6C34878D82A}">
-                    <a16:rowId xmlns="" xmlns:a16="http://schemas.microsoft.com/office/drawing/2014/main" val="10000"/>
+                    <a16:rowId xmlns:a16="http://schemas.microsoft.com/office/drawing/2014/main" xmlns="" val="10000"/>
                   </a:ext>
                 </a:extLst>
               </a:tr>
@@ -10602,7 +10602,7 @@
                 </a:tc>
                 <a:extLst>
                   <a:ext uri="{0D108BD9-81ED-4DB2-BD59-A6C34878D82A}">
-                    <a16:rowId xmlns="" xmlns:a16="http://schemas.microsoft.com/office/drawing/2014/main" val="10001"/>
+                    <a16:rowId xmlns:a16="http://schemas.microsoft.com/office/drawing/2014/main" xmlns="" val="10001"/>
                   </a:ext>
                 </a:extLst>
               </a:tr>
@@ -10861,7 +10861,7 @@
                 </a:tc>
                 <a:extLst>
                   <a:ext uri="{0D108BD9-81ED-4DB2-BD59-A6C34878D82A}">
-                    <a16:rowId xmlns="" xmlns:a16="http://schemas.microsoft.com/office/drawing/2014/main" val="10002"/>
+                    <a16:rowId xmlns:a16="http://schemas.microsoft.com/office/drawing/2014/main" xmlns="" val="10002"/>
                   </a:ext>
                 </a:extLst>
               </a:tr>
@@ -11120,7 +11120,7 @@
                 </a:tc>
                 <a:extLst>
                   <a:ext uri="{0D108BD9-81ED-4DB2-BD59-A6C34878D82A}">
-                    <a16:rowId xmlns="" xmlns:a16="http://schemas.microsoft.com/office/drawing/2014/main" val="10003"/>
+                    <a16:rowId xmlns:a16="http://schemas.microsoft.com/office/drawing/2014/main" xmlns="" val="10003"/>
                   </a:ext>
                 </a:extLst>
               </a:tr>
@@ -11379,7 +11379,7 @@
                 </a:tc>
                 <a:extLst>
                   <a:ext uri="{0D108BD9-81ED-4DB2-BD59-A6C34878D82A}">
-                    <a16:rowId xmlns="" xmlns:a16="http://schemas.microsoft.com/office/drawing/2014/main" val="10004"/>
+                    <a16:rowId xmlns:a16="http://schemas.microsoft.com/office/drawing/2014/main" xmlns="" val="10004"/>
                   </a:ext>
                 </a:extLst>
               </a:tr>
@@ -11638,7 +11638,7 @@
                 </a:tc>
                 <a:extLst>
                   <a:ext uri="{0D108BD9-81ED-4DB2-BD59-A6C34878D82A}">
-                    <a16:rowId xmlns="" xmlns:a16="http://schemas.microsoft.com/office/drawing/2014/main" val="2987373226"/>
+                    <a16:rowId xmlns:a16="http://schemas.microsoft.com/office/drawing/2014/main" xmlns="" val="2987373226"/>
                   </a:ext>
                 </a:extLst>
               </a:tr>
@@ -11897,7 +11897,7 @@
                 </a:tc>
                 <a:extLst>
                   <a:ext uri="{0D108BD9-81ED-4DB2-BD59-A6C34878D82A}">
-                    <a16:rowId xmlns="" xmlns:a16="http://schemas.microsoft.com/office/drawing/2014/main" val="2639051246"/>
+                    <a16:rowId xmlns:a16="http://schemas.microsoft.com/office/drawing/2014/main" xmlns="" val="2639051246"/>
                   </a:ext>
                 </a:extLst>
               </a:tr>
@@ -12156,7 +12156,7 @@
                 </a:tc>
                 <a:extLst>
                   <a:ext uri="{0D108BD9-81ED-4DB2-BD59-A6C34878D82A}">
-                    <a16:rowId xmlns="" xmlns:a16="http://schemas.microsoft.com/office/drawing/2014/main" val="1177553746"/>
+                    <a16:rowId xmlns:a16="http://schemas.microsoft.com/office/drawing/2014/main" xmlns="" val="1177553746"/>
                   </a:ext>
                 </a:extLst>
               </a:tr>
@@ -12409,7 +12409,7 @@
                 </a:tc>
                 <a:extLst>
                   <a:ext uri="{0D108BD9-81ED-4DB2-BD59-A6C34878D82A}">
-                    <a16:rowId xmlns="" xmlns:a16="http://schemas.microsoft.com/office/drawing/2014/main" val="4230401121"/>
+                    <a16:rowId xmlns:a16="http://schemas.microsoft.com/office/drawing/2014/main" xmlns="" val="4230401121"/>
                   </a:ext>
                 </a:extLst>
               </a:tr>
@@ -12703,7 +12703,7 @@
           <a:graphicData uri="http://schemas.openxmlformats.org/presentationml/2006/ole">
             <mc:AlternateContent xmlns:mc="http://schemas.openxmlformats.org/markup-compatibility/2006">
               <mc:Choice xmlns:v="urn:schemas-microsoft-com:vml" Requires="v">
-                <p:oleObj spid="_x0000_s42035" name="think-cell Slide" r:id="rId6" imgW="416" imgH="416" progId="TCLayout.ActiveDocument.1">
+                <p:oleObj spid="_x0000_s42036" name="think-cell Slide" r:id="rId6" imgW="416" imgH="416" progId="TCLayout.ActiveDocument.1">
                   <p:embed/>
                 </p:oleObj>
               </mc:Choice>
@@ -12766,42 +12766,42 @@
                 <a:gridCol w="1924933">
                   <a:extLst>
                     <a:ext uri="{9D8B030D-6E8A-4147-A177-3AD203B41FA5}">
-                      <a16:colId xmlns="" xmlns:a16="http://schemas.microsoft.com/office/drawing/2014/main" val="1357581311"/>
+                      <a16:colId xmlns:a16="http://schemas.microsoft.com/office/drawing/2014/main" xmlns="" val="1357581311"/>
                     </a:ext>
                   </a:extLst>
                 </a:gridCol>
                 <a:gridCol w="2706957">
                   <a:extLst>
                     <a:ext uri="{9D8B030D-6E8A-4147-A177-3AD203B41FA5}">
-                      <a16:colId xmlns="" xmlns:a16="http://schemas.microsoft.com/office/drawing/2014/main" val="1956442140"/>
+                      <a16:colId xmlns:a16="http://schemas.microsoft.com/office/drawing/2014/main" xmlns="" val="1956442140"/>
                     </a:ext>
                   </a:extLst>
                 </a:gridCol>
                 <a:gridCol w="1378384">
                   <a:extLst>
                     <a:ext uri="{9D8B030D-6E8A-4147-A177-3AD203B41FA5}">
-                      <a16:colId xmlns="" xmlns:a16="http://schemas.microsoft.com/office/drawing/2014/main" val="3122743454"/>
+                      <a16:colId xmlns:a16="http://schemas.microsoft.com/office/drawing/2014/main" xmlns="" val="3122743454"/>
                     </a:ext>
                   </a:extLst>
                 </a:gridCol>
                 <a:gridCol w="1030714">
                   <a:extLst>
                     <a:ext uri="{9D8B030D-6E8A-4147-A177-3AD203B41FA5}">
-                      <a16:colId xmlns="" xmlns:a16="http://schemas.microsoft.com/office/drawing/2014/main" val="755301095"/>
+                      <a16:colId xmlns:a16="http://schemas.microsoft.com/office/drawing/2014/main" xmlns="" val="755301095"/>
                     </a:ext>
                   </a:extLst>
                 </a:gridCol>
                 <a:gridCol w="2464037">
                   <a:extLst>
                     <a:ext uri="{9D8B030D-6E8A-4147-A177-3AD203B41FA5}">
-                      <a16:colId xmlns="" xmlns:a16="http://schemas.microsoft.com/office/drawing/2014/main" val="2056552446"/>
+                      <a16:colId xmlns:a16="http://schemas.microsoft.com/office/drawing/2014/main" xmlns="" val="2056552446"/>
                     </a:ext>
                   </a:extLst>
                 </a:gridCol>
                 <a:gridCol w="1574966">
                   <a:extLst>
                     <a:ext uri="{9D8B030D-6E8A-4147-A177-3AD203B41FA5}">
-                      <a16:colId xmlns="" xmlns:a16="http://schemas.microsoft.com/office/drawing/2014/main" val="1567976445"/>
+                      <a16:colId xmlns:a16="http://schemas.microsoft.com/office/drawing/2014/main" xmlns="" val="1567976445"/>
                     </a:ext>
                   </a:extLst>
                 </a:gridCol>
@@ -12946,7 +12946,7 @@
                 </a:tc>
                 <a:extLst>
                   <a:ext uri="{0D108BD9-81ED-4DB2-BD59-A6C34878D82A}">
-                    <a16:rowId xmlns="" xmlns:a16="http://schemas.microsoft.com/office/drawing/2014/main" val="3203583067"/>
+                    <a16:rowId xmlns:a16="http://schemas.microsoft.com/office/drawing/2014/main" xmlns="" val="3203583067"/>
                   </a:ext>
                 </a:extLst>
               </a:tr>
@@ -13279,7 +13279,7 @@
                 </a:tc>
                 <a:extLst>
                   <a:ext uri="{0D108BD9-81ED-4DB2-BD59-A6C34878D82A}">
-                    <a16:rowId xmlns="" xmlns:a16="http://schemas.microsoft.com/office/drawing/2014/main" val="851841494"/>
+                    <a16:rowId xmlns:a16="http://schemas.microsoft.com/office/drawing/2014/main" xmlns="" val="851841494"/>
                   </a:ext>
                 </a:extLst>
               </a:tr>
@@ -13805,7 +13805,7 @@
                 </a:tc>
                 <a:extLst>
                   <a:ext uri="{0D108BD9-81ED-4DB2-BD59-A6C34878D82A}">
-                    <a16:rowId xmlns="" xmlns:a16="http://schemas.microsoft.com/office/drawing/2014/main" val="1437797630"/>
+                    <a16:rowId xmlns:a16="http://schemas.microsoft.com/office/drawing/2014/main" xmlns="" val="1437797630"/>
                   </a:ext>
                 </a:extLst>
               </a:tr>
@@ -14457,7 +14457,7 @@
                 </a:tc>
                 <a:extLst>
                   <a:ext uri="{0D108BD9-81ED-4DB2-BD59-A6C34878D82A}">
-                    <a16:rowId xmlns="" xmlns:a16="http://schemas.microsoft.com/office/drawing/2014/main" val="406495537"/>
+                    <a16:rowId xmlns:a16="http://schemas.microsoft.com/office/drawing/2014/main" xmlns="" val="406495537"/>
                   </a:ext>
                 </a:extLst>
               </a:tr>
@@ -14847,7 +14847,7 @@
                 </a:tc>
                 <a:extLst>
                   <a:ext uri="{0D108BD9-81ED-4DB2-BD59-A6C34878D82A}">
-                    <a16:rowId xmlns="" xmlns:a16="http://schemas.microsoft.com/office/drawing/2014/main" val="2200042587"/>
+                    <a16:rowId xmlns:a16="http://schemas.microsoft.com/office/drawing/2014/main" xmlns="" val="2200042587"/>
                   </a:ext>
                 </a:extLst>
               </a:tr>
@@ -15123,7 +15123,7 @@
                 </a:tc>
                 <a:extLst>
                   <a:ext uri="{0D108BD9-81ED-4DB2-BD59-A6C34878D82A}">
-                    <a16:rowId xmlns="" xmlns:a16="http://schemas.microsoft.com/office/drawing/2014/main" val="4069117920"/>
+                    <a16:rowId xmlns:a16="http://schemas.microsoft.com/office/drawing/2014/main" xmlns="" val="4069117920"/>
                   </a:ext>
                 </a:extLst>
               </a:tr>
@@ -15527,7 +15527,7 @@
                 </a:tc>
                 <a:extLst>
                   <a:ext uri="{0D108BD9-81ED-4DB2-BD59-A6C34878D82A}">
-                    <a16:rowId xmlns="" xmlns:a16="http://schemas.microsoft.com/office/drawing/2014/main" val="2348740028"/>
+                    <a16:rowId xmlns:a16="http://schemas.microsoft.com/office/drawing/2014/main" xmlns="" val="2348740028"/>
                   </a:ext>
                 </a:extLst>
               </a:tr>
@@ -15666,35 +15666,35 @@
                 <a:gridCol w="2454326">
                   <a:extLst>
                     <a:ext uri="{9D8B030D-6E8A-4147-A177-3AD203B41FA5}">
-                      <a16:colId xmlns="" xmlns:a16="http://schemas.microsoft.com/office/drawing/2014/main" val="20000"/>
+                      <a16:colId xmlns:a16="http://schemas.microsoft.com/office/drawing/2014/main" xmlns="" val="20000"/>
                     </a:ext>
                   </a:extLst>
                 </a:gridCol>
                 <a:gridCol w="2306453">
                   <a:extLst>
                     <a:ext uri="{9D8B030D-6E8A-4147-A177-3AD203B41FA5}">
-                      <a16:colId xmlns="" xmlns:a16="http://schemas.microsoft.com/office/drawing/2014/main" val="20002"/>
+                      <a16:colId xmlns:a16="http://schemas.microsoft.com/office/drawing/2014/main" xmlns="" val="20002"/>
                     </a:ext>
                   </a:extLst>
                 </a:gridCol>
                 <a:gridCol w="2254336">
                   <a:extLst>
                     <a:ext uri="{9D8B030D-6E8A-4147-A177-3AD203B41FA5}">
-                      <a16:colId xmlns="" xmlns:a16="http://schemas.microsoft.com/office/drawing/2014/main" val="2575180168"/>
+                      <a16:colId xmlns:a16="http://schemas.microsoft.com/office/drawing/2014/main" xmlns="" val="2575180168"/>
                     </a:ext>
                   </a:extLst>
                 </a:gridCol>
                 <a:gridCol w="2355667">
                   <a:extLst>
                     <a:ext uri="{9D8B030D-6E8A-4147-A177-3AD203B41FA5}">
-                      <a16:colId xmlns="" xmlns:a16="http://schemas.microsoft.com/office/drawing/2014/main" val="20003"/>
+                      <a16:colId xmlns:a16="http://schemas.microsoft.com/office/drawing/2014/main" xmlns="" val="20003"/>
                     </a:ext>
                   </a:extLst>
                 </a:gridCol>
                 <a:gridCol w="1661586">
                   <a:extLst>
                     <a:ext uri="{9D8B030D-6E8A-4147-A177-3AD203B41FA5}">
-                      <a16:colId xmlns="" xmlns:a16="http://schemas.microsoft.com/office/drawing/2014/main" val="1141158204"/>
+                      <a16:colId xmlns:a16="http://schemas.microsoft.com/office/drawing/2014/main" xmlns="" val="1141158204"/>
                     </a:ext>
                   </a:extLst>
                 </a:gridCol>
@@ -16378,7 +16378,7 @@
                 </a:tc>
                 <a:extLst>
                   <a:ext uri="{0D108BD9-81ED-4DB2-BD59-A6C34878D82A}">
-                    <a16:rowId xmlns="" xmlns:a16="http://schemas.microsoft.com/office/drawing/2014/main" val="10000"/>
+                    <a16:rowId xmlns:a16="http://schemas.microsoft.com/office/drawing/2014/main" xmlns="" val="10000"/>
                   </a:ext>
                 </a:extLst>
               </a:tr>
@@ -16766,7 +16766,7 @@
                 </a:tc>
                 <a:extLst>
                   <a:ext uri="{0D108BD9-81ED-4DB2-BD59-A6C34878D82A}">
-                    <a16:rowId xmlns="" xmlns:a16="http://schemas.microsoft.com/office/drawing/2014/main" val="3242880312"/>
+                    <a16:rowId xmlns:a16="http://schemas.microsoft.com/office/drawing/2014/main" xmlns="" val="3242880312"/>
                   </a:ext>
                 </a:extLst>
               </a:tr>
@@ -17150,63 +17150,63 @@
                 <a:gridCol w="854780">
                   <a:extLst>
                     <a:ext uri="{9D8B030D-6E8A-4147-A177-3AD203B41FA5}">
-                      <a16:colId xmlns="" xmlns:a16="http://schemas.microsoft.com/office/drawing/2014/main" val="2715221625"/>
+                      <a16:colId xmlns:a16="http://schemas.microsoft.com/office/drawing/2014/main" xmlns="" val="2715221625"/>
                     </a:ext>
                   </a:extLst>
                 </a:gridCol>
                 <a:gridCol w="854780">
                   <a:extLst>
                     <a:ext uri="{9D8B030D-6E8A-4147-A177-3AD203B41FA5}">
-                      <a16:colId xmlns="" xmlns:a16="http://schemas.microsoft.com/office/drawing/2014/main" val="1722467380"/>
+                      <a16:colId xmlns:a16="http://schemas.microsoft.com/office/drawing/2014/main" xmlns="" val="1722467380"/>
                     </a:ext>
                   </a:extLst>
                 </a:gridCol>
                 <a:gridCol w="1158769">
                   <a:extLst>
                     <a:ext uri="{9D8B030D-6E8A-4147-A177-3AD203B41FA5}">
-                      <a16:colId xmlns="" xmlns:a16="http://schemas.microsoft.com/office/drawing/2014/main" val="8733085"/>
+                      <a16:colId xmlns:a16="http://schemas.microsoft.com/office/drawing/2014/main" xmlns="" val="8733085"/>
                     </a:ext>
                   </a:extLst>
                 </a:gridCol>
                 <a:gridCol w="899883">
                   <a:extLst>
                     <a:ext uri="{9D8B030D-6E8A-4147-A177-3AD203B41FA5}">
-                      <a16:colId xmlns="" xmlns:a16="http://schemas.microsoft.com/office/drawing/2014/main" val="2034639721"/>
+                      <a16:colId xmlns:a16="http://schemas.microsoft.com/office/drawing/2014/main" xmlns="" val="2034639721"/>
                     </a:ext>
                   </a:extLst>
                 </a:gridCol>
                 <a:gridCol w="1968445">
                   <a:extLst>
                     <a:ext uri="{9D8B030D-6E8A-4147-A177-3AD203B41FA5}">
-                      <a16:colId xmlns="" xmlns:a16="http://schemas.microsoft.com/office/drawing/2014/main" val="984284813"/>
+                      <a16:colId xmlns:a16="http://schemas.microsoft.com/office/drawing/2014/main" xmlns="" val="984284813"/>
                     </a:ext>
                   </a:extLst>
                 </a:gridCol>
                 <a:gridCol w="1634194">
                   <a:extLst>
                     <a:ext uri="{9D8B030D-6E8A-4147-A177-3AD203B41FA5}">
-                      <a16:colId xmlns="" xmlns:a16="http://schemas.microsoft.com/office/drawing/2014/main" val="610353967"/>
+                      <a16:colId xmlns:a16="http://schemas.microsoft.com/office/drawing/2014/main" xmlns="" val="610353967"/>
                     </a:ext>
                   </a:extLst>
                 </a:gridCol>
                 <a:gridCol w="1234134">
                   <a:extLst>
                     <a:ext uri="{9D8B030D-6E8A-4147-A177-3AD203B41FA5}">
-                      <a16:colId xmlns="" xmlns:a16="http://schemas.microsoft.com/office/drawing/2014/main" val="2199988680"/>
+                      <a16:colId xmlns:a16="http://schemas.microsoft.com/office/drawing/2014/main" xmlns="" val="2199988680"/>
                     </a:ext>
                   </a:extLst>
                 </a:gridCol>
                 <a:gridCol w="942636">
                   <a:extLst>
                     <a:ext uri="{9D8B030D-6E8A-4147-A177-3AD203B41FA5}">
-                      <a16:colId xmlns="" xmlns:a16="http://schemas.microsoft.com/office/drawing/2014/main" val="1060807198"/>
+                      <a16:colId xmlns:a16="http://schemas.microsoft.com/office/drawing/2014/main" xmlns="" val="1060807198"/>
                     </a:ext>
                   </a:extLst>
                 </a:gridCol>
                 <a:gridCol w="1925692">
                   <a:extLst>
                     <a:ext uri="{9D8B030D-6E8A-4147-A177-3AD203B41FA5}">
-                      <a16:colId xmlns="" xmlns:a16="http://schemas.microsoft.com/office/drawing/2014/main" val="3687281855"/>
+                      <a16:colId xmlns:a16="http://schemas.microsoft.com/office/drawing/2014/main" xmlns="" val="3687281855"/>
                     </a:ext>
                   </a:extLst>
                 </a:gridCol>
@@ -17337,7 +17337,7 @@
                 </a:tc>
                 <a:extLst>
                   <a:ext uri="{0D108BD9-81ED-4DB2-BD59-A6C34878D82A}">
-                    <a16:rowId xmlns="" xmlns:a16="http://schemas.microsoft.com/office/drawing/2014/main" val="132260445"/>
+                    <a16:rowId xmlns:a16="http://schemas.microsoft.com/office/drawing/2014/main" xmlns="" val="132260445"/>
                   </a:ext>
                 </a:extLst>
               </a:tr>
@@ -17487,7 +17487,7 @@
                 </a:tc>
                 <a:extLst>
                   <a:ext uri="{0D108BD9-81ED-4DB2-BD59-A6C34878D82A}">
-                    <a16:rowId xmlns="" xmlns:a16="http://schemas.microsoft.com/office/drawing/2014/main" val="1454925855"/>
+                    <a16:rowId xmlns:a16="http://schemas.microsoft.com/office/drawing/2014/main" xmlns="" val="1454925855"/>
                   </a:ext>
                 </a:extLst>
               </a:tr>
@@ -17630,7 +17630,7 @@
                 </a:tc>
                 <a:extLst>
                   <a:ext uri="{0D108BD9-81ED-4DB2-BD59-A6C34878D82A}">
-                    <a16:rowId xmlns="" xmlns:a16="http://schemas.microsoft.com/office/drawing/2014/main" val="1815440894"/>
+                    <a16:rowId xmlns:a16="http://schemas.microsoft.com/office/drawing/2014/main" xmlns="" val="1815440894"/>
                   </a:ext>
                 </a:extLst>
               </a:tr>
@@ -17752,7 +17752,7 @@
                 </a:tc>
                 <a:extLst>
                   <a:ext uri="{0D108BD9-81ED-4DB2-BD59-A6C34878D82A}">
-                    <a16:rowId xmlns="" xmlns:a16="http://schemas.microsoft.com/office/drawing/2014/main" val="344899817"/>
+                    <a16:rowId xmlns:a16="http://schemas.microsoft.com/office/drawing/2014/main" xmlns="" val="344899817"/>
                   </a:ext>
                 </a:extLst>
               </a:tr>
@@ -17903,7 +17903,7 @@
                 </a:tc>
                 <a:extLst>
                   <a:ext uri="{0D108BD9-81ED-4DB2-BD59-A6C34878D82A}">
-                    <a16:rowId xmlns="" xmlns:a16="http://schemas.microsoft.com/office/drawing/2014/main" val="1268840849"/>
+                    <a16:rowId xmlns:a16="http://schemas.microsoft.com/office/drawing/2014/main" xmlns="" val="1268840849"/>
                   </a:ext>
                 </a:extLst>
               </a:tr>
@@ -18341,7 +18341,7 @@
                 </a:tc>
                 <a:extLst>
                   <a:ext uri="{0D108BD9-81ED-4DB2-BD59-A6C34878D82A}">
-                    <a16:rowId xmlns="" xmlns:a16="http://schemas.microsoft.com/office/drawing/2014/main" val="3241501689"/>
+                    <a16:rowId xmlns:a16="http://schemas.microsoft.com/office/drawing/2014/main" xmlns="" val="3241501689"/>
                   </a:ext>
                 </a:extLst>
               </a:tr>
@@ -18696,7 +18696,7 @@
                 </a:tc>
                 <a:extLst>
                   <a:ext uri="{0D108BD9-81ED-4DB2-BD59-A6C34878D82A}">
-                    <a16:rowId xmlns="" xmlns:a16="http://schemas.microsoft.com/office/drawing/2014/main" val="3375075753"/>
+                    <a16:rowId xmlns:a16="http://schemas.microsoft.com/office/drawing/2014/main" xmlns="" val="3375075753"/>
                   </a:ext>
                 </a:extLst>
               </a:tr>
@@ -19072,7 +19072,7 @@
                 </a:tc>
                 <a:extLst>
                   <a:ext uri="{0D108BD9-81ED-4DB2-BD59-A6C34878D82A}">
-                    <a16:rowId xmlns="" xmlns:a16="http://schemas.microsoft.com/office/drawing/2014/main" val="1818738132"/>
+                    <a16:rowId xmlns:a16="http://schemas.microsoft.com/office/drawing/2014/main" xmlns="" val="1818738132"/>
                   </a:ext>
                 </a:extLst>
               </a:tr>
@@ -19496,7 +19496,7 @@
                 </a:tc>
                 <a:extLst>
                   <a:ext uri="{0D108BD9-81ED-4DB2-BD59-A6C34878D82A}">
-                    <a16:rowId xmlns="" xmlns:a16="http://schemas.microsoft.com/office/drawing/2014/main" val="3192001067"/>
+                    <a16:rowId xmlns:a16="http://schemas.microsoft.com/office/drawing/2014/main" xmlns="" val="3192001067"/>
                   </a:ext>
                 </a:extLst>
               </a:tr>
@@ -19754,7 +19754,7 @@
                 </a:tc>
                 <a:extLst>
                   <a:ext uri="{0D108BD9-81ED-4DB2-BD59-A6C34878D82A}">
-                    <a16:rowId xmlns="" xmlns:a16="http://schemas.microsoft.com/office/drawing/2014/main" val="564902271"/>
+                    <a16:rowId xmlns:a16="http://schemas.microsoft.com/office/drawing/2014/main" xmlns="" val="564902271"/>
                   </a:ext>
                 </a:extLst>
               </a:tr>
@@ -20228,7 +20228,7 @@
                 </a:tc>
                 <a:extLst>
                   <a:ext uri="{0D108BD9-81ED-4DB2-BD59-A6C34878D82A}">
-                    <a16:rowId xmlns="" xmlns:a16="http://schemas.microsoft.com/office/drawing/2014/main" val="981176443"/>
+                    <a16:rowId xmlns:a16="http://schemas.microsoft.com/office/drawing/2014/main" xmlns="" val="981176443"/>
                   </a:ext>
                 </a:extLst>
               </a:tr>
@@ -22081,7 +22081,7 @@
           <a:graphicData uri="http://schemas.openxmlformats.org/presentationml/2006/ole">
             <mc:AlternateContent xmlns:mc="http://schemas.openxmlformats.org/markup-compatibility/2006">
               <mc:Choice xmlns:v="urn:schemas-microsoft-com:vml" Requires="v">
-                <p:oleObj spid="_x0000_s44076" name="think-cell Slide" r:id="rId5" imgW="416" imgH="416" progId="TCLayout.ActiveDocument.1">
+                <p:oleObj spid="_x0000_s44077" name="think-cell Slide" r:id="rId5" imgW="416" imgH="416" progId="TCLayout.ActiveDocument.1">
                   <p:embed/>
                 </p:oleObj>
               </mc:Choice>
@@ -22297,7 +22297,7 @@
         </p:nvSpPr>
         <p:spPr>
           <a:xfrm>
-            <a:off x="8177026" y="6322995"/>
+            <a:off x="8177026" y="6297828"/>
             <a:ext cx="3442716" cy="466056"/>
           </a:xfrm>
           <a:prstGeom prst="rect">
@@ -24911,7 +24911,7 @@
   <a:extraClrSchemeLst/>
   <a:extLst>
     <a:ext uri="{05A4C25C-085E-4340-85A3-A5531E510DB2}">
-      <thm15:themeFamily xmlns="" xmlns:thm15="http://schemas.microsoft.com/office/thememl/2012/main" name="Bentley template 2021.potx" id="{C9F80F40-B2B1-4DB6-919B-71F3AAFFE5B0}" vid="{F9D38CA0-4F02-4029-A6BC-9642EF690A5C}"/>
+      <thm15:themeFamily xmlns:thm15="http://schemas.microsoft.com/office/thememl/2012/main" xmlns="" name="Bentley template 2021.potx" id="{C9F80F40-B2B1-4DB6-919B-71F3AAFFE5B0}" vid="{F9D38CA0-4F02-4029-A6BC-9642EF690A5C}"/>
     </a:ext>
   </a:extLst>
 </a:theme>
@@ -25145,7 +25145,7 @@
   <a:extraClrSchemeLst/>
   <a:extLst>
     <a:ext uri="{05A4C25C-085E-4340-85A3-A5531E510DB2}">
-      <thm15:themeFamily xmlns="" xmlns:thm15="http://schemas.microsoft.com/office/thememl/2012/main" name="Bentley template 2021.potx" id="{C9F80F40-B2B1-4DB6-919B-71F3AAFFE5B0}" vid="{F9D38CA0-4F02-4029-A6BC-9642EF690A5C}"/>
+      <thm15:themeFamily xmlns:thm15="http://schemas.microsoft.com/office/thememl/2012/main" xmlns="" name="Bentley template 2021.potx" id="{C9F80F40-B2B1-4DB6-919B-71F3AAFFE5B0}" vid="{F9D38CA0-4F02-4029-A6BC-9642EF690A5C}"/>
     </a:ext>
   </a:extLst>
 </a:theme>
@@ -25406,7 +25406,7 @@
   <a:extraClrSchemeLst/>
   <a:extLst>
     <a:ext uri="{05A4C25C-085E-4340-85A3-A5531E510DB2}">
-      <thm15:themeFamily xmlns="" xmlns:thm15="http://schemas.microsoft.com/office/thememl/2012/main" name="Office Theme" id="{62F939B6-93AF-4DB8-9C6B-D6C7DFDC589F}" vid="{4A3C46E8-61CC-4603-A589-7422A47A8E4A}"/>
+      <thm15:themeFamily xmlns:thm15="http://schemas.microsoft.com/office/thememl/2012/main" xmlns="" name="Office Theme" id="{62F939B6-93AF-4DB8-9C6B-D6C7DFDC589F}" vid="{4A3C46E8-61CC-4603-A589-7422A47A8E4A}"/>
     </a:ext>
   </a:extLst>
 </a:theme>

--- a/com.yrtech.bentleyAPI/com.yrtech.InventoryAPI/template/PlanOffLine.pptx
+++ b/com.yrtech.bentleyAPI/com.yrtech.InventoryAPI/template/PlanOffLine.pptx
@@ -123,7 +123,7 @@
   </p:defaultTextStyle>
   <p:extLst>
     <p:ext uri="{EFAFB233-063F-42B5-8137-9DF3F51BA10A}">
-      <p15:sldGuideLst xmlns:p15="http://schemas.microsoft.com/office/powerpoint/2012/main" xmlns="">
+      <p15:sldGuideLst xmlns="" xmlns:p15="http://schemas.microsoft.com/office/powerpoint/2012/main">
         <p15:guide id="1" pos="7310" userDrawn="1">
           <p15:clr>
             <a:srgbClr val="A4A3A4"/>
@@ -1482,7 +1482,7 @@
           <a:graphicData uri="http://schemas.openxmlformats.org/presentationml/2006/ole">
             <mc:AlternateContent xmlns:mc="http://schemas.openxmlformats.org/markup-compatibility/2006">
               <mc:Choice xmlns:v="urn:schemas-microsoft-com:vml" Requires="v">
-                <p:oleObj spid="_x0000_s32814" name="think-cell Slide" r:id="rId5" imgW="216" imgH="216" progId="TCLayout.ActiveDocument.1">
+                <p:oleObj spid="_x0000_s32815" name="think-cell Slide" r:id="rId5" imgW="216" imgH="216" progId="TCLayout.ActiveDocument.1">
                   <p:embed/>
                 </p:oleObj>
               </mc:Choice>
@@ -1679,7 +1679,7 @@
           <p:cNvPr id="4" name="Footer Placeholder 3">
             <a:extLst>
               <a:ext uri="{FF2B5EF4-FFF2-40B4-BE49-F238E27FC236}">
-                <a16:creationId xmlns:a16="http://schemas.microsoft.com/office/drawing/2014/main" xmlns="" id="{17D6DE4C-D976-4B4B-B087-C035EF8D4F6F}"/>
+                <a16:creationId xmlns="" xmlns:a16="http://schemas.microsoft.com/office/drawing/2014/main" id="{17D6DE4C-D976-4B4B-B087-C035EF8D4F6F}"/>
               </a:ext>
             </a:extLst>
           </p:cNvPr>
@@ -1738,7 +1738,7 @@
           <p:cNvPr id="13" name="Straight Connector 12">
             <a:extLst>
               <a:ext uri="{FF2B5EF4-FFF2-40B4-BE49-F238E27FC236}">
-                <a16:creationId xmlns:a16="http://schemas.microsoft.com/office/drawing/2014/main" xmlns="" id="{95C486A1-9876-924E-85C2-906892F8B9AC}"/>
+                <a16:creationId xmlns="" xmlns:a16="http://schemas.microsoft.com/office/drawing/2014/main" id="{95C486A1-9876-924E-85C2-906892F8B9AC}"/>
               </a:ext>
             </a:extLst>
           </p:cNvPr>
@@ -1781,7 +1781,7 @@
           <p:cNvPr id="17" name="Slide Number Placeholder 5">
             <a:extLst>
               <a:ext uri="{FF2B5EF4-FFF2-40B4-BE49-F238E27FC236}">
-                <a16:creationId xmlns:a16="http://schemas.microsoft.com/office/drawing/2014/main" xmlns="" id="{CC67CD5C-67EC-5144-B858-5347C50D1ACD}"/>
+                <a16:creationId xmlns="" xmlns:a16="http://schemas.microsoft.com/office/drawing/2014/main" id="{CC67CD5C-67EC-5144-B858-5347C50D1ACD}"/>
               </a:ext>
             </a:extLst>
           </p:cNvPr>
@@ -1833,7 +1833,7 @@
           <p:cNvPr id="8" name="Title 7">
             <a:extLst>
               <a:ext uri="{FF2B5EF4-FFF2-40B4-BE49-F238E27FC236}">
-                <a16:creationId xmlns:a16="http://schemas.microsoft.com/office/drawing/2014/main" xmlns="" id="{8A6F1540-D306-D44E-B1B3-1ACCF1041F70}"/>
+                <a16:creationId xmlns="" xmlns:a16="http://schemas.microsoft.com/office/drawing/2014/main" id="{8A6F1540-D306-D44E-B1B3-1ACCF1041F70}"/>
               </a:ext>
             </a:extLst>
           </p:cNvPr>
@@ -2240,7 +2240,7 @@
           <a:graphicData uri="http://schemas.openxmlformats.org/presentationml/2006/ole">
             <mc:AlternateContent xmlns:mc="http://schemas.openxmlformats.org/markup-compatibility/2006">
               <mc:Choice xmlns:v="urn:schemas-microsoft-com:vml" Requires="v">
-                <p:oleObj spid="_x0000_s33838" name="think-cell Slide" r:id="rId4" imgW="216" imgH="216" progId="TCLayout.ActiveDocument.1">
+                <p:oleObj spid="_x0000_s33839" name="think-cell Slide" r:id="rId4" imgW="216" imgH="216" progId="TCLayout.ActiveDocument.1">
                   <p:embed/>
                 </p:oleObj>
               </mc:Choice>
@@ -2366,7 +2366,7 @@
           <p:cNvPr id="8" name="Title 7">
             <a:extLst>
               <a:ext uri="{FF2B5EF4-FFF2-40B4-BE49-F238E27FC236}">
-                <a16:creationId xmlns:a16="http://schemas.microsoft.com/office/drawing/2014/main" xmlns="" id="{8A6F1540-D306-D44E-B1B3-1ACCF1041F70}"/>
+                <a16:creationId xmlns="" xmlns:a16="http://schemas.microsoft.com/office/drawing/2014/main" id="{8A6F1540-D306-D44E-B1B3-1ACCF1041F70}"/>
               </a:ext>
             </a:extLst>
           </p:cNvPr>
@@ -2402,7 +2402,7 @@
           <p:cNvPr id="9" name="Content Placeholder 2">
             <a:extLst>
               <a:ext uri="{FF2B5EF4-FFF2-40B4-BE49-F238E27FC236}">
-                <a16:creationId xmlns:a16="http://schemas.microsoft.com/office/drawing/2014/main" xmlns="" id="{0A7C1352-3D49-F849-9BC3-BC0AF9CD8F04}"/>
+                <a16:creationId xmlns="" xmlns:a16="http://schemas.microsoft.com/office/drawing/2014/main" id="{0A7C1352-3D49-F849-9BC3-BC0AF9CD8F04}"/>
               </a:ext>
             </a:extLst>
           </p:cNvPr>
@@ -2494,7 +2494,7 @@
           <p:cNvPr id="10" name="Content Placeholder 2">
             <a:extLst>
               <a:ext uri="{FF2B5EF4-FFF2-40B4-BE49-F238E27FC236}">
-                <a16:creationId xmlns:a16="http://schemas.microsoft.com/office/drawing/2014/main" xmlns="" id="{D1AA7CFB-7669-2648-A3E1-E647E531399E}"/>
+                <a16:creationId xmlns="" xmlns:a16="http://schemas.microsoft.com/office/drawing/2014/main" id="{D1AA7CFB-7669-2648-A3E1-E647E531399E}"/>
               </a:ext>
             </a:extLst>
           </p:cNvPr>
@@ -2586,7 +2586,7 @@
           <p:cNvPr id="11" name="Content Placeholder 2">
             <a:extLst>
               <a:ext uri="{FF2B5EF4-FFF2-40B4-BE49-F238E27FC236}">
-                <a16:creationId xmlns:a16="http://schemas.microsoft.com/office/drawing/2014/main" xmlns="" id="{2E4B4082-D988-5D43-9C32-2C7F747717ED}"/>
+                <a16:creationId xmlns="" xmlns:a16="http://schemas.microsoft.com/office/drawing/2014/main" id="{2E4B4082-D988-5D43-9C32-2C7F747717ED}"/>
               </a:ext>
             </a:extLst>
           </p:cNvPr>
@@ -2678,7 +2678,7 @@
           <p:cNvPr id="12" name="Content Placeholder 2">
             <a:extLst>
               <a:ext uri="{FF2B5EF4-FFF2-40B4-BE49-F238E27FC236}">
-                <a16:creationId xmlns:a16="http://schemas.microsoft.com/office/drawing/2014/main" xmlns="" id="{45B8DE4D-1F9B-7341-8CB2-D70634815B55}"/>
+                <a16:creationId xmlns="" xmlns:a16="http://schemas.microsoft.com/office/drawing/2014/main" id="{45B8DE4D-1F9B-7341-8CB2-D70634815B55}"/>
               </a:ext>
             </a:extLst>
           </p:cNvPr>
@@ -2770,7 +2770,7 @@
           <p:cNvPr id="14" name="Footer Placeholder 3">
             <a:extLst>
               <a:ext uri="{FF2B5EF4-FFF2-40B4-BE49-F238E27FC236}">
-                <a16:creationId xmlns:a16="http://schemas.microsoft.com/office/drawing/2014/main" xmlns="" id="{DBA440F4-82E0-7E45-8A6F-4A8C7572AEE5}"/>
+                <a16:creationId xmlns="" xmlns:a16="http://schemas.microsoft.com/office/drawing/2014/main" id="{DBA440F4-82E0-7E45-8A6F-4A8C7572AEE5}"/>
               </a:ext>
             </a:extLst>
           </p:cNvPr>
@@ -2829,7 +2829,7 @@
           <p:cNvPr id="15" name="Slide Number Placeholder 5">
             <a:extLst>
               <a:ext uri="{FF2B5EF4-FFF2-40B4-BE49-F238E27FC236}">
-                <a16:creationId xmlns:a16="http://schemas.microsoft.com/office/drawing/2014/main" xmlns="" id="{CC67CD5C-67EC-5144-B858-5347C50D1ACD}"/>
+                <a16:creationId xmlns="" xmlns:a16="http://schemas.microsoft.com/office/drawing/2014/main" id="{CC67CD5C-67EC-5144-B858-5347C50D1ACD}"/>
               </a:ext>
             </a:extLst>
           </p:cNvPr>
@@ -2881,7 +2881,7 @@
           <p:cNvPr id="16" name="Straight Connector 15">
             <a:extLst>
               <a:ext uri="{FF2B5EF4-FFF2-40B4-BE49-F238E27FC236}">
-                <a16:creationId xmlns:a16="http://schemas.microsoft.com/office/drawing/2014/main" xmlns="" id="{95C486A1-9876-924E-85C2-906892F8B9AC}"/>
+                <a16:creationId xmlns="" xmlns:a16="http://schemas.microsoft.com/office/drawing/2014/main" id="{95C486A1-9876-924E-85C2-906892F8B9AC}"/>
               </a:ext>
             </a:extLst>
           </p:cNvPr>
@@ -2977,7 +2977,7 @@
           <a:graphicData uri="http://schemas.openxmlformats.org/presentationml/2006/ole">
             <mc:AlternateContent xmlns:mc="http://schemas.openxmlformats.org/markup-compatibility/2006">
               <mc:Choice xmlns:v="urn:schemas-microsoft-com:vml" Requires="v">
-                <p:oleObj spid="_x0000_s34862" name="think-cell Slide" r:id="rId4" imgW="216" imgH="216" progId="TCLayout.ActiveDocument.1">
+                <p:oleObj spid="_x0000_s34863" name="think-cell Slide" r:id="rId4" imgW="216" imgH="216" progId="TCLayout.ActiveDocument.1">
                   <p:embed/>
                 </p:oleObj>
               </mc:Choice>
@@ -3017,7 +3017,7 @@
           <p:cNvPr id="8" name="Title 7">
             <a:extLst>
               <a:ext uri="{FF2B5EF4-FFF2-40B4-BE49-F238E27FC236}">
-                <a16:creationId xmlns:a16="http://schemas.microsoft.com/office/drawing/2014/main" xmlns="" id="{8A6F1540-D306-D44E-B1B3-1ACCF1041F70}"/>
+                <a16:creationId xmlns="" xmlns:a16="http://schemas.microsoft.com/office/drawing/2014/main" id="{8A6F1540-D306-D44E-B1B3-1ACCF1041F70}"/>
               </a:ext>
             </a:extLst>
           </p:cNvPr>
@@ -3813,7 +3813,7 @@
           <p:cNvPr id="37" name="Footer Placeholder 3">
             <a:extLst>
               <a:ext uri="{FF2B5EF4-FFF2-40B4-BE49-F238E27FC236}">
-                <a16:creationId xmlns:a16="http://schemas.microsoft.com/office/drawing/2014/main" xmlns="" id="{DBA440F4-82E0-7E45-8A6F-4A8C7572AEE5}"/>
+                <a16:creationId xmlns="" xmlns:a16="http://schemas.microsoft.com/office/drawing/2014/main" id="{DBA440F4-82E0-7E45-8A6F-4A8C7572AEE5}"/>
               </a:ext>
             </a:extLst>
           </p:cNvPr>
@@ -3872,7 +3872,7 @@
           <p:cNvPr id="38" name="Slide Number Placeholder 5">
             <a:extLst>
               <a:ext uri="{FF2B5EF4-FFF2-40B4-BE49-F238E27FC236}">
-                <a16:creationId xmlns:a16="http://schemas.microsoft.com/office/drawing/2014/main" xmlns="" id="{CC67CD5C-67EC-5144-B858-5347C50D1ACD}"/>
+                <a16:creationId xmlns="" xmlns:a16="http://schemas.microsoft.com/office/drawing/2014/main" id="{CC67CD5C-67EC-5144-B858-5347C50D1ACD}"/>
               </a:ext>
             </a:extLst>
           </p:cNvPr>
@@ -3924,7 +3924,7 @@
           <p:cNvPr id="39" name="Straight Connector 38">
             <a:extLst>
               <a:ext uri="{FF2B5EF4-FFF2-40B4-BE49-F238E27FC236}">
-                <a16:creationId xmlns:a16="http://schemas.microsoft.com/office/drawing/2014/main" xmlns="" id="{95C486A1-9876-924E-85C2-906892F8B9AC}"/>
+                <a16:creationId xmlns="" xmlns:a16="http://schemas.microsoft.com/office/drawing/2014/main" id="{95C486A1-9876-924E-85C2-906892F8B9AC}"/>
               </a:ext>
             </a:extLst>
           </p:cNvPr>
@@ -4025,7 +4025,7 @@
           <a:graphicData uri="http://schemas.openxmlformats.org/presentationml/2006/ole">
             <mc:AlternateContent xmlns:mc="http://schemas.openxmlformats.org/markup-compatibility/2006">
               <mc:Choice xmlns:v="urn:schemas-microsoft-com:vml" Requires="v">
-                <p:oleObj spid="_x0000_s35886" name="think-cell Slide" r:id="rId5" imgW="216" imgH="216" progId="TCLayout.ActiveDocument.1">
+                <p:oleObj spid="_x0000_s35887" name="think-cell Slide" r:id="rId5" imgW="216" imgH="216" progId="TCLayout.ActiveDocument.1">
                   <p:embed/>
                 </p:oleObj>
               </mc:Choice>
@@ -4242,7 +4242,7 @@
           <p:cNvPr id="4" name="Footer Placeholder 3">
             <a:extLst>
               <a:ext uri="{FF2B5EF4-FFF2-40B4-BE49-F238E27FC236}">
-                <a16:creationId xmlns:a16="http://schemas.microsoft.com/office/drawing/2014/main" xmlns="" id="{17D6DE4C-D976-4B4B-B087-C035EF8D4F6F}"/>
+                <a16:creationId xmlns="" xmlns:a16="http://schemas.microsoft.com/office/drawing/2014/main" id="{17D6DE4C-D976-4B4B-B087-C035EF8D4F6F}"/>
               </a:ext>
             </a:extLst>
           </p:cNvPr>
@@ -4301,7 +4301,7 @@
           <p:cNvPr id="17" name="Slide Number Placeholder 5">
             <a:extLst>
               <a:ext uri="{FF2B5EF4-FFF2-40B4-BE49-F238E27FC236}">
-                <a16:creationId xmlns:a16="http://schemas.microsoft.com/office/drawing/2014/main" xmlns="" id="{CC67CD5C-67EC-5144-B858-5347C50D1ACD}"/>
+                <a16:creationId xmlns="" xmlns:a16="http://schemas.microsoft.com/office/drawing/2014/main" id="{CC67CD5C-67EC-5144-B858-5347C50D1ACD}"/>
               </a:ext>
             </a:extLst>
           </p:cNvPr>
@@ -4353,7 +4353,7 @@
           <p:cNvPr id="8" name="Title 7">
             <a:extLst>
               <a:ext uri="{FF2B5EF4-FFF2-40B4-BE49-F238E27FC236}">
-                <a16:creationId xmlns:a16="http://schemas.microsoft.com/office/drawing/2014/main" xmlns="" id="{8A6F1540-D306-D44E-B1B3-1ACCF1041F70}"/>
+                <a16:creationId xmlns="" xmlns:a16="http://schemas.microsoft.com/office/drawing/2014/main" id="{8A6F1540-D306-D44E-B1B3-1ACCF1041F70}"/>
               </a:ext>
             </a:extLst>
           </p:cNvPr>
@@ -4397,7 +4397,7 @@
           <p:cNvPr id="9" name="Straight Connector 8">
             <a:extLst>
               <a:ext uri="{FF2B5EF4-FFF2-40B4-BE49-F238E27FC236}">
-                <a16:creationId xmlns:a16="http://schemas.microsoft.com/office/drawing/2014/main" xmlns="" id="{BB1AA2BE-B537-254D-958A-FBAFDE7E90DC}"/>
+                <a16:creationId xmlns="" xmlns:a16="http://schemas.microsoft.com/office/drawing/2014/main" id="{BB1AA2BE-B537-254D-958A-FBAFDE7E90DC}"/>
               </a:ext>
             </a:extLst>
           </p:cNvPr>
@@ -4440,7 +4440,7 @@
           <p:cNvPr id="10" name="Straight Connector 9">
             <a:extLst>
               <a:ext uri="{FF2B5EF4-FFF2-40B4-BE49-F238E27FC236}">
-                <a16:creationId xmlns:a16="http://schemas.microsoft.com/office/drawing/2014/main" xmlns="" id="{95C486A1-9876-924E-85C2-906892F8B9AC}"/>
+                <a16:creationId xmlns="" xmlns:a16="http://schemas.microsoft.com/office/drawing/2014/main" id="{95C486A1-9876-924E-85C2-906892F8B9AC}"/>
               </a:ext>
             </a:extLst>
           </p:cNvPr>
@@ -4544,7 +4544,7 @@
           <a:graphicData uri="http://schemas.openxmlformats.org/presentationml/2006/ole">
             <mc:AlternateContent xmlns:mc="http://schemas.openxmlformats.org/markup-compatibility/2006">
               <mc:Choice xmlns:v="urn:schemas-microsoft-com:vml" Requires="v">
-                <p:oleObj spid="_x0000_s45084" name="think-cell Slide" r:id="rId4" imgW="216" imgH="216" progId="TCLayout.ActiveDocument.1">
+                <p:oleObj spid="_x0000_s45085" name="think-cell Slide" r:id="rId4" imgW="216" imgH="216" progId="TCLayout.ActiveDocument.1">
                   <p:embed/>
                 </p:oleObj>
               </mc:Choice>
@@ -4630,7 +4630,7 @@
           <a:graphicData uri="http://schemas.openxmlformats.org/presentationml/2006/ole">
             <mc:AlternateContent xmlns:mc="http://schemas.openxmlformats.org/markup-compatibility/2006">
               <mc:Choice xmlns:v="urn:schemas-microsoft-com:vml" Requires="v">
-                <p:oleObj spid="_x0000_s37934" name="think-cell Slide" r:id="rId5" imgW="216" imgH="216" progId="TCLayout.ActiveDocument.1">
+                <p:oleObj spid="_x0000_s37935" name="think-cell Slide" r:id="rId5" imgW="216" imgH="216" progId="TCLayout.ActiveDocument.1">
                   <p:embed/>
                 </p:oleObj>
               </mc:Choice>
@@ -4827,7 +4827,7 @@
           <p:cNvPr id="4" name="Footer Placeholder 3">
             <a:extLst>
               <a:ext uri="{FF2B5EF4-FFF2-40B4-BE49-F238E27FC236}">
-                <a16:creationId xmlns:a16="http://schemas.microsoft.com/office/drawing/2014/main" xmlns="" id="{17D6DE4C-D976-4B4B-B087-C035EF8D4F6F}"/>
+                <a16:creationId xmlns="" xmlns:a16="http://schemas.microsoft.com/office/drawing/2014/main" id="{17D6DE4C-D976-4B4B-B087-C035EF8D4F6F}"/>
               </a:ext>
             </a:extLst>
           </p:cNvPr>
@@ -4886,7 +4886,7 @@
           <p:cNvPr id="13" name="Straight Connector 12">
             <a:extLst>
               <a:ext uri="{FF2B5EF4-FFF2-40B4-BE49-F238E27FC236}">
-                <a16:creationId xmlns:a16="http://schemas.microsoft.com/office/drawing/2014/main" xmlns="" id="{95C486A1-9876-924E-85C2-906892F8B9AC}"/>
+                <a16:creationId xmlns="" xmlns:a16="http://schemas.microsoft.com/office/drawing/2014/main" id="{95C486A1-9876-924E-85C2-906892F8B9AC}"/>
               </a:ext>
             </a:extLst>
           </p:cNvPr>
@@ -4929,7 +4929,7 @@
           <p:cNvPr id="17" name="Slide Number Placeholder 5">
             <a:extLst>
               <a:ext uri="{FF2B5EF4-FFF2-40B4-BE49-F238E27FC236}">
-                <a16:creationId xmlns:a16="http://schemas.microsoft.com/office/drawing/2014/main" xmlns="" id="{CC67CD5C-67EC-5144-B858-5347C50D1ACD}"/>
+                <a16:creationId xmlns="" xmlns:a16="http://schemas.microsoft.com/office/drawing/2014/main" id="{CC67CD5C-67EC-5144-B858-5347C50D1ACD}"/>
               </a:ext>
             </a:extLst>
           </p:cNvPr>
@@ -4981,7 +4981,7 @@
           <p:cNvPr id="8" name="Title 7">
             <a:extLst>
               <a:ext uri="{FF2B5EF4-FFF2-40B4-BE49-F238E27FC236}">
-                <a16:creationId xmlns:a16="http://schemas.microsoft.com/office/drawing/2014/main" xmlns="" id="{8A6F1540-D306-D44E-B1B3-1ACCF1041F70}"/>
+                <a16:creationId xmlns="" xmlns:a16="http://schemas.microsoft.com/office/drawing/2014/main" id="{8A6F1540-D306-D44E-B1B3-1ACCF1041F70}"/>
               </a:ext>
             </a:extLst>
           </p:cNvPr>
@@ -5107,7 +5107,7 @@
           <a:graphicData uri="http://schemas.openxmlformats.org/presentationml/2006/ole">
             <mc:AlternateContent xmlns:mc="http://schemas.openxmlformats.org/markup-compatibility/2006">
               <mc:Choice xmlns:v="urn:schemas-microsoft-com:vml" Requires="v">
-                <p:oleObj spid="_x0000_s38958" name="think-cell Slide" r:id="rId4" imgW="216" imgH="216" progId="TCLayout.ActiveDocument.1">
+                <p:oleObj spid="_x0000_s38959" name="think-cell Slide" r:id="rId4" imgW="216" imgH="216" progId="TCLayout.ActiveDocument.1">
                   <p:embed/>
                 </p:oleObj>
               </mc:Choice>
@@ -5233,7 +5233,7 @@
           <p:cNvPr id="8" name="Title 7">
             <a:extLst>
               <a:ext uri="{FF2B5EF4-FFF2-40B4-BE49-F238E27FC236}">
-                <a16:creationId xmlns:a16="http://schemas.microsoft.com/office/drawing/2014/main" xmlns="" id="{8A6F1540-D306-D44E-B1B3-1ACCF1041F70}"/>
+                <a16:creationId xmlns="" xmlns:a16="http://schemas.microsoft.com/office/drawing/2014/main" id="{8A6F1540-D306-D44E-B1B3-1ACCF1041F70}"/>
               </a:ext>
             </a:extLst>
           </p:cNvPr>
@@ -5269,7 +5269,7 @@
           <p:cNvPr id="9" name="Content Placeholder 2">
             <a:extLst>
               <a:ext uri="{FF2B5EF4-FFF2-40B4-BE49-F238E27FC236}">
-                <a16:creationId xmlns:a16="http://schemas.microsoft.com/office/drawing/2014/main" xmlns="" id="{0A7C1352-3D49-F849-9BC3-BC0AF9CD8F04}"/>
+                <a16:creationId xmlns="" xmlns:a16="http://schemas.microsoft.com/office/drawing/2014/main" id="{0A7C1352-3D49-F849-9BC3-BC0AF9CD8F04}"/>
               </a:ext>
             </a:extLst>
           </p:cNvPr>
@@ -5361,7 +5361,7 @@
           <p:cNvPr id="10" name="Content Placeholder 2">
             <a:extLst>
               <a:ext uri="{FF2B5EF4-FFF2-40B4-BE49-F238E27FC236}">
-                <a16:creationId xmlns:a16="http://schemas.microsoft.com/office/drawing/2014/main" xmlns="" id="{D1AA7CFB-7669-2648-A3E1-E647E531399E}"/>
+                <a16:creationId xmlns="" xmlns:a16="http://schemas.microsoft.com/office/drawing/2014/main" id="{D1AA7CFB-7669-2648-A3E1-E647E531399E}"/>
               </a:ext>
             </a:extLst>
           </p:cNvPr>
@@ -5453,7 +5453,7 @@
           <p:cNvPr id="11" name="Content Placeholder 2">
             <a:extLst>
               <a:ext uri="{FF2B5EF4-FFF2-40B4-BE49-F238E27FC236}">
-                <a16:creationId xmlns:a16="http://schemas.microsoft.com/office/drawing/2014/main" xmlns="" id="{2E4B4082-D988-5D43-9C32-2C7F747717ED}"/>
+                <a16:creationId xmlns="" xmlns:a16="http://schemas.microsoft.com/office/drawing/2014/main" id="{2E4B4082-D988-5D43-9C32-2C7F747717ED}"/>
               </a:ext>
             </a:extLst>
           </p:cNvPr>
@@ -5545,7 +5545,7 @@
           <p:cNvPr id="12" name="Content Placeholder 2">
             <a:extLst>
               <a:ext uri="{FF2B5EF4-FFF2-40B4-BE49-F238E27FC236}">
-                <a16:creationId xmlns:a16="http://schemas.microsoft.com/office/drawing/2014/main" xmlns="" id="{45B8DE4D-1F9B-7341-8CB2-D70634815B55}"/>
+                <a16:creationId xmlns="" xmlns:a16="http://schemas.microsoft.com/office/drawing/2014/main" id="{45B8DE4D-1F9B-7341-8CB2-D70634815B55}"/>
               </a:ext>
             </a:extLst>
           </p:cNvPr>
@@ -5637,7 +5637,7 @@
           <p:cNvPr id="14" name="Footer Placeholder 3">
             <a:extLst>
               <a:ext uri="{FF2B5EF4-FFF2-40B4-BE49-F238E27FC236}">
-                <a16:creationId xmlns:a16="http://schemas.microsoft.com/office/drawing/2014/main" xmlns="" id="{DBA440F4-82E0-7E45-8A6F-4A8C7572AEE5}"/>
+                <a16:creationId xmlns="" xmlns:a16="http://schemas.microsoft.com/office/drawing/2014/main" id="{DBA440F4-82E0-7E45-8A6F-4A8C7572AEE5}"/>
               </a:ext>
             </a:extLst>
           </p:cNvPr>
@@ -5696,7 +5696,7 @@
           <p:cNvPr id="15" name="Slide Number Placeholder 5">
             <a:extLst>
               <a:ext uri="{FF2B5EF4-FFF2-40B4-BE49-F238E27FC236}">
-                <a16:creationId xmlns:a16="http://schemas.microsoft.com/office/drawing/2014/main" xmlns="" id="{CC67CD5C-67EC-5144-B858-5347C50D1ACD}"/>
+                <a16:creationId xmlns="" xmlns:a16="http://schemas.microsoft.com/office/drawing/2014/main" id="{CC67CD5C-67EC-5144-B858-5347C50D1ACD}"/>
               </a:ext>
             </a:extLst>
           </p:cNvPr>
@@ -5748,7 +5748,7 @@
           <p:cNvPr id="16" name="Straight Connector 15">
             <a:extLst>
               <a:ext uri="{FF2B5EF4-FFF2-40B4-BE49-F238E27FC236}">
-                <a16:creationId xmlns:a16="http://schemas.microsoft.com/office/drawing/2014/main" xmlns="" id="{95C486A1-9876-924E-85C2-906892F8B9AC}"/>
+                <a16:creationId xmlns="" xmlns:a16="http://schemas.microsoft.com/office/drawing/2014/main" id="{95C486A1-9876-924E-85C2-906892F8B9AC}"/>
               </a:ext>
             </a:extLst>
           </p:cNvPr>
@@ -5844,7 +5844,7 @@
           <a:graphicData uri="http://schemas.openxmlformats.org/presentationml/2006/ole">
             <mc:AlternateContent xmlns:mc="http://schemas.openxmlformats.org/markup-compatibility/2006">
               <mc:Choice xmlns:v="urn:schemas-microsoft-com:vml" Requires="v">
-                <p:oleObj spid="_x0000_s39982" name="think-cell Slide" r:id="rId4" imgW="216" imgH="216" progId="TCLayout.ActiveDocument.1">
+                <p:oleObj spid="_x0000_s39983" name="think-cell Slide" r:id="rId4" imgW="216" imgH="216" progId="TCLayout.ActiveDocument.1">
                   <p:embed/>
                 </p:oleObj>
               </mc:Choice>
@@ -5884,7 +5884,7 @@
           <p:cNvPr id="8" name="Title 7">
             <a:extLst>
               <a:ext uri="{FF2B5EF4-FFF2-40B4-BE49-F238E27FC236}">
-                <a16:creationId xmlns:a16="http://schemas.microsoft.com/office/drawing/2014/main" xmlns="" id="{8A6F1540-D306-D44E-B1B3-1ACCF1041F70}"/>
+                <a16:creationId xmlns="" xmlns:a16="http://schemas.microsoft.com/office/drawing/2014/main" id="{8A6F1540-D306-D44E-B1B3-1ACCF1041F70}"/>
               </a:ext>
             </a:extLst>
           </p:cNvPr>
@@ -6680,7 +6680,7 @@
           <p:cNvPr id="37" name="Footer Placeholder 3">
             <a:extLst>
               <a:ext uri="{FF2B5EF4-FFF2-40B4-BE49-F238E27FC236}">
-                <a16:creationId xmlns:a16="http://schemas.microsoft.com/office/drawing/2014/main" xmlns="" id="{DBA440F4-82E0-7E45-8A6F-4A8C7572AEE5}"/>
+                <a16:creationId xmlns="" xmlns:a16="http://schemas.microsoft.com/office/drawing/2014/main" id="{DBA440F4-82E0-7E45-8A6F-4A8C7572AEE5}"/>
               </a:ext>
             </a:extLst>
           </p:cNvPr>
@@ -6739,7 +6739,7 @@
           <p:cNvPr id="38" name="Slide Number Placeholder 5">
             <a:extLst>
               <a:ext uri="{FF2B5EF4-FFF2-40B4-BE49-F238E27FC236}">
-                <a16:creationId xmlns:a16="http://schemas.microsoft.com/office/drawing/2014/main" xmlns="" id="{CC67CD5C-67EC-5144-B858-5347C50D1ACD}"/>
+                <a16:creationId xmlns="" xmlns:a16="http://schemas.microsoft.com/office/drawing/2014/main" id="{CC67CD5C-67EC-5144-B858-5347C50D1ACD}"/>
               </a:ext>
             </a:extLst>
           </p:cNvPr>
@@ -6791,7 +6791,7 @@
           <p:cNvPr id="39" name="Straight Connector 38">
             <a:extLst>
               <a:ext uri="{FF2B5EF4-FFF2-40B4-BE49-F238E27FC236}">
-                <a16:creationId xmlns:a16="http://schemas.microsoft.com/office/drawing/2014/main" xmlns="" id="{95C486A1-9876-924E-85C2-906892F8B9AC}"/>
+                <a16:creationId xmlns="" xmlns:a16="http://schemas.microsoft.com/office/drawing/2014/main" id="{95C486A1-9876-924E-85C2-906892F8B9AC}"/>
               </a:ext>
             </a:extLst>
           </p:cNvPr>
@@ -6892,7 +6892,7 @@
           <a:graphicData uri="http://schemas.openxmlformats.org/presentationml/2006/ole">
             <mc:AlternateContent xmlns:mc="http://schemas.openxmlformats.org/markup-compatibility/2006">
               <mc:Choice xmlns:v="urn:schemas-microsoft-com:vml" Requires="v">
-                <p:oleObj spid="_x0000_s41006" name="think-cell Slide" r:id="rId5" imgW="216" imgH="216" progId="TCLayout.ActiveDocument.1">
+                <p:oleObj spid="_x0000_s41007" name="think-cell Slide" r:id="rId5" imgW="216" imgH="216" progId="TCLayout.ActiveDocument.1">
                   <p:embed/>
                 </p:oleObj>
               </mc:Choice>
@@ -7109,7 +7109,7 @@
           <p:cNvPr id="4" name="Footer Placeholder 3">
             <a:extLst>
               <a:ext uri="{FF2B5EF4-FFF2-40B4-BE49-F238E27FC236}">
-                <a16:creationId xmlns:a16="http://schemas.microsoft.com/office/drawing/2014/main" xmlns="" id="{17D6DE4C-D976-4B4B-B087-C035EF8D4F6F}"/>
+                <a16:creationId xmlns="" xmlns:a16="http://schemas.microsoft.com/office/drawing/2014/main" id="{17D6DE4C-D976-4B4B-B087-C035EF8D4F6F}"/>
               </a:ext>
             </a:extLst>
           </p:cNvPr>
@@ -7168,7 +7168,7 @@
           <p:cNvPr id="17" name="Slide Number Placeholder 5">
             <a:extLst>
               <a:ext uri="{FF2B5EF4-FFF2-40B4-BE49-F238E27FC236}">
-                <a16:creationId xmlns:a16="http://schemas.microsoft.com/office/drawing/2014/main" xmlns="" id="{CC67CD5C-67EC-5144-B858-5347C50D1ACD}"/>
+                <a16:creationId xmlns="" xmlns:a16="http://schemas.microsoft.com/office/drawing/2014/main" id="{CC67CD5C-67EC-5144-B858-5347C50D1ACD}"/>
               </a:ext>
             </a:extLst>
           </p:cNvPr>
@@ -7220,7 +7220,7 @@
           <p:cNvPr id="8" name="Title 7">
             <a:extLst>
               <a:ext uri="{FF2B5EF4-FFF2-40B4-BE49-F238E27FC236}">
-                <a16:creationId xmlns:a16="http://schemas.microsoft.com/office/drawing/2014/main" xmlns="" id="{8A6F1540-D306-D44E-B1B3-1ACCF1041F70}"/>
+                <a16:creationId xmlns="" xmlns:a16="http://schemas.microsoft.com/office/drawing/2014/main" id="{8A6F1540-D306-D44E-B1B3-1ACCF1041F70}"/>
               </a:ext>
             </a:extLst>
           </p:cNvPr>
@@ -7264,7 +7264,7 @@
           <p:cNvPr id="9" name="Straight Connector 8">
             <a:extLst>
               <a:ext uri="{FF2B5EF4-FFF2-40B4-BE49-F238E27FC236}">
-                <a16:creationId xmlns:a16="http://schemas.microsoft.com/office/drawing/2014/main" xmlns="" id="{BB1AA2BE-B537-254D-958A-FBAFDE7E90DC}"/>
+                <a16:creationId xmlns="" xmlns:a16="http://schemas.microsoft.com/office/drawing/2014/main" id="{BB1AA2BE-B537-254D-958A-FBAFDE7E90DC}"/>
               </a:ext>
             </a:extLst>
           </p:cNvPr>
@@ -7307,7 +7307,7 @@
           <p:cNvPr id="10" name="Straight Connector 9">
             <a:extLst>
               <a:ext uri="{FF2B5EF4-FFF2-40B4-BE49-F238E27FC236}">
-                <a16:creationId xmlns:a16="http://schemas.microsoft.com/office/drawing/2014/main" xmlns="" id="{95C486A1-9876-924E-85C2-906892F8B9AC}"/>
+                <a16:creationId xmlns="" xmlns:a16="http://schemas.microsoft.com/office/drawing/2014/main" id="{95C486A1-9876-924E-85C2-906892F8B9AC}"/>
               </a:ext>
             </a:extLst>
           </p:cNvPr>
@@ -7412,7 +7412,7 @@
           <a:graphicData uri="http://schemas.openxmlformats.org/presentationml/2006/ole">
             <mc:AlternateContent xmlns:mc="http://schemas.openxmlformats.org/markup-compatibility/2006">
               <mc:Choice xmlns:v="urn:schemas-microsoft-com:vml" Requires="v">
-                <p:oleObj spid="_x0000_s31790" name="think-cell Slide" r:id="rId10" imgW="216" imgH="216" progId="TCLayout.ActiveDocument.1">
+                <p:oleObj spid="_x0000_s31791" name="think-cell Slide" r:id="rId10" imgW="216" imgH="216" progId="TCLayout.ActiveDocument.1">
                   <p:embed/>
                 </p:oleObj>
               </mc:Choice>
@@ -7532,7 +7532,7 @@
           <p:cNvPr id="10" name="Straight Connector 9">
             <a:extLst>
               <a:ext uri="{FF2B5EF4-FFF2-40B4-BE49-F238E27FC236}">
-                <a16:creationId xmlns:a16="http://schemas.microsoft.com/office/drawing/2014/main" xmlns="" id="{BB1AA2BE-B537-254D-958A-FBAFDE7E90DC}"/>
+                <a16:creationId xmlns="" xmlns:a16="http://schemas.microsoft.com/office/drawing/2014/main" id="{BB1AA2BE-B537-254D-958A-FBAFDE7E90DC}"/>
               </a:ext>
             </a:extLst>
           </p:cNvPr>
@@ -7575,7 +7575,7 @@
           <p:cNvPr id="15" name="Footer Placeholder 3">
             <a:extLst>
               <a:ext uri="{FF2B5EF4-FFF2-40B4-BE49-F238E27FC236}">
-                <a16:creationId xmlns:a16="http://schemas.microsoft.com/office/drawing/2014/main" xmlns="" id="{DBA440F4-82E0-7E45-8A6F-4A8C7572AEE5}"/>
+                <a16:creationId xmlns="" xmlns:a16="http://schemas.microsoft.com/office/drawing/2014/main" id="{DBA440F4-82E0-7E45-8A6F-4A8C7572AEE5}"/>
               </a:ext>
             </a:extLst>
           </p:cNvPr>
@@ -7634,7 +7634,7 @@
           <p:cNvPr id="16" name="Slide Number Placeholder 5">
             <a:extLst>
               <a:ext uri="{FF2B5EF4-FFF2-40B4-BE49-F238E27FC236}">
-                <a16:creationId xmlns:a16="http://schemas.microsoft.com/office/drawing/2014/main" xmlns="" id="{2D9636C8-FF6B-E141-B9E1-70C7091B23B1}"/>
+                <a16:creationId xmlns="" xmlns:a16="http://schemas.microsoft.com/office/drawing/2014/main" id="{2D9636C8-FF6B-E141-B9E1-70C7091B23B1}"/>
               </a:ext>
             </a:extLst>
           </p:cNvPr>
@@ -8001,7 +8001,7 @@
   </p:txStyles>
   <p:extLst mod="1">
     <p:ext uri="{27BBF7A9-308A-43DC-89C8-2F10F3537804}">
-      <p15:sldGuideLst xmlns:p15="http://schemas.microsoft.com/office/powerpoint/2012/main" xmlns="">
+      <p15:sldGuideLst xmlns="" xmlns:p15="http://schemas.microsoft.com/office/powerpoint/2012/main">
         <p15:guide id="1" orient="horz" pos="2041">
           <p15:clr>
             <a:srgbClr val="F26B43"/>
@@ -8170,7 +8170,7 @@
           <a:graphicData uri="http://schemas.openxmlformats.org/presentationml/2006/ole">
             <mc:AlternateContent xmlns:mc="http://schemas.openxmlformats.org/markup-compatibility/2006">
               <mc:Choice xmlns:v="urn:schemas-microsoft-com:vml" Requires="v">
-                <p:oleObj spid="_x0000_s36911" name="think-cell Slide" r:id="rId10" imgW="216" imgH="216" progId="TCLayout.ActiveDocument.1">
+                <p:oleObj spid="_x0000_s36912" name="think-cell Slide" r:id="rId10" imgW="216" imgH="216" progId="TCLayout.ActiveDocument.1">
                   <p:embed/>
                 </p:oleObj>
               </mc:Choice>
@@ -8290,7 +8290,7 @@
           <p:cNvPr id="10" name="Straight Connector 9">
             <a:extLst>
               <a:ext uri="{FF2B5EF4-FFF2-40B4-BE49-F238E27FC236}">
-                <a16:creationId xmlns:a16="http://schemas.microsoft.com/office/drawing/2014/main" xmlns="" id="{BB1AA2BE-B537-254D-958A-FBAFDE7E90DC}"/>
+                <a16:creationId xmlns="" xmlns:a16="http://schemas.microsoft.com/office/drawing/2014/main" id="{BB1AA2BE-B537-254D-958A-FBAFDE7E90DC}"/>
               </a:ext>
             </a:extLst>
           </p:cNvPr>
@@ -8333,7 +8333,7 @@
           <p:cNvPr id="15" name="Footer Placeholder 3">
             <a:extLst>
               <a:ext uri="{FF2B5EF4-FFF2-40B4-BE49-F238E27FC236}">
-                <a16:creationId xmlns:a16="http://schemas.microsoft.com/office/drawing/2014/main" xmlns="" id="{DBA440F4-82E0-7E45-8A6F-4A8C7572AEE5}"/>
+                <a16:creationId xmlns="" xmlns:a16="http://schemas.microsoft.com/office/drawing/2014/main" id="{DBA440F4-82E0-7E45-8A6F-4A8C7572AEE5}"/>
               </a:ext>
             </a:extLst>
           </p:cNvPr>
@@ -8392,7 +8392,7 @@
           <p:cNvPr id="16" name="Slide Number Placeholder 5">
             <a:extLst>
               <a:ext uri="{FF2B5EF4-FFF2-40B4-BE49-F238E27FC236}">
-                <a16:creationId xmlns:a16="http://schemas.microsoft.com/office/drawing/2014/main" xmlns="" id="{2D9636C8-FF6B-E141-B9E1-70C7091B23B1}"/>
+                <a16:creationId xmlns="" xmlns:a16="http://schemas.microsoft.com/office/drawing/2014/main" id="{2D9636C8-FF6B-E141-B9E1-70C7091B23B1}"/>
               </a:ext>
             </a:extLst>
           </p:cNvPr>
@@ -8759,7 +8759,7 @@
   </p:txStyles>
   <p:extLst mod="1">
     <p:ext uri="{27BBF7A9-308A-43DC-89C8-2F10F3537804}">
-      <p15:sldGuideLst xmlns:p15="http://schemas.microsoft.com/office/powerpoint/2012/main" xmlns="">
+      <p15:sldGuideLst xmlns="" xmlns:p15="http://schemas.microsoft.com/office/powerpoint/2012/main">
         <p15:guide id="1" orient="horz" pos="2041">
           <p15:clr>
             <a:srgbClr val="F26B43"/>
@@ -10062,21 +10062,21 @@
                 <a:gridCol w="2878070">
                   <a:extLst>
                     <a:ext uri="{9D8B030D-6E8A-4147-A177-3AD203B41FA5}">
-                      <a16:colId xmlns:a16="http://schemas.microsoft.com/office/drawing/2014/main" xmlns="" val="20000"/>
+                      <a16:colId xmlns="" xmlns:a16="http://schemas.microsoft.com/office/drawing/2014/main" val="20000"/>
                     </a:ext>
                   </a:extLst>
                 </a:gridCol>
                 <a:gridCol w="4077266">
                   <a:extLst>
                     <a:ext uri="{9D8B030D-6E8A-4147-A177-3AD203B41FA5}">
-                      <a16:colId xmlns:a16="http://schemas.microsoft.com/office/drawing/2014/main" xmlns="" val="20001"/>
+                      <a16:colId xmlns="" xmlns:a16="http://schemas.microsoft.com/office/drawing/2014/main" val="20001"/>
                     </a:ext>
                   </a:extLst>
                 </a:gridCol>
                 <a:gridCol w="4077266">
                   <a:extLst>
                     <a:ext uri="{9D8B030D-6E8A-4147-A177-3AD203B41FA5}">
-                      <a16:colId xmlns:a16="http://schemas.microsoft.com/office/drawing/2014/main" xmlns="" val="610373499"/>
+                      <a16:colId xmlns="" xmlns:a16="http://schemas.microsoft.com/office/drawing/2014/main" val="610373499"/>
                     </a:ext>
                   </a:extLst>
                 </a:gridCol>
@@ -10355,7 +10355,7 @@
                 </a:tc>
                 <a:extLst>
                   <a:ext uri="{0D108BD9-81ED-4DB2-BD59-A6C34878D82A}">
-                    <a16:rowId xmlns:a16="http://schemas.microsoft.com/office/drawing/2014/main" xmlns="" val="10000"/>
+                    <a16:rowId xmlns="" xmlns:a16="http://schemas.microsoft.com/office/drawing/2014/main" val="10000"/>
                   </a:ext>
                 </a:extLst>
               </a:tr>
@@ -10602,7 +10602,7 @@
                 </a:tc>
                 <a:extLst>
                   <a:ext uri="{0D108BD9-81ED-4DB2-BD59-A6C34878D82A}">
-                    <a16:rowId xmlns:a16="http://schemas.microsoft.com/office/drawing/2014/main" xmlns="" val="10001"/>
+                    <a16:rowId xmlns="" xmlns:a16="http://schemas.microsoft.com/office/drawing/2014/main" val="10001"/>
                   </a:ext>
                 </a:extLst>
               </a:tr>
@@ -10861,7 +10861,7 @@
                 </a:tc>
                 <a:extLst>
                   <a:ext uri="{0D108BD9-81ED-4DB2-BD59-A6C34878D82A}">
-                    <a16:rowId xmlns:a16="http://schemas.microsoft.com/office/drawing/2014/main" xmlns="" val="10002"/>
+                    <a16:rowId xmlns="" xmlns:a16="http://schemas.microsoft.com/office/drawing/2014/main" val="10002"/>
                   </a:ext>
                 </a:extLst>
               </a:tr>
@@ -11120,7 +11120,7 @@
                 </a:tc>
                 <a:extLst>
                   <a:ext uri="{0D108BD9-81ED-4DB2-BD59-A6C34878D82A}">
-                    <a16:rowId xmlns:a16="http://schemas.microsoft.com/office/drawing/2014/main" xmlns="" val="10003"/>
+                    <a16:rowId xmlns="" xmlns:a16="http://schemas.microsoft.com/office/drawing/2014/main" val="10003"/>
                   </a:ext>
                 </a:extLst>
               </a:tr>
@@ -11379,7 +11379,7 @@
                 </a:tc>
                 <a:extLst>
                   <a:ext uri="{0D108BD9-81ED-4DB2-BD59-A6C34878D82A}">
-                    <a16:rowId xmlns:a16="http://schemas.microsoft.com/office/drawing/2014/main" xmlns="" val="10004"/>
+                    <a16:rowId xmlns="" xmlns:a16="http://schemas.microsoft.com/office/drawing/2014/main" val="10004"/>
                   </a:ext>
                 </a:extLst>
               </a:tr>
@@ -11638,7 +11638,7 @@
                 </a:tc>
                 <a:extLst>
                   <a:ext uri="{0D108BD9-81ED-4DB2-BD59-A6C34878D82A}">
-                    <a16:rowId xmlns:a16="http://schemas.microsoft.com/office/drawing/2014/main" xmlns="" val="2987373226"/>
+                    <a16:rowId xmlns="" xmlns:a16="http://schemas.microsoft.com/office/drawing/2014/main" val="2987373226"/>
                   </a:ext>
                 </a:extLst>
               </a:tr>
@@ -11897,7 +11897,7 @@
                 </a:tc>
                 <a:extLst>
                   <a:ext uri="{0D108BD9-81ED-4DB2-BD59-A6C34878D82A}">
-                    <a16:rowId xmlns:a16="http://schemas.microsoft.com/office/drawing/2014/main" xmlns="" val="2639051246"/>
+                    <a16:rowId xmlns="" xmlns:a16="http://schemas.microsoft.com/office/drawing/2014/main" val="2639051246"/>
                   </a:ext>
                 </a:extLst>
               </a:tr>
@@ -12156,7 +12156,7 @@
                 </a:tc>
                 <a:extLst>
                   <a:ext uri="{0D108BD9-81ED-4DB2-BD59-A6C34878D82A}">
-                    <a16:rowId xmlns:a16="http://schemas.microsoft.com/office/drawing/2014/main" xmlns="" val="1177553746"/>
+                    <a16:rowId xmlns="" xmlns:a16="http://schemas.microsoft.com/office/drawing/2014/main" val="1177553746"/>
                   </a:ext>
                 </a:extLst>
               </a:tr>
@@ -12409,7 +12409,7 @@
                 </a:tc>
                 <a:extLst>
                   <a:ext uri="{0D108BD9-81ED-4DB2-BD59-A6C34878D82A}">
-                    <a16:rowId xmlns:a16="http://schemas.microsoft.com/office/drawing/2014/main" xmlns="" val="4230401121"/>
+                    <a16:rowId xmlns="" xmlns:a16="http://schemas.microsoft.com/office/drawing/2014/main" val="4230401121"/>
                   </a:ext>
                 </a:extLst>
               </a:tr>
@@ -12703,7 +12703,7 @@
           <a:graphicData uri="http://schemas.openxmlformats.org/presentationml/2006/ole">
             <mc:AlternateContent xmlns:mc="http://schemas.openxmlformats.org/markup-compatibility/2006">
               <mc:Choice xmlns:v="urn:schemas-microsoft-com:vml" Requires="v">
-                <p:oleObj spid="_x0000_s42036" name="think-cell Slide" r:id="rId6" imgW="416" imgH="416" progId="TCLayout.ActiveDocument.1">
+                <p:oleObj spid="_x0000_s42037" name="think-cell Slide" r:id="rId6" imgW="416" imgH="416" progId="TCLayout.ActiveDocument.1">
                   <p:embed/>
                 </p:oleObj>
               </mc:Choice>
@@ -12766,42 +12766,42 @@
                 <a:gridCol w="1924933">
                   <a:extLst>
                     <a:ext uri="{9D8B030D-6E8A-4147-A177-3AD203B41FA5}">
-                      <a16:colId xmlns:a16="http://schemas.microsoft.com/office/drawing/2014/main" xmlns="" val="1357581311"/>
+                      <a16:colId xmlns="" xmlns:a16="http://schemas.microsoft.com/office/drawing/2014/main" val="1357581311"/>
                     </a:ext>
                   </a:extLst>
                 </a:gridCol>
                 <a:gridCol w="2706957">
                   <a:extLst>
                     <a:ext uri="{9D8B030D-6E8A-4147-A177-3AD203B41FA5}">
-                      <a16:colId xmlns:a16="http://schemas.microsoft.com/office/drawing/2014/main" xmlns="" val="1956442140"/>
+                      <a16:colId xmlns="" xmlns:a16="http://schemas.microsoft.com/office/drawing/2014/main" val="1956442140"/>
                     </a:ext>
                   </a:extLst>
                 </a:gridCol>
                 <a:gridCol w="1378384">
                   <a:extLst>
                     <a:ext uri="{9D8B030D-6E8A-4147-A177-3AD203B41FA5}">
-                      <a16:colId xmlns:a16="http://schemas.microsoft.com/office/drawing/2014/main" xmlns="" val="3122743454"/>
+                      <a16:colId xmlns="" xmlns:a16="http://schemas.microsoft.com/office/drawing/2014/main" val="3122743454"/>
                     </a:ext>
                   </a:extLst>
                 </a:gridCol>
                 <a:gridCol w="1030714">
                   <a:extLst>
                     <a:ext uri="{9D8B030D-6E8A-4147-A177-3AD203B41FA5}">
-                      <a16:colId xmlns:a16="http://schemas.microsoft.com/office/drawing/2014/main" xmlns="" val="755301095"/>
+                      <a16:colId xmlns="" xmlns:a16="http://schemas.microsoft.com/office/drawing/2014/main" val="755301095"/>
                     </a:ext>
                   </a:extLst>
                 </a:gridCol>
                 <a:gridCol w="2464037">
                   <a:extLst>
                     <a:ext uri="{9D8B030D-6E8A-4147-A177-3AD203B41FA5}">
-                      <a16:colId xmlns:a16="http://schemas.microsoft.com/office/drawing/2014/main" xmlns="" val="2056552446"/>
+                      <a16:colId xmlns="" xmlns:a16="http://schemas.microsoft.com/office/drawing/2014/main" val="2056552446"/>
                     </a:ext>
                   </a:extLst>
                 </a:gridCol>
                 <a:gridCol w="1574966">
                   <a:extLst>
                     <a:ext uri="{9D8B030D-6E8A-4147-A177-3AD203B41FA5}">
-                      <a16:colId xmlns:a16="http://schemas.microsoft.com/office/drawing/2014/main" xmlns="" val="1567976445"/>
+                      <a16:colId xmlns="" xmlns:a16="http://schemas.microsoft.com/office/drawing/2014/main" val="1567976445"/>
                     </a:ext>
                   </a:extLst>
                 </a:gridCol>
@@ -12946,7 +12946,7 @@
                 </a:tc>
                 <a:extLst>
                   <a:ext uri="{0D108BD9-81ED-4DB2-BD59-A6C34878D82A}">
-                    <a16:rowId xmlns:a16="http://schemas.microsoft.com/office/drawing/2014/main" xmlns="" val="3203583067"/>
+                    <a16:rowId xmlns="" xmlns:a16="http://schemas.microsoft.com/office/drawing/2014/main" val="3203583067"/>
                   </a:ext>
                 </a:extLst>
               </a:tr>
@@ -13279,7 +13279,7 @@
                 </a:tc>
                 <a:extLst>
                   <a:ext uri="{0D108BD9-81ED-4DB2-BD59-A6C34878D82A}">
-                    <a16:rowId xmlns:a16="http://schemas.microsoft.com/office/drawing/2014/main" xmlns="" val="851841494"/>
+                    <a16:rowId xmlns="" xmlns:a16="http://schemas.microsoft.com/office/drawing/2014/main" val="851841494"/>
                   </a:ext>
                 </a:extLst>
               </a:tr>
@@ -13805,7 +13805,7 @@
                 </a:tc>
                 <a:extLst>
                   <a:ext uri="{0D108BD9-81ED-4DB2-BD59-A6C34878D82A}">
-                    <a16:rowId xmlns:a16="http://schemas.microsoft.com/office/drawing/2014/main" xmlns="" val="1437797630"/>
+                    <a16:rowId xmlns="" xmlns:a16="http://schemas.microsoft.com/office/drawing/2014/main" val="1437797630"/>
                   </a:ext>
                 </a:extLst>
               </a:tr>
@@ -14457,7 +14457,7 @@
                 </a:tc>
                 <a:extLst>
                   <a:ext uri="{0D108BD9-81ED-4DB2-BD59-A6C34878D82A}">
-                    <a16:rowId xmlns:a16="http://schemas.microsoft.com/office/drawing/2014/main" xmlns="" val="406495537"/>
+                    <a16:rowId xmlns="" xmlns:a16="http://schemas.microsoft.com/office/drawing/2014/main" val="406495537"/>
                   </a:ext>
                 </a:extLst>
               </a:tr>
@@ -14847,7 +14847,7 @@
                 </a:tc>
                 <a:extLst>
                   <a:ext uri="{0D108BD9-81ED-4DB2-BD59-A6C34878D82A}">
-                    <a16:rowId xmlns:a16="http://schemas.microsoft.com/office/drawing/2014/main" xmlns="" val="2200042587"/>
+                    <a16:rowId xmlns="" xmlns:a16="http://schemas.microsoft.com/office/drawing/2014/main" val="2200042587"/>
                   </a:ext>
                 </a:extLst>
               </a:tr>
@@ -15123,7 +15123,7 @@
                 </a:tc>
                 <a:extLst>
                   <a:ext uri="{0D108BD9-81ED-4DB2-BD59-A6C34878D82A}">
-                    <a16:rowId xmlns:a16="http://schemas.microsoft.com/office/drawing/2014/main" xmlns="" val="4069117920"/>
+                    <a16:rowId xmlns="" xmlns:a16="http://schemas.microsoft.com/office/drawing/2014/main" val="4069117920"/>
                   </a:ext>
                 </a:extLst>
               </a:tr>
@@ -15527,7 +15527,7 @@
                 </a:tc>
                 <a:extLst>
                   <a:ext uri="{0D108BD9-81ED-4DB2-BD59-A6C34878D82A}">
-                    <a16:rowId xmlns:a16="http://schemas.microsoft.com/office/drawing/2014/main" xmlns="" val="2348740028"/>
+                    <a16:rowId xmlns="" xmlns:a16="http://schemas.microsoft.com/office/drawing/2014/main" val="2348740028"/>
                   </a:ext>
                 </a:extLst>
               </a:tr>
@@ -15666,35 +15666,35 @@
                 <a:gridCol w="2454326">
                   <a:extLst>
                     <a:ext uri="{9D8B030D-6E8A-4147-A177-3AD203B41FA5}">
-                      <a16:colId xmlns:a16="http://schemas.microsoft.com/office/drawing/2014/main" xmlns="" val="20000"/>
+                      <a16:colId xmlns="" xmlns:a16="http://schemas.microsoft.com/office/drawing/2014/main" val="20000"/>
                     </a:ext>
                   </a:extLst>
                 </a:gridCol>
                 <a:gridCol w="2306453">
                   <a:extLst>
                     <a:ext uri="{9D8B030D-6E8A-4147-A177-3AD203B41FA5}">
-                      <a16:colId xmlns:a16="http://schemas.microsoft.com/office/drawing/2014/main" xmlns="" val="20002"/>
+                      <a16:colId xmlns="" xmlns:a16="http://schemas.microsoft.com/office/drawing/2014/main" val="20002"/>
                     </a:ext>
                   </a:extLst>
                 </a:gridCol>
                 <a:gridCol w="2254336">
                   <a:extLst>
                     <a:ext uri="{9D8B030D-6E8A-4147-A177-3AD203B41FA5}">
-                      <a16:colId xmlns:a16="http://schemas.microsoft.com/office/drawing/2014/main" xmlns="" val="2575180168"/>
+                      <a16:colId xmlns="" xmlns:a16="http://schemas.microsoft.com/office/drawing/2014/main" val="2575180168"/>
                     </a:ext>
                   </a:extLst>
                 </a:gridCol>
                 <a:gridCol w="2355667">
                   <a:extLst>
                     <a:ext uri="{9D8B030D-6E8A-4147-A177-3AD203B41FA5}">
-                      <a16:colId xmlns:a16="http://schemas.microsoft.com/office/drawing/2014/main" xmlns="" val="20003"/>
+                      <a16:colId xmlns="" xmlns:a16="http://schemas.microsoft.com/office/drawing/2014/main" val="20003"/>
                     </a:ext>
                   </a:extLst>
                 </a:gridCol>
                 <a:gridCol w="1661586">
                   <a:extLst>
                     <a:ext uri="{9D8B030D-6E8A-4147-A177-3AD203B41FA5}">
-                      <a16:colId xmlns:a16="http://schemas.microsoft.com/office/drawing/2014/main" xmlns="" val="1141158204"/>
+                      <a16:colId xmlns="" xmlns:a16="http://schemas.microsoft.com/office/drawing/2014/main" val="1141158204"/>
                     </a:ext>
                   </a:extLst>
                 </a:gridCol>
@@ -16378,7 +16378,7 @@
                 </a:tc>
                 <a:extLst>
                   <a:ext uri="{0D108BD9-81ED-4DB2-BD59-A6C34878D82A}">
-                    <a16:rowId xmlns:a16="http://schemas.microsoft.com/office/drawing/2014/main" xmlns="" val="10000"/>
+                    <a16:rowId xmlns="" xmlns:a16="http://schemas.microsoft.com/office/drawing/2014/main" val="10000"/>
                   </a:ext>
                 </a:extLst>
               </a:tr>
@@ -16766,7 +16766,7 @@
                 </a:tc>
                 <a:extLst>
                   <a:ext uri="{0D108BD9-81ED-4DB2-BD59-A6C34878D82A}">
-                    <a16:rowId xmlns:a16="http://schemas.microsoft.com/office/drawing/2014/main" xmlns="" val="3242880312"/>
+                    <a16:rowId xmlns="" xmlns:a16="http://schemas.microsoft.com/office/drawing/2014/main" val="3242880312"/>
                   </a:ext>
                 </a:extLst>
               </a:tr>
@@ -17150,63 +17150,63 @@
                 <a:gridCol w="854780">
                   <a:extLst>
                     <a:ext uri="{9D8B030D-6E8A-4147-A177-3AD203B41FA5}">
-                      <a16:colId xmlns:a16="http://schemas.microsoft.com/office/drawing/2014/main" xmlns="" val="2715221625"/>
+                      <a16:colId xmlns="" xmlns:a16="http://schemas.microsoft.com/office/drawing/2014/main" val="2715221625"/>
                     </a:ext>
                   </a:extLst>
                 </a:gridCol>
                 <a:gridCol w="854780">
                   <a:extLst>
                     <a:ext uri="{9D8B030D-6E8A-4147-A177-3AD203B41FA5}">
-                      <a16:colId xmlns:a16="http://schemas.microsoft.com/office/drawing/2014/main" xmlns="" val="1722467380"/>
+                      <a16:colId xmlns="" xmlns:a16="http://schemas.microsoft.com/office/drawing/2014/main" val="1722467380"/>
                     </a:ext>
                   </a:extLst>
                 </a:gridCol>
                 <a:gridCol w="1158769">
                   <a:extLst>
                     <a:ext uri="{9D8B030D-6E8A-4147-A177-3AD203B41FA5}">
-                      <a16:colId xmlns:a16="http://schemas.microsoft.com/office/drawing/2014/main" xmlns="" val="8733085"/>
+                      <a16:colId xmlns="" xmlns:a16="http://schemas.microsoft.com/office/drawing/2014/main" val="8733085"/>
                     </a:ext>
                   </a:extLst>
                 </a:gridCol>
                 <a:gridCol w="899883">
                   <a:extLst>
                     <a:ext uri="{9D8B030D-6E8A-4147-A177-3AD203B41FA5}">
-                      <a16:colId xmlns:a16="http://schemas.microsoft.com/office/drawing/2014/main" xmlns="" val="2034639721"/>
+                      <a16:colId xmlns="" xmlns:a16="http://schemas.microsoft.com/office/drawing/2014/main" val="2034639721"/>
                     </a:ext>
                   </a:extLst>
                 </a:gridCol>
                 <a:gridCol w="1968445">
                   <a:extLst>
                     <a:ext uri="{9D8B030D-6E8A-4147-A177-3AD203B41FA5}">
-                      <a16:colId xmlns:a16="http://schemas.microsoft.com/office/drawing/2014/main" xmlns="" val="984284813"/>
+                      <a16:colId xmlns="" xmlns:a16="http://schemas.microsoft.com/office/drawing/2014/main" val="984284813"/>
                     </a:ext>
                   </a:extLst>
                 </a:gridCol>
                 <a:gridCol w="1634194">
                   <a:extLst>
                     <a:ext uri="{9D8B030D-6E8A-4147-A177-3AD203B41FA5}">
-                      <a16:colId xmlns:a16="http://schemas.microsoft.com/office/drawing/2014/main" xmlns="" val="610353967"/>
+                      <a16:colId xmlns="" xmlns:a16="http://schemas.microsoft.com/office/drawing/2014/main" val="610353967"/>
                     </a:ext>
                   </a:extLst>
                 </a:gridCol>
                 <a:gridCol w="1234134">
                   <a:extLst>
                     <a:ext uri="{9D8B030D-6E8A-4147-A177-3AD203B41FA5}">
-                      <a16:colId xmlns:a16="http://schemas.microsoft.com/office/drawing/2014/main" xmlns="" val="2199988680"/>
+                      <a16:colId xmlns="" xmlns:a16="http://schemas.microsoft.com/office/drawing/2014/main" val="2199988680"/>
                     </a:ext>
                   </a:extLst>
                 </a:gridCol>
                 <a:gridCol w="942636">
                   <a:extLst>
                     <a:ext uri="{9D8B030D-6E8A-4147-A177-3AD203B41FA5}">
-                      <a16:colId xmlns:a16="http://schemas.microsoft.com/office/drawing/2014/main" xmlns="" val="1060807198"/>
+                      <a16:colId xmlns="" xmlns:a16="http://schemas.microsoft.com/office/drawing/2014/main" val="1060807198"/>
                     </a:ext>
                   </a:extLst>
                 </a:gridCol>
                 <a:gridCol w="1925692">
                   <a:extLst>
                     <a:ext uri="{9D8B030D-6E8A-4147-A177-3AD203B41FA5}">
-                      <a16:colId xmlns:a16="http://schemas.microsoft.com/office/drawing/2014/main" xmlns="" val="3687281855"/>
+                      <a16:colId xmlns="" xmlns:a16="http://schemas.microsoft.com/office/drawing/2014/main" val="3687281855"/>
                     </a:ext>
                   </a:extLst>
                 </a:gridCol>
@@ -17337,7 +17337,7 @@
                 </a:tc>
                 <a:extLst>
                   <a:ext uri="{0D108BD9-81ED-4DB2-BD59-A6C34878D82A}">
-                    <a16:rowId xmlns:a16="http://schemas.microsoft.com/office/drawing/2014/main" xmlns="" val="132260445"/>
+                    <a16:rowId xmlns="" xmlns:a16="http://schemas.microsoft.com/office/drawing/2014/main" val="132260445"/>
                   </a:ext>
                 </a:extLst>
               </a:tr>
@@ -17487,7 +17487,7 @@
                 </a:tc>
                 <a:extLst>
                   <a:ext uri="{0D108BD9-81ED-4DB2-BD59-A6C34878D82A}">
-                    <a16:rowId xmlns:a16="http://schemas.microsoft.com/office/drawing/2014/main" xmlns="" val="1454925855"/>
+                    <a16:rowId xmlns="" xmlns:a16="http://schemas.microsoft.com/office/drawing/2014/main" val="1454925855"/>
                   </a:ext>
                 </a:extLst>
               </a:tr>
@@ -17630,7 +17630,7 @@
                 </a:tc>
                 <a:extLst>
                   <a:ext uri="{0D108BD9-81ED-4DB2-BD59-A6C34878D82A}">
-                    <a16:rowId xmlns:a16="http://schemas.microsoft.com/office/drawing/2014/main" xmlns="" val="1815440894"/>
+                    <a16:rowId xmlns="" xmlns:a16="http://schemas.microsoft.com/office/drawing/2014/main" val="1815440894"/>
                   </a:ext>
                 </a:extLst>
               </a:tr>
@@ -17752,7 +17752,7 @@
                 </a:tc>
                 <a:extLst>
                   <a:ext uri="{0D108BD9-81ED-4DB2-BD59-A6C34878D82A}">
-                    <a16:rowId xmlns:a16="http://schemas.microsoft.com/office/drawing/2014/main" xmlns="" val="344899817"/>
+                    <a16:rowId xmlns="" xmlns:a16="http://schemas.microsoft.com/office/drawing/2014/main" val="344899817"/>
                   </a:ext>
                 </a:extLst>
               </a:tr>
@@ -17903,7 +17903,7 @@
                 </a:tc>
                 <a:extLst>
                   <a:ext uri="{0D108BD9-81ED-4DB2-BD59-A6C34878D82A}">
-                    <a16:rowId xmlns:a16="http://schemas.microsoft.com/office/drawing/2014/main" xmlns="" val="1268840849"/>
+                    <a16:rowId xmlns="" xmlns:a16="http://schemas.microsoft.com/office/drawing/2014/main" val="1268840849"/>
                   </a:ext>
                 </a:extLst>
               </a:tr>
@@ -18341,7 +18341,7 @@
                 </a:tc>
                 <a:extLst>
                   <a:ext uri="{0D108BD9-81ED-4DB2-BD59-A6C34878D82A}">
-                    <a16:rowId xmlns:a16="http://schemas.microsoft.com/office/drawing/2014/main" xmlns="" val="3241501689"/>
+                    <a16:rowId xmlns="" xmlns:a16="http://schemas.microsoft.com/office/drawing/2014/main" val="3241501689"/>
                   </a:ext>
                 </a:extLst>
               </a:tr>
@@ -18696,7 +18696,7 @@
                 </a:tc>
                 <a:extLst>
                   <a:ext uri="{0D108BD9-81ED-4DB2-BD59-A6C34878D82A}">
-                    <a16:rowId xmlns:a16="http://schemas.microsoft.com/office/drawing/2014/main" xmlns="" val="3375075753"/>
+                    <a16:rowId xmlns="" xmlns:a16="http://schemas.microsoft.com/office/drawing/2014/main" val="3375075753"/>
                   </a:ext>
                 </a:extLst>
               </a:tr>
@@ -19072,7 +19072,7 @@
                 </a:tc>
                 <a:extLst>
                   <a:ext uri="{0D108BD9-81ED-4DB2-BD59-A6C34878D82A}">
-                    <a16:rowId xmlns:a16="http://schemas.microsoft.com/office/drawing/2014/main" xmlns="" val="1818738132"/>
+                    <a16:rowId xmlns="" xmlns:a16="http://schemas.microsoft.com/office/drawing/2014/main" val="1818738132"/>
                   </a:ext>
                 </a:extLst>
               </a:tr>
@@ -19496,7 +19496,7 @@
                 </a:tc>
                 <a:extLst>
                   <a:ext uri="{0D108BD9-81ED-4DB2-BD59-A6C34878D82A}">
-                    <a16:rowId xmlns:a16="http://schemas.microsoft.com/office/drawing/2014/main" xmlns="" val="3192001067"/>
+                    <a16:rowId xmlns="" xmlns:a16="http://schemas.microsoft.com/office/drawing/2014/main" val="3192001067"/>
                   </a:ext>
                 </a:extLst>
               </a:tr>
@@ -19754,7 +19754,7 @@
                 </a:tc>
                 <a:extLst>
                   <a:ext uri="{0D108BD9-81ED-4DB2-BD59-A6C34878D82A}">
-                    <a16:rowId xmlns:a16="http://schemas.microsoft.com/office/drawing/2014/main" xmlns="" val="564902271"/>
+                    <a16:rowId xmlns="" xmlns:a16="http://schemas.microsoft.com/office/drawing/2014/main" val="564902271"/>
                   </a:ext>
                 </a:extLst>
               </a:tr>
@@ -20228,7 +20228,7 @@
                 </a:tc>
                 <a:extLst>
                   <a:ext uri="{0D108BD9-81ED-4DB2-BD59-A6C34878D82A}">
-                    <a16:rowId xmlns:a16="http://schemas.microsoft.com/office/drawing/2014/main" xmlns="" val="981176443"/>
+                    <a16:rowId xmlns="" xmlns:a16="http://schemas.microsoft.com/office/drawing/2014/main" val="981176443"/>
                   </a:ext>
                 </a:extLst>
               </a:tr>
@@ -20660,7 +20660,7 @@
               <a:buSzPct val="100000"/>
             </a:pPr>
             <a:r>
-              <a:rPr lang="zh-CN" altLang="en-US" sz="1305" dirty="0" smtClean="0">
+              <a:rPr lang="en-US" altLang="zh-CN" sz="1187" smtClean="0">
                 <a:solidFill>
                   <a:srgbClr val="232323">
                     <a:lumMod val="75000"/>
@@ -20670,305 +20670,7 @@
                 <a:cs typeface="+mn-ea"/>
                 <a:sym typeface="+mn-lt"/>
               </a:rPr>
-              <a:t>场地</a:t>
-            </a:r>
-            <a:r>
-              <a:rPr lang="zh-CN" altLang="en-US" sz="1305" dirty="0">
-                <a:solidFill>
-                  <a:srgbClr val="232323">
-                    <a:lumMod val="75000"/>
-                    <a:lumOff val="25000"/>
-                  </a:srgbClr>
-                </a:solidFill>
-                <a:cs typeface="+mn-ea"/>
-                <a:sym typeface="+mn-lt"/>
-              </a:rPr>
-              <a:t>基础信息：地点 </a:t>
-            </a:r>
-            <a:r>
-              <a:rPr lang="en-US" altLang="zh-CN" sz="1305" dirty="0">
-                <a:solidFill>
-                  <a:srgbClr val="232323">
-                    <a:lumMod val="75000"/>
-                    <a:lumOff val="25000"/>
-                  </a:srgbClr>
-                </a:solidFill>
-                <a:cs typeface="+mn-ea"/>
-                <a:sym typeface="+mn-lt"/>
-              </a:rPr>
-              <a:t>/ </a:t>
-            </a:r>
-            <a:r>
-              <a:rPr lang="zh-CN" altLang="en-US" sz="1305" dirty="0">
-                <a:solidFill>
-                  <a:srgbClr val="232323">
-                    <a:lumMod val="75000"/>
-                    <a:lumOff val="25000"/>
-                  </a:srgbClr>
-                </a:solidFill>
-                <a:cs typeface="+mn-ea"/>
-                <a:sym typeface="+mn-lt"/>
-              </a:rPr>
-              <a:t>容量 </a:t>
-            </a:r>
-            <a:r>
-              <a:rPr lang="en-US" altLang="zh-CN" sz="1305" dirty="0">
-                <a:solidFill>
-                  <a:srgbClr val="232323">
-                    <a:lumMod val="75000"/>
-                    <a:lumOff val="25000"/>
-                  </a:srgbClr>
-                </a:solidFill>
-                <a:cs typeface="+mn-ea"/>
-                <a:sym typeface="+mn-lt"/>
-              </a:rPr>
-              <a:t>/ </a:t>
-            </a:r>
-            <a:r>
-              <a:rPr lang="zh-CN" altLang="en-US" sz="1305" dirty="0">
-                <a:solidFill>
-                  <a:srgbClr val="232323">
-                    <a:lumMod val="75000"/>
-                    <a:lumOff val="25000"/>
-                  </a:srgbClr>
-                </a:solidFill>
-                <a:cs typeface="+mn-ea"/>
-                <a:sym typeface="+mn-lt"/>
-              </a:rPr>
-              <a:t>选择</a:t>
-            </a:r>
-            <a:r>
-              <a:rPr lang="zh-CN" altLang="en-US" sz="1305" dirty="0" smtClean="0">
-                <a:solidFill>
-                  <a:srgbClr val="232323">
-                    <a:lumMod val="75000"/>
-                    <a:lumOff val="25000"/>
-                  </a:srgbClr>
-                </a:solidFill>
-                <a:cs typeface="+mn-ea"/>
-                <a:sym typeface="+mn-lt"/>
-              </a:rPr>
-              <a:t>理由</a:t>
-            </a:r>
-            <a:endParaRPr lang="en-US" altLang="zh-CN" sz="1305" dirty="0" smtClean="0">
-              <a:solidFill>
-                <a:srgbClr val="232323">
-                  <a:lumMod val="75000"/>
-                  <a:lumOff val="25000"/>
-                </a:srgbClr>
-              </a:solidFill>
-              <a:cs typeface="+mn-ea"/>
-              <a:sym typeface="+mn-lt"/>
-            </a:endParaRPr>
-          </a:p>
-          <a:p>
-            <a:pPr defTabSz="1085210" eaLnBrk="0" fontAlgn="base" hangingPunct="0">
-              <a:lnSpc>
-                <a:spcPct val="130000"/>
-              </a:lnSpc>
-              <a:spcBef>
-                <a:spcPct val="0"/>
-              </a:spcBef>
-              <a:spcAft>
-                <a:spcPct val="0"/>
-              </a:spcAft>
-              <a:buSzPct val="100000"/>
-            </a:pPr>
-            <a:endParaRPr lang="en-US" altLang="zh-CN" sz="1305" dirty="0">
-              <a:solidFill>
-                <a:srgbClr val="232323">
-                  <a:lumMod val="75000"/>
-                  <a:lumOff val="25000"/>
-                </a:srgbClr>
-              </a:solidFill>
-              <a:cs typeface="+mn-ea"/>
-              <a:sym typeface="+mn-lt"/>
-            </a:endParaRPr>
-          </a:p>
-          <a:p>
-            <a:pPr defTabSz="1085210" eaLnBrk="0" fontAlgn="base" hangingPunct="0">
-              <a:lnSpc>
-                <a:spcPct val="130000"/>
-              </a:lnSpc>
-              <a:spcBef>
-                <a:spcPct val="0"/>
-              </a:spcBef>
-              <a:spcAft>
-                <a:spcPct val="0"/>
-              </a:spcAft>
-              <a:buSzPct val="100000"/>
-            </a:pPr>
-            <a:endParaRPr lang="en-US" altLang="zh-CN" sz="1305" dirty="0" smtClean="0">
-              <a:solidFill>
-                <a:srgbClr val="232323">
-                  <a:lumMod val="75000"/>
-                  <a:lumOff val="25000"/>
-                </a:srgbClr>
-              </a:solidFill>
-              <a:cs typeface="+mn-ea"/>
-              <a:sym typeface="+mn-lt"/>
-            </a:endParaRPr>
-          </a:p>
-          <a:p>
-            <a:pPr defTabSz="1085210" eaLnBrk="0" fontAlgn="base" hangingPunct="0">
-              <a:lnSpc>
-                <a:spcPct val="130000"/>
-              </a:lnSpc>
-              <a:spcBef>
-                <a:spcPct val="0"/>
-              </a:spcBef>
-              <a:spcAft>
-                <a:spcPct val="0"/>
-              </a:spcAft>
-              <a:buSzPct val="100000"/>
-            </a:pPr>
-            <a:endParaRPr lang="en-US" altLang="zh-CN" sz="1305" dirty="0">
-              <a:solidFill>
-                <a:srgbClr val="232323">
-                  <a:lumMod val="75000"/>
-                  <a:lumOff val="25000"/>
-                </a:srgbClr>
-              </a:solidFill>
-              <a:cs typeface="+mn-ea"/>
-              <a:sym typeface="+mn-lt"/>
-            </a:endParaRPr>
-          </a:p>
-          <a:p>
-            <a:pPr defTabSz="1085210" eaLnBrk="0" fontAlgn="base" hangingPunct="0">
-              <a:lnSpc>
-                <a:spcPct val="130000"/>
-              </a:lnSpc>
-              <a:spcBef>
-                <a:spcPct val="0"/>
-              </a:spcBef>
-              <a:spcAft>
-                <a:spcPct val="0"/>
-              </a:spcAft>
-              <a:buSzPct val="100000"/>
-            </a:pPr>
-            <a:endParaRPr lang="en-US" altLang="zh-CN" sz="1305" dirty="0" smtClean="0">
-              <a:solidFill>
-                <a:srgbClr val="232323">
-                  <a:lumMod val="75000"/>
-                  <a:lumOff val="25000"/>
-                </a:srgbClr>
-              </a:solidFill>
-              <a:cs typeface="+mn-ea"/>
-              <a:sym typeface="+mn-lt"/>
-            </a:endParaRPr>
-          </a:p>
-          <a:p>
-            <a:pPr defTabSz="1085210" eaLnBrk="0" fontAlgn="base" hangingPunct="0">
-              <a:lnSpc>
-                <a:spcPct val="130000"/>
-              </a:lnSpc>
-              <a:spcBef>
-                <a:spcPct val="0"/>
-              </a:spcBef>
-              <a:spcAft>
-                <a:spcPct val="0"/>
-              </a:spcAft>
-              <a:buSzPct val="100000"/>
-            </a:pPr>
-            <a:endParaRPr lang="en-US" altLang="zh-CN" sz="1305" dirty="0">
-              <a:solidFill>
-                <a:srgbClr val="232323">
-                  <a:lumMod val="75000"/>
-                  <a:lumOff val="25000"/>
-                </a:srgbClr>
-              </a:solidFill>
-              <a:cs typeface="+mn-ea"/>
-              <a:sym typeface="+mn-lt"/>
-            </a:endParaRPr>
-          </a:p>
-          <a:p>
-            <a:pPr defTabSz="1085210" eaLnBrk="0" fontAlgn="base" hangingPunct="0">
-              <a:lnSpc>
-                <a:spcPct val="130000"/>
-              </a:lnSpc>
-              <a:spcBef>
-                <a:spcPct val="0"/>
-              </a:spcBef>
-              <a:spcAft>
-                <a:spcPct val="0"/>
-              </a:spcAft>
-              <a:buSzPct val="100000"/>
-            </a:pPr>
-            <a:endParaRPr lang="en-US" altLang="zh-CN" sz="1305" dirty="0">
-              <a:solidFill>
-                <a:srgbClr val="232323">
-                  <a:lumMod val="75000"/>
-                  <a:lumOff val="25000"/>
-                </a:srgbClr>
-              </a:solidFill>
-              <a:cs typeface="+mn-ea"/>
-              <a:sym typeface="+mn-lt"/>
-            </a:endParaRPr>
-          </a:p>
-          <a:p>
-            <a:pPr defTabSz="1085210" eaLnBrk="0" fontAlgn="base" hangingPunct="0">
-              <a:lnSpc>
-                <a:spcPct val="130000"/>
-              </a:lnSpc>
-              <a:spcBef>
-                <a:spcPct val="0"/>
-              </a:spcBef>
-              <a:spcAft>
-                <a:spcPct val="0"/>
-              </a:spcAft>
-              <a:buSzPct val="100000"/>
-            </a:pPr>
-            <a:r>
-              <a:rPr lang="zh-CN" altLang="en-US" sz="1305" dirty="0" smtClean="0">
-                <a:solidFill>
-                  <a:srgbClr val="232323">
-                    <a:lumMod val="75000"/>
-                    <a:lumOff val="25000"/>
-                  </a:srgbClr>
-                </a:solidFill>
-                <a:cs typeface="+mn-ea"/>
-                <a:sym typeface="+mn-lt"/>
-              </a:rPr>
-              <a:t>合作</a:t>
-            </a:r>
-            <a:r>
-              <a:rPr lang="zh-CN" altLang="en-US" sz="1305" dirty="0">
-                <a:solidFill>
-                  <a:srgbClr val="232323">
-                    <a:lumMod val="75000"/>
-                    <a:lumOff val="25000"/>
-                  </a:srgbClr>
-                </a:solidFill>
-                <a:cs typeface="+mn-ea"/>
-                <a:sym typeface="+mn-lt"/>
-              </a:rPr>
-              <a:t>方信息（若有）：合作方背景 </a:t>
-            </a:r>
-            <a:r>
-              <a:rPr lang="en-US" altLang="zh-CN" sz="1305" dirty="0">
-                <a:solidFill>
-                  <a:srgbClr val="232323">
-                    <a:lumMod val="75000"/>
-                    <a:lumOff val="25000"/>
-                  </a:srgbClr>
-                </a:solidFill>
-                <a:cs typeface="+mn-ea"/>
-                <a:sym typeface="+mn-lt"/>
-              </a:rPr>
-              <a:t>/ </a:t>
-            </a:r>
-            <a:r>
-              <a:rPr lang="zh-CN" altLang="en-US" sz="1305" dirty="0">
-                <a:solidFill>
-                  <a:srgbClr val="232323">
-                    <a:lumMod val="75000"/>
-                    <a:lumOff val="25000"/>
-                  </a:srgbClr>
-                </a:solidFill>
-                <a:cs typeface="+mn-ea"/>
-                <a:sym typeface="+mn-lt"/>
-              </a:rPr>
-              <a:t>合作模式</a:t>
+              <a:t>LIYOU</a:t>
             </a:r>
             <a:endParaRPr lang="zh-CN" altLang="en-US" sz="1187" dirty="0">
               <a:solidFill>
@@ -22081,7 +21783,7 @@
           <a:graphicData uri="http://schemas.openxmlformats.org/presentationml/2006/ole">
             <mc:AlternateContent xmlns:mc="http://schemas.openxmlformats.org/markup-compatibility/2006">
               <mc:Choice xmlns:v="urn:schemas-microsoft-com:vml" Requires="v">
-                <p:oleObj spid="_x0000_s44077" name="think-cell Slide" r:id="rId5" imgW="416" imgH="416" progId="TCLayout.ActiveDocument.1">
+                <p:oleObj spid="_x0000_s44078" name="think-cell Slide" r:id="rId5" imgW="416" imgH="416" progId="TCLayout.ActiveDocument.1">
                   <p:embed/>
                 </p:oleObj>
               </mc:Choice>
@@ -24911,7 +24613,7 @@
   <a:extraClrSchemeLst/>
   <a:extLst>
     <a:ext uri="{05A4C25C-085E-4340-85A3-A5531E510DB2}">
-      <thm15:themeFamily xmlns:thm15="http://schemas.microsoft.com/office/thememl/2012/main" xmlns="" name="Bentley template 2021.potx" id="{C9F80F40-B2B1-4DB6-919B-71F3AAFFE5B0}" vid="{F9D38CA0-4F02-4029-A6BC-9642EF690A5C}"/>
+      <thm15:themeFamily xmlns="" xmlns:thm15="http://schemas.microsoft.com/office/thememl/2012/main" name="Bentley template 2021.potx" id="{C9F80F40-B2B1-4DB6-919B-71F3AAFFE5B0}" vid="{F9D38CA0-4F02-4029-A6BC-9642EF690A5C}"/>
     </a:ext>
   </a:extLst>
 </a:theme>
@@ -25145,7 +24847,7 @@
   <a:extraClrSchemeLst/>
   <a:extLst>
     <a:ext uri="{05A4C25C-085E-4340-85A3-A5531E510DB2}">
-      <thm15:themeFamily xmlns:thm15="http://schemas.microsoft.com/office/thememl/2012/main" xmlns="" name="Bentley template 2021.potx" id="{C9F80F40-B2B1-4DB6-919B-71F3AAFFE5B0}" vid="{F9D38CA0-4F02-4029-A6BC-9642EF690A5C}"/>
+      <thm15:themeFamily xmlns="" xmlns:thm15="http://schemas.microsoft.com/office/thememl/2012/main" name="Bentley template 2021.potx" id="{C9F80F40-B2B1-4DB6-919B-71F3AAFFE5B0}" vid="{F9D38CA0-4F02-4029-A6BC-9642EF690A5C}"/>
     </a:ext>
   </a:extLst>
 </a:theme>
@@ -25406,7 +25108,7 @@
   <a:extraClrSchemeLst/>
   <a:extLst>
     <a:ext uri="{05A4C25C-085E-4340-85A3-A5531E510DB2}">
-      <thm15:themeFamily xmlns:thm15="http://schemas.microsoft.com/office/thememl/2012/main" xmlns="" name="Office Theme" id="{62F939B6-93AF-4DB8-9C6B-D6C7DFDC589F}" vid="{4A3C46E8-61CC-4603-A589-7422A47A8E4A}"/>
+      <thm15:themeFamily xmlns="" xmlns:thm15="http://schemas.microsoft.com/office/thememl/2012/main" name="Office Theme" id="{62F939B6-93AF-4DB8-9C6B-D6C7DFDC589F}" vid="{4A3C46E8-61CC-4603-A589-7422A47A8E4A}"/>
     </a:ext>
   </a:extLst>
 </a:theme>

--- a/com.yrtech.bentleyAPI/com.yrtech.InventoryAPI/template/PlanOffLine.pptx
+++ b/com.yrtech.bentleyAPI/com.yrtech.InventoryAPI/template/PlanOffLine.pptx
@@ -123,7 +123,7 @@
   </p:defaultTextStyle>
   <p:extLst>
     <p:ext uri="{EFAFB233-063F-42B5-8137-9DF3F51BA10A}">
-      <p15:sldGuideLst xmlns="" xmlns:p15="http://schemas.microsoft.com/office/powerpoint/2012/main">
+      <p15:sldGuideLst xmlns:p15="http://schemas.microsoft.com/office/powerpoint/2012/main">
         <p15:guide id="1" pos="7310" userDrawn="1">
           <p15:clr>
             <a:srgbClr val="A4A3A4"/>
@@ -222,7 +222,7 @@
           <a:p>
             <a:fld id="{69A4D669-94F9-4D70-8C76-4C2D35D4E5D0}" type="datetimeFigureOut">
               <a:rPr lang="en-US" smtClean="0"/>
-              <a:t>4/9/2022</a:t>
+              <a:t>4/16/2022</a:t>
             </a:fld>
             <a:endParaRPr lang="en-US" dirty="0"/>
           </a:p>
@@ -1482,7 +1482,7 @@
           <a:graphicData uri="http://schemas.openxmlformats.org/presentationml/2006/ole">
             <mc:AlternateContent xmlns:mc="http://schemas.openxmlformats.org/markup-compatibility/2006">
               <mc:Choice xmlns:v="urn:schemas-microsoft-com:vml" Requires="v">
-                <p:oleObj spid="_x0000_s32815" name="think-cell Slide" r:id="rId5" imgW="216" imgH="216" progId="TCLayout.ActiveDocument.1">
+                <p:oleObj spid="_x0000_s32816" name="think-cell Slide" r:id="rId5" imgW="216" imgH="216" progId="TCLayout.ActiveDocument.1">
                   <p:embed/>
                 </p:oleObj>
               </mc:Choice>
@@ -1679,7 +1679,7 @@
           <p:cNvPr id="4" name="Footer Placeholder 3">
             <a:extLst>
               <a:ext uri="{FF2B5EF4-FFF2-40B4-BE49-F238E27FC236}">
-                <a16:creationId xmlns="" xmlns:a16="http://schemas.microsoft.com/office/drawing/2014/main" id="{17D6DE4C-D976-4B4B-B087-C035EF8D4F6F}"/>
+                <a16:creationId xmlns:a16="http://schemas.microsoft.com/office/drawing/2014/main" id="{17D6DE4C-D976-4B4B-B087-C035EF8D4F6F}"/>
               </a:ext>
             </a:extLst>
           </p:cNvPr>
@@ -1738,7 +1738,7 @@
           <p:cNvPr id="13" name="Straight Connector 12">
             <a:extLst>
               <a:ext uri="{FF2B5EF4-FFF2-40B4-BE49-F238E27FC236}">
-                <a16:creationId xmlns="" xmlns:a16="http://schemas.microsoft.com/office/drawing/2014/main" id="{95C486A1-9876-924E-85C2-906892F8B9AC}"/>
+                <a16:creationId xmlns:a16="http://schemas.microsoft.com/office/drawing/2014/main" id="{95C486A1-9876-924E-85C2-906892F8B9AC}"/>
               </a:ext>
             </a:extLst>
           </p:cNvPr>
@@ -1781,7 +1781,7 @@
           <p:cNvPr id="17" name="Slide Number Placeholder 5">
             <a:extLst>
               <a:ext uri="{FF2B5EF4-FFF2-40B4-BE49-F238E27FC236}">
-                <a16:creationId xmlns="" xmlns:a16="http://schemas.microsoft.com/office/drawing/2014/main" id="{CC67CD5C-67EC-5144-B858-5347C50D1ACD}"/>
+                <a16:creationId xmlns:a16="http://schemas.microsoft.com/office/drawing/2014/main" id="{CC67CD5C-67EC-5144-B858-5347C50D1ACD}"/>
               </a:ext>
             </a:extLst>
           </p:cNvPr>
@@ -1833,7 +1833,7 @@
           <p:cNvPr id="8" name="Title 7">
             <a:extLst>
               <a:ext uri="{FF2B5EF4-FFF2-40B4-BE49-F238E27FC236}">
-                <a16:creationId xmlns="" xmlns:a16="http://schemas.microsoft.com/office/drawing/2014/main" id="{8A6F1540-D306-D44E-B1B3-1ACCF1041F70}"/>
+                <a16:creationId xmlns:a16="http://schemas.microsoft.com/office/drawing/2014/main" id="{8A6F1540-D306-D44E-B1B3-1ACCF1041F70}"/>
               </a:ext>
             </a:extLst>
           </p:cNvPr>
@@ -2240,7 +2240,7 @@
           <a:graphicData uri="http://schemas.openxmlformats.org/presentationml/2006/ole">
             <mc:AlternateContent xmlns:mc="http://schemas.openxmlformats.org/markup-compatibility/2006">
               <mc:Choice xmlns:v="urn:schemas-microsoft-com:vml" Requires="v">
-                <p:oleObj spid="_x0000_s33839" name="think-cell Slide" r:id="rId4" imgW="216" imgH="216" progId="TCLayout.ActiveDocument.1">
+                <p:oleObj spid="_x0000_s33840" name="think-cell Slide" r:id="rId4" imgW="216" imgH="216" progId="TCLayout.ActiveDocument.1">
                   <p:embed/>
                 </p:oleObj>
               </mc:Choice>
@@ -2366,7 +2366,7 @@
           <p:cNvPr id="8" name="Title 7">
             <a:extLst>
               <a:ext uri="{FF2B5EF4-FFF2-40B4-BE49-F238E27FC236}">
-                <a16:creationId xmlns="" xmlns:a16="http://schemas.microsoft.com/office/drawing/2014/main" id="{8A6F1540-D306-D44E-B1B3-1ACCF1041F70}"/>
+                <a16:creationId xmlns:a16="http://schemas.microsoft.com/office/drawing/2014/main" id="{8A6F1540-D306-D44E-B1B3-1ACCF1041F70}"/>
               </a:ext>
             </a:extLst>
           </p:cNvPr>
@@ -2402,7 +2402,7 @@
           <p:cNvPr id="9" name="Content Placeholder 2">
             <a:extLst>
               <a:ext uri="{FF2B5EF4-FFF2-40B4-BE49-F238E27FC236}">
-                <a16:creationId xmlns="" xmlns:a16="http://schemas.microsoft.com/office/drawing/2014/main" id="{0A7C1352-3D49-F849-9BC3-BC0AF9CD8F04}"/>
+                <a16:creationId xmlns:a16="http://schemas.microsoft.com/office/drawing/2014/main" id="{0A7C1352-3D49-F849-9BC3-BC0AF9CD8F04}"/>
               </a:ext>
             </a:extLst>
           </p:cNvPr>
@@ -2494,7 +2494,7 @@
           <p:cNvPr id="10" name="Content Placeholder 2">
             <a:extLst>
               <a:ext uri="{FF2B5EF4-FFF2-40B4-BE49-F238E27FC236}">
-                <a16:creationId xmlns="" xmlns:a16="http://schemas.microsoft.com/office/drawing/2014/main" id="{D1AA7CFB-7669-2648-A3E1-E647E531399E}"/>
+                <a16:creationId xmlns:a16="http://schemas.microsoft.com/office/drawing/2014/main" id="{D1AA7CFB-7669-2648-A3E1-E647E531399E}"/>
               </a:ext>
             </a:extLst>
           </p:cNvPr>
@@ -2586,7 +2586,7 @@
           <p:cNvPr id="11" name="Content Placeholder 2">
             <a:extLst>
               <a:ext uri="{FF2B5EF4-FFF2-40B4-BE49-F238E27FC236}">
-                <a16:creationId xmlns="" xmlns:a16="http://schemas.microsoft.com/office/drawing/2014/main" id="{2E4B4082-D988-5D43-9C32-2C7F747717ED}"/>
+                <a16:creationId xmlns:a16="http://schemas.microsoft.com/office/drawing/2014/main" id="{2E4B4082-D988-5D43-9C32-2C7F747717ED}"/>
               </a:ext>
             </a:extLst>
           </p:cNvPr>
@@ -2678,7 +2678,7 @@
           <p:cNvPr id="12" name="Content Placeholder 2">
             <a:extLst>
               <a:ext uri="{FF2B5EF4-FFF2-40B4-BE49-F238E27FC236}">
-                <a16:creationId xmlns="" xmlns:a16="http://schemas.microsoft.com/office/drawing/2014/main" id="{45B8DE4D-1F9B-7341-8CB2-D70634815B55}"/>
+                <a16:creationId xmlns:a16="http://schemas.microsoft.com/office/drawing/2014/main" id="{45B8DE4D-1F9B-7341-8CB2-D70634815B55}"/>
               </a:ext>
             </a:extLst>
           </p:cNvPr>
@@ -2770,7 +2770,7 @@
           <p:cNvPr id="14" name="Footer Placeholder 3">
             <a:extLst>
               <a:ext uri="{FF2B5EF4-FFF2-40B4-BE49-F238E27FC236}">
-                <a16:creationId xmlns="" xmlns:a16="http://schemas.microsoft.com/office/drawing/2014/main" id="{DBA440F4-82E0-7E45-8A6F-4A8C7572AEE5}"/>
+                <a16:creationId xmlns:a16="http://schemas.microsoft.com/office/drawing/2014/main" id="{DBA440F4-82E0-7E45-8A6F-4A8C7572AEE5}"/>
               </a:ext>
             </a:extLst>
           </p:cNvPr>
@@ -2829,7 +2829,7 @@
           <p:cNvPr id="15" name="Slide Number Placeholder 5">
             <a:extLst>
               <a:ext uri="{FF2B5EF4-FFF2-40B4-BE49-F238E27FC236}">
-                <a16:creationId xmlns="" xmlns:a16="http://schemas.microsoft.com/office/drawing/2014/main" id="{CC67CD5C-67EC-5144-B858-5347C50D1ACD}"/>
+                <a16:creationId xmlns:a16="http://schemas.microsoft.com/office/drawing/2014/main" id="{CC67CD5C-67EC-5144-B858-5347C50D1ACD}"/>
               </a:ext>
             </a:extLst>
           </p:cNvPr>
@@ -2881,7 +2881,7 @@
           <p:cNvPr id="16" name="Straight Connector 15">
             <a:extLst>
               <a:ext uri="{FF2B5EF4-FFF2-40B4-BE49-F238E27FC236}">
-                <a16:creationId xmlns="" xmlns:a16="http://schemas.microsoft.com/office/drawing/2014/main" id="{95C486A1-9876-924E-85C2-906892F8B9AC}"/>
+                <a16:creationId xmlns:a16="http://schemas.microsoft.com/office/drawing/2014/main" id="{95C486A1-9876-924E-85C2-906892F8B9AC}"/>
               </a:ext>
             </a:extLst>
           </p:cNvPr>
@@ -2977,7 +2977,7 @@
           <a:graphicData uri="http://schemas.openxmlformats.org/presentationml/2006/ole">
             <mc:AlternateContent xmlns:mc="http://schemas.openxmlformats.org/markup-compatibility/2006">
               <mc:Choice xmlns:v="urn:schemas-microsoft-com:vml" Requires="v">
-                <p:oleObj spid="_x0000_s34863" name="think-cell Slide" r:id="rId4" imgW="216" imgH="216" progId="TCLayout.ActiveDocument.1">
+                <p:oleObj spid="_x0000_s34864" name="think-cell Slide" r:id="rId4" imgW="216" imgH="216" progId="TCLayout.ActiveDocument.1">
                   <p:embed/>
                 </p:oleObj>
               </mc:Choice>
@@ -3017,7 +3017,7 @@
           <p:cNvPr id="8" name="Title 7">
             <a:extLst>
               <a:ext uri="{FF2B5EF4-FFF2-40B4-BE49-F238E27FC236}">
-                <a16:creationId xmlns="" xmlns:a16="http://schemas.microsoft.com/office/drawing/2014/main" id="{8A6F1540-D306-D44E-B1B3-1ACCF1041F70}"/>
+                <a16:creationId xmlns:a16="http://schemas.microsoft.com/office/drawing/2014/main" id="{8A6F1540-D306-D44E-B1B3-1ACCF1041F70}"/>
               </a:ext>
             </a:extLst>
           </p:cNvPr>
@@ -3813,7 +3813,7 @@
           <p:cNvPr id="37" name="Footer Placeholder 3">
             <a:extLst>
               <a:ext uri="{FF2B5EF4-FFF2-40B4-BE49-F238E27FC236}">
-                <a16:creationId xmlns="" xmlns:a16="http://schemas.microsoft.com/office/drawing/2014/main" id="{DBA440F4-82E0-7E45-8A6F-4A8C7572AEE5}"/>
+                <a16:creationId xmlns:a16="http://schemas.microsoft.com/office/drawing/2014/main" id="{DBA440F4-82E0-7E45-8A6F-4A8C7572AEE5}"/>
               </a:ext>
             </a:extLst>
           </p:cNvPr>
@@ -3872,7 +3872,7 @@
           <p:cNvPr id="38" name="Slide Number Placeholder 5">
             <a:extLst>
               <a:ext uri="{FF2B5EF4-FFF2-40B4-BE49-F238E27FC236}">
-                <a16:creationId xmlns="" xmlns:a16="http://schemas.microsoft.com/office/drawing/2014/main" id="{CC67CD5C-67EC-5144-B858-5347C50D1ACD}"/>
+                <a16:creationId xmlns:a16="http://schemas.microsoft.com/office/drawing/2014/main" id="{CC67CD5C-67EC-5144-B858-5347C50D1ACD}"/>
               </a:ext>
             </a:extLst>
           </p:cNvPr>
@@ -3924,7 +3924,7 @@
           <p:cNvPr id="39" name="Straight Connector 38">
             <a:extLst>
               <a:ext uri="{FF2B5EF4-FFF2-40B4-BE49-F238E27FC236}">
-                <a16:creationId xmlns="" xmlns:a16="http://schemas.microsoft.com/office/drawing/2014/main" id="{95C486A1-9876-924E-85C2-906892F8B9AC}"/>
+                <a16:creationId xmlns:a16="http://schemas.microsoft.com/office/drawing/2014/main" id="{95C486A1-9876-924E-85C2-906892F8B9AC}"/>
               </a:ext>
             </a:extLst>
           </p:cNvPr>
@@ -4025,7 +4025,7 @@
           <a:graphicData uri="http://schemas.openxmlformats.org/presentationml/2006/ole">
             <mc:AlternateContent xmlns:mc="http://schemas.openxmlformats.org/markup-compatibility/2006">
               <mc:Choice xmlns:v="urn:schemas-microsoft-com:vml" Requires="v">
-                <p:oleObj spid="_x0000_s35887" name="think-cell Slide" r:id="rId5" imgW="216" imgH="216" progId="TCLayout.ActiveDocument.1">
+                <p:oleObj spid="_x0000_s35888" name="think-cell Slide" r:id="rId5" imgW="216" imgH="216" progId="TCLayout.ActiveDocument.1">
                   <p:embed/>
                 </p:oleObj>
               </mc:Choice>
@@ -4242,7 +4242,7 @@
           <p:cNvPr id="4" name="Footer Placeholder 3">
             <a:extLst>
               <a:ext uri="{FF2B5EF4-FFF2-40B4-BE49-F238E27FC236}">
-                <a16:creationId xmlns="" xmlns:a16="http://schemas.microsoft.com/office/drawing/2014/main" id="{17D6DE4C-D976-4B4B-B087-C035EF8D4F6F}"/>
+                <a16:creationId xmlns:a16="http://schemas.microsoft.com/office/drawing/2014/main" id="{17D6DE4C-D976-4B4B-B087-C035EF8D4F6F}"/>
               </a:ext>
             </a:extLst>
           </p:cNvPr>
@@ -4301,7 +4301,7 @@
           <p:cNvPr id="17" name="Slide Number Placeholder 5">
             <a:extLst>
               <a:ext uri="{FF2B5EF4-FFF2-40B4-BE49-F238E27FC236}">
-                <a16:creationId xmlns="" xmlns:a16="http://schemas.microsoft.com/office/drawing/2014/main" id="{CC67CD5C-67EC-5144-B858-5347C50D1ACD}"/>
+                <a16:creationId xmlns:a16="http://schemas.microsoft.com/office/drawing/2014/main" id="{CC67CD5C-67EC-5144-B858-5347C50D1ACD}"/>
               </a:ext>
             </a:extLst>
           </p:cNvPr>
@@ -4353,7 +4353,7 @@
           <p:cNvPr id="8" name="Title 7">
             <a:extLst>
               <a:ext uri="{FF2B5EF4-FFF2-40B4-BE49-F238E27FC236}">
-                <a16:creationId xmlns="" xmlns:a16="http://schemas.microsoft.com/office/drawing/2014/main" id="{8A6F1540-D306-D44E-B1B3-1ACCF1041F70}"/>
+                <a16:creationId xmlns:a16="http://schemas.microsoft.com/office/drawing/2014/main" id="{8A6F1540-D306-D44E-B1B3-1ACCF1041F70}"/>
               </a:ext>
             </a:extLst>
           </p:cNvPr>
@@ -4397,7 +4397,7 @@
           <p:cNvPr id="9" name="Straight Connector 8">
             <a:extLst>
               <a:ext uri="{FF2B5EF4-FFF2-40B4-BE49-F238E27FC236}">
-                <a16:creationId xmlns="" xmlns:a16="http://schemas.microsoft.com/office/drawing/2014/main" id="{BB1AA2BE-B537-254D-958A-FBAFDE7E90DC}"/>
+                <a16:creationId xmlns:a16="http://schemas.microsoft.com/office/drawing/2014/main" id="{BB1AA2BE-B537-254D-958A-FBAFDE7E90DC}"/>
               </a:ext>
             </a:extLst>
           </p:cNvPr>
@@ -4440,7 +4440,7 @@
           <p:cNvPr id="10" name="Straight Connector 9">
             <a:extLst>
               <a:ext uri="{FF2B5EF4-FFF2-40B4-BE49-F238E27FC236}">
-                <a16:creationId xmlns="" xmlns:a16="http://schemas.microsoft.com/office/drawing/2014/main" id="{95C486A1-9876-924E-85C2-906892F8B9AC}"/>
+                <a16:creationId xmlns:a16="http://schemas.microsoft.com/office/drawing/2014/main" id="{95C486A1-9876-924E-85C2-906892F8B9AC}"/>
               </a:ext>
             </a:extLst>
           </p:cNvPr>
@@ -4544,7 +4544,7 @@
           <a:graphicData uri="http://schemas.openxmlformats.org/presentationml/2006/ole">
             <mc:AlternateContent xmlns:mc="http://schemas.openxmlformats.org/markup-compatibility/2006">
               <mc:Choice xmlns:v="urn:schemas-microsoft-com:vml" Requires="v">
-                <p:oleObj spid="_x0000_s45085" name="think-cell Slide" r:id="rId4" imgW="216" imgH="216" progId="TCLayout.ActiveDocument.1">
+                <p:oleObj spid="_x0000_s45086" name="think-cell Slide" r:id="rId4" imgW="216" imgH="216" progId="TCLayout.ActiveDocument.1">
                   <p:embed/>
                 </p:oleObj>
               </mc:Choice>
@@ -4630,7 +4630,7 @@
           <a:graphicData uri="http://schemas.openxmlformats.org/presentationml/2006/ole">
             <mc:AlternateContent xmlns:mc="http://schemas.openxmlformats.org/markup-compatibility/2006">
               <mc:Choice xmlns:v="urn:schemas-microsoft-com:vml" Requires="v">
-                <p:oleObj spid="_x0000_s37935" name="think-cell Slide" r:id="rId5" imgW="216" imgH="216" progId="TCLayout.ActiveDocument.1">
+                <p:oleObj spid="_x0000_s37936" name="think-cell Slide" r:id="rId5" imgW="216" imgH="216" progId="TCLayout.ActiveDocument.1">
                   <p:embed/>
                 </p:oleObj>
               </mc:Choice>
@@ -4827,7 +4827,7 @@
           <p:cNvPr id="4" name="Footer Placeholder 3">
             <a:extLst>
               <a:ext uri="{FF2B5EF4-FFF2-40B4-BE49-F238E27FC236}">
-                <a16:creationId xmlns="" xmlns:a16="http://schemas.microsoft.com/office/drawing/2014/main" id="{17D6DE4C-D976-4B4B-B087-C035EF8D4F6F}"/>
+                <a16:creationId xmlns:a16="http://schemas.microsoft.com/office/drawing/2014/main" id="{17D6DE4C-D976-4B4B-B087-C035EF8D4F6F}"/>
               </a:ext>
             </a:extLst>
           </p:cNvPr>
@@ -4886,7 +4886,7 @@
           <p:cNvPr id="13" name="Straight Connector 12">
             <a:extLst>
               <a:ext uri="{FF2B5EF4-FFF2-40B4-BE49-F238E27FC236}">
-                <a16:creationId xmlns="" xmlns:a16="http://schemas.microsoft.com/office/drawing/2014/main" id="{95C486A1-9876-924E-85C2-906892F8B9AC}"/>
+                <a16:creationId xmlns:a16="http://schemas.microsoft.com/office/drawing/2014/main" id="{95C486A1-9876-924E-85C2-906892F8B9AC}"/>
               </a:ext>
             </a:extLst>
           </p:cNvPr>
@@ -4929,7 +4929,7 @@
           <p:cNvPr id="17" name="Slide Number Placeholder 5">
             <a:extLst>
               <a:ext uri="{FF2B5EF4-FFF2-40B4-BE49-F238E27FC236}">
-                <a16:creationId xmlns="" xmlns:a16="http://schemas.microsoft.com/office/drawing/2014/main" id="{CC67CD5C-67EC-5144-B858-5347C50D1ACD}"/>
+                <a16:creationId xmlns:a16="http://schemas.microsoft.com/office/drawing/2014/main" id="{CC67CD5C-67EC-5144-B858-5347C50D1ACD}"/>
               </a:ext>
             </a:extLst>
           </p:cNvPr>
@@ -4981,7 +4981,7 @@
           <p:cNvPr id="8" name="Title 7">
             <a:extLst>
               <a:ext uri="{FF2B5EF4-FFF2-40B4-BE49-F238E27FC236}">
-                <a16:creationId xmlns="" xmlns:a16="http://schemas.microsoft.com/office/drawing/2014/main" id="{8A6F1540-D306-D44E-B1B3-1ACCF1041F70}"/>
+                <a16:creationId xmlns:a16="http://schemas.microsoft.com/office/drawing/2014/main" id="{8A6F1540-D306-D44E-B1B3-1ACCF1041F70}"/>
               </a:ext>
             </a:extLst>
           </p:cNvPr>
@@ -5107,7 +5107,7 @@
           <a:graphicData uri="http://schemas.openxmlformats.org/presentationml/2006/ole">
             <mc:AlternateContent xmlns:mc="http://schemas.openxmlformats.org/markup-compatibility/2006">
               <mc:Choice xmlns:v="urn:schemas-microsoft-com:vml" Requires="v">
-                <p:oleObj spid="_x0000_s38959" name="think-cell Slide" r:id="rId4" imgW="216" imgH="216" progId="TCLayout.ActiveDocument.1">
+                <p:oleObj spid="_x0000_s38960" name="think-cell Slide" r:id="rId4" imgW="216" imgH="216" progId="TCLayout.ActiveDocument.1">
                   <p:embed/>
                 </p:oleObj>
               </mc:Choice>
@@ -5233,7 +5233,7 @@
           <p:cNvPr id="8" name="Title 7">
             <a:extLst>
               <a:ext uri="{FF2B5EF4-FFF2-40B4-BE49-F238E27FC236}">
-                <a16:creationId xmlns="" xmlns:a16="http://schemas.microsoft.com/office/drawing/2014/main" id="{8A6F1540-D306-D44E-B1B3-1ACCF1041F70}"/>
+                <a16:creationId xmlns:a16="http://schemas.microsoft.com/office/drawing/2014/main" id="{8A6F1540-D306-D44E-B1B3-1ACCF1041F70}"/>
               </a:ext>
             </a:extLst>
           </p:cNvPr>
@@ -5269,7 +5269,7 @@
           <p:cNvPr id="9" name="Content Placeholder 2">
             <a:extLst>
               <a:ext uri="{FF2B5EF4-FFF2-40B4-BE49-F238E27FC236}">
-                <a16:creationId xmlns="" xmlns:a16="http://schemas.microsoft.com/office/drawing/2014/main" id="{0A7C1352-3D49-F849-9BC3-BC0AF9CD8F04}"/>
+                <a16:creationId xmlns:a16="http://schemas.microsoft.com/office/drawing/2014/main" id="{0A7C1352-3D49-F849-9BC3-BC0AF9CD8F04}"/>
               </a:ext>
             </a:extLst>
           </p:cNvPr>
@@ -5361,7 +5361,7 @@
           <p:cNvPr id="10" name="Content Placeholder 2">
             <a:extLst>
               <a:ext uri="{FF2B5EF4-FFF2-40B4-BE49-F238E27FC236}">
-                <a16:creationId xmlns="" xmlns:a16="http://schemas.microsoft.com/office/drawing/2014/main" id="{D1AA7CFB-7669-2648-A3E1-E647E531399E}"/>
+                <a16:creationId xmlns:a16="http://schemas.microsoft.com/office/drawing/2014/main" id="{D1AA7CFB-7669-2648-A3E1-E647E531399E}"/>
               </a:ext>
             </a:extLst>
           </p:cNvPr>
@@ -5453,7 +5453,7 @@
           <p:cNvPr id="11" name="Content Placeholder 2">
             <a:extLst>
               <a:ext uri="{FF2B5EF4-FFF2-40B4-BE49-F238E27FC236}">
-                <a16:creationId xmlns="" xmlns:a16="http://schemas.microsoft.com/office/drawing/2014/main" id="{2E4B4082-D988-5D43-9C32-2C7F747717ED}"/>
+                <a16:creationId xmlns:a16="http://schemas.microsoft.com/office/drawing/2014/main" id="{2E4B4082-D988-5D43-9C32-2C7F747717ED}"/>
               </a:ext>
             </a:extLst>
           </p:cNvPr>
@@ -5545,7 +5545,7 @@
           <p:cNvPr id="12" name="Content Placeholder 2">
             <a:extLst>
               <a:ext uri="{FF2B5EF4-FFF2-40B4-BE49-F238E27FC236}">
-                <a16:creationId xmlns="" xmlns:a16="http://schemas.microsoft.com/office/drawing/2014/main" id="{45B8DE4D-1F9B-7341-8CB2-D70634815B55}"/>
+                <a16:creationId xmlns:a16="http://schemas.microsoft.com/office/drawing/2014/main" id="{45B8DE4D-1F9B-7341-8CB2-D70634815B55}"/>
               </a:ext>
             </a:extLst>
           </p:cNvPr>
@@ -5637,7 +5637,7 @@
           <p:cNvPr id="14" name="Footer Placeholder 3">
             <a:extLst>
               <a:ext uri="{FF2B5EF4-FFF2-40B4-BE49-F238E27FC236}">
-                <a16:creationId xmlns="" xmlns:a16="http://schemas.microsoft.com/office/drawing/2014/main" id="{DBA440F4-82E0-7E45-8A6F-4A8C7572AEE5}"/>
+                <a16:creationId xmlns:a16="http://schemas.microsoft.com/office/drawing/2014/main" id="{DBA440F4-82E0-7E45-8A6F-4A8C7572AEE5}"/>
               </a:ext>
             </a:extLst>
           </p:cNvPr>
@@ -5696,7 +5696,7 @@
           <p:cNvPr id="15" name="Slide Number Placeholder 5">
             <a:extLst>
               <a:ext uri="{FF2B5EF4-FFF2-40B4-BE49-F238E27FC236}">
-                <a16:creationId xmlns="" xmlns:a16="http://schemas.microsoft.com/office/drawing/2014/main" id="{CC67CD5C-67EC-5144-B858-5347C50D1ACD}"/>
+                <a16:creationId xmlns:a16="http://schemas.microsoft.com/office/drawing/2014/main" id="{CC67CD5C-67EC-5144-B858-5347C50D1ACD}"/>
               </a:ext>
             </a:extLst>
           </p:cNvPr>
@@ -5748,7 +5748,7 @@
           <p:cNvPr id="16" name="Straight Connector 15">
             <a:extLst>
               <a:ext uri="{FF2B5EF4-FFF2-40B4-BE49-F238E27FC236}">
-                <a16:creationId xmlns="" xmlns:a16="http://schemas.microsoft.com/office/drawing/2014/main" id="{95C486A1-9876-924E-85C2-906892F8B9AC}"/>
+                <a16:creationId xmlns:a16="http://schemas.microsoft.com/office/drawing/2014/main" id="{95C486A1-9876-924E-85C2-906892F8B9AC}"/>
               </a:ext>
             </a:extLst>
           </p:cNvPr>
@@ -5844,7 +5844,7 @@
           <a:graphicData uri="http://schemas.openxmlformats.org/presentationml/2006/ole">
             <mc:AlternateContent xmlns:mc="http://schemas.openxmlformats.org/markup-compatibility/2006">
               <mc:Choice xmlns:v="urn:schemas-microsoft-com:vml" Requires="v">
-                <p:oleObj spid="_x0000_s39983" name="think-cell Slide" r:id="rId4" imgW="216" imgH="216" progId="TCLayout.ActiveDocument.1">
+                <p:oleObj spid="_x0000_s39984" name="think-cell Slide" r:id="rId4" imgW="216" imgH="216" progId="TCLayout.ActiveDocument.1">
                   <p:embed/>
                 </p:oleObj>
               </mc:Choice>
@@ -5884,7 +5884,7 @@
           <p:cNvPr id="8" name="Title 7">
             <a:extLst>
               <a:ext uri="{FF2B5EF4-FFF2-40B4-BE49-F238E27FC236}">
-                <a16:creationId xmlns="" xmlns:a16="http://schemas.microsoft.com/office/drawing/2014/main" id="{8A6F1540-D306-D44E-B1B3-1ACCF1041F70}"/>
+                <a16:creationId xmlns:a16="http://schemas.microsoft.com/office/drawing/2014/main" id="{8A6F1540-D306-D44E-B1B3-1ACCF1041F70}"/>
               </a:ext>
             </a:extLst>
           </p:cNvPr>
@@ -6680,7 +6680,7 @@
           <p:cNvPr id="37" name="Footer Placeholder 3">
             <a:extLst>
               <a:ext uri="{FF2B5EF4-FFF2-40B4-BE49-F238E27FC236}">
-                <a16:creationId xmlns="" xmlns:a16="http://schemas.microsoft.com/office/drawing/2014/main" id="{DBA440F4-82E0-7E45-8A6F-4A8C7572AEE5}"/>
+                <a16:creationId xmlns:a16="http://schemas.microsoft.com/office/drawing/2014/main" id="{DBA440F4-82E0-7E45-8A6F-4A8C7572AEE5}"/>
               </a:ext>
             </a:extLst>
           </p:cNvPr>
@@ -6739,7 +6739,7 @@
           <p:cNvPr id="38" name="Slide Number Placeholder 5">
             <a:extLst>
               <a:ext uri="{FF2B5EF4-FFF2-40B4-BE49-F238E27FC236}">
-                <a16:creationId xmlns="" xmlns:a16="http://schemas.microsoft.com/office/drawing/2014/main" id="{CC67CD5C-67EC-5144-B858-5347C50D1ACD}"/>
+                <a16:creationId xmlns:a16="http://schemas.microsoft.com/office/drawing/2014/main" id="{CC67CD5C-67EC-5144-B858-5347C50D1ACD}"/>
               </a:ext>
             </a:extLst>
           </p:cNvPr>
@@ -6791,7 +6791,7 @@
           <p:cNvPr id="39" name="Straight Connector 38">
             <a:extLst>
               <a:ext uri="{FF2B5EF4-FFF2-40B4-BE49-F238E27FC236}">
-                <a16:creationId xmlns="" xmlns:a16="http://schemas.microsoft.com/office/drawing/2014/main" id="{95C486A1-9876-924E-85C2-906892F8B9AC}"/>
+                <a16:creationId xmlns:a16="http://schemas.microsoft.com/office/drawing/2014/main" id="{95C486A1-9876-924E-85C2-906892F8B9AC}"/>
               </a:ext>
             </a:extLst>
           </p:cNvPr>
@@ -6892,7 +6892,7 @@
           <a:graphicData uri="http://schemas.openxmlformats.org/presentationml/2006/ole">
             <mc:AlternateContent xmlns:mc="http://schemas.openxmlformats.org/markup-compatibility/2006">
               <mc:Choice xmlns:v="urn:schemas-microsoft-com:vml" Requires="v">
-                <p:oleObj spid="_x0000_s41007" name="think-cell Slide" r:id="rId5" imgW="216" imgH="216" progId="TCLayout.ActiveDocument.1">
+                <p:oleObj spid="_x0000_s41008" name="think-cell Slide" r:id="rId5" imgW="216" imgH="216" progId="TCLayout.ActiveDocument.1">
                   <p:embed/>
                 </p:oleObj>
               </mc:Choice>
@@ -7109,7 +7109,7 @@
           <p:cNvPr id="4" name="Footer Placeholder 3">
             <a:extLst>
               <a:ext uri="{FF2B5EF4-FFF2-40B4-BE49-F238E27FC236}">
-                <a16:creationId xmlns="" xmlns:a16="http://schemas.microsoft.com/office/drawing/2014/main" id="{17D6DE4C-D976-4B4B-B087-C035EF8D4F6F}"/>
+                <a16:creationId xmlns:a16="http://schemas.microsoft.com/office/drawing/2014/main" id="{17D6DE4C-D976-4B4B-B087-C035EF8D4F6F}"/>
               </a:ext>
             </a:extLst>
           </p:cNvPr>
@@ -7168,7 +7168,7 @@
           <p:cNvPr id="17" name="Slide Number Placeholder 5">
             <a:extLst>
               <a:ext uri="{FF2B5EF4-FFF2-40B4-BE49-F238E27FC236}">
-                <a16:creationId xmlns="" xmlns:a16="http://schemas.microsoft.com/office/drawing/2014/main" id="{CC67CD5C-67EC-5144-B858-5347C50D1ACD}"/>
+                <a16:creationId xmlns:a16="http://schemas.microsoft.com/office/drawing/2014/main" id="{CC67CD5C-67EC-5144-B858-5347C50D1ACD}"/>
               </a:ext>
             </a:extLst>
           </p:cNvPr>
@@ -7220,7 +7220,7 @@
           <p:cNvPr id="8" name="Title 7">
             <a:extLst>
               <a:ext uri="{FF2B5EF4-FFF2-40B4-BE49-F238E27FC236}">
-                <a16:creationId xmlns="" xmlns:a16="http://schemas.microsoft.com/office/drawing/2014/main" id="{8A6F1540-D306-D44E-B1B3-1ACCF1041F70}"/>
+                <a16:creationId xmlns:a16="http://schemas.microsoft.com/office/drawing/2014/main" id="{8A6F1540-D306-D44E-B1B3-1ACCF1041F70}"/>
               </a:ext>
             </a:extLst>
           </p:cNvPr>
@@ -7264,7 +7264,7 @@
           <p:cNvPr id="9" name="Straight Connector 8">
             <a:extLst>
               <a:ext uri="{FF2B5EF4-FFF2-40B4-BE49-F238E27FC236}">
-                <a16:creationId xmlns="" xmlns:a16="http://schemas.microsoft.com/office/drawing/2014/main" id="{BB1AA2BE-B537-254D-958A-FBAFDE7E90DC}"/>
+                <a16:creationId xmlns:a16="http://schemas.microsoft.com/office/drawing/2014/main" id="{BB1AA2BE-B537-254D-958A-FBAFDE7E90DC}"/>
               </a:ext>
             </a:extLst>
           </p:cNvPr>
@@ -7307,7 +7307,7 @@
           <p:cNvPr id="10" name="Straight Connector 9">
             <a:extLst>
               <a:ext uri="{FF2B5EF4-FFF2-40B4-BE49-F238E27FC236}">
-                <a16:creationId xmlns="" xmlns:a16="http://schemas.microsoft.com/office/drawing/2014/main" id="{95C486A1-9876-924E-85C2-906892F8B9AC}"/>
+                <a16:creationId xmlns:a16="http://schemas.microsoft.com/office/drawing/2014/main" id="{95C486A1-9876-924E-85C2-906892F8B9AC}"/>
               </a:ext>
             </a:extLst>
           </p:cNvPr>
@@ -7412,7 +7412,7 @@
           <a:graphicData uri="http://schemas.openxmlformats.org/presentationml/2006/ole">
             <mc:AlternateContent xmlns:mc="http://schemas.openxmlformats.org/markup-compatibility/2006">
               <mc:Choice xmlns:v="urn:schemas-microsoft-com:vml" Requires="v">
-                <p:oleObj spid="_x0000_s31791" name="think-cell Slide" r:id="rId10" imgW="216" imgH="216" progId="TCLayout.ActiveDocument.1">
+                <p:oleObj spid="_x0000_s31792" name="think-cell Slide" r:id="rId10" imgW="216" imgH="216" progId="TCLayout.ActiveDocument.1">
                   <p:embed/>
                 </p:oleObj>
               </mc:Choice>
@@ -7532,7 +7532,7 @@
           <p:cNvPr id="10" name="Straight Connector 9">
             <a:extLst>
               <a:ext uri="{FF2B5EF4-FFF2-40B4-BE49-F238E27FC236}">
-                <a16:creationId xmlns="" xmlns:a16="http://schemas.microsoft.com/office/drawing/2014/main" id="{BB1AA2BE-B537-254D-958A-FBAFDE7E90DC}"/>
+                <a16:creationId xmlns:a16="http://schemas.microsoft.com/office/drawing/2014/main" id="{BB1AA2BE-B537-254D-958A-FBAFDE7E90DC}"/>
               </a:ext>
             </a:extLst>
           </p:cNvPr>
@@ -7575,7 +7575,7 @@
           <p:cNvPr id="15" name="Footer Placeholder 3">
             <a:extLst>
               <a:ext uri="{FF2B5EF4-FFF2-40B4-BE49-F238E27FC236}">
-                <a16:creationId xmlns="" xmlns:a16="http://schemas.microsoft.com/office/drawing/2014/main" id="{DBA440F4-82E0-7E45-8A6F-4A8C7572AEE5}"/>
+                <a16:creationId xmlns:a16="http://schemas.microsoft.com/office/drawing/2014/main" id="{DBA440F4-82E0-7E45-8A6F-4A8C7572AEE5}"/>
               </a:ext>
             </a:extLst>
           </p:cNvPr>
@@ -7634,7 +7634,7 @@
           <p:cNvPr id="16" name="Slide Number Placeholder 5">
             <a:extLst>
               <a:ext uri="{FF2B5EF4-FFF2-40B4-BE49-F238E27FC236}">
-                <a16:creationId xmlns="" xmlns:a16="http://schemas.microsoft.com/office/drawing/2014/main" id="{2D9636C8-FF6B-E141-B9E1-70C7091B23B1}"/>
+                <a16:creationId xmlns:a16="http://schemas.microsoft.com/office/drawing/2014/main" id="{2D9636C8-FF6B-E141-B9E1-70C7091B23B1}"/>
               </a:ext>
             </a:extLst>
           </p:cNvPr>
@@ -8001,7 +8001,7 @@
   </p:txStyles>
   <p:extLst mod="1">
     <p:ext uri="{27BBF7A9-308A-43DC-89C8-2F10F3537804}">
-      <p15:sldGuideLst xmlns="" xmlns:p15="http://schemas.microsoft.com/office/powerpoint/2012/main">
+      <p15:sldGuideLst xmlns:p15="http://schemas.microsoft.com/office/powerpoint/2012/main">
         <p15:guide id="1" orient="horz" pos="2041">
           <p15:clr>
             <a:srgbClr val="F26B43"/>
@@ -8170,7 +8170,7 @@
           <a:graphicData uri="http://schemas.openxmlformats.org/presentationml/2006/ole">
             <mc:AlternateContent xmlns:mc="http://schemas.openxmlformats.org/markup-compatibility/2006">
               <mc:Choice xmlns:v="urn:schemas-microsoft-com:vml" Requires="v">
-                <p:oleObj spid="_x0000_s36912" name="think-cell Slide" r:id="rId10" imgW="216" imgH="216" progId="TCLayout.ActiveDocument.1">
+                <p:oleObj spid="_x0000_s36913" name="think-cell Slide" r:id="rId10" imgW="216" imgH="216" progId="TCLayout.ActiveDocument.1">
                   <p:embed/>
                 </p:oleObj>
               </mc:Choice>
@@ -8290,7 +8290,7 @@
           <p:cNvPr id="10" name="Straight Connector 9">
             <a:extLst>
               <a:ext uri="{FF2B5EF4-FFF2-40B4-BE49-F238E27FC236}">
-                <a16:creationId xmlns="" xmlns:a16="http://schemas.microsoft.com/office/drawing/2014/main" id="{BB1AA2BE-B537-254D-958A-FBAFDE7E90DC}"/>
+                <a16:creationId xmlns:a16="http://schemas.microsoft.com/office/drawing/2014/main" id="{BB1AA2BE-B537-254D-958A-FBAFDE7E90DC}"/>
               </a:ext>
             </a:extLst>
           </p:cNvPr>
@@ -8333,7 +8333,7 @@
           <p:cNvPr id="15" name="Footer Placeholder 3">
             <a:extLst>
               <a:ext uri="{FF2B5EF4-FFF2-40B4-BE49-F238E27FC236}">
-                <a16:creationId xmlns="" xmlns:a16="http://schemas.microsoft.com/office/drawing/2014/main" id="{DBA440F4-82E0-7E45-8A6F-4A8C7572AEE5}"/>
+                <a16:creationId xmlns:a16="http://schemas.microsoft.com/office/drawing/2014/main" id="{DBA440F4-82E0-7E45-8A6F-4A8C7572AEE5}"/>
               </a:ext>
             </a:extLst>
           </p:cNvPr>
@@ -8392,7 +8392,7 @@
           <p:cNvPr id="16" name="Slide Number Placeholder 5">
             <a:extLst>
               <a:ext uri="{FF2B5EF4-FFF2-40B4-BE49-F238E27FC236}">
-                <a16:creationId xmlns="" xmlns:a16="http://schemas.microsoft.com/office/drawing/2014/main" id="{2D9636C8-FF6B-E141-B9E1-70C7091B23B1}"/>
+                <a16:creationId xmlns:a16="http://schemas.microsoft.com/office/drawing/2014/main" id="{2D9636C8-FF6B-E141-B9E1-70C7091B23B1}"/>
               </a:ext>
             </a:extLst>
           </p:cNvPr>
@@ -8759,7 +8759,7 @@
   </p:txStyles>
   <p:extLst mod="1">
     <p:ext uri="{27BBF7A9-308A-43DC-89C8-2F10F3537804}">
-      <p15:sldGuideLst xmlns="" xmlns:p15="http://schemas.microsoft.com/office/powerpoint/2012/main">
+      <p15:sldGuideLst xmlns:p15="http://schemas.microsoft.com/office/powerpoint/2012/main">
         <p15:guide id="1" orient="horz" pos="2041">
           <p15:clr>
             <a:srgbClr val="F26B43"/>
@@ -10043,7 +10043,7 @@
           <p:nvPr>
             <p:extLst>
               <p:ext uri="{D42A27DB-BD31-4B8C-83A1-F6EECF244321}">
-                <p14:modId xmlns:p14="http://schemas.microsoft.com/office/powerpoint/2010/main" val="136459136"/>
+                <p14:modId xmlns:p14="http://schemas.microsoft.com/office/powerpoint/2010/main" val="1501804723"/>
               </p:ext>
             </p:extLst>
           </p:nvPr>
@@ -10059,29 +10059,142 @@
                 <a:tableStyleId>{5C22544A-7EE6-4342-B048-85BDC9FD1C3A}</a:tableStyleId>
               </a:tblPr>
               <a:tblGrid>
-                <a:gridCol w="2878070">
+                <a:gridCol w="2282607">
                   <a:extLst>
                     <a:ext uri="{9D8B030D-6E8A-4147-A177-3AD203B41FA5}">
-                      <a16:colId xmlns="" xmlns:a16="http://schemas.microsoft.com/office/drawing/2014/main" val="20000"/>
+                      <a16:colId xmlns:a16="http://schemas.microsoft.com/office/drawing/2014/main" val="3496894346"/>
                     </a:ext>
                   </a:extLst>
                 </a:gridCol>
-                <a:gridCol w="4077266">
+                <a:gridCol w="2282607">
                   <a:extLst>
                     <a:ext uri="{9D8B030D-6E8A-4147-A177-3AD203B41FA5}">
-                      <a16:colId xmlns="" xmlns:a16="http://schemas.microsoft.com/office/drawing/2014/main" val="20001"/>
+                      <a16:colId xmlns:a16="http://schemas.microsoft.com/office/drawing/2014/main" val="20000"/>
                     </a:ext>
                   </a:extLst>
                 </a:gridCol>
-                <a:gridCol w="4077266">
+                <a:gridCol w="3233694">
                   <a:extLst>
                     <a:ext uri="{9D8B030D-6E8A-4147-A177-3AD203B41FA5}">
-                      <a16:colId xmlns="" xmlns:a16="http://schemas.microsoft.com/office/drawing/2014/main" val="610373499"/>
+                      <a16:colId xmlns:a16="http://schemas.microsoft.com/office/drawing/2014/main" val="20001"/>
+                    </a:ext>
+                  </a:extLst>
+                </a:gridCol>
+                <a:gridCol w="3233694">
+                  <a:extLst>
+                    <a:ext uri="{9D8B030D-6E8A-4147-A177-3AD203B41FA5}">
+                      <a16:colId xmlns:a16="http://schemas.microsoft.com/office/drawing/2014/main" val="610373499"/>
                     </a:ext>
                   </a:extLst>
                 </a:gridCol>
               </a:tblGrid>
               <a:tr h="441918">
+                <a:tc>
+                  <a:txBody>
+                    <a:bodyPr/>
+                    <a:lstStyle/>
+                    <a:p>
+                      <a:pPr marL="0" marR="0" lvl="0" indent="0" algn="ctr" defTabSz="685792" rtl="0" eaLnBrk="1" fontAlgn="auto" latinLnBrk="0" hangingPunct="1">
+                        <a:lnSpc>
+                          <a:spcPct val="130000"/>
+                        </a:lnSpc>
+                        <a:spcBef>
+                          <a:spcPts val="0"/>
+                        </a:spcBef>
+                        <a:spcAft>
+                          <a:spcPts val="0"/>
+                        </a:spcAft>
+                        <a:buClrTx/>
+                        <a:buSzTx/>
+                        <a:buFontTx/>
+                        <a:buNone/>
+                        <a:tabLst/>
+                        <a:defRPr/>
+                      </a:pPr>
+                      <a:r>
+                        <a:rPr lang="en-US" altLang="zh-CN" sz="1400" b="1" kern="1200" dirty="0" err="1" smtClean="0">
+                          <a:solidFill>
+                            <a:schemeClr val="lt1"/>
+                          </a:solidFill>
+                          <a:latin typeface="+mn-lt"/>
+                          <a:ea typeface="+mn-ea"/>
+                          <a:cs typeface="+mn-ea"/>
+                          <a:sym typeface="+mn-lt"/>
+                        </a:rPr>
+                        <a:t>StartTime</a:t>
+                      </a:r>
+                      <a:r>
+                        <a:rPr lang="en-US" altLang="zh-CN" sz="1400" b="1" kern="1200" dirty="0" smtClean="0">
+                          <a:solidFill>
+                            <a:schemeClr val="lt1"/>
+                          </a:solidFill>
+                          <a:latin typeface="+mn-lt"/>
+                          <a:ea typeface="+mn-ea"/>
+                          <a:cs typeface="+mn-ea"/>
+                          <a:sym typeface="+mn-lt"/>
+                        </a:rPr>
+                        <a:t> </a:t>
+                      </a:r>
+                      <a:r>
+                        <a:rPr lang="zh-CN" altLang="en-US" sz="1400" b="1" kern="1200" dirty="0" smtClean="0">
+                          <a:solidFill>
+                            <a:schemeClr val="lt1"/>
+                          </a:solidFill>
+                          <a:latin typeface="+mn-lt"/>
+                          <a:ea typeface="+mn-ea"/>
+                          <a:cs typeface="+mn-ea"/>
+                          <a:sym typeface="+mn-lt"/>
+                        </a:rPr>
+                        <a:t>时间</a:t>
+                      </a:r>
+                    </a:p>
+                  </a:txBody>
+                  <a:tcPr marL="108522" marR="108522" marT="54261" marB="54261" anchor="ctr">
+                    <a:lnL w="57150" cap="flat" cmpd="sng" algn="ctr">
+                      <a:noFill/>
+                      <a:prstDash val="solid"/>
+                      <a:round/>
+                      <a:headEnd type="none" w="med" len="med"/>
+                      <a:tailEnd type="none" w="med" len="med"/>
+                    </a:lnL>
+                    <a:lnR w="12700" cap="flat" cmpd="sng" algn="ctr">
+                      <a:solidFill>
+                        <a:schemeClr val="bg1"/>
+                      </a:solidFill>
+                      <a:prstDash val="solid"/>
+                      <a:round/>
+                      <a:headEnd type="none" w="med" len="med"/>
+                      <a:tailEnd type="none" w="med" len="med"/>
+                    </a:lnR>
+                    <a:lnT w="38100" cap="flat" cmpd="sng" algn="ctr">
+                      <a:noFill/>
+                      <a:prstDash val="solid"/>
+                      <a:round/>
+                      <a:headEnd type="none" w="med" len="med"/>
+                      <a:tailEnd type="none" w="med" len="med"/>
+                    </a:lnT>
+                    <a:lnB w="6350" cap="flat" cmpd="sng" algn="ctr">
+                      <a:noFill/>
+                      <a:prstDash val="solid"/>
+                      <a:round/>
+                      <a:headEnd type="none" w="med" len="med"/>
+                      <a:tailEnd type="none" w="med" len="med"/>
+                    </a:lnB>
+                    <a:lnTlToBr w="12700" cmpd="sng">
+                      <a:noFill/>
+                      <a:prstDash val="solid"/>
+                    </a:lnTlToBr>
+                    <a:lnBlToTr w="12700" cmpd="sng">
+                      <a:noFill/>
+                      <a:prstDash val="solid"/>
+                    </a:lnBlToTr>
+                    <a:solidFill>
+                      <a:schemeClr val="accent1">
+                        <a:lumMod val="50000"/>
+                      </a:schemeClr>
+                    </a:solidFill>
+                  </a:tcPr>
+                </a:tc>
                 <a:tc>
                   <a:txBody>
                     <a:bodyPr/>
@@ -10093,6 +10206,18 @@
                         </a:lnSpc>
                       </a:pPr>
                       <a:r>
+                        <a:rPr lang="en-US" altLang="zh-CN" sz="1400" b="1" kern="1200" dirty="0" err="1" smtClean="0">
+                          <a:solidFill>
+                            <a:schemeClr val="lt1"/>
+                          </a:solidFill>
+                          <a:latin typeface="+mn-lt"/>
+                          <a:ea typeface="+mn-ea"/>
+                          <a:cs typeface="+mn-ea"/>
+                          <a:sym typeface="+mn-lt"/>
+                        </a:rPr>
+                        <a:t>EndTime</a:t>
+                      </a:r>
+                      <a:r>
                         <a:rPr lang="en-US" altLang="zh-CN" sz="1400" b="1" kern="1200" dirty="0" smtClean="0">
                           <a:solidFill>
                             <a:schemeClr val="lt1"/>
@@ -10102,7 +10227,7 @@
                           <a:cs typeface="+mn-ea"/>
                           <a:sym typeface="+mn-lt"/>
                         </a:rPr>
-                        <a:t>Time </a:t>
+                        <a:t> </a:t>
                       </a:r>
                       <a:r>
                         <a:rPr lang="zh-CN" altLang="en-US" sz="1400" b="1" kern="1200" dirty="0" smtClean="0">
@@ -10128,8 +10253,10 @@
                     </a:p>
                   </a:txBody>
                   <a:tcPr marL="108522" marR="108522" marT="54261" marB="54261" anchor="ctr">
-                    <a:lnL w="57150" cap="flat" cmpd="sng" algn="ctr">
-                      <a:noFill/>
+                    <a:lnL w="12700" cap="flat" cmpd="sng" algn="ctr">
+                      <a:solidFill>
+                        <a:schemeClr val="bg1"/>
+                      </a:solidFill>
                       <a:prstDash val="solid"/>
                       <a:round/>
                       <a:headEnd type="none" w="med" len="med"/>
@@ -10355,7 +10482,7 @@
                 </a:tc>
                 <a:extLst>
                   <a:ext uri="{0D108BD9-81ED-4DB2-BD59-A6C34878D82A}">
-                    <a16:rowId xmlns="" xmlns:a16="http://schemas.microsoft.com/office/drawing/2014/main" val="10000"/>
+                    <a16:rowId xmlns:a16="http://schemas.microsoft.com/office/drawing/2014/main" val="10000"/>
                   </a:ext>
                 </a:extLst>
               </a:tr>
@@ -10445,7 +10572,7 @@
                     <a:bodyPr/>
                     <a:lstStyle/>
                     <a:p>
-                      <a:pPr marL="0" marR="0" lvl="0" indent="0" algn="l" defTabSz="685792" rtl="0" eaLnBrk="1" fontAlgn="auto" latinLnBrk="0" hangingPunct="1">
+                      <a:pPr marL="0" marR="0" lvl="0" indent="0" algn="ctr" defTabSz="685792" rtl="0" eaLnBrk="1" fontAlgn="auto" latinLnBrk="0" hangingPunct="1">
                         <a:lnSpc>
                           <a:spcPct val="130000"/>
                         </a:lnSpc>
@@ -10462,7 +10589,7 @@
                         <a:tabLst/>
                         <a:defRPr/>
                       </a:pPr>
-                      <a:endParaRPr lang="en-US" altLang="zh-CN" sz="1200" b="0" kern="1200" dirty="0">
+                      <a:endParaRPr lang="en-US" sz="1200" b="0" kern="1200" dirty="0" smtClean="0">
                         <a:solidFill>
                           <a:schemeClr val="tx1">
                             <a:lumMod val="75000"/>
@@ -10477,14 +10604,14 @@
                     </a:p>
                   </a:txBody>
                   <a:tcPr marL="108666" marR="108666" marT="108522" marB="108522" anchor="ctr">
-                    <a:lnL w="3175" cap="flat" cmpd="sng" algn="ctr">
+                    <a:lnL w="57150" cap="flat" cmpd="sng" algn="ctr">
                       <a:noFill/>
                       <a:prstDash val="solid"/>
                       <a:round/>
                       <a:headEnd type="none" w="med" len="med"/>
                       <a:tailEnd type="none" w="med" len="med"/>
                     </a:lnL>
-                    <a:lnR w="57150" cap="flat" cmpd="sng" algn="ctr">
+                    <a:lnR w="3175" cap="flat" cmpd="sng" algn="ctr">
                       <a:noFill/>
                       <a:prstDash val="solid"/>
                       <a:round/>
@@ -10600,9 +10727,89 @@
                     <a:noFill/>
                   </a:tcPr>
                 </a:tc>
+                <a:tc>
+                  <a:txBody>
+                    <a:bodyPr/>
+                    <a:lstStyle/>
+                    <a:p>
+                      <a:pPr marL="0" marR="0" lvl="0" indent="0" algn="l" defTabSz="685792" rtl="0" eaLnBrk="1" fontAlgn="auto" latinLnBrk="0" hangingPunct="1">
+                        <a:lnSpc>
+                          <a:spcPct val="130000"/>
+                        </a:lnSpc>
+                        <a:spcBef>
+                          <a:spcPts val="0"/>
+                        </a:spcBef>
+                        <a:spcAft>
+                          <a:spcPts val="0"/>
+                        </a:spcAft>
+                        <a:buClrTx/>
+                        <a:buSzTx/>
+                        <a:buFontTx/>
+                        <a:buNone/>
+                        <a:tabLst/>
+                        <a:defRPr/>
+                      </a:pPr>
+                      <a:endParaRPr lang="en-US" altLang="zh-CN" sz="1200" b="0" kern="1200" dirty="0">
+                        <a:solidFill>
+                          <a:schemeClr val="tx1">
+                            <a:lumMod val="75000"/>
+                            <a:lumOff val="25000"/>
+                          </a:schemeClr>
+                        </a:solidFill>
+                        <a:latin typeface="+mn-lt"/>
+                        <a:ea typeface="+mn-ea"/>
+                        <a:cs typeface="+mn-ea"/>
+                        <a:sym typeface="+mn-lt"/>
+                      </a:endParaRPr>
+                    </a:p>
+                  </a:txBody>
+                  <a:tcPr marL="108666" marR="108666" marT="108522" marB="108522" anchor="ctr">
+                    <a:lnL w="3175" cap="flat" cmpd="sng" algn="ctr">
+                      <a:noFill/>
+                      <a:prstDash val="solid"/>
+                      <a:round/>
+                      <a:headEnd type="none" w="med" len="med"/>
+                      <a:tailEnd type="none" w="med" len="med"/>
+                    </a:lnL>
+                    <a:lnR w="57150" cap="flat" cmpd="sng" algn="ctr">
+                      <a:noFill/>
+                      <a:prstDash val="solid"/>
+                      <a:round/>
+                      <a:headEnd type="none" w="med" len="med"/>
+                      <a:tailEnd type="none" w="med" len="med"/>
+                    </a:lnR>
+                    <a:lnT w="6350" cap="flat" cmpd="sng" algn="ctr">
+                      <a:noFill/>
+                      <a:prstDash val="solid"/>
+                      <a:round/>
+                      <a:headEnd type="none" w="med" len="med"/>
+                      <a:tailEnd type="none" w="med" len="med"/>
+                    </a:lnT>
+                    <a:lnB w="3175" cap="flat" cmpd="sng" algn="ctr">
+                      <a:solidFill>
+                        <a:schemeClr val="bg1">
+                          <a:lumMod val="75000"/>
+                        </a:schemeClr>
+                      </a:solidFill>
+                      <a:prstDash val="sysDot"/>
+                      <a:round/>
+                      <a:headEnd type="none" w="med" len="med"/>
+                      <a:tailEnd type="none" w="med" len="med"/>
+                    </a:lnB>
+                    <a:lnTlToBr w="12700" cmpd="sng">
+                      <a:noFill/>
+                      <a:prstDash val="solid"/>
+                    </a:lnTlToBr>
+                    <a:lnBlToTr w="12700" cmpd="sng">
+                      <a:noFill/>
+                      <a:prstDash val="solid"/>
+                    </a:lnBlToTr>
+                    <a:noFill/>
+                  </a:tcPr>
+                </a:tc>
                 <a:extLst>
                   <a:ext uri="{0D108BD9-81ED-4DB2-BD59-A6C34878D82A}">
-                    <a16:rowId xmlns="" xmlns:a16="http://schemas.microsoft.com/office/drawing/2014/main" val="10001"/>
+                    <a16:rowId xmlns:a16="http://schemas.microsoft.com/office/drawing/2014/main" val="10001"/>
                   </a:ext>
                 </a:extLst>
               </a:tr>
@@ -10696,7 +10903,7 @@
                     <a:bodyPr/>
                     <a:lstStyle/>
                     <a:p>
-                      <a:pPr marL="0" marR="0" lvl="0" indent="0" algn="l" defTabSz="685792" rtl="0" eaLnBrk="1" fontAlgn="auto" latinLnBrk="0" hangingPunct="1">
+                      <a:pPr marL="0" marR="0" lvl="0" indent="0" algn="ctr" defTabSz="685792" rtl="0" eaLnBrk="1" fontAlgn="auto" latinLnBrk="0" hangingPunct="1">
                         <a:lnSpc>
                           <a:spcPct val="130000"/>
                         </a:lnSpc>
@@ -10728,14 +10935,14 @@
                     </a:p>
                   </a:txBody>
                   <a:tcPr marL="108666" marR="108666" marT="108522" marB="108522" anchor="ctr">
-                    <a:lnL w="3175" cap="flat" cmpd="sng" algn="ctr">
+                    <a:lnL w="57150" cap="flat" cmpd="sng" algn="ctr">
                       <a:noFill/>
                       <a:prstDash val="solid"/>
                       <a:round/>
                       <a:headEnd type="none" w="med" len="med"/>
                       <a:tailEnd type="none" w="med" len="med"/>
                     </a:lnL>
-                    <a:lnR w="57150" cap="flat" cmpd="sng" algn="ctr">
+                    <a:lnR w="3175" cap="flat" cmpd="sng" algn="ctr">
                       <a:noFill/>
                       <a:prstDash val="solid"/>
                       <a:round/>
@@ -10859,9 +11066,93 @@
                     <a:noFill/>
                   </a:tcPr>
                 </a:tc>
+                <a:tc>
+                  <a:txBody>
+                    <a:bodyPr/>
+                    <a:lstStyle/>
+                    <a:p>
+                      <a:pPr marL="0" marR="0" lvl="0" indent="0" algn="l" defTabSz="685792" rtl="0" eaLnBrk="1" fontAlgn="auto" latinLnBrk="0" hangingPunct="1">
+                        <a:lnSpc>
+                          <a:spcPct val="130000"/>
+                        </a:lnSpc>
+                        <a:spcBef>
+                          <a:spcPts val="0"/>
+                        </a:spcBef>
+                        <a:spcAft>
+                          <a:spcPts val="0"/>
+                        </a:spcAft>
+                        <a:buClrTx/>
+                        <a:buSzTx/>
+                        <a:buFontTx/>
+                        <a:buNone/>
+                        <a:tabLst/>
+                        <a:defRPr/>
+                      </a:pPr>
+                      <a:endParaRPr lang="zh-CN" altLang="en-US" sz="1200" b="0" kern="1200" dirty="0">
+                        <a:solidFill>
+                          <a:schemeClr val="tx1">
+                            <a:lumMod val="75000"/>
+                            <a:lumOff val="25000"/>
+                          </a:schemeClr>
+                        </a:solidFill>
+                        <a:latin typeface="+mn-lt"/>
+                        <a:ea typeface="+mn-ea"/>
+                        <a:cs typeface="+mn-ea"/>
+                        <a:sym typeface="+mn-lt"/>
+                      </a:endParaRPr>
+                    </a:p>
+                  </a:txBody>
+                  <a:tcPr marL="108666" marR="108666" marT="108522" marB="108522" anchor="ctr">
+                    <a:lnL w="3175" cap="flat" cmpd="sng" algn="ctr">
+                      <a:noFill/>
+                      <a:prstDash val="solid"/>
+                      <a:round/>
+                      <a:headEnd type="none" w="med" len="med"/>
+                      <a:tailEnd type="none" w="med" len="med"/>
+                    </a:lnL>
+                    <a:lnR w="57150" cap="flat" cmpd="sng" algn="ctr">
+                      <a:noFill/>
+                      <a:prstDash val="solid"/>
+                      <a:round/>
+                      <a:headEnd type="none" w="med" len="med"/>
+                      <a:tailEnd type="none" w="med" len="med"/>
+                    </a:lnR>
+                    <a:lnT w="3175" cap="flat" cmpd="sng" algn="ctr">
+                      <a:solidFill>
+                        <a:schemeClr val="bg1">
+                          <a:lumMod val="75000"/>
+                        </a:schemeClr>
+                      </a:solidFill>
+                      <a:prstDash val="sysDot"/>
+                      <a:round/>
+                      <a:headEnd type="none" w="med" len="med"/>
+                      <a:tailEnd type="none" w="med" len="med"/>
+                    </a:lnT>
+                    <a:lnB w="3175" cap="flat" cmpd="sng" algn="ctr">
+                      <a:solidFill>
+                        <a:schemeClr val="bg1">
+                          <a:lumMod val="75000"/>
+                        </a:schemeClr>
+                      </a:solidFill>
+                      <a:prstDash val="sysDot"/>
+                      <a:round/>
+                      <a:headEnd type="none" w="med" len="med"/>
+                      <a:tailEnd type="none" w="med" len="med"/>
+                    </a:lnB>
+                    <a:lnTlToBr w="12700" cmpd="sng">
+                      <a:noFill/>
+                      <a:prstDash val="solid"/>
+                    </a:lnTlToBr>
+                    <a:lnBlToTr w="12700" cmpd="sng">
+                      <a:noFill/>
+                      <a:prstDash val="solid"/>
+                    </a:lnBlToTr>
+                    <a:noFill/>
+                  </a:tcPr>
+                </a:tc>
                 <a:extLst>
                   <a:ext uri="{0D108BD9-81ED-4DB2-BD59-A6C34878D82A}">
-                    <a16:rowId xmlns="" xmlns:a16="http://schemas.microsoft.com/office/drawing/2014/main" val="10002"/>
+                    <a16:rowId xmlns:a16="http://schemas.microsoft.com/office/drawing/2014/main" val="10002"/>
                   </a:ext>
                 </a:extLst>
               </a:tr>
@@ -10955,7 +11246,7 @@
                     <a:bodyPr/>
                     <a:lstStyle/>
                     <a:p>
-                      <a:pPr marL="0" marR="0" lvl="0" indent="0" algn="l" defTabSz="685792" rtl="0" eaLnBrk="1" fontAlgn="auto" latinLnBrk="0" hangingPunct="1">
+                      <a:pPr marL="0" marR="0" lvl="0" indent="0" algn="ctr" defTabSz="685792" rtl="0" eaLnBrk="1" fontAlgn="auto" latinLnBrk="0" hangingPunct="1">
                         <a:lnSpc>
                           <a:spcPct val="130000"/>
                         </a:lnSpc>
@@ -10987,14 +11278,14 @@
                     </a:p>
                   </a:txBody>
                   <a:tcPr marL="108666" marR="108666" marT="108522" marB="108522" anchor="ctr">
-                    <a:lnL w="3175" cap="flat" cmpd="sng" algn="ctr">
+                    <a:lnL w="57150" cap="flat" cmpd="sng" algn="ctr">
                       <a:noFill/>
                       <a:prstDash val="solid"/>
                       <a:round/>
                       <a:headEnd type="none" w="med" len="med"/>
                       <a:tailEnd type="none" w="med" len="med"/>
                     </a:lnL>
-                    <a:lnR w="57150" cap="flat" cmpd="sng" algn="ctr">
+                    <a:lnR w="3175" cap="flat" cmpd="sng" algn="ctr">
                       <a:noFill/>
                       <a:prstDash val="solid"/>
                       <a:round/>
@@ -11118,9 +11409,93 @@
                     <a:noFill/>
                   </a:tcPr>
                 </a:tc>
+                <a:tc>
+                  <a:txBody>
+                    <a:bodyPr/>
+                    <a:lstStyle/>
+                    <a:p>
+                      <a:pPr marL="0" marR="0" lvl="0" indent="0" algn="l" defTabSz="685792" rtl="0" eaLnBrk="1" fontAlgn="auto" latinLnBrk="0" hangingPunct="1">
+                        <a:lnSpc>
+                          <a:spcPct val="130000"/>
+                        </a:lnSpc>
+                        <a:spcBef>
+                          <a:spcPts val="0"/>
+                        </a:spcBef>
+                        <a:spcAft>
+                          <a:spcPts val="0"/>
+                        </a:spcAft>
+                        <a:buClrTx/>
+                        <a:buSzTx/>
+                        <a:buFontTx/>
+                        <a:buNone/>
+                        <a:tabLst/>
+                        <a:defRPr/>
+                      </a:pPr>
+                      <a:endParaRPr lang="zh-CN" altLang="en-US" sz="1200" b="0" kern="1200" dirty="0">
+                        <a:solidFill>
+                          <a:schemeClr val="tx1">
+                            <a:lumMod val="75000"/>
+                            <a:lumOff val="25000"/>
+                          </a:schemeClr>
+                        </a:solidFill>
+                        <a:latin typeface="+mn-lt"/>
+                        <a:ea typeface="+mn-ea"/>
+                        <a:cs typeface="+mn-ea"/>
+                        <a:sym typeface="+mn-lt"/>
+                      </a:endParaRPr>
+                    </a:p>
+                  </a:txBody>
+                  <a:tcPr marL="108666" marR="108666" marT="108522" marB="108522" anchor="ctr">
+                    <a:lnL w="3175" cap="flat" cmpd="sng" algn="ctr">
+                      <a:noFill/>
+                      <a:prstDash val="solid"/>
+                      <a:round/>
+                      <a:headEnd type="none" w="med" len="med"/>
+                      <a:tailEnd type="none" w="med" len="med"/>
+                    </a:lnL>
+                    <a:lnR w="57150" cap="flat" cmpd="sng" algn="ctr">
+                      <a:noFill/>
+                      <a:prstDash val="solid"/>
+                      <a:round/>
+                      <a:headEnd type="none" w="med" len="med"/>
+                      <a:tailEnd type="none" w="med" len="med"/>
+                    </a:lnR>
+                    <a:lnT w="3175" cap="flat" cmpd="sng" algn="ctr">
+                      <a:solidFill>
+                        <a:schemeClr val="bg1">
+                          <a:lumMod val="75000"/>
+                        </a:schemeClr>
+                      </a:solidFill>
+                      <a:prstDash val="sysDot"/>
+                      <a:round/>
+                      <a:headEnd type="none" w="med" len="med"/>
+                      <a:tailEnd type="none" w="med" len="med"/>
+                    </a:lnT>
+                    <a:lnB w="3175" cap="flat" cmpd="sng" algn="ctr">
+                      <a:solidFill>
+                        <a:schemeClr val="bg1">
+                          <a:lumMod val="75000"/>
+                        </a:schemeClr>
+                      </a:solidFill>
+                      <a:prstDash val="sysDot"/>
+                      <a:round/>
+                      <a:headEnd type="none" w="med" len="med"/>
+                      <a:tailEnd type="none" w="med" len="med"/>
+                    </a:lnB>
+                    <a:lnTlToBr w="12700" cmpd="sng">
+                      <a:noFill/>
+                      <a:prstDash val="solid"/>
+                    </a:lnTlToBr>
+                    <a:lnBlToTr w="12700" cmpd="sng">
+                      <a:noFill/>
+                      <a:prstDash val="solid"/>
+                    </a:lnBlToTr>
+                    <a:noFill/>
+                  </a:tcPr>
+                </a:tc>
                 <a:extLst>
                   <a:ext uri="{0D108BD9-81ED-4DB2-BD59-A6C34878D82A}">
-                    <a16:rowId xmlns="" xmlns:a16="http://schemas.microsoft.com/office/drawing/2014/main" val="10003"/>
+                    <a16:rowId xmlns:a16="http://schemas.microsoft.com/office/drawing/2014/main" val="10003"/>
                   </a:ext>
                 </a:extLst>
               </a:tr>
@@ -11214,7 +11589,7 @@
                     <a:bodyPr/>
                     <a:lstStyle/>
                     <a:p>
-                      <a:pPr marL="0" marR="0" lvl="0" indent="0" algn="l" defTabSz="685792" rtl="0" eaLnBrk="1" fontAlgn="auto" latinLnBrk="0" hangingPunct="1">
+                      <a:pPr marL="0" marR="0" lvl="0" indent="0" algn="ctr" defTabSz="685792" rtl="0" eaLnBrk="1" fontAlgn="auto" latinLnBrk="0" hangingPunct="1">
                         <a:lnSpc>
                           <a:spcPct val="130000"/>
                         </a:lnSpc>
@@ -11246,14 +11621,14 @@
                     </a:p>
                   </a:txBody>
                   <a:tcPr marL="108666" marR="108666" marT="108522" marB="108522" anchor="ctr">
-                    <a:lnL w="3175" cap="flat" cmpd="sng" algn="ctr">
+                    <a:lnL w="57150" cap="flat" cmpd="sng" algn="ctr">
                       <a:noFill/>
                       <a:prstDash val="solid"/>
                       <a:round/>
                       <a:headEnd type="none" w="med" len="med"/>
                       <a:tailEnd type="none" w="med" len="med"/>
                     </a:lnL>
-                    <a:lnR w="57150" cap="flat" cmpd="sng" algn="ctr">
+                    <a:lnR w="3175" cap="flat" cmpd="sng" algn="ctr">
                       <a:noFill/>
                       <a:prstDash val="solid"/>
                       <a:round/>
@@ -11377,9 +11752,93 @@
                     <a:noFill/>
                   </a:tcPr>
                 </a:tc>
+                <a:tc>
+                  <a:txBody>
+                    <a:bodyPr/>
+                    <a:lstStyle/>
+                    <a:p>
+                      <a:pPr marL="0" marR="0" lvl="0" indent="0" algn="l" defTabSz="685792" rtl="0" eaLnBrk="1" fontAlgn="auto" latinLnBrk="0" hangingPunct="1">
+                        <a:lnSpc>
+                          <a:spcPct val="130000"/>
+                        </a:lnSpc>
+                        <a:spcBef>
+                          <a:spcPts val="0"/>
+                        </a:spcBef>
+                        <a:spcAft>
+                          <a:spcPts val="0"/>
+                        </a:spcAft>
+                        <a:buClrTx/>
+                        <a:buSzTx/>
+                        <a:buFontTx/>
+                        <a:buNone/>
+                        <a:tabLst/>
+                        <a:defRPr/>
+                      </a:pPr>
+                      <a:endParaRPr lang="zh-CN" altLang="en-US" sz="1200" b="0" kern="1200" dirty="0">
+                        <a:solidFill>
+                          <a:schemeClr val="tx1">
+                            <a:lumMod val="75000"/>
+                            <a:lumOff val="25000"/>
+                          </a:schemeClr>
+                        </a:solidFill>
+                        <a:latin typeface="+mn-lt"/>
+                        <a:ea typeface="+mn-ea"/>
+                        <a:cs typeface="+mn-ea"/>
+                        <a:sym typeface="+mn-lt"/>
+                      </a:endParaRPr>
+                    </a:p>
+                  </a:txBody>
+                  <a:tcPr marL="108666" marR="108666" marT="108522" marB="108522" anchor="ctr">
+                    <a:lnL w="3175" cap="flat" cmpd="sng" algn="ctr">
+                      <a:noFill/>
+                      <a:prstDash val="solid"/>
+                      <a:round/>
+                      <a:headEnd type="none" w="med" len="med"/>
+                      <a:tailEnd type="none" w="med" len="med"/>
+                    </a:lnL>
+                    <a:lnR w="57150" cap="flat" cmpd="sng" algn="ctr">
+                      <a:noFill/>
+                      <a:prstDash val="solid"/>
+                      <a:round/>
+                      <a:headEnd type="none" w="med" len="med"/>
+                      <a:tailEnd type="none" w="med" len="med"/>
+                    </a:lnR>
+                    <a:lnT w="3175" cap="flat" cmpd="sng" algn="ctr">
+                      <a:solidFill>
+                        <a:schemeClr val="bg1">
+                          <a:lumMod val="75000"/>
+                        </a:schemeClr>
+                      </a:solidFill>
+                      <a:prstDash val="sysDot"/>
+                      <a:round/>
+                      <a:headEnd type="none" w="med" len="med"/>
+                      <a:tailEnd type="none" w="med" len="med"/>
+                    </a:lnT>
+                    <a:lnB w="3175" cap="flat" cmpd="sng" algn="ctr">
+                      <a:solidFill>
+                        <a:schemeClr val="bg1">
+                          <a:lumMod val="75000"/>
+                        </a:schemeClr>
+                      </a:solidFill>
+                      <a:prstDash val="sysDot"/>
+                      <a:round/>
+                      <a:headEnd type="none" w="med" len="med"/>
+                      <a:tailEnd type="none" w="med" len="med"/>
+                    </a:lnB>
+                    <a:lnTlToBr w="12700" cmpd="sng">
+                      <a:noFill/>
+                      <a:prstDash val="solid"/>
+                    </a:lnTlToBr>
+                    <a:lnBlToTr w="12700" cmpd="sng">
+                      <a:noFill/>
+                      <a:prstDash val="solid"/>
+                    </a:lnBlToTr>
+                    <a:noFill/>
+                  </a:tcPr>
+                </a:tc>
                 <a:extLst>
                   <a:ext uri="{0D108BD9-81ED-4DB2-BD59-A6C34878D82A}">
-                    <a16:rowId xmlns="" xmlns:a16="http://schemas.microsoft.com/office/drawing/2014/main" val="10004"/>
+                    <a16:rowId xmlns:a16="http://schemas.microsoft.com/office/drawing/2014/main" val="10004"/>
                   </a:ext>
                 </a:extLst>
               </a:tr>
@@ -11473,7 +11932,7 @@
                     <a:bodyPr/>
                     <a:lstStyle/>
                     <a:p>
-                      <a:pPr marL="0" marR="0" lvl="0" indent="0" algn="l" defTabSz="685792" rtl="0" eaLnBrk="1" fontAlgn="auto" latinLnBrk="0" hangingPunct="1">
+                      <a:pPr marL="0" marR="0" lvl="0" indent="0" algn="ctr" defTabSz="685792" rtl="0" eaLnBrk="1" fontAlgn="auto" latinLnBrk="0" hangingPunct="1">
                         <a:lnSpc>
                           <a:spcPct val="130000"/>
                         </a:lnSpc>
@@ -11505,14 +11964,14 @@
                     </a:p>
                   </a:txBody>
                   <a:tcPr marL="108666" marR="108666" marT="108522" marB="108522" anchor="ctr">
-                    <a:lnL w="3175" cap="flat" cmpd="sng" algn="ctr">
+                    <a:lnL w="57150" cap="flat" cmpd="sng" algn="ctr">
                       <a:noFill/>
                       <a:prstDash val="solid"/>
                       <a:round/>
                       <a:headEnd type="none" w="med" len="med"/>
                       <a:tailEnd type="none" w="med" len="med"/>
                     </a:lnL>
-                    <a:lnR w="57150" cap="flat" cmpd="sng" algn="ctr">
+                    <a:lnR w="3175" cap="flat" cmpd="sng" algn="ctr">
                       <a:noFill/>
                       <a:prstDash val="solid"/>
                       <a:round/>
@@ -11636,9 +12095,93 @@
                     <a:noFill/>
                   </a:tcPr>
                 </a:tc>
+                <a:tc>
+                  <a:txBody>
+                    <a:bodyPr/>
+                    <a:lstStyle/>
+                    <a:p>
+                      <a:pPr marL="0" marR="0" lvl="0" indent="0" algn="l" defTabSz="685792" rtl="0" eaLnBrk="1" fontAlgn="auto" latinLnBrk="0" hangingPunct="1">
+                        <a:lnSpc>
+                          <a:spcPct val="130000"/>
+                        </a:lnSpc>
+                        <a:spcBef>
+                          <a:spcPts val="0"/>
+                        </a:spcBef>
+                        <a:spcAft>
+                          <a:spcPts val="0"/>
+                        </a:spcAft>
+                        <a:buClrTx/>
+                        <a:buSzTx/>
+                        <a:buFontTx/>
+                        <a:buNone/>
+                        <a:tabLst/>
+                        <a:defRPr/>
+                      </a:pPr>
+                      <a:endParaRPr lang="zh-CN" altLang="en-US" sz="1200" b="0" kern="1200" dirty="0">
+                        <a:solidFill>
+                          <a:schemeClr val="tx1">
+                            <a:lumMod val="75000"/>
+                            <a:lumOff val="25000"/>
+                          </a:schemeClr>
+                        </a:solidFill>
+                        <a:latin typeface="+mn-lt"/>
+                        <a:ea typeface="+mn-ea"/>
+                        <a:cs typeface="+mn-ea"/>
+                        <a:sym typeface="+mn-lt"/>
+                      </a:endParaRPr>
+                    </a:p>
+                  </a:txBody>
+                  <a:tcPr marL="108666" marR="108666" marT="108522" marB="108522" anchor="ctr">
+                    <a:lnL w="3175" cap="flat" cmpd="sng" algn="ctr">
+                      <a:noFill/>
+                      <a:prstDash val="solid"/>
+                      <a:round/>
+                      <a:headEnd type="none" w="med" len="med"/>
+                      <a:tailEnd type="none" w="med" len="med"/>
+                    </a:lnL>
+                    <a:lnR w="57150" cap="flat" cmpd="sng" algn="ctr">
+                      <a:noFill/>
+                      <a:prstDash val="solid"/>
+                      <a:round/>
+                      <a:headEnd type="none" w="med" len="med"/>
+                      <a:tailEnd type="none" w="med" len="med"/>
+                    </a:lnR>
+                    <a:lnT w="3175" cap="flat" cmpd="sng" algn="ctr">
+                      <a:solidFill>
+                        <a:schemeClr val="bg1">
+                          <a:lumMod val="75000"/>
+                        </a:schemeClr>
+                      </a:solidFill>
+                      <a:prstDash val="sysDot"/>
+                      <a:round/>
+                      <a:headEnd type="none" w="med" len="med"/>
+                      <a:tailEnd type="none" w="med" len="med"/>
+                    </a:lnT>
+                    <a:lnB w="3175" cap="flat" cmpd="sng" algn="ctr">
+                      <a:solidFill>
+                        <a:schemeClr val="bg1">
+                          <a:lumMod val="75000"/>
+                        </a:schemeClr>
+                      </a:solidFill>
+                      <a:prstDash val="sysDot"/>
+                      <a:round/>
+                      <a:headEnd type="none" w="med" len="med"/>
+                      <a:tailEnd type="none" w="med" len="med"/>
+                    </a:lnB>
+                    <a:lnTlToBr w="12700" cmpd="sng">
+                      <a:noFill/>
+                      <a:prstDash val="solid"/>
+                    </a:lnTlToBr>
+                    <a:lnBlToTr w="12700" cmpd="sng">
+                      <a:noFill/>
+                      <a:prstDash val="solid"/>
+                    </a:lnBlToTr>
+                    <a:noFill/>
+                  </a:tcPr>
+                </a:tc>
                 <a:extLst>
                   <a:ext uri="{0D108BD9-81ED-4DB2-BD59-A6C34878D82A}">
-                    <a16:rowId xmlns="" xmlns:a16="http://schemas.microsoft.com/office/drawing/2014/main" val="2987373226"/>
+                    <a16:rowId xmlns:a16="http://schemas.microsoft.com/office/drawing/2014/main" val="2987373226"/>
                   </a:ext>
                 </a:extLst>
               </a:tr>
@@ -11732,7 +12275,7 @@
                     <a:bodyPr/>
                     <a:lstStyle/>
                     <a:p>
-                      <a:pPr marL="0" marR="0" lvl="0" indent="0" algn="l" defTabSz="685792" rtl="0" eaLnBrk="1" fontAlgn="auto" latinLnBrk="0" hangingPunct="1">
+                      <a:pPr marL="0" marR="0" lvl="0" indent="0" algn="ctr" defTabSz="685792" rtl="0" eaLnBrk="1" fontAlgn="auto" latinLnBrk="0" hangingPunct="1">
                         <a:lnSpc>
                           <a:spcPct val="130000"/>
                         </a:lnSpc>
@@ -11764,14 +12307,14 @@
                     </a:p>
                   </a:txBody>
                   <a:tcPr marL="108666" marR="108666" marT="108522" marB="108522" anchor="ctr">
-                    <a:lnL w="3175" cap="flat" cmpd="sng" algn="ctr">
+                    <a:lnL w="57150" cap="flat" cmpd="sng" algn="ctr">
                       <a:noFill/>
                       <a:prstDash val="solid"/>
                       <a:round/>
                       <a:headEnd type="none" w="med" len="med"/>
                       <a:tailEnd type="none" w="med" len="med"/>
                     </a:lnL>
-                    <a:lnR w="57150" cap="flat" cmpd="sng" algn="ctr">
+                    <a:lnR w="3175" cap="flat" cmpd="sng" algn="ctr">
                       <a:noFill/>
                       <a:prstDash val="solid"/>
                       <a:round/>
@@ -11895,9 +12438,93 @@
                     <a:noFill/>
                   </a:tcPr>
                 </a:tc>
+                <a:tc>
+                  <a:txBody>
+                    <a:bodyPr/>
+                    <a:lstStyle/>
+                    <a:p>
+                      <a:pPr marL="0" marR="0" lvl="0" indent="0" algn="l" defTabSz="685792" rtl="0" eaLnBrk="1" fontAlgn="auto" latinLnBrk="0" hangingPunct="1">
+                        <a:lnSpc>
+                          <a:spcPct val="130000"/>
+                        </a:lnSpc>
+                        <a:spcBef>
+                          <a:spcPts val="0"/>
+                        </a:spcBef>
+                        <a:spcAft>
+                          <a:spcPts val="0"/>
+                        </a:spcAft>
+                        <a:buClrTx/>
+                        <a:buSzTx/>
+                        <a:buFontTx/>
+                        <a:buNone/>
+                        <a:tabLst/>
+                        <a:defRPr/>
+                      </a:pPr>
+                      <a:endParaRPr lang="zh-CN" altLang="en-US" sz="1200" b="0" kern="1200" dirty="0">
+                        <a:solidFill>
+                          <a:schemeClr val="tx1">
+                            <a:lumMod val="75000"/>
+                            <a:lumOff val="25000"/>
+                          </a:schemeClr>
+                        </a:solidFill>
+                        <a:latin typeface="+mn-lt"/>
+                        <a:ea typeface="+mn-ea"/>
+                        <a:cs typeface="+mn-ea"/>
+                        <a:sym typeface="+mn-lt"/>
+                      </a:endParaRPr>
+                    </a:p>
+                  </a:txBody>
+                  <a:tcPr marL="108666" marR="108666" marT="108522" marB="108522" anchor="ctr">
+                    <a:lnL w="3175" cap="flat" cmpd="sng" algn="ctr">
+                      <a:noFill/>
+                      <a:prstDash val="solid"/>
+                      <a:round/>
+                      <a:headEnd type="none" w="med" len="med"/>
+                      <a:tailEnd type="none" w="med" len="med"/>
+                    </a:lnL>
+                    <a:lnR w="57150" cap="flat" cmpd="sng" algn="ctr">
+                      <a:noFill/>
+                      <a:prstDash val="solid"/>
+                      <a:round/>
+                      <a:headEnd type="none" w="med" len="med"/>
+                      <a:tailEnd type="none" w="med" len="med"/>
+                    </a:lnR>
+                    <a:lnT w="3175" cap="flat" cmpd="sng" algn="ctr">
+                      <a:solidFill>
+                        <a:schemeClr val="bg1">
+                          <a:lumMod val="75000"/>
+                        </a:schemeClr>
+                      </a:solidFill>
+                      <a:prstDash val="sysDot"/>
+                      <a:round/>
+                      <a:headEnd type="none" w="med" len="med"/>
+                      <a:tailEnd type="none" w="med" len="med"/>
+                    </a:lnT>
+                    <a:lnB w="3175" cap="flat" cmpd="sng" algn="ctr">
+                      <a:solidFill>
+                        <a:schemeClr val="bg1">
+                          <a:lumMod val="75000"/>
+                        </a:schemeClr>
+                      </a:solidFill>
+                      <a:prstDash val="sysDot"/>
+                      <a:round/>
+                      <a:headEnd type="none" w="med" len="med"/>
+                      <a:tailEnd type="none" w="med" len="med"/>
+                    </a:lnB>
+                    <a:lnTlToBr w="12700" cmpd="sng">
+                      <a:noFill/>
+                      <a:prstDash val="solid"/>
+                    </a:lnTlToBr>
+                    <a:lnBlToTr w="12700" cmpd="sng">
+                      <a:noFill/>
+                      <a:prstDash val="solid"/>
+                    </a:lnBlToTr>
+                    <a:noFill/>
+                  </a:tcPr>
+                </a:tc>
                 <a:extLst>
                   <a:ext uri="{0D108BD9-81ED-4DB2-BD59-A6C34878D82A}">
-                    <a16:rowId xmlns="" xmlns:a16="http://schemas.microsoft.com/office/drawing/2014/main" val="2639051246"/>
+                    <a16:rowId xmlns:a16="http://schemas.microsoft.com/office/drawing/2014/main" val="2639051246"/>
                   </a:ext>
                 </a:extLst>
               </a:tr>
@@ -11991,7 +12618,7 @@
                     <a:bodyPr/>
                     <a:lstStyle/>
                     <a:p>
-                      <a:pPr marL="0" marR="0" lvl="0" indent="0" algn="l" defTabSz="685792" rtl="0" eaLnBrk="1" fontAlgn="auto" latinLnBrk="0" hangingPunct="1">
+                      <a:pPr marL="0" marR="0" lvl="0" indent="0" algn="ctr" defTabSz="685792" rtl="0" eaLnBrk="1" fontAlgn="auto" latinLnBrk="0" hangingPunct="1">
                         <a:lnSpc>
                           <a:spcPct val="130000"/>
                         </a:lnSpc>
@@ -12023,14 +12650,14 @@
                     </a:p>
                   </a:txBody>
                   <a:tcPr marL="108666" marR="108666" marT="108522" marB="108522" anchor="ctr">
-                    <a:lnL w="3175" cap="flat" cmpd="sng" algn="ctr">
+                    <a:lnL w="57150" cap="flat" cmpd="sng" algn="ctr">
                       <a:noFill/>
                       <a:prstDash val="solid"/>
                       <a:round/>
                       <a:headEnd type="none" w="med" len="med"/>
                       <a:tailEnd type="none" w="med" len="med"/>
                     </a:lnL>
-                    <a:lnR w="57150" cap="flat" cmpd="sng" algn="ctr">
+                    <a:lnR w="3175" cap="flat" cmpd="sng" algn="ctr">
                       <a:noFill/>
                       <a:prstDash val="solid"/>
                       <a:round/>
@@ -12154,9 +12781,93 @@
                     <a:noFill/>
                   </a:tcPr>
                 </a:tc>
+                <a:tc>
+                  <a:txBody>
+                    <a:bodyPr/>
+                    <a:lstStyle/>
+                    <a:p>
+                      <a:pPr marL="0" marR="0" lvl="0" indent="0" algn="l" defTabSz="685792" rtl="0" eaLnBrk="1" fontAlgn="auto" latinLnBrk="0" hangingPunct="1">
+                        <a:lnSpc>
+                          <a:spcPct val="130000"/>
+                        </a:lnSpc>
+                        <a:spcBef>
+                          <a:spcPts val="0"/>
+                        </a:spcBef>
+                        <a:spcAft>
+                          <a:spcPts val="0"/>
+                        </a:spcAft>
+                        <a:buClrTx/>
+                        <a:buSzTx/>
+                        <a:buFontTx/>
+                        <a:buNone/>
+                        <a:tabLst/>
+                        <a:defRPr/>
+                      </a:pPr>
+                      <a:endParaRPr lang="zh-CN" altLang="en-US" sz="1200" b="0" kern="1200" dirty="0">
+                        <a:solidFill>
+                          <a:schemeClr val="tx1">
+                            <a:lumMod val="75000"/>
+                            <a:lumOff val="25000"/>
+                          </a:schemeClr>
+                        </a:solidFill>
+                        <a:latin typeface="+mn-lt"/>
+                        <a:ea typeface="+mn-ea"/>
+                        <a:cs typeface="+mn-ea"/>
+                        <a:sym typeface="+mn-lt"/>
+                      </a:endParaRPr>
+                    </a:p>
+                  </a:txBody>
+                  <a:tcPr marL="108666" marR="108666" marT="108522" marB="108522" anchor="ctr">
+                    <a:lnL w="3175" cap="flat" cmpd="sng" algn="ctr">
+                      <a:noFill/>
+                      <a:prstDash val="solid"/>
+                      <a:round/>
+                      <a:headEnd type="none" w="med" len="med"/>
+                      <a:tailEnd type="none" w="med" len="med"/>
+                    </a:lnL>
+                    <a:lnR w="57150" cap="flat" cmpd="sng" algn="ctr">
+                      <a:noFill/>
+                      <a:prstDash val="solid"/>
+                      <a:round/>
+                      <a:headEnd type="none" w="med" len="med"/>
+                      <a:tailEnd type="none" w="med" len="med"/>
+                    </a:lnR>
+                    <a:lnT w="3175" cap="flat" cmpd="sng" algn="ctr">
+                      <a:solidFill>
+                        <a:schemeClr val="bg1">
+                          <a:lumMod val="75000"/>
+                        </a:schemeClr>
+                      </a:solidFill>
+                      <a:prstDash val="sysDot"/>
+                      <a:round/>
+                      <a:headEnd type="none" w="med" len="med"/>
+                      <a:tailEnd type="none" w="med" len="med"/>
+                    </a:lnT>
+                    <a:lnB w="3175" cap="flat" cmpd="sng" algn="ctr">
+                      <a:solidFill>
+                        <a:schemeClr val="bg1">
+                          <a:lumMod val="75000"/>
+                        </a:schemeClr>
+                      </a:solidFill>
+                      <a:prstDash val="sysDot"/>
+                      <a:round/>
+                      <a:headEnd type="none" w="med" len="med"/>
+                      <a:tailEnd type="none" w="med" len="med"/>
+                    </a:lnB>
+                    <a:lnTlToBr w="12700" cmpd="sng">
+                      <a:noFill/>
+                      <a:prstDash val="solid"/>
+                    </a:lnTlToBr>
+                    <a:lnBlToTr w="12700" cmpd="sng">
+                      <a:noFill/>
+                      <a:prstDash val="solid"/>
+                    </a:lnBlToTr>
+                    <a:noFill/>
+                  </a:tcPr>
+                </a:tc>
                 <a:extLst>
                   <a:ext uri="{0D108BD9-81ED-4DB2-BD59-A6C34878D82A}">
-                    <a16:rowId xmlns="" xmlns:a16="http://schemas.microsoft.com/office/drawing/2014/main" val="1177553746"/>
+                    <a16:rowId xmlns:a16="http://schemas.microsoft.com/office/drawing/2014/main" val="1177553746"/>
                   </a:ext>
                 </a:extLst>
               </a:tr>
@@ -12248,7 +12959,7 @@
                     <a:bodyPr/>
                     <a:lstStyle/>
                     <a:p>
-                      <a:pPr marL="0" marR="0" lvl="0" indent="0" algn="l" defTabSz="685792" rtl="0" eaLnBrk="1" fontAlgn="auto" latinLnBrk="0" hangingPunct="1">
+                      <a:pPr marL="0" marR="0" lvl="0" indent="0" algn="ctr" defTabSz="685792" rtl="0" eaLnBrk="1" fontAlgn="auto" latinLnBrk="0" hangingPunct="1">
                         <a:lnSpc>
                           <a:spcPct val="130000"/>
                         </a:lnSpc>
@@ -12280,14 +12991,14 @@
                     </a:p>
                   </a:txBody>
                   <a:tcPr marL="108666" marR="108666" marT="108522" marB="108522" anchor="ctr">
-                    <a:lnL w="3175" cap="flat" cmpd="sng" algn="ctr">
+                    <a:lnL w="57150" cap="flat" cmpd="sng" algn="ctr">
                       <a:noFill/>
                       <a:prstDash val="solid"/>
                       <a:round/>
                       <a:headEnd type="none" w="med" len="med"/>
                       <a:tailEnd type="none" w="med" len="med"/>
                     </a:lnL>
-                    <a:lnR w="57150" cap="flat" cmpd="sng" algn="ctr">
+                    <a:lnR w="3175" cap="flat" cmpd="sng" algn="ctr">
                       <a:noFill/>
                       <a:prstDash val="solid"/>
                       <a:round/>
@@ -12407,9 +13118,91 @@
                     <a:noFill/>
                   </a:tcPr>
                 </a:tc>
+                <a:tc>
+                  <a:txBody>
+                    <a:bodyPr/>
+                    <a:lstStyle/>
+                    <a:p>
+                      <a:pPr marL="0" marR="0" lvl="0" indent="0" algn="l" defTabSz="685792" rtl="0" eaLnBrk="1" fontAlgn="auto" latinLnBrk="0" hangingPunct="1">
+                        <a:lnSpc>
+                          <a:spcPct val="130000"/>
+                        </a:lnSpc>
+                        <a:spcBef>
+                          <a:spcPts val="0"/>
+                        </a:spcBef>
+                        <a:spcAft>
+                          <a:spcPts val="0"/>
+                        </a:spcAft>
+                        <a:buClrTx/>
+                        <a:buSzTx/>
+                        <a:buFontTx/>
+                        <a:buNone/>
+                        <a:tabLst/>
+                        <a:defRPr/>
+                      </a:pPr>
+                      <a:endParaRPr lang="zh-CN" altLang="en-US" sz="1200" b="0" kern="1200" dirty="0">
+                        <a:solidFill>
+                          <a:schemeClr val="tx1">
+                            <a:lumMod val="75000"/>
+                            <a:lumOff val="25000"/>
+                          </a:schemeClr>
+                        </a:solidFill>
+                        <a:latin typeface="+mn-lt"/>
+                        <a:ea typeface="+mn-ea"/>
+                        <a:cs typeface="+mn-ea"/>
+                        <a:sym typeface="+mn-lt"/>
+                      </a:endParaRPr>
+                    </a:p>
+                  </a:txBody>
+                  <a:tcPr marL="108666" marR="108666" marT="108522" marB="108522" anchor="ctr">
+                    <a:lnL w="3175" cap="flat" cmpd="sng" algn="ctr">
+                      <a:noFill/>
+                      <a:prstDash val="solid"/>
+                      <a:round/>
+                      <a:headEnd type="none" w="med" len="med"/>
+                      <a:tailEnd type="none" w="med" len="med"/>
+                    </a:lnL>
+                    <a:lnR w="57150" cap="flat" cmpd="sng" algn="ctr">
+                      <a:noFill/>
+                      <a:prstDash val="solid"/>
+                      <a:round/>
+                      <a:headEnd type="none" w="med" len="med"/>
+                      <a:tailEnd type="none" w="med" len="med"/>
+                    </a:lnR>
+                    <a:lnT w="3175" cap="flat" cmpd="sng" algn="ctr">
+                      <a:solidFill>
+                        <a:schemeClr val="bg1">
+                          <a:lumMod val="75000"/>
+                        </a:schemeClr>
+                      </a:solidFill>
+                      <a:prstDash val="sysDot"/>
+                      <a:round/>
+                      <a:headEnd type="none" w="med" len="med"/>
+                      <a:tailEnd type="none" w="med" len="med"/>
+                    </a:lnT>
+                    <a:lnB w="6350" cap="flat" cmpd="sng" algn="ctr">
+                      <a:solidFill>
+                        <a:srgbClr val="BBBCBC"/>
+                      </a:solidFill>
+                      <a:prstDash val="solid"/>
+                      <a:round/>
+                      <a:headEnd type="none" w="med" len="med"/>
+                      <a:tailEnd type="none" w="med" len="med"/>
+                    </a:lnB>
+                    <a:lnTlToBr w="12700" cmpd="sng">
+                      <a:noFill/>
+                      <a:prstDash val="solid"/>
+                    </a:lnTlToBr>
+                    <a:lnBlToTr w="12700" cmpd="sng">
+                      <a:noFill/>
+                      <a:prstDash val="solid"/>
+                    </a:lnBlToTr>
+                    <a:noFill/>
+                  </a:tcPr>
+                </a:tc>
                 <a:extLst>
                   <a:ext uri="{0D108BD9-81ED-4DB2-BD59-A6C34878D82A}">
-                    <a16:rowId xmlns="" xmlns:a16="http://schemas.microsoft.com/office/drawing/2014/main" val="4230401121"/>
+                    <a16:rowId xmlns:a16="http://schemas.microsoft.com/office/drawing/2014/main" val="4230401121"/>
                   </a:ext>
                 </a:extLst>
               </a:tr>
@@ -12703,7 +13496,7 @@
           <a:graphicData uri="http://schemas.openxmlformats.org/presentationml/2006/ole">
             <mc:AlternateContent xmlns:mc="http://schemas.openxmlformats.org/markup-compatibility/2006">
               <mc:Choice xmlns:v="urn:schemas-microsoft-com:vml" Requires="v">
-                <p:oleObj spid="_x0000_s42037" name="think-cell Slide" r:id="rId6" imgW="416" imgH="416" progId="TCLayout.ActiveDocument.1">
+                <p:oleObj spid="_x0000_s42038" name="think-cell Slide" r:id="rId6" imgW="416" imgH="416" progId="TCLayout.ActiveDocument.1">
                   <p:embed/>
                 </p:oleObj>
               </mc:Choice>
@@ -12766,42 +13559,42 @@
                 <a:gridCol w="1924933">
                   <a:extLst>
                     <a:ext uri="{9D8B030D-6E8A-4147-A177-3AD203B41FA5}">
-                      <a16:colId xmlns="" xmlns:a16="http://schemas.microsoft.com/office/drawing/2014/main" val="1357581311"/>
+                      <a16:colId xmlns:a16="http://schemas.microsoft.com/office/drawing/2014/main" val="1357581311"/>
                     </a:ext>
                   </a:extLst>
                 </a:gridCol>
                 <a:gridCol w="2706957">
                   <a:extLst>
                     <a:ext uri="{9D8B030D-6E8A-4147-A177-3AD203B41FA5}">
-                      <a16:colId xmlns="" xmlns:a16="http://schemas.microsoft.com/office/drawing/2014/main" val="1956442140"/>
+                      <a16:colId xmlns:a16="http://schemas.microsoft.com/office/drawing/2014/main" val="1956442140"/>
                     </a:ext>
                   </a:extLst>
                 </a:gridCol>
                 <a:gridCol w="1378384">
                   <a:extLst>
                     <a:ext uri="{9D8B030D-6E8A-4147-A177-3AD203B41FA5}">
-                      <a16:colId xmlns="" xmlns:a16="http://schemas.microsoft.com/office/drawing/2014/main" val="3122743454"/>
+                      <a16:colId xmlns:a16="http://schemas.microsoft.com/office/drawing/2014/main" val="3122743454"/>
                     </a:ext>
                   </a:extLst>
                 </a:gridCol>
                 <a:gridCol w="1030714">
                   <a:extLst>
                     <a:ext uri="{9D8B030D-6E8A-4147-A177-3AD203B41FA5}">
-                      <a16:colId xmlns="" xmlns:a16="http://schemas.microsoft.com/office/drawing/2014/main" val="755301095"/>
+                      <a16:colId xmlns:a16="http://schemas.microsoft.com/office/drawing/2014/main" val="755301095"/>
                     </a:ext>
                   </a:extLst>
                 </a:gridCol>
                 <a:gridCol w="2464037">
                   <a:extLst>
                     <a:ext uri="{9D8B030D-6E8A-4147-A177-3AD203B41FA5}">
-                      <a16:colId xmlns="" xmlns:a16="http://schemas.microsoft.com/office/drawing/2014/main" val="2056552446"/>
+                      <a16:colId xmlns:a16="http://schemas.microsoft.com/office/drawing/2014/main" val="2056552446"/>
                     </a:ext>
                   </a:extLst>
                 </a:gridCol>
                 <a:gridCol w="1574966">
                   <a:extLst>
                     <a:ext uri="{9D8B030D-6E8A-4147-A177-3AD203B41FA5}">
-                      <a16:colId xmlns="" xmlns:a16="http://schemas.microsoft.com/office/drawing/2014/main" val="1567976445"/>
+                      <a16:colId xmlns:a16="http://schemas.microsoft.com/office/drawing/2014/main" val="1567976445"/>
                     </a:ext>
                   </a:extLst>
                 </a:gridCol>
@@ -12946,7 +13739,7 @@
                 </a:tc>
                 <a:extLst>
                   <a:ext uri="{0D108BD9-81ED-4DB2-BD59-A6C34878D82A}">
-                    <a16:rowId xmlns="" xmlns:a16="http://schemas.microsoft.com/office/drawing/2014/main" val="3203583067"/>
+                    <a16:rowId xmlns:a16="http://schemas.microsoft.com/office/drawing/2014/main" val="3203583067"/>
                   </a:ext>
                 </a:extLst>
               </a:tr>
@@ -13279,7 +14072,7 @@
                 </a:tc>
                 <a:extLst>
                   <a:ext uri="{0D108BD9-81ED-4DB2-BD59-A6C34878D82A}">
-                    <a16:rowId xmlns="" xmlns:a16="http://schemas.microsoft.com/office/drawing/2014/main" val="851841494"/>
+                    <a16:rowId xmlns:a16="http://schemas.microsoft.com/office/drawing/2014/main" val="851841494"/>
                   </a:ext>
                 </a:extLst>
               </a:tr>
@@ -13805,7 +14598,7 @@
                 </a:tc>
                 <a:extLst>
                   <a:ext uri="{0D108BD9-81ED-4DB2-BD59-A6C34878D82A}">
-                    <a16:rowId xmlns="" xmlns:a16="http://schemas.microsoft.com/office/drawing/2014/main" val="1437797630"/>
+                    <a16:rowId xmlns:a16="http://schemas.microsoft.com/office/drawing/2014/main" val="1437797630"/>
                   </a:ext>
                 </a:extLst>
               </a:tr>
@@ -14457,7 +15250,7 @@
                 </a:tc>
                 <a:extLst>
                   <a:ext uri="{0D108BD9-81ED-4DB2-BD59-A6C34878D82A}">
-                    <a16:rowId xmlns="" xmlns:a16="http://schemas.microsoft.com/office/drawing/2014/main" val="406495537"/>
+                    <a16:rowId xmlns:a16="http://schemas.microsoft.com/office/drawing/2014/main" val="406495537"/>
                   </a:ext>
                 </a:extLst>
               </a:tr>
@@ -14847,7 +15640,7 @@
                 </a:tc>
                 <a:extLst>
                   <a:ext uri="{0D108BD9-81ED-4DB2-BD59-A6C34878D82A}">
-                    <a16:rowId xmlns="" xmlns:a16="http://schemas.microsoft.com/office/drawing/2014/main" val="2200042587"/>
+                    <a16:rowId xmlns:a16="http://schemas.microsoft.com/office/drawing/2014/main" val="2200042587"/>
                   </a:ext>
                 </a:extLst>
               </a:tr>
@@ -15123,7 +15916,7 @@
                 </a:tc>
                 <a:extLst>
                   <a:ext uri="{0D108BD9-81ED-4DB2-BD59-A6C34878D82A}">
-                    <a16:rowId xmlns="" xmlns:a16="http://schemas.microsoft.com/office/drawing/2014/main" val="4069117920"/>
+                    <a16:rowId xmlns:a16="http://schemas.microsoft.com/office/drawing/2014/main" val="4069117920"/>
                   </a:ext>
                 </a:extLst>
               </a:tr>
@@ -15527,7 +16320,7 @@
                 </a:tc>
                 <a:extLst>
                   <a:ext uri="{0D108BD9-81ED-4DB2-BD59-A6C34878D82A}">
-                    <a16:rowId xmlns="" xmlns:a16="http://schemas.microsoft.com/office/drawing/2014/main" val="2348740028"/>
+                    <a16:rowId xmlns:a16="http://schemas.microsoft.com/office/drawing/2014/main" val="2348740028"/>
                   </a:ext>
                 </a:extLst>
               </a:tr>
@@ -15666,35 +16459,35 @@
                 <a:gridCol w="2454326">
                   <a:extLst>
                     <a:ext uri="{9D8B030D-6E8A-4147-A177-3AD203B41FA5}">
-                      <a16:colId xmlns="" xmlns:a16="http://schemas.microsoft.com/office/drawing/2014/main" val="20000"/>
+                      <a16:colId xmlns:a16="http://schemas.microsoft.com/office/drawing/2014/main" val="20000"/>
                     </a:ext>
                   </a:extLst>
                 </a:gridCol>
                 <a:gridCol w="2306453">
                   <a:extLst>
                     <a:ext uri="{9D8B030D-6E8A-4147-A177-3AD203B41FA5}">
-                      <a16:colId xmlns="" xmlns:a16="http://schemas.microsoft.com/office/drawing/2014/main" val="20002"/>
+                      <a16:colId xmlns:a16="http://schemas.microsoft.com/office/drawing/2014/main" val="20002"/>
                     </a:ext>
                   </a:extLst>
                 </a:gridCol>
                 <a:gridCol w="2254336">
                   <a:extLst>
                     <a:ext uri="{9D8B030D-6E8A-4147-A177-3AD203B41FA5}">
-                      <a16:colId xmlns="" xmlns:a16="http://schemas.microsoft.com/office/drawing/2014/main" val="2575180168"/>
+                      <a16:colId xmlns:a16="http://schemas.microsoft.com/office/drawing/2014/main" val="2575180168"/>
                     </a:ext>
                   </a:extLst>
                 </a:gridCol>
                 <a:gridCol w="2355667">
                   <a:extLst>
                     <a:ext uri="{9D8B030D-6E8A-4147-A177-3AD203B41FA5}">
-                      <a16:colId xmlns="" xmlns:a16="http://schemas.microsoft.com/office/drawing/2014/main" val="20003"/>
+                      <a16:colId xmlns:a16="http://schemas.microsoft.com/office/drawing/2014/main" val="20003"/>
                     </a:ext>
                   </a:extLst>
                 </a:gridCol>
                 <a:gridCol w="1661586">
                   <a:extLst>
                     <a:ext uri="{9D8B030D-6E8A-4147-A177-3AD203B41FA5}">
-                      <a16:colId xmlns="" xmlns:a16="http://schemas.microsoft.com/office/drawing/2014/main" val="1141158204"/>
+                      <a16:colId xmlns:a16="http://schemas.microsoft.com/office/drawing/2014/main" val="1141158204"/>
                     </a:ext>
                   </a:extLst>
                 </a:gridCol>
@@ -16378,7 +17171,7 @@
                 </a:tc>
                 <a:extLst>
                   <a:ext uri="{0D108BD9-81ED-4DB2-BD59-A6C34878D82A}">
-                    <a16:rowId xmlns="" xmlns:a16="http://schemas.microsoft.com/office/drawing/2014/main" val="10000"/>
+                    <a16:rowId xmlns:a16="http://schemas.microsoft.com/office/drawing/2014/main" val="10000"/>
                   </a:ext>
                 </a:extLst>
               </a:tr>
@@ -16766,7 +17559,7 @@
                 </a:tc>
                 <a:extLst>
                   <a:ext uri="{0D108BD9-81ED-4DB2-BD59-A6C34878D82A}">
-                    <a16:rowId xmlns="" xmlns:a16="http://schemas.microsoft.com/office/drawing/2014/main" val="3242880312"/>
+                    <a16:rowId xmlns:a16="http://schemas.microsoft.com/office/drawing/2014/main" val="3242880312"/>
                   </a:ext>
                 </a:extLst>
               </a:tr>
@@ -17150,63 +17943,63 @@
                 <a:gridCol w="854780">
                   <a:extLst>
                     <a:ext uri="{9D8B030D-6E8A-4147-A177-3AD203B41FA5}">
-                      <a16:colId xmlns="" xmlns:a16="http://schemas.microsoft.com/office/drawing/2014/main" val="2715221625"/>
+                      <a16:colId xmlns:a16="http://schemas.microsoft.com/office/drawing/2014/main" val="2715221625"/>
                     </a:ext>
                   </a:extLst>
                 </a:gridCol>
                 <a:gridCol w="854780">
                   <a:extLst>
                     <a:ext uri="{9D8B030D-6E8A-4147-A177-3AD203B41FA5}">
-                      <a16:colId xmlns="" xmlns:a16="http://schemas.microsoft.com/office/drawing/2014/main" val="1722467380"/>
+                      <a16:colId xmlns:a16="http://schemas.microsoft.com/office/drawing/2014/main" val="1722467380"/>
                     </a:ext>
                   </a:extLst>
                 </a:gridCol>
                 <a:gridCol w="1158769">
                   <a:extLst>
                     <a:ext uri="{9D8B030D-6E8A-4147-A177-3AD203B41FA5}">
-                      <a16:colId xmlns="" xmlns:a16="http://schemas.microsoft.com/office/drawing/2014/main" val="8733085"/>
+                      <a16:colId xmlns:a16="http://schemas.microsoft.com/office/drawing/2014/main" val="8733085"/>
                     </a:ext>
                   </a:extLst>
                 </a:gridCol>
                 <a:gridCol w="899883">
                   <a:extLst>
                     <a:ext uri="{9D8B030D-6E8A-4147-A177-3AD203B41FA5}">
-                      <a16:colId xmlns="" xmlns:a16="http://schemas.microsoft.com/office/drawing/2014/main" val="2034639721"/>
+                      <a16:colId xmlns:a16="http://schemas.microsoft.com/office/drawing/2014/main" val="2034639721"/>
                     </a:ext>
                   </a:extLst>
                 </a:gridCol>
                 <a:gridCol w="1968445">
                   <a:extLst>
                     <a:ext uri="{9D8B030D-6E8A-4147-A177-3AD203B41FA5}">
-                      <a16:colId xmlns="" xmlns:a16="http://schemas.microsoft.com/office/drawing/2014/main" val="984284813"/>
+                      <a16:colId xmlns:a16="http://schemas.microsoft.com/office/drawing/2014/main" val="984284813"/>
                     </a:ext>
                   </a:extLst>
                 </a:gridCol>
                 <a:gridCol w="1634194">
                   <a:extLst>
                     <a:ext uri="{9D8B030D-6E8A-4147-A177-3AD203B41FA5}">
-                      <a16:colId xmlns="" xmlns:a16="http://schemas.microsoft.com/office/drawing/2014/main" val="610353967"/>
+                      <a16:colId xmlns:a16="http://schemas.microsoft.com/office/drawing/2014/main" val="610353967"/>
                     </a:ext>
                   </a:extLst>
                 </a:gridCol>
                 <a:gridCol w="1234134">
                   <a:extLst>
                     <a:ext uri="{9D8B030D-6E8A-4147-A177-3AD203B41FA5}">
-                      <a16:colId xmlns="" xmlns:a16="http://schemas.microsoft.com/office/drawing/2014/main" val="2199988680"/>
+                      <a16:colId xmlns:a16="http://schemas.microsoft.com/office/drawing/2014/main" val="2199988680"/>
                     </a:ext>
                   </a:extLst>
                 </a:gridCol>
                 <a:gridCol w="942636">
                   <a:extLst>
                     <a:ext uri="{9D8B030D-6E8A-4147-A177-3AD203B41FA5}">
-                      <a16:colId xmlns="" xmlns:a16="http://schemas.microsoft.com/office/drawing/2014/main" val="1060807198"/>
+                      <a16:colId xmlns:a16="http://schemas.microsoft.com/office/drawing/2014/main" val="1060807198"/>
                     </a:ext>
                   </a:extLst>
                 </a:gridCol>
                 <a:gridCol w="1925692">
                   <a:extLst>
                     <a:ext uri="{9D8B030D-6E8A-4147-A177-3AD203B41FA5}">
-                      <a16:colId xmlns="" xmlns:a16="http://schemas.microsoft.com/office/drawing/2014/main" val="3687281855"/>
+                      <a16:colId xmlns:a16="http://schemas.microsoft.com/office/drawing/2014/main" val="3687281855"/>
                     </a:ext>
                   </a:extLst>
                 </a:gridCol>
@@ -17337,7 +18130,7 @@
                 </a:tc>
                 <a:extLst>
                   <a:ext uri="{0D108BD9-81ED-4DB2-BD59-A6C34878D82A}">
-                    <a16:rowId xmlns="" xmlns:a16="http://schemas.microsoft.com/office/drawing/2014/main" val="132260445"/>
+                    <a16:rowId xmlns:a16="http://schemas.microsoft.com/office/drawing/2014/main" val="132260445"/>
                   </a:ext>
                 </a:extLst>
               </a:tr>
@@ -17487,7 +18280,7 @@
                 </a:tc>
                 <a:extLst>
                   <a:ext uri="{0D108BD9-81ED-4DB2-BD59-A6C34878D82A}">
-                    <a16:rowId xmlns="" xmlns:a16="http://schemas.microsoft.com/office/drawing/2014/main" val="1454925855"/>
+                    <a16:rowId xmlns:a16="http://schemas.microsoft.com/office/drawing/2014/main" val="1454925855"/>
                   </a:ext>
                 </a:extLst>
               </a:tr>
@@ -17630,7 +18423,7 @@
                 </a:tc>
                 <a:extLst>
                   <a:ext uri="{0D108BD9-81ED-4DB2-BD59-A6C34878D82A}">
-                    <a16:rowId xmlns="" xmlns:a16="http://schemas.microsoft.com/office/drawing/2014/main" val="1815440894"/>
+                    <a16:rowId xmlns:a16="http://schemas.microsoft.com/office/drawing/2014/main" val="1815440894"/>
                   </a:ext>
                 </a:extLst>
               </a:tr>
@@ -17752,7 +18545,7 @@
                 </a:tc>
                 <a:extLst>
                   <a:ext uri="{0D108BD9-81ED-4DB2-BD59-A6C34878D82A}">
-                    <a16:rowId xmlns="" xmlns:a16="http://schemas.microsoft.com/office/drawing/2014/main" val="344899817"/>
+                    <a16:rowId xmlns:a16="http://schemas.microsoft.com/office/drawing/2014/main" val="344899817"/>
                   </a:ext>
                 </a:extLst>
               </a:tr>
@@ -17903,7 +18696,7 @@
                 </a:tc>
                 <a:extLst>
                   <a:ext uri="{0D108BD9-81ED-4DB2-BD59-A6C34878D82A}">
-                    <a16:rowId xmlns="" xmlns:a16="http://schemas.microsoft.com/office/drawing/2014/main" val="1268840849"/>
+                    <a16:rowId xmlns:a16="http://schemas.microsoft.com/office/drawing/2014/main" val="1268840849"/>
                   </a:ext>
                 </a:extLst>
               </a:tr>
@@ -18341,7 +19134,7 @@
                 </a:tc>
                 <a:extLst>
                   <a:ext uri="{0D108BD9-81ED-4DB2-BD59-A6C34878D82A}">
-                    <a16:rowId xmlns="" xmlns:a16="http://schemas.microsoft.com/office/drawing/2014/main" val="3241501689"/>
+                    <a16:rowId xmlns:a16="http://schemas.microsoft.com/office/drawing/2014/main" val="3241501689"/>
                   </a:ext>
                 </a:extLst>
               </a:tr>
@@ -18696,7 +19489,7 @@
                 </a:tc>
                 <a:extLst>
                   <a:ext uri="{0D108BD9-81ED-4DB2-BD59-A6C34878D82A}">
-                    <a16:rowId xmlns="" xmlns:a16="http://schemas.microsoft.com/office/drawing/2014/main" val="3375075753"/>
+                    <a16:rowId xmlns:a16="http://schemas.microsoft.com/office/drawing/2014/main" val="3375075753"/>
                   </a:ext>
                 </a:extLst>
               </a:tr>
@@ -19072,7 +19865,7 @@
                 </a:tc>
                 <a:extLst>
                   <a:ext uri="{0D108BD9-81ED-4DB2-BD59-A6C34878D82A}">
-                    <a16:rowId xmlns="" xmlns:a16="http://schemas.microsoft.com/office/drawing/2014/main" val="1818738132"/>
+                    <a16:rowId xmlns:a16="http://schemas.microsoft.com/office/drawing/2014/main" val="1818738132"/>
                   </a:ext>
                 </a:extLst>
               </a:tr>
@@ -19496,7 +20289,7 @@
                 </a:tc>
                 <a:extLst>
                   <a:ext uri="{0D108BD9-81ED-4DB2-BD59-A6C34878D82A}">
-                    <a16:rowId xmlns="" xmlns:a16="http://schemas.microsoft.com/office/drawing/2014/main" val="3192001067"/>
+                    <a16:rowId xmlns:a16="http://schemas.microsoft.com/office/drawing/2014/main" val="3192001067"/>
                   </a:ext>
                 </a:extLst>
               </a:tr>
@@ -19754,7 +20547,7 @@
                 </a:tc>
                 <a:extLst>
                   <a:ext uri="{0D108BD9-81ED-4DB2-BD59-A6C34878D82A}">
-                    <a16:rowId xmlns="" xmlns:a16="http://schemas.microsoft.com/office/drawing/2014/main" val="564902271"/>
+                    <a16:rowId xmlns:a16="http://schemas.microsoft.com/office/drawing/2014/main" val="564902271"/>
                   </a:ext>
                 </a:extLst>
               </a:tr>
@@ -20228,7 +21021,7 @@
                 </a:tc>
                 <a:extLst>
                   <a:ext uri="{0D108BD9-81ED-4DB2-BD59-A6C34878D82A}">
-                    <a16:rowId xmlns="" xmlns:a16="http://schemas.microsoft.com/office/drawing/2014/main" val="981176443"/>
+                    <a16:rowId xmlns:a16="http://schemas.microsoft.com/office/drawing/2014/main" val="981176443"/>
                   </a:ext>
                 </a:extLst>
               </a:tr>
@@ -21783,7 +22576,7 @@
           <a:graphicData uri="http://schemas.openxmlformats.org/presentationml/2006/ole">
             <mc:AlternateContent xmlns:mc="http://schemas.openxmlformats.org/markup-compatibility/2006">
               <mc:Choice xmlns:v="urn:schemas-microsoft-com:vml" Requires="v">
-                <p:oleObj spid="_x0000_s44078" name="think-cell Slide" r:id="rId5" imgW="416" imgH="416" progId="TCLayout.ActiveDocument.1">
+                <p:oleObj spid="_x0000_s44079" name="think-cell Slide" r:id="rId5" imgW="416" imgH="416" progId="TCLayout.ActiveDocument.1">
                   <p:embed/>
                 </p:oleObj>
               </mc:Choice>
@@ -24613,7 +25406,7 @@
   <a:extraClrSchemeLst/>
   <a:extLst>
     <a:ext uri="{05A4C25C-085E-4340-85A3-A5531E510DB2}">
-      <thm15:themeFamily xmlns="" xmlns:thm15="http://schemas.microsoft.com/office/thememl/2012/main" name="Bentley template 2021.potx" id="{C9F80F40-B2B1-4DB6-919B-71F3AAFFE5B0}" vid="{F9D38CA0-4F02-4029-A6BC-9642EF690A5C}"/>
+      <thm15:themeFamily xmlns:thm15="http://schemas.microsoft.com/office/thememl/2012/main" name="Bentley template 2021.potx" id="{C9F80F40-B2B1-4DB6-919B-71F3AAFFE5B0}" vid="{F9D38CA0-4F02-4029-A6BC-9642EF690A5C}"/>
     </a:ext>
   </a:extLst>
 </a:theme>
@@ -24847,7 +25640,7 @@
   <a:extraClrSchemeLst/>
   <a:extLst>
     <a:ext uri="{05A4C25C-085E-4340-85A3-A5531E510DB2}">
-      <thm15:themeFamily xmlns="" xmlns:thm15="http://schemas.microsoft.com/office/thememl/2012/main" name="Bentley template 2021.potx" id="{C9F80F40-B2B1-4DB6-919B-71F3AAFFE5B0}" vid="{F9D38CA0-4F02-4029-A6BC-9642EF690A5C}"/>
+      <thm15:themeFamily xmlns:thm15="http://schemas.microsoft.com/office/thememl/2012/main" name="Bentley template 2021.potx" id="{C9F80F40-B2B1-4DB6-919B-71F3AAFFE5B0}" vid="{F9D38CA0-4F02-4029-A6BC-9642EF690A5C}"/>
     </a:ext>
   </a:extLst>
 </a:theme>
@@ -25108,7 +25901,7 @@
   <a:extraClrSchemeLst/>
   <a:extLst>
     <a:ext uri="{05A4C25C-085E-4340-85A3-A5531E510DB2}">
-      <thm15:themeFamily xmlns="" xmlns:thm15="http://schemas.microsoft.com/office/thememl/2012/main" name="Office Theme" id="{62F939B6-93AF-4DB8-9C6B-D6C7DFDC589F}" vid="{4A3C46E8-61CC-4603-A589-7422A47A8E4A}"/>
+      <thm15:themeFamily xmlns:thm15="http://schemas.microsoft.com/office/thememl/2012/main" name="Office Theme" id="{62F939B6-93AF-4DB8-9C6B-D6C7DFDC589F}" vid="{4A3C46E8-61CC-4603-A589-7422A47A8E4A}"/>
     </a:ext>
   </a:extLst>
 </a:theme>

--- a/com.yrtech.bentleyAPI/com.yrtech.InventoryAPI/template/PlanOffLine.pptx
+++ b/com.yrtech.bentleyAPI/com.yrtech.InventoryAPI/template/PlanOffLine.pptx
@@ -123,7 +123,7 @@
   </p:defaultTextStyle>
   <p:extLst>
     <p:ext uri="{EFAFB233-063F-42B5-8137-9DF3F51BA10A}">
-      <p15:sldGuideLst xmlns:p15="http://schemas.microsoft.com/office/powerpoint/2012/main">
+      <p15:sldGuideLst xmlns:p15="http://schemas.microsoft.com/office/powerpoint/2012/main" xmlns="">
         <p15:guide id="1" pos="7310" userDrawn="1">
           <p15:clr>
             <a:srgbClr val="A4A3A4"/>
@@ -1482,7 +1482,7 @@
           <a:graphicData uri="http://schemas.openxmlformats.org/presentationml/2006/ole">
             <mc:AlternateContent xmlns:mc="http://schemas.openxmlformats.org/markup-compatibility/2006">
               <mc:Choice xmlns:v="urn:schemas-microsoft-com:vml" Requires="v">
-                <p:oleObj spid="_x0000_s32816" name="think-cell Slide" r:id="rId5" imgW="216" imgH="216" progId="TCLayout.ActiveDocument.1">
+                <p:oleObj spid="_x0000_s32821" name="think-cell Slide" r:id="rId5" imgW="216" imgH="216" progId="TCLayout.ActiveDocument.1">
                   <p:embed/>
                 </p:oleObj>
               </mc:Choice>
@@ -1679,7 +1679,7 @@
           <p:cNvPr id="4" name="Footer Placeholder 3">
             <a:extLst>
               <a:ext uri="{FF2B5EF4-FFF2-40B4-BE49-F238E27FC236}">
-                <a16:creationId xmlns:a16="http://schemas.microsoft.com/office/drawing/2014/main" id="{17D6DE4C-D976-4B4B-B087-C035EF8D4F6F}"/>
+                <a16:creationId xmlns:a16="http://schemas.microsoft.com/office/drawing/2014/main" xmlns="" id="{17D6DE4C-D976-4B4B-B087-C035EF8D4F6F}"/>
               </a:ext>
             </a:extLst>
           </p:cNvPr>
@@ -1738,7 +1738,7 @@
           <p:cNvPr id="13" name="Straight Connector 12">
             <a:extLst>
               <a:ext uri="{FF2B5EF4-FFF2-40B4-BE49-F238E27FC236}">
-                <a16:creationId xmlns:a16="http://schemas.microsoft.com/office/drawing/2014/main" id="{95C486A1-9876-924E-85C2-906892F8B9AC}"/>
+                <a16:creationId xmlns:a16="http://schemas.microsoft.com/office/drawing/2014/main" xmlns="" id="{95C486A1-9876-924E-85C2-906892F8B9AC}"/>
               </a:ext>
             </a:extLst>
           </p:cNvPr>
@@ -1781,7 +1781,7 @@
           <p:cNvPr id="17" name="Slide Number Placeholder 5">
             <a:extLst>
               <a:ext uri="{FF2B5EF4-FFF2-40B4-BE49-F238E27FC236}">
-                <a16:creationId xmlns:a16="http://schemas.microsoft.com/office/drawing/2014/main" id="{CC67CD5C-67EC-5144-B858-5347C50D1ACD}"/>
+                <a16:creationId xmlns:a16="http://schemas.microsoft.com/office/drawing/2014/main" xmlns="" id="{CC67CD5C-67EC-5144-B858-5347C50D1ACD}"/>
               </a:ext>
             </a:extLst>
           </p:cNvPr>
@@ -1833,7 +1833,7 @@
           <p:cNvPr id="8" name="Title 7">
             <a:extLst>
               <a:ext uri="{FF2B5EF4-FFF2-40B4-BE49-F238E27FC236}">
-                <a16:creationId xmlns:a16="http://schemas.microsoft.com/office/drawing/2014/main" id="{8A6F1540-D306-D44E-B1B3-1ACCF1041F70}"/>
+                <a16:creationId xmlns:a16="http://schemas.microsoft.com/office/drawing/2014/main" xmlns="" id="{8A6F1540-D306-D44E-B1B3-1ACCF1041F70}"/>
               </a:ext>
             </a:extLst>
           </p:cNvPr>
@@ -2240,7 +2240,7 @@
           <a:graphicData uri="http://schemas.openxmlformats.org/presentationml/2006/ole">
             <mc:AlternateContent xmlns:mc="http://schemas.openxmlformats.org/markup-compatibility/2006">
               <mc:Choice xmlns:v="urn:schemas-microsoft-com:vml" Requires="v">
-                <p:oleObj spid="_x0000_s33840" name="think-cell Slide" r:id="rId4" imgW="216" imgH="216" progId="TCLayout.ActiveDocument.1">
+                <p:oleObj spid="_x0000_s33845" name="think-cell Slide" r:id="rId4" imgW="216" imgH="216" progId="TCLayout.ActiveDocument.1">
                   <p:embed/>
                 </p:oleObj>
               </mc:Choice>
@@ -2366,7 +2366,7 @@
           <p:cNvPr id="8" name="Title 7">
             <a:extLst>
               <a:ext uri="{FF2B5EF4-FFF2-40B4-BE49-F238E27FC236}">
-                <a16:creationId xmlns:a16="http://schemas.microsoft.com/office/drawing/2014/main" id="{8A6F1540-D306-D44E-B1B3-1ACCF1041F70}"/>
+                <a16:creationId xmlns:a16="http://schemas.microsoft.com/office/drawing/2014/main" xmlns="" id="{8A6F1540-D306-D44E-B1B3-1ACCF1041F70}"/>
               </a:ext>
             </a:extLst>
           </p:cNvPr>
@@ -2402,7 +2402,7 @@
           <p:cNvPr id="9" name="Content Placeholder 2">
             <a:extLst>
               <a:ext uri="{FF2B5EF4-FFF2-40B4-BE49-F238E27FC236}">
-                <a16:creationId xmlns:a16="http://schemas.microsoft.com/office/drawing/2014/main" id="{0A7C1352-3D49-F849-9BC3-BC0AF9CD8F04}"/>
+                <a16:creationId xmlns:a16="http://schemas.microsoft.com/office/drawing/2014/main" xmlns="" id="{0A7C1352-3D49-F849-9BC3-BC0AF9CD8F04}"/>
               </a:ext>
             </a:extLst>
           </p:cNvPr>
@@ -2494,7 +2494,7 @@
           <p:cNvPr id="10" name="Content Placeholder 2">
             <a:extLst>
               <a:ext uri="{FF2B5EF4-FFF2-40B4-BE49-F238E27FC236}">
-                <a16:creationId xmlns:a16="http://schemas.microsoft.com/office/drawing/2014/main" id="{D1AA7CFB-7669-2648-A3E1-E647E531399E}"/>
+                <a16:creationId xmlns:a16="http://schemas.microsoft.com/office/drawing/2014/main" xmlns="" id="{D1AA7CFB-7669-2648-A3E1-E647E531399E}"/>
               </a:ext>
             </a:extLst>
           </p:cNvPr>
@@ -2586,7 +2586,7 @@
           <p:cNvPr id="11" name="Content Placeholder 2">
             <a:extLst>
               <a:ext uri="{FF2B5EF4-FFF2-40B4-BE49-F238E27FC236}">
-                <a16:creationId xmlns:a16="http://schemas.microsoft.com/office/drawing/2014/main" id="{2E4B4082-D988-5D43-9C32-2C7F747717ED}"/>
+                <a16:creationId xmlns:a16="http://schemas.microsoft.com/office/drawing/2014/main" xmlns="" id="{2E4B4082-D988-5D43-9C32-2C7F747717ED}"/>
               </a:ext>
             </a:extLst>
           </p:cNvPr>
@@ -2678,7 +2678,7 @@
           <p:cNvPr id="12" name="Content Placeholder 2">
             <a:extLst>
               <a:ext uri="{FF2B5EF4-FFF2-40B4-BE49-F238E27FC236}">
-                <a16:creationId xmlns:a16="http://schemas.microsoft.com/office/drawing/2014/main" id="{45B8DE4D-1F9B-7341-8CB2-D70634815B55}"/>
+                <a16:creationId xmlns:a16="http://schemas.microsoft.com/office/drawing/2014/main" xmlns="" id="{45B8DE4D-1F9B-7341-8CB2-D70634815B55}"/>
               </a:ext>
             </a:extLst>
           </p:cNvPr>
@@ -2770,7 +2770,7 @@
           <p:cNvPr id="14" name="Footer Placeholder 3">
             <a:extLst>
               <a:ext uri="{FF2B5EF4-FFF2-40B4-BE49-F238E27FC236}">
-                <a16:creationId xmlns:a16="http://schemas.microsoft.com/office/drawing/2014/main" id="{DBA440F4-82E0-7E45-8A6F-4A8C7572AEE5}"/>
+                <a16:creationId xmlns:a16="http://schemas.microsoft.com/office/drawing/2014/main" xmlns="" id="{DBA440F4-82E0-7E45-8A6F-4A8C7572AEE5}"/>
               </a:ext>
             </a:extLst>
           </p:cNvPr>
@@ -2829,7 +2829,7 @@
           <p:cNvPr id="15" name="Slide Number Placeholder 5">
             <a:extLst>
               <a:ext uri="{FF2B5EF4-FFF2-40B4-BE49-F238E27FC236}">
-                <a16:creationId xmlns:a16="http://schemas.microsoft.com/office/drawing/2014/main" id="{CC67CD5C-67EC-5144-B858-5347C50D1ACD}"/>
+                <a16:creationId xmlns:a16="http://schemas.microsoft.com/office/drawing/2014/main" xmlns="" id="{CC67CD5C-67EC-5144-B858-5347C50D1ACD}"/>
               </a:ext>
             </a:extLst>
           </p:cNvPr>
@@ -2881,7 +2881,7 @@
           <p:cNvPr id="16" name="Straight Connector 15">
             <a:extLst>
               <a:ext uri="{FF2B5EF4-FFF2-40B4-BE49-F238E27FC236}">
-                <a16:creationId xmlns:a16="http://schemas.microsoft.com/office/drawing/2014/main" id="{95C486A1-9876-924E-85C2-906892F8B9AC}"/>
+                <a16:creationId xmlns:a16="http://schemas.microsoft.com/office/drawing/2014/main" xmlns="" id="{95C486A1-9876-924E-85C2-906892F8B9AC}"/>
               </a:ext>
             </a:extLst>
           </p:cNvPr>
@@ -2977,7 +2977,7 @@
           <a:graphicData uri="http://schemas.openxmlformats.org/presentationml/2006/ole">
             <mc:AlternateContent xmlns:mc="http://schemas.openxmlformats.org/markup-compatibility/2006">
               <mc:Choice xmlns:v="urn:schemas-microsoft-com:vml" Requires="v">
-                <p:oleObj spid="_x0000_s34864" name="think-cell Slide" r:id="rId4" imgW="216" imgH="216" progId="TCLayout.ActiveDocument.1">
+                <p:oleObj spid="_x0000_s34869" name="think-cell Slide" r:id="rId4" imgW="216" imgH="216" progId="TCLayout.ActiveDocument.1">
                   <p:embed/>
                 </p:oleObj>
               </mc:Choice>
@@ -3017,7 +3017,7 @@
           <p:cNvPr id="8" name="Title 7">
             <a:extLst>
               <a:ext uri="{FF2B5EF4-FFF2-40B4-BE49-F238E27FC236}">
-                <a16:creationId xmlns:a16="http://schemas.microsoft.com/office/drawing/2014/main" id="{8A6F1540-D306-D44E-B1B3-1ACCF1041F70}"/>
+                <a16:creationId xmlns:a16="http://schemas.microsoft.com/office/drawing/2014/main" xmlns="" id="{8A6F1540-D306-D44E-B1B3-1ACCF1041F70}"/>
               </a:ext>
             </a:extLst>
           </p:cNvPr>
@@ -3813,7 +3813,7 @@
           <p:cNvPr id="37" name="Footer Placeholder 3">
             <a:extLst>
               <a:ext uri="{FF2B5EF4-FFF2-40B4-BE49-F238E27FC236}">
-                <a16:creationId xmlns:a16="http://schemas.microsoft.com/office/drawing/2014/main" id="{DBA440F4-82E0-7E45-8A6F-4A8C7572AEE5}"/>
+                <a16:creationId xmlns:a16="http://schemas.microsoft.com/office/drawing/2014/main" xmlns="" id="{DBA440F4-82E0-7E45-8A6F-4A8C7572AEE5}"/>
               </a:ext>
             </a:extLst>
           </p:cNvPr>
@@ -3872,7 +3872,7 @@
           <p:cNvPr id="38" name="Slide Number Placeholder 5">
             <a:extLst>
               <a:ext uri="{FF2B5EF4-FFF2-40B4-BE49-F238E27FC236}">
-                <a16:creationId xmlns:a16="http://schemas.microsoft.com/office/drawing/2014/main" id="{CC67CD5C-67EC-5144-B858-5347C50D1ACD}"/>
+                <a16:creationId xmlns:a16="http://schemas.microsoft.com/office/drawing/2014/main" xmlns="" id="{CC67CD5C-67EC-5144-B858-5347C50D1ACD}"/>
               </a:ext>
             </a:extLst>
           </p:cNvPr>
@@ -3924,7 +3924,7 @@
           <p:cNvPr id="39" name="Straight Connector 38">
             <a:extLst>
               <a:ext uri="{FF2B5EF4-FFF2-40B4-BE49-F238E27FC236}">
-                <a16:creationId xmlns:a16="http://schemas.microsoft.com/office/drawing/2014/main" id="{95C486A1-9876-924E-85C2-906892F8B9AC}"/>
+                <a16:creationId xmlns:a16="http://schemas.microsoft.com/office/drawing/2014/main" xmlns="" id="{95C486A1-9876-924E-85C2-906892F8B9AC}"/>
               </a:ext>
             </a:extLst>
           </p:cNvPr>
@@ -4025,7 +4025,7 @@
           <a:graphicData uri="http://schemas.openxmlformats.org/presentationml/2006/ole">
             <mc:AlternateContent xmlns:mc="http://schemas.openxmlformats.org/markup-compatibility/2006">
               <mc:Choice xmlns:v="urn:schemas-microsoft-com:vml" Requires="v">
-                <p:oleObj spid="_x0000_s35888" name="think-cell Slide" r:id="rId5" imgW="216" imgH="216" progId="TCLayout.ActiveDocument.1">
+                <p:oleObj spid="_x0000_s35893" name="think-cell Slide" r:id="rId5" imgW="216" imgH="216" progId="TCLayout.ActiveDocument.1">
                   <p:embed/>
                 </p:oleObj>
               </mc:Choice>
@@ -4242,7 +4242,7 @@
           <p:cNvPr id="4" name="Footer Placeholder 3">
             <a:extLst>
               <a:ext uri="{FF2B5EF4-FFF2-40B4-BE49-F238E27FC236}">
-                <a16:creationId xmlns:a16="http://schemas.microsoft.com/office/drawing/2014/main" id="{17D6DE4C-D976-4B4B-B087-C035EF8D4F6F}"/>
+                <a16:creationId xmlns:a16="http://schemas.microsoft.com/office/drawing/2014/main" xmlns="" id="{17D6DE4C-D976-4B4B-B087-C035EF8D4F6F}"/>
               </a:ext>
             </a:extLst>
           </p:cNvPr>
@@ -4301,7 +4301,7 @@
           <p:cNvPr id="17" name="Slide Number Placeholder 5">
             <a:extLst>
               <a:ext uri="{FF2B5EF4-FFF2-40B4-BE49-F238E27FC236}">
-                <a16:creationId xmlns:a16="http://schemas.microsoft.com/office/drawing/2014/main" id="{CC67CD5C-67EC-5144-B858-5347C50D1ACD}"/>
+                <a16:creationId xmlns:a16="http://schemas.microsoft.com/office/drawing/2014/main" xmlns="" id="{CC67CD5C-67EC-5144-B858-5347C50D1ACD}"/>
               </a:ext>
             </a:extLst>
           </p:cNvPr>
@@ -4353,7 +4353,7 @@
           <p:cNvPr id="8" name="Title 7">
             <a:extLst>
               <a:ext uri="{FF2B5EF4-FFF2-40B4-BE49-F238E27FC236}">
-                <a16:creationId xmlns:a16="http://schemas.microsoft.com/office/drawing/2014/main" id="{8A6F1540-D306-D44E-B1B3-1ACCF1041F70}"/>
+                <a16:creationId xmlns:a16="http://schemas.microsoft.com/office/drawing/2014/main" xmlns="" id="{8A6F1540-D306-D44E-B1B3-1ACCF1041F70}"/>
               </a:ext>
             </a:extLst>
           </p:cNvPr>
@@ -4397,7 +4397,7 @@
           <p:cNvPr id="9" name="Straight Connector 8">
             <a:extLst>
               <a:ext uri="{FF2B5EF4-FFF2-40B4-BE49-F238E27FC236}">
-                <a16:creationId xmlns:a16="http://schemas.microsoft.com/office/drawing/2014/main" id="{BB1AA2BE-B537-254D-958A-FBAFDE7E90DC}"/>
+                <a16:creationId xmlns:a16="http://schemas.microsoft.com/office/drawing/2014/main" xmlns="" id="{BB1AA2BE-B537-254D-958A-FBAFDE7E90DC}"/>
               </a:ext>
             </a:extLst>
           </p:cNvPr>
@@ -4440,7 +4440,7 @@
           <p:cNvPr id="10" name="Straight Connector 9">
             <a:extLst>
               <a:ext uri="{FF2B5EF4-FFF2-40B4-BE49-F238E27FC236}">
-                <a16:creationId xmlns:a16="http://schemas.microsoft.com/office/drawing/2014/main" id="{95C486A1-9876-924E-85C2-906892F8B9AC}"/>
+                <a16:creationId xmlns:a16="http://schemas.microsoft.com/office/drawing/2014/main" xmlns="" id="{95C486A1-9876-924E-85C2-906892F8B9AC}"/>
               </a:ext>
             </a:extLst>
           </p:cNvPr>
@@ -4544,7 +4544,7 @@
           <a:graphicData uri="http://schemas.openxmlformats.org/presentationml/2006/ole">
             <mc:AlternateContent xmlns:mc="http://schemas.openxmlformats.org/markup-compatibility/2006">
               <mc:Choice xmlns:v="urn:schemas-microsoft-com:vml" Requires="v">
-                <p:oleObj spid="_x0000_s45086" name="think-cell Slide" r:id="rId4" imgW="216" imgH="216" progId="TCLayout.ActiveDocument.1">
+                <p:oleObj spid="_x0000_s45091" name="think-cell Slide" r:id="rId4" imgW="216" imgH="216" progId="TCLayout.ActiveDocument.1">
                   <p:embed/>
                 </p:oleObj>
               </mc:Choice>
@@ -4630,7 +4630,7 @@
           <a:graphicData uri="http://schemas.openxmlformats.org/presentationml/2006/ole">
             <mc:AlternateContent xmlns:mc="http://schemas.openxmlformats.org/markup-compatibility/2006">
               <mc:Choice xmlns:v="urn:schemas-microsoft-com:vml" Requires="v">
-                <p:oleObj spid="_x0000_s37936" name="think-cell Slide" r:id="rId5" imgW="216" imgH="216" progId="TCLayout.ActiveDocument.1">
+                <p:oleObj spid="_x0000_s37941" name="think-cell Slide" r:id="rId5" imgW="216" imgH="216" progId="TCLayout.ActiveDocument.1">
                   <p:embed/>
                 </p:oleObj>
               </mc:Choice>
@@ -4827,7 +4827,7 @@
           <p:cNvPr id="4" name="Footer Placeholder 3">
             <a:extLst>
               <a:ext uri="{FF2B5EF4-FFF2-40B4-BE49-F238E27FC236}">
-                <a16:creationId xmlns:a16="http://schemas.microsoft.com/office/drawing/2014/main" id="{17D6DE4C-D976-4B4B-B087-C035EF8D4F6F}"/>
+                <a16:creationId xmlns:a16="http://schemas.microsoft.com/office/drawing/2014/main" xmlns="" id="{17D6DE4C-D976-4B4B-B087-C035EF8D4F6F}"/>
               </a:ext>
             </a:extLst>
           </p:cNvPr>
@@ -4886,7 +4886,7 @@
           <p:cNvPr id="13" name="Straight Connector 12">
             <a:extLst>
               <a:ext uri="{FF2B5EF4-FFF2-40B4-BE49-F238E27FC236}">
-                <a16:creationId xmlns:a16="http://schemas.microsoft.com/office/drawing/2014/main" id="{95C486A1-9876-924E-85C2-906892F8B9AC}"/>
+                <a16:creationId xmlns:a16="http://schemas.microsoft.com/office/drawing/2014/main" xmlns="" id="{95C486A1-9876-924E-85C2-906892F8B9AC}"/>
               </a:ext>
             </a:extLst>
           </p:cNvPr>
@@ -4929,7 +4929,7 @@
           <p:cNvPr id="17" name="Slide Number Placeholder 5">
             <a:extLst>
               <a:ext uri="{FF2B5EF4-FFF2-40B4-BE49-F238E27FC236}">
-                <a16:creationId xmlns:a16="http://schemas.microsoft.com/office/drawing/2014/main" id="{CC67CD5C-67EC-5144-B858-5347C50D1ACD}"/>
+                <a16:creationId xmlns:a16="http://schemas.microsoft.com/office/drawing/2014/main" xmlns="" id="{CC67CD5C-67EC-5144-B858-5347C50D1ACD}"/>
               </a:ext>
             </a:extLst>
           </p:cNvPr>
@@ -4981,7 +4981,7 @@
           <p:cNvPr id="8" name="Title 7">
             <a:extLst>
               <a:ext uri="{FF2B5EF4-FFF2-40B4-BE49-F238E27FC236}">
-                <a16:creationId xmlns:a16="http://schemas.microsoft.com/office/drawing/2014/main" id="{8A6F1540-D306-D44E-B1B3-1ACCF1041F70}"/>
+                <a16:creationId xmlns:a16="http://schemas.microsoft.com/office/drawing/2014/main" xmlns="" id="{8A6F1540-D306-D44E-B1B3-1ACCF1041F70}"/>
               </a:ext>
             </a:extLst>
           </p:cNvPr>
@@ -5107,7 +5107,7 @@
           <a:graphicData uri="http://schemas.openxmlformats.org/presentationml/2006/ole">
             <mc:AlternateContent xmlns:mc="http://schemas.openxmlformats.org/markup-compatibility/2006">
               <mc:Choice xmlns:v="urn:schemas-microsoft-com:vml" Requires="v">
-                <p:oleObj spid="_x0000_s38960" name="think-cell Slide" r:id="rId4" imgW="216" imgH="216" progId="TCLayout.ActiveDocument.1">
+                <p:oleObj spid="_x0000_s38965" name="think-cell Slide" r:id="rId4" imgW="216" imgH="216" progId="TCLayout.ActiveDocument.1">
                   <p:embed/>
                 </p:oleObj>
               </mc:Choice>
@@ -5233,7 +5233,7 @@
           <p:cNvPr id="8" name="Title 7">
             <a:extLst>
               <a:ext uri="{FF2B5EF4-FFF2-40B4-BE49-F238E27FC236}">
-                <a16:creationId xmlns:a16="http://schemas.microsoft.com/office/drawing/2014/main" id="{8A6F1540-D306-D44E-B1B3-1ACCF1041F70}"/>
+                <a16:creationId xmlns:a16="http://schemas.microsoft.com/office/drawing/2014/main" xmlns="" id="{8A6F1540-D306-D44E-B1B3-1ACCF1041F70}"/>
               </a:ext>
             </a:extLst>
           </p:cNvPr>
@@ -5269,7 +5269,7 @@
           <p:cNvPr id="9" name="Content Placeholder 2">
             <a:extLst>
               <a:ext uri="{FF2B5EF4-FFF2-40B4-BE49-F238E27FC236}">
-                <a16:creationId xmlns:a16="http://schemas.microsoft.com/office/drawing/2014/main" id="{0A7C1352-3D49-F849-9BC3-BC0AF9CD8F04}"/>
+                <a16:creationId xmlns:a16="http://schemas.microsoft.com/office/drawing/2014/main" xmlns="" id="{0A7C1352-3D49-F849-9BC3-BC0AF9CD8F04}"/>
               </a:ext>
             </a:extLst>
           </p:cNvPr>
@@ -5361,7 +5361,7 @@
           <p:cNvPr id="10" name="Content Placeholder 2">
             <a:extLst>
               <a:ext uri="{FF2B5EF4-FFF2-40B4-BE49-F238E27FC236}">
-                <a16:creationId xmlns:a16="http://schemas.microsoft.com/office/drawing/2014/main" id="{D1AA7CFB-7669-2648-A3E1-E647E531399E}"/>
+                <a16:creationId xmlns:a16="http://schemas.microsoft.com/office/drawing/2014/main" xmlns="" id="{D1AA7CFB-7669-2648-A3E1-E647E531399E}"/>
               </a:ext>
             </a:extLst>
           </p:cNvPr>
@@ -5453,7 +5453,7 @@
           <p:cNvPr id="11" name="Content Placeholder 2">
             <a:extLst>
               <a:ext uri="{FF2B5EF4-FFF2-40B4-BE49-F238E27FC236}">
-                <a16:creationId xmlns:a16="http://schemas.microsoft.com/office/drawing/2014/main" id="{2E4B4082-D988-5D43-9C32-2C7F747717ED}"/>
+                <a16:creationId xmlns:a16="http://schemas.microsoft.com/office/drawing/2014/main" xmlns="" id="{2E4B4082-D988-5D43-9C32-2C7F747717ED}"/>
               </a:ext>
             </a:extLst>
           </p:cNvPr>
@@ -5545,7 +5545,7 @@
           <p:cNvPr id="12" name="Content Placeholder 2">
             <a:extLst>
               <a:ext uri="{FF2B5EF4-FFF2-40B4-BE49-F238E27FC236}">
-                <a16:creationId xmlns:a16="http://schemas.microsoft.com/office/drawing/2014/main" id="{45B8DE4D-1F9B-7341-8CB2-D70634815B55}"/>
+                <a16:creationId xmlns:a16="http://schemas.microsoft.com/office/drawing/2014/main" xmlns="" id="{45B8DE4D-1F9B-7341-8CB2-D70634815B55}"/>
               </a:ext>
             </a:extLst>
           </p:cNvPr>
@@ -5637,7 +5637,7 @@
           <p:cNvPr id="14" name="Footer Placeholder 3">
             <a:extLst>
               <a:ext uri="{FF2B5EF4-FFF2-40B4-BE49-F238E27FC236}">
-                <a16:creationId xmlns:a16="http://schemas.microsoft.com/office/drawing/2014/main" id="{DBA440F4-82E0-7E45-8A6F-4A8C7572AEE5}"/>
+                <a16:creationId xmlns:a16="http://schemas.microsoft.com/office/drawing/2014/main" xmlns="" id="{DBA440F4-82E0-7E45-8A6F-4A8C7572AEE5}"/>
               </a:ext>
             </a:extLst>
           </p:cNvPr>
@@ -5696,7 +5696,7 @@
           <p:cNvPr id="15" name="Slide Number Placeholder 5">
             <a:extLst>
               <a:ext uri="{FF2B5EF4-FFF2-40B4-BE49-F238E27FC236}">
-                <a16:creationId xmlns:a16="http://schemas.microsoft.com/office/drawing/2014/main" id="{CC67CD5C-67EC-5144-B858-5347C50D1ACD}"/>
+                <a16:creationId xmlns:a16="http://schemas.microsoft.com/office/drawing/2014/main" xmlns="" id="{CC67CD5C-67EC-5144-B858-5347C50D1ACD}"/>
               </a:ext>
             </a:extLst>
           </p:cNvPr>
@@ -5748,7 +5748,7 @@
           <p:cNvPr id="16" name="Straight Connector 15">
             <a:extLst>
               <a:ext uri="{FF2B5EF4-FFF2-40B4-BE49-F238E27FC236}">
-                <a16:creationId xmlns:a16="http://schemas.microsoft.com/office/drawing/2014/main" id="{95C486A1-9876-924E-85C2-906892F8B9AC}"/>
+                <a16:creationId xmlns:a16="http://schemas.microsoft.com/office/drawing/2014/main" xmlns="" id="{95C486A1-9876-924E-85C2-906892F8B9AC}"/>
               </a:ext>
             </a:extLst>
           </p:cNvPr>
@@ -5844,7 +5844,7 @@
           <a:graphicData uri="http://schemas.openxmlformats.org/presentationml/2006/ole">
             <mc:AlternateContent xmlns:mc="http://schemas.openxmlformats.org/markup-compatibility/2006">
               <mc:Choice xmlns:v="urn:schemas-microsoft-com:vml" Requires="v">
-                <p:oleObj spid="_x0000_s39984" name="think-cell Slide" r:id="rId4" imgW="216" imgH="216" progId="TCLayout.ActiveDocument.1">
+                <p:oleObj spid="_x0000_s39989" name="think-cell Slide" r:id="rId4" imgW="216" imgH="216" progId="TCLayout.ActiveDocument.1">
                   <p:embed/>
                 </p:oleObj>
               </mc:Choice>
@@ -5884,7 +5884,7 @@
           <p:cNvPr id="8" name="Title 7">
             <a:extLst>
               <a:ext uri="{FF2B5EF4-FFF2-40B4-BE49-F238E27FC236}">
-                <a16:creationId xmlns:a16="http://schemas.microsoft.com/office/drawing/2014/main" id="{8A6F1540-D306-D44E-B1B3-1ACCF1041F70}"/>
+                <a16:creationId xmlns:a16="http://schemas.microsoft.com/office/drawing/2014/main" xmlns="" id="{8A6F1540-D306-D44E-B1B3-1ACCF1041F70}"/>
               </a:ext>
             </a:extLst>
           </p:cNvPr>
@@ -6680,7 +6680,7 @@
           <p:cNvPr id="37" name="Footer Placeholder 3">
             <a:extLst>
               <a:ext uri="{FF2B5EF4-FFF2-40B4-BE49-F238E27FC236}">
-                <a16:creationId xmlns:a16="http://schemas.microsoft.com/office/drawing/2014/main" id="{DBA440F4-82E0-7E45-8A6F-4A8C7572AEE5}"/>
+                <a16:creationId xmlns:a16="http://schemas.microsoft.com/office/drawing/2014/main" xmlns="" id="{DBA440F4-82E0-7E45-8A6F-4A8C7572AEE5}"/>
               </a:ext>
             </a:extLst>
           </p:cNvPr>
@@ -6739,7 +6739,7 @@
           <p:cNvPr id="38" name="Slide Number Placeholder 5">
             <a:extLst>
               <a:ext uri="{FF2B5EF4-FFF2-40B4-BE49-F238E27FC236}">
-                <a16:creationId xmlns:a16="http://schemas.microsoft.com/office/drawing/2014/main" id="{CC67CD5C-67EC-5144-B858-5347C50D1ACD}"/>
+                <a16:creationId xmlns:a16="http://schemas.microsoft.com/office/drawing/2014/main" xmlns="" id="{CC67CD5C-67EC-5144-B858-5347C50D1ACD}"/>
               </a:ext>
             </a:extLst>
           </p:cNvPr>
@@ -6791,7 +6791,7 @@
           <p:cNvPr id="39" name="Straight Connector 38">
             <a:extLst>
               <a:ext uri="{FF2B5EF4-FFF2-40B4-BE49-F238E27FC236}">
-                <a16:creationId xmlns:a16="http://schemas.microsoft.com/office/drawing/2014/main" id="{95C486A1-9876-924E-85C2-906892F8B9AC}"/>
+                <a16:creationId xmlns:a16="http://schemas.microsoft.com/office/drawing/2014/main" xmlns="" id="{95C486A1-9876-924E-85C2-906892F8B9AC}"/>
               </a:ext>
             </a:extLst>
           </p:cNvPr>
@@ -6892,7 +6892,7 @@
           <a:graphicData uri="http://schemas.openxmlformats.org/presentationml/2006/ole">
             <mc:AlternateContent xmlns:mc="http://schemas.openxmlformats.org/markup-compatibility/2006">
               <mc:Choice xmlns:v="urn:schemas-microsoft-com:vml" Requires="v">
-                <p:oleObj spid="_x0000_s41008" name="think-cell Slide" r:id="rId5" imgW="216" imgH="216" progId="TCLayout.ActiveDocument.1">
+                <p:oleObj spid="_x0000_s41013" name="think-cell Slide" r:id="rId5" imgW="216" imgH="216" progId="TCLayout.ActiveDocument.1">
                   <p:embed/>
                 </p:oleObj>
               </mc:Choice>
@@ -7109,7 +7109,7 @@
           <p:cNvPr id="4" name="Footer Placeholder 3">
             <a:extLst>
               <a:ext uri="{FF2B5EF4-FFF2-40B4-BE49-F238E27FC236}">
-                <a16:creationId xmlns:a16="http://schemas.microsoft.com/office/drawing/2014/main" id="{17D6DE4C-D976-4B4B-B087-C035EF8D4F6F}"/>
+                <a16:creationId xmlns:a16="http://schemas.microsoft.com/office/drawing/2014/main" xmlns="" id="{17D6DE4C-D976-4B4B-B087-C035EF8D4F6F}"/>
               </a:ext>
             </a:extLst>
           </p:cNvPr>
@@ -7168,7 +7168,7 @@
           <p:cNvPr id="17" name="Slide Number Placeholder 5">
             <a:extLst>
               <a:ext uri="{FF2B5EF4-FFF2-40B4-BE49-F238E27FC236}">
-                <a16:creationId xmlns:a16="http://schemas.microsoft.com/office/drawing/2014/main" id="{CC67CD5C-67EC-5144-B858-5347C50D1ACD}"/>
+                <a16:creationId xmlns:a16="http://schemas.microsoft.com/office/drawing/2014/main" xmlns="" id="{CC67CD5C-67EC-5144-B858-5347C50D1ACD}"/>
               </a:ext>
             </a:extLst>
           </p:cNvPr>
@@ -7220,7 +7220,7 @@
           <p:cNvPr id="8" name="Title 7">
             <a:extLst>
               <a:ext uri="{FF2B5EF4-FFF2-40B4-BE49-F238E27FC236}">
-                <a16:creationId xmlns:a16="http://schemas.microsoft.com/office/drawing/2014/main" id="{8A6F1540-D306-D44E-B1B3-1ACCF1041F70}"/>
+                <a16:creationId xmlns:a16="http://schemas.microsoft.com/office/drawing/2014/main" xmlns="" id="{8A6F1540-D306-D44E-B1B3-1ACCF1041F70}"/>
               </a:ext>
             </a:extLst>
           </p:cNvPr>
@@ -7264,7 +7264,7 @@
           <p:cNvPr id="9" name="Straight Connector 8">
             <a:extLst>
               <a:ext uri="{FF2B5EF4-FFF2-40B4-BE49-F238E27FC236}">
-                <a16:creationId xmlns:a16="http://schemas.microsoft.com/office/drawing/2014/main" id="{BB1AA2BE-B537-254D-958A-FBAFDE7E90DC}"/>
+                <a16:creationId xmlns:a16="http://schemas.microsoft.com/office/drawing/2014/main" xmlns="" id="{BB1AA2BE-B537-254D-958A-FBAFDE7E90DC}"/>
               </a:ext>
             </a:extLst>
           </p:cNvPr>
@@ -7307,7 +7307,7 @@
           <p:cNvPr id="10" name="Straight Connector 9">
             <a:extLst>
               <a:ext uri="{FF2B5EF4-FFF2-40B4-BE49-F238E27FC236}">
-                <a16:creationId xmlns:a16="http://schemas.microsoft.com/office/drawing/2014/main" id="{95C486A1-9876-924E-85C2-906892F8B9AC}"/>
+                <a16:creationId xmlns:a16="http://schemas.microsoft.com/office/drawing/2014/main" xmlns="" id="{95C486A1-9876-924E-85C2-906892F8B9AC}"/>
               </a:ext>
             </a:extLst>
           </p:cNvPr>
@@ -7412,7 +7412,7 @@
           <a:graphicData uri="http://schemas.openxmlformats.org/presentationml/2006/ole">
             <mc:AlternateContent xmlns:mc="http://schemas.openxmlformats.org/markup-compatibility/2006">
               <mc:Choice xmlns:v="urn:schemas-microsoft-com:vml" Requires="v">
-                <p:oleObj spid="_x0000_s31792" name="think-cell Slide" r:id="rId10" imgW="216" imgH="216" progId="TCLayout.ActiveDocument.1">
+                <p:oleObj spid="_x0000_s31797" name="think-cell Slide" r:id="rId10" imgW="216" imgH="216" progId="TCLayout.ActiveDocument.1">
                   <p:embed/>
                 </p:oleObj>
               </mc:Choice>
@@ -7532,7 +7532,7 @@
           <p:cNvPr id="10" name="Straight Connector 9">
             <a:extLst>
               <a:ext uri="{FF2B5EF4-FFF2-40B4-BE49-F238E27FC236}">
-                <a16:creationId xmlns:a16="http://schemas.microsoft.com/office/drawing/2014/main" id="{BB1AA2BE-B537-254D-958A-FBAFDE7E90DC}"/>
+                <a16:creationId xmlns:a16="http://schemas.microsoft.com/office/drawing/2014/main" xmlns="" id="{BB1AA2BE-B537-254D-958A-FBAFDE7E90DC}"/>
               </a:ext>
             </a:extLst>
           </p:cNvPr>
@@ -7575,7 +7575,7 @@
           <p:cNvPr id="15" name="Footer Placeholder 3">
             <a:extLst>
               <a:ext uri="{FF2B5EF4-FFF2-40B4-BE49-F238E27FC236}">
-                <a16:creationId xmlns:a16="http://schemas.microsoft.com/office/drawing/2014/main" id="{DBA440F4-82E0-7E45-8A6F-4A8C7572AEE5}"/>
+                <a16:creationId xmlns:a16="http://schemas.microsoft.com/office/drawing/2014/main" xmlns="" id="{DBA440F4-82E0-7E45-8A6F-4A8C7572AEE5}"/>
               </a:ext>
             </a:extLst>
           </p:cNvPr>
@@ -7634,7 +7634,7 @@
           <p:cNvPr id="16" name="Slide Number Placeholder 5">
             <a:extLst>
               <a:ext uri="{FF2B5EF4-FFF2-40B4-BE49-F238E27FC236}">
-                <a16:creationId xmlns:a16="http://schemas.microsoft.com/office/drawing/2014/main" id="{2D9636C8-FF6B-E141-B9E1-70C7091B23B1}"/>
+                <a16:creationId xmlns:a16="http://schemas.microsoft.com/office/drawing/2014/main" xmlns="" id="{2D9636C8-FF6B-E141-B9E1-70C7091B23B1}"/>
               </a:ext>
             </a:extLst>
           </p:cNvPr>
@@ -8001,7 +8001,7 @@
   </p:txStyles>
   <p:extLst mod="1">
     <p:ext uri="{27BBF7A9-308A-43DC-89C8-2F10F3537804}">
-      <p15:sldGuideLst xmlns:p15="http://schemas.microsoft.com/office/powerpoint/2012/main">
+      <p15:sldGuideLst xmlns:p15="http://schemas.microsoft.com/office/powerpoint/2012/main" xmlns="">
         <p15:guide id="1" orient="horz" pos="2041">
           <p15:clr>
             <a:srgbClr val="F26B43"/>
@@ -8170,7 +8170,7 @@
           <a:graphicData uri="http://schemas.openxmlformats.org/presentationml/2006/ole">
             <mc:AlternateContent xmlns:mc="http://schemas.openxmlformats.org/markup-compatibility/2006">
               <mc:Choice xmlns:v="urn:schemas-microsoft-com:vml" Requires="v">
-                <p:oleObj spid="_x0000_s36913" name="think-cell Slide" r:id="rId10" imgW="216" imgH="216" progId="TCLayout.ActiveDocument.1">
+                <p:oleObj spid="_x0000_s36918" name="think-cell Slide" r:id="rId10" imgW="216" imgH="216" progId="TCLayout.ActiveDocument.1">
                   <p:embed/>
                 </p:oleObj>
               </mc:Choice>
@@ -8290,7 +8290,7 @@
           <p:cNvPr id="10" name="Straight Connector 9">
             <a:extLst>
               <a:ext uri="{FF2B5EF4-FFF2-40B4-BE49-F238E27FC236}">
-                <a16:creationId xmlns:a16="http://schemas.microsoft.com/office/drawing/2014/main" id="{BB1AA2BE-B537-254D-958A-FBAFDE7E90DC}"/>
+                <a16:creationId xmlns:a16="http://schemas.microsoft.com/office/drawing/2014/main" xmlns="" id="{BB1AA2BE-B537-254D-958A-FBAFDE7E90DC}"/>
               </a:ext>
             </a:extLst>
           </p:cNvPr>
@@ -8333,7 +8333,7 @@
           <p:cNvPr id="15" name="Footer Placeholder 3">
             <a:extLst>
               <a:ext uri="{FF2B5EF4-FFF2-40B4-BE49-F238E27FC236}">
-                <a16:creationId xmlns:a16="http://schemas.microsoft.com/office/drawing/2014/main" id="{DBA440F4-82E0-7E45-8A6F-4A8C7572AEE5}"/>
+                <a16:creationId xmlns:a16="http://schemas.microsoft.com/office/drawing/2014/main" xmlns="" id="{DBA440F4-82E0-7E45-8A6F-4A8C7572AEE5}"/>
               </a:ext>
             </a:extLst>
           </p:cNvPr>
@@ -8392,7 +8392,7 @@
           <p:cNvPr id="16" name="Slide Number Placeholder 5">
             <a:extLst>
               <a:ext uri="{FF2B5EF4-FFF2-40B4-BE49-F238E27FC236}">
-                <a16:creationId xmlns:a16="http://schemas.microsoft.com/office/drawing/2014/main" id="{2D9636C8-FF6B-E141-B9E1-70C7091B23B1}"/>
+                <a16:creationId xmlns:a16="http://schemas.microsoft.com/office/drawing/2014/main" xmlns="" id="{2D9636C8-FF6B-E141-B9E1-70C7091B23B1}"/>
               </a:ext>
             </a:extLst>
           </p:cNvPr>
@@ -8759,7 +8759,7 @@
   </p:txStyles>
   <p:extLst mod="1">
     <p:ext uri="{27BBF7A9-308A-43DC-89C8-2F10F3537804}">
-      <p15:sldGuideLst xmlns:p15="http://schemas.microsoft.com/office/powerpoint/2012/main">
+      <p15:sldGuideLst xmlns:p15="http://schemas.microsoft.com/office/powerpoint/2012/main" xmlns="">
         <p15:guide id="1" orient="horz" pos="2041">
           <p15:clr>
             <a:srgbClr val="F26B43"/>
@@ -10062,28 +10062,28 @@
                 <a:gridCol w="2282607">
                   <a:extLst>
                     <a:ext uri="{9D8B030D-6E8A-4147-A177-3AD203B41FA5}">
-                      <a16:colId xmlns:a16="http://schemas.microsoft.com/office/drawing/2014/main" val="3496894346"/>
+                      <a16:colId xmlns:a16="http://schemas.microsoft.com/office/drawing/2014/main" xmlns="" val="3496894346"/>
                     </a:ext>
                   </a:extLst>
                 </a:gridCol>
                 <a:gridCol w="2282607">
                   <a:extLst>
                     <a:ext uri="{9D8B030D-6E8A-4147-A177-3AD203B41FA5}">
-                      <a16:colId xmlns:a16="http://schemas.microsoft.com/office/drawing/2014/main" val="20000"/>
+                      <a16:colId xmlns:a16="http://schemas.microsoft.com/office/drawing/2014/main" xmlns="" val="20000"/>
                     </a:ext>
                   </a:extLst>
                 </a:gridCol>
                 <a:gridCol w="3233694">
                   <a:extLst>
                     <a:ext uri="{9D8B030D-6E8A-4147-A177-3AD203B41FA5}">
-                      <a16:colId xmlns:a16="http://schemas.microsoft.com/office/drawing/2014/main" val="20001"/>
+                      <a16:colId xmlns:a16="http://schemas.microsoft.com/office/drawing/2014/main" xmlns="" val="20001"/>
                     </a:ext>
                   </a:extLst>
                 </a:gridCol>
                 <a:gridCol w="3233694">
                   <a:extLst>
                     <a:ext uri="{9D8B030D-6E8A-4147-A177-3AD203B41FA5}">
-                      <a16:colId xmlns:a16="http://schemas.microsoft.com/office/drawing/2014/main" val="610373499"/>
+                      <a16:colId xmlns:a16="http://schemas.microsoft.com/office/drawing/2014/main" xmlns="" val="610373499"/>
                     </a:ext>
                   </a:extLst>
                 </a:gridCol>
@@ -10482,7 +10482,7 @@
                 </a:tc>
                 <a:extLst>
                   <a:ext uri="{0D108BD9-81ED-4DB2-BD59-A6C34878D82A}">
-                    <a16:rowId xmlns:a16="http://schemas.microsoft.com/office/drawing/2014/main" val="10000"/>
+                    <a16:rowId xmlns:a16="http://schemas.microsoft.com/office/drawing/2014/main" xmlns="" val="10000"/>
                   </a:ext>
                 </a:extLst>
               </a:tr>
@@ -10809,7 +10809,7 @@
                 </a:tc>
                 <a:extLst>
                   <a:ext uri="{0D108BD9-81ED-4DB2-BD59-A6C34878D82A}">
-                    <a16:rowId xmlns:a16="http://schemas.microsoft.com/office/drawing/2014/main" val="10001"/>
+                    <a16:rowId xmlns:a16="http://schemas.microsoft.com/office/drawing/2014/main" xmlns="" val="10001"/>
                   </a:ext>
                 </a:extLst>
               </a:tr>
@@ -11152,7 +11152,7 @@
                 </a:tc>
                 <a:extLst>
                   <a:ext uri="{0D108BD9-81ED-4DB2-BD59-A6C34878D82A}">
-                    <a16:rowId xmlns:a16="http://schemas.microsoft.com/office/drawing/2014/main" val="10002"/>
+                    <a16:rowId xmlns:a16="http://schemas.microsoft.com/office/drawing/2014/main" xmlns="" val="10002"/>
                   </a:ext>
                 </a:extLst>
               </a:tr>
@@ -11495,7 +11495,7 @@
                 </a:tc>
                 <a:extLst>
                   <a:ext uri="{0D108BD9-81ED-4DB2-BD59-A6C34878D82A}">
-                    <a16:rowId xmlns:a16="http://schemas.microsoft.com/office/drawing/2014/main" val="10003"/>
+                    <a16:rowId xmlns:a16="http://schemas.microsoft.com/office/drawing/2014/main" xmlns="" val="10003"/>
                   </a:ext>
                 </a:extLst>
               </a:tr>
@@ -11838,7 +11838,7 @@
                 </a:tc>
                 <a:extLst>
                   <a:ext uri="{0D108BD9-81ED-4DB2-BD59-A6C34878D82A}">
-                    <a16:rowId xmlns:a16="http://schemas.microsoft.com/office/drawing/2014/main" val="10004"/>
+                    <a16:rowId xmlns:a16="http://schemas.microsoft.com/office/drawing/2014/main" xmlns="" val="10004"/>
                   </a:ext>
                 </a:extLst>
               </a:tr>
@@ -12181,7 +12181,7 @@
                 </a:tc>
                 <a:extLst>
                   <a:ext uri="{0D108BD9-81ED-4DB2-BD59-A6C34878D82A}">
-                    <a16:rowId xmlns:a16="http://schemas.microsoft.com/office/drawing/2014/main" val="2987373226"/>
+                    <a16:rowId xmlns:a16="http://schemas.microsoft.com/office/drawing/2014/main" xmlns="" val="2987373226"/>
                   </a:ext>
                 </a:extLst>
               </a:tr>
@@ -12524,7 +12524,7 @@
                 </a:tc>
                 <a:extLst>
                   <a:ext uri="{0D108BD9-81ED-4DB2-BD59-A6C34878D82A}">
-                    <a16:rowId xmlns:a16="http://schemas.microsoft.com/office/drawing/2014/main" val="2639051246"/>
+                    <a16:rowId xmlns:a16="http://schemas.microsoft.com/office/drawing/2014/main" xmlns="" val="2639051246"/>
                   </a:ext>
                 </a:extLst>
               </a:tr>
@@ -12867,7 +12867,7 @@
                 </a:tc>
                 <a:extLst>
                   <a:ext uri="{0D108BD9-81ED-4DB2-BD59-A6C34878D82A}">
-                    <a16:rowId xmlns:a16="http://schemas.microsoft.com/office/drawing/2014/main" val="1177553746"/>
+                    <a16:rowId xmlns:a16="http://schemas.microsoft.com/office/drawing/2014/main" xmlns="" val="1177553746"/>
                   </a:ext>
                 </a:extLst>
               </a:tr>
@@ -13202,7 +13202,7 @@
                 </a:tc>
                 <a:extLst>
                   <a:ext uri="{0D108BD9-81ED-4DB2-BD59-A6C34878D82A}">
-                    <a16:rowId xmlns:a16="http://schemas.microsoft.com/office/drawing/2014/main" val="4230401121"/>
+                    <a16:rowId xmlns:a16="http://schemas.microsoft.com/office/drawing/2014/main" xmlns="" val="4230401121"/>
                   </a:ext>
                 </a:extLst>
               </a:tr>
@@ -13496,7 +13496,7 @@
           <a:graphicData uri="http://schemas.openxmlformats.org/presentationml/2006/ole">
             <mc:AlternateContent xmlns:mc="http://schemas.openxmlformats.org/markup-compatibility/2006">
               <mc:Choice xmlns:v="urn:schemas-microsoft-com:vml" Requires="v">
-                <p:oleObj spid="_x0000_s42038" name="think-cell Slide" r:id="rId6" imgW="416" imgH="416" progId="TCLayout.ActiveDocument.1">
+                <p:oleObj spid="_x0000_s42043" name="think-cell Slide" r:id="rId6" imgW="416" imgH="416" progId="TCLayout.ActiveDocument.1">
                   <p:embed/>
                 </p:oleObj>
               </mc:Choice>
@@ -13559,42 +13559,42 @@
                 <a:gridCol w="1924933">
                   <a:extLst>
                     <a:ext uri="{9D8B030D-6E8A-4147-A177-3AD203B41FA5}">
-                      <a16:colId xmlns:a16="http://schemas.microsoft.com/office/drawing/2014/main" val="1357581311"/>
+                      <a16:colId xmlns:a16="http://schemas.microsoft.com/office/drawing/2014/main" xmlns="" val="1357581311"/>
                     </a:ext>
                   </a:extLst>
                 </a:gridCol>
                 <a:gridCol w="2706957">
                   <a:extLst>
                     <a:ext uri="{9D8B030D-6E8A-4147-A177-3AD203B41FA5}">
-                      <a16:colId xmlns:a16="http://schemas.microsoft.com/office/drawing/2014/main" val="1956442140"/>
+                      <a16:colId xmlns:a16="http://schemas.microsoft.com/office/drawing/2014/main" xmlns="" val="1956442140"/>
                     </a:ext>
                   </a:extLst>
                 </a:gridCol>
                 <a:gridCol w="1378384">
                   <a:extLst>
                     <a:ext uri="{9D8B030D-6E8A-4147-A177-3AD203B41FA5}">
-                      <a16:colId xmlns:a16="http://schemas.microsoft.com/office/drawing/2014/main" val="3122743454"/>
+                      <a16:colId xmlns:a16="http://schemas.microsoft.com/office/drawing/2014/main" xmlns="" val="3122743454"/>
                     </a:ext>
                   </a:extLst>
                 </a:gridCol>
                 <a:gridCol w="1030714">
                   <a:extLst>
                     <a:ext uri="{9D8B030D-6E8A-4147-A177-3AD203B41FA5}">
-                      <a16:colId xmlns:a16="http://schemas.microsoft.com/office/drawing/2014/main" val="755301095"/>
+                      <a16:colId xmlns:a16="http://schemas.microsoft.com/office/drawing/2014/main" xmlns="" val="755301095"/>
                     </a:ext>
                   </a:extLst>
                 </a:gridCol>
                 <a:gridCol w="2464037">
                   <a:extLst>
                     <a:ext uri="{9D8B030D-6E8A-4147-A177-3AD203B41FA5}">
-                      <a16:colId xmlns:a16="http://schemas.microsoft.com/office/drawing/2014/main" val="2056552446"/>
+                      <a16:colId xmlns:a16="http://schemas.microsoft.com/office/drawing/2014/main" xmlns="" val="2056552446"/>
                     </a:ext>
                   </a:extLst>
                 </a:gridCol>
                 <a:gridCol w="1574966">
                   <a:extLst>
                     <a:ext uri="{9D8B030D-6E8A-4147-A177-3AD203B41FA5}">
-                      <a16:colId xmlns:a16="http://schemas.microsoft.com/office/drawing/2014/main" val="1567976445"/>
+                      <a16:colId xmlns:a16="http://schemas.microsoft.com/office/drawing/2014/main" xmlns="" val="1567976445"/>
                     </a:ext>
                   </a:extLst>
                 </a:gridCol>
@@ -13739,7 +13739,7 @@
                 </a:tc>
                 <a:extLst>
                   <a:ext uri="{0D108BD9-81ED-4DB2-BD59-A6C34878D82A}">
-                    <a16:rowId xmlns:a16="http://schemas.microsoft.com/office/drawing/2014/main" val="3203583067"/>
+                    <a16:rowId xmlns:a16="http://schemas.microsoft.com/office/drawing/2014/main" xmlns="" val="3203583067"/>
                   </a:ext>
                 </a:extLst>
               </a:tr>
@@ -14072,7 +14072,7 @@
                 </a:tc>
                 <a:extLst>
                   <a:ext uri="{0D108BD9-81ED-4DB2-BD59-A6C34878D82A}">
-                    <a16:rowId xmlns:a16="http://schemas.microsoft.com/office/drawing/2014/main" val="851841494"/>
+                    <a16:rowId xmlns:a16="http://schemas.microsoft.com/office/drawing/2014/main" xmlns="" val="851841494"/>
                   </a:ext>
                 </a:extLst>
               </a:tr>
@@ -14598,7 +14598,7 @@
                 </a:tc>
                 <a:extLst>
                   <a:ext uri="{0D108BD9-81ED-4DB2-BD59-A6C34878D82A}">
-                    <a16:rowId xmlns:a16="http://schemas.microsoft.com/office/drawing/2014/main" val="1437797630"/>
+                    <a16:rowId xmlns:a16="http://schemas.microsoft.com/office/drawing/2014/main" xmlns="" val="1437797630"/>
                   </a:ext>
                 </a:extLst>
               </a:tr>
@@ -15250,7 +15250,7 @@
                 </a:tc>
                 <a:extLst>
                   <a:ext uri="{0D108BD9-81ED-4DB2-BD59-A6C34878D82A}">
-                    <a16:rowId xmlns:a16="http://schemas.microsoft.com/office/drawing/2014/main" val="406495537"/>
+                    <a16:rowId xmlns:a16="http://schemas.microsoft.com/office/drawing/2014/main" xmlns="" val="406495537"/>
                   </a:ext>
                 </a:extLst>
               </a:tr>
@@ -15640,7 +15640,7 @@
                 </a:tc>
                 <a:extLst>
                   <a:ext uri="{0D108BD9-81ED-4DB2-BD59-A6C34878D82A}">
-                    <a16:rowId xmlns:a16="http://schemas.microsoft.com/office/drawing/2014/main" val="2200042587"/>
+                    <a16:rowId xmlns:a16="http://schemas.microsoft.com/office/drawing/2014/main" xmlns="" val="2200042587"/>
                   </a:ext>
                 </a:extLst>
               </a:tr>
@@ -15916,7 +15916,7 @@
                 </a:tc>
                 <a:extLst>
                   <a:ext uri="{0D108BD9-81ED-4DB2-BD59-A6C34878D82A}">
-                    <a16:rowId xmlns:a16="http://schemas.microsoft.com/office/drawing/2014/main" val="4069117920"/>
+                    <a16:rowId xmlns:a16="http://schemas.microsoft.com/office/drawing/2014/main" xmlns="" val="4069117920"/>
                   </a:ext>
                 </a:extLst>
               </a:tr>
@@ -16320,7 +16320,7 @@
                 </a:tc>
                 <a:extLst>
                   <a:ext uri="{0D108BD9-81ED-4DB2-BD59-A6C34878D82A}">
-                    <a16:rowId xmlns:a16="http://schemas.microsoft.com/office/drawing/2014/main" val="2348740028"/>
+                    <a16:rowId xmlns:a16="http://schemas.microsoft.com/office/drawing/2014/main" xmlns="" val="2348740028"/>
                   </a:ext>
                 </a:extLst>
               </a:tr>
@@ -16459,35 +16459,35 @@
                 <a:gridCol w="2454326">
                   <a:extLst>
                     <a:ext uri="{9D8B030D-6E8A-4147-A177-3AD203B41FA5}">
-                      <a16:colId xmlns:a16="http://schemas.microsoft.com/office/drawing/2014/main" val="20000"/>
+                      <a16:colId xmlns:a16="http://schemas.microsoft.com/office/drawing/2014/main" xmlns="" val="20000"/>
                     </a:ext>
                   </a:extLst>
                 </a:gridCol>
                 <a:gridCol w="2306453">
                   <a:extLst>
                     <a:ext uri="{9D8B030D-6E8A-4147-A177-3AD203B41FA5}">
-                      <a16:colId xmlns:a16="http://schemas.microsoft.com/office/drawing/2014/main" val="20002"/>
+                      <a16:colId xmlns:a16="http://schemas.microsoft.com/office/drawing/2014/main" xmlns="" val="20002"/>
                     </a:ext>
                   </a:extLst>
                 </a:gridCol>
                 <a:gridCol w="2254336">
                   <a:extLst>
                     <a:ext uri="{9D8B030D-6E8A-4147-A177-3AD203B41FA5}">
-                      <a16:colId xmlns:a16="http://schemas.microsoft.com/office/drawing/2014/main" val="2575180168"/>
+                      <a16:colId xmlns:a16="http://schemas.microsoft.com/office/drawing/2014/main" xmlns="" val="2575180168"/>
                     </a:ext>
                   </a:extLst>
                 </a:gridCol>
                 <a:gridCol w="2355667">
                   <a:extLst>
                     <a:ext uri="{9D8B030D-6E8A-4147-A177-3AD203B41FA5}">
-                      <a16:colId xmlns:a16="http://schemas.microsoft.com/office/drawing/2014/main" val="20003"/>
+                      <a16:colId xmlns:a16="http://schemas.microsoft.com/office/drawing/2014/main" xmlns="" val="20003"/>
                     </a:ext>
                   </a:extLst>
                 </a:gridCol>
                 <a:gridCol w="1661586">
                   <a:extLst>
                     <a:ext uri="{9D8B030D-6E8A-4147-A177-3AD203B41FA5}">
-                      <a16:colId xmlns:a16="http://schemas.microsoft.com/office/drawing/2014/main" val="1141158204"/>
+                      <a16:colId xmlns:a16="http://schemas.microsoft.com/office/drawing/2014/main" xmlns="" val="1141158204"/>
                     </a:ext>
                   </a:extLst>
                 </a:gridCol>
@@ -17171,7 +17171,7 @@
                 </a:tc>
                 <a:extLst>
                   <a:ext uri="{0D108BD9-81ED-4DB2-BD59-A6C34878D82A}">
-                    <a16:rowId xmlns:a16="http://schemas.microsoft.com/office/drawing/2014/main" val="10000"/>
+                    <a16:rowId xmlns:a16="http://schemas.microsoft.com/office/drawing/2014/main" xmlns="" val="10000"/>
                   </a:ext>
                 </a:extLst>
               </a:tr>
@@ -17559,7 +17559,7 @@
                 </a:tc>
                 <a:extLst>
                   <a:ext uri="{0D108BD9-81ED-4DB2-BD59-A6C34878D82A}">
-                    <a16:rowId xmlns:a16="http://schemas.microsoft.com/office/drawing/2014/main" val="3242880312"/>
+                    <a16:rowId xmlns:a16="http://schemas.microsoft.com/office/drawing/2014/main" xmlns="" val="3242880312"/>
                   </a:ext>
                 </a:extLst>
               </a:tr>
@@ -17924,7 +17924,7 @@
           <p:nvPr>
             <p:extLst>
               <p:ext uri="{D42A27DB-BD31-4B8C-83A1-F6EECF244321}">
-                <p14:modId xmlns:p14="http://schemas.microsoft.com/office/powerpoint/2010/main" val="2361389655"/>
+                <p14:modId xmlns:p14="http://schemas.microsoft.com/office/powerpoint/2010/main" val="1341476807"/>
               </p:ext>
             </p:extLst>
           </p:nvPr>
@@ -17943,63 +17943,63 @@
                 <a:gridCol w="854780">
                   <a:extLst>
                     <a:ext uri="{9D8B030D-6E8A-4147-A177-3AD203B41FA5}">
-                      <a16:colId xmlns:a16="http://schemas.microsoft.com/office/drawing/2014/main" val="2715221625"/>
+                      <a16:colId xmlns:a16="http://schemas.microsoft.com/office/drawing/2014/main" xmlns="" val="2715221625"/>
                     </a:ext>
                   </a:extLst>
                 </a:gridCol>
                 <a:gridCol w="854780">
                   <a:extLst>
                     <a:ext uri="{9D8B030D-6E8A-4147-A177-3AD203B41FA5}">
-                      <a16:colId xmlns:a16="http://schemas.microsoft.com/office/drawing/2014/main" val="1722467380"/>
+                      <a16:colId xmlns:a16="http://schemas.microsoft.com/office/drawing/2014/main" xmlns="" val="1722467380"/>
                     </a:ext>
                   </a:extLst>
                 </a:gridCol>
                 <a:gridCol w="1158769">
                   <a:extLst>
                     <a:ext uri="{9D8B030D-6E8A-4147-A177-3AD203B41FA5}">
-                      <a16:colId xmlns:a16="http://schemas.microsoft.com/office/drawing/2014/main" val="8733085"/>
+                      <a16:colId xmlns:a16="http://schemas.microsoft.com/office/drawing/2014/main" xmlns="" val="8733085"/>
                     </a:ext>
                   </a:extLst>
                 </a:gridCol>
                 <a:gridCol w="899883">
                   <a:extLst>
                     <a:ext uri="{9D8B030D-6E8A-4147-A177-3AD203B41FA5}">
-                      <a16:colId xmlns:a16="http://schemas.microsoft.com/office/drawing/2014/main" val="2034639721"/>
+                      <a16:colId xmlns:a16="http://schemas.microsoft.com/office/drawing/2014/main" xmlns="" val="2034639721"/>
                     </a:ext>
                   </a:extLst>
                 </a:gridCol>
                 <a:gridCol w="1968445">
                   <a:extLst>
                     <a:ext uri="{9D8B030D-6E8A-4147-A177-3AD203B41FA5}">
-                      <a16:colId xmlns:a16="http://schemas.microsoft.com/office/drawing/2014/main" val="984284813"/>
+                      <a16:colId xmlns:a16="http://schemas.microsoft.com/office/drawing/2014/main" xmlns="" val="984284813"/>
                     </a:ext>
                   </a:extLst>
                 </a:gridCol>
                 <a:gridCol w="1634194">
                   <a:extLst>
                     <a:ext uri="{9D8B030D-6E8A-4147-A177-3AD203B41FA5}">
-                      <a16:colId xmlns:a16="http://schemas.microsoft.com/office/drawing/2014/main" val="610353967"/>
+                      <a16:colId xmlns:a16="http://schemas.microsoft.com/office/drawing/2014/main" xmlns="" val="610353967"/>
                     </a:ext>
                   </a:extLst>
                 </a:gridCol>
                 <a:gridCol w="1234134">
                   <a:extLst>
                     <a:ext uri="{9D8B030D-6E8A-4147-A177-3AD203B41FA5}">
-                      <a16:colId xmlns:a16="http://schemas.microsoft.com/office/drawing/2014/main" val="2199988680"/>
+                      <a16:colId xmlns:a16="http://schemas.microsoft.com/office/drawing/2014/main" xmlns="" val="2199988680"/>
                     </a:ext>
                   </a:extLst>
                 </a:gridCol>
                 <a:gridCol w="942636">
                   <a:extLst>
                     <a:ext uri="{9D8B030D-6E8A-4147-A177-3AD203B41FA5}">
-                      <a16:colId xmlns:a16="http://schemas.microsoft.com/office/drawing/2014/main" val="1060807198"/>
+                      <a16:colId xmlns:a16="http://schemas.microsoft.com/office/drawing/2014/main" xmlns="" val="1060807198"/>
                     </a:ext>
                   </a:extLst>
                 </a:gridCol>
                 <a:gridCol w="1925692">
                   <a:extLst>
                     <a:ext uri="{9D8B030D-6E8A-4147-A177-3AD203B41FA5}">
-                      <a16:colId xmlns:a16="http://schemas.microsoft.com/office/drawing/2014/main" val="3687281855"/>
+                      <a16:colId xmlns:a16="http://schemas.microsoft.com/office/drawing/2014/main" xmlns="" val="3687281855"/>
                     </a:ext>
                   </a:extLst>
                 </a:gridCol>
@@ -18130,7 +18130,7 @@
                 </a:tc>
                 <a:extLst>
                   <a:ext uri="{0D108BD9-81ED-4DB2-BD59-A6C34878D82A}">
-                    <a16:rowId xmlns:a16="http://schemas.microsoft.com/office/drawing/2014/main" val="132260445"/>
+                    <a16:rowId xmlns:a16="http://schemas.microsoft.com/office/drawing/2014/main" xmlns="" val="132260445"/>
                   </a:ext>
                 </a:extLst>
               </a:tr>
@@ -18280,7 +18280,7 @@
                 </a:tc>
                 <a:extLst>
                   <a:ext uri="{0D108BD9-81ED-4DB2-BD59-A6C34878D82A}">
-                    <a16:rowId xmlns:a16="http://schemas.microsoft.com/office/drawing/2014/main" val="1454925855"/>
+                    <a16:rowId xmlns:a16="http://schemas.microsoft.com/office/drawing/2014/main" xmlns="" val="1454925855"/>
                   </a:ext>
                 </a:extLst>
               </a:tr>
@@ -18423,7 +18423,7 @@
                 </a:tc>
                 <a:extLst>
                   <a:ext uri="{0D108BD9-81ED-4DB2-BD59-A6C34878D82A}">
-                    <a16:rowId xmlns:a16="http://schemas.microsoft.com/office/drawing/2014/main" val="1815440894"/>
+                    <a16:rowId xmlns:a16="http://schemas.microsoft.com/office/drawing/2014/main" xmlns="" val="1815440894"/>
                   </a:ext>
                 </a:extLst>
               </a:tr>
@@ -18545,7 +18545,7 @@
                 </a:tc>
                 <a:extLst>
                   <a:ext uri="{0D108BD9-81ED-4DB2-BD59-A6C34878D82A}">
-                    <a16:rowId xmlns:a16="http://schemas.microsoft.com/office/drawing/2014/main" val="344899817"/>
+                    <a16:rowId xmlns:a16="http://schemas.microsoft.com/office/drawing/2014/main" xmlns="" val="344899817"/>
                   </a:ext>
                 </a:extLst>
               </a:tr>
@@ -18696,7 +18696,7 @@
                 </a:tc>
                 <a:extLst>
                   <a:ext uri="{0D108BD9-81ED-4DB2-BD59-A6C34878D82A}">
-                    <a16:rowId xmlns:a16="http://schemas.microsoft.com/office/drawing/2014/main" val="1268840849"/>
+                    <a16:rowId xmlns:a16="http://schemas.microsoft.com/office/drawing/2014/main" xmlns="" val="1268840849"/>
                   </a:ext>
                 </a:extLst>
               </a:tr>
@@ -19134,7 +19134,7 @@
                 </a:tc>
                 <a:extLst>
                   <a:ext uri="{0D108BD9-81ED-4DB2-BD59-A6C34878D82A}">
-                    <a16:rowId xmlns:a16="http://schemas.microsoft.com/office/drawing/2014/main" val="3241501689"/>
+                    <a16:rowId xmlns:a16="http://schemas.microsoft.com/office/drawing/2014/main" xmlns="" val="3241501689"/>
                   </a:ext>
                 </a:extLst>
               </a:tr>
@@ -19489,7 +19489,7 @@
                 </a:tc>
                 <a:extLst>
                   <a:ext uri="{0D108BD9-81ED-4DB2-BD59-A6C34878D82A}">
-                    <a16:rowId xmlns:a16="http://schemas.microsoft.com/office/drawing/2014/main" val="3375075753"/>
+                    <a16:rowId xmlns:a16="http://schemas.microsoft.com/office/drawing/2014/main" xmlns="" val="3375075753"/>
                   </a:ext>
                 </a:extLst>
               </a:tr>
@@ -19865,7 +19865,7 @@
                 </a:tc>
                 <a:extLst>
                   <a:ext uri="{0D108BD9-81ED-4DB2-BD59-A6C34878D82A}">
-                    <a16:rowId xmlns:a16="http://schemas.microsoft.com/office/drawing/2014/main" val="1818738132"/>
+                    <a16:rowId xmlns:a16="http://schemas.microsoft.com/office/drawing/2014/main" xmlns="" val="1818738132"/>
                   </a:ext>
                 </a:extLst>
               </a:tr>
@@ -20289,7 +20289,7 @@
                 </a:tc>
                 <a:extLst>
                   <a:ext uri="{0D108BD9-81ED-4DB2-BD59-A6C34878D82A}">
-                    <a16:rowId xmlns:a16="http://schemas.microsoft.com/office/drawing/2014/main" val="3192001067"/>
+                    <a16:rowId xmlns:a16="http://schemas.microsoft.com/office/drawing/2014/main" xmlns="" val="3192001067"/>
                   </a:ext>
                 </a:extLst>
               </a:tr>
@@ -20547,7 +20547,7 @@
                 </a:tc>
                 <a:extLst>
                   <a:ext uri="{0D108BD9-81ED-4DB2-BD59-A6C34878D82A}">
-                    <a16:rowId xmlns:a16="http://schemas.microsoft.com/office/drawing/2014/main" val="564902271"/>
+                    <a16:rowId xmlns:a16="http://schemas.microsoft.com/office/drawing/2014/main" xmlns="" val="564902271"/>
                   </a:ext>
                 </a:extLst>
               </a:tr>
@@ -20918,82 +20918,6 @@
                         <a:tabLst/>
                         <a:defRPr/>
                       </a:pPr>
-                      <a:r>
-                        <a:rPr kumimoji="0" lang="zh-CN" altLang="en-US" sz="1000" b="0" i="0" u="none" strike="noStrike" kern="1200" cap="none" spc="0" normalizeH="0" baseline="0" noProof="0" dirty="0" smtClean="0">
-                          <a:ln>
-                            <a:noFill/>
-                          </a:ln>
-                          <a:solidFill>
-                            <a:schemeClr val="accent1">
-                              <a:lumMod val="75000"/>
-                            </a:schemeClr>
-                          </a:solidFill>
-                          <a:effectLst/>
-                          <a:uLnTx/>
-                          <a:uFillTx/>
-                          <a:latin typeface="+mn-lt"/>
-                          <a:ea typeface="+mn-ea"/>
-                          <a:cs typeface="+mn-ea"/>
-                          <a:sym typeface="+mn-lt"/>
-                        </a:rPr>
-                        <a:t>人数</a:t>
-                      </a:r>
-                      <a:endParaRPr kumimoji="0" lang="en-US" altLang="zh-CN" sz="1000" b="0" i="0" u="none" strike="noStrike" kern="1200" cap="none" spc="0" normalizeH="0" baseline="0" noProof="0" dirty="0" smtClean="0">
-                        <a:ln>
-                          <a:noFill/>
-                        </a:ln>
-                        <a:solidFill>
-                          <a:schemeClr val="accent1">
-                            <a:lumMod val="75000"/>
-                          </a:schemeClr>
-                        </a:solidFill>
-                        <a:effectLst/>
-                        <a:uLnTx/>
-                        <a:uFillTx/>
-                        <a:latin typeface="+mn-lt"/>
-                        <a:ea typeface="+mn-ea"/>
-                        <a:cs typeface="+mn-ea"/>
-                        <a:sym typeface="+mn-lt"/>
-                      </a:endParaRPr>
-                    </a:p>
-                    <a:p>
-                      <a:pPr marL="0" marR="0" lvl="0" indent="0" algn="l" defTabSz="914389" rtl="0" eaLnBrk="1" fontAlgn="auto" latinLnBrk="0" hangingPunct="1">
-                        <a:lnSpc>
-                          <a:spcPct val="100000"/>
-                        </a:lnSpc>
-                        <a:spcBef>
-                          <a:spcPts val="0"/>
-                        </a:spcBef>
-                        <a:spcAft>
-                          <a:spcPts val="0"/>
-                        </a:spcAft>
-                        <a:buClrTx/>
-                        <a:buSzTx/>
-                        <a:buFontTx/>
-                        <a:buNone/>
-                        <a:tabLst/>
-                        <a:defRPr/>
-                      </a:pPr>
-                      <a:r>
-                        <a:rPr kumimoji="0" lang="zh-CN" altLang="en-US" sz="1000" b="0" i="0" u="none" strike="noStrike" kern="1200" cap="none" spc="0" normalizeH="0" baseline="0" noProof="0" dirty="0" smtClean="0">
-                          <a:ln>
-                            <a:noFill/>
-                          </a:ln>
-                          <a:solidFill>
-                            <a:schemeClr val="accent1">
-                              <a:lumMod val="75000"/>
-                            </a:schemeClr>
-                          </a:solidFill>
-                          <a:effectLst/>
-                          <a:uLnTx/>
-                          <a:uFillTx/>
-                          <a:latin typeface="+mn-lt"/>
-                          <a:ea typeface="+mn-ea"/>
-                          <a:cs typeface="+mn-ea"/>
-                          <a:sym typeface="+mn-lt"/>
-                        </a:rPr>
-                        <a:t>人均价格</a:t>
-                      </a:r>
                       <a:endParaRPr kumimoji="0" lang="en-US" altLang="zh-CN" sz="1000" b="0" i="0" u="none" strike="noStrike" kern="1200" cap="none" spc="0" normalizeH="0" baseline="0" noProof="0" dirty="0" smtClean="0">
                         <a:ln>
                           <a:noFill/>
@@ -21021,7 +20945,7 @@
                 </a:tc>
                 <a:extLst>
                   <a:ext uri="{0D108BD9-81ED-4DB2-BD59-A6C34878D82A}">
-                    <a16:rowId xmlns:a16="http://schemas.microsoft.com/office/drawing/2014/main" val="981176443"/>
+                    <a16:rowId xmlns:a16="http://schemas.microsoft.com/office/drawing/2014/main" xmlns="" val="981176443"/>
                   </a:ext>
                 </a:extLst>
               </a:tr>
@@ -22576,7 +22500,7 @@
           <a:graphicData uri="http://schemas.openxmlformats.org/presentationml/2006/ole">
             <mc:AlternateContent xmlns:mc="http://schemas.openxmlformats.org/markup-compatibility/2006">
               <mc:Choice xmlns:v="urn:schemas-microsoft-com:vml" Requires="v">
-                <p:oleObj spid="_x0000_s44079" name="think-cell Slide" r:id="rId5" imgW="416" imgH="416" progId="TCLayout.ActiveDocument.1">
+                <p:oleObj spid="_x0000_s44084" name="think-cell Slide" r:id="rId5" imgW="416" imgH="416" progId="TCLayout.ActiveDocument.1">
                   <p:embed/>
                 </p:oleObj>
               </mc:Choice>
@@ -25406,7 +25330,7 @@
   <a:extraClrSchemeLst/>
   <a:extLst>
     <a:ext uri="{05A4C25C-085E-4340-85A3-A5531E510DB2}">
-      <thm15:themeFamily xmlns:thm15="http://schemas.microsoft.com/office/thememl/2012/main" name="Bentley template 2021.potx" id="{C9F80F40-B2B1-4DB6-919B-71F3AAFFE5B0}" vid="{F9D38CA0-4F02-4029-A6BC-9642EF690A5C}"/>
+      <thm15:themeFamily xmlns:thm15="http://schemas.microsoft.com/office/thememl/2012/main" xmlns="" name="Bentley template 2021.potx" id="{C9F80F40-B2B1-4DB6-919B-71F3AAFFE5B0}" vid="{F9D38CA0-4F02-4029-A6BC-9642EF690A5C}"/>
     </a:ext>
   </a:extLst>
 </a:theme>
@@ -25640,7 +25564,7 @@
   <a:extraClrSchemeLst/>
   <a:extLst>
     <a:ext uri="{05A4C25C-085E-4340-85A3-A5531E510DB2}">
-      <thm15:themeFamily xmlns:thm15="http://schemas.microsoft.com/office/thememl/2012/main" name="Bentley template 2021.potx" id="{C9F80F40-B2B1-4DB6-919B-71F3AAFFE5B0}" vid="{F9D38CA0-4F02-4029-A6BC-9642EF690A5C}"/>
+      <thm15:themeFamily xmlns:thm15="http://schemas.microsoft.com/office/thememl/2012/main" xmlns="" name="Bentley template 2021.potx" id="{C9F80F40-B2B1-4DB6-919B-71F3AAFFE5B0}" vid="{F9D38CA0-4F02-4029-A6BC-9642EF690A5C}"/>
     </a:ext>
   </a:extLst>
 </a:theme>
@@ -25901,7 +25825,7 @@
   <a:extraClrSchemeLst/>
   <a:extLst>
     <a:ext uri="{05A4C25C-085E-4340-85A3-A5531E510DB2}">
-      <thm15:themeFamily xmlns:thm15="http://schemas.microsoft.com/office/thememl/2012/main" name="Office Theme" id="{62F939B6-93AF-4DB8-9C6B-D6C7DFDC589F}" vid="{4A3C46E8-61CC-4603-A589-7422A47A8E4A}"/>
+      <thm15:themeFamily xmlns:thm15="http://schemas.microsoft.com/office/thememl/2012/main" xmlns="" name="Office Theme" id="{62F939B6-93AF-4DB8-9C6B-D6C7DFDC589F}" vid="{4A3C46E8-61CC-4603-A589-7422A47A8E4A}"/>
     </a:ext>
   </a:extLst>
 </a:theme>

--- a/com.yrtech.bentleyAPI/com.yrtech.InventoryAPI/template/PlanOffLine.pptx
+++ b/com.yrtech.bentleyAPI/com.yrtech.InventoryAPI/template/PlanOffLine.pptx
@@ -222,7 +222,7 @@
           <a:p>
             <a:fld id="{69A4D669-94F9-4D70-8C76-4C2D35D4E5D0}" type="datetimeFigureOut">
               <a:rPr lang="en-US" smtClean="0"/>
-              <a:t>4/16/2022</a:t>
+              <a:t>4/24/2022</a:t>
             </a:fld>
             <a:endParaRPr lang="en-US" dirty="0"/>
           </a:p>
@@ -1482,7 +1482,7 @@
           <a:graphicData uri="http://schemas.openxmlformats.org/presentationml/2006/ole">
             <mc:AlternateContent xmlns:mc="http://schemas.openxmlformats.org/markup-compatibility/2006">
               <mc:Choice xmlns:v="urn:schemas-microsoft-com:vml" Requires="v">
-                <p:oleObj spid="_x0000_s32821" name="think-cell Slide" r:id="rId5" imgW="216" imgH="216" progId="TCLayout.ActiveDocument.1">
+                <p:oleObj spid="_x0000_s32824" name="think-cell Slide" r:id="rId5" imgW="216" imgH="216" progId="TCLayout.ActiveDocument.1">
                   <p:embed/>
                 </p:oleObj>
               </mc:Choice>
@@ -2240,7 +2240,7 @@
           <a:graphicData uri="http://schemas.openxmlformats.org/presentationml/2006/ole">
             <mc:AlternateContent xmlns:mc="http://schemas.openxmlformats.org/markup-compatibility/2006">
               <mc:Choice xmlns:v="urn:schemas-microsoft-com:vml" Requires="v">
-                <p:oleObj spid="_x0000_s33845" name="think-cell Slide" r:id="rId4" imgW="216" imgH="216" progId="TCLayout.ActiveDocument.1">
+                <p:oleObj spid="_x0000_s33848" name="think-cell Slide" r:id="rId4" imgW="216" imgH="216" progId="TCLayout.ActiveDocument.1">
                   <p:embed/>
                 </p:oleObj>
               </mc:Choice>
@@ -2977,7 +2977,7 @@
           <a:graphicData uri="http://schemas.openxmlformats.org/presentationml/2006/ole">
             <mc:AlternateContent xmlns:mc="http://schemas.openxmlformats.org/markup-compatibility/2006">
               <mc:Choice xmlns:v="urn:schemas-microsoft-com:vml" Requires="v">
-                <p:oleObj spid="_x0000_s34869" name="think-cell Slide" r:id="rId4" imgW="216" imgH="216" progId="TCLayout.ActiveDocument.1">
+                <p:oleObj spid="_x0000_s34872" name="think-cell Slide" r:id="rId4" imgW="216" imgH="216" progId="TCLayout.ActiveDocument.1">
                   <p:embed/>
                 </p:oleObj>
               </mc:Choice>
@@ -4025,7 +4025,7 @@
           <a:graphicData uri="http://schemas.openxmlformats.org/presentationml/2006/ole">
             <mc:AlternateContent xmlns:mc="http://schemas.openxmlformats.org/markup-compatibility/2006">
               <mc:Choice xmlns:v="urn:schemas-microsoft-com:vml" Requires="v">
-                <p:oleObj spid="_x0000_s35893" name="think-cell Slide" r:id="rId5" imgW="216" imgH="216" progId="TCLayout.ActiveDocument.1">
+                <p:oleObj spid="_x0000_s35896" name="think-cell Slide" r:id="rId5" imgW="216" imgH="216" progId="TCLayout.ActiveDocument.1">
                   <p:embed/>
                 </p:oleObj>
               </mc:Choice>
@@ -4544,7 +4544,7 @@
           <a:graphicData uri="http://schemas.openxmlformats.org/presentationml/2006/ole">
             <mc:AlternateContent xmlns:mc="http://schemas.openxmlformats.org/markup-compatibility/2006">
               <mc:Choice xmlns:v="urn:schemas-microsoft-com:vml" Requires="v">
-                <p:oleObj spid="_x0000_s45091" name="think-cell Slide" r:id="rId4" imgW="216" imgH="216" progId="TCLayout.ActiveDocument.1">
+                <p:oleObj spid="_x0000_s45094" name="think-cell Slide" r:id="rId4" imgW="216" imgH="216" progId="TCLayout.ActiveDocument.1">
                   <p:embed/>
                 </p:oleObj>
               </mc:Choice>
@@ -4630,7 +4630,7 @@
           <a:graphicData uri="http://schemas.openxmlformats.org/presentationml/2006/ole">
             <mc:AlternateContent xmlns:mc="http://schemas.openxmlformats.org/markup-compatibility/2006">
               <mc:Choice xmlns:v="urn:schemas-microsoft-com:vml" Requires="v">
-                <p:oleObj spid="_x0000_s37941" name="think-cell Slide" r:id="rId5" imgW="216" imgH="216" progId="TCLayout.ActiveDocument.1">
+                <p:oleObj spid="_x0000_s37944" name="think-cell Slide" r:id="rId5" imgW="216" imgH="216" progId="TCLayout.ActiveDocument.1">
                   <p:embed/>
                 </p:oleObj>
               </mc:Choice>
@@ -5107,7 +5107,7 @@
           <a:graphicData uri="http://schemas.openxmlformats.org/presentationml/2006/ole">
             <mc:AlternateContent xmlns:mc="http://schemas.openxmlformats.org/markup-compatibility/2006">
               <mc:Choice xmlns:v="urn:schemas-microsoft-com:vml" Requires="v">
-                <p:oleObj spid="_x0000_s38965" name="think-cell Slide" r:id="rId4" imgW="216" imgH="216" progId="TCLayout.ActiveDocument.1">
+                <p:oleObj spid="_x0000_s38968" name="think-cell Slide" r:id="rId4" imgW="216" imgH="216" progId="TCLayout.ActiveDocument.1">
                   <p:embed/>
                 </p:oleObj>
               </mc:Choice>
@@ -5844,7 +5844,7 @@
           <a:graphicData uri="http://schemas.openxmlformats.org/presentationml/2006/ole">
             <mc:AlternateContent xmlns:mc="http://schemas.openxmlformats.org/markup-compatibility/2006">
               <mc:Choice xmlns:v="urn:schemas-microsoft-com:vml" Requires="v">
-                <p:oleObj spid="_x0000_s39989" name="think-cell Slide" r:id="rId4" imgW="216" imgH="216" progId="TCLayout.ActiveDocument.1">
+                <p:oleObj spid="_x0000_s39992" name="think-cell Slide" r:id="rId4" imgW="216" imgH="216" progId="TCLayout.ActiveDocument.1">
                   <p:embed/>
                 </p:oleObj>
               </mc:Choice>
@@ -6892,7 +6892,7 @@
           <a:graphicData uri="http://schemas.openxmlformats.org/presentationml/2006/ole">
             <mc:AlternateContent xmlns:mc="http://schemas.openxmlformats.org/markup-compatibility/2006">
               <mc:Choice xmlns:v="urn:schemas-microsoft-com:vml" Requires="v">
-                <p:oleObj spid="_x0000_s41013" name="think-cell Slide" r:id="rId5" imgW="216" imgH="216" progId="TCLayout.ActiveDocument.1">
+                <p:oleObj spid="_x0000_s41016" name="think-cell Slide" r:id="rId5" imgW="216" imgH="216" progId="TCLayout.ActiveDocument.1">
                   <p:embed/>
                 </p:oleObj>
               </mc:Choice>
@@ -7412,7 +7412,7 @@
           <a:graphicData uri="http://schemas.openxmlformats.org/presentationml/2006/ole">
             <mc:AlternateContent xmlns:mc="http://schemas.openxmlformats.org/markup-compatibility/2006">
               <mc:Choice xmlns:v="urn:schemas-microsoft-com:vml" Requires="v">
-                <p:oleObj spid="_x0000_s31797" name="think-cell Slide" r:id="rId10" imgW="216" imgH="216" progId="TCLayout.ActiveDocument.1">
+                <p:oleObj spid="_x0000_s31800" name="think-cell Slide" r:id="rId10" imgW="216" imgH="216" progId="TCLayout.ActiveDocument.1">
                   <p:embed/>
                 </p:oleObj>
               </mc:Choice>
@@ -8170,7 +8170,7 @@
           <a:graphicData uri="http://schemas.openxmlformats.org/presentationml/2006/ole">
             <mc:AlternateContent xmlns:mc="http://schemas.openxmlformats.org/markup-compatibility/2006">
               <mc:Choice xmlns:v="urn:schemas-microsoft-com:vml" Requires="v">
-                <p:oleObj spid="_x0000_s36918" name="think-cell Slide" r:id="rId10" imgW="216" imgH="216" progId="TCLayout.ActiveDocument.1">
+                <p:oleObj spid="_x0000_s36921" name="think-cell Slide" r:id="rId10" imgW="216" imgH="216" progId="TCLayout.ActiveDocument.1">
                   <p:embed/>
                 </p:oleObj>
               </mc:Choice>
@@ -13496,7 +13496,7 @@
           <a:graphicData uri="http://schemas.openxmlformats.org/presentationml/2006/ole">
             <mc:AlternateContent xmlns:mc="http://schemas.openxmlformats.org/markup-compatibility/2006">
               <mc:Choice xmlns:v="urn:schemas-microsoft-com:vml" Requires="v">
-                <p:oleObj spid="_x0000_s42043" name="think-cell Slide" r:id="rId6" imgW="416" imgH="416" progId="TCLayout.ActiveDocument.1">
+                <p:oleObj spid="_x0000_s42046" name="think-cell Slide" r:id="rId6" imgW="416" imgH="416" progId="TCLayout.ActiveDocument.1">
                   <p:embed/>
                 </p:oleObj>
               </mc:Choice>
@@ -13540,7 +13540,7 @@
           <p:nvPr>
             <p:extLst>
               <p:ext uri="{D42A27DB-BD31-4B8C-83A1-F6EECF244321}">
-                <p14:modId xmlns:p14="http://schemas.microsoft.com/office/powerpoint/2010/main" val="840222015"/>
+                <p14:modId xmlns:p14="http://schemas.microsoft.com/office/powerpoint/2010/main" val="375791923"/>
               </p:ext>
             </p:extLst>
           </p:nvPr>
@@ -13904,6 +13904,18 @@
                         <a:tabLst/>
                         <a:defRPr/>
                       </a:pPr>
+                      <a:r>
+                        <a:rPr lang="zh-CN" altLang="en-US" sz="1200" b="0" kern="1200" dirty="0" smtClean="0">
+                          <a:solidFill>
+                            <a:schemeClr val="tx1"/>
+                          </a:solidFill>
+                          <a:latin typeface="+mn-lt"/>
+                          <a:ea typeface="+mn-ea"/>
+                          <a:cs typeface="+mn-ea"/>
+                          <a:sym typeface="+mn-lt"/>
+                        </a:rPr>
+                        <a:t> </a:t>
+                      </a:r>
                       <a:endParaRPr lang="en-US" sz="1200" b="0" kern="1200" dirty="0" smtClean="0">
                         <a:solidFill>
                           <a:schemeClr val="tx1"/>
@@ -14197,6 +14209,18 @@
                     <a:lstStyle/>
                     <a:p>
                       <a:pPr marL="0" algn="l" defTabSz="685792" rtl="0" eaLnBrk="1" latinLnBrk="0" hangingPunct="1"/>
+                      <a:r>
+                        <a:rPr lang="zh-CN" altLang="en-US" sz="1200" b="0" kern="1200" dirty="0" smtClean="0">
+                          <a:solidFill>
+                            <a:schemeClr val="tx1"/>
+                          </a:solidFill>
+                          <a:latin typeface="+mn-lt"/>
+                          <a:ea typeface="+mn-ea"/>
+                          <a:cs typeface="+mn-ea"/>
+                          <a:sym typeface="+mn-lt"/>
+                        </a:rPr>
+                        <a:t> </a:t>
+                      </a:r>
                       <a:endParaRPr lang="en-US" sz="1200" b="0" kern="1200" dirty="0">
                         <a:solidFill>
                           <a:schemeClr val="tx1"/>
@@ -14459,6 +14483,18 @@
                         <a:tabLst/>
                         <a:defRPr/>
                       </a:pPr>
+                      <a:r>
+                        <a:rPr lang="zh-CN" altLang="en-US" sz="1200" b="0" kern="1200" dirty="0" smtClean="0">
+                          <a:solidFill>
+                            <a:schemeClr val="tx1"/>
+                          </a:solidFill>
+                          <a:latin typeface="+mn-lt"/>
+                          <a:ea typeface="+mn-ea"/>
+                          <a:cs typeface="+mn-ea"/>
+                          <a:sym typeface="+mn-lt"/>
+                        </a:rPr>
+                        <a:t> </a:t>
+                      </a:r>
                       <a:endParaRPr lang="en-US" sz="1200" b="0" kern="1200" dirty="0" smtClean="0">
                         <a:solidFill>
                           <a:schemeClr val="tx1"/>
@@ -14869,6 +14905,18 @@
                     <a:bodyPr/>
                     <a:lstStyle/>
                     <a:p>
+                      <a:r>
+                        <a:rPr lang="zh-CN" altLang="en-US" sz="1200" b="0" kern="1200" dirty="0" smtClean="0">
+                          <a:solidFill>
+                            <a:schemeClr val="tx1"/>
+                          </a:solidFill>
+                          <a:latin typeface="+mn-lt"/>
+                          <a:ea typeface="+mn-ea"/>
+                          <a:cs typeface="+mn-ea"/>
+                          <a:sym typeface="+mn-lt"/>
+                        </a:rPr>
+                        <a:t> </a:t>
+                      </a:r>
                       <a:endParaRPr lang="en-US" sz="1200" b="0" kern="1200" dirty="0">
                         <a:solidFill>
                           <a:schemeClr val="tx1"/>
@@ -15439,6 +15487,18 @@
                     <a:bodyPr/>
                     <a:lstStyle/>
                     <a:p>
+                      <a:r>
+                        <a:rPr lang="zh-CN" altLang="en-US" sz="1200" b="0" dirty="0" smtClean="0">
+                          <a:solidFill>
+                            <a:schemeClr val="tx1"/>
+                          </a:solidFill>
+                          <a:latin typeface="+mn-lt"/>
+                          <a:ea typeface="+mn-ea"/>
+                          <a:cs typeface="+mn-ea"/>
+                          <a:sym typeface="+mn-lt"/>
+                        </a:rPr>
+                        <a:t> </a:t>
+                      </a:r>
                       <a:endParaRPr lang="en-US" sz="1200" b="0" dirty="0">
                         <a:solidFill>
                           <a:schemeClr val="tx1"/>
@@ -16442,7 +16502,7 @@
             </p:custDataLst>
             <p:extLst>
               <p:ext uri="{D42A27DB-BD31-4B8C-83A1-F6EECF244321}">
-                <p14:modId xmlns:p14="http://schemas.microsoft.com/office/powerpoint/2010/main" val="1698575428"/>
+                <p14:modId xmlns:p14="http://schemas.microsoft.com/office/powerpoint/2010/main" val="2117615396"/>
               </p:ext>
             </p:extLst>
           </p:nvPr>
@@ -17197,6 +17257,21 @@
                         <a:buNone/>
                         <a:tabLst/>
                       </a:pPr>
+                      <a:r>
+                        <a:rPr lang="zh-CN" altLang="en-US" sz="1200" b="0" kern="1200" dirty="0" smtClean="0">
+                          <a:solidFill>
+                            <a:schemeClr val="tx1">
+                              <a:lumMod val="75000"/>
+                              <a:lumOff val="25000"/>
+                            </a:schemeClr>
+                          </a:solidFill>
+                          <a:latin typeface="+mn-lt"/>
+                          <a:ea typeface="+mn-ea"/>
+                          <a:cs typeface="+mn-ea"/>
+                          <a:sym typeface="+mn-lt"/>
+                        </a:rPr>
+                        <a:t> </a:t>
+                      </a:r>
                       <a:endParaRPr lang="en-US" sz="1200" b="0" kern="1200" dirty="0">
                         <a:solidFill>
                           <a:schemeClr val="tx1">
@@ -17277,6 +17352,21 @@
                         <a:buNone/>
                         <a:tabLst/>
                       </a:pPr>
+                      <a:r>
+                        <a:rPr lang="zh-CN" altLang="en-US" sz="1200" b="0" kern="1200" smtClean="0">
+                          <a:solidFill>
+                            <a:schemeClr val="tx1">
+                              <a:lumMod val="75000"/>
+                              <a:lumOff val="25000"/>
+                            </a:schemeClr>
+                          </a:solidFill>
+                          <a:latin typeface="+mn-lt"/>
+                          <a:ea typeface="+mn-ea"/>
+                          <a:cs typeface="+mn-ea"/>
+                          <a:sym typeface="+mn-lt"/>
+                        </a:rPr>
+                        <a:t> </a:t>
+                      </a:r>
                       <a:endParaRPr lang="en-US" sz="1200" b="0" kern="1200" dirty="0">
                         <a:solidFill>
                           <a:schemeClr val="tx1">
@@ -17924,7 +18014,7 @@
           <p:nvPr>
             <p:extLst>
               <p:ext uri="{D42A27DB-BD31-4B8C-83A1-F6EECF244321}">
-                <p14:modId xmlns:p14="http://schemas.microsoft.com/office/powerpoint/2010/main" val="1341476807"/>
+                <p14:modId xmlns:p14="http://schemas.microsoft.com/office/powerpoint/2010/main" val="1570362847"/>
               </p:ext>
             </p:extLst>
           </p:nvPr>
@@ -18199,6 +18289,18 @@
                         <a:buFontTx/>
                         <a:buNone/>
                       </a:pPr>
+                      <a:r>
+                        <a:rPr lang="en-US" altLang="zh-CN" sz="1200" b="0" dirty="0" smtClean="0">
+                          <a:solidFill>
+                            <a:schemeClr val="tx1"/>
+                          </a:solidFill>
+                          <a:latin typeface="+mn-lt"/>
+                          <a:ea typeface="+mn-ea"/>
+                          <a:cs typeface="+mn-ea"/>
+                          <a:sym typeface="+mn-lt"/>
+                        </a:rPr>
+                        <a:t> </a:t>
+                      </a:r>
                       <a:endParaRPr lang="en-US" altLang="zh-CN" sz="1200" b="0" dirty="0" smtClean="0">
                         <a:solidFill>
                           <a:schemeClr val="tx1"/>
@@ -18345,6 +18447,15 @@
                     <a:bodyPr/>
                     <a:lstStyle/>
                     <a:p>
+                      <a:r>
+                        <a:rPr lang="en-US" sz="1200" dirty="0" smtClean="0">
+                          <a:latin typeface="+mn-lt"/>
+                          <a:ea typeface="+mn-ea"/>
+                          <a:cs typeface="+mn-ea"/>
+                          <a:sym typeface="+mn-lt"/>
+                        </a:rPr>
+                        <a:t> </a:t>
+                      </a:r>
                       <a:endParaRPr lang="en-US" sz="1200" dirty="0" smtClean="0">
                         <a:latin typeface="+mn-lt"/>
                         <a:ea typeface="+mn-ea"/>
@@ -19218,6 +19329,18 @@
                         <a:buFontTx/>
                         <a:buNone/>
                       </a:pPr>
+                      <a:r>
+                        <a:rPr lang="zh-CN" altLang="en-US" sz="1200" b="0" dirty="0" smtClean="0">
+                          <a:solidFill>
+                            <a:schemeClr val="tx1"/>
+                          </a:solidFill>
+                          <a:latin typeface="+mn-lt"/>
+                          <a:ea typeface="+mn-ea"/>
+                          <a:cs typeface="+mn-ea"/>
+                          <a:sym typeface="+mn-lt"/>
+                        </a:rPr>
+                        <a:t> </a:t>
+                      </a:r>
                       <a:endParaRPr lang="en-US" altLang="zh-CN" sz="1200" b="0" dirty="0" smtClean="0">
                         <a:solidFill>
                           <a:schemeClr val="tx1"/>
@@ -19584,6 +19707,18 @@
                         <a:buFontTx/>
                         <a:buNone/>
                       </a:pPr>
+                      <a:r>
+                        <a:rPr lang="zh-CN" altLang="en-US" sz="1200" b="0" dirty="0" smtClean="0">
+                          <a:solidFill>
+                            <a:schemeClr val="tx1"/>
+                          </a:solidFill>
+                          <a:latin typeface="+mn-lt"/>
+                          <a:ea typeface="+mn-ea"/>
+                          <a:cs typeface="+mn-ea"/>
+                          <a:sym typeface="+mn-lt"/>
+                        </a:rPr>
+                        <a:t> </a:t>
+                      </a:r>
                       <a:endParaRPr lang="en-US" altLang="zh-CN" sz="1200" b="0" dirty="0" smtClean="0">
                         <a:solidFill>
                           <a:schemeClr val="tx1"/>
@@ -20008,6 +20143,18 @@
                         <a:buFontTx/>
                         <a:buNone/>
                       </a:pPr>
+                      <a:r>
+                        <a:rPr lang="zh-CN" altLang="en-US" sz="1200" b="0" dirty="0" smtClean="0">
+                          <a:solidFill>
+                            <a:schemeClr val="tx1"/>
+                          </a:solidFill>
+                          <a:latin typeface="+mn-lt"/>
+                          <a:ea typeface="+mn-ea"/>
+                          <a:cs typeface="+mn-ea"/>
+                          <a:sym typeface="+mn-lt"/>
+                        </a:rPr>
+                        <a:t> </a:t>
+                      </a:r>
                       <a:endParaRPr lang="en-US" altLang="zh-CN" sz="1200" b="0" dirty="0" smtClean="0">
                         <a:solidFill>
                           <a:schemeClr val="tx1"/>
@@ -22500,7 +22647,7 @@
           <a:graphicData uri="http://schemas.openxmlformats.org/presentationml/2006/ole">
             <mc:AlternateContent xmlns:mc="http://schemas.openxmlformats.org/markup-compatibility/2006">
               <mc:Choice xmlns:v="urn:schemas-microsoft-com:vml" Requires="v">
-                <p:oleObj spid="_x0000_s44084" name="think-cell Slide" r:id="rId5" imgW="416" imgH="416" progId="TCLayout.ActiveDocument.1">
+                <p:oleObj spid="_x0000_s44087" name="think-cell Slide" r:id="rId5" imgW="416" imgH="416" progId="TCLayout.ActiveDocument.1">
                   <p:embed/>
                 </p:oleObj>
               </mc:Choice>

--- a/com.yrtech.bentleyAPI/com.yrtech.InventoryAPI/template/PlanOffLine.pptx
+++ b/com.yrtech.bentleyAPI/com.yrtech.InventoryAPI/template/PlanOffLine.pptx
@@ -123,7 +123,7 @@
   </p:defaultTextStyle>
   <p:extLst>
     <p:ext uri="{EFAFB233-063F-42B5-8137-9DF3F51BA10A}">
-      <p15:sldGuideLst xmlns:p15="http://schemas.microsoft.com/office/powerpoint/2012/main" xmlns="">
+      <p15:sldGuideLst xmlns:p15="http://schemas.microsoft.com/office/powerpoint/2012/main">
         <p15:guide id="1" pos="7310" userDrawn="1">
           <p15:clr>
             <a:srgbClr val="A4A3A4"/>
@@ -222,7 +222,7 @@
           <a:p>
             <a:fld id="{69A4D669-94F9-4D70-8C76-4C2D35D4E5D0}" type="datetimeFigureOut">
               <a:rPr lang="en-US" smtClean="0"/>
-              <a:t>4/24/2022</a:t>
+              <a:t>4/26/2022</a:t>
             </a:fld>
             <a:endParaRPr lang="en-US" dirty="0"/>
           </a:p>
@@ -1482,7 +1482,7 @@
           <a:graphicData uri="http://schemas.openxmlformats.org/presentationml/2006/ole">
             <mc:AlternateContent xmlns:mc="http://schemas.openxmlformats.org/markup-compatibility/2006">
               <mc:Choice xmlns:v="urn:schemas-microsoft-com:vml" Requires="v">
-                <p:oleObj spid="_x0000_s32824" name="think-cell Slide" r:id="rId5" imgW="216" imgH="216" progId="TCLayout.ActiveDocument.1">
+                <p:oleObj spid="_x0000_s32826" name="think-cell Slide" r:id="rId5" imgW="216" imgH="216" progId="TCLayout.ActiveDocument.1">
                   <p:embed/>
                 </p:oleObj>
               </mc:Choice>
@@ -1679,7 +1679,7 @@
           <p:cNvPr id="4" name="Footer Placeholder 3">
             <a:extLst>
               <a:ext uri="{FF2B5EF4-FFF2-40B4-BE49-F238E27FC236}">
-                <a16:creationId xmlns:a16="http://schemas.microsoft.com/office/drawing/2014/main" xmlns="" id="{17D6DE4C-D976-4B4B-B087-C035EF8D4F6F}"/>
+                <a16:creationId xmlns:a16="http://schemas.microsoft.com/office/drawing/2014/main" id="{17D6DE4C-D976-4B4B-B087-C035EF8D4F6F}"/>
               </a:ext>
             </a:extLst>
           </p:cNvPr>
@@ -1738,7 +1738,7 @@
           <p:cNvPr id="13" name="Straight Connector 12">
             <a:extLst>
               <a:ext uri="{FF2B5EF4-FFF2-40B4-BE49-F238E27FC236}">
-                <a16:creationId xmlns:a16="http://schemas.microsoft.com/office/drawing/2014/main" xmlns="" id="{95C486A1-9876-924E-85C2-906892F8B9AC}"/>
+                <a16:creationId xmlns:a16="http://schemas.microsoft.com/office/drawing/2014/main" id="{95C486A1-9876-924E-85C2-906892F8B9AC}"/>
               </a:ext>
             </a:extLst>
           </p:cNvPr>
@@ -1781,7 +1781,7 @@
           <p:cNvPr id="17" name="Slide Number Placeholder 5">
             <a:extLst>
               <a:ext uri="{FF2B5EF4-FFF2-40B4-BE49-F238E27FC236}">
-                <a16:creationId xmlns:a16="http://schemas.microsoft.com/office/drawing/2014/main" xmlns="" id="{CC67CD5C-67EC-5144-B858-5347C50D1ACD}"/>
+                <a16:creationId xmlns:a16="http://schemas.microsoft.com/office/drawing/2014/main" id="{CC67CD5C-67EC-5144-B858-5347C50D1ACD}"/>
               </a:ext>
             </a:extLst>
           </p:cNvPr>
@@ -1833,7 +1833,7 @@
           <p:cNvPr id="8" name="Title 7">
             <a:extLst>
               <a:ext uri="{FF2B5EF4-FFF2-40B4-BE49-F238E27FC236}">
-                <a16:creationId xmlns:a16="http://schemas.microsoft.com/office/drawing/2014/main" xmlns="" id="{8A6F1540-D306-D44E-B1B3-1ACCF1041F70}"/>
+                <a16:creationId xmlns:a16="http://schemas.microsoft.com/office/drawing/2014/main" id="{8A6F1540-D306-D44E-B1B3-1ACCF1041F70}"/>
               </a:ext>
             </a:extLst>
           </p:cNvPr>
@@ -2240,7 +2240,7 @@
           <a:graphicData uri="http://schemas.openxmlformats.org/presentationml/2006/ole">
             <mc:AlternateContent xmlns:mc="http://schemas.openxmlformats.org/markup-compatibility/2006">
               <mc:Choice xmlns:v="urn:schemas-microsoft-com:vml" Requires="v">
-                <p:oleObj spid="_x0000_s33848" name="think-cell Slide" r:id="rId4" imgW="216" imgH="216" progId="TCLayout.ActiveDocument.1">
+                <p:oleObj spid="_x0000_s33850" name="think-cell Slide" r:id="rId4" imgW="216" imgH="216" progId="TCLayout.ActiveDocument.1">
                   <p:embed/>
                 </p:oleObj>
               </mc:Choice>
@@ -2366,7 +2366,7 @@
           <p:cNvPr id="8" name="Title 7">
             <a:extLst>
               <a:ext uri="{FF2B5EF4-FFF2-40B4-BE49-F238E27FC236}">
-                <a16:creationId xmlns:a16="http://schemas.microsoft.com/office/drawing/2014/main" xmlns="" id="{8A6F1540-D306-D44E-B1B3-1ACCF1041F70}"/>
+                <a16:creationId xmlns:a16="http://schemas.microsoft.com/office/drawing/2014/main" id="{8A6F1540-D306-D44E-B1B3-1ACCF1041F70}"/>
               </a:ext>
             </a:extLst>
           </p:cNvPr>
@@ -2402,7 +2402,7 @@
           <p:cNvPr id="9" name="Content Placeholder 2">
             <a:extLst>
               <a:ext uri="{FF2B5EF4-FFF2-40B4-BE49-F238E27FC236}">
-                <a16:creationId xmlns:a16="http://schemas.microsoft.com/office/drawing/2014/main" xmlns="" id="{0A7C1352-3D49-F849-9BC3-BC0AF9CD8F04}"/>
+                <a16:creationId xmlns:a16="http://schemas.microsoft.com/office/drawing/2014/main" id="{0A7C1352-3D49-F849-9BC3-BC0AF9CD8F04}"/>
               </a:ext>
             </a:extLst>
           </p:cNvPr>
@@ -2494,7 +2494,7 @@
           <p:cNvPr id="10" name="Content Placeholder 2">
             <a:extLst>
               <a:ext uri="{FF2B5EF4-FFF2-40B4-BE49-F238E27FC236}">
-                <a16:creationId xmlns:a16="http://schemas.microsoft.com/office/drawing/2014/main" xmlns="" id="{D1AA7CFB-7669-2648-A3E1-E647E531399E}"/>
+                <a16:creationId xmlns:a16="http://schemas.microsoft.com/office/drawing/2014/main" id="{D1AA7CFB-7669-2648-A3E1-E647E531399E}"/>
               </a:ext>
             </a:extLst>
           </p:cNvPr>
@@ -2586,7 +2586,7 @@
           <p:cNvPr id="11" name="Content Placeholder 2">
             <a:extLst>
               <a:ext uri="{FF2B5EF4-FFF2-40B4-BE49-F238E27FC236}">
-                <a16:creationId xmlns:a16="http://schemas.microsoft.com/office/drawing/2014/main" xmlns="" id="{2E4B4082-D988-5D43-9C32-2C7F747717ED}"/>
+                <a16:creationId xmlns:a16="http://schemas.microsoft.com/office/drawing/2014/main" id="{2E4B4082-D988-5D43-9C32-2C7F747717ED}"/>
               </a:ext>
             </a:extLst>
           </p:cNvPr>
@@ -2678,7 +2678,7 @@
           <p:cNvPr id="12" name="Content Placeholder 2">
             <a:extLst>
               <a:ext uri="{FF2B5EF4-FFF2-40B4-BE49-F238E27FC236}">
-                <a16:creationId xmlns:a16="http://schemas.microsoft.com/office/drawing/2014/main" xmlns="" id="{45B8DE4D-1F9B-7341-8CB2-D70634815B55}"/>
+                <a16:creationId xmlns:a16="http://schemas.microsoft.com/office/drawing/2014/main" id="{45B8DE4D-1F9B-7341-8CB2-D70634815B55}"/>
               </a:ext>
             </a:extLst>
           </p:cNvPr>
@@ -2770,7 +2770,7 @@
           <p:cNvPr id="14" name="Footer Placeholder 3">
             <a:extLst>
               <a:ext uri="{FF2B5EF4-FFF2-40B4-BE49-F238E27FC236}">
-                <a16:creationId xmlns:a16="http://schemas.microsoft.com/office/drawing/2014/main" xmlns="" id="{DBA440F4-82E0-7E45-8A6F-4A8C7572AEE5}"/>
+                <a16:creationId xmlns:a16="http://schemas.microsoft.com/office/drawing/2014/main" id="{DBA440F4-82E0-7E45-8A6F-4A8C7572AEE5}"/>
               </a:ext>
             </a:extLst>
           </p:cNvPr>
@@ -2829,7 +2829,7 @@
           <p:cNvPr id="15" name="Slide Number Placeholder 5">
             <a:extLst>
               <a:ext uri="{FF2B5EF4-FFF2-40B4-BE49-F238E27FC236}">
-                <a16:creationId xmlns:a16="http://schemas.microsoft.com/office/drawing/2014/main" xmlns="" id="{CC67CD5C-67EC-5144-B858-5347C50D1ACD}"/>
+                <a16:creationId xmlns:a16="http://schemas.microsoft.com/office/drawing/2014/main" id="{CC67CD5C-67EC-5144-B858-5347C50D1ACD}"/>
               </a:ext>
             </a:extLst>
           </p:cNvPr>
@@ -2881,7 +2881,7 @@
           <p:cNvPr id="16" name="Straight Connector 15">
             <a:extLst>
               <a:ext uri="{FF2B5EF4-FFF2-40B4-BE49-F238E27FC236}">
-                <a16:creationId xmlns:a16="http://schemas.microsoft.com/office/drawing/2014/main" xmlns="" id="{95C486A1-9876-924E-85C2-906892F8B9AC}"/>
+                <a16:creationId xmlns:a16="http://schemas.microsoft.com/office/drawing/2014/main" id="{95C486A1-9876-924E-85C2-906892F8B9AC}"/>
               </a:ext>
             </a:extLst>
           </p:cNvPr>
@@ -2977,7 +2977,7 @@
           <a:graphicData uri="http://schemas.openxmlformats.org/presentationml/2006/ole">
             <mc:AlternateContent xmlns:mc="http://schemas.openxmlformats.org/markup-compatibility/2006">
               <mc:Choice xmlns:v="urn:schemas-microsoft-com:vml" Requires="v">
-                <p:oleObj spid="_x0000_s34872" name="think-cell Slide" r:id="rId4" imgW="216" imgH="216" progId="TCLayout.ActiveDocument.1">
+                <p:oleObj spid="_x0000_s34874" name="think-cell Slide" r:id="rId4" imgW="216" imgH="216" progId="TCLayout.ActiveDocument.1">
                   <p:embed/>
                 </p:oleObj>
               </mc:Choice>
@@ -3017,7 +3017,7 @@
           <p:cNvPr id="8" name="Title 7">
             <a:extLst>
               <a:ext uri="{FF2B5EF4-FFF2-40B4-BE49-F238E27FC236}">
-                <a16:creationId xmlns:a16="http://schemas.microsoft.com/office/drawing/2014/main" xmlns="" id="{8A6F1540-D306-D44E-B1B3-1ACCF1041F70}"/>
+                <a16:creationId xmlns:a16="http://schemas.microsoft.com/office/drawing/2014/main" id="{8A6F1540-D306-D44E-B1B3-1ACCF1041F70}"/>
               </a:ext>
             </a:extLst>
           </p:cNvPr>
@@ -3813,7 +3813,7 @@
           <p:cNvPr id="37" name="Footer Placeholder 3">
             <a:extLst>
               <a:ext uri="{FF2B5EF4-FFF2-40B4-BE49-F238E27FC236}">
-                <a16:creationId xmlns:a16="http://schemas.microsoft.com/office/drawing/2014/main" xmlns="" id="{DBA440F4-82E0-7E45-8A6F-4A8C7572AEE5}"/>
+                <a16:creationId xmlns:a16="http://schemas.microsoft.com/office/drawing/2014/main" id="{DBA440F4-82E0-7E45-8A6F-4A8C7572AEE5}"/>
               </a:ext>
             </a:extLst>
           </p:cNvPr>
@@ -3872,7 +3872,7 @@
           <p:cNvPr id="38" name="Slide Number Placeholder 5">
             <a:extLst>
               <a:ext uri="{FF2B5EF4-FFF2-40B4-BE49-F238E27FC236}">
-                <a16:creationId xmlns:a16="http://schemas.microsoft.com/office/drawing/2014/main" xmlns="" id="{CC67CD5C-67EC-5144-B858-5347C50D1ACD}"/>
+                <a16:creationId xmlns:a16="http://schemas.microsoft.com/office/drawing/2014/main" id="{CC67CD5C-67EC-5144-B858-5347C50D1ACD}"/>
               </a:ext>
             </a:extLst>
           </p:cNvPr>
@@ -3924,7 +3924,7 @@
           <p:cNvPr id="39" name="Straight Connector 38">
             <a:extLst>
               <a:ext uri="{FF2B5EF4-FFF2-40B4-BE49-F238E27FC236}">
-                <a16:creationId xmlns:a16="http://schemas.microsoft.com/office/drawing/2014/main" xmlns="" id="{95C486A1-9876-924E-85C2-906892F8B9AC}"/>
+                <a16:creationId xmlns:a16="http://schemas.microsoft.com/office/drawing/2014/main" id="{95C486A1-9876-924E-85C2-906892F8B9AC}"/>
               </a:ext>
             </a:extLst>
           </p:cNvPr>
@@ -4025,7 +4025,7 @@
           <a:graphicData uri="http://schemas.openxmlformats.org/presentationml/2006/ole">
             <mc:AlternateContent xmlns:mc="http://schemas.openxmlformats.org/markup-compatibility/2006">
               <mc:Choice xmlns:v="urn:schemas-microsoft-com:vml" Requires="v">
-                <p:oleObj spid="_x0000_s35896" name="think-cell Slide" r:id="rId5" imgW="216" imgH="216" progId="TCLayout.ActiveDocument.1">
+                <p:oleObj spid="_x0000_s35898" name="think-cell Slide" r:id="rId5" imgW="216" imgH="216" progId="TCLayout.ActiveDocument.1">
                   <p:embed/>
                 </p:oleObj>
               </mc:Choice>
@@ -4242,7 +4242,7 @@
           <p:cNvPr id="4" name="Footer Placeholder 3">
             <a:extLst>
               <a:ext uri="{FF2B5EF4-FFF2-40B4-BE49-F238E27FC236}">
-                <a16:creationId xmlns:a16="http://schemas.microsoft.com/office/drawing/2014/main" xmlns="" id="{17D6DE4C-D976-4B4B-B087-C035EF8D4F6F}"/>
+                <a16:creationId xmlns:a16="http://schemas.microsoft.com/office/drawing/2014/main" id="{17D6DE4C-D976-4B4B-B087-C035EF8D4F6F}"/>
               </a:ext>
             </a:extLst>
           </p:cNvPr>
@@ -4301,7 +4301,7 @@
           <p:cNvPr id="17" name="Slide Number Placeholder 5">
             <a:extLst>
               <a:ext uri="{FF2B5EF4-FFF2-40B4-BE49-F238E27FC236}">
-                <a16:creationId xmlns:a16="http://schemas.microsoft.com/office/drawing/2014/main" xmlns="" id="{CC67CD5C-67EC-5144-B858-5347C50D1ACD}"/>
+                <a16:creationId xmlns:a16="http://schemas.microsoft.com/office/drawing/2014/main" id="{CC67CD5C-67EC-5144-B858-5347C50D1ACD}"/>
               </a:ext>
             </a:extLst>
           </p:cNvPr>
@@ -4353,7 +4353,7 @@
           <p:cNvPr id="8" name="Title 7">
             <a:extLst>
               <a:ext uri="{FF2B5EF4-FFF2-40B4-BE49-F238E27FC236}">
-                <a16:creationId xmlns:a16="http://schemas.microsoft.com/office/drawing/2014/main" xmlns="" id="{8A6F1540-D306-D44E-B1B3-1ACCF1041F70}"/>
+                <a16:creationId xmlns:a16="http://schemas.microsoft.com/office/drawing/2014/main" id="{8A6F1540-D306-D44E-B1B3-1ACCF1041F70}"/>
               </a:ext>
             </a:extLst>
           </p:cNvPr>
@@ -4397,7 +4397,7 @@
           <p:cNvPr id="9" name="Straight Connector 8">
             <a:extLst>
               <a:ext uri="{FF2B5EF4-FFF2-40B4-BE49-F238E27FC236}">
-                <a16:creationId xmlns:a16="http://schemas.microsoft.com/office/drawing/2014/main" xmlns="" id="{BB1AA2BE-B537-254D-958A-FBAFDE7E90DC}"/>
+                <a16:creationId xmlns:a16="http://schemas.microsoft.com/office/drawing/2014/main" id="{BB1AA2BE-B537-254D-958A-FBAFDE7E90DC}"/>
               </a:ext>
             </a:extLst>
           </p:cNvPr>
@@ -4440,7 +4440,7 @@
           <p:cNvPr id="10" name="Straight Connector 9">
             <a:extLst>
               <a:ext uri="{FF2B5EF4-FFF2-40B4-BE49-F238E27FC236}">
-                <a16:creationId xmlns:a16="http://schemas.microsoft.com/office/drawing/2014/main" xmlns="" id="{95C486A1-9876-924E-85C2-906892F8B9AC}"/>
+                <a16:creationId xmlns:a16="http://schemas.microsoft.com/office/drawing/2014/main" id="{95C486A1-9876-924E-85C2-906892F8B9AC}"/>
               </a:ext>
             </a:extLst>
           </p:cNvPr>
@@ -4544,7 +4544,7 @@
           <a:graphicData uri="http://schemas.openxmlformats.org/presentationml/2006/ole">
             <mc:AlternateContent xmlns:mc="http://schemas.openxmlformats.org/markup-compatibility/2006">
               <mc:Choice xmlns:v="urn:schemas-microsoft-com:vml" Requires="v">
-                <p:oleObj spid="_x0000_s45094" name="think-cell Slide" r:id="rId4" imgW="216" imgH="216" progId="TCLayout.ActiveDocument.1">
+                <p:oleObj spid="_x0000_s45096" name="think-cell Slide" r:id="rId4" imgW="216" imgH="216" progId="TCLayout.ActiveDocument.1">
                   <p:embed/>
                 </p:oleObj>
               </mc:Choice>
@@ -4630,7 +4630,7 @@
           <a:graphicData uri="http://schemas.openxmlformats.org/presentationml/2006/ole">
             <mc:AlternateContent xmlns:mc="http://schemas.openxmlformats.org/markup-compatibility/2006">
               <mc:Choice xmlns:v="urn:schemas-microsoft-com:vml" Requires="v">
-                <p:oleObj spid="_x0000_s37944" name="think-cell Slide" r:id="rId5" imgW="216" imgH="216" progId="TCLayout.ActiveDocument.1">
+                <p:oleObj spid="_x0000_s37946" name="think-cell Slide" r:id="rId5" imgW="216" imgH="216" progId="TCLayout.ActiveDocument.1">
                   <p:embed/>
                 </p:oleObj>
               </mc:Choice>
@@ -4827,7 +4827,7 @@
           <p:cNvPr id="4" name="Footer Placeholder 3">
             <a:extLst>
               <a:ext uri="{FF2B5EF4-FFF2-40B4-BE49-F238E27FC236}">
-                <a16:creationId xmlns:a16="http://schemas.microsoft.com/office/drawing/2014/main" xmlns="" id="{17D6DE4C-D976-4B4B-B087-C035EF8D4F6F}"/>
+                <a16:creationId xmlns:a16="http://schemas.microsoft.com/office/drawing/2014/main" id="{17D6DE4C-D976-4B4B-B087-C035EF8D4F6F}"/>
               </a:ext>
             </a:extLst>
           </p:cNvPr>
@@ -4886,7 +4886,7 @@
           <p:cNvPr id="13" name="Straight Connector 12">
             <a:extLst>
               <a:ext uri="{FF2B5EF4-FFF2-40B4-BE49-F238E27FC236}">
-                <a16:creationId xmlns:a16="http://schemas.microsoft.com/office/drawing/2014/main" xmlns="" id="{95C486A1-9876-924E-85C2-906892F8B9AC}"/>
+                <a16:creationId xmlns:a16="http://schemas.microsoft.com/office/drawing/2014/main" id="{95C486A1-9876-924E-85C2-906892F8B9AC}"/>
               </a:ext>
             </a:extLst>
           </p:cNvPr>
@@ -4929,7 +4929,7 @@
           <p:cNvPr id="17" name="Slide Number Placeholder 5">
             <a:extLst>
               <a:ext uri="{FF2B5EF4-FFF2-40B4-BE49-F238E27FC236}">
-                <a16:creationId xmlns:a16="http://schemas.microsoft.com/office/drawing/2014/main" xmlns="" id="{CC67CD5C-67EC-5144-B858-5347C50D1ACD}"/>
+                <a16:creationId xmlns:a16="http://schemas.microsoft.com/office/drawing/2014/main" id="{CC67CD5C-67EC-5144-B858-5347C50D1ACD}"/>
               </a:ext>
             </a:extLst>
           </p:cNvPr>
@@ -4981,7 +4981,7 @@
           <p:cNvPr id="8" name="Title 7">
             <a:extLst>
               <a:ext uri="{FF2B5EF4-FFF2-40B4-BE49-F238E27FC236}">
-                <a16:creationId xmlns:a16="http://schemas.microsoft.com/office/drawing/2014/main" xmlns="" id="{8A6F1540-D306-D44E-B1B3-1ACCF1041F70}"/>
+                <a16:creationId xmlns:a16="http://schemas.microsoft.com/office/drawing/2014/main" id="{8A6F1540-D306-D44E-B1B3-1ACCF1041F70}"/>
               </a:ext>
             </a:extLst>
           </p:cNvPr>
@@ -5107,7 +5107,7 @@
           <a:graphicData uri="http://schemas.openxmlformats.org/presentationml/2006/ole">
             <mc:AlternateContent xmlns:mc="http://schemas.openxmlformats.org/markup-compatibility/2006">
               <mc:Choice xmlns:v="urn:schemas-microsoft-com:vml" Requires="v">
-                <p:oleObj spid="_x0000_s38968" name="think-cell Slide" r:id="rId4" imgW="216" imgH="216" progId="TCLayout.ActiveDocument.1">
+                <p:oleObj spid="_x0000_s38970" name="think-cell Slide" r:id="rId4" imgW="216" imgH="216" progId="TCLayout.ActiveDocument.1">
                   <p:embed/>
                 </p:oleObj>
               </mc:Choice>
@@ -5233,7 +5233,7 @@
           <p:cNvPr id="8" name="Title 7">
             <a:extLst>
               <a:ext uri="{FF2B5EF4-FFF2-40B4-BE49-F238E27FC236}">
-                <a16:creationId xmlns:a16="http://schemas.microsoft.com/office/drawing/2014/main" xmlns="" id="{8A6F1540-D306-D44E-B1B3-1ACCF1041F70}"/>
+                <a16:creationId xmlns:a16="http://schemas.microsoft.com/office/drawing/2014/main" id="{8A6F1540-D306-D44E-B1B3-1ACCF1041F70}"/>
               </a:ext>
             </a:extLst>
           </p:cNvPr>
@@ -5269,7 +5269,7 @@
           <p:cNvPr id="9" name="Content Placeholder 2">
             <a:extLst>
               <a:ext uri="{FF2B5EF4-FFF2-40B4-BE49-F238E27FC236}">
-                <a16:creationId xmlns:a16="http://schemas.microsoft.com/office/drawing/2014/main" xmlns="" id="{0A7C1352-3D49-F849-9BC3-BC0AF9CD8F04}"/>
+                <a16:creationId xmlns:a16="http://schemas.microsoft.com/office/drawing/2014/main" id="{0A7C1352-3D49-F849-9BC3-BC0AF9CD8F04}"/>
               </a:ext>
             </a:extLst>
           </p:cNvPr>
@@ -5361,7 +5361,7 @@
           <p:cNvPr id="10" name="Content Placeholder 2">
             <a:extLst>
               <a:ext uri="{FF2B5EF4-FFF2-40B4-BE49-F238E27FC236}">
-                <a16:creationId xmlns:a16="http://schemas.microsoft.com/office/drawing/2014/main" xmlns="" id="{D1AA7CFB-7669-2648-A3E1-E647E531399E}"/>
+                <a16:creationId xmlns:a16="http://schemas.microsoft.com/office/drawing/2014/main" id="{D1AA7CFB-7669-2648-A3E1-E647E531399E}"/>
               </a:ext>
             </a:extLst>
           </p:cNvPr>
@@ -5453,7 +5453,7 @@
           <p:cNvPr id="11" name="Content Placeholder 2">
             <a:extLst>
               <a:ext uri="{FF2B5EF4-FFF2-40B4-BE49-F238E27FC236}">
-                <a16:creationId xmlns:a16="http://schemas.microsoft.com/office/drawing/2014/main" xmlns="" id="{2E4B4082-D988-5D43-9C32-2C7F747717ED}"/>
+                <a16:creationId xmlns:a16="http://schemas.microsoft.com/office/drawing/2014/main" id="{2E4B4082-D988-5D43-9C32-2C7F747717ED}"/>
               </a:ext>
             </a:extLst>
           </p:cNvPr>
@@ -5545,7 +5545,7 @@
           <p:cNvPr id="12" name="Content Placeholder 2">
             <a:extLst>
               <a:ext uri="{FF2B5EF4-FFF2-40B4-BE49-F238E27FC236}">
-                <a16:creationId xmlns:a16="http://schemas.microsoft.com/office/drawing/2014/main" xmlns="" id="{45B8DE4D-1F9B-7341-8CB2-D70634815B55}"/>
+                <a16:creationId xmlns:a16="http://schemas.microsoft.com/office/drawing/2014/main" id="{45B8DE4D-1F9B-7341-8CB2-D70634815B55}"/>
               </a:ext>
             </a:extLst>
           </p:cNvPr>
@@ -5637,7 +5637,7 @@
           <p:cNvPr id="14" name="Footer Placeholder 3">
             <a:extLst>
               <a:ext uri="{FF2B5EF4-FFF2-40B4-BE49-F238E27FC236}">
-                <a16:creationId xmlns:a16="http://schemas.microsoft.com/office/drawing/2014/main" xmlns="" id="{DBA440F4-82E0-7E45-8A6F-4A8C7572AEE5}"/>
+                <a16:creationId xmlns:a16="http://schemas.microsoft.com/office/drawing/2014/main" id="{DBA440F4-82E0-7E45-8A6F-4A8C7572AEE5}"/>
               </a:ext>
             </a:extLst>
           </p:cNvPr>
@@ -5696,7 +5696,7 @@
           <p:cNvPr id="15" name="Slide Number Placeholder 5">
             <a:extLst>
               <a:ext uri="{FF2B5EF4-FFF2-40B4-BE49-F238E27FC236}">
-                <a16:creationId xmlns:a16="http://schemas.microsoft.com/office/drawing/2014/main" xmlns="" id="{CC67CD5C-67EC-5144-B858-5347C50D1ACD}"/>
+                <a16:creationId xmlns:a16="http://schemas.microsoft.com/office/drawing/2014/main" id="{CC67CD5C-67EC-5144-B858-5347C50D1ACD}"/>
               </a:ext>
             </a:extLst>
           </p:cNvPr>
@@ -5748,7 +5748,7 @@
           <p:cNvPr id="16" name="Straight Connector 15">
             <a:extLst>
               <a:ext uri="{FF2B5EF4-FFF2-40B4-BE49-F238E27FC236}">
-                <a16:creationId xmlns:a16="http://schemas.microsoft.com/office/drawing/2014/main" xmlns="" id="{95C486A1-9876-924E-85C2-906892F8B9AC}"/>
+                <a16:creationId xmlns:a16="http://schemas.microsoft.com/office/drawing/2014/main" id="{95C486A1-9876-924E-85C2-906892F8B9AC}"/>
               </a:ext>
             </a:extLst>
           </p:cNvPr>
@@ -5844,7 +5844,7 @@
           <a:graphicData uri="http://schemas.openxmlformats.org/presentationml/2006/ole">
             <mc:AlternateContent xmlns:mc="http://schemas.openxmlformats.org/markup-compatibility/2006">
               <mc:Choice xmlns:v="urn:schemas-microsoft-com:vml" Requires="v">
-                <p:oleObj spid="_x0000_s39992" name="think-cell Slide" r:id="rId4" imgW="216" imgH="216" progId="TCLayout.ActiveDocument.1">
+                <p:oleObj spid="_x0000_s39994" name="think-cell Slide" r:id="rId4" imgW="216" imgH="216" progId="TCLayout.ActiveDocument.1">
                   <p:embed/>
                 </p:oleObj>
               </mc:Choice>
@@ -5884,7 +5884,7 @@
           <p:cNvPr id="8" name="Title 7">
             <a:extLst>
               <a:ext uri="{FF2B5EF4-FFF2-40B4-BE49-F238E27FC236}">
-                <a16:creationId xmlns:a16="http://schemas.microsoft.com/office/drawing/2014/main" xmlns="" id="{8A6F1540-D306-D44E-B1B3-1ACCF1041F70}"/>
+                <a16:creationId xmlns:a16="http://schemas.microsoft.com/office/drawing/2014/main" id="{8A6F1540-D306-D44E-B1B3-1ACCF1041F70}"/>
               </a:ext>
             </a:extLst>
           </p:cNvPr>
@@ -6680,7 +6680,7 @@
           <p:cNvPr id="37" name="Footer Placeholder 3">
             <a:extLst>
               <a:ext uri="{FF2B5EF4-FFF2-40B4-BE49-F238E27FC236}">
-                <a16:creationId xmlns:a16="http://schemas.microsoft.com/office/drawing/2014/main" xmlns="" id="{DBA440F4-82E0-7E45-8A6F-4A8C7572AEE5}"/>
+                <a16:creationId xmlns:a16="http://schemas.microsoft.com/office/drawing/2014/main" id="{DBA440F4-82E0-7E45-8A6F-4A8C7572AEE5}"/>
               </a:ext>
             </a:extLst>
           </p:cNvPr>
@@ -6739,7 +6739,7 @@
           <p:cNvPr id="38" name="Slide Number Placeholder 5">
             <a:extLst>
               <a:ext uri="{FF2B5EF4-FFF2-40B4-BE49-F238E27FC236}">
-                <a16:creationId xmlns:a16="http://schemas.microsoft.com/office/drawing/2014/main" xmlns="" id="{CC67CD5C-67EC-5144-B858-5347C50D1ACD}"/>
+                <a16:creationId xmlns:a16="http://schemas.microsoft.com/office/drawing/2014/main" id="{CC67CD5C-67EC-5144-B858-5347C50D1ACD}"/>
               </a:ext>
             </a:extLst>
           </p:cNvPr>
@@ -6791,7 +6791,7 @@
           <p:cNvPr id="39" name="Straight Connector 38">
             <a:extLst>
               <a:ext uri="{FF2B5EF4-FFF2-40B4-BE49-F238E27FC236}">
-                <a16:creationId xmlns:a16="http://schemas.microsoft.com/office/drawing/2014/main" xmlns="" id="{95C486A1-9876-924E-85C2-906892F8B9AC}"/>
+                <a16:creationId xmlns:a16="http://schemas.microsoft.com/office/drawing/2014/main" id="{95C486A1-9876-924E-85C2-906892F8B9AC}"/>
               </a:ext>
             </a:extLst>
           </p:cNvPr>
@@ -6892,7 +6892,7 @@
           <a:graphicData uri="http://schemas.openxmlformats.org/presentationml/2006/ole">
             <mc:AlternateContent xmlns:mc="http://schemas.openxmlformats.org/markup-compatibility/2006">
               <mc:Choice xmlns:v="urn:schemas-microsoft-com:vml" Requires="v">
-                <p:oleObj spid="_x0000_s41016" name="think-cell Slide" r:id="rId5" imgW="216" imgH="216" progId="TCLayout.ActiveDocument.1">
+                <p:oleObj spid="_x0000_s41018" name="think-cell Slide" r:id="rId5" imgW="216" imgH="216" progId="TCLayout.ActiveDocument.1">
                   <p:embed/>
                 </p:oleObj>
               </mc:Choice>
@@ -7109,7 +7109,7 @@
           <p:cNvPr id="4" name="Footer Placeholder 3">
             <a:extLst>
               <a:ext uri="{FF2B5EF4-FFF2-40B4-BE49-F238E27FC236}">
-                <a16:creationId xmlns:a16="http://schemas.microsoft.com/office/drawing/2014/main" xmlns="" id="{17D6DE4C-D976-4B4B-B087-C035EF8D4F6F}"/>
+                <a16:creationId xmlns:a16="http://schemas.microsoft.com/office/drawing/2014/main" id="{17D6DE4C-D976-4B4B-B087-C035EF8D4F6F}"/>
               </a:ext>
             </a:extLst>
           </p:cNvPr>
@@ -7168,7 +7168,7 @@
           <p:cNvPr id="17" name="Slide Number Placeholder 5">
             <a:extLst>
               <a:ext uri="{FF2B5EF4-FFF2-40B4-BE49-F238E27FC236}">
-                <a16:creationId xmlns:a16="http://schemas.microsoft.com/office/drawing/2014/main" xmlns="" id="{CC67CD5C-67EC-5144-B858-5347C50D1ACD}"/>
+                <a16:creationId xmlns:a16="http://schemas.microsoft.com/office/drawing/2014/main" id="{CC67CD5C-67EC-5144-B858-5347C50D1ACD}"/>
               </a:ext>
             </a:extLst>
           </p:cNvPr>
@@ -7220,7 +7220,7 @@
           <p:cNvPr id="8" name="Title 7">
             <a:extLst>
               <a:ext uri="{FF2B5EF4-FFF2-40B4-BE49-F238E27FC236}">
-                <a16:creationId xmlns:a16="http://schemas.microsoft.com/office/drawing/2014/main" xmlns="" id="{8A6F1540-D306-D44E-B1B3-1ACCF1041F70}"/>
+                <a16:creationId xmlns:a16="http://schemas.microsoft.com/office/drawing/2014/main" id="{8A6F1540-D306-D44E-B1B3-1ACCF1041F70}"/>
               </a:ext>
             </a:extLst>
           </p:cNvPr>
@@ -7264,7 +7264,7 @@
           <p:cNvPr id="9" name="Straight Connector 8">
             <a:extLst>
               <a:ext uri="{FF2B5EF4-FFF2-40B4-BE49-F238E27FC236}">
-                <a16:creationId xmlns:a16="http://schemas.microsoft.com/office/drawing/2014/main" xmlns="" id="{BB1AA2BE-B537-254D-958A-FBAFDE7E90DC}"/>
+                <a16:creationId xmlns:a16="http://schemas.microsoft.com/office/drawing/2014/main" id="{BB1AA2BE-B537-254D-958A-FBAFDE7E90DC}"/>
               </a:ext>
             </a:extLst>
           </p:cNvPr>
@@ -7307,7 +7307,7 @@
           <p:cNvPr id="10" name="Straight Connector 9">
             <a:extLst>
               <a:ext uri="{FF2B5EF4-FFF2-40B4-BE49-F238E27FC236}">
-                <a16:creationId xmlns:a16="http://schemas.microsoft.com/office/drawing/2014/main" xmlns="" id="{95C486A1-9876-924E-85C2-906892F8B9AC}"/>
+                <a16:creationId xmlns:a16="http://schemas.microsoft.com/office/drawing/2014/main" id="{95C486A1-9876-924E-85C2-906892F8B9AC}"/>
               </a:ext>
             </a:extLst>
           </p:cNvPr>
@@ -7412,7 +7412,7 @@
           <a:graphicData uri="http://schemas.openxmlformats.org/presentationml/2006/ole">
             <mc:AlternateContent xmlns:mc="http://schemas.openxmlformats.org/markup-compatibility/2006">
               <mc:Choice xmlns:v="urn:schemas-microsoft-com:vml" Requires="v">
-                <p:oleObj spid="_x0000_s31800" name="think-cell Slide" r:id="rId10" imgW="216" imgH="216" progId="TCLayout.ActiveDocument.1">
+                <p:oleObj spid="_x0000_s31802" name="think-cell Slide" r:id="rId10" imgW="216" imgH="216" progId="TCLayout.ActiveDocument.1">
                   <p:embed/>
                 </p:oleObj>
               </mc:Choice>
@@ -7532,7 +7532,7 @@
           <p:cNvPr id="10" name="Straight Connector 9">
             <a:extLst>
               <a:ext uri="{FF2B5EF4-FFF2-40B4-BE49-F238E27FC236}">
-                <a16:creationId xmlns:a16="http://schemas.microsoft.com/office/drawing/2014/main" xmlns="" id="{BB1AA2BE-B537-254D-958A-FBAFDE7E90DC}"/>
+                <a16:creationId xmlns:a16="http://schemas.microsoft.com/office/drawing/2014/main" id="{BB1AA2BE-B537-254D-958A-FBAFDE7E90DC}"/>
               </a:ext>
             </a:extLst>
           </p:cNvPr>
@@ -7575,7 +7575,7 @@
           <p:cNvPr id="15" name="Footer Placeholder 3">
             <a:extLst>
               <a:ext uri="{FF2B5EF4-FFF2-40B4-BE49-F238E27FC236}">
-                <a16:creationId xmlns:a16="http://schemas.microsoft.com/office/drawing/2014/main" xmlns="" id="{DBA440F4-82E0-7E45-8A6F-4A8C7572AEE5}"/>
+                <a16:creationId xmlns:a16="http://schemas.microsoft.com/office/drawing/2014/main" id="{DBA440F4-82E0-7E45-8A6F-4A8C7572AEE5}"/>
               </a:ext>
             </a:extLst>
           </p:cNvPr>
@@ -7634,7 +7634,7 @@
           <p:cNvPr id="16" name="Slide Number Placeholder 5">
             <a:extLst>
               <a:ext uri="{FF2B5EF4-FFF2-40B4-BE49-F238E27FC236}">
-                <a16:creationId xmlns:a16="http://schemas.microsoft.com/office/drawing/2014/main" xmlns="" id="{2D9636C8-FF6B-E141-B9E1-70C7091B23B1}"/>
+                <a16:creationId xmlns:a16="http://schemas.microsoft.com/office/drawing/2014/main" id="{2D9636C8-FF6B-E141-B9E1-70C7091B23B1}"/>
               </a:ext>
             </a:extLst>
           </p:cNvPr>
@@ -8001,7 +8001,7 @@
   </p:txStyles>
   <p:extLst mod="1">
     <p:ext uri="{27BBF7A9-308A-43DC-89C8-2F10F3537804}">
-      <p15:sldGuideLst xmlns:p15="http://schemas.microsoft.com/office/powerpoint/2012/main" xmlns="">
+      <p15:sldGuideLst xmlns:p15="http://schemas.microsoft.com/office/powerpoint/2012/main">
         <p15:guide id="1" orient="horz" pos="2041">
           <p15:clr>
             <a:srgbClr val="F26B43"/>
@@ -8170,7 +8170,7 @@
           <a:graphicData uri="http://schemas.openxmlformats.org/presentationml/2006/ole">
             <mc:AlternateContent xmlns:mc="http://schemas.openxmlformats.org/markup-compatibility/2006">
               <mc:Choice xmlns:v="urn:schemas-microsoft-com:vml" Requires="v">
-                <p:oleObj spid="_x0000_s36921" name="think-cell Slide" r:id="rId10" imgW="216" imgH="216" progId="TCLayout.ActiveDocument.1">
+                <p:oleObj spid="_x0000_s36923" name="think-cell Slide" r:id="rId10" imgW="216" imgH="216" progId="TCLayout.ActiveDocument.1">
                   <p:embed/>
                 </p:oleObj>
               </mc:Choice>
@@ -8290,7 +8290,7 @@
           <p:cNvPr id="10" name="Straight Connector 9">
             <a:extLst>
               <a:ext uri="{FF2B5EF4-FFF2-40B4-BE49-F238E27FC236}">
-                <a16:creationId xmlns:a16="http://schemas.microsoft.com/office/drawing/2014/main" xmlns="" id="{BB1AA2BE-B537-254D-958A-FBAFDE7E90DC}"/>
+                <a16:creationId xmlns:a16="http://schemas.microsoft.com/office/drawing/2014/main" id="{BB1AA2BE-B537-254D-958A-FBAFDE7E90DC}"/>
               </a:ext>
             </a:extLst>
           </p:cNvPr>
@@ -8333,7 +8333,7 @@
           <p:cNvPr id="15" name="Footer Placeholder 3">
             <a:extLst>
               <a:ext uri="{FF2B5EF4-FFF2-40B4-BE49-F238E27FC236}">
-                <a16:creationId xmlns:a16="http://schemas.microsoft.com/office/drawing/2014/main" xmlns="" id="{DBA440F4-82E0-7E45-8A6F-4A8C7572AEE5}"/>
+                <a16:creationId xmlns:a16="http://schemas.microsoft.com/office/drawing/2014/main" id="{DBA440F4-82E0-7E45-8A6F-4A8C7572AEE5}"/>
               </a:ext>
             </a:extLst>
           </p:cNvPr>
@@ -8392,7 +8392,7 @@
           <p:cNvPr id="16" name="Slide Number Placeholder 5">
             <a:extLst>
               <a:ext uri="{FF2B5EF4-FFF2-40B4-BE49-F238E27FC236}">
-                <a16:creationId xmlns:a16="http://schemas.microsoft.com/office/drawing/2014/main" xmlns="" id="{2D9636C8-FF6B-E141-B9E1-70C7091B23B1}"/>
+                <a16:creationId xmlns:a16="http://schemas.microsoft.com/office/drawing/2014/main" id="{2D9636C8-FF6B-E141-B9E1-70C7091B23B1}"/>
               </a:ext>
             </a:extLst>
           </p:cNvPr>
@@ -8759,7 +8759,7 @@
   </p:txStyles>
   <p:extLst mod="1">
     <p:ext uri="{27BBF7A9-308A-43DC-89C8-2F10F3537804}">
-      <p15:sldGuideLst xmlns:p15="http://schemas.microsoft.com/office/powerpoint/2012/main" xmlns="">
+      <p15:sldGuideLst xmlns:p15="http://schemas.microsoft.com/office/powerpoint/2012/main">
         <p15:guide id="1" orient="horz" pos="2041">
           <p15:clr>
             <a:srgbClr val="F26B43"/>
@@ -9447,43 +9447,6 @@
                 <a:spcPct val="0"/>
               </a:spcAft>
             </a:pPr>
-            <a:r>
-              <a:rPr lang="zh-CN" altLang="en-US" sz="2000" dirty="0" smtClean="0">
-                <a:solidFill>
-                  <a:srgbClr val="232323"/>
-                </a:solidFill>
-                <a:cs typeface="+mn-ea"/>
-                <a:sym typeface="+mn-lt"/>
-              </a:rPr>
-              <a:t>如有其他项目申请特殊定制，</a:t>
-            </a:r>
-            <a:endParaRPr lang="en-US" altLang="zh-CN" sz="2000" dirty="0" smtClean="0">
-              <a:solidFill>
-                <a:srgbClr val="232323"/>
-              </a:solidFill>
-              <a:cs typeface="+mn-ea"/>
-              <a:sym typeface="+mn-lt"/>
-            </a:endParaRPr>
-          </a:p>
-          <a:p>
-            <a:pPr algn="ctr" defTabSz="1085210" fontAlgn="base">
-              <a:spcBef>
-                <a:spcPct val="0"/>
-              </a:spcBef>
-              <a:spcAft>
-                <a:spcPct val="0"/>
-              </a:spcAft>
-            </a:pPr>
-            <a:r>
-              <a:rPr lang="zh-CN" altLang="en-US" sz="2000" dirty="0" smtClean="0">
-                <a:solidFill>
-                  <a:srgbClr val="232323"/>
-                </a:solidFill>
-                <a:cs typeface="+mn-ea"/>
-                <a:sym typeface="+mn-lt"/>
-              </a:rPr>
-              <a:t>请提供相关素材及照片</a:t>
-            </a:r>
             <a:endParaRPr lang="zh-CN" altLang="en-US" sz="2000" dirty="0">
               <a:solidFill>
                 <a:srgbClr val="232323"/>
@@ -9537,16 +9500,6 @@
                 <a:spcPct val="0"/>
               </a:spcAft>
             </a:pPr>
-            <a:r>
-              <a:rPr lang="zh-CN" altLang="en-US" sz="2000" dirty="0" smtClean="0">
-                <a:solidFill>
-                  <a:srgbClr val="232323"/>
-                </a:solidFill>
-                <a:cs typeface="+mn-ea"/>
-                <a:sym typeface="+mn-lt"/>
-              </a:rPr>
-              <a:t>请提供礼仪照片</a:t>
-            </a:r>
             <a:endParaRPr lang="zh-CN" altLang="en-US" sz="2000" dirty="0">
               <a:solidFill>
                 <a:srgbClr val="232323"/>
@@ -10043,14 +9996,14 @@
           <p:nvPr>
             <p:extLst>
               <p:ext uri="{D42A27DB-BD31-4B8C-83A1-F6EECF244321}">
-                <p14:modId xmlns:p14="http://schemas.microsoft.com/office/powerpoint/2010/main" val="1501804723"/>
+                <p14:modId xmlns:p14="http://schemas.microsoft.com/office/powerpoint/2010/main" val="1413437867"/>
               </p:ext>
             </p:extLst>
           </p:nvPr>
         </p:nvGraphicFramePr>
         <p:xfrm>
           <a:off x="587141" y="1234463"/>
-          <a:ext cx="11032602" cy="4516989"/>
+          <a:ext cx="11032602" cy="5149428"/>
         </p:xfrm>
         <a:graphic>
           <a:graphicData uri="http://schemas.openxmlformats.org/drawingml/2006/table">
@@ -10062,28 +10015,28 @@
                 <a:gridCol w="2282607">
                   <a:extLst>
                     <a:ext uri="{9D8B030D-6E8A-4147-A177-3AD203B41FA5}">
-                      <a16:colId xmlns:a16="http://schemas.microsoft.com/office/drawing/2014/main" xmlns="" val="3496894346"/>
+                      <a16:colId xmlns:a16="http://schemas.microsoft.com/office/drawing/2014/main" val="3496894346"/>
                     </a:ext>
                   </a:extLst>
                 </a:gridCol>
                 <a:gridCol w="2282607">
                   <a:extLst>
                     <a:ext uri="{9D8B030D-6E8A-4147-A177-3AD203B41FA5}">
-                      <a16:colId xmlns:a16="http://schemas.microsoft.com/office/drawing/2014/main" xmlns="" val="20000"/>
+                      <a16:colId xmlns:a16="http://schemas.microsoft.com/office/drawing/2014/main" val="20000"/>
                     </a:ext>
                   </a:extLst>
                 </a:gridCol>
                 <a:gridCol w="3233694">
                   <a:extLst>
                     <a:ext uri="{9D8B030D-6E8A-4147-A177-3AD203B41FA5}">
-                      <a16:colId xmlns:a16="http://schemas.microsoft.com/office/drawing/2014/main" xmlns="" val="20001"/>
+                      <a16:colId xmlns:a16="http://schemas.microsoft.com/office/drawing/2014/main" val="20001"/>
                     </a:ext>
                   </a:extLst>
                 </a:gridCol>
                 <a:gridCol w="3233694">
                   <a:extLst>
                     <a:ext uri="{9D8B030D-6E8A-4147-A177-3AD203B41FA5}">
-                      <a16:colId xmlns:a16="http://schemas.microsoft.com/office/drawing/2014/main" xmlns="" val="610373499"/>
+                      <a16:colId xmlns:a16="http://schemas.microsoft.com/office/drawing/2014/main" val="610373499"/>
                     </a:ext>
                   </a:extLst>
                 </a:gridCol>
@@ -10482,11 +10435,11 @@
                 </a:tc>
                 <a:extLst>
                   <a:ext uri="{0D108BD9-81ED-4DB2-BD59-A6C34878D82A}">
-                    <a16:rowId xmlns:a16="http://schemas.microsoft.com/office/drawing/2014/main" xmlns="" val="10000"/>
+                    <a16:rowId xmlns:a16="http://schemas.microsoft.com/office/drawing/2014/main" val="10000"/>
                   </a:ext>
                 </a:extLst>
               </a:tr>
-              <a:tr h="796601">
+              <a:tr h="513926">
                 <a:tc>
                   <a:txBody>
                     <a:bodyPr/>
@@ -10509,15 +10462,15 @@
                         <a:tabLst/>
                         <a:defRPr/>
                       </a:pPr>
-                      <a:endParaRPr lang="en-US" sz="1200" b="0" kern="1200" dirty="0" smtClean="0">
+                      <a:endParaRPr lang="en-US" sz="1200" b="0" kern="1200" baseline="0" dirty="0" smtClean="0">
                         <a:solidFill>
                           <a:schemeClr val="tx1">
                             <a:lumMod val="75000"/>
                             <a:lumOff val="25000"/>
                           </a:schemeClr>
                         </a:solidFill>
-                        <a:latin typeface="+mn-lt"/>
-                        <a:ea typeface="+mn-ea"/>
+                        <a:latin typeface="Bentley Light" panose="020B0404020201020102"/>
+                        <a:ea typeface="黑体" panose="02010609060101010101" pitchFamily="49" charset="-122"/>
                         <a:cs typeface="+mn-ea"/>
                         <a:sym typeface="+mn-lt"/>
                       </a:endParaRPr>
@@ -10589,15 +10542,15 @@
                         <a:tabLst/>
                         <a:defRPr/>
                       </a:pPr>
-                      <a:endParaRPr lang="en-US" sz="1200" b="0" kern="1200" dirty="0" smtClean="0">
+                      <a:endParaRPr lang="en-US" sz="1200" b="0" kern="1200" baseline="0" dirty="0" smtClean="0">
                         <a:solidFill>
                           <a:schemeClr val="tx1">
                             <a:lumMod val="75000"/>
                             <a:lumOff val="25000"/>
                           </a:schemeClr>
                         </a:solidFill>
-                        <a:latin typeface="+mn-lt"/>
-                        <a:ea typeface="+mn-ea"/>
+                        <a:latin typeface="Bentley Light" panose="020B0404020201020102"/>
+                        <a:ea typeface="黑体" panose="02010609060101010101" pitchFamily="49" charset="-122"/>
                         <a:cs typeface="+mn-ea"/>
                         <a:sym typeface="+mn-lt"/>
                       </a:endParaRPr>
@@ -10669,15 +10622,15 @@
                         <a:tabLst/>
                         <a:defRPr/>
                       </a:pPr>
-                      <a:endParaRPr lang="en-US" altLang="zh-CN" sz="1200" b="0" kern="1200" dirty="0">
+                      <a:endParaRPr lang="en-US" altLang="zh-CN" sz="1200" b="0" kern="1200" baseline="0" dirty="0">
                         <a:solidFill>
                           <a:schemeClr val="tx1">
                             <a:lumMod val="75000"/>
                             <a:lumOff val="25000"/>
                           </a:schemeClr>
                         </a:solidFill>
-                        <a:latin typeface="+mn-lt"/>
-                        <a:ea typeface="+mn-ea"/>
+                        <a:latin typeface="Bentley Light" panose="020B0404020201020102"/>
+                        <a:ea typeface="黑体" panose="02010609060101010101" pitchFamily="49" charset="-122"/>
                         <a:cs typeface="+mn-ea"/>
                         <a:sym typeface="+mn-lt"/>
                       </a:endParaRPr>
@@ -10749,15 +10702,15 @@
                         <a:tabLst/>
                         <a:defRPr/>
                       </a:pPr>
-                      <a:endParaRPr lang="en-US" altLang="zh-CN" sz="1200" b="0" kern="1200" dirty="0">
+                      <a:endParaRPr lang="en-US" altLang="zh-CN" sz="1200" b="0" kern="1200" baseline="0" dirty="0">
                         <a:solidFill>
                           <a:schemeClr val="tx1">
                             <a:lumMod val="75000"/>
                             <a:lumOff val="25000"/>
                           </a:schemeClr>
                         </a:solidFill>
-                        <a:latin typeface="+mn-lt"/>
-                        <a:ea typeface="+mn-ea"/>
+                        <a:latin typeface="Bentley Light" panose="020B0404020201020102"/>
+                        <a:ea typeface="黑体" panose="02010609060101010101" pitchFamily="49" charset="-122"/>
                         <a:cs typeface="+mn-ea"/>
                         <a:sym typeface="+mn-lt"/>
                       </a:endParaRPr>
@@ -10809,7 +10762,7 @@
                 </a:tc>
                 <a:extLst>
                   <a:ext uri="{0D108BD9-81ED-4DB2-BD59-A6C34878D82A}">
-                    <a16:rowId xmlns:a16="http://schemas.microsoft.com/office/drawing/2014/main" xmlns="" val="10001"/>
+                    <a16:rowId xmlns:a16="http://schemas.microsoft.com/office/drawing/2014/main" val="10001"/>
                   </a:ext>
                 </a:extLst>
               </a:tr>
@@ -10836,15 +10789,15 @@
                         <a:tabLst/>
                         <a:defRPr/>
                       </a:pPr>
-                      <a:endParaRPr lang="zh-CN" altLang="en-US" sz="1200" b="0" kern="1200" dirty="0">
+                      <a:endParaRPr lang="zh-CN" altLang="en-US" sz="1200" b="0" kern="1200" baseline="0" dirty="0">
                         <a:solidFill>
                           <a:schemeClr val="tx1">
                             <a:lumMod val="75000"/>
                             <a:lumOff val="25000"/>
                           </a:schemeClr>
                         </a:solidFill>
-                        <a:latin typeface="+mn-lt"/>
-                        <a:ea typeface="+mn-ea"/>
+                        <a:latin typeface="Bentley Light" panose="020B0404020201020102"/>
+                        <a:ea typeface="黑体" panose="02010609060101010101" pitchFamily="49" charset="-122"/>
                         <a:cs typeface="+mn-ea"/>
                         <a:sym typeface="+mn-lt"/>
                       </a:endParaRPr>
@@ -10920,15 +10873,15 @@
                         <a:tabLst/>
                         <a:defRPr/>
                       </a:pPr>
-                      <a:endParaRPr lang="zh-CN" altLang="en-US" sz="1200" b="0" kern="1200" dirty="0">
+                      <a:endParaRPr lang="zh-CN" altLang="en-US" sz="1200" b="0" kern="1200" baseline="0" dirty="0">
                         <a:solidFill>
                           <a:schemeClr val="tx1">
                             <a:lumMod val="75000"/>
                             <a:lumOff val="25000"/>
                           </a:schemeClr>
                         </a:solidFill>
-                        <a:latin typeface="+mn-lt"/>
-                        <a:ea typeface="+mn-ea"/>
+                        <a:latin typeface="Bentley Light" panose="020B0404020201020102"/>
+                        <a:ea typeface="黑体" panose="02010609060101010101" pitchFamily="49" charset="-122"/>
                         <a:cs typeface="+mn-ea"/>
                         <a:sym typeface="+mn-lt"/>
                       </a:endParaRPr>
@@ -11004,15 +10957,15 @@
                         <a:tabLst/>
                         <a:defRPr/>
                       </a:pPr>
-                      <a:endParaRPr lang="zh-CN" altLang="en-US" sz="1200" b="0" kern="1200" dirty="0">
+                      <a:endParaRPr lang="zh-CN" altLang="en-US" sz="1200" b="0" kern="1200" baseline="0" dirty="0">
                         <a:solidFill>
                           <a:schemeClr val="tx1">
                             <a:lumMod val="75000"/>
                             <a:lumOff val="25000"/>
                           </a:schemeClr>
                         </a:solidFill>
-                        <a:latin typeface="+mn-lt"/>
-                        <a:ea typeface="+mn-ea"/>
+                        <a:latin typeface="Bentley Light" panose="020B0404020201020102"/>
+                        <a:ea typeface="黑体" panose="02010609060101010101" pitchFamily="49" charset="-122"/>
                         <a:cs typeface="+mn-ea"/>
                         <a:sym typeface="+mn-lt"/>
                       </a:endParaRPr>
@@ -11088,15 +11041,15 @@
                         <a:tabLst/>
                         <a:defRPr/>
                       </a:pPr>
-                      <a:endParaRPr lang="zh-CN" altLang="en-US" sz="1200" b="0" kern="1200" dirty="0">
+                      <a:endParaRPr lang="zh-CN" altLang="en-US" sz="1200" b="0" kern="1200" baseline="0" dirty="0">
                         <a:solidFill>
                           <a:schemeClr val="tx1">
                             <a:lumMod val="75000"/>
                             <a:lumOff val="25000"/>
                           </a:schemeClr>
                         </a:solidFill>
-                        <a:latin typeface="+mn-lt"/>
-                        <a:ea typeface="+mn-ea"/>
+                        <a:latin typeface="Bentley Light" panose="020B0404020201020102"/>
+                        <a:ea typeface="黑体" panose="02010609060101010101" pitchFamily="49" charset="-122"/>
                         <a:cs typeface="+mn-ea"/>
                         <a:sym typeface="+mn-lt"/>
                       </a:endParaRPr>
@@ -11152,7 +11105,693 @@
                 </a:tc>
                 <a:extLst>
                   <a:ext uri="{0D108BD9-81ED-4DB2-BD59-A6C34878D82A}">
-                    <a16:rowId xmlns:a16="http://schemas.microsoft.com/office/drawing/2014/main" xmlns="" val="10002"/>
+                    <a16:rowId xmlns:a16="http://schemas.microsoft.com/office/drawing/2014/main" val="10002"/>
+                  </a:ext>
+                </a:extLst>
+              </a:tr>
+              <a:tr h="457557">
+                <a:tc>
+                  <a:txBody>
+                    <a:bodyPr/>
+                    <a:lstStyle/>
+                    <a:p>
+                      <a:pPr marL="0" marR="0" lvl="0" indent="0" algn="ctr" defTabSz="685792" rtl="0" eaLnBrk="1" fontAlgn="auto" latinLnBrk="0" hangingPunct="1">
+                        <a:lnSpc>
+                          <a:spcPct val="130000"/>
+                        </a:lnSpc>
+                        <a:spcBef>
+                          <a:spcPts val="0"/>
+                        </a:spcBef>
+                        <a:spcAft>
+                          <a:spcPts val="0"/>
+                        </a:spcAft>
+                        <a:buClrTx/>
+                        <a:buSzTx/>
+                        <a:buFontTx/>
+                        <a:buNone/>
+                        <a:tabLst/>
+                        <a:defRPr/>
+                      </a:pPr>
+                      <a:endParaRPr lang="zh-CN" altLang="en-US" sz="1200" b="0" kern="1200" baseline="0" dirty="0">
+                        <a:solidFill>
+                          <a:schemeClr val="tx1">
+                            <a:lumMod val="75000"/>
+                            <a:lumOff val="25000"/>
+                          </a:schemeClr>
+                        </a:solidFill>
+                        <a:latin typeface="Bentley Light" panose="020B0404020201020102"/>
+                        <a:ea typeface="黑体" panose="02010609060101010101" pitchFamily="49" charset="-122"/>
+                        <a:cs typeface="+mn-ea"/>
+                        <a:sym typeface="+mn-lt"/>
+                      </a:endParaRPr>
+                    </a:p>
+                  </a:txBody>
+                  <a:tcPr marL="108666" marR="108666" marT="108522" marB="108522" anchor="ctr">
+                    <a:lnL w="57150" cap="flat" cmpd="sng" algn="ctr">
+                      <a:noFill/>
+                      <a:prstDash val="solid"/>
+                      <a:round/>
+                      <a:headEnd type="none" w="med" len="med"/>
+                      <a:tailEnd type="none" w="med" len="med"/>
+                    </a:lnL>
+                    <a:lnR w="3175" cap="flat" cmpd="sng" algn="ctr">
+                      <a:noFill/>
+                      <a:prstDash val="solid"/>
+                      <a:round/>
+                      <a:headEnd type="none" w="med" len="med"/>
+                      <a:tailEnd type="none" w="med" len="med"/>
+                    </a:lnR>
+                    <a:lnT w="3175" cap="flat" cmpd="sng" algn="ctr">
+                      <a:solidFill>
+                        <a:schemeClr val="bg1">
+                          <a:lumMod val="75000"/>
+                        </a:schemeClr>
+                      </a:solidFill>
+                      <a:prstDash val="sysDot"/>
+                      <a:round/>
+                      <a:headEnd type="none" w="med" len="med"/>
+                      <a:tailEnd type="none" w="med" len="med"/>
+                    </a:lnT>
+                    <a:lnB w="3175" cap="flat" cmpd="sng" algn="ctr">
+                      <a:solidFill>
+                        <a:schemeClr val="bg1">
+                          <a:lumMod val="75000"/>
+                        </a:schemeClr>
+                      </a:solidFill>
+                      <a:prstDash val="sysDot"/>
+                      <a:round/>
+                      <a:headEnd type="none" w="med" len="med"/>
+                      <a:tailEnd type="none" w="med" len="med"/>
+                    </a:lnB>
+                    <a:lnTlToBr w="12700" cmpd="sng">
+                      <a:noFill/>
+                      <a:prstDash val="solid"/>
+                    </a:lnTlToBr>
+                    <a:lnBlToTr w="12700" cmpd="sng">
+                      <a:noFill/>
+                      <a:prstDash val="solid"/>
+                    </a:lnBlToTr>
+                    <a:noFill/>
+                  </a:tcPr>
+                </a:tc>
+                <a:tc>
+                  <a:txBody>
+                    <a:bodyPr/>
+                    <a:lstStyle/>
+                    <a:p>
+                      <a:pPr marL="0" marR="0" lvl="0" indent="0" algn="ctr" defTabSz="685792" rtl="0" eaLnBrk="1" fontAlgn="auto" latinLnBrk="0" hangingPunct="1">
+                        <a:lnSpc>
+                          <a:spcPct val="130000"/>
+                        </a:lnSpc>
+                        <a:spcBef>
+                          <a:spcPts val="0"/>
+                        </a:spcBef>
+                        <a:spcAft>
+                          <a:spcPts val="0"/>
+                        </a:spcAft>
+                        <a:buClrTx/>
+                        <a:buSzTx/>
+                        <a:buFontTx/>
+                        <a:buNone/>
+                        <a:tabLst/>
+                        <a:defRPr/>
+                      </a:pPr>
+                      <a:endParaRPr lang="zh-CN" altLang="en-US" sz="1200" b="0" kern="1200" baseline="0" dirty="0">
+                        <a:solidFill>
+                          <a:schemeClr val="tx1">
+                            <a:lumMod val="75000"/>
+                            <a:lumOff val="25000"/>
+                          </a:schemeClr>
+                        </a:solidFill>
+                        <a:latin typeface="Bentley Light" panose="020B0404020201020102"/>
+                        <a:ea typeface="黑体" panose="02010609060101010101" pitchFamily="49" charset="-122"/>
+                        <a:cs typeface="+mn-ea"/>
+                        <a:sym typeface="+mn-lt"/>
+                      </a:endParaRPr>
+                    </a:p>
+                  </a:txBody>
+                  <a:tcPr marL="108666" marR="108666" marT="108522" marB="108522" anchor="ctr">
+                    <a:lnL w="57150" cap="flat" cmpd="sng" algn="ctr">
+                      <a:noFill/>
+                      <a:prstDash val="solid"/>
+                      <a:round/>
+                      <a:headEnd type="none" w="med" len="med"/>
+                      <a:tailEnd type="none" w="med" len="med"/>
+                    </a:lnL>
+                    <a:lnR w="3175" cap="flat" cmpd="sng" algn="ctr">
+                      <a:noFill/>
+                      <a:prstDash val="solid"/>
+                      <a:round/>
+                      <a:headEnd type="none" w="med" len="med"/>
+                      <a:tailEnd type="none" w="med" len="med"/>
+                    </a:lnR>
+                    <a:lnT w="3175" cap="flat" cmpd="sng" algn="ctr">
+                      <a:solidFill>
+                        <a:schemeClr val="bg1">
+                          <a:lumMod val="75000"/>
+                        </a:schemeClr>
+                      </a:solidFill>
+                      <a:prstDash val="sysDot"/>
+                      <a:round/>
+                      <a:headEnd type="none" w="med" len="med"/>
+                      <a:tailEnd type="none" w="med" len="med"/>
+                    </a:lnT>
+                    <a:lnB w="3175" cap="flat" cmpd="sng" algn="ctr">
+                      <a:solidFill>
+                        <a:schemeClr val="bg1">
+                          <a:lumMod val="75000"/>
+                        </a:schemeClr>
+                      </a:solidFill>
+                      <a:prstDash val="sysDot"/>
+                      <a:round/>
+                      <a:headEnd type="none" w="med" len="med"/>
+                      <a:tailEnd type="none" w="med" len="med"/>
+                    </a:lnB>
+                    <a:lnTlToBr w="12700" cmpd="sng">
+                      <a:noFill/>
+                      <a:prstDash val="solid"/>
+                    </a:lnTlToBr>
+                    <a:lnBlToTr w="12700" cmpd="sng">
+                      <a:noFill/>
+                      <a:prstDash val="solid"/>
+                    </a:lnBlToTr>
+                    <a:noFill/>
+                  </a:tcPr>
+                </a:tc>
+                <a:tc>
+                  <a:txBody>
+                    <a:bodyPr/>
+                    <a:lstStyle/>
+                    <a:p>
+                      <a:pPr marL="0" marR="0" lvl="0" indent="0" algn="l" defTabSz="685792" rtl="0" eaLnBrk="1" fontAlgn="auto" latinLnBrk="0" hangingPunct="1">
+                        <a:lnSpc>
+                          <a:spcPct val="130000"/>
+                        </a:lnSpc>
+                        <a:spcBef>
+                          <a:spcPts val="0"/>
+                        </a:spcBef>
+                        <a:spcAft>
+                          <a:spcPts val="0"/>
+                        </a:spcAft>
+                        <a:buClrTx/>
+                        <a:buSzTx/>
+                        <a:buFontTx/>
+                        <a:buNone/>
+                        <a:tabLst/>
+                        <a:defRPr/>
+                      </a:pPr>
+                      <a:endParaRPr lang="zh-CN" altLang="en-US" sz="1200" b="0" kern="1200" baseline="0" dirty="0">
+                        <a:solidFill>
+                          <a:schemeClr val="tx1">
+                            <a:lumMod val="75000"/>
+                            <a:lumOff val="25000"/>
+                          </a:schemeClr>
+                        </a:solidFill>
+                        <a:latin typeface="Bentley Light" panose="020B0404020201020102"/>
+                        <a:ea typeface="黑体" panose="02010609060101010101" pitchFamily="49" charset="-122"/>
+                        <a:cs typeface="+mn-ea"/>
+                        <a:sym typeface="+mn-lt"/>
+                      </a:endParaRPr>
+                    </a:p>
+                  </a:txBody>
+                  <a:tcPr marL="108666" marR="108666" marT="108522" marB="108522" anchor="ctr">
+                    <a:lnL w="3175" cap="flat" cmpd="sng" algn="ctr">
+                      <a:noFill/>
+                      <a:prstDash val="solid"/>
+                      <a:round/>
+                      <a:headEnd type="none" w="med" len="med"/>
+                      <a:tailEnd type="none" w="med" len="med"/>
+                    </a:lnL>
+                    <a:lnR w="57150" cap="flat" cmpd="sng" algn="ctr">
+                      <a:noFill/>
+                      <a:prstDash val="solid"/>
+                      <a:round/>
+                      <a:headEnd type="none" w="med" len="med"/>
+                      <a:tailEnd type="none" w="med" len="med"/>
+                    </a:lnR>
+                    <a:lnT w="3175" cap="flat" cmpd="sng" algn="ctr">
+                      <a:solidFill>
+                        <a:schemeClr val="bg1">
+                          <a:lumMod val="75000"/>
+                        </a:schemeClr>
+                      </a:solidFill>
+                      <a:prstDash val="sysDot"/>
+                      <a:round/>
+                      <a:headEnd type="none" w="med" len="med"/>
+                      <a:tailEnd type="none" w="med" len="med"/>
+                    </a:lnT>
+                    <a:lnB w="3175" cap="flat" cmpd="sng" algn="ctr">
+                      <a:solidFill>
+                        <a:schemeClr val="bg1">
+                          <a:lumMod val="75000"/>
+                        </a:schemeClr>
+                      </a:solidFill>
+                      <a:prstDash val="sysDot"/>
+                      <a:round/>
+                      <a:headEnd type="none" w="med" len="med"/>
+                      <a:tailEnd type="none" w="med" len="med"/>
+                    </a:lnB>
+                    <a:lnTlToBr w="12700" cmpd="sng">
+                      <a:noFill/>
+                      <a:prstDash val="solid"/>
+                    </a:lnTlToBr>
+                    <a:lnBlToTr w="12700" cmpd="sng">
+                      <a:noFill/>
+                      <a:prstDash val="solid"/>
+                    </a:lnBlToTr>
+                    <a:noFill/>
+                  </a:tcPr>
+                </a:tc>
+                <a:tc>
+                  <a:txBody>
+                    <a:bodyPr/>
+                    <a:lstStyle/>
+                    <a:p>
+                      <a:pPr marL="0" marR="0" lvl="0" indent="0" algn="l" defTabSz="685792" rtl="0" eaLnBrk="1" fontAlgn="auto" latinLnBrk="0" hangingPunct="1">
+                        <a:lnSpc>
+                          <a:spcPct val="130000"/>
+                        </a:lnSpc>
+                        <a:spcBef>
+                          <a:spcPts val="0"/>
+                        </a:spcBef>
+                        <a:spcAft>
+                          <a:spcPts val="0"/>
+                        </a:spcAft>
+                        <a:buClrTx/>
+                        <a:buSzTx/>
+                        <a:buFontTx/>
+                        <a:buNone/>
+                        <a:tabLst/>
+                        <a:defRPr/>
+                      </a:pPr>
+                      <a:endParaRPr lang="zh-CN" altLang="en-US" sz="1200" b="0" kern="1200" baseline="0" dirty="0">
+                        <a:solidFill>
+                          <a:schemeClr val="tx1">
+                            <a:lumMod val="75000"/>
+                            <a:lumOff val="25000"/>
+                          </a:schemeClr>
+                        </a:solidFill>
+                        <a:latin typeface="Bentley Light" panose="020B0404020201020102"/>
+                        <a:ea typeface="黑体" panose="02010609060101010101" pitchFamily="49" charset="-122"/>
+                        <a:cs typeface="+mn-ea"/>
+                        <a:sym typeface="+mn-lt"/>
+                      </a:endParaRPr>
+                    </a:p>
+                  </a:txBody>
+                  <a:tcPr marL="108666" marR="108666" marT="108522" marB="108522" anchor="ctr">
+                    <a:lnL w="3175" cap="flat" cmpd="sng" algn="ctr">
+                      <a:noFill/>
+                      <a:prstDash val="solid"/>
+                      <a:round/>
+                      <a:headEnd type="none" w="med" len="med"/>
+                      <a:tailEnd type="none" w="med" len="med"/>
+                    </a:lnL>
+                    <a:lnR w="57150" cap="flat" cmpd="sng" algn="ctr">
+                      <a:noFill/>
+                      <a:prstDash val="solid"/>
+                      <a:round/>
+                      <a:headEnd type="none" w="med" len="med"/>
+                      <a:tailEnd type="none" w="med" len="med"/>
+                    </a:lnR>
+                    <a:lnT w="3175" cap="flat" cmpd="sng" algn="ctr">
+                      <a:solidFill>
+                        <a:schemeClr val="bg1">
+                          <a:lumMod val="75000"/>
+                        </a:schemeClr>
+                      </a:solidFill>
+                      <a:prstDash val="sysDot"/>
+                      <a:round/>
+                      <a:headEnd type="none" w="med" len="med"/>
+                      <a:tailEnd type="none" w="med" len="med"/>
+                    </a:lnT>
+                    <a:lnB w="3175" cap="flat" cmpd="sng" algn="ctr">
+                      <a:solidFill>
+                        <a:schemeClr val="bg1">
+                          <a:lumMod val="75000"/>
+                        </a:schemeClr>
+                      </a:solidFill>
+                      <a:prstDash val="sysDot"/>
+                      <a:round/>
+                      <a:headEnd type="none" w="med" len="med"/>
+                      <a:tailEnd type="none" w="med" len="med"/>
+                    </a:lnB>
+                    <a:lnTlToBr w="12700" cmpd="sng">
+                      <a:noFill/>
+                      <a:prstDash val="solid"/>
+                    </a:lnTlToBr>
+                    <a:lnBlToTr w="12700" cmpd="sng">
+                      <a:noFill/>
+                      <a:prstDash val="solid"/>
+                    </a:lnBlToTr>
+                    <a:noFill/>
+                  </a:tcPr>
+                </a:tc>
+                <a:extLst>
+                  <a:ext uri="{0D108BD9-81ED-4DB2-BD59-A6C34878D82A}">
+                    <a16:rowId xmlns:a16="http://schemas.microsoft.com/office/drawing/2014/main" val="1540475788"/>
+                  </a:ext>
+                </a:extLst>
+              </a:tr>
+              <a:tr h="457557">
+                <a:tc>
+                  <a:txBody>
+                    <a:bodyPr/>
+                    <a:lstStyle/>
+                    <a:p>
+                      <a:pPr marL="0" marR="0" lvl="0" indent="0" algn="ctr" defTabSz="685792" rtl="0" eaLnBrk="1" fontAlgn="auto" latinLnBrk="0" hangingPunct="1">
+                        <a:lnSpc>
+                          <a:spcPct val="130000"/>
+                        </a:lnSpc>
+                        <a:spcBef>
+                          <a:spcPts val="0"/>
+                        </a:spcBef>
+                        <a:spcAft>
+                          <a:spcPts val="0"/>
+                        </a:spcAft>
+                        <a:buClrTx/>
+                        <a:buSzTx/>
+                        <a:buFontTx/>
+                        <a:buNone/>
+                        <a:tabLst/>
+                        <a:defRPr/>
+                      </a:pPr>
+                      <a:endParaRPr lang="zh-CN" altLang="en-US" sz="1200" b="0" kern="1200" baseline="0" dirty="0">
+                        <a:solidFill>
+                          <a:schemeClr val="tx1">
+                            <a:lumMod val="75000"/>
+                            <a:lumOff val="25000"/>
+                          </a:schemeClr>
+                        </a:solidFill>
+                        <a:latin typeface="Bentley Light" panose="020B0404020201020102"/>
+                        <a:ea typeface="黑体" panose="02010609060101010101" pitchFamily="49" charset="-122"/>
+                        <a:cs typeface="+mn-ea"/>
+                        <a:sym typeface="+mn-lt"/>
+                      </a:endParaRPr>
+                    </a:p>
+                  </a:txBody>
+                  <a:tcPr marL="108666" marR="108666" marT="108522" marB="108522" anchor="ctr">
+                    <a:lnL w="57150" cap="flat" cmpd="sng" algn="ctr">
+                      <a:noFill/>
+                      <a:prstDash val="solid"/>
+                      <a:round/>
+                      <a:headEnd type="none" w="med" len="med"/>
+                      <a:tailEnd type="none" w="med" len="med"/>
+                    </a:lnL>
+                    <a:lnR w="3175" cap="flat" cmpd="sng" algn="ctr">
+                      <a:noFill/>
+                      <a:prstDash val="solid"/>
+                      <a:round/>
+                      <a:headEnd type="none" w="med" len="med"/>
+                      <a:tailEnd type="none" w="med" len="med"/>
+                    </a:lnR>
+                    <a:lnT w="3175" cap="flat" cmpd="sng" algn="ctr">
+                      <a:solidFill>
+                        <a:schemeClr val="bg1">
+                          <a:lumMod val="75000"/>
+                        </a:schemeClr>
+                      </a:solidFill>
+                      <a:prstDash val="sysDot"/>
+                      <a:round/>
+                      <a:headEnd type="none" w="med" len="med"/>
+                      <a:tailEnd type="none" w="med" len="med"/>
+                    </a:lnT>
+                    <a:lnB w="3175" cap="flat" cmpd="sng" algn="ctr">
+                      <a:solidFill>
+                        <a:schemeClr val="bg1">
+                          <a:lumMod val="75000"/>
+                        </a:schemeClr>
+                      </a:solidFill>
+                      <a:prstDash val="sysDot"/>
+                      <a:round/>
+                      <a:headEnd type="none" w="med" len="med"/>
+                      <a:tailEnd type="none" w="med" len="med"/>
+                    </a:lnB>
+                    <a:lnTlToBr w="12700" cmpd="sng">
+                      <a:noFill/>
+                      <a:prstDash val="solid"/>
+                    </a:lnTlToBr>
+                    <a:lnBlToTr w="12700" cmpd="sng">
+                      <a:noFill/>
+                      <a:prstDash val="solid"/>
+                    </a:lnBlToTr>
+                    <a:noFill/>
+                  </a:tcPr>
+                </a:tc>
+                <a:tc>
+                  <a:txBody>
+                    <a:bodyPr/>
+                    <a:lstStyle/>
+                    <a:p>
+                      <a:pPr marL="0" marR="0" lvl="0" indent="0" algn="ctr" defTabSz="685792" rtl="0" eaLnBrk="1" fontAlgn="auto" latinLnBrk="0" hangingPunct="1">
+                        <a:lnSpc>
+                          <a:spcPct val="130000"/>
+                        </a:lnSpc>
+                        <a:spcBef>
+                          <a:spcPts val="0"/>
+                        </a:spcBef>
+                        <a:spcAft>
+                          <a:spcPts val="0"/>
+                        </a:spcAft>
+                        <a:buClrTx/>
+                        <a:buSzTx/>
+                        <a:buFontTx/>
+                        <a:buNone/>
+                        <a:tabLst/>
+                        <a:defRPr/>
+                      </a:pPr>
+                      <a:endParaRPr lang="zh-CN" altLang="en-US" sz="1200" b="0" kern="1200" baseline="0" dirty="0">
+                        <a:solidFill>
+                          <a:schemeClr val="tx1">
+                            <a:lumMod val="75000"/>
+                            <a:lumOff val="25000"/>
+                          </a:schemeClr>
+                        </a:solidFill>
+                        <a:latin typeface="Bentley Light" panose="020B0404020201020102"/>
+                        <a:ea typeface="黑体" panose="02010609060101010101" pitchFamily="49" charset="-122"/>
+                        <a:cs typeface="+mn-ea"/>
+                        <a:sym typeface="+mn-lt"/>
+                      </a:endParaRPr>
+                    </a:p>
+                  </a:txBody>
+                  <a:tcPr marL="108666" marR="108666" marT="108522" marB="108522" anchor="ctr">
+                    <a:lnL w="57150" cap="flat" cmpd="sng" algn="ctr">
+                      <a:noFill/>
+                      <a:prstDash val="solid"/>
+                      <a:round/>
+                      <a:headEnd type="none" w="med" len="med"/>
+                      <a:tailEnd type="none" w="med" len="med"/>
+                    </a:lnL>
+                    <a:lnR w="3175" cap="flat" cmpd="sng" algn="ctr">
+                      <a:noFill/>
+                      <a:prstDash val="solid"/>
+                      <a:round/>
+                      <a:headEnd type="none" w="med" len="med"/>
+                      <a:tailEnd type="none" w="med" len="med"/>
+                    </a:lnR>
+                    <a:lnT w="3175" cap="flat" cmpd="sng" algn="ctr">
+                      <a:solidFill>
+                        <a:schemeClr val="bg1">
+                          <a:lumMod val="75000"/>
+                        </a:schemeClr>
+                      </a:solidFill>
+                      <a:prstDash val="sysDot"/>
+                      <a:round/>
+                      <a:headEnd type="none" w="med" len="med"/>
+                      <a:tailEnd type="none" w="med" len="med"/>
+                    </a:lnT>
+                    <a:lnB w="3175" cap="flat" cmpd="sng" algn="ctr">
+                      <a:solidFill>
+                        <a:schemeClr val="bg1">
+                          <a:lumMod val="75000"/>
+                        </a:schemeClr>
+                      </a:solidFill>
+                      <a:prstDash val="sysDot"/>
+                      <a:round/>
+                      <a:headEnd type="none" w="med" len="med"/>
+                      <a:tailEnd type="none" w="med" len="med"/>
+                    </a:lnB>
+                    <a:lnTlToBr w="12700" cmpd="sng">
+                      <a:noFill/>
+                      <a:prstDash val="solid"/>
+                    </a:lnTlToBr>
+                    <a:lnBlToTr w="12700" cmpd="sng">
+                      <a:noFill/>
+                      <a:prstDash val="solid"/>
+                    </a:lnBlToTr>
+                    <a:noFill/>
+                  </a:tcPr>
+                </a:tc>
+                <a:tc>
+                  <a:txBody>
+                    <a:bodyPr/>
+                    <a:lstStyle/>
+                    <a:p>
+                      <a:pPr marL="0" marR="0" lvl="0" indent="0" algn="l" defTabSz="685792" rtl="0" eaLnBrk="1" fontAlgn="auto" latinLnBrk="0" hangingPunct="1">
+                        <a:lnSpc>
+                          <a:spcPct val="130000"/>
+                        </a:lnSpc>
+                        <a:spcBef>
+                          <a:spcPts val="0"/>
+                        </a:spcBef>
+                        <a:spcAft>
+                          <a:spcPts val="0"/>
+                        </a:spcAft>
+                        <a:buClrTx/>
+                        <a:buSzTx/>
+                        <a:buFontTx/>
+                        <a:buNone/>
+                        <a:tabLst/>
+                        <a:defRPr/>
+                      </a:pPr>
+                      <a:endParaRPr lang="zh-CN" altLang="en-US" sz="1200" b="0" kern="1200" baseline="0" dirty="0">
+                        <a:solidFill>
+                          <a:schemeClr val="tx1">
+                            <a:lumMod val="75000"/>
+                            <a:lumOff val="25000"/>
+                          </a:schemeClr>
+                        </a:solidFill>
+                        <a:latin typeface="Bentley Light" panose="020B0404020201020102"/>
+                        <a:ea typeface="黑体" panose="02010609060101010101" pitchFamily="49" charset="-122"/>
+                        <a:cs typeface="+mn-ea"/>
+                        <a:sym typeface="+mn-lt"/>
+                      </a:endParaRPr>
+                    </a:p>
+                  </a:txBody>
+                  <a:tcPr marL="108666" marR="108666" marT="108522" marB="108522" anchor="ctr">
+                    <a:lnL w="3175" cap="flat" cmpd="sng" algn="ctr">
+                      <a:noFill/>
+                      <a:prstDash val="solid"/>
+                      <a:round/>
+                      <a:headEnd type="none" w="med" len="med"/>
+                      <a:tailEnd type="none" w="med" len="med"/>
+                    </a:lnL>
+                    <a:lnR w="57150" cap="flat" cmpd="sng" algn="ctr">
+                      <a:noFill/>
+                      <a:prstDash val="solid"/>
+                      <a:round/>
+                      <a:headEnd type="none" w="med" len="med"/>
+                      <a:tailEnd type="none" w="med" len="med"/>
+                    </a:lnR>
+                    <a:lnT w="3175" cap="flat" cmpd="sng" algn="ctr">
+                      <a:solidFill>
+                        <a:schemeClr val="bg1">
+                          <a:lumMod val="75000"/>
+                        </a:schemeClr>
+                      </a:solidFill>
+                      <a:prstDash val="sysDot"/>
+                      <a:round/>
+                      <a:headEnd type="none" w="med" len="med"/>
+                      <a:tailEnd type="none" w="med" len="med"/>
+                    </a:lnT>
+                    <a:lnB w="3175" cap="flat" cmpd="sng" algn="ctr">
+                      <a:solidFill>
+                        <a:schemeClr val="bg1">
+                          <a:lumMod val="75000"/>
+                        </a:schemeClr>
+                      </a:solidFill>
+                      <a:prstDash val="sysDot"/>
+                      <a:round/>
+                      <a:headEnd type="none" w="med" len="med"/>
+                      <a:tailEnd type="none" w="med" len="med"/>
+                    </a:lnB>
+                    <a:lnTlToBr w="12700" cmpd="sng">
+                      <a:noFill/>
+                      <a:prstDash val="solid"/>
+                    </a:lnTlToBr>
+                    <a:lnBlToTr w="12700" cmpd="sng">
+                      <a:noFill/>
+                      <a:prstDash val="solid"/>
+                    </a:lnBlToTr>
+                    <a:noFill/>
+                  </a:tcPr>
+                </a:tc>
+                <a:tc>
+                  <a:txBody>
+                    <a:bodyPr/>
+                    <a:lstStyle/>
+                    <a:p>
+                      <a:pPr marL="0" marR="0" lvl="0" indent="0" algn="l" defTabSz="685792" rtl="0" eaLnBrk="1" fontAlgn="auto" latinLnBrk="0" hangingPunct="1">
+                        <a:lnSpc>
+                          <a:spcPct val="130000"/>
+                        </a:lnSpc>
+                        <a:spcBef>
+                          <a:spcPts val="0"/>
+                        </a:spcBef>
+                        <a:spcAft>
+                          <a:spcPts val="0"/>
+                        </a:spcAft>
+                        <a:buClrTx/>
+                        <a:buSzTx/>
+                        <a:buFontTx/>
+                        <a:buNone/>
+                        <a:tabLst/>
+                        <a:defRPr/>
+                      </a:pPr>
+                      <a:endParaRPr lang="zh-CN" altLang="en-US" sz="1200" b="0" kern="1200" baseline="0" dirty="0">
+                        <a:solidFill>
+                          <a:schemeClr val="tx1">
+                            <a:lumMod val="75000"/>
+                            <a:lumOff val="25000"/>
+                          </a:schemeClr>
+                        </a:solidFill>
+                        <a:latin typeface="Bentley Light" panose="020B0404020201020102"/>
+                        <a:ea typeface="黑体" panose="02010609060101010101" pitchFamily="49" charset="-122"/>
+                        <a:cs typeface="+mn-ea"/>
+                        <a:sym typeface="+mn-lt"/>
+                      </a:endParaRPr>
+                    </a:p>
+                  </a:txBody>
+                  <a:tcPr marL="108666" marR="108666" marT="108522" marB="108522" anchor="ctr">
+                    <a:lnL w="3175" cap="flat" cmpd="sng" algn="ctr">
+                      <a:noFill/>
+                      <a:prstDash val="solid"/>
+                      <a:round/>
+                      <a:headEnd type="none" w="med" len="med"/>
+                      <a:tailEnd type="none" w="med" len="med"/>
+                    </a:lnL>
+                    <a:lnR w="57150" cap="flat" cmpd="sng" algn="ctr">
+                      <a:noFill/>
+                      <a:prstDash val="solid"/>
+                      <a:round/>
+                      <a:headEnd type="none" w="med" len="med"/>
+                      <a:tailEnd type="none" w="med" len="med"/>
+                    </a:lnR>
+                    <a:lnT w="3175" cap="flat" cmpd="sng" algn="ctr">
+                      <a:solidFill>
+                        <a:schemeClr val="bg1">
+                          <a:lumMod val="75000"/>
+                        </a:schemeClr>
+                      </a:solidFill>
+                      <a:prstDash val="sysDot"/>
+                      <a:round/>
+                      <a:headEnd type="none" w="med" len="med"/>
+                      <a:tailEnd type="none" w="med" len="med"/>
+                    </a:lnT>
+                    <a:lnB w="3175" cap="flat" cmpd="sng" algn="ctr">
+                      <a:solidFill>
+                        <a:schemeClr val="bg1">
+                          <a:lumMod val="75000"/>
+                        </a:schemeClr>
+                      </a:solidFill>
+                      <a:prstDash val="sysDot"/>
+                      <a:round/>
+                      <a:headEnd type="none" w="med" len="med"/>
+                      <a:tailEnd type="none" w="med" len="med"/>
+                    </a:lnB>
+                    <a:lnTlToBr w="12700" cmpd="sng">
+                      <a:noFill/>
+                      <a:prstDash val="solid"/>
+                    </a:lnTlToBr>
+                    <a:lnBlToTr w="12700" cmpd="sng">
+                      <a:noFill/>
+                      <a:prstDash val="solid"/>
+                    </a:lnBlToTr>
+                    <a:noFill/>
+                  </a:tcPr>
+                </a:tc>
+                <a:extLst>
+                  <a:ext uri="{0D108BD9-81ED-4DB2-BD59-A6C34878D82A}">
+                    <a16:rowId xmlns:a16="http://schemas.microsoft.com/office/drawing/2014/main" val="3278024548"/>
                   </a:ext>
                 </a:extLst>
               </a:tr>
@@ -11179,15 +11818,15 @@
                         <a:tabLst/>
                         <a:defRPr/>
                       </a:pPr>
-                      <a:endParaRPr lang="zh-CN" altLang="en-US" sz="1200" b="0" kern="1200" dirty="0">
+                      <a:endParaRPr lang="zh-CN" altLang="en-US" sz="1200" b="0" kern="1200" baseline="0" dirty="0">
                         <a:solidFill>
                           <a:schemeClr val="tx1">
                             <a:lumMod val="75000"/>
                             <a:lumOff val="25000"/>
                           </a:schemeClr>
                         </a:solidFill>
-                        <a:latin typeface="+mn-lt"/>
-                        <a:ea typeface="+mn-ea"/>
+                        <a:latin typeface="Bentley Light" panose="020B0404020201020102"/>
+                        <a:ea typeface="黑体" panose="02010609060101010101" pitchFamily="49" charset="-122"/>
                         <a:cs typeface="+mn-ea"/>
                         <a:sym typeface="+mn-lt"/>
                       </a:endParaRPr>
@@ -11263,15 +11902,15 @@
                         <a:tabLst/>
                         <a:defRPr/>
                       </a:pPr>
-                      <a:endParaRPr lang="zh-CN" altLang="en-US" sz="1200" b="0" kern="1200" dirty="0">
+                      <a:endParaRPr lang="zh-CN" altLang="en-US" sz="1200" b="0" kern="1200" baseline="0" dirty="0">
                         <a:solidFill>
                           <a:schemeClr val="tx1">
                             <a:lumMod val="75000"/>
                             <a:lumOff val="25000"/>
                           </a:schemeClr>
                         </a:solidFill>
-                        <a:latin typeface="+mn-lt"/>
-                        <a:ea typeface="+mn-ea"/>
+                        <a:latin typeface="Bentley Light" panose="020B0404020201020102"/>
+                        <a:ea typeface="黑体" panose="02010609060101010101" pitchFamily="49" charset="-122"/>
                         <a:cs typeface="+mn-ea"/>
                         <a:sym typeface="+mn-lt"/>
                       </a:endParaRPr>
@@ -11347,15 +11986,15 @@
                         <a:tabLst/>
                         <a:defRPr/>
                       </a:pPr>
-                      <a:endParaRPr lang="zh-CN" altLang="en-US" sz="1200" b="0" kern="1200" dirty="0">
+                      <a:endParaRPr lang="zh-CN" altLang="en-US" sz="1200" b="0" kern="1200" baseline="0" dirty="0">
                         <a:solidFill>
                           <a:schemeClr val="tx1">
                             <a:lumMod val="75000"/>
                             <a:lumOff val="25000"/>
                           </a:schemeClr>
                         </a:solidFill>
-                        <a:latin typeface="+mn-lt"/>
-                        <a:ea typeface="+mn-ea"/>
+                        <a:latin typeface="Bentley Light" panose="020B0404020201020102"/>
+                        <a:ea typeface="黑体" panose="02010609060101010101" pitchFamily="49" charset="-122"/>
                         <a:cs typeface="+mn-ea"/>
                         <a:sym typeface="+mn-lt"/>
                       </a:endParaRPr>
@@ -11431,15 +12070,15 @@
                         <a:tabLst/>
                         <a:defRPr/>
                       </a:pPr>
-                      <a:endParaRPr lang="zh-CN" altLang="en-US" sz="1200" b="0" kern="1200" dirty="0">
+                      <a:endParaRPr lang="zh-CN" altLang="en-US" sz="1200" b="0" kern="1200" baseline="0" dirty="0">
                         <a:solidFill>
                           <a:schemeClr val="tx1">
                             <a:lumMod val="75000"/>
                             <a:lumOff val="25000"/>
                           </a:schemeClr>
                         </a:solidFill>
-                        <a:latin typeface="+mn-lt"/>
-                        <a:ea typeface="+mn-ea"/>
+                        <a:latin typeface="Bentley Light" panose="020B0404020201020102"/>
+                        <a:ea typeface="黑体" panose="02010609060101010101" pitchFamily="49" charset="-122"/>
                         <a:cs typeface="+mn-ea"/>
                         <a:sym typeface="+mn-lt"/>
                       </a:endParaRPr>
@@ -11495,7 +12134,7 @@
                 </a:tc>
                 <a:extLst>
                   <a:ext uri="{0D108BD9-81ED-4DB2-BD59-A6C34878D82A}">
-                    <a16:rowId xmlns:a16="http://schemas.microsoft.com/office/drawing/2014/main" xmlns="" val="10003"/>
+                    <a16:rowId xmlns:a16="http://schemas.microsoft.com/office/drawing/2014/main" val="10003"/>
                   </a:ext>
                 </a:extLst>
               </a:tr>
@@ -11522,15 +12161,15 @@
                         <a:tabLst/>
                         <a:defRPr/>
                       </a:pPr>
-                      <a:endParaRPr lang="zh-CN" altLang="en-US" sz="1200" b="0" kern="1200" dirty="0">
+                      <a:endParaRPr lang="zh-CN" altLang="en-US" sz="1200" b="0" kern="1200" baseline="0" dirty="0">
                         <a:solidFill>
                           <a:schemeClr val="tx1">
                             <a:lumMod val="75000"/>
                             <a:lumOff val="25000"/>
                           </a:schemeClr>
                         </a:solidFill>
-                        <a:latin typeface="+mn-lt"/>
-                        <a:ea typeface="+mn-ea"/>
+                        <a:latin typeface="Bentley Light" panose="020B0404020201020102"/>
+                        <a:ea typeface="黑体" panose="02010609060101010101" pitchFamily="49" charset="-122"/>
                         <a:cs typeface="+mn-ea"/>
                         <a:sym typeface="+mn-lt"/>
                       </a:endParaRPr>
@@ -11606,15 +12245,15 @@
                         <a:tabLst/>
                         <a:defRPr/>
                       </a:pPr>
-                      <a:endParaRPr lang="zh-CN" altLang="en-US" sz="1200" b="0" kern="1200" dirty="0">
+                      <a:endParaRPr lang="zh-CN" altLang="en-US" sz="1200" b="0" kern="1200" baseline="0" dirty="0">
                         <a:solidFill>
                           <a:schemeClr val="tx1">
                             <a:lumMod val="75000"/>
                             <a:lumOff val="25000"/>
                           </a:schemeClr>
                         </a:solidFill>
-                        <a:latin typeface="+mn-lt"/>
-                        <a:ea typeface="+mn-ea"/>
+                        <a:latin typeface="Bentley Light" panose="020B0404020201020102"/>
+                        <a:ea typeface="黑体" panose="02010609060101010101" pitchFamily="49" charset="-122"/>
                         <a:cs typeface="+mn-ea"/>
                         <a:sym typeface="+mn-lt"/>
                       </a:endParaRPr>
@@ -11690,15 +12329,15 @@
                         <a:tabLst/>
                         <a:defRPr/>
                       </a:pPr>
-                      <a:endParaRPr lang="zh-CN" altLang="en-US" sz="1200" b="0" kern="1200" dirty="0">
+                      <a:endParaRPr lang="zh-CN" altLang="en-US" sz="1200" b="0" kern="1200" baseline="0" dirty="0">
                         <a:solidFill>
                           <a:schemeClr val="tx1">
                             <a:lumMod val="75000"/>
                             <a:lumOff val="25000"/>
                           </a:schemeClr>
                         </a:solidFill>
-                        <a:latin typeface="+mn-lt"/>
-                        <a:ea typeface="+mn-ea"/>
+                        <a:latin typeface="Bentley Light" panose="020B0404020201020102"/>
+                        <a:ea typeface="黑体" panose="02010609060101010101" pitchFamily="49" charset="-122"/>
                         <a:cs typeface="+mn-ea"/>
                         <a:sym typeface="+mn-lt"/>
                       </a:endParaRPr>
@@ -11774,15 +12413,15 @@
                         <a:tabLst/>
                         <a:defRPr/>
                       </a:pPr>
-                      <a:endParaRPr lang="zh-CN" altLang="en-US" sz="1200" b="0" kern="1200" dirty="0">
+                      <a:endParaRPr lang="zh-CN" altLang="en-US" sz="1200" b="0" kern="1200" baseline="0" dirty="0">
                         <a:solidFill>
                           <a:schemeClr val="tx1">
                             <a:lumMod val="75000"/>
                             <a:lumOff val="25000"/>
                           </a:schemeClr>
                         </a:solidFill>
-                        <a:latin typeface="+mn-lt"/>
-                        <a:ea typeface="+mn-ea"/>
+                        <a:latin typeface="Bentley Light" panose="020B0404020201020102"/>
+                        <a:ea typeface="黑体" panose="02010609060101010101" pitchFamily="49" charset="-122"/>
                         <a:cs typeface="+mn-ea"/>
                         <a:sym typeface="+mn-lt"/>
                       </a:endParaRPr>
@@ -11838,7 +12477,7 @@
                 </a:tc>
                 <a:extLst>
                   <a:ext uri="{0D108BD9-81ED-4DB2-BD59-A6C34878D82A}">
-                    <a16:rowId xmlns:a16="http://schemas.microsoft.com/office/drawing/2014/main" xmlns="" val="10004"/>
+                    <a16:rowId xmlns:a16="http://schemas.microsoft.com/office/drawing/2014/main" val="10004"/>
                   </a:ext>
                 </a:extLst>
               </a:tr>
@@ -11865,15 +12504,15 @@
                         <a:tabLst/>
                         <a:defRPr/>
                       </a:pPr>
-                      <a:endParaRPr lang="zh-CN" altLang="en-US" sz="1200" b="0" kern="1200" dirty="0">
+                      <a:endParaRPr lang="zh-CN" altLang="en-US" sz="1200" b="0" kern="1200" baseline="0" dirty="0">
                         <a:solidFill>
                           <a:schemeClr val="tx1">
                             <a:lumMod val="75000"/>
                             <a:lumOff val="25000"/>
                           </a:schemeClr>
                         </a:solidFill>
-                        <a:latin typeface="+mn-lt"/>
-                        <a:ea typeface="+mn-ea"/>
+                        <a:latin typeface="Bentley Light" panose="020B0404020201020102"/>
+                        <a:ea typeface="黑体" panose="02010609060101010101" pitchFamily="49" charset="-122"/>
                         <a:cs typeface="+mn-ea"/>
                         <a:sym typeface="+mn-lt"/>
                       </a:endParaRPr>
@@ -11949,15 +12588,15 @@
                         <a:tabLst/>
                         <a:defRPr/>
                       </a:pPr>
-                      <a:endParaRPr lang="zh-CN" altLang="en-US" sz="1200" b="0" kern="1200" dirty="0">
+                      <a:endParaRPr lang="zh-CN" altLang="en-US" sz="1200" b="0" kern="1200" baseline="0" dirty="0">
                         <a:solidFill>
                           <a:schemeClr val="tx1">
                             <a:lumMod val="75000"/>
                             <a:lumOff val="25000"/>
                           </a:schemeClr>
                         </a:solidFill>
-                        <a:latin typeface="+mn-lt"/>
-                        <a:ea typeface="+mn-ea"/>
+                        <a:latin typeface="Bentley Light" panose="020B0404020201020102"/>
+                        <a:ea typeface="黑体" panose="02010609060101010101" pitchFamily="49" charset="-122"/>
                         <a:cs typeface="+mn-ea"/>
                         <a:sym typeface="+mn-lt"/>
                       </a:endParaRPr>
@@ -12033,15 +12672,15 @@
                         <a:tabLst/>
                         <a:defRPr/>
                       </a:pPr>
-                      <a:endParaRPr lang="zh-CN" altLang="en-US" sz="1200" b="0" kern="1200" dirty="0">
+                      <a:endParaRPr lang="zh-CN" altLang="en-US" sz="1200" b="0" kern="1200" baseline="0" dirty="0">
                         <a:solidFill>
                           <a:schemeClr val="tx1">
                             <a:lumMod val="75000"/>
                             <a:lumOff val="25000"/>
                           </a:schemeClr>
                         </a:solidFill>
-                        <a:latin typeface="+mn-lt"/>
-                        <a:ea typeface="+mn-ea"/>
+                        <a:latin typeface="Bentley Light" panose="020B0404020201020102"/>
+                        <a:ea typeface="黑体" panose="02010609060101010101" pitchFamily="49" charset="-122"/>
                         <a:cs typeface="+mn-ea"/>
                         <a:sym typeface="+mn-lt"/>
                       </a:endParaRPr>
@@ -12117,15 +12756,15 @@
                         <a:tabLst/>
                         <a:defRPr/>
                       </a:pPr>
-                      <a:endParaRPr lang="zh-CN" altLang="en-US" sz="1200" b="0" kern="1200" dirty="0">
+                      <a:endParaRPr lang="zh-CN" altLang="en-US" sz="1200" b="0" kern="1200" baseline="0" dirty="0">
                         <a:solidFill>
                           <a:schemeClr val="tx1">
                             <a:lumMod val="75000"/>
                             <a:lumOff val="25000"/>
                           </a:schemeClr>
                         </a:solidFill>
-                        <a:latin typeface="+mn-lt"/>
-                        <a:ea typeface="+mn-ea"/>
+                        <a:latin typeface="Bentley Light" panose="020B0404020201020102"/>
+                        <a:ea typeface="黑体" panose="02010609060101010101" pitchFamily="49" charset="-122"/>
                         <a:cs typeface="+mn-ea"/>
                         <a:sym typeface="+mn-lt"/>
                       </a:endParaRPr>
@@ -12181,7 +12820,7 @@
                 </a:tc>
                 <a:extLst>
                   <a:ext uri="{0D108BD9-81ED-4DB2-BD59-A6C34878D82A}">
-                    <a16:rowId xmlns:a16="http://schemas.microsoft.com/office/drawing/2014/main" xmlns="" val="2987373226"/>
+                    <a16:rowId xmlns:a16="http://schemas.microsoft.com/office/drawing/2014/main" val="2987373226"/>
                   </a:ext>
                 </a:extLst>
               </a:tr>
@@ -12208,15 +12847,15 @@
                         <a:tabLst/>
                         <a:defRPr/>
                       </a:pPr>
-                      <a:endParaRPr lang="zh-CN" altLang="en-US" sz="1200" b="0" kern="1200" dirty="0">
+                      <a:endParaRPr lang="zh-CN" altLang="en-US" sz="1200" b="0" kern="1200" baseline="0" dirty="0">
                         <a:solidFill>
                           <a:schemeClr val="tx1">
                             <a:lumMod val="75000"/>
                             <a:lumOff val="25000"/>
                           </a:schemeClr>
                         </a:solidFill>
-                        <a:latin typeface="+mn-lt"/>
-                        <a:ea typeface="+mn-ea"/>
+                        <a:latin typeface="Bentley Light" panose="020B0404020201020102"/>
+                        <a:ea typeface="黑体" panose="02010609060101010101" pitchFamily="49" charset="-122"/>
                         <a:cs typeface="+mn-ea"/>
                         <a:sym typeface="+mn-lt"/>
                       </a:endParaRPr>
@@ -12292,15 +12931,15 @@
                         <a:tabLst/>
                         <a:defRPr/>
                       </a:pPr>
-                      <a:endParaRPr lang="zh-CN" altLang="en-US" sz="1200" b="0" kern="1200" dirty="0">
+                      <a:endParaRPr lang="zh-CN" altLang="en-US" sz="1200" b="0" kern="1200" baseline="0" dirty="0">
                         <a:solidFill>
                           <a:schemeClr val="tx1">
                             <a:lumMod val="75000"/>
                             <a:lumOff val="25000"/>
                           </a:schemeClr>
                         </a:solidFill>
-                        <a:latin typeface="+mn-lt"/>
-                        <a:ea typeface="+mn-ea"/>
+                        <a:latin typeface="Bentley Light" panose="020B0404020201020102"/>
+                        <a:ea typeface="黑体" panose="02010609060101010101" pitchFamily="49" charset="-122"/>
                         <a:cs typeface="+mn-ea"/>
                         <a:sym typeface="+mn-lt"/>
                       </a:endParaRPr>
@@ -12376,15 +13015,15 @@
                         <a:tabLst/>
                         <a:defRPr/>
                       </a:pPr>
-                      <a:endParaRPr lang="zh-CN" altLang="en-US" sz="1200" b="0" kern="1200" dirty="0">
+                      <a:endParaRPr lang="zh-CN" altLang="en-US" sz="1200" b="0" kern="1200" baseline="0" dirty="0">
                         <a:solidFill>
                           <a:schemeClr val="tx1">
                             <a:lumMod val="75000"/>
                             <a:lumOff val="25000"/>
                           </a:schemeClr>
                         </a:solidFill>
-                        <a:latin typeface="+mn-lt"/>
-                        <a:ea typeface="+mn-ea"/>
+                        <a:latin typeface="Bentley Light" panose="020B0404020201020102"/>
+                        <a:ea typeface="黑体" panose="02010609060101010101" pitchFamily="49" charset="-122"/>
                         <a:cs typeface="+mn-ea"/>
                         <a:sym typeface="+mn-lt"/>
                       </a:endParaRPr>
@@ -12460,15 +13099,15 @@
                         <a:tabLst/>
                         <a:defRPr/>
                       </a:pPr>
-                      <a:endParaRPr lang="zh-CN" altLang="en-US" sz="1200" b="0" kern="1200" dirty="0">
+                      <a:endParaRPr lang="zh-CN" altLang="en-US" sz="1200" b="0" kern="1200" baseline="0" dirty="0">
                         <a:solidFill>
                           <a:schemeClr val="tx1">
                             <a:lumMod val="75000"/>
                             <a:lumOff val="25000"/>
                           </a:schemeClr>
                         </a:solidFill>
-                        <a:latin typeface="+mn-lt"/>
-                        <a:ea typeface="+mn-ea"/>
+                        <a:latin typeface="Bentley Light" panose="020B0404020201020102"/>
+                        <a:ea typeface="黑体" panose="02010609060101010101" pitchFamily="49" charset="-122"/>
                         <a:cs typeface="+mn-ea"/>
                         <a:sym typeface="+mn-lt"/>
                       </a:endParaRPr>
@@ -12524,7 +13163,7 @@
                 </a:tc>
                 <a:extLst>
                   <a:ext uri="{0D108BD9-81ED-4DB2-BD59-A6C34878D82A}">
-                    <a16:rowId xmlns:a16="http://schemas.microsoft.com/office/drawing/2014/main" xmlns="" val="2639051246"/>
+                    <a16:rowId xmlns:a16="http://schemas.microsoft.com/office/drawing/2014/main" val="2639051246"/>
                   </a:ext>
                 </a:extLst>
               </a:tr>
@@ -12551,15 +13190,15 @@
                         <a:tabLst/>
                         <a:defRPr/>
                       </a:pPr>
-                      <a:endParaRPr lang="zh-CN" altLang="en-US" sz="1200" b="0" kern="1200" dirty="0">
+                      <a:endParaRPr lang="zh-CN" altLang="en-US" sz="1200" b="0" kern="1200" baseline="0" dirty="0">
                         <a:solidFill>
                           <a:schemeClr val="tx1">
                             <a:lumMod val="75000"/>
                             <a:lumOff val="25000"/>
                           </a:schemeClr>
                         </a:solidFill>
-                        <a:latin typeface="+mn-lt"/>
-                        <a:ea typeface="+mn-ea"/>
+                        <a:latin typeface="Bentley Light" panose="020B0404020201020102"/>
+                        <a:ea typeface="黑体" panose="02010609060101010101" pitchFamily="49" charset="-122"/>
                         <a:cs typeface="+mn-ea"/>
                         <a:sym typeface="+mn-lt"/>
                       </a:endParaRPr>
@@ -12635,15 +13274,15 @@
                         <a:tabLst/>
                         <a:defRPr/>
                       </a:pPr>
-                      <a:endParaRPr lang="zh-CN" altLang="en-US" sz="1200" b="0" kern="1200" dirty="0">
+                      <a:endParaRPr lang="zh-CN" altLang="en-US" sz="1200" b="0" kern="1200" baseline="0" dirty="0">
                         <a:solidFill>
                           <a:schemeClr val="tx1">
                             <a:lumMod val="75000"/>
                             <a:lumOff val="25000"/>
                           </a:schemeClr>
                         </a:solidFill>
-                        <a:latin typeface="+mn-lt"/>
-                        <a:ea typeface="+mn-ea"/>
+                        <a:latin typeface="Bentley Light" panose="020B0404020201020102"/>
+                        <a:ea typeface="黑体" panose="02010609060101010101" pitchFamily="49" charset="-122"/>
                         <a:cs typeface="+mn-ea"/>
                         <a:sym typeface="+mn-lt"/>
                       </a:endParaRPr>
@@ -12719,15 +13358,15 @@
                         <a:tabLst/>
                         <a:defRPr/>
                       </a:pPr>
-                      <a:endParaRPr lang="zh-CN" altLang="en-US" sz="1200" b="0" kern="1200" dirty="0">
+                      <a:endParaRPr lang="zh-CN" altLang="en-US" sz="1200" b="0" kern="1200" baseline="0" dirty="0">
                         <a:solidFill>
                           <a:schemeClr val="tx1">
                             <a:lumMod val="75000"/>
                             <a:lumOff val="25000"/>
                           </a:schemeClr>
                         </a:solidFill>
-                        <a:latin typeface="+mn-lt"/>
-                        <a:ea typeface="+mn-ea"/>
+                        <a:latin typeface="Bentley Light" panose="020B0404020201020102"/>
+                        <a:ea typeface="黑体" panose="02010609060101010101" pitchFamily="49" charset="-122"/>
                         <a:cs typeface="+mn-ea"/>
                         <a:sym typeface="+mn-lt"/>
                       </a:endParaRPr>
@@ -12803,15 +13442,15 @@
                         <a:tabLst/>
                         <a:defRPr/>
                       </a:pPr>
-                      <a:endParaRPr lang="zh-CN" altLang="en-US" sz="1200" b="0" kern="1200" dirty="0">
+                      <a:endParaRPr lang="zh-CN" altLang="en-US" sz="1200" b="0" kern="1200" baseline="0" dirty="0">
                         <a:solidFill>
                           <a:schemeClr val="tx1">
                             <a:lumMod val="75000"/>
                             <a:lumOff val="25000"/>
                           </a:schemeClr>
                         </a:solidFill>
-                        <a:latin typeface="+mn-lt"/>
-                        <a:ea typeface="+mn-ea"/>
+                        <a:latin typeface="Bentley Light" panose="020B0404020201020102"/>
+                        <a:ea typeface="黑体" panose="02010609060101010101" pitchFamily="49" charset="-122"/>
                         <a:cs typeface="+mn-ea"/>
                         <a:sym typeface="+mn-lt"/>
                       </a:endParaRPr>
@@ -12867,7 +13506,7 @@
                 </a:tc>
                 <a:extLst>
                   <a:ext uri="{0D108BD9-81ED-4DB2-BD59-A6C34878D82A}">
-                    <a16:rowId xmlns:a16="http://schemas.microsoft.com/office/drawing/2014/main" xmlns="" val="1177553746"/>
+                    <a16:rowId xmlns:a16="http://schemas.microsoft.com/office/drawing/2014/main" val="1177553746"/>
                   </a:ext>
                 </a:extLst>
               </a:tr>
@@ -12894,15 +13533,15 @@
                         <a:tabLst/>
                         <a:defRPr/>
                       </a:pPr>
-                      <a:endParaRPr lang="zh-CN" altLang="en-US" sz="1200" b="0" kern="1200" dirty="0">
+                      <a:endParaRPr lang="zh-CN" altLang="en-US" sz="1200" b="0" kern="1200" baseline="0" dirty="0">
                         <a:solidFill>
                           <a:schemeClr val="tx1">
                             <a:lumMod val="75000"/>
                             <a:lumOff val="25000"/>
                           </a:schemeClr>
                         </a:solidFill>
-                        <a:latin typeface="+mn-lt"/>
-                        <a:ea typeface="+mn-ea"/>
+                        <a:latin typeface="Bentley Light" panose="020B0404020201020102"/>
+                        <a:ea typeface="黑体" panose="02010609060101010101" pitchFamily="49" charset="-122"/>
                         <a:cs typeface="+mn-ea"/>
                         <a:sym typeface="+mn-lt"/>
                       </a:endParaRPr>
@@ -12976,15 +13615,15 @@
                         <a:tabLst/>
                         <a:defRPr/>
                       </a:pPr>
-                      <a:endParaRPr lang="zh-CN" altLang="en-US" sz="1200" b="0" kern="1200" dirty="0">
+                      <a:endParaRPr lang="zh-CN" altLang="en-US" sz="1200" b="0" kern="1200" baseline="0" dirty="0">
                         <a:solidFill>
                           <a:schemeClr val="tx1">
                             <a:lumMod val="75000"/>
                             <a:lumOff val="25000"/>
                           </a:schemeClr>
                         </a:solidFill>
-                        <a:latin typeface="+mn-lt"/>
-                        <a:ea typeface="+mn-ea"/>
+                        <a:latin typeface="Bentley Light" panose="020B0404020201020102"/>
+                        <a:ea typeface="黑体" panose="02010609060101010101" pitchFamily="49" charset="-122"/>
                         <a:cs typeface="+mn-ea"/>
                         <a:sym typeface="+mn-lt"/>
                       </a:endParaRPr>
@@ -13058,15 +13697,15 @@
                         <a:tabLst/>
                         <a:defRPr/>
                       </a:pPr>
-                      <a:endParaRPr lang="zh-CN" altLang="en-US" sz="1200" b="0" kern="1200" dirty="0">
+                      <a:endParaRPr lang="zh-CN" altLang="en-US" sz="1200" b="0" kern="1200" baseline="0" dirty="0">
                         <a:solidFill>
                           <a:schemeClr val="tx1">
                             <a:lumMod val="75000"/>
                             <a:lumOff val="25000"/>
                           </a:schemeClr>
                         </a:solidFill>
-                        <a:latin typeface="+mn-lt"/>
-                        <a:ea typeface="+mn-ea"/>
+                        <a:latin typeface="Bentley Light" panose="020B0404020201020102"/>
+                        <a:ea typeface="黑体" panose="02010609060101010101" pitchFamily="49" charset="-122"/>
                         <a:cs typeface="+mn-ea"/>
                         <a:sym typeface="+mn-lt"/>
                       </a:endParaRPr>
@@ -13140,15 +13779,15 @@
                         <a:tabLst/>
                         <a:defRPr/>
                       </a:pPr>
-                      <a:endParaRPr lang="zh-CN" altLang="en-US" sz="1200" b="0" kern="1200" dirty="0">
+                      <a:endParaRPr lang="zh-CN" altLang="en-US" sz="1200" b="0" kern="1200" baseline="0" dirty="0">
                         <a:solidFill>
                           <a:schemeClr val="tx1">
                             <a:lumMod val="75000"/>
                             <a:lumOff val="25000"/>
                           </a:schemeClr>
                         </a:solidFill>
-                        <a:latin typeface="+mn-lt"/>
-                        <a:ea typeface="+mn-ea"/>
+                        <a:latin typeface="Bentley Light" panose="020B0404020201020102"/>
+                        <a:ea typeface="黑体" panose="02010609060101010101" pitchFamily="49" charset="-122"/>
                         <a:cs typeface="+mn-ea"/>
                         <a:sym typeface="+mn-lt"/>
                       </a:endParaRPr>
@@ -13202,7 +13841,7 @@
                 </a:tc>
                 <a:extLst>
                   <a:ext uri="{0D108BD9-81ED-4DB2-BD59-A6C34878D82A}">
-                    <a16:rowId xmlns:a16="http://schemas.microsoft.com/office/drawing/2014/main" xmlns="" val="4230401121"/>
+                    <a16:rowId xmlns:a16="http://schemas.microsoft.com/office/drawing/2014/main" val="4230401121"/>
                   </a:ext>
                 </a:extLst>
               </a:tr>
@@ -13496,7 +14135,7 @@
           <a:graphicData uri="http://schemas.openxmlformats.org/presentationml/2006/ole">
             <mc:AlternateContent xmlns:mc="http://schemas.openxmlformats.org/markup-compatibility/2006">
               <mc:Choice xmlns:v="urn:schemas-microsoft-com:vml" Requires="v">
-                <p:oleObj spid="_x0000_s42046" name="think-cell Slide" r:id="rId6" imgW="416" imgH="416" progId="TCLayout.ActiveDocument.1">
+                <p:oleObj spid="_x0000_s42048" name="think-cell Slide" r:id="rId6" imgW="416" imgH="416" progId="TCLayout.ActiveDocument.1">
                   <p:embed/>
                 </p:oleObj>
               </mc:Choice>
@@ -13547,7 +14186,7 @@
         </p:nvGraphicFramePr>
         <p:xfrm>
           <a:off x="539749" y="1107029"/>
-          <a:ext cx="11079991" cy="3442711"/>
+          <a:ext cx="11079991" cy="3272527"/>
         </p:xfrm>
         <a:graphic>
           <a:graphicData uri="http://schemas.openxmlformats.org/drawingml/2006/table">
@@ -13559,42 +14198,42 @@
                 <a:gridCol w="1924933">
                   <a:extLst>
                     <a:ext uri="{9D8B030D-6E8A-4147-A177-3AD203B41FA5}">
-                      <a16:colId xmlns:a16="http://schemas.microsoft.com/office/drawing/2014/main" xmlns="" val="1357581311"/>
+                      <a16:colId xmlns:a16="http://schemas.microsoft.com/office/drawing/2014/main" val="1357581311"/>
                     </a:ext>
                   </a:extLst>
                 </a:gridCol>
                 <a:gridCol w="2706957">
                   <a:extLst>
                     <a:ext uri="{9D8B030D-6E8A-4147-A177-3AD203B41FA5}">
-                      <a16:colId xmlns:a16="http://schemas.microsoft.com/office/drawing/2014/main" xmlns="" val="1956442140"/>
+                      <a16:colId xmlns:a16="http://schemas.microsoft.com/office/drawing/2014/main" val="1956442140"/>
                     </a:ext>
                   </a:extLst>
                 </a:gridCol>
                 <a:gridCol w="1378384">
                   <a:extLst>
                     <a:ext uri="{9D8B030D-6E8A-4147-A177-3AD203B41FA5}">
-                      <a16:colId xmlns:a16="http://schemas.microsoft.com/office/drawing/2014/main" xmlns="" val="3122743454"/>
+                      <a16:colId xmlns:a16="http://schemas.microsoft.com/office/drawing/2014/main" val="3122743454"/>
                     </a:ext>
                   </a:extLst>
                 </a:gridCol>
                 <a:gridCol w="1030714">
                   <a:extLst>
                     <a:ext uri="{9D8B030D-6E8A-4147-A177-3AD203B41FA5}">
-                      <a16:colId xmlns:a16="http://schemas.microsoft.com/office/drawing/2014/main" xmlns="" val="755301095"/>
+                      <a16:colId xmlns:a16="http://schemas.microsoft.com/office/drawing/2014/main" val="755301095"/>
                     </a:ext>
                   </a:extLst>
                 </a:gridCol>
                 <a:gridCol w="2464037">
                   <a:extLst>
                     <a:ext uri="{9D8B030D-6E8A-4147-A177-3AD203B41FA5}">
-                      <a16:colId xmlns:a16="http://schemas.microsoft.com/office/drawing/2014/main" xmlns="" val="2056552446"/>
+                      <a16:colId xmlns:a16="http://schemas.microsoft.com/office/drawing/2014/main" val="2056552446"/>
                     </a:ext>
                   </a:extLst>
                 </a:gridCol>
                 <a:gridCol w="1574966">
                   <a:extLst>
                     <a:ext uri="{9D8B030D-6E8A-4147-A177-3AD203B41FA5}">
-                      <a16:colId xmlns:a16="http://schemas.microsoft.com/office/drawing/2014/main" xmlns="" val="1567976445"/>
+                      <a16:colId xmlns:a16="http://schemas.microsoft.com/office/drawing/2014/main" val="1567976445"/>
                     </a:ext>
                   </a:extLst>
                 </a:gridCol>
@@ -13739,7 +14378,7 @@
                 </a:tc>
                 <a:extLst>
                   <a:ext uri="{0D108BD9-81ED-4DB2-BD59-A6C34878D82A}">
-                    <a16:rowId xmlns:a16="http://schemas.microsoft.com/office/drawing/2014/main" xmlns="" val="3203583067"/>
+                    <a16:rowId xmlns:a16="http://schemas.microsoft.com/office/drawing/2014/main" val="3203583067"/>
                   </a:ext>
                 </a:extLst>
               </a:tr>
@@ -14084,7 +14723,7 @@
                 </a:tc>
                 <a:extLst>
                   <a:ext uri="{0D108BD9-81ED-4DB2-BD59-A6C34878D82A}">
-                    <a16:rowId xmlns:a16="http://schemas.microsoft.com/office/drawing/2014/main" xmlns="" val="851841494"/>
+                    <a16:rowId xmlns:a16="http://schemas.microsoft.com/office/drawing/2014/main" val="851841494"/>
                   </a:ext>
                 </a:extLst>
               </a:tr>
@@ -14634,7 +15273,7 @@
                 </a:tc>
                 <a:extLst>
                   <a:ext uri="{0D108BD9-81ED-4DB2-BD59-A6C34878D82A}">
-                    <a16:rowId xmlns:a16="http://schemas.microsoft.com/office/drawing/2014/main" xmlns="" val="1437797630"/>
+                    <a16:rowId xmlns:a16="http://schemas.microsoft.com/office/drawing/2014/main" val="1437797630"/>
                   </a:ext>
                 </a:extLst>
               </a:tr>
@@ -15298,7 +15937,7 @@
                 </a:tc>
                 <a:extLst>
                   <a:ext uri="{0D108BD9-81ED-4DB2-BD59-A6C34878D82A}">
-                    <a16:rowId xmlns:a16="http://schemas.microsoft.com/office/drawing/2014/main" xmlns="" val="406495537"/>
+                    <a16:rowId xmlns:a16="http://schemas.microsoft.com/office/drawing/2014/main" val="406495537"/>
                   </a:ext>
                 </a:extLst>
               </a:tr>
@@ -15700,7 +16339,7 @@
                 </a:tc>
                 <a:extLst>
                   <a:ext uri="{0D108BD9-81ED-4DB2-BD59-A6C34878D82A}">
-                    <a16:rowId xmlns:a16="http://schemas.microsoft.com/office/drawing/2014/main" xmlns="" val="2200042587"/>
+                    <a16:rowId xmlns:a16="http://schemas.microsoft.com/office/drawing/2014/main" val="2200042587"/>
                   </a:ext>
                 </a:extLst>
               </a:tr>
@@ -15976,7 +16615,7 @@
                 </a:tc>
                 <a:extLst>
                   <a:ext uri="{0D108BD9-81ED-4DB2-BD59-A6C34878D82A}">
-                    <a16:rowId xmlns:a16="http://schemas.microsoft.com/office/drawing/2014/main" xmlns="" val="4069117920"/>
+                    <a16:rowId xmlns:a16="http://schemas.microsoft.com/office/drawing/2014/main" val="4069117920"/>
                   </a:ext>
                 </a:extLst>
               </a:tr>
@@ -16380,7 +17019,7 @@
                 </a:tc>
                 <a:extLst>
                   <a:ext uri="{0D108BD9-81ED-4DB2-BD59-A6C34878D82A}">
-                    <a16:rowId xmlns:a16="http://schemas.microsoft.com/office/drawing/2014/main" xmlns="" val="2348740028"/>
+                    <a16:rowId xmlns:a16="http://schemas.microsoft.com/office/drawing/2014/main" val="2348740028"/>
                   </a:ext>
                 </a:extLst>
               </a:tr>
@@ -16519,35 +17158,35 @@
                 <a:gridCol w="2454326">
                   <a:extLst>
                     <a:ext uri="{9D8B030D-6E8A-4147-A177-3AD203B41FA5}">
-                      <a16:colId xmlns:a16="http://schemas.microsoft.com/office/drawing/2014/main" xmlns="" val="20000"/>
+                      <a16:colId xmlns:a16="http://schemas.microsoft.com/office/drawing/2014/main" val="20000"/>
                     </a:ext>
                   </a:extLst>
                 </a:gridCol>
                 <a:gridCol w="2306453">
                   <a:extLst>
                     <a:ext uri="{9D8B030D-6E8A-4147-A177-3AD203B41FA5}">
-                      <a16:colId xmlns:a16="http://schemas.microsoft.com/office/drawing/2014/main" xmlns="" val="20002"/>
+                      <a16:colId xmlns:a16="http://schemas.microsoft.com/office/drawing/2014/main" val="20002"/>
                     </a:ext>
                   </a:extLst>
                 </a:gridCol>
                 <a:gridCol w="2254336">
                   <a:extLst>
                     <a:ext uri="{9D8B030D-6E8A-4147-A177-3AD203B41FA5}">
-                      <a16:colId xmlns:a16="http://schemas.microsoft.com/office/drawing/2014/main" xmlns="" val="2575180168"/>
+                      <a16:colId xmlns:a16="http://schemas.microsoft.com/office/drawing/2014/main" val="2575180168"/>
                     </a:ext>
                   </a:extLst>
                 </a:gridCol>
                 <a:gridCol w="2355667">
                   <a:extLst>
                     <a:ext uri="{9D8B030D-6E8A-4147-A177-3AD203B41FA5}">
-                      <a16:colId xmlns:a16="http://schemas.microsoft.com/office/drawing/2014/main" xmlns="" val="20003"/>
+                      <a16:colId xmlns:a16="http://schemas.microsoft.com/office/drawing/2014/main" val="20003"/>
                     </a:ext>
                   </a:extLst>
                 </a:gridCol>
                 <a:gridCol w="1661586">
                   <a:extLst>
                     <a:ext uri="{9D8B030D-6E8A-4147-A177-3AD203B41FA5}">
-                      <a16:colId xmlns:a16="http://schemas.microsoft.com/office/drawing/2014/main" xmlns="" val="1141158204"/>
+                      <a16:colId xmlns:a16="http://schemas.microsoft.com/office/drawing/2014/main" val="1141158204"/>
                     </a:ext>
                   </a:extLst>
                 </a:gridCol>
@@ -17231,7 +17870,7 @@
                 </a:tc>
                 <a:extLst>
                   <a:ext uri="{0D108BD9-81ED-4DB2-BD59-A6C34878D82A}">
-                    <a16:rowId xmlns:a16="http://schemas.microsoft.com/office/drawing/2014/main" xmlns="" val="10000"/>
+                    <a16:rowId xmlns:a16="http://schemas.microsoft.com/office/drawing/2014/main" val="10000"/>
                   </a:ext>
                 </a:extLst>
               </a:tr>
@@ -17649,7 +18288,7 @@
                 </a:tc>
                 <a:extLst>
                   <a:ext uri="{0D108BD9-81ED-4DB2-BD59-A6C34878D82A}">
-                    <a16:rowId xmlns:a16="http://schemas.microsoft.com/office/drawing/2014/main" xmlns="" val="3242880312"/>
+                    <a16:rowId xmlns:a16="http://schemas.microsoft.com/office/drawing/2014/main" val="3242880312"/>
                   </a:ext>
                 </a:extLst>
               </a:tr>
@@ -18014,7 +18653,7 @@
           <p:nvPr>
             <p:extLst>
               <p:ext uri="{D42A27DB-BD31-4B8C-83A1-F6EECF244321}">
-                <p14:modId xmlns:p14="http://schemas.microsoft.com/office/powerpoint/2010/main" val="1570362847"/>
+                <p14:modId xmlns:p14="http://schemas.microsoft.com/office/powerpoint/2010/main" val="1837604741"/>
               </p:ext>
             </p:extLst>
           </p:nvPr>
@@ -18033,63 +18672,63 @@
                 <a:gridCol w="854780">
                   <a:extLst>
                     <a:ext uri="{9D8B030D-6E8A-4147-A177-3AD203B41FA5}">
-                      <a16:colId xmlns:a16="http://schemas.microsoft.com/office/drawing/2014/main" xmlns="" val="2715221625"/>
+                      <a16:colId xmlns:a16="http://schemas.microsoft.com/office/drawing/2014/main" val="2715221625"/>
                     </a:ext>
                   </a:extLst>
                 </a:gridCol>
                 <a:gridCol w="854780">
                   <a:extLst>
                     <a:ext uri="{9D8B030D-6E8A-4147-A177-3AD203B41FA5}">
-                      <a16:colId xmlns:a16="http://schemas.microsoft.com/office/drawing/2014/main" xmlns="" val="1722467380"/>
+                      <a16:colId xmlns:a16="http://schemas.microsoft.com/office/drawing/2014/main" val="1722467380"/>
                     </a:ext>
                   </a:extLst>
                 </a:gridCol>
                 <a:gridCol w="1158769">
                   <a:extLst>
                     <a:ext uri="{9D8B030D-6E8A-4147-A177-3AD203B41FA5}">
-                      <a16:colId xmlns:a16="http://schemas.microsoft.com/office/drawing/2014/main" xmlns="" val="8733085"/>
+                      <a16:colId xmlns:a16="http://schemas.microsoft.com/office/drawing/2014/main" val="8733085"/>
                     </a:ext>
                   </a:extLst>
                 </a:gridCol>
                 <a:gridCol w="899883">
                   <a:extLst>
                     <a:ext uri="{9D8B030D-6E8A-4147-A177-3AD203B41FA5}">
-                      <a16:colId xmlns:a16="http://schemas.microsoft.com/office/drawing/2014/main" xmlns="" val="2034639721"/>
+                      <a16:colId xmlns:a16="http://schemas.microsoft.com/office/drawing/2014/main" val="2034639721"/>
                     </a:ext>
                   </a:extLst>
                 </a:gridCol>
                 <a:gridCol w="1968445">
                   <a:extLst>
                     <a:ext uri="{9D8B030D-6E8A-4147-A177-3AD203B41FA5}">
-                      <a16:colId xmlns:a16="http://schemas.microsoft.com/office/drawing/2014/main" xmlns="" val="984284813"/>
+                      <a16:colId xmlns:a16="http://schemas.microsoft.com/office/drawing/2014/main" val="984284813"/>
                     </a:ext>
                   </a:extLst>
                 </a:gridCol>
                 <a:gridCol w="1634194">
                   <a:extLst>
                     <a:ext uri="{9D8B030D-6E8A-4147-A177-3AD203B41FA5}">
-                      <a16:colId xmlns:a16="http://schemas.microsoft.com/office/drawing/2014/main" xmlns="" val="610353967"/>
+                      <a16:colId xmlns:a16="http://schemas.microsoft.com/office/drawing/2014/main" val="610353967"/>
                     </a:ext>
                   </a:extLst>
                 </a:gridCol>
                 <a:gridCol w="1234134">
                   <a:extLst>
                     <a:ext uri="{9D8B030D-6E8A-4147-A177-3AD203B41FA5}">
-                      <a16:colId xmlns:a16="http://schemas.microsoft.com/office/drawing/2014/main" xmlns="" val="2199988680"/>
+                      <a16:colId xmlns:a16="http://schemas.microsoft.com/office/drawing/2014/main" val="2199988680"/>
                     </a:ext>
                   </a:extLst>
                 </a:gridCol>
                 <a:gridCol w="942636">
                   <a:extLst>
                     <a:ext uri="{9D8B030D-6E8A-4147-A177-3AD203B41FA5}">
-                      <a16:colId xmlns:a16="http://schemas.microsoft.com/office/drawing/2014/main" xmlns="" val="1060807198"/>
+                      <a16:colId xmlns:a16="http://schemas.microsoft.com/office/drawing/2014/main" val="1060807198"/>
                     </a:ext>
                   </a:extLst>
                 </a:gridCol>
                 <a:gridCol w="1925692">
                   <a:extLst>
                     <a:ext uri="{9D8B030D-6E8A-4147-A177-3AD203B41FA5}">
-                      <a16:colId xmlns:a16="http://schemas.microsoft.com/office/drawing/2014/main" xmlns="" val="3687281855"/>
+                      <a16:colId xmlns:a16="http://schemas.microsoft.com/office/drawing/2014/main" val="3687281855"/>
                     </a:ext>
                   </a:extLst>
                 </a:gridCol>
@@ -18220,7 +18859,7 @@
                 </a:tc>
                 <a:extLst>
                   <a:ext uri="{0D108BD9-81ED-4DB2-BD59-A6C34878D82A}">
-                    <a16:rowId xmlns:a16="http://schemas.microsoft.com/office/drawing/2014/main" xmlns="" val="132260445"/>
+                    <a16:rowId xmlns:a16="http://schemas.microsoft.com/office/drawing/2014/main" val="132260445"/>
                   </a:ext>
                 </a:extLst>
               </a:tr>
@@ -18301,15 +18940,6 @@
                         </a:rPr>
                         <a:t> </a:t>
                       </a:r>
-                      <a:endParaRPr lang="en-US" altLang="zh-CN" sz="1200" b="0" dirty="0" smtClean="0">
-                        <a:solidFill>
-                          <a:schemeClr val="tx1"/>
-                        </a:solidFill>
-                        <a:latin typeface="+mn-lt"/>
-                        <a:ea typeface="+mn-ea"/>
-                        <a:cs typeface="+mn-ea"/>
-                        <a:sym typeface="+mn-lt"/>
-                      </a:endParaRPr>
                     </a:p>
                   </a:txBody>
                   <a:tcPr anchor="ctr">
@@ -18382,7 +19012,7 @@
                 </a:tc>
                 <a:extLst>
                   <a:ext uri="{0D108BD9-81ED-4DB2-BD59-A6C34878D82A}">
-                    <a16:rowId xmlns:a16="http://schemas.microsoft.com/office/drawing/2014/main" xmlns="" val="1454925855"/>
+                    <a16:rowId xmlns:a16="http://schemas.microsoft.com/office/drawing/2014/main" val="1454925855"/>
                   </a:ext>
                 </a:extLst>
               </a:tr>
@@ -18456,12 +19086,6 @@
                         </a:rPr>
                         <a:t> </a:t>
                       </a:r>
-                      <a:endParaRPr lang="en-US" sz="1200" dirty="0" smtClean="0">
-                        <a:latin typeface="+mn-lt"/>
-                        <a:ea typeface="+mn-ea"/>
-                        <a:cs typeface="+mn-ea"/>
-                        <a:sym typeface="+mn-lt"/>
-                      </a:endParaRPr>
                     </a:p>
                   </a:txBody>
                   <a:tcPr anchor="ctr">
@@ -18534,7 +19158,7 @@
                 </a:tc>
                 <a:extLst>
                   <a:ext uri="{0D108BD9-81ED-4DB2-BD59-A6C34878D82A}">
-                    <a16:rowId xmlns:a16="http://schemas.microsoft.com/office/drawing/2014/main" xmlns="" val="1815440894"/>
+                    <a16:rowId xmlns:a16="http://schemas.microsoft.com/office/drawing/2014/main" val="1815440894"/>
                   </a:ext>
                 </a:extLst>
               </a:tr>
@@ -18656,7 +19280,7 @@
                 </a:tc>
                 <a:extLst>
                   <a:ext uri="{0D108BD9-81ED-4DB2-BD59-A6C34878D82A}">
-                    <a16:rowId xmlns:a16="http://schemas.microsoft.com/office/drawing/2014/main" xmlns="" val="344899817"/>
+                    <a16:rowId xmlns:a16="http://schemas.microsoft.com/office/drawing/2014/main" val="344899817"/>
                   </a:ext>
                 </a:extLst>
               </a:tr>
@@ -18807,7 +19431,7 @@
                 </a:tc>
                 <a:extLst>
                   <a:ext uri="{0D108BD9-81ED-4DB2-BD59-A6C34878D82A}">
-                    <a16:rowId xmlns:a16="http://schemas.microsoft.com/office/drawing/2014/main" xmlns="" val="1268840849"/>
+                    <a16:rowId xmlns:a16="http://schemas.microsoft.com/office/drawing/2014/main" val="1268840849"/>
                   </a:ext>
                 </a:extLst>
               </a:tr>
@@ -19245,7 +19869,7 @@
                 </a:tc>
                 <a:extLst>
                   <a:ext uri="{0D108BD9-81ED-4DB2-BD59-A6C34878D82A}">
-                    <a16:rowId xmlns:a16="http://schemas.microsoft.com/office/drawing/2014/main" xmlns="" val="3241501689"/>
+                    <a16:rowId xmlns:a16="http://schemas.microsoft.com/office/drawing/2014/main" val="3241501689"/>
                   </a:ext>
                 </a:extLst>
               </a:tr>
@@ -19393,14 +20017,12 @@
                         <a:buFontTx/>
                         <a:buNone/>
                       </a:pPr>
-                      <a:endParaRPr lang="zh-CN" altLang="en-US" sz="1000" b="0" dirty="0" smtClean="0">
+                      <a:endParaRPr lang="zh-CN" altLang="en-US" sz="1200" b="0" baseline="0" dirty="0" smtClean="0">
                         <a:solidFill>
-                          <a:schemeClr val="accent1">
-                            <a:lumMod val="75000"/>
-                          </a:schemeClr>
+                          <a:schemeClr val="tx1"/>
                         </a:solidFill>
-                        <a:latin typeface="+mn-lt"/>
-                        <a:ea typeface="+mn-ea"/>
+                        <a:latin typeface="Bentley Light" panose="020B0404020201020102"/>
+                        <a:ea typeface="黑体" panose="02010609060101010101" pitchFamily="49" charset="-122"/>
                         <a:cs typeface="+mn-ea"/>
                         <a:sym typeface="+mn-lt"/>
                       </a:endParaRPr>
@@ -19585,20 +20207,18 @@
                         <a:tabLst/>
                         <a:defRPr/>
                       </a:pPr>
-                      <a:endParaRPr kumimoji="0" lang="en-US" altLang="zh-CN" sz="1000" b="0" i="0" u="none" strike="noStrike" kern="1200" cap="none" spc="0" normalizeH="0" baseline="0" noProof="0" dirty="0" smtClean="0">
+                      <a:endParaRPr kumimoji="0" lang="en-US" altLang="zh-CN" sz="1200" b="0" i="0" u="none" strike="noStrike" kern="1200" cap="none" spc="0" normalizeH="0" baseline="0" noProof="0" dirty="0" smtClean="0">
                         <a:ln>
                           <a:noFill/>
                         </a:ln>
                         <a:solidFill>
-                          <a:schemeClr val="accent1">
-                            <a:lumMod val="75000"/>
-                          </a:schemeClr>
+                          <a:schemeClr val="tx1"/>
                         </a:solidFill>
                         <a:effectLst/>
                         <a:uLnTx/>
                         <a:uFillTx/>
-                        <a:latin typeface="+mn-lt"/>
-                        <a:ea typeface="+mn-ea"/>
+                        <a:latin typeface="Bentley Light" panose="020B0404020201020102"/>
+                        <a:ea typeface="黑体" panose="02010609060101010101" pitchFamily="49" charset="-122"/>
                         <a:cs typeface="+mn-ea"/>
                         <a:sym typeface="+mn-lt"/>
                       </a:endParaRPr>
@@ -19612,7 +20232,7 @@
                 </a:tc>
                 <a:extLst>
                   <a:ext uri="{0D108BD9-81ED-4DB2-BD59-A6C34878D82A}">
-                    <a16:rowId xmlns:a16="http://schemas.microsoft.com/office/drawing/2014/main" xmlns="" val="3375075753"/>
+                    <a16:rowId xmlns:a16="http://schemas.microsoft.com/office/drawing/2014/main" val="3375075753"/>
                   </a:ext>
                 </a:extLst>
               </a:tr>
@@ -19803,14 +20423,12 @@
                         <a:tabLst/>
                         <a:defRPr/>
                       </a:pPr>
-                      <a:endParaRPr lang="en-US" altLang="zh-CN" sz="1000" b="0" dirty="0" smtClean="0">
+                      <a:endParaRPr lang="en-US" altLang="zh-CN" sz="1200" b="0" baseline="0" dirty="0" smtClean="0">
                         <a:solidFill>
-                          <a:schemeClr val="accent1">
-                            <a:lumMod val="75000"/>
-                          </a:schemeClr>
+                          <a:schemeClr val="tx1"/>
                         </a:solidFill>
-                        <a:latin typeface="+mn-lt"/>
-                        <a:ea typeface="+mn-ea"/>
+                        <a:latin typeface="Bentley Light" panose="020B0404020201020102"/>
+                        <a:ea typeface="黑体" panose="02010609060101010101" pitchFamily="49" charset="-122"/>
                         <a:cs typeface="+mn-ea"/>
                         <a:sym typeface="+mn-lt"/>
                       </a:endParaRPr>
@@ -19973,20 +20591,18 @@
                         <a:tabLst/>
                         <a:defRPr/>
                       </a:pPr>
-                      <a:endParaRPr kumimoji="0" lang="en-US" altLang="zh-CN" sz="1000" b="0" i="0" u="none" strike="noStrike" kern="1200" cap="none" spc="0" normalizeH="0" baseline="0" noProof="0" dirty="0" smtClean="0">
+                      <a:endParaRPr kumimoji="0" lang="en-US" altLang="zh-CN" sz="1200" b="0" i="0" u="none" strike="noStrike" kern="1200" cap="none" spc="0" normalizeH="0" baseline="0" noProof="0" dirty="0" smtClean="0">
                         <a:ln>
                           <a:noFill/>
                         </a:ln>
                         <a:solidFill>
-                          <a:schemeClr val="accent1">
-                            <a:lumMod val="75000"/>
-                          </a:schemeClr>
+                          <a:schemeClr val="tx1"/>
                         </a:solidFill>
                         <a:effectLst/>
                         <a:uLnTx/>
                         <a:uFillTx/>
-                        <a:latin typeface="+mn-lt"/>
-                        <a:ea typeface="+mn-ea"/>
+                        <a:latin typeface="Bentley Light" panose="020B0404020201020102"/>
+                        <a:ea typeface="黑体" panose="02010609060101010101" pitchFamily="49" charset="-122"/>
                         <a:cs typeface="+mn-ea"/>
                         <a:sym typeface="+mn-lt"/>
                       </a:endParaRPr>
@@ -20000,7 +20616,7 @@
                 </a:tc>
                 <a:extLst>
                   <a:ext uri="{0D108BD9-81ED-4DB2-BD59-A6C34878D82A}">
-                    <a16:rowId xmlns:a16="http://schemas.microsoft.com/office/drawing/2014/main" xmlns="" val="1818738132"/>
+                    <a16:rowId xmlns:a16="http://schemas.microsoft.com/office/drawing/2014/main" val="1818738132"/>
                   </a:ext>
                 </a:extLst>
               </a:tr>
@@ -20239,14 +20855,12 @@
                         <a:tabLst/>
                         <a:defRPr/>
                       </a:pPr>
-                      <a:endParaRPr lang="en-US" altLang="zh-CN" sz="1000" b="0" dirty="0" smtClean="0">
+                      <a:endParaRPr lang="en-US" altLang="zh-CN" sz="1200" b="0" baseline="0" dirty="0" smtClean="0">
                         <a:solidFill>
-                          <a:schemeClr val="accent1">
-                            <a:lumMod val="75000"/>
-                          </a:schemeClr>
+                          <a:schemeClr val="tx1"/>
                         </a:solidFill>
-                        <a:latin typeface="+mn-lt"/>
-                        <a:ea typeface="+mn-ea"/>
+                        <a:latin typeface="Bentley Light" panose="020B0404020201020102"/>
+                        <a:ea typeface="黑体" panose="02010609060101010101" pitchFamily="49" charset="-122"/>
                         <a:cs typeface="+mn-ea"/>
                         <a:sym typeface="+mn-lt"/>
                       </a:endParaRPr>
@@ -20409,20 +21023,18 @@
                         <a:tabLst/>
                         <a:defRPr/>
                       </a:pPr>
-                      <a:endParaRPr kumimoji="0" lang="en-US" altLang="zh-CN" sz="1000" b="0" i="0" u="none" strike="noStrike" kern="1200" cap="none" spc="0" normalizeH="0" baseline="0" noProof="0" dirty="0" smtClean="0">
+                      <a:endParaRPr kumimoji="0" lang="en-US" altLang="zh-CN" sz="1200" b="0" i="0" u="none" strike="noStrike" kern="1200" cap="none" spc="0" normalizeH="0" baseline="0" noProof="0" dirty="0" smtClean="0">
                         <a:ln>
                           <a:noFill/>
                         </a:ln>
                         <a:solidFill>
-                          <a:schemeClr val="accent1">
-                            <a:lumMod val="75000"/>
-                          </a:schemeClr>
+                          <a:schemeClr val="tx1"/>
                         </a:solidFill>
                         <a:effectLst/>
                         <a:uLnTx/>
                         <a:uFillTx/>
-                        <a:latin typeface="+mn-lt"/>
-                        <a:ea typeface="+mn-ea"/>
+                        <a:latin typeface="Bentley Light" panose="020B0404020201020102"/>
+                        <a:ea typeface="黑体" panose="02010609060101010101" pitchFamily="49" charset="-122"/>
                         <a:cs typeface="+mn-ea"/>
                         <a:sym typeface="+mn-lt"/>
                       </a:endParaRPr>
@@ -20436,7 +21048,7 @@
                 </a:tc>
                 <a:extLst>
                   <a:ext uri="{0D108BD9-81ED-4DB2-BD59-A6C34878D82A}">
-                    <a16:rowId xmlns:a16="http://schemas.microsoft.com/office/drawing/2014/main" xmlns="" val="3192001067"/>
+                    <a16:rowId xmlns:a16="http://schemas.microsoft.com/office/drawing/2014/main" val="3192001067"/>
                   </a:ext>
                 </a:extLst>
               </a:tr>
@@ -20633,14 +21245,12 @@
                         <a:tabLst/>
                         <a:defRPr/>
                       </a:pPr>
-                      <a:endParaRPr lang="en-US" altLang="zh-CN" sz="1000" b="0" dirty="0" smtClean="0">
+                      <a:endParaRPr lang="en-US" altLang="zh-CN" sz="1200" b="0" baseline="0" dirty="0" smtClean="0">
                         <a:solidFill>
-                          <a:schemeClr val="accent1">
-                            <a:lumMod val="75000"/>
-                          </a:schemeClr>
+                          <a:schemeClr val="tx1"/>
                         </a:solidFill>
-                        <a:latin typeface="+mn-lt"/>
-                        <a:ea typeface="+mn-ea"/>
+                        <a:latin typeface="Bentley Light" panose="020B0404020201020102"/>
+                        <a:ea typeface="黑体" panose="02010609060101010101" pitchFamily="49" charset="-122"/>
                         <a:cs typeface="+mn-ea"/>
                         <a:sym typeface="+mn-lt"/>
                       </a:endParaRPr>
@@ -20694,7 +21304,7 @@
                 </a:tc>
                 <a:extLst>
                   <a:ext uri="{0D108BD9-81ED-4DB2-BD59-A6C34878D82A}">
-                    <a16:rowId xmlns:a16="http://schemas.microsoft.com/office/drawing/2014/main" xmlns="" val="564902271"/>
+                    <a16:rowId xmlns:a16="http://schemas.microsoft.com/office/drawing/2014/main" val="564902271"/>
                   </a:ext>
                 </a:extLst>
               </a:tr>
@@ -20895,14 +21505,12 @@
                         <a:tabLst/>
                         <a:defRPr/>
                       </a:pPr>
-                      <a:endParaRPr lang="en-US" altLang="zh-CN" sz="1000" b="0" dirty="0" smtClean="0">
+                      <a:endParaRPr lang="en-US" altLang="zh-CN" sz="1200" b="0" baseline="0" dirty="0" smtClean="0">
                         <a:solidFill>
-                          <a:schemeClr val="accent1">
-                            <a:lumMod val="75000"/>
-                          </a:schemeClr>
+                          <a:schemeClr val="tx1"/>
                         </a:solidFill>
-                        <a:latin typeface="+mn-lt"/>
-                        <a:ea typeface="+mn-ea"/>
+                        <a:latin typeface="Bentley Light" panose="020B0404020201020102"/>
+                        <a:ea typeface="黑体" panose="02010609060101010101" pitchFamily="49" charset="-122"/>
                         <a:cs typeface="+mn-ea"/>
                         <a:sym typeface="+mn-lt"/>
                       </a:endParaRPr>
@@ -21065,20 +21673,18 @@
                         <a:tabLst/>
                         <a:defRPr/>
                       </a:pPr>
-                      <a:endParaRPr kumimoji="0" lang="en-US" altLang="zh-CN" sz="1000" b="0" i="0" u="none" strike="noStrike" kern="1200" cap="none" spc="0" normalizeH="0" baseline="0" noProof="0" dirty="0" smtClean="0">
+                      <a:endParaRPr kumimoji="0" lang="en-US" altLang="zh-CN" sz="1200" b="0" i="0" u="none" strike="noStrike" kern="1200" cap="none" spc="0" normalizeH="0" baseline="0" noProof="0" dirty="0" smtClean="0">
                         <a:ln>
                           <a:noFill/>
                         </a:ln>
                         <a:solidFill>
-                          <a:schemeClr val="accent1">
-                            <a:lumMod val="75000"/>
-                          </a:schemeClr>
+                          <a:schemeClr val="tx1"/>
                         </a:solidFill>
                         <a:effectLst/>
                         <a:uLnTx/>
                         <a:uFillTx/>
-                        <a:latin typeface="+mn-lt"/>
-                        <a:ea typeface="+mn-ea"/>
+                        <a:latin typeface="Bentley Light" panose="020B0404020201020102"/>
+                        <a:ea typeface="黑体" panose="02010609060101010101" pitchFamily="49" charset="-122"/>
                         <a:cs typeface="+mn-ea"/>
                         <a:sym typeface="+mn-lt"/>
                       </a:endParaRPr>
@@ -21092,7 +21698,7 @@
                 </a:tc>
                 <a:extLst>
                   <a:ext uri="{0D108BD9-81ED-4DB2-BD59-A6C34878D82A}">
-                    <a16:rowId xmlns:a16="http://schemas.microsoft.com/office/drawing/2014/main" xmlns="" val="981176443"/>
+                    <a16:rowId xmlns:a16="http://schemas.microsoft.com/office/drawing/2014/main" val="981176443"/>
                   </a:ext>
                 </a:extLst>
               </a:tr>
@@ -21523,19 +22129,6 @@
               </a:spcAft>
               <a:buSzPct val="100000"/>
             </a:pPr>
-            <a:r>
-              <a:rPr lang="en-US" altLang="zh-CN" sz="1187" smtClean="0">
-                <a:solidFill>
-                  <a:srgbClr val="232323">
-                    <a:lumMod val="75000"/>
-                    <a:lumOff val="25000"/>
-                  </a:srgbClr>
-                </a:solidFill>
-                <a:cs typeface="+mn-ea"/>
-                <a:sym typeface="+mn-lt"/>
-              </a:rPr>
-              <a:t>LIYOU</a:t>
-            </a:r>
             <a:endParaRPr lang="zh-CN" altLang="en-US" sz="1187" dirty="0">
               <a:solidFill>
                 <a:srgbClr val="232323">
@@ -22647,7 +23240,7 @@
           <a:graphicData uri="http://schemas.openxmlformats.org/presentationml/2006/ole">
             <mc:AlternateContent xmlns:mc="http://schemas.openxmlformats.org/markup-compatibility/2006">
               <mc:Choice xmlns:v="urn:schemas-microsoft-com:vml" Requires="v">
-                <p:oleObj spid="_x0000_s44087" name="think-cell Slide" r:id="rId5" imgW="416" imgH="416" progId="TCLayout.ActiveDocument.1">
+                <p:oleObj spid="_x0000_s44089" name="think-cell Slide" r:id="rId5" imgW="416" imgH="416" progId="TCLayout.ActiveDocument.1">
                   <p:embed/>
                 </p:oleObj>
               </mc:Choice>
@@ -23453,16 +24046,6 @@
                 <a:spcPct val="0"/>
               </a:spcAft>
             </a:pPr>
-            <a:r>
-              <a:rPr lang="zh-CN" altLang="en-US" sz="2000" dirty="0" smtClean="0">
-                <a:solidFill>
-                  <a:srgbClr val="232323"/>
-                </a:solidFill>
-                <a:cs typeface="+mn-ea"/>
-                <a:sym typeface="+mn-lt"/>
-              </a:rPr>
-              <a:t>请提供具体搭建效果图</a:t>
-            </a:r>
             <a:endParaRPr lang="zh-CN" altLang="en-US" sz="2000" dirty="0">
               <a:solidFill>
                 <a:srgbClr val="232323"/>
@@ -23516,16 +24099,6 @@
                 <a:spcPct val="0"/>
               </a:spcAft>
             </a:pPr>
-            <a:r>
-              <a:rPr lang="zh-CN" altLang="en-US" sz="2000" dirty="0" smtClean="0">
-                <a:solidFill>
-                  <a:srgbClr val="232323"/>
-                </a:solidFill>
-                <a:cs typeface="+mn-ea"/>
-                <a:sym typeface="+mn-lt"/>
-              </a:rPr>
-              <a:t>请提供具体搭建方案</a:t>
-            </a:r>
             <a:endParaRPr lang="zh-CN" altLang="en-US" sz="2000" dirty="0">
               <a:solidFill>
                 <a:srgbClr val="232323"/>
@@ -24046,16 +24619,6 @@
                 <a:spcPct val="0"/>
               </a:spcAft>
             </a:pPr>
-            <a:r>
-              <a:rPr lang="zh-CN" altLang="en-US" sz="2000" dirty="0" smtClean="0">
-                <a:solidFill>
-                  <a:srgbClr val="232323"/>
-                </a:solidFill>
-                <a:cs typeface="+mn-ea"/>
-                <a:sym typeface="+mn-lt"/>
-              </a:rPr>
-              <a:t>请提供具体效果图</a:t>
-            </a:r>
             <a:endParaRPr lang="zh-CN" altLang="en-US" sz="2000" dirty="0">
               <a:solidFill>
                 <a:srgbClr val="232323"/>
@@ -24109,16 +24672,6 @@
                 <a:spcPct val="0"/>
               </a:spcAft>
             </a:pPr>
-            <a:r>
-              <a:rPr lang="zh-CN" altLang="en-US" sz="2000" dirty="0" smtClean="0">
-                <a:solidFill>
-                  <a:srgbClr val="232323"/>
-                </a:solidFill>
-                <a:cs typeface="+mn-ea"/>
-                <a:sym typeface="+mn-lt"/>
-              </a:rPr>
-              <a:t>请提供具体方案</a:t>
-            </a:r>
             <a:endParaRPr lang="zh-CN" altLang="en-US" sz="2000" dirty="0">
               <a:solidFill>
                 <a:srgbClr val="232323"/>
@@ -24639,43 +25192,6 @@
                 <a:spcPct val="0"/>
               </a:spcAft>
             </a:pPr>
-            <a:r>
-              <a:rPr lang="zh-CN" altLang="en-US" sz="2000" dirty="0" smtClean="0">
-                <a:solidFill>
-                  <a:srgbClr val="232323"/>
-                </a:solidFill>
-                <a:cs typeface="+mn-ea"/>
-                <a:sym typeface="+mn-lt"/>
-              </a:rPr>
-              <a:t>请提供摄影师作品</a:t>
-            </a:r>
-            <a:endParaRPr lang="en-US" altLang="zh-CN" sz="2000" dirty="0" smtClean="0">
-              <a:solidFill>
-                <a:srgbClr val="232323"/>
-              </a:solidFill>
-              <a:cs typeface="+mn-ea"/>
-              <a:sym typeface="+mn-lt"/>
-            </a:endParaRPr>
-          </a:p>
-          <a:p>
-            <a:pPr algn="ctr" defTabSz="1085210" fontAlgn="base">
-              <a:spcBef>
-                <a:spcPct val="0"/>
-              </a:spcBef>
-              <a:spcAft>
-                <a:spcPct val="0"/>
-              </a:spcAft>
-            </a:pPr>
-            <a:r>
-              <a:rPr lang="zh-CN" altLang="en-US" sz="2000" dirty="0" smtClean="0">
-                <a:solidFill>
-                  <a:srgbClr val="232323"/>
-                </a:solidFill>
-                <a:cs typeface="+mn-ea"/>
-                <a:sym typeface="+mn-lt"/>
-              </a:rPr>
-              <a:t>可以是多幅</a:t>
-            </a:r>
             <a:endParaRPr lang="zh-CN" altLang="en-US" sz="2000" dirty="0">
               <a:solidFill>
                 <a:srgbClr val="232323"/>
@@ -24729,16 +25245,6 @@
                 <a:spcPct val="0"/>
               </a:spcAft>
             </a:pPr>
-            <a:r>
-              <a:rPr lang="zh-CN" altLang="en-US" sz="2000" dirty="0" smtClean="0">
-                <a:solidFill>
-                  <a:srgbClr val="232323"/>
-                </a:solidFill>
-                <a:cs typeface="+mn-ea"/>
-                <a:sym typeface="+mn-lt"/>
-              </a:rPr>
-              <a:t>请提供摄影师介绍</a:t>
-            </a:r>
             <a:endParaRPr lang="zh-CN" altLang="en-US" sz="2000" dirty="0">
               <a:solidFill>
                 <a:srgbClr val="232323"/>
@@ -25477,7 +25983,7 @@
   <a:extraClrSchemeLst/>
   <a:extLst>
     <a:ext uri="{05A4C25C-085E-4340-85A3-A5531E510DB2}">
-      <thm15:themeFamily xmlns:thm15="http://schemas.microsoft.com/office/thememl/2012/main" xmlns="" name="Bentley template 2021.potx" id="{C9F80F40-B2B1-4DB6-919B-71F3AAFFE5B0}" vid="{F9D38CA0-4F02-4029-A6BC-9642EF690A5C}"/>
+      <thm15:themeFamily xmlns:thm15="http://schemas.microsoft.com/office/thememl/2012/main" name="Bentley template 2021.potx" id="{C9F80F40-B2B1-4DB6-919B-71F3AAFFE5B0}" vid="{F9D38CA0-4F02-4029-A6BC-9642EF690A5C}"/>
     </a:ext>
   </a:extLst>
 </a:theme>
@@ -25711,7 +26217,7 @@
   <a:extraClrSchemeLst/>
   <a:extLst>
     <a:ext uri="{05A4C25C-085E-4340-85A3-A5531E510DB2}">
-      <thm15:themeFamily xmlns:thm15="http://schemas.microsoft.com/office/thememl/2012/main" xmlns="" name="Bentley template 2021.potx" id="{C9F80F40-B2B1-4DB6-919B-71F3AAFFE5B0}" vid="{F9D38CA0-4F02-4029-A6BC-9642EF690A5C}"/>
+      <thm15:themeFamily xmlns:thm15="http://schemas.microsoft.com/office/thememl/2012/main" name="Bentley template 2021.potx" id="{C9F80F40-B2B1-4DB6-919B-71F3AAFFE5B0}" vid="{F9D38CA0-4F02-4029-A6BC-9642EF690A5C}"/>
     </a:ext>
   </a:extLst>
 </a:theme>
@@ -25972,7 +26478,7 @@
   <a:extraClrSchemeLst/>
   <a:extLst>
     <a:ext uri="{05A4C25C-085E-4340-85A3-A5531E510DB2}">
-      <thm15:themeFamily xmlns:thm15="http://schemas.microsoft.com/office/thememl/2012/main" xmlns="" name="Office Theme" id="{62F939B6-93AF-4DB8-9C6B-D6C7DFDC589F}" vid="{4A3C46E8-61CC-4603-A589-7422A47A8E4A}"/>
+      <thm15:themeFamily xmlns:thm15="http://schemas.microsoft.com/office/thememl/2012/main" name="Office Theme" id="{62F939B6-93AF-4DB8-9C6B-D6C7DFDC589F}" vid="{4A3C46E8-61CC-4603-A589-7422A47A8E4A}"/>
     </a:ext>
   </a:extLst>
 </a:theme>

--- a/com.yrtech.bentleyAPI/com.yrtech.InventoryAPI/template/PlanOffLine.pptx
+++ b/com.yrtech.bentleyAPI/com.yrtech.InventoryAPI/template/PlanOffLine.pptx
@@ -222,7 +222,7 @@
           <a:p>
             <a:fld id="{69A4D669-94F9-4D70-8C76-4C2D35D4E5D0}" type="datetimeFigureOut">
               <a:rPr lang="en-US" smtClean="0"/>
-              <a:t>4/26/2022</a:t>
+              <a:t>5/5/2022</a:t>
             </a:fld>
             <a:endParaRPr lang="en-US" dirty="0"/>
           </a:p>
@@ -1482,7 +1482,7 @@
           <a:graphicData uri="http://schemas.openxmlformats.org/presentationml/2006/ole">
             <mc:AlternateContent xmlns:mc="http://schemas.openxmlformats.org/markup-compatibility/2006">
               <mc:Choice xmlns:v="urn:schemas-microsoft-com:vml" Requires="v">
-                <p:oleObj spid="_x0000_s32826" name="think-cell Slide" r:id="rId5" imgW="216" imgH="216" progId="TCLayout.ActiveDocument.1">
+                <p:oleObj spid="_x0000_s32828" name="think-cell Slide" r:id="rId5" imgW="216" imgH="216" progId="TCLayout.ActiveDocument.1">
                   <p:embed/>
                 </p:oleObj>
               </mc:Choice>
@@ -2240,7 +2240,7 @@
           <a:graphicData uri="http://schemas.openxmlformats.org/presentationml/2006/ole">
             <mc:AlternateContent xmlns:mc="http://schemas.openxmlformats.org/markup-compatibility/2006">
               <mc:Choice xmlns:v="urn:schemas-microsoft-com:vml" Requires="v">
-                <p:oleObj spid="_x0000_s33850" name="think-cell Slide" r:id="rId4" imgW="216" imgH="216" progId="TCLayout.ActiveDocument.1">
+                <p:oleObj spid="_x0000_s33852" name="think-cell Slide" r:id="rId4" imgW="216" imgH="216" progId="TCLayout.ActiveDocument.1">
                   <p:embed/>
                 </p:oleObj>
               </mc:Choice>
@@ -2977,7 +2977,7 @@
           <a:graphicData uri="http://schemas.openxmlformats.org/presentationml/2006/ole">
             <mc:AlternateContent xmlns:mc="http://schemas.openxmlformats.org/markup-compatibility/2006">
               <mc:Choice xmlns:v="urn:schemas-microsoft-com:vml" Requires="v">
-                <p:oleObj spid="_x0000_s34874" name="think-cell Slide" r:id="rId4" imgW="216" imgH="216" progId="TCLayout.ActiveDocument.1">
+                <p:oleObj spid="_x0000_s34876" name="think-cell Slide" r:id="rId4" imgW="216" imgH="216" progId="TCLayout.ActiveDocument.1">
                   <p:embed/>
                 </p:oleObj>
               </mc:Choice>
@@ -4025,7 +4025,7 @@
           <a:graphicData uri="http://schemas.openxmlformats.org/presentationml/2006/ole">
             <mc:AlternateContent xmlns:mc="http://schemas.openxmlformats.org/markup-compatibility/2006">
               <mc:Choice xmlns:v="urn:schemas-microsoft-com:vml" Requires="v">
-                <p:oleObj spid="_x0000_s35898" name="think-cell Slide" r:id="rId5" imgW="216" imgH="216" progId="TCLayout.ActiveDocument.1">
+                <p:oleObj spid="_x0000_s35900" name="think-cell Slide" r:id="rId5" imgW="216" imgH="216" progId="TCLayout.ActiveDocument.1">
                   <p:embed/>
                 </p:oleObj>
               </mc:Choice>
@@ -4544,7 +4544,7 @@
           <a:graphicData uri="http://schemas.openxmlformats.org/presentationml/2006/ole">
             <mc:AlternateContent xmlns:mc="http://schemas.openxmlformats.org/markup-compatibility/2006">
               <mc:Choice xmlns:v="urn:schemas-microsoft-com:vml" Requires="v">
-                <p:oleObj spid="_x0000_s45096" name="think-cell Slide" r:id="rId4" imgW="216" imgH="216" progId="TCLayout.ActiveDocument.1">
+                <p:oleObj spid="_x0000_s45098" name="think-cell Slide" r:id="rId4" imgW="216" imgH="216" progId="TCLayout.ActiveDocument.1">
                   <p:embed/>
                 </p:oleObj>
               </mc:Choice>
@@ -4630,7 +4630,7 @@
           <a:graphicData uri="http://schemas.openxmlformats.org/presentationml/2006/ole">
             <mc:AlternateContent xmlns:mc="http://schemas.openxmlformats.org/markup-compatibility/2006">
               <mc:Choice xmlns:v="urn:schemas-microsoft-com:vml" Requires="v">
-                <p:oleObj spid="_x0000_s37946" name="think-cell Slide" r:id="rId5" imgW="216" imgH="216" progId="TCLayout.ActiveDocument.1">
+                <p:oleObj spid="_x0000_s37948" name="think-cell Slide" r:id="rId5" imgW="216" imgH="216" progId="TCLayout.ActiveDocument.1">
                   <p:embed/>
                 </p:oleObj>
               </mc:Choice>
@@ -5107,7 +5107,7 @@
           <a:graphicData uri="http://schemas.openxmlformats.org/presentationml/2006/ole">
             <mc:AlternateContent xmlns:mc="http://schemas.openxmlformats.org/markup-compatibility/2006">
               <mc:Choice xmlns:v="urn:schemas-microsoft-com:vml" Requires="v">
-                <p:oleObj spid="_x0000_s38970" name="think-cell Slide" r:id="rId4" imgW="216" imgH="216" progId="TCLayout.ActiveDocument.1">
+                <p:oleObj spid="_x0000_s38972" name="think-cell Slide" r:id="rId4" imgW="216" imgH="216" progId="TCLayout.ActiveDocument.1">
                   <p:embed/>
                 </p:oleObj>
               </mc:Choice>
@@ -5844,7 +5844,7 @@
           <a:graphicData uri="http://schemas.openxmlformats.org/presentationml/2006/ole">
             <mc:AlternateContent xmlns:mc="http://schemas.openxmlformats.org/markup-compatibility/2006">
               <mc:Choice xmlns:v="urn:schemas-microsoft-com:vml" Requires="v">
-                <p:oleObj spid="_x0000_s39994" name="think-cell Slide" r:id="rId4" imgW="216" imgH="216" progId="TCLayout.ActiveDocument.1">
+                <p:oleObj spid="_x0000_s39996" name="think-cell Slide" r:id="rId4" imgW="216" imgH="216" progId="TCLayout.ActiveDocument.1">
                   <p:embed/>
                 </p:oleObj>
               </mc:Choice>
@@ -6892,7 +6892,7 @@
           <a:graphicData uri="http://schemas.openxmlformats.org/presentationml/2006/ole">
             <mc:AlternateContent xmlns:mc="http://schemas.openxmlformats.org/markup-compatibility/2006">
               <mc:Choice xmlns:v="urn:schemas-microsoft-com:vml" Requires="v">
-                <p:oleObj spid="_x0000_s41018" name="think-cell Slide" r:id="rId5" imgW="216" imgH="216" progId="TCLayout.ActiveDocument.1">
+                <p:oleObj spid="_x0000_s41020" name="think-cell Slide" r:id="rId5" imgW="216" imgH="216" progId="TCLayout.ActiveDocument.1">
                   <p:embed/>
                 </p:oleObj>
               </mc:Choice>
@@ -7412,7 +7412,7 @@
           <a:graphicData uri="http://schemas.openxmlformats.org/presentationml/2006/ole">
             <mc:AlternateContent xmlns:mc="http://schemas.openxmlformats.org/markup-compatibility/2006">
               <mc:Choice xmlns:v="urn:schemas-microsoft-com:vml" Requires="v">
-                <p:oleObj spid="_x0000_s31802" name="think-cell Slide" r:id="rId10" imgW="216" imgH="216" progId="TCLayout.ActiveDocument.1">
+                <p:oleObj spid="_x0000_s31804" name="think-cell Slide" r:id="rId10" imgW="216" imgH="216" progId="TCLayout.ActiveDocument.1">
                   <p:embed/>
                 </p:oleObj>
               </mc:Choice>
@@ -8170,7 +8170,7 @@
           <a:graphicData uri="http://schemas.openxmlformats.org/presentationml/2006/ole">
             <mc:AlternateContent xmlns:mc="http://schemas.openxmlformats.org/markup-compatibility/2006">
               <mc:Choice xmlns:v="urn:schemas-microsoft-com:vml" Requires="v">
-                <p:oleObj spid="_x0000_s36923" name="think-cell Slide" r:id="rId10" imgW="216" imgH="216" progId="TCLayout.ActiveDocument.1">
+                <p:oleObj spid="_x0000_s36925" name="think-cell Slide" r:id="rId10" imgW="216" imgH="216" progId="TCLayout.ActiveDocument.1">
                   <p:embed/>
                 </p:oleObj>
               </mc:Choice>
@@ -9519,7 +9519,7 @@
         <p:spPr>
           <a:xfrm>
             <a:off x="669770" y="1227173"/>
-            <a:ext cx="5336624" cy="307777"/>
+            <a:ext cx="5336624" cy="246221"/>
           </a:xfrm>
           <a:prstGeom prst="rect">
             <a:avLst/>
@@ -9546,7 +9546,7 @@
               <a:buSzPct val="100000"/>
             </a:pPr>
             <a:r>
-              <a:rPr lang="en-US" altLang="zh-CN" sz="1400" b="1" dirty="0">
+              <a:rPr lang="en-US" altLang="zh-CN" sz="1000" b="1" dirty="0">
                 <a:solidFill>
                   <a:srgbClr val="FFFFFF"/>
                 </a:solidFill>
@@ -9556,7 +9556,7 @@
               <a:t>Hospitality </a:t>
             </a:r>
             <a:r>
-              <a:rPr lang="zh-CN" altLang="en-US" sz="1400" b="1" dirty="0">
+              <a:rPr lang="zh-CN" altLang="en-US" sz="1000" b="1" dirty="0">
                 <a:solidFill>
                   <a:srgbClr val="FFFFFF"/>
                 </a:solidFill>
@@ -9565,7 +9565,7 @@
               </a:rPr>
               <a:t>礼仪</a:t>
             </a:r>
-            <a:endParaRPr lang="en-US" sz="1400" b="1" dirty="0">
+            <a:endParaRPr lang="en-US" sz="1000" b="1" dirty="0">
               <a:solidFill>
                 <a:srgbClr val="FFFFFF"/>
               </a:solidFill>
@@ -9676,7 +9676,7 @@
               <a:t> </a:t>
             </a:r>
             <a:r>
-              <a:rPr lang="en-US" altLang="zh-CN" sz="1400" b="1" dirty="0" smtClean="0">
+              <a:rPr lang="en-US" altLang="zh-CN" sz="1000" b="1" dirty="0" smtClean="0">
                 <a:solidFill>
                   <a:srgbClr val="FFFFFF"/>
                 </a:solidFill>
@@ -9686,7 +9686,7 @@
               <a:t>Others </a:t>
             </a:r>
             <a:r>
-              <a:rPr lang="zh-CN" altLang="en-US" sz="1400" b="1" dirty="0" smtClean="0">
+              <a:rPr lang="zh-CN" altLang="en-US" sz="1000" b="1" dirty="0" smtClean="0">
                 <a:solidFill>
                   <a:srgbClr val="FFFFFF"/>
                 </a:solidFill>
@@ -9695,7 +9695,7 @@
               </a:rPr>
               <a:t>其他</a:t>
             </a:r>
-            <a:endParaRPr lang="en-US" altLang="zh-CN" sz="1400" b="1" dirty="0">
+            <a:endParaRPr lang="en-US" altLang="zh-CN" sz="1000" b="1" dirty="0">
               <a:solidFill>
                 <a:srgbClr val="FFFFFF"/>
               </a:solidFill>
@@ -9996,14 +9996,14 @@
           <p:nvPr>
             <p:extLst>
               <p:ext uri="{D42A27DB-BD31-4B8C-83A1-F6EECF244321}">
-                <p14:modId xmlns:p14="http://schemas.microsoft.com/office/powerpoint/2010/main" val="1413437867"/>
+                <p14:modId xmlns:p14="http://schemas.microsoft.com/office/powerpoint/2010/main" val="211110690"/>
               </p:ext>
             </p:extLst>
           </p:nvPr>
         </p:nvGraphicFramePr>
         <p:xfrm>
           <a:off x="587141" y="1234463"/>
-          <a:ext cx="11032602" cy="5149428"/>
+          <a:ext cx="11032602" cy="5050219"/>
         </p:xfrm>
         <a:graphic>
           <a:graphicData uri="http://schemas.openxmlformats.org/drawingml/2006/table">
@@ -10065,7 +10065,7 @@
                         <a:defRPr/>
                       </a:pPr>
                       <a:r>
-                        <a:rPr lang="en-US" altLang="zh-CN" sz="1400" b="1" kern="1200" dirty="0" err="1" smtClean="0">
+                        <a:rPr lang="en-US" altLang="zh-CN" sz="1000" b="1" kern="1200" dirty="0" err="1" smtClean="0">
                           <a:solidFill>
                             <a:schemeClr val="lt1"/>
                           </a:solidFill>
@@ -10077,7 +10077,7 @@
                         <a:t>StartTime</a:t>
                       </a:r>
                       <a:r>
-                        <a:rPr lang="en-US" altLang="zh-CN" sz="1400" b="1" kern="1200" dirty="0" smtClean="0">
+                        <a:rPr lang="en-US" altLang="zh-CN" sz="1000" b="1" kern="1200" dirty="0" smtClean="0">
                           <a:solidFill>
                             <a:schemeClr val="lt1"/>
                           </a:solidFill>
@@ -10089,7 +10089,7 @@
                         <a:t> </a:t>
                       </a:r>
                       <a:r>
-                        <a:rPr lang="zh-CN" altLang="en-US" sz="1400" b="1" kern="1200" dirty="0" smtClean="0">
+                        <a:rPr lang="zh-CN" altLang="en-US" sz="1000" b="1" kern="1200" dirty="0" smtClean="0">
                           <a:solidFill>
                             <a:schemeClr val="lt1"/>
                           </a:solidFill>
@@ -10159,7 +10159,7 @@
                         </a:lnSpc>
                       </a:pPr>
                       <a:r>
-                        <a:rPr lang="en-US" altLang="zh-CN" sz="1400" b="1" kern="1200" dirty="0" err="1" smtClean="0">
+                        <a:rPr lang="en-US" altLang="zh-CN" sz="1000" b="1" kern="1200" dirty="0" err="1" smtClean="0">
                           <a:solidFill>
                             <a:schemeClr val="lt1"/>
                           </a:solidFill>
@@ -10171,7 +10171,7 @@
                         <a:t>EndTime</a:t>
                       </a:r>
                       <a:r>
-                        <a:rPr lang="en-US" altLang="zh-CN" sz="1400" b="1" kern="1200" dirty="0" smtClean="0">
+                        <a:rPr lang="en-US" altLang="zh-CN" sz="1000" b="1" kern="1200" dirty="0" smtClean="0">
                           <a:solidFill>
                             <a:schemeClr val="lt1"/>
                           </a:solidFill>
@@ -10183,7 +10183,7 @@
                         <a:t> </a:t>
                       </a:r>
                       <a:r>
-                        <a:rPr lang="zh-CN" altLang="en-US" sz="1400" b="1" kern="1200" dirty="0" smtClean="0">
+                        <a:rPr lang="zh-CN" altLang="en-US" sz="1000" b="1" kern="1200" dirty="0" smtClean="0">
                           <a:solidFill>
                             <a:schemeClr val="lt1"/>
                           </a:solidFill>
@@ -10194,7 +10194,7 @@
                         </a:rPr>
                         <a:t>时间</a:t>
                       </a:r>
-                      <a:endParaRPr lang="zh-CN" altLang="en-US" sz="1400" b="1" kern="1200" dirty="0">
+                      <a:endParaRPr lang="zh-CN" altLang="en-US" sz="1000" b="1" kern="1200" dirty="0">
                         <a:solidFill>
                           <a:schemeClr val="lt1"/>
                         </a:solidFill>
@@ -10264,7 +10264,7 @@
                         </a:lnSpc>
                       </a:pPr>
                       <a:r>
-                        <a:rPr lang="en-US" altLang="zh-CN" sz="1400" b="1" kern="1200" dirty="0" smtClean="0">
+                        <a:rPr lang="en-US" altLang="zh-CN" sz="1000" b="1" kern="1200" dirty="0" smtClean="0">
                           <a:solidFill>
                             <a:schemeClr val="lt1"/>
                           </a:solidFill>
@@ -10276,7 +10276,7 @@
                         <a:t>Content </a:t>
                       </a:r>
                       <a:r>
-                        <a:rPr lang="zh-CN" altLang="en-US" sz="1400" b="1" kern="1200" dirty="0" smtClean="0">
+                        <a:rPr lang="zh-CN" altLang="en-US" sz="1000" b="1" kern="1200" dirty="0" smtClean="0">
                           <a:solidFill>
                             <a:schemeClr val="lt1"/>
                           </a:solidFill>
@@ -10287,7 +10287,7 @@
                         </a:rPr>
                         <a:t>内容</a:t>
                       </a:r>
-                      <a:endParaRPr lang="zh-CN" altLang="en-US" sz="1400" b="1" kern="1200" dirty="0">
+                      <a:endParaRPr lang="zh-CN" altLang="en-US" sz="1000" b="1" kern="1200" dirty="0">
                         <a:solidFill>
                           <a:schemeClr val="lt1"/>
                         </a:solidFill>
@@ -10355,7 +10355,7 @@
                         </a:lnSpc>
                       </a:pPr>
                       <a:r>
-                        <a:rPr lang="en-US" altLang="zh-CN" sz="1400" b="1" kern="1200" dirty="0" smtClean="0">
+                        <a:rPr lang="en-US" altLang="zh-CN" sz="1000" b="1" kern="1200" dirty="0" smtClean="0">
                           <a:solidFill>
                             <a:schemeClr val="lt1"/>
                           </a:solidFill>
@@ -10367,7 +10367,7 @@
                         <a:t>Responsible </a:t>
                       </a:r>
                       <a:r>
-                        <a:rPr lang="zh-CN" altLang="en-US" sz="1400" b="1" kern="1200" dirty="0" smtClean="0">
+                        <a:rPr lang="zh-CN" altLang="en-US" sz="1000" b="1" kern="1200" dirty="0" smtClean="0">
                           <a:solidFill>
                             <a:schemeClr val="lt1"/>
                           </a:solidFill>
@@ -10378,7 +10378,7 @@
                         </a:rPr>
                         <a:t>负责人</a:t>
                       </a:r>
-                      <a:endParaRPr lang="zh-CN" altLang="en-US" sz="1400" b="1" kern="1200" dirty="0">
+                      <a:endParaRPr lang="zh-CN" altLang="en-US" sz="1000" b="1" kern="1200" dirty="0">
                         <a:solidFill>
                           <a:schemeClr val="lt1"/>
                         </a:solidFill>
@@ -10462,7 +10462,7 @@
                         <a:tabLst/>
                         <a:defRPr/>
                       </a:pPr>
-                      <a:endParaRPr lang="en-US" sz="1200" b="0" kern="1200" baseline="0" dirty="0" smtClean="0">
+                      <a:endParaRPr lang="en-US" sz="1000" b="0" kern="1200" baseline="0" dirty="0" smtClean="0">
                         <a:solidFill>
                           <a:schemeClr val="tx1">
                             <a:lumMod val="75000"/>
@@ -10542,7 +10542,7 @@
                         <a:tabLst/>
                         <a:defRPr/>
                       </a:pPr>
-                      <a:endParaRPr lang="en-US" sz="1200" b="0" kern="1200" baseline="0" dirty="0" smtClean="0">
+                      <a:endParaRPr lang="en-US" sz="1000" b="0" kern="1200" baseline="0" dirty="0" smtClean="0">
                         <a:solidFill>
                           <a:schemeClr val="tx1">
                             <a:lumMod val="75000"/>
@@ -10622,7 +10622,7 @@
                         <a:tabLst/>
                         <a:defRPr/>
                       </a:pPr>
-                      <a:endParaRPr lang="en-US" altLang="zh-CN" sz="1200" b="0" kern="1200" baseline="0" dirty="0">
+                      <a:endParaRPr lang="en-US" altLang="zh-CN" sz="1000" b="0" kern="1200" baseline="0" dirty="0">
                         <a:solidFill>
                           <a:schemeClr val="tx1">
                             <a:lumMod val="75000"/>
@@ -10702,7 +10702,7 @@
                         <a:tabLst/>
                         <a:defRPr/>
                       </a:pPr>
-                      <a:endParaRPr lang="en-US" altLang="zh-CN" sz="1200" b="0" kern="1200" baseline="0" dirty="0">
+                      <a:endParaRPr lang="en-US" altLang="zh-CN" sz="1000" b="0" kern="1200" baseline="0" dirty="0">
                         <a:solidFill>
                           <a:schemeClr val="tx1">
                             <a:lumMod val="75000"/>
@@ -10789,7 +10789,7 @@
                         <a:tabLst/>
                         <a:defRPr/>
                       </a:pPr>
-                      <a:endParaRPr lang="zh-CN" altLang="en-US" sz="1200" b="0" kern="1200" baseline="0" dirty="0">
+                      <a:endParaRPr lang="zh-CN" altLang="en-US" sz="1000" b="0" kern="1200" baseline="0" dirty="0">
                         <a:solidFill>
                           <a:schemeClr val="tx1">
                             <a:lumMod val="75000"/>
@@ -10873,7 +10873,7 @@
                         <a:tabLst/>
                         <a:defRPr/>
                       </a:pPr>
-                      <a:endParaRPr lang="zh-CN" altLang="en-US" sz="1200" b="0" kern="1200" baseline="0" dirty="0">
+                      <a:endParaRPr lang="zh-CN" altLang="en-US" sz="1000" b="0" kern="1200" baseline="0" dirty="0">
                         <a:solidFill>
                           <a:schemeClr val="tx1">
                             <a:lumMod val="75000"/>
@@ -10957,7 +10957,7 @@
                         <a:tabLst/>
                         <a:defRPr/>
                       </a:pPr>
-                      <a:endParaRPr lang="zh-CN" altLang="en-US" sz="1200" b="0" kern="1200" baseline="0" dirty="0">
+                      <a:endParaRPr lang="zh-CN" altLang="en-US" sz="1000" b="0" kern="1200" baseline="0" dirty="0">
                         <a:solidFill>
                           <a:schemeClr val="tx1">
                             <a:lumMod val="75000"/>
@@ -11041,7 +11041,7 @@
                         <a:tabLst/>
                         <a:defRPr/>
                       </a:pPr>
-                      <a:endParaRPr lang="zh-CN" altLang="en-US" sz="1200" b="0" kern="1200" baseline="0" dirty="0">
+                      <a:endParaRPr lang="zh-CN" altLang="en-US" sz="1000" b="0" kern="1200" baseline="0" dirty="0">
                         <a:solidFill>
                           <a:schemeClr val="tx1">
                             <a:lumMod val="75000"/>
@@ -11132,7 +11132,7 @@
                         <a:tabLst/>
                         <a:defRPr/>
                       </a:pPr>
-                      <a:endParaRPr lang="zh-CN" altLang="en-US" sz="1200" b="0" kern="1200" baseline="0" dirty="0">
+                      <a:endParaRPr lang="zh-CN" altLang="en-US" sz="1000" b="0" kern="1200" baseline="0" dirty="0">
                         <a:solidFill>
                           <a:schemeClr val="tx1">
                             <a:lumMod val="75000"/>
@@ -11216,7 +11216,7 @@
                         <a:tabLst/>
                         <a:defRPr/>
                       </a:pPr>
-                      <a:endParaRPr lang="zh-CN" altLang="en-US" sz="1200" b="0" kern="1200" baseline="0" dirty="0">
+                      <a:endParaRPr lang="zh-CN" altLang="en-US" sz="1000" b="0" kern="1200" baseline="0" dirty="0">
                         <a:solidFill>
                           <a:schemeClr val="tx1">
                             <a:lumMod val="75000"/>
@@ -11300,7 +11300,7 @@
                         <a:tabLst/>
                         <a:defRPr/>
                       </a:pPr>
-                      <a:endParaRPr lang="zh-CN" altLang="en-US" sz="1200" b="0" kern="1200" baseline="0" dirty="0">
+                      <a:endParaRPr lang="zh-CN" altLang="en-US" sz="1000" b="0" kern="1200" baseline="0" dirty="0">
                         <a:solidFill>
                           <a:schemeClr val="tx1">
                             <a:lumMod val="75000"/>
@@ -11384,7 +11384,7 @@
                         <a:tabLst/>
                         <a:defRPr/>
                       </a:pPr>
-                      <a:endParaRPr lang="zh-CN" altLang="en-US" sz="1200" b="0" kern="1200" baseline="0" dirty="0">
+                      <a:endParaRPr lang="zh-CN" altLang="en-US" sz="1000" b="0" kern="1200" baseline="0" dirty="0">
                         <a:solidFill>
                           <a:schemeClr val="tx1">
                             <a:lumMod val="75000"/>
@@ -11475,7 +11475,7 @@
                         <a:tabLst/>
                         <a:defRPr/>
                       </a:pPr>
-                      <a:endParaRPr lang="zh-CN" altLang="en-US" sz="1200" b="0" kern="1200" baseline="0" dirty="0">
+                      <a:endParaRPr lang="zh-CN" altLang="en-US" sz="1000" b="0" kern="1200" baseline="0" dirty="0">
                         <a:solidFill>
                           <a:schemeClr val="tx1">
                             <a:lumMod val="75000"/>
@@ -11559,7 +11559,7 @@
                         <a:tabLst/>
                         <a:defRPr/>
                       </a:pPr>
-                      <a:endParaRPr lang="zh-CN" altLang="en-US" sz="1200" b="0" kern="1200" baseline="0" dirty="0">
+                      <a:endParaRPr lang="zh-CN" altLang="en-US" sz="1000" b="0" kern="1200" baseline="0" dirty="0">
                         <a:solidFill>
                           <a:schemeClr val="tx1">
                             <a:lumMod val="75000"/>
@@ -11643,7 +11643,7 @@
                         <a:tabLst/>
                         <a:defRPr/>
                       </a:pPr>
-                      <a:endParaRPr lang="zh-CN" altLang="en-US" sz="1200" b="0" kern="1200" baseline="0" dirty="0">
+                      <a:endParaRPr lang="zh-CN" altLang="en-US" sz="1000" b="0" kern="1200" baseline="0" dirty="0">
                         <a:solidFill>
                           <a:schemeClr val="tx1">
                             <a:lumMod val="75000"/>
@@ -11727,7 +11727,7 @@
                         <a:tabLst/>
                         <a:defRPr/>
                       </a:pPr>
-                      <a:endParaRPr lang="zh-CN" altLang="en-US" sz="1200" b="0" kern="1200" baseline="0" dirty="0">
+                      <a:endParaRPr lang="zh-CN" altLang="en-US" sz="1000" b="0" kern="1200" baseline="0" dirty="0">
                         <a:solidFill>
                           <a:schemeClr val="tx1">
                             <a:lumMod val="75000"/>
@@ -11818,7 +11818,7 @@
                         <a:tabLst/>
                         <a:defRPr/>
                       </a:pPr>
-                      <a:endParaRPr lang="zh-CN" altLang="en-US" sz="1200" b="0" kern="1200" baseline="0" dirty="0">
+                      <a:endParaRPr lang="zh-CN" altLang="en-US" sz="1000" b="0" kern="1200" baseline="0" dirty="0">
                         <a:solidFill>
                           <a:schemeClr val="tx1">
                             <a:lumMod val="75000"/>
@@ -11902,7 +11902,7 @@
                         <a:tabLst/>
                         <a:defRPr/>
                       </a:pPr>
-                      <a:endParaRPr lang="zh-CN" altLang="en-US" sz="1200" b="0" kern="1200" baseline="0" dirty="0">
+                      <a:endParaRPr lang="zh-CN" altLang="en-US" sz="1000" b="0" kern="1200" baseline="0" dirty="0">
                         <a:solidFill>
                           <a:schemeClr val="tx1">
                             <a:lumMod val="75000"/>
@@ -11986,7 +11986,7 @@
                         <a:tabLst/>
                         <a:defRPr/>
                       </a:pPr>
-                      <a:endParaRPr lang="zh-CN" altLang="en-US" sz="1200" b="0" kern="1200" baseline="0" dirty="0">
+                      <a:endParaRPr lang="zh-CN" altLang="en-US" sz="1000" b="0" kern="1200" baseline="0" dirty="0">
                         <a:solidFill>
                           <a:schemeClr val="tx1">
                             <a:lumMod val="75000"/>
@@ -12070,7 +12070,7 @@
                         <a:tabLst/>
                         <a:defRPr/>
                       </a:pPr>
-                      <a:endParaRPr lang="zh-CN" altLang="en-US" sz="1200" b="0" kern="1200" baseline="0" dirty="0">
+                      <a:endParaRPr lang="zh-CN" altLang="en-US" sz="1000" b="0" kern="1200" baseline="0" dirty="0">
                         <a:solidFill>
                           <a:schemeClr val="tx1">
                             <a:lumMod val="75000"/>
@@ -12161,7 +12161,7 @@
                         <a:tabLst/>
                         <a:defRPr/>
                       </a:pPr>
-                      <a:endParaRPr lang="zh-CN" altLang="en-US" sz="1200" b="0" kern="1200" baseline="0" dirty="0">
+                      <a:endParaRPr lang="zh-CN" altLang="en-US" sz="1000" b="0" kern="1200" baseline="0" dirty="0">
                         <a:solidFill>
                           <a:schemeClr val="tx1">
                             <a:lumMod val="75000"/>
@@ -12245,7 +12245,7 @@
                         <a:tabLst/>
                         <a:defRPr/>
                       </a:pPr>
-                      <a:endParaRPr lang="zh-CN" altLang="en-US" sz="1200" b="0" kern="1200" baseline="0" dirty="0">
+                      <a:endParaRPr lang="zh-CN" altLang="en-US" sz="1000" b="0" kern="1200" baseline="0" dirty="0">
                         <a:solidFill>
                           <a:schemeClr val="tx1">
                             <a:lumMod val="75000"/>
@@ -12329,7 +12329,7 @@
                         <a:tabLst/>
                         <a:defRPr/>
                       </a:pPr>
-                      <a:endParaRPr lang="zh-CN" altLang="en-US" sz="1200" b="0" kern="1200" baseline="0" dirty="0">
+                      <a:endParaRPr lang="zh-CN" altLang="en-US" sz="1000" b="0" kern="1200" baseline="0" dirty="0">
                         <a:solidFill>
                           <a:schemeClr val="tx1">
                             <a:lumMod val="75000"/>
@@ -12413,7 +12413,7 @@
                         <a:tabLst/>
                         <a:defRPr/>
                       </a:pPr>
-                      <a:endParaRPr lang="zh-CN" altLang="en-US" sz="1200" b="0" kern="1200" baseline="0" dirty="0">
+                      <a:endParaRPr lang="zh-CN" altLang="en-US" sz="1000" b="0" kern="1200" baseline="0" dirty="0">
                         <a:solidFill>
                           <a:schemeClr val="tx1">
                             <a:lumMod val="75000"/>
@@ -12504,7 +12504,7 @@
                         <a:tabLst/>
                         <a:defRPr/>
                       </a:pPr>
-                      <a:endParaRPr lang="zh-CN" altLang="en-US" sz="1200" b="0" kern="1200" baseline="0" dirty="0">
+                      <a:endParaRPr lang="zh-CN" altLang="en-US" sz="1000" b="0" kern="1200" baseline="0" dirty="0">
                         <a:solidFill>
                           <a:schemeClr val="tx1">
                             <a:lumMod val="75000"/>
@@ -12588,7 +12588,7 @@
                         <a:tabLst/>
                         <a:defRPr/>
                       </a:pPr>
-                      <a:endParaRPr lang="zh-CN" altLang="en-US" sz="1200" b="0" kern="1200" baseline="0" dirty="0">
+                      <a:endParaRPr lang="zh-CN" altLang="en-US" sz="1000" b="0" kern="1200" baseline="0" dirty="0">
                         <a:solidFill>
                           <a:schemeClr val="tx1">
                             <a:lumMod val="75000"/>
@@ -12672,7 +12672,7 @@
                         <a:tabLst/>
                         <a:defRPr/>
                       </a:pPr>
-                      <a:endParaRPr lang="zh-CN" altLang="en-US" sz="1200" b="0" kern="1200" baseline="0" dirty="0">
+                      <a:endParaRPr lang="zh-CN" altLang="en-US" sz="1000" b="0" kern="1200" baseline="0" dirty="0">
                         <a:solidFill>
                           <a:schemeClr val="tx1">
                             <a:lumMod val="75000"/>
@@ -12756,7 +12756,7 @@
                         <a:tabLst/>
                         <a:defRPr/>
                       </a:pPr>
-                      <a:endParaRPr lang="zh-CN" altLang="en-US" sz="1200" b="0" kern="1200" baseline="0" dirty="0">
+                      <a:endParaRPr lang="zh-CN" altLang="en-US" sz="1000" b="0" kern="1200" baseline="0" dirty="0">
                         <a:solidFill>
                           <a:schemeClr val="tx1">
                             <a:lumMod val="75000"/>
@@ -12847,7 +12847,7 @@
                         <a:tabLst/>
                         <a:defRPr/>
                       </a:pPr>
-                      <a:endParaRPr lang="zh-CN" altLang="en-US" sz="1200" b="0" kern="1200" baseline="0" dirty="0">
+                      <a:endParaRPr lang="zh-CN" altLang="en-US" sz="1000" b="0" kern="1200" baseline="0" dirty="0">
                         <a:solidFill>
                           <a:schemeClr val="tx1">
                             <a:lumMod val="75000"/>
@@ -12931,7 +12931,7 @@
                         <a:tabLst/>
                         <a:defRPr/>
                       </a:pPr>
-                      <a:endParaRPr lang="zh-CN" altLang="en-US" sz="1200" b="0" kern="1200" baseline="0" dirty="0">
+                      <a:endParaRPr lang="zh-CN" altLang="en-US" sz="1000" b="0" kern="1200" baseline="0" dirty="0">
                         <a:solidFill>
                           <a:schemeClr val="tx1">
                             <a:lumMod val="75000"/>
@@ -13015,7 +13015,7 @@
                         <a:tabLst/>
                         <a:defRPr/>
                       </a:pPr>
-                      <a:endParaRPr lang="zh-CN" altLang="en-US" sz="1200" b="0" kern="1200" baseline="0" dirty="0">
+                      <a:endParaRPr lang="zh-CN" altLang="en-US" sz="1000" b="0" kern="1200" baseline="0" dirty="0">
                         <a:solidFill>
                           <a:schemeClr val="tx1">
                             <a:lumMod val="75000"/>
@@ -13099,7 +13099,7 @@
                         <a:tabLst/>
                         <a:defRPr/>
                       </a:pPr>
-                      <a:endParaRPr lang="zh-CN" altLang="en-US" sz="1200" b="0" kern="1200" baseline="0" dirty="0">
+                      <a:endParaRPr lang="zh-CN" altLang="en-US" sz="1000" b="0" kern="1200" baseline="0" dirty="0">
                         <a:solidFill>
                           <a:schemeClr val="tx1">
                             <a:lumMod val="75000"/>
@@ -13190,7 +13190,7 @@
                         <a:tabLst/>
                         <a:defRPr/>
                       </a:pPr>
-                      <a:endParaRPr lang="zh-CN" altLang="en-US" sz="1200" b="0" kern="1200" baseline="0" dirty="0">
+                      <a:endParaRPr lang="zh-CN" altLang="en-US" sz="1000" b="0" kern="1200" baseline="0" dirty="0">
                         <a:solidFill>
                           <a:schemeClr val="tx1">
                             <a:lumMod val="75000"/>
@@ -13274,7 +13274,7 @@
                         <a:tabLst/>
                         <a:defRPr/>
                       </a:pPr>
-                      <a:endParaRPr lang="zh-CN" altLang="en-US" sz="1200" b="0" kern="1200" baseline="0" dirty="0">
+                      <a:endParaRPr lang="zh-CN" altLang="en-US" sz="1000" b="0" kern="1200" baseline="0" dirty="0">
                         <a:solidFill>
                           <a:schemeClr val="tx1">
                             <a:lumMod val="75000"/>
@@ -13358,7 +13358,7 @@
                         <a:tabLst/>
                         <a:defRPr/>
                       </a:pPr>
-                      <a:endParaRPr lang="zh-CN" altLang="en-US" sz="1200" b="0" kern="1200" baseline="0" dirty="0">
+                      <a:endParaRPr lang="zh-CN" altLang="en-US" sz="1000" b="0" kern="1200" baseline="0" dirty="0">
                         <a:solidFill>
                           <a:schemeClr val="tx1">
                             <a:lumMod val="75000"/>
@@ -13442,7 +13442,7 @@
                         <a:tabLst/>
                         <a:defRPr/>
                       </a:pPr>
-                      <a:endParaRPr lang="zh-CN" altLang="en-US" sz="1200" b="0" kern="1200" baseline="0" dirty="0">
+                      <a:endParaRPr lang="zh-CN" altLang="en-US" sz="1000" b="0" kern="1200" baseline="0" dirty="0">
                         <a:solidFill>
                           <a:schemeClr val="tx1">
                             <a:lumMod val="75000"/>
@@ -13533,7 +13533,7 @@
                         <a:tabLst/>
                         <a:defRPr/>
                       </a:pPr>
-                      <a:endParaRPr lang="zh-CN" altLang="en-US" sz="1200" b="0" kern="1200" baseline="0" dirty="0">
+                      <a:endParaRPr lang="zh-CN" altLang="en-US" sz="1000" b="0" kern="1200" baseline="0" dirty="0">
                         <a:solidFill>
                           <a:schemeClr val="tx1">
                             <a:lumMod val="75000"/>
@@ -13615,7 +13615,7 @@
                         <a:tabLst/>
                         <a:defRPr/>
                       </a:pPr>
-                      <a:endParaRPr lang="zh-CN" altLang="en-US" sz="1200" b="0" kern="1200" baseline="0" dirty="0">
+                      <a:endParaRPr lang="zh-CN" altLang="en-US" sz="1000" b="0" kern="1200" baseline="0" dirty="0">
                         <a:solidFill>
                           <a:schemeClr val="tx1">
                             <a:lumMod val="75000"/>
@@ -13697,7 +13697,7 @@
                         <a:tabLst/>
                         <a:defRPr/>
                       </a:pPr>
-                      <a:endParaRPr lang="zh-CN" altLang="en-US" sz="1200" b="0" kern="1200" baseline="0" dirty="0">
+                      <a:endParaRPr lang="zh-CN" altLang="en-US" sz="1000" b="0" kern="1200" baseline="0" dirty="0">
                         <a:solidFill>
                           <a:schemeClr val="tx1">
                             <a:lumMod val="75000"/>
@@ -13779,7 +13779,7 @@
                         <a:tabLst/>
                         <a:defRPr/>
                       </a:pPr>
-                      <a:endParaRPr lang="zh-CN" altLang="en-US" sz="1200" b="0" kern="1200" baseline="0" dirty="0">
+                      <a:endParaRPr lang="zh-CN" altLang="en-US" sz="1000" b="0" kern="1200" baseline="0" dirty="0">
                         <a:solidFill>
                           <a:schemeClr val="tx1">
                             <a:lumMod val="75000"/>
@@ -14135,7 +14135,7 @@
           <a:graphicData uri="http://schemas.openxmlformats.org/presentationml/2006/ole">
             <mc:AlternateContent xmlns:mc="http://schemas.openxmlformats.org/markup-compatibility/2006">
               <mc:Choice xmlns:v="urn:schemas-microsoft-com:vml" Requires="v">
-                <p:oleObj spid="_x0000_s42048" name="think-cell Slide" r:id="rId6" imgW="416" imgH="416" progId="TCLayout.ActiveDocument.1">
+                <p:oleObj spid="_x0000_s42050" name="think-cell Slide" r:id="rId6" imgW="416" imgH="416" progId="TCLayout.ActiveDocument.1">
                   <p:embed/>
                 </p:oleObj>
               </mc:Choice>
@@ -14179,7 +14179,7 @@
           <p:nvPr>
             <p:extLst>
               <p:ext uri="{D42A27DB-BD31-4B8C-83A1-F6EECF244321}">
-                <p14:modId xmlns:p14="http://schemas.microsoft.com/office/powerpoint/2010/main" val="375791923"/>
+                <p14:modId xmlns:p14="http://schemas.microsoft.com/office/powerpoint/2010/main" val="3764154214"/>
               </p:ext>
             </p:extLst>
           </p:nvPr>
@@ -14246,7 +14246,7 @@
                     <a:p>
                       <a:pPr algn="ctr"/>
                       <a:r>
-                        <a:rPr lang="zh-CN" altLang="en-US" sz="1200" dirty="0" smtClean="0">
+                        <a:rPr lang="zh-CN" altLang="en-US" sz="1000" dirty="0" smtClean="0">
                           <a:latin typeface="+mn-lt"/>
                           <a:ea typeface="+mn-ea"/>
                           <a:cs typeface="+mn-ea"/>
@@ -14255,7 +14255,7 @@
                         <a:t>活动总览 </a:t>
                       </a:r>
                       <a:r>
-                        <a:rPr lang="en-US" altLang="zh-CN" sz="1200" dirty="0" smtClean="0">
+                        <a:rPr lang="en-US" altLang="zh-CN" sz="1000" dirty="0" smtClean="0">
                           <a:latin typeface="+mn-lt"/>
                           <a:ea typeface="+mn-ea"/>
                           <a:cs typeface="+mn-ea"/>
@@ -14264,7 +14264,7 @@
                         <a:t>Over</a:t>
                       </a:r>
                       <a:r>
-                        <a:rPr lang="en-US" altLang="zh-CN" sz="1200" baseline="0" dirty="0" smtClean="0">
+                        <a:rPr lang="en-US" altLang="zh-CN" sz="1000" baseline="0" dirty="0" smtClean="0">
                           <a:latin typeface="+mn-lt"/>
                           <a:ea typeface="+mn-ea"/>
                           <a:cs typeface="+mn-ea"/>
@@ -14272,7 +14272,7 @@
                         </a:rPr>
                         <a:t>view</a:t>
                       </a:r>
-                      <a:endParaRPr lang="en-US" sz="1200" dirty="0">
+                      <a:endParaRPr lang="en-US" sz="1000" dirty="0">
                         <a:latin typeface="+mn-lt"/>
                         <a:ea typeface="+mn-ea"/>
                         <a:cs typeface="+mn-ea"/>
@@ -14406,12 +14406,12 @@
                         <a:defRPr/>
                       </a:pPr>
                       <a:r>
-                        <a:rPr lang="en-US" sz="1200" b="0" dirty="0" smtClean="0">
+                        <a:rPr lang="en-US" sz="1000" b="0" dirty="0" smtClean="0">
                           <a:solidFill>
                             <a:schemeClr val="tx1"/>
                           </a:solidFill>
-                          <a:latin typeface="+mn-lt"/>
-                          <a:ea typeface="+mn-ea"/>
+                          <a:latin typeface="Bentley Light" panose="020B0404020201020102"/>
+                          <a:ea typeface="黑体" panose="02010609060101010101" pitchFamily="49" charset="-122"/>
                           <a:cs typeface="+mn-ea"/>
                           <a:sym typeface="+mn-lt"/>
                         </a:rPr>
@@ -14437,47 +14437,47 @@
                         <a:defRPr/>
                       </a:pPr>
                       <a:r>
-                        <a:rPr lang="zh-CN" altLang="en-US" sz="1200" b="0" dirty="0" smtClean="0">
+                        <a:rPr lang="zh-CN" altLang="en-US" sz="1000" b="0" dirty="0" smtClean="0">
                           <a:solidFill>
                             <a:schemeClr val="tx1"/>
                           </a:solidFill>
-                          <a:latin typeface="+mn-lt"/>
-                          <a:ea typeface="+mn-ea"/>
+                          <a:latin typeface="Bentley Light" panose="020B0404020201020102"/>
+                          <a:ea typeface="黑体" panose="02010609060101010101" pitchFamily="49" charset="-122"/>
                           <a:cs typeface="+mn-ea"/>
                           <a:sym typeface="+mn-lt"/>
                         </a:rPr>
                         <a:t>活动名称</a:t>
                       </a:r>
                       <a:r>
-                        <a:rPr lang="en-US" altLang="zh-CN" sz="1200" b="0" dirty="0" smtClean="0">
+                        <a:rPr lang="en-US" altLang="zh-CN" sz="1000" b="0" dirty="0" smtClean="0">
                           <a:solidFill>
                             <a:schemeClr val="tx1"/>
                           </a:solidFill>
-                          <a:latin typeface="+mn-lt"/>
-                          <a:ea typeface="+mn-ea"/>
+                          <a:latin typeface="Bentley Light" panose="020B0404020201020102"/>
+                          <a:ea typeface="黑体" panose="02010609060101010101" pitchFamily="49" charset="-122"/>
                           <a:cs typeface="+mn-ea"/>
                           <a:sym typeface="+mn-lt"/>
                         </a:rPr>
                         <a:t>/</a:t>
                       </a:r>
                       <a:r>
-                        <a:rPr lang="zh-CN" altLang="en-US" sz="1200" b="0" dirty="0" smtClean="0">
+                        <a:rPr lang="zh-CN" altLang="en-US" sz="1000" b="0" dirty="0" smtClean="0">
                           <a:solidFill>
                             <a:schemeClr val="tx1"/>
                           </a:solidFill>
-                          <a:latin typeface="+mn-lt"/>
-                          <a:ea typeface="+mn-ea"/>
+                          <a:latin typeface="Bentley Light" panose="020B0404020201020102"/>
+                          <a:ea typeface="黑体" panose="02010609060101010101" pitchFamily="49" charset="-122"/>
                           <a:cs typeface="+mn-ea"/>
                           <a:sym typeface="+mn-lt"/>
                         </a:rPr>
                         <a:t>内容</a:t>
                       </a:r>
-                      <a:endParaRPr lang="en-US" sz="1200" b="0" dirty="0" smtClean="0">
+                      <a:endParaRPr lang="en-US" sz="1000" b="0" dirty="0" smtClean="0">
                         <a:solidFill>
                           <a:schemeClr val="tx1"/>
                         </a:solidFill>
-                        <a:latin typeface="+mn-lt"/>
-                        <a:ea typeface="+mn-ea"/>
+                        <a:latin typeface="Bentley Light" panose="020B0404020201020102"/>
+                        <a:ea typeface="黑体" panose="02010609060101010101" pitchFamily="49" charset="-122"/>
                         <a:cs typeface="+mn-ea"/>
                         <a:sym typeface="+mn-lt"/>
                       </a:endParaRPr>
@@ -14544,23 +14544,23 @@
                         <a:defRPr/>
                       </a:pPr>
                       <a:r>
-                        <a:rPr lang="zh-CN" altLang="en-US" sz="1200" b="0" kern="1200" dirty="0" smtClean="0">
+                        <a:rPr lang="zh-CN" altLang="en-US" sz="1000" b="0" kern="1200" dirty="0" smtClean="0">
                           <a:solidFill>
                             <a:schemeClr val="tx1"/>
                           </a:solidFill>
-                          <a:latin typeface="+mn-lt"/>
-                          <a:ea typeface="+mn-ea"/>
+                          <a:latin typeface="Bentley Light" panose="020B0404020201020102"/>
+                          <a:ea typeface="黑体" panose="02010609060101010101" pitchFamily="49" charset="-122"/>
                           <a:cs typeface="+mn-ea"/>
                           <a:sym typeface="+mn-lt"/>
                         </a:rPr>
                         <a:t> </a:t>
                       </a:r>
-                      <a:endParaRPr lang="en-US" sz="1200" b="0" kern="1200" dirty="0" smtClean="0">
+                      <a:endParaRPr lang="en-US" sz="1000" b="0" kern="1200" dirty="0" smtClean="0">
                         <a:solidFill>
                           <a:schemeClr val="tx1"/>
                         </a:solidFill>
-                        <a:latin typeface="+mn-lt"/>
-                        <a:ea typeface="+mn-ea"/>
+                        <a:latin typeface="Bentley Light" panose="020B0404020201020102"/>
+                        <a:ea typeface="黑体" panose="02010609060101010101" pitchFamily="49" charset="-122"/>
                         <a:cs typeface="+mn-ea"/>
                         <a:sym typeface="+mn-lt"/>
                       </a:endParaRPr>
@@ -14751,12 +14751,12 @@
                         <a:defRPr/>
                       </a:pPr>
                       <a:r>
-                        <a:rPr lang="en-US" sz="1200" b="0" kern="1200" dirty="0" smtClean="0">
+                        <a:rPr lang="en-US" sz="1000" b="0" kern="1200" dirty="0" smtClean="0">
                           <a:solidFill>
                             <a:schemeClr val="tx1"/>
                           </a:solidFill>
-                          <a:latin typeface="+mn-lt"/>
-                          <a:ea typeface="+mn-ea"/>
+                          <a:latin typeface="Bentley Light" panose="020B0404020201020102"/>
+                          <a:ea typeface="黑体" panose="02010609060101010101" pitchFamily="49" charset="-122"/>
                           <a:cs typeface="+mn-ea"/>
                           <a:sym typeface="+mn-lt"/>
                         </a:rPr>
@@ -14782,23 +14782,23 @@
                         <a:defRPr/>
                       </a:pPr>
                       <a:r>
-                        <a:rPr lang="zh-CN" altLang="en-US" sz="1200" b="0" kern="1200" dirty="0" smtClean="0">
+                        <a:rPr lang="zh-CN" altLang="en-US" sz="1000" b="0" kern="1200" dirty="0" smtClean="0">
                           <a:solidFill>
                             <a:schemeClr val="tx1"/>
                           </a:solidFill>
-                          <a:latin typeface="+mn-lt"/>
-                          <a:ea typeface="+mn-ea"/>
+                          <a:latin typeface="Bentley Light" panose="020B0404020201020102"/>
+                          <a:ea typeface="黑体" panose="02010609060101010101" pitchFamily="49" charset="-122"/>
                           <a:cs typeface="+mn-ea"/>
                           <a:sym typeface="+mn-lt"/>
                         </a:rPr>
                         <a:t>日期</a:t>
                       </a:r>
-                      <a:endParaRPr lang="en-US" sz="1200" b="0" kern="1200" dirty="0" smtClean="0">
+                      <a:endParaRPr lang="en-US" sz="1000" b="0" kern="1200" dirty="0" smtClean="0">
                         <a:solidFill>
                           <a:schemeClr val="tx1"/>
                         </a:solidFill>
-                        <a:latin typeface="+mn-lt"/>
-                        <a:ea typeface="+mn-ea"/>
+                        <a:latin typeface="Bentley Light" panose="020B0404020201020102"/>
+                        <a:ea typeface="黑体" panose="02010609060101010101" pitchFamily="49" charset="-122"/>
                         <a:cs typeface="+mn-ea"/>
                         <a:sym typeface="+mn-lt"/>
                       </a:endParaRPr>
@@ -14849,23 +14849,23 @@
                     <a:p>
                       <a:pPr marL="0" algn="l" defTabSz="685792" rtl="0" eaLnBrk="1" latinLnBrk="0" hangingPunct="1"/>
                       <a:r>
-                        <a:rPr lang="zh-CN" altLang="en-US" sz="1200" b="0" kern="1200" dirty="0" smtClean="0">
+                        <a:rPr lang="zh-CN" altLang="en-US" sz="1000" b="0" kern="1200" dirty="0" smtClean="0">
                           <a:solidFill>
                             <a:schemeClr val="tx1"/>
                           </a:solidFill>
-                          <a:latin typeface="+mn-lt"/>
-                          <a:ea typeface="+mn-ea"/>
+                          <a:latin typeface="Bentley Light" panose="020B0404020201020102"/>
+                          <a:ea typeface="黑体" panose="02010609060101010101" pitchFamily="49" charset="-122"/>
                           <a:cs typeface="+mn-ea"/>
                           <a:sym typeface="+mn-lt"/>
                         </a:rPr>
                         <a:t> </a:t>
                       </a:r>
-                      <a:endParaRPr lang="en-US" sz="1200" b="0" kern="1200" dirty="0">
+                      <a:endParaRPr lang="en-US" sz="1000" b="0" kern="1200" dirty="0">
                         <a:solidFill>
                           <a:schemeClr val="tx1"/>
                         </a:solidFill>
-                        <a:latin typeface="+mn-lt"/>
-                        <a:ea typeface="+mn-ea"/>
+                        <a:latin typeface="Bentley Light" panose="020B0404020201020102"/>
+                        <a:ea typeface="黑体" panose="02010609060101010101" pitchFamily="49" charset="-122"/>
                         <a:cs typeface="+mn-ea"/>
                         <a:sym typeface="+mn-lt"/>
                       </a:endParaRPr>
@@ -15009,12 +15009,12 @@
                         <a:defRPr/>
                       </a:pPr>
                       <a:r>
-                        <a:rPr lang="en-US" sz="1200" b="0" kern="1200" dirty="0" smtClean="0">
+                        <a:rPr lang="en-US" sz="1000" b="0" kern="1200" dirty="0" smtClean="0">
                           <a:solidFill>
                             <a:schemeClr val="tx1"/>
                           </a:solidFill>
-                          <a:latin typeface="+mn-lt"/>
-                          <a:ea typeface="+mn-ea"/>
+                          <a:latin typeface="Bentley Light" panose="020B0404020201020102"/>
+                          <a:ea typeface="黑体" panose="02010609060101010101" pitchFamily="49" charset="-122"/>
                           <a:cs typeface="+mn-ea"/>
                           <a:sym typeface="+mn-lt"/>
                         </a:rPr>
@@ -15040,23 +15040,23 @@
                         <a:defRPr/>
                       </a:pPr>
                       <a:r>
-                        <a:rPr lang="zh-CN" altLang="en-US" sz="1200" b="0" kern="1200" dirty="0" smtClean="0">
+                        <a:rPr lang="zh-CN" altLang="en-US" sz="1000" b="0" kern="1200" dirty="0" smtClean="0">
                           <a:solidFill>
                             <a:schemeClr val="tx1"/>
                           </a:solidFill>
-                          <a:latin typeface="+mn-lt"/>
-                          <a:ea typeface="+mn-ea"/>
+                          <a:latin typeface="Bentley Light" panose="020B0404020201020102"/>
+                          <a:ea typeface="黑体" panose="02010609060101010101" pitchFamily="49" charset="-122"/>
                           <a:cs typeface="+mn-ea"/>
                           <a:sym typeface="+mn-lt"/>
                         </a:rPr>
                         <a:t>地点</a:t>
                       </a:r>
-                      <a:endParaRPr lang="en-US" sz="1200" b="0" kern="1200" dirty="0" smtClean="0">
+                      <a:endParaRPr lang="en-US" sz="1000" b="0" kern="1200" dirty="0" smtClean="0">
                         <a:solidFill>
                           <a:schemeClr val="tx1"/>
                         </a:solidFill>
-                        <a:latin typeface="+mn-lt"/>
-                        <a:ea typeface="+mn-ea"/>
+                        <a:latin typeface="Bentley Light" panose="020B0404020201020102"/>
+                        <a:ea typeface="黑体" panose="02010609060101010101" pitchFamily="49" charset="-122"/>
                         <a:cs typeface="+mn-ea"/>
                         <a:sym typeface="+mn-lt"/>
                       </a:endParaRPr>
@@ -15123,23 +15123,23 @@
                         <a:defRPr/>
                       </a:pPr>
                       <a:r>
-                        <a:rPr lang="zh-CN" altLang="en-US" sz="1200" b="0" kern="1200" dirty="0" smtClean="0">
+                        <a:rPr lang="zh-CN" altLang="en-US" sz="1000" b="0" kern="1200" dirty="0" smtClean="0">
                           <a:solidFill>
                             <a:schemeClr val="tx1"/>
                           </a:solidFill>
-                          <a:latin typeface="+mn-lt"/>
-                          <a:ea typeface="+mn-ea"/>
+                          <a:latin typeface="Bentley Light" panose="020B0404020201020102"/>
+                          <a:ea typeface="黑体" panose="02010609060101010101" pitchFamily="49" charset="-122"/>
                           <a:cs typeface="+mn-ea"/>
                           <a:sym typeface="+mn-lt"/>
                         </a:rPr>
                         <a:t> </a:t>
                       </a:r>
-                      <a:endParaRPr lang="en-US" sz="1200" b="0" kern="1200" dirty="0" smtClean="0">
+                      <a:endParaRPr lang="en-US" sz="1000" b="0" kern="1200" dirty="0" smtClean="0">
                         <a:solidFill>
                           <a:schemeClr val="tx1"/>
                         </a:solidFill>
-                        <a:latin typeface="+mn-lt"/>
-                        <a:ea typeface="+mn-ea"/>
+                        <a:latin typeface="Bentley Light" panose="020B0404020201020102"/>
+                        <a:ea typeface="黑体" panose="02010609060101010101" pitchFamily="49" charset="-122"/>
                         <a:cs typeface="+mn-ea"/>
                         <a:sym typeface="+mn-lt"/>
                       </a:endParaRPr>
@@ -15301,12 +15301,12 @@
                         <a:defRPr/>
                       </a:pPr>
                       <a:r>
-                        <a:rPr lang="en-US" sz="1200" b="0" kern="1200" dirty="0" smtClean="0">
+                        <a:rPr lang="en-US" sz="1000" b="0" kern="1200" dirty="0" smtClean="0">
                           <a:solidFill>
                             <a:schemeClr val="tx1"/>
                           </a:solidFill>
-                          <a:latin typeface="+mn-lt"/>
-                          <a:ea typeface="+mn-ea"/>
+                          <a:latin typeface="Bentley Light" panose="020B0404020201020102"/>
+                          <a:ea typeface="黑体" panose="02010609060101010101" pitchFamily="49" charset="-122"/>
                           <a:cs typeface="+mn-ea"/>
                           <a:sym typeface="+mn-lt"/>
                         </a:rPr>
@@ -15332,23 +15332,23 @@
                         <a:defRPr/>
                       </a:pPr>
                       <a:r>
-                        <a:rPr lang="zh-CN" altLang="en-US" sz="1200" b="0" kern="1200" dirty="0" smtClean="0">
+                        <a:rPr lang="zh-CN" altLang="en-US" sz="1000" b="0" kern="1200" dirty="0" smtClean="0">
                           <a:solidFill>
                             <a:schemeClr val="tx1"/>
                           </a:solidFill>
-                          <a:latin typeface="+mn-lt"/>
-                          <a:ea typeface="+mn-ea"/>
+                          <a:latin typeface="Bentley Light" panose="020B0404020201020102"/>
+                          <a:ea typeface="黑体" panose="02010609060101010101" pitchFamily="49" charset="-122"/>
                           <a:cs typeface="+mn-ea"/>
                           <a:sym typeface="+mn-lt"/>
                         </a:rPr>
                         <a:t>人员</a:t>
                       </a:r>
-                      <a:endParaRPr lang="en-US" sz="1200" b="0" kern="1200" dirty="0" smtClean="0">
+                      <a:endParaRPr lang="en-US" sz="1000" b="0" kern="1200" dirty="0" smtClean="0">
                         <a:solidFill>
                           <a:schemeClr val="tx1"/>
                         </a:solidFill>
-                        <a:latin typeface="+mn-lt"/>
-                        <a:ea typeface="+mn-ea"/>
+                        <a:latin typeface="Bentley Light" panose="020B0404020201020102"/>
+                        <a:ea typeface="黑体" panose="02010609060101010101" pitchFamily="49" charset="-122"/>
                         <a:cs typeface="+mn-ea"/>
                         <a:sym typeface="+mn-lt"/>
                       </a:endParaRPr>
@@ -15417,36 +15417,36 @@
                         <a:defRPr/>
                       </a:pPr>
                       <a:r>
-                        <a:rPr lang="en-US" altLang="zh-CN" sz="1200" b="0" kern="1200" dirty="0" smtClean="0">
+                        <a:rPr lang="en-US" altLang="zh-CN" sz="1000" b="0" kern="1200" dirty="0" smtClean="0">
                           <a:solidFill>
                             <a:schemeClr val="tx1"/>
                           </a:solidFill>
-                          <a:latin typeface="+mn-lt"/>
-                          <a:ea typeface="+mn-ea"/>
+                          <a:latin typeface="Bentley Light" panose="020B0404020201020102"/>
+                          <a:ea typeface="黑体" panose="02010609060101010101" pitchFamily="49" charset="-122"/>
                           <a:cs typeface="+mn-ea"/>
                           <a:sym typeface="+mn-lt"/>
                         </a:rPr>
                         <a:t>Qty.</a:t>
                       </a:r>
                       <a:r>
-                        <a:rPr lang="en-US" sz="1200" b="0" kern="1200" dirty="0" smtClean="0">
+                        <a:rPr lang="en-US" sz="1000" b="0" kern="1200" dirty="0" smtClean="0">
                           <a:solidFill>
                             <a:schemeClr val="tx1"/>
                           </a:solidFill>
-                          <a:latin typeface="+mn-lt"/>
-                          <a:ea typeface="+mn-ea"/>
+                          <a:latin typeface="Bentley Light" panose="020B0404020201020102"/>
+                          <a:ea typeface="黑体" panose="02010609060101010101" pitchFamily="49" charset="-122"/>
                           <a:cs typeface="+mn-ea"/>
                           <a:sym typeface="+mn-lt"/>
                         </a:rPr>
                         <a:t> </a:t>
                       </a:r>
                       <a:r>
-                        <a:rPr lang="en-US" sz="1200" b="0" dirty="0" smtClean="0">
+                        <a:rPr lang="en-US" sz="1000" b="0" dirty="0" smtClean="0">
                           <a:solidFill>
                             <a:schemeClr val="tx1"/>
                           </a:solidFill>
-                          <a:latin typeface="+mn-lt"/>
-                          <a:ea typeface="+mn-ea"/>
+                          <a:latin typeface="Bentley Light" panose="020B0404020201020102"/>
+                          <a:ea typeface="黑体" panose="02010609060101010101" pitchFamily="49" charset="-122"/>
                           <a:cs typeface="+mn-ea"/>
                           <a:sym typeface="+mn-lt"/>
                         </a:rPr>
@@ -15472,23 +15472,23 @@
                         <a:defRPr/>
                       </a:pPr>
                       <a:r>
-                        <a:rPr lang="zh-CN" altLang="en-US" sz="1200" b="0" dirty="0" smtClean="0">
+                        <a:rPr lang="zh-CN" altLang="en-US" sz="1000" b="0" dirty="0" smtClean="0">
                           <a:solidFill>
                             <a:schemeClr val="tx1"/>
                           </a:solidFill>
-                          <a:latin typeface="+mn-lt"/>
-                          <a:ea typeface="+mn-ea"/>
+                          <a:latin typeface="Bentley Light" panose="020B0404020201020102"/>
+                          <a:ea typeface="黑体" panose="02010609060101010101" pitchFamily="49" charset="-122"/>
                           <a:cs typeface="+mn-ea"/>
                           <a:sym typeface="+mn-lt"/>
                         </a:rPr>
                         <a:t>参与人数</a:t>
                       </a:r>
-                      <a:endParaRPr lang="en-US" sz="1200" b="0" dirty="0" smtClean="0">
+                      <a:endParaRPr lang="en-US" sz="1000" b="0" dirty="0" smtClean="0">
                         <a:solidFill>
                           <a:schemeClr val="tx1"/>
                         </a:solidFill>
-                        <a:latin typeface="+mn-lt"/>
-                        <a:ea typeface="+mn-ea"/>
+                        <a:latin typeface="Bentley Light" panose="020B0404020201020102"/>
+                        <a:ea typeface="黑体" panose="02010609060101010101" pitchFamily="49" charset="-122"/>
                         <a:cs typeface="+mn-ea"/>
                         <a:sym typeface="+mn-lt"/>
                       </a:endParaRPr>
@@ -15545,23 +15545,23 @@
                     <a:lstStyle/>
                     <a:p>
                       <a:r>
-                        <a:rPr lang="zh-CN" altLang="en-US" sz="1200" b="0" kern="1200" dirty="0" smtClean="0">
+                        <a:rPr lang="zh-CN" altLang="en-US" sz="1000" b="0" kern="1200" dirty="0" smtClean="0">
                           <a:solidFill>
                             <a:schemeClr val="tx1"/>
                           </a:solidFill>
-                          <a:latin typeface="+mn-lt"/>
-                          <a:ea typeface="+mn-ea"/>
+                          <a:latin typeface="Bentley Light" panose="020B0404020201020102"/>
+                          <a:ea typeface="黑体" panose="02010609060101010101" pitchFamily="49" charset="-122"/>
                           <a:cs typeface="+mn-ea"/>
                           <a:sym typeface="+mn-lt"/>
                         </a:rPr>
                         <a:t> </a:t>
                       </a:r>
-                      <a:endParaRPr lang="en-US" sz="1200" b="0" kern="1200" dirty="0">
+                      <a:endParaRPr lang="en-US" sz="1000" b="0" kern="1200" dirty="0">
                         <a:solidFill>
                           <a:schemeClr val="tx1"/>
                         </a:solidFill>
-                        <a:latin typeface="+mn-lt"/>
-                        <a:ea typeface="+mn-ea"/>
+                        <a:latin typeface="Bentley Light" panose="020B0404020201020102"/>
+                        <a:ea typeface="黑体" panose="02010609060101010101" pitchFamily="49" charset="-122"/>
                         <a:cs typeface="+mn-ea"/>
                         <a:sym typeface="+mn-lt"/>
                       </a:endParaRPr>
@@ -15633,12 +15633,12 @@
                         <a:defRPr/>
                       </a:pPr>
                       <a:r>
-                        <a:rPr lang="en-US" altLang="zh-CN" sz="1200" b="0" kern="1200" dirty="0" smtClean="0">
+                        <a:rPr lang="en-US" altLang="zh-CN" sz="1000" b="0" kern="1200" dirty="0" smtClean="0">
                           <a:solidFill>
                             <a:schemeClr val="tx1"/>
                           </a:solidFill>
-                          <a:latin typeface="+mn-lt"/>
-                          <a:ea typeface="+mn-ea"/>
+                          <a:latin typeface="Bentley Light" panose="020B0404020201020102"/>
+                          <a:ea typeface="黑体" panose="02010609060101010101" pitchFamily="49" charset="-122"/>
                           <a:cs typeface="+mn-ea"/>
                           <a:sym typeface="+mn-lt"/>
                         </a:rPr>
@@ -15664,23 +15664,23 @@
                         <a:defRPr/>
                       </a:pPr>
                       <a:r>
-                        <a:rPr lang="zh-CN" altLang="en-US" sz="1200" b="0" kern="1200" dirty="0" smtClean="0">
+                        <a:rPr lang="zh-CN" altLang="en-US" sz="1000" b="0" kern="1200" dirty="0" smtClean="0">
                           <a:solidFill>
                             <a:schemeClr val="tx1"/>
                           </a:solidFill>
-                          <a:latin typeface="+mn-lt"/>
-                          <a:ea typeface="+mn-ea"/>
+                          <a:latin typeface="Bentley Light" panose="020B0404020201020102"/>
+                          <a:ea typeface="黑体" panose="02010609060101010101" pitchFamily="49" charset="-122"/>
                           <a:cs typeface="+mn-ea"/>
                           <a:sym typeface="+mn-lt"/>
                         </a:rPr>
                         <a:t>车辆</a:t>
                       </a:r>
-                      <a:endParaRPr lang="en-US" altLang="zh-CN" sz="1200" b="0" kern="1200" dirty="0" smtClean="0">
+                      <a:endParaRPr lang="en-US" altLang="zh-CN" sz="1000" b="0" kern="1200" dirty="0" smtClean="0">
                         <a:solidFill>
                           <a:schemeClr val="tx1"/>
                         </a:solidFill>
-                        <a:latin typeface="+mn-lt"/>
-                        <a:ea typeface="+mn-ea"/>
+                        <a:latin typeface="Bentley Light" panose="020B0404020201020102"/>
+                        <a:ea typeface="黑体" panose="02010609060101010101" pitchFamily="49" charset="-122"/>
                         <a:cs typeface="+mn-ea"/>
                         <a:sym typeface="+mn-lt"/>
                       </a:endParaRPr>
@@ -15757,12 +15757,12 @@
                         <a:defRPr/>
                       </a:pPr>
                       <a:r>
-                        <a:rPr lang="en-US" sz="1200" b="0" dirty="0" smtClean="0">
+                        <a:rPr lang="en-US" sz="1000" b="0" dirty="0" smtClean="0">
                           <a:solidFill>
                             <a:schemeClr val="tx1"/>
                           </a:solidFill>
-                          <a:latin typeface="+mn-lt"/>
-                          <a:ea typeface="+mn-ea"/>
+                          <a:latin typeface="Bentley Light" panose="020B0404020201020102"/>
+                          <a:ea typeface="黑体" panose="02010609060101010101" pitchFamily="49" charset="-122"/>
                           <a:cs typeface="+mn-ea"/>
                           <a:sym typeface="+mn-lt"/>
                         </a:rPr>
@@ -15788,47 +15788,47 @@
                         <a:defRPr/>
                       </a:pPr>
                       <a:r>
-                        <a:rPr lang="zh-CN" altLang="en-US" sz="1200" b="0" dirty="0" smtClean="0">
+                        <a:rPr lang="zh-CN" altLang="en-US" sz="1000" b="0" dirty="0" smtClean="0">
                           <a:solidFill>
                             <a:schemeClr val="tx1"/>
                           </a:solidFill>
-                          <a:latin typeface="+mn-lt"/>
-                          <a:ea typeface="+mn-ea"/>
+                          <a:latin typeface="Bentley Light" panose="020B0404020201020102"/>
+                          <a:ea typeface="黑体" panose="02010609060101010101" pitchFamily="49" charset="-122"/>
                           <a:cs typeface="+mn-ea"/>
                           <a:sym typeface="+mn-lt"/>
                         </a:rPr>
                         <a:t>用途（静态展示</a:t>
                       </a:r>
                       <a:r>
-                        <a:rPr lang="en-US" altLang="zh-CN" sz="1200" b="0" dirty="0" smtClean="0">
+                        <a:rPr lang="en-US" altLang="zh-CN" sz="1000" b="0" dirty="0" smtClean="0">
                           <a:solidFill>
                             <a:schemeClr val="tx1"/>
                           </a:solidFill>
-                          <a:latin typeface="+mn-lt"/>
-                          <a:ea typeface="+mn-ea"/>
+                          <a:latin typeface="Bentley Light" panose="020B0404020201020102"/>
+                          <a:ea typeface="黑体" panose="02010609060101010101" pitchFamily="49" charset="-122"/>
                           <a:cs typeface="+mn-ea"/>
                           <a:sym typeface="+mn-lt"/>
                         </a:rPr>
                         <a:t>/</a:t>
                       </a:r>
                       <a:r>
-                        <a:rPr lang="zh-CN" altLang="en-US" sz="1200" b="0" dirty="0" smtClean="0">
+                        <a:rPr lang="zh-CN" altLang="en-US" sz="1000" b="0" dirty="0" smtClean="0">
                           <a:solidFill>
                             <a:schemeClr val="tx1"/>
                           </a:solidFill>
-                          <a:latin typeface="+mn-lt"/>
-                          <a:ea typeface="+mn-ea"/>
+                          <a:latin typeface="Bentley Light" panose="020B0404020201020102"/>
+                          <a:ea typeface="黑体" panose="02010609060101010101" pitchFamily="49" charset="-122"/>
                           <a:cs typeface="+mn-ea"/>
                           <a:sym typeface="+mn-lt"/>
                         </a:rPr>
                         <a:t>试驾）</a:t>
                       </a:r>
-                      <a:endParaRPr lang="en-US" sz="1200" b="0" dirty="0" smtClean="0">
+                      <a:endParaRPr lang="en-US" sz="1000" b="0" dirty="0" smtClean="0">
                         <a:solidFill>
                           <a:schemeClr val="tx1"/>
                         </a:solidFill>
-                        <a:latin typeface="+mn-lt"/>
-                        <a:ea typeface="+mn-ea"/>
+                        <a:latin typeface="Bentley Light" panose="020B0404020201020102"/>
+                        <a:ea typeface="黑体" panose="02010609060101010101" pitchFamily="49" charset="-122"/>
                         <a:cs typeface="+mn-ea"/>
                         <a:sym typeface="+mn-lt"/>
                       </a:endParaRPr>
@@ -15886,12 +15886,12 @@
                     <a:lstStyle/>
                     <a:p>
                       <a:pPr marL="0" algn="l" defTabSz="685792" rtl="0" eaLnBrk="1" latinLnBrk="0" hangingPunct="1"/>
-                      <a:endParaRPr lang="en-US" sz="1200" b="0" kern="1200" dirty="0">
+                      <a:endParaRPr lang="en-US" sz="1000" b="0" kern="1200" dirty="0">
                         <a:solidFill>
                           <a:schemeClr val="tx1"/>
                         </a:solidFill>
-                        <a:latin typeface="+mn-lt"/>
-                        <a:ea typeface="+mn-ea"/>
+                        <a:latin typeface="Bentley Light" panose="020B0404020201020102"/>
+                        <a:ea typeface="黑体" panose="02010609060101010101" pitchFamily="49" charset="-122"/>
                         <a:cs typeface="+mn-ea"/>
                         <a:sym typeface="+mn-lt"/>
                       </a:endParaRPr>
@@ -15977,36 +15977,36 @@
                         <a:defRPr/>
                       </a:pPr>
                       <a:r>
-                        <a:rPr lang="en-US" altLang="zh-CN" sz="1200" b="0" kern="1200" dirty="0" smtClean="0">
+                        <a:rPr lang="en-US" altLang="zh-CN" sz="1000" b="0" kern="1200" dirty="0" smtClean="0">
                           <a:solidFill>
                             <a:schemeClr val="tx1"/>
                           </a:solidFill>
-                          <a:latin typeface="+mn-lt"/>
-                          <a:ea typeface="+mn-ea"/>
+                          <a:latin typeface="Bentley Light" panose="020B0404020201020102"/>
+                          <a:ea typeface="黑体" panose="02010609060101010101" pitchFamily="49" charset="-122"/>
                           <a:cs typeface="+mn-ea"/>
                           <a:sym typeface="+mn-lt"/>
                         </a:rPr>
                         <a:t>Qty.</a:t>
                       </a:r>
                       <a:r>
-                        <a:rPr lang="en-US" sz="1200" b="0" kern="1200" dirty="0" smtClean="0">
+                        <a:rPr lang="en-US" sz="1000" b="0" kern="1200" dirty="0" smtClean="0">
                           <a:solidFill>
                             <a:schemeClr val="tx1"/>
                           </a:solidFill>
-                          <a:latin typeface="+mn-lt"/>
-                          <a:ea typeface="+mn-ea"/>
+                          <a:latin typeface="Bentley Light" panose="020B0404020201020102"/>
+                          <a:ea typeface="黑体" panose="02010609060101010101" pitchFamily="49" charset="-122"/>
                           <a:cs typeface="+mn-ea"/>
                           <a:sym typeface="+mn-lt"/>
                         </a:rPr>
                         <a:t> </a:t>
                       </a:r>
                       <a:r>
-                        <a:rPr lang="en-US" sz="1200" b="0" dirty="0" smtClean="0">
+                        <a:rPr lang="en-US" sz="1000" b="0" dirty="0" smtClean="0">
                           <a:solidFill>
                             <a:schemeClr val="tx1"/>
                           </a:solidFill>
-                          <a:latin typeface="+mn-lt"/>
-                          <a:ea typeface="+mn-ea"/>
+                          <a:latin typeface="Bentley Light" panose="020B0404020201020102"/>
+                          <a:ea typeface="黑体" panose="02010609060101010101" pitchFamily="49" charset="-122"/>
                           <a:cs typeface="+mn-ea"/>
                           <a:sym typeface="+mn-lt"/>
                         </a:rPr>
@@ -16032,47 +16032,47 @@
                         <a:defRPr/>
                       </a:pPr>
                       <a:r>
-                        <a:rPr lang="en-US" sz="1200" b="0" dirty="0" smtClean="0">
+                        <a:rPr lang="en-US" sz="1000" b="0" dirty="0" smtClean="0">
                           <a:solidFill>
                             <a:schemeClr val="tx1"/>
                           </a:solidFill>
-                          <a:latin typeface="+mn-lt"/>
-                          <a:ea typeface="+mn-ea"/>
+                          <a:latin typeface="Bentley Light" panose="020B0404020201020102"/>
+                          <a:ea typeface="黑体" panose="02010609060101010101" pitchFamily="49" charset="-122"/>
                           <a:cs typeface="+mn-ea"/>
                           <a:sym typeface="+mn-lt"/>
                         </a:rPr>
                         <a:t>DCPID</a:t>
                       </a:r>
                       <a:r>
-                        <a:rPr lang="en-US" sz="1200" b="0" baseline="0" dirty="0" smtClean="0">
+                        <a:rPr lang="en-US" sz="1000" b="0" baseline="0" dirty="0" smtClean="0">
                           <a:solidFill>
                             <a:schemeClr val="tx1"/>
                           </a:solidFill>
-                          <a:latin typeface="+mn-lt"/>
-                          <a:ea typeface="+mn-ea"/>
+                          <a:latin typeface="Bentley Light" panose="020B0404020201020102"/>
+                          <a:ea typeface="黑体" panose="02010609060101010101" pitchFamily="49" charset="-122"/>
                           <a:cs typeface="+mn-ea"/>
                           <a:sym typeface="+mn-lt"/>
                         </a:rPr>
                         <a:t> </a:t>
                       </a:r>
                       <a:r>
-                        <a:rPr lang="zh-CN" altLang="en-US" sz="1200" b="0" baseline="0" dirty="0" smtClean="0">
+                        <a:rPr lang="zh-CN" altLang="en-US" sz="1000" b="0" baseline="0" dirty="0" smtClean="0">
                           <a:solidFill>
                             <a:schemeClr val="tx1"/>
                           </a:solidFill>
-                          <a:latin typeface="+mn-lt"/>
-                          <a:ea typeface="+mn-ea"/>
+                          <a:latin typeface="Bentley Light" panose="020B0404020201020102"/>
+                          <a:ea typeface="黑体" panose="02010609060101010101" pitchFamily="49" charset="-122"/>
                           <a:cs typeface="+mn-ea"/>
                           <a:sym typeface="+mn-lt"/>
                         </a:rPr>
                         <a:t>客户数量</a:t>
                       </a:r>
-                      <a:endParaRPr lang="en-US" sz="1200" b="0" dirty="0" smtClean="0">
+                      <a:endParaRPr lang="en-US" sz="1000" b="0" dirty="0" smtClean="0">
                         <a:solidFill>
                           <a:schemeClr val="tx1"/>
                         </a:solidFill>
-                        <a:latin typeface="+mn-lt"/>
-                        <a:ea typeface="+mn-ea"/>
+                        <a:latin typeface="Bentley Light" panose="020B0404020201020102"/>
+                        <a:ea typeface="黑体" panose="02010609060101010101" pitchFamily="49" charset="-122"/>
                         <a:cs typeface="+mn-ea"/>
                         <a:sym typeface="+mn-lt"/>
                       </a:endParaRPr>
@@ -16127,23 +16127,23 @@
                     <a:lstStyle/>
                     <a:p>
                       <a:r>
-                        <a:rPr lang="zh-CN" altLang="en-US" sz="1200" b="0" dirty="0" smtClean="0">
+                        <a:rPr lang="zh-CN" altLang="en-US" sz="1000" b="0" dirty="0" smtClean="0">
                           <a:solidFill>
                             <a:schemeClr val="tx1"/>
                           </a:solidFill>
-                          <a:latin typeface="+mn-lt"/>
-                          <a:ea typeface="+mn-ea"/>
+                          <a:latin typeface="Bentley Light" panose="020B0404020201020102"/>
+                          <a:ea typeface="黑体" panose="02010609060101010101" pitchFamily="49" charset="-122"/>
                           <a:cs typeface="+mn-ea"/>
                           <a:sym typeface="+mn-lt"/>
                         </a:rPr>
                         <a:t> </a:t>
                       </a:r>
-                      <a:endParaRPr lang="en-US" sz="1200" b="0" dirty="0">
+                      <a:endParaRPr lang="en-US" sz="1000" b="0" dirty="0">
                         <a:solidFill>
                           <a:schemeClr val="tx1"/>
                         </a:solidFill>
-                        <a:latin typeface="+mn-lt"/>
-                        <a:ea typeface="+mn-ea"/>
+                        <a:latin typeface="Bentley Light" panose="020B0404020201020102"/>
+                        <a:ea typeface="黑体" panose="02010609060101010101" pitchFamily="49" charset="-122"/>
                         <a:cs typeface="+mn-ea"/>
                         <a:sym typeface="+mn-lt"/>
                       </a:endParaRPr>
@@ -16208,12 +16208,12 @@
                     <a:lstStyle/>
                     <a:p>
                       <a:r>
-                        <a:rPr lang="en-US" sz="1200" b="0" dirty="0" smtClean="0">
+                        <a:rPr lang="en-US" sz="1000" b="0" dirty="0" smtClean="0">
                           <a:solidFill>
                             <a:schemeClr val="tx1"/>
                           </a:solidFill>
-                          <a:latin typeface="+mn-lt"/>
-                          <a:ea typeface="+mn-ea"/>
+                          <a:latin typeface="Bentley Light" panose="020B0404020201020102"/>
+                          <a:ea typeface="黑体" panose="02010609060101010101" pitchFamily="49" charset="-122"/>
                           <a:cs typeface="+mn-ea"/>
                           <a:sym typeface="+mn-lt"/>
                         </a:rPr>
@@ -16222,23 +16222,23 @@
                     </a:p>
                     <a:p>
                       <a:r>
-                        <a:rPr lang="zh-CN" altLang="en-US" sz="1200" b="0" dirty="0" smtClean="0">
+                        <a:rPr lang="zh-CN" altLang="en-US" sz="1000" b="0" dirty="0" smtClean="0">
                           <a:solidFill>
                             <a:schemeClr val="tx1"/>
                           </a:solidFill>
-                          <a:latin typeface="+mn-lt"/>
-                          <a:ea typeface="+mn-ea"/>
+                          <a:latin typeface="Bentley Light" panose="020B0404020201020102"/>
+                          <a:ea typeface="黑体" panose="02010609060101010101" pitchFamily="49" charset="-122"/>
                           <a:cs typeface="+mn-ea"/>
                           <a:sym typeface="+mn-lt"/>
                         </a:rPr>
                         <a:t>型号</a:t>
                       </a:r>
-                      <a:endParaRPr lang="en-US" sz="1200" b="0" dirty="0">
+                      <a:endParaRPr lang="en-US" sz="1000" b="0" dirty="0">
                         <a:solidFill>
                           <a:schemeClr val="tx1"/>
                         </a:solidFill>
-                        <a:latin typeface="+mn-lt"/>
-                        <a:ea typeface="+mn-ea"/>
+                        <a:latin typeface="Bentley Light" panose="020B0404020201020102"/>
+                        <a:ea typeface="黑体" panose="02010609060101010101" pitchFamily="49" charset="-122"/>
                         <a:cs typeface="+mn-ea"/>
                         <a:sym typeface="+mn-lt"/>
                       </a:endParaRPr>
@@ -16294,12 +16294,12 @@
                     <a:lstStyle/>
                     <a:p>
                       <a:pPr marL="0" algn="l" defTabSz="685792" rtl="0" eaLnBrk="1" latinLnBrk="0" hangingPunct="1"/>
-                      <a:endParaRPr lang="en-US" sz="1200" b="0" kern="1200" dirty="0">
+                      <a:endParaRPr lang="en-US" sz="1000" b="0" kern="1200" dirty="0">
                         <a:solidFill>
                           <a:schemeClr val="tx1"/>
                         </a:solidFill>
-                        <a:latin typeface="+mn-lt"/>
-                        <a:ea typeface="+mn-ea"/>
+                        <a:latin typeface="Bentley Light" panose="020B0404020201020102"/>
+                        <a:ea typeface="黑体" panose="02010609060101010101" pitchFamily="49" charset="-122"/>
                         <a:cs typeface="+mn-ea"/>
                         <a:sym typeface="+mn-lt"/>
                       </a:endParaRPr>
@@ -16377,36 +16377,36 @@
                         <a:defRPr/>
                       </a:pPr>
                       <a:r>
-                        <a:rPr lang="en-US" sz="1200" b="0" kern="1200" dirty="0" smtClean="0">
+                        <a:rPr lang="en-US" sz="1000" b="0" kern="1200" dirty="0" smtClean="0">
                           <a:solidFill>
                             <a:schemeClr val="tx1"/>
                           </a:solidFill>
-                          <a:latin typeface="+mn-lt"/>
-                          <a:ea typeface="+mn-ea"/>
+                          <a:latin typeface="Bentley Light" panose="020B0404020201020102"/>
+                          <a:ea typeface="黑体" panose="02010609060101010101" pitchFamily="49" charset="-122"/>
                           <a:cs typeface="+mn-ea"/>
                           <a:sym typeface="+mn-lt"/>
                         </a:rPr>
                         <a:t>Cost per n</a:t>
                       </a:r>
                       <a:r>
-                        <a:rPr lang="en-US" altLang="zh-CN" sz="1200" b="0" kern="1200" dirty="0" smtClean="0">
+                        <a:rPr lang="en-US" altLang="zh-CN" sz="1000" b="0" kern="1200" dirty="0" smtClean="0">
                           <a:solidFill>
                             <a:schemeClr val="tx1"/>
                           </a:solidFill>
-                          <a:latin typeface="+mn-lt"/>
-                          <a:ea typeface="+mn-ea"/>
+                          <a:latin typeface="Bentley Light" panose="020B0404020201020102"/>
+                          <a:ea typeface="黑体" panose="02010609060101010101" pitchFamily="49" charset="-122"/>
                           <a:cs typeface="+mn-ea"/>
                           <a:sym typeface="+mn-lt"/>
                         </a:rPr>
                         <a:t>ew </a:t>
                       </a:r>
                       <a:r>
-                        <a:rPr lang="en-US" sz="1200" b="0" kern="1200" dirty="0" smtClean="0">
+                        <a:rPr lang="en-US" sz="1000" b="0" kern="1200" dirty="0" smtClean="0">
                           <a:solidFill>
                             <a:schemeClr val="tx1"/>
                           </a:solidFill>
-                          <a:latin typeface="+mn-lt"/>
-                          <a:ea typeface="+mn-ea"/>
+                          <a:latin typeface="Bentley Light" panose="020B0404020201020102"/>
+                          <a:ea typeface="黑体" panose="02010609060101010101" pitchFamily="49" charset="-122"/>
                           <a:cs typeface="+mn-ea"/>
                           <a:sym typeface="+mn-lt"/>
                         </a:rPr>
@@ -16432,35 +16432,35 @@
                         <a:defRPr/>
                       </a:pPr>
                       <a:r>
-                        <a:rPr lang="en-US" altLang="zh-CN" sz="1200" b="0" kern="1200" dirty="0" smtClean="0">
+                        <a:rPr lang="en-US" altLang="zh-CN" sz="1000" b="0" kern="1200" dirty="0" smtClean="0">
                           <a:solidFill>
                             <a:schemeClr val="tx1"/>
                           </a:solidFill>
-                          <a:latin typeface="+mn-lt"/>
-                          <a:ea typeface="+mn-ea"/>
+                          <a:latin typeface="Bentley Light" panose="020B0404020201020102"/>
+                          <a:ea typeface="黑体" panose="02010609060101010101" pitchFamily="49" charset="-122"/>
                           <a:cs typeface="+mn-ea"/>
                           <a:sym typeface="+mn-lt"/>
                         </a:rPr>
                         <a:t>*</a:t>
                       </a:r>
                       <a:r>
-                        <a:rPr lang="zh-CN" altLang="en-US" sz="1200" b="0" kern="1200" dirty="0" smtClean="0">
+                        <a:rPr lang="zh-CN" altLang="en-US" sz="1000" b="0" kern="1200" dirty="0" smtClean="0">
                           <a:solidFill>
                             <a:schemeClr val="tx1"/>
                           </a:solidFill>
-                          <a:latin typeface="+mn-lt"/>
-                          <a:ea typeface="+mn-ea"/>
+                          <a:latin typeface="Bentley Light" panose="020B0404020201020102"/>
+                          <a:ea typeface="黑体" panose="02010609060101010101" pitchFamily="49" charset="-122"/>
                           <a:cs typeface="+mn-ea"/>
                           <a:sym typeface="+mn-lt"/>
                         </a:rPr>
                         <a:t>每条线索成本</a:t>
                       </a:r>
-                      <a:endParaRPr lang="en-US" sz="1200" b="0" kern="1200" dirty="0" smtClean="0">
+                      <a:endParaRPr lang="en-US" sz="1000" b="0" kern="1200" dirty="0" smtClean="0">
                         <a:solidFill>
                           <a:schemeClr val="tx1"/>
                         </a:solidFill>
-                        <a:latin typeface="+mn-lt"/>
-                        <a:ea typeface="+mn-ea"/>
+                        <a:latin typeface="Bentley Light" panose="020B0404020201020102"/>
+                        <a:ea typeface="黑体" panose="02010609060101010101" pitchFamily="49" charset="-122"/>
                         <a:cs typeface="+mn-ea"/>
                         <a:sym typeface="+mn-lt"/>
                       </a:endParaRPr>
@@ -16531,12 +16531,12 @@
                         <a:tabLst/>
                         <a:defRPr/>
                       </a:pPr>
-                      <a:endParaRPr lang="en-US" altLang="zh-CN" sz="1200" b="0" kern="1200" dirty="0" smtClean="0">
+                      <a:endParaRPr lang="en-US" altLang="zh-CN" sz="1000" b="0" kern="1200" dirty="0" smtClean="0">
                         <a:solidFill>
                           <a:schemeClr val="tx1"/>
                         </a:solidFill>
-                        <a:latin typeface="+mn-lt"/>
-                        <a:ea typeface="+mn-ea"/>
+                        <a:latin typeface="Bentley Light" panose="020B0404020201020102"/>
+                        <a:ea typeface="黑体" panose="02010609060101010101" pitchFamily="49" charset="-122"/>
                         <a:cs typeface="+mn-ea"/>
                         <a:sym typeface="+mn-lt"/>
                       </a:endParaRPr>
@@ -16655,47 +16655,47 @@
                         <a:defRPr/>
                       </a:pPr>
                       <a:r>
-                        <a:rPr lang="en-US" altLang="zh-CN" sz="1200" b="0" kern="1200" dirty="0" smtClean="0">
+                        <a:rPr lang="en-US" altLang="zh-CN" sz="1000" b="0" kern="1200" dirty="0" smtClean="0">
                           <a:solidFill>
                             <a:schemeClr val="tx1"/>
                           </a:solidFill>
-                          <a:latin typeface="+mn-lt"/>
-                          <a:ea typeface="+mn-ea"/>
+                          <a:latin typeface="Bentley Light" panose="020B0404020201020102"/>
+                          <a:ea typeface="黑体" panose="02010609060101010101" pitchFamily="49" charset="-122"/>
                           <a:cs typeface="+mn-ea"/>
                           <a:sym typeface="+mn-lt"/>
                         </a:rPr>
                         <a:t>Qty.</a:t>
                       </a:r>
                       <a:r>
-                        <a:rPr lang="en-US" sz="1200" b="0" kern="1200" dirty="0" smtClean="0">
+                        <a:rPr lang="en-US" sz="1000" b="0" kern="1200" dirty="0" smtClean="0">
                           <a:solidFill>
                             <a:schemeClr val="tx1"/>
                           </a:solidFill>
-                          <a:latin typeface="+mn-lt"/>
-                          <a:ea typeface="+mn-ea"/>
+                          <a:latin typeface="Bentley Light" panose="020B0404020201020102"/>
+                          <a:ea typeface="黑体" panose="02010609060101010101" pitchFamily="49" charset="-122"/>
                           <a:cs typeface="+mn-ea"/>
                           <a:sym typeface="+mn-lt"/>
                         </a:rPr>
                         <a:t> of new</a:t>
                       </a:r>
                       <a:r>
-                        <a:rPr lang="en-US" sz="1200" b="0" kern="1200" baseline="0" dirty="0" smtClean="0">
+                        <a:rPr lang="en-US" sz="1000" b="0" kern="1200" baseline="0" dirty="0" smtClean="0">
                           <a:solidFill>
                             <a:schemeClr val="tx1"/>
                           </a:solidFill>
-                          <a:latin typeface="+mn-lt"/>
-                          <a:ea typeface="+mn-ea"/>
+                          <a:latin typeface="Bentley Light" panose="020B0404020201020102"/>
+                          <a:ea typeface="黑体" panose="02010609060101010101" pitchFamily="49" charset="-122"/>
                           <a:cs typeface="+mn-ea"/>
                           <a:sym typeface="+mn-lt"/>
                         </a:rPr>
                         <a:t> leads created in 2022</a:t>
                       </a:r>
-                      <a:endParaRPr lang="en-US" sz="1200" b="0" kern="1200" dirty="0" smtClean="0">
+                      <a:endParaRPr lang="en-US" sz="1000" b="0" kern="1200" dirty="0" smtClean="0">
                         <a:solidFill>
                           <a:schemeClr val="tx1"/>
                         </a:solidFill>
-                        <a:latin typeface="+mn-lt"/>
-                        <a:ea typeface="+mn-ea"/>
+                        <a:latin typeface="Bentley Light" panose="020B0404020201020102"/>
+                        <a:ea typeface="黑体" panose="02010609060101010101" pitchFamily="49" charset="-122"/>
                         <a:cs typeface="+mn-ea"/>
                         <a:sym typeface="+mn-lt"/>
                       </a:endParaRPr>
@@ -16719,23 +16719,23 @@
                         <a:defRPr/>
                       </a:pPr>
                       <a:r>
-                        <a:rPr lang="zh-CN" altLang="en-US" sz="1200" b="0" kern="1200" dirty="0" smtClean="0">
+                        <a:rPr lang="zh-CN" altLang="en-US" sz="1000" b="0" kern="1200" dirty="0" smtClean="0">
                           <a:solidFill>
                             <a:schemeClr val="tx1"/>
                           </a:solidFill>
-                          <a:latin typeface="+mn-lt"/>
-                          <a:ea typeface="+mn-ea"/>
+                          <a:latin typeface="Bentley Light" panose="020B0404020201020102"/>
+                          <a:ea typeface="黑体" panose="02010609060101010101" pitchFamily="49" charset="-122"/>
                           <a:cs typeface="+mn-ea"/>
                           <a:sym typeface="+mn-lt"/>
                         </a:rPr>
                         <a:t>今年新增线索数量</a:t>
                       </a:r>
-                      <a:endParaRPr lang="en-US" sz="1200" b="0" kern="1200" dirty="0" smtClean="0">
+                      <a:endParaRPr lang="en-US" sz="1000" b="0" kern="1200" dirty="0" smtClean="0">
                         <a:solidFill>
                           <a:schemeClr val="tx1"/>
                         </a:solidFill>
-                        <a:latin typeface="+mn-lt"/>
-                        <a:ea typeface="+mn-ea"/>
+                        <a:latin typeface="Bentley Light" panose="020B0404020201020102"/>
+                        <a:ea typeface="黑体" panose="02010609060101010101" pitchFamily="49" charset="-122"/>
                         <a:cs typeface="+mn-ea"/>
                         <a:sym typeface="+mn-lt"/>
                       </a:endParaRPr>
@@ -16808,12 +16808,12 @@
                         <a:tabLst/>
                         <a:defRPr/>
                       </a:pPr>
-                      <a:endParaRPr lang="en-US" sz="1200" b="0" kern="1200" dirty="0">
+                      <a:endParaRPr lang="en-US" sz="1000" b="0" kern="1200" dirty="0">
                         <a:solidFill>
                           <a:schemeClr val="tx1"/>
                         </a:solidFill>
-                        <a:latin typeface="+mn-lt"/>
-                        <a:ea typeface="+mn-ea"/>
+                        <a:latin typeface="Bentley Light" panose="020B0404020201020102"/>
+                        <a:ea typeface="黑体" panose="02010609060101010101" pitchFamily="49" charset="-122"/>
                         <a:cs typeface="+mn-ea"/>
                         <a:sym typeface="+mn-lt"/>
                       </a:endParaRPr>
@@ -16880,12 +16880,12 @@
                     <a:lstStyle/>
                     <a:p>
                       <a:r>
-                        <a:rPr lang="en-US" sz="1200" b="0" dirty="0" smtClean="0">
+                        <a:rPr lang="en-US" sz="1000" b="0" dirty="0" smtClean="0">
                           <a:solidFill>
                             <a:schemeClr val="tx1"/>
                           </a:solidFill>
-                          <a:latin typeface="+mn-lt"/>
-                          <a:ea typeface="+mn-ea"/>
+                          <a:latin typeface="Bentley Light" panose="020B0404020201020102"/>
+                          <a:ea typeface="黑体" panose="02010609060101010101" pitchFamily="49" charset="-122"/>
                           <a:cs typeface="+mn-ea"/>
                           <a:sym typeface="+mn-lt"/>
                         </a:rPr>
@@ -16894,23 +16894,23 @@
                     </a:p>
                     <a:p>
                       <a:r>
-                        <a:rPr lang="zh-CN" altLang="en-US" sz="1200" b="0" dirty="0" smtClean="0">
+                        <a:rPr lang="zh-CN" altLang="en-US" sz="1000" b="0" dirty="0" smtClean="0">
                           <a:solidFill>
                             <a:schemeClr val="tx1"/>
                           </a:solidFill>
-                          <a:latin typeface="+mn-lt"/>
-                          <a:ea typeface="+mn-ea"/>
+                          <a:latin typeface="Bentley Light" panose="020B0404020201020102"/>
+                          <a:ea typeface="黑体" panose="02010609060101010101" pitchFamily="49" charset="-122"/>
                           <a:cs typeface="+mn-ea"/>
                           <a:sym typeface="+mn-lt"/>
                         </a:rPr>
                         <a:t>数量</a:t>
                       </a:r>
-                      <a:endParaRPr lang="en-US" sz="1200" b="0" dirty="0">
+                      <a:endParaRPr lang="en-US" sz="1000" b="0" dirty="0">
                         <a:solidFill>
                           <a:schemeClr val="tx1"/>
                         </a:solidFill>
-                        <a:latin typeface="+mn-lt"/>
-                        <a:ea typeface="+mn-ea"/>
+                        <a:latin typeface="Bentley Light" panose="020B0404020201020102"/>
+                        <a:ea typeface="黑体" panose="02010609060101010101" pitchFamily="49" charset="-122"/>
                         <a:cs typeface="+mn-ea"/>
                         <a:sym typeface="+mn-lt"/>
                       </a:endParaRPr>
@@ -16968,12 +16968,12 @@
                     <a:lstStyle/>
                     <a:p>
                       <a:pPr marL="0" algn="l" defTabSz="685792" rtl="0" eaLnBrk="1" latinLnBrk="0" hangingPunct="1"/>
-                      <a:endParaRPr lang="en-US" sz="1200" b="0" kern="1200" dirty="0">
+                      <a:endParaRPr lang="en-US" sz="1000" b="0" kern="1200" dirty="0">
                         <a:solidFill>
                           <a:schemeClr val="tx1"/>
                         </a:solidFill>
-                        <a:latin typeface="+mn-lt"/>
-                        <a:ea typeface="+mn-ea"/>
+                        <a:latin typeface="Bentley Light" panose="020B0404020201020102"/>
+                        <a:ea typeface="黑体" panose="02010609060101010101" pitchFamily="49" charset="-122"/>
                         <a:cs typeface="+mn-ea"/>
                         <a:sym typeface="+mn-lt"/>
                       </a:endParaRPr>
@@ -17141,14 +17141,14 @@
             </p:custDataLst>
             <p:extLst>
               <p:ext uri="{D42A27DB-BD31-4B8C-83A1-F6EECF244321}">
-                <p14:modId xmlns:p14="http://schemas.microsoft.com/office/powerpoint/2010/main" val="2117615396"/>
+                <p14:modId xmlns:p14="http://schemas.microsoft.com/office/powerpoint/2010/main" val="4255073049"/>
               </p:ext>
             </p:extLst>
           </p:nvPr>
         </p:nvGraphicFramePr>
         <p:xfrm>
           <a:off x="587372" y="4732273"/>
-          <a:ext cx="11032368" cy="871454"/>
+          <a:ext cx="11032368" cy="810494"/>
         </p:xfrm>
         <a:graphic>
           <a:graphicData uri="http://schemas.openxmlformats.org/drawingml/2006/table">
@@ -17214,7 +17214,7 @@
                         <a:tabLst/>
                       </a:pPr>
                       <a:r>
-                        <a:rPr kumimoji="0" lang="en-US" sz="1100" b="1" i="0" u="none" strike="noStrike" kern="1200" cap="none" normalizeH="0" baseline="0" dirty="0" smtClean="0">
+                        <a:rPr kumimoji="0" lang="en-US" sz="1000" b="1" i="0" u="none" strike="noStrike" kern="1200" cap="none" normalizeH="0" baseline="0" dirty="0" smtClean="0">
                           <a:ln>
                             <a:noFill/>
                           </a:ln>
@@ -17248,7 +17248,7 @@
                         <a:tabLst/>
                       </a:pPr>
                       <a:r>
-                        <a:rPr kumimoji="0" lang="zh-CN" altLang="en-US" sz="1100" b="1" i="0" u="none" strike="noStrike" kern="1200" cap="none" normalizeH="0" baseline="0" dirty="0" smtClean="0">
+                        <a:rPr kumimoji="0" lang="zh-CN" altLang="en-US" sz="1000" b="1" i="0" u="none" strike="noStrike" kern="1200" cap="none" normalizeH="0" baseline="0" dirty="0" smtClean="0">
                           <a:ln>
                             <a:noFill/>
                           </a:ln>
@@ -17263,7 +17263,7 @@
                         </a:rPr>
                         <a:t>邀请计划总数</a:t>
                       </a:r>
-                      <a:endParaRPr kumimoji="0" lang="en-US" sz="1100" b="1" i="0" u="none" strike="noStrike" kern="1200" cap="none" normalizeH="0" baseline="0" dirty="0">
+                      <a:endParaRPr kumimoji="0" lang="en-US" sz="1000" b="1" i="0" u="none" strike="noStrike" kern="1200" cap="none" normalizeH="0" baseline="0" dirty="0">
                         <a:ln>
                           <a:noFill/>
                         </a:ln>
@@ -17350,7 +17350,7 @@
                         <a:tabLst/>
                       </a:pPr>
                       <a:r>
-                        <a:rPr kumimoji="0" lang="en-US" sz="1100" b="1" i="0" u="none" strike="noStrike" kern="1200" cap="none" normalizeH="0" baseline="0" dirty="0" smtClean="0">
+                        <a:rPr kumimoji="0" lang="en-US" sz="1000" b="1" i="0" u="none" strike="noStrike" kern="1200" cap="none" normalizeH="0" baseline="0" dirty="0" smtClean="0">
                           <a:ln>
                             <a:noFill/>
                           </a:ln>
@@ -17384,7 +17384,7 @@
                         <a:tabLst/>
                       </a:pPr>
                       <a:r>
-                        <a:rPr kumimoji="0" lang="zh-CN" altLang="en-US" sz="1100" b="1" i="0" u="none" strike="noStrike" kern="1200" cap="none" normalizeH="0" baseline="0" dirty="0" smtClean="0">
+                        <a:rPr kumimoji="0" lang="zh-CN" altLang="en-US" sz="1000" b="1" i="0" u="none" strike="noStrike" kern="1200" cap="none" normalizeH="0" baseline="0" dirty="0" smtClean="0">
                           <a:ln>
                             <a:noFill/>
                           </a:ln>
@@ -17399,7 +17399,7 @@
                         </a:rPr>
                         <a:t>车主</a:t>
                       </a:r>
-                      <a:endParaRPr kumimoji="0" lang="en-US" sz="1100" b="1" i="0" u="none" strike="noStrike" kern="1200" cap="none" normalizeH="0" baseline="0" dirty="0">
+                      <a:endParaRPr kumimoji="0" lang="en-US" sz="1000" b="1" i="0" u="none" strike="noStrike" kern="1200" cap="none" normalizeH="0" baseline="0" dirty="0">
                         <a:ln>
                           <a:noFill/>
                         </a:ln>
@@ -17484,7 +17484,7 @@
                         <a:tabLst/>
                       </a:pPr>
                       <a:r>
-                        <a:rPr kumimoji="0" lang="en-US" sz="1100" b="1" i="0" u="none" strike="noStrike" cap="none" normalizeH="0" baseline="0" dirty="0" smtClean="0">
+                        <a:rPr kumimoji="0" lang="en-US" sz="1000" b="1" i="0" u="none" strike="noStrike" cap="none" normalizeH="0" baseline="0" dirty="0" smtClean="0">
                           <a:ln>
                             <a:noFill/>
                           </a:ln>
@@ -17518,7 +17518,7 @@
                         <a:tabLst/>
                       </a:pPr>
                       <a:r>
-                        <a:rPr kumimoji="0" lang="zh-CN" altLang="en-US" sz="1100" b="0" i="0" u="none" strike="noStrike" cap="none" normalizeH="0" baseline="0" dirty="0" smtClean="0">
+                        <a:rPr kumimoji="0" lang="zh-CN" altLang="en-US" sz="1000" b="0" i="0" u="none" strike="noStrike" cap="none" normalizeH="0" baseline="0" dirty="0" smtClean="0">
                           <a:ln>
                             <a:noFill/>
                           </a:ln>
@@ -17533,7 +17533,7 @@
                         </a:rPr>
                         <a:t>订单客户</a:t>
                       </a:r>
-                      <a:endParaRPr kumimoji="0" lang="en-US" sz="1100" b="0" i="0" u="none" strike="noStrike" cap="none" normalizeH="0" baseline="0" dirty="0">
+                      <a:endParaRPr kumimoji="0" lang="en-US" sz="1000" b="0" i="0" u="none" strike="noStrike" cap="none" normalizeH="0" baseline="0" dirty="0">
                         <a:ln>
                           <a:noFill/>
                         </a:ln>
@@ -17618,7 +17618,7 @@
                         <a:tabLst/>
                       </a:pPr>
                       <a:r>
-                        <a:rPr kumimoji="0" lang="en-US" sz="1100" b="1" i="0" u="none" strike="noStrike" kern="1200" cap="none" normalizeH="0" baseline="0" dirty="0" smtClean="0">
+                        <a:rPr kumimoji="0" lang="en-US" sz="1000" b="1" i="0" u="none" strike="noStrike" kern="1200" cap="none" normalizeH="0" baseline="0" dirty="0" smtClean="0">
                           <a:ln>
                             <a:noFill/>
                           </a:ln>
@@ -17652,7 +17652,7 @@
                         <a:tabLst/>
                       </a:pPr>
                       <a:r>
-                        <a:rPr kumimoji="0" lang="zh-CN" altLang="en-US" sz="1100" b="1" i="0" u="none" strike="noStrike" kern="1200" cap="none" normalizeH="0" baseline="0" dirty="0" smtClean="0">
+                        <a:rPr kumimoji="0" lang="zh-CN" altLang="en-US" sz="1000" b="1" i="0" u="none" strike="noStrike" kern="1200" cap="none" normalizeH="0" baseline="0" dirty="0" smtClean="0">
                           <a:ln>
                             <a:noFill/>
                           </a:ln>
@@ -17667,7 +17667,7 @@
                         </a:rPr>
                         <a:t>潜在客户</a:t>
                       </a:r>
-                      <a:endParaRPr kumimoji="0" lang="en-US" sz="1100" b="1" i="0" u="none" strike="noStrike" kern="1200" cap="none" normalizeH="0" baseline="0" dirty="0">
+                      <a:endParaRPr kumimoji="0" lang="en-US" sz="1000" b="1" i="0" u="none" strike="noStrike" kern="1200" cap="none" normalizeH="0" baseline="0" dirty="0">
                         <a:ln>
                           <a:noFill/>
                         </a:ln>
@@ -17752,7 +17752,7 @@
                         <a:tabLst/>
                       </a:pPr>
                       <a:r>
-                        <a:rPr kumimoji="0" lang="en-US" altLang="zh-CN" sz="1100" b="1" i="0" u="none" strike="noStrike" kern="1200" cap="none" normalizeH="0" baseline="0" dirty="0" smtClean="0">
+                        <a:rPr kumimoji="0" lang="en-US" altLang="zh-CN" sz="1000" b="1" i="0" u="none" strike="noStrike" kern="1200" cap="none" normalizeH="0" baseline="0" dirty="0" smtClean="0">
                           <a:ln>
                             <a:noFill/>
                           </a:ln>
@@ -17786,7 +17786,7 @@
                         <a:tabLst/>
                       </a:pPr>
                       <a:r>
-                        <a:rPr kumimoji="0" lang="zh-CN" altLang="en-US" sz="1100" b="1" i="0" u="none" strike="noStrike" kern="1200" cap="none" normalizeH="0" baseline="0" dirty="0" smtClean="0">
+                        <a:rPr kumimoji="0" lang="zh-CN" altLang="en-US" sz="1000" b="1" i="0" u="none" strike="noStrike" kern="1200" cap="none" normalizeH="0" baseline="0" dirty="0" smtClean="0">
                           <a:ln>
                             <a:noFill/>
                           </a:ln>
@@ -17801,7 +17801,7 @@
                         </a:rPr>
                         <a:t>其他</a:t>
                       </a:r>
-                      <a:endParaRPr kumimoji="0" lang="en-US" sz="1100" b="1" i="0" u="none" strike="noStrike" kern="1200" cap="none" normalizeH="0" baseline="0" dirty="0">
+                      <a:endParaRPr kumimoji="0" lang="en-US" sz="1000" b="1" i="0" u="none" strike="noStrike" kern="1200" cap="none" normalizeH="0" baseline="0" dirty="0">
                         <a:ln>
                           <a:noFill/>
                         </a:ln>
@@ -17897,29 +17897,29 @@
                         <a:tabLst/>
                       </a:pPr>
                       <a:r>
-                        <a:rPr lang="zh-CN" altLang="en-US" sz="1200" b="0" kern="1200" dirty="0" smtClean="0">
+                        <a:rPr lang="zh-CN" altLang="en-US" sz="1000" b="0" kern="1200" baseline="0" dirty="0" smtClean="0">
                           <a:solidFill>
                             <a:schemeClr val="tx1">
                               <a:lumMod val="75000"/>
                               <a:lumOff val="25000"/>
                             </a:schemeClr>
                           </a:solidFill>
-                          <a:latin typeface="+mn-lt"/>
-                          <a:ea typeface="+mn-ea"/>
+                          <a:latin typeface="Bentley Light" panose="020B0404020201020102"/>
+                          <a:ea typeface="黑体" panose="02010609060101010101" pitchFamily="49" charset="-122"/>
                           <a:cs typeface="+mn-ea"/>
                           <a:sym typeface="+mn-lt"/>
                         </a:rPr>
                         <a:t> </a:t>
                       </a:r>
-                      <a:endParaRPr lang="en-US" sz="1200" b="0" kern="1200" dirty="0">
+                      <a:endParaRPr lang="en-US" sz="1000" b="0" kern="1200" baseline="0" dirty="0">
                         <a:solidFill>
                           <a:schemeClr val="tx1">
                             <a:lumMod val="75000"/>
                             <a:lumOff val="25000"/>
                           </a:schemeClr>
                         </a:solidFill>
-                        <a:latin typeface="+mn-lt"/>
-                        <a:ea typeface="+mn-ea"/>
+                        <a:latin typeface="Bentley Light" panose="020B0404020201020102"/>
+                        <a:ea typeface="黑体" panose="02010609060101010101" pitchFamily="49" charset="-122"/>
                         <a:cs typeface="+mn-ea"/>
                         <a:sym typeface="+mn-lt"/>
                       </a:endParaRPr>
@@ -17992,29 +17992,29 @@
                         <a:tabLst/>
                       </a:pPr>
                       <a:r>
-                        <a:rPr lang="zh-CN" altLang="en-US" sz="1200" b="0" kern="1200" smtClean="0">
+                        <a:rPr lang="zh-CN" altLang="en-US" sz="1000" b="0" kern="1200" baseline="0" dirty="0" smtClean="0">
                           <a:solidFill>
                             <a:schemeClr val="tx1">
                               <a:lumMod val="75000"/>
                               <a:lumOff val="25000"/>
                             </a:schemeClr>
                           </a:solidFill>
-                          <a:latin typeface="+mn-lt"/>
-                          <a:ea typeface="+mn-ea"/>
+                          <a:latin typeface="Bentley Light" panose="020B0404020201020102"/>
+                          <a:ea typeface="黑体" panose="02010609060101010101" pitchFamily="49" charset="-122"/>
                           <a:cs typeface="+mn-ea"/>
                           <a:sym typeface="+mn-lt"/>
                         </a:rPr>
                         <a:t> </a:t>
                       </a:r>
-                      <a:endParaRPr lang="en-US" sz="1200" b="0" kern="1200" dirty="0">
+                      <a:endParaRPr lang="en-US" sz="1000" b="0" kern="1200" baseline="0" dirty="0">
                         <a:solidFill>
                           <a:schemeClr val="tx1">
                             <a:lumMod val="75000"/>
                             <a:lumOff val="25000"/>
                           </a:schemeClr>
                         </a:solidFill>
-                        <a:latin typeface="+mn-lt"/>
-                        <a:ea typeface="+mn-ea"/>
+                        <a:latin typeface="Bentley Light" panose="020B0404020201020102"/>
+                        <a:ea typeface="黑体" panose="02010609060101010101" pitchFamily="49" charset="-122"/>
                         <a:cs typeface="+mn-ea"/>
                         <a:sym typeface="+mn-lt"/>
                       </a:endParaRPr>
@@ -18071,9 +18071,9 @@
                     <a:lstStyle/>
                     <a:p>
                       <a:pPr algn="ctr"/>
-                      <a:endParaRPr lang="en-US" sz="1200" dirty="0">
-                        <a:latin typeface="+mn-lt"/>
-                        <a:ea typeface="+mn-ea"/>
+                      <a:endParaRPr lang="en-US" sz="1000" baseline="0" dirty="0">
+                        <a:latin typeface="Bentley Light" panose="020B0404020201020102"/>
+                        <a:ea typeface="黑体" panose="02010609060101010101" pitchFamily="49" charset="-122"/>
                         <a:cs typeface="+mn-ea"/>
                         <a:sym typeface="+mn-lt"/>
                       </a:endParaRPr>
@@ -18145,15 +18145,15 @@
                         <a:buNone/>
                         <a:tabLst/>
                       </a:pPr>
-                      <a:endParaRPr lang="en-US" sz="1200" b="0" kern="1200" dirty="0">
+                      <a:endParaRPr lang="en-US" sz="1000" b="0" kern="1200" baseline="0" dirty="0">
                         <a:solidFill>
                           <a:schemeClr val="tx1">
                             <a:lumMod val="75000"/>
                             <a:lumOff val="25000"/>
                           </a:schemeClr>
                         </a:solidFill>
-                        <a:latin typeface="+mn-lt"/>
-                        <a:ea typeface="+mn-ea"/>
+                        <a:latin typeface="Bentley Light" panose="020B0404020201020102"/>
+                        <a:ea typeface="黑体" panose="02010609060101010101" pitchFamily="49" charset="-122"/>
                         <a:cs typeface="+mn-ea"/>
                         <a:sym typeface="+mn-lt"/>
                       </a:endParaRPr>
@@ -18225,15 +18225,15 @@
                         <a:buNone/>
                         <a:tabLst/>
                       </a:pPr>
-                      <a:endParaRPr lang="en-US" sz="1200" b="0" kern="1200" dirty="0">
+                      <a:endParaRPr lang="en-US" sz="1000" b="0" kern="1200" baseline="0" dirty="0">
                         <a:solidFill>
                           <a:schemeClr val="tx1">
                             <a:lumMod val="75000"/>
                             <a:lumOff val="25000"/>
                           </a:schemeClr>
                         </a:solidFill>
-                        <a:latin typeface="+mn-lt"/>
-                        <a:ea typeface="+mn-ea"/>
+                        <a:latin typeface="Bentley Light" panose="020B0404020201020102"/>
+                        <a:ea typeface="黑体" panose="02010609060101010101" pitchFamily="49" charset="-122"/>
                         <a:cs typeface="+mn-ea"/>
                         <a:sym typeface="+mn-lt"/>
                       </a:endParaRPr>
@@ -18653,7 +18653,7 @@
           <p:nvPr>
             <p:extLst>
               <p:ext uri="{D42A27DB-BD31-4B8C-83A1-F6EECF244321}">
-                <p14:modId xmlns:p14="http://schemas.microsoft.com/office/powerpoint/2010/main" val="1837604741"/>
+                <p14:modId xmlns:p14="http://schemas.microsoft.com/office/powerpoint/2010/main" val="1369465228"/>
               </p:ext>
             </p:extLst>
           </p:nvPr>
@@ -18744,7 +18744,7 @@
                         <a:buNone/>
                       </a:pPr>
                       <a:r>
-                        <a:rPr lang="en-US" altLang="zh-CN" sz="1200" b="1" dirty="0" smtClean="0">
+                        <a:rPr lang="en-US" altLang="zh-CN" sz="1000" b="1" dirty="0" smtClean="0">
                           <a:solidFill>
                             <a:schemeClr val="bg1"/>
                           </a:solidFill>
@@ -18756,7 +18756,7 @@
                         <a:t>Budget Overview </a:t>
                       </a:r>
                       <a:r>
-                        <a:rPr lang="zh-CN" altLang="en-US" sz="1200" b="1" dirty="0" smtClean="0">
+                        <a:rPr lang="zh-CN" altLang="en-US" sz="1000" b="1" dirty="0" smtClean="0">
                           <a:solidFill>
                             <a:schemeClr val="bg1"/>
                           </a:solidFill>
@@ -18874,12 +18874,12 @@
                         <a:buNone/>
                       </a:pPr>
                       <a:r>
-                        <a:rPr lang="en-US" altLang="zh-CN" sz="1200" b="0" dirty="0" smtClean="0">
+                        <a:rPr lang="en-US" altLang="zh-CN" sz="1000" b="0" baseline="0" dirty="0" smtClean="0">
                           <a:solidFill>
                             <a:schemeClr val="tx1"/>
                           </a:solidFill>
-                          <a:latin typeface="+mn-lt"/>
-                          <a:ea typeface="+mn-ea"/>
+                          <a:latin typeface="Bentley Light" panose="020B0404020201020102"/>
+                          <a:ea typeface="黑体" panose="02010609060101010101" pitchFamily="49" charset="-122"/>
                           <a:cs typeface="+mn-ea"/>
                           <a:sym typeface="+mn-lt"/>
                         </a:rPr>
@@ -18892,12 +18892,12 @@
                         <a:buNone/>
                       </a:pPr>
                       <a:r>
-                        <a:rPr lang="zh-CN" altLang="en-US" sz="1200" b="0" dirty="0" smtClean="0">
+                        <a:rPr lang="zh-CN" altLang="en-US" sz="1000" b="0" baseline="0" dirty="0" smtClean="0">
                           <a:solidFill>
                             <a:schemeClr val="tx1"/>
                           </a:solidFill>
-                          <a:latin typeface="+mn-lt"/>
-                          <a:ea typeface="+mn-ea"/>
+                          <a:latin typeface="Bentley Light" panose="020B0404020201020102"/>
+                          <a:ea typeface="黑体" panose="02010609060101010101" pitchFamily="49" charset="-122"/>
                           <a:cs typeface="+mn-ea"/>
                           <a:sym typeface="+mn-lt"/>
                         </a:rPr>
@@ -18929,12 +18929,12 @@
                         <a:buNone/>
                       </a:pPr>
                       <a:r>
-                        <a:rPr lang="en-US" altLang="zh-CN" sz="1200" b="0" dirty="0" smtClean="0">
+                        <a:rPr lang="en-US" altLang="zh-CN" sz="1000" b="0" baseline="0" dirty="0" smtClean="0">
                           <a:solidFill>
                             <a:schemeClr val="tx1"/>
                           </a:solidFill>
-                          <a:latin typeface="+mn-lt"/>
-                          <a:ea typeface="+mn-ea"/>
+                          <a:latin typeface="Bentley Light" panose="020B0404020201020102"/>
+                          <a:ea typeface="黑体" panose="02010609060101010101" pitchFamily="49" charset="-122"/>
                           <a:cs typeface="+mn-ea"/>
                           <a:sym typeface="+mn-lt"/>
                         </a:rPr>
@@ -19027,12 +19027,12 @@
                         <a:buNone/>
                       </a:pPr>
                       <a:r>
-                        <a:rPr lang="en-US" altLang="zh-CN" sz="1200" b="0" dirty="0" smtClean="0">
+                        <a:rPr lang="en-US" altLang="zh-CN" sz="1000" b="0" baseline="0" dirty="0" smtClean="0">
                           <a:solidFill>
                             <a:schemeClr val="tx1"/>
                           </a:solidFill>
-                          <a:latin typeface="+mn-lt"/>
-                          <a:ea typeface="+mn-ea"/>
+                          <a:latin typeface="Bentley Light" panose="020B0404020201020102"/>
+                          <a:ea typeface="黑体" panose="02010609060101010101" pitchFamily="49" charset="-122"/>
                           <a:cs typeface="+mn-ea"/>
                           <a:sym typeface="+mn-lt"/>
                         </a:rPr>
@@ -19045,12 +19045,12 @@
                         <a:buNone/>
                       </a:pPr>
                       <a:r>
-                        <a:rPr lang="zh-CN" altLang="en-US" sz="1200" b="0" dirty="0" smtClean="0">
+                        <a:rPr lang="zh-CN" altLang="en-US" sz="1000" b="0" baseline="0" dirty="0" smtClean="0">
                           <a:solidFill>
                             <a:schemeClr val="tx1"/>
                           </a:solidFill>
-                          <a:latin typeface="+mn-lt"/>
-                          <a:ea typeface="+mn-ea"/>
+                          <a:latin typeface="Bentley Light" panose="020B0404020201020102"/>
+                          <a:ea typeface="黑体" panose="02010609060101010101" pitchFamily="49" charset="-122"/>
                           <a:cs typeface="+mn-ea"/>
                           <a:sym typeface="+mn-lt"/>
                         </a:rPr>
@@ -19078,9 +19078,9 @@
                     <a:lstStyle/>
                     <a:p>
                       <a:r>
-                        <a:rPr lang="en-US" sz="1200" dirty="0" smtClean="0">
-                          <a:latin typeface="+mn-lt"/>
-                          <a:ea typeface="+mn-ea"/>
+                        <a:rPr lang="en-US" sz="1000" baseline="0" dirty="0" smtClean="0">
+                          <a:latin typeface="Bentley Light" panose="020B0404020201020102"/>
+                          <a:ea typeface="黑体" panose="02010609060101010101" pitchFamily="49" charset="-122"/>
                           <a:cs typeface="+mn-ea"/>
                           <a:sym typeface="+mn-lt"/>
                         </a:rPr>
@@ -19295,7 +19295,7 @@
                         <a:buNone/>
                       </a:pPr>
                       <a:r>
-                        <a:rPr lang="en-US" altLang="zh-CN" sz="1200" b="1" dirty="0" smtClean="0">
+                        <a:rPr lang="en-US" altLang="zh-CN" sz="1000" b="1" dirty="0" smtClean="0">
                           <a:solidFill>
                             <a:schemeClr val="bg1"/>
                           </a:solidFill>
@@ -19307,7 +19307,7 @@
                         <a:t>Budget</a:t>
                       </a:r>
                       <a:r>
-                        <a:rPr lang="en-US" altLang="zh-CN" sz="1200" b="1" baseline="0" dirty="0" smtClean="0">
+                        <a:rPr lang="en-US" altLang="zh-CN" sz="1000" b="1" baseline="0" dirty="0" smtClean="0">
                           <a:solidFill>
                             <a:schemeClr val="bg1"/>
                           </a:solidFill>
@@ -19319,7 +19319,7 @@
                         <a:t> Detail </a:t>
                       </a:r>
                       <a:r>
-                        <a:rPr lang="zh-CN" altLang="en-US" sz="1200" b="1" baseline="0" dirty="0" smtClean="0">
+                        <a:rPr lang="zh-CN" altLang="en-US" sz="1000" b="1" baseline="0" dirty="0" smtClean="0">
                           <a:solidFill>
                             <a:schemeClr val="bg1"/>
                           </a:solidFill>
@@ -19330,7 +19330,7 @@
                         </a:rPr>
                         <a:t>费用详情</a:t>
                       </a:r>
-                      <a:endParaRPr lang="en-US" altLang="zh-CN" sz="1200" b="1" dirty="0" smtClean="0">
+                      <a:endParaRPr lang="en-US" altLang="zh-CN" sz="1000" b="1" dirty="0" smtClean="0">
                         <a:solidFill>
                           <a:schemeClr val="bg1"/>
                         </a:solidFill>
@@ -19446,23 +19446,23 @@
                         <a:buNone/>
                       </a:pPr>
                       <a:r>
-                        <a:rPr lang="zh-CN" altLang="en-US" sz="1200" b="1" dirty="0" smtClean="0">
+                        <a:rPr lang="zh-CN" altLang="en-US" sz="1000" b="1" baseline="0" dirty="0" smtClean="0">
                           <a:solidFill>
                             <a:schemeClr val="tx1"/>
                           </a:solidFill>
-                          <a:latin typeface="+mn-lt"/>
-                          <a:ea typeface="+mn-ea"/>
+                          <a:latin typeface="Bentley Light" panose="020B0404020201020102"/>
+                          <a:ea typeface="黑体" panose="02010609060101010101" pitchFamily="49" charset="-122"/>
                           <a:cs typeface="+mn-ea"/>
                           <a:sym typeface="+mn-lt"/>
                         </a:rPr>
                         <a:t>费用</a:t>
                       </a:r>
-                      <a:endParaRPr lang="en-US" altLang="zh-CN" sz="1200" b="1" dirty="0" smtClean="0">
+                      <a:endParaRPr lang="en-US" altLang="zh-CN" sz="1000" b="1" baseline="0" dirty="0" smtClean="0">
                         <a:solidFill>
                           <a:schemeClr val="tx1"/>
                         </a:solidFill>
-                        <a:latin typeface="+mn-lt"/>
-                        <a:ea typeface="+mn-ea"/>
+                        <a:latin typeface="Bentley Light" panose="020B0404020201020102"/>
+                        <a:ea typeface="黑体" panose="02010609060101010101" pitchFamily="49" charset="-122"/>
                         <a:cs typeface="+mn-ea"/>
                         <a:sym typeface="+mn-lt"/>
                       </a:endParaRPr>
@@ -19494,23 +19494,23 @@
                         <a:buNone/>
                       </a:pPr>
                       <a:r>
-                        <a:rPr lang="zh-CN" altLang="en-US" sz="1200" b="1" dirty="0" smtClean="0">
+                        <a:rPr lang="zh-CN" altLang="en-US" sz="1000" b="1" baseline="0" dirty="0" smtClean="0">
                           <a:solidFill>
                             <a:schemeClr val="tx1"/>
                           </a:solidFill>
-                          <a:latin typeface="+mn-lt"/>
-                          <a:ea typeface="+mn-ea"/>
+                          <a:latin typeface="Bentley Light" panose="020B0404020201020102"/>
+                          <a:ea typeface="黑体" panose="02010609060101010101" pitchFamily="49" charset="-122"/>
                           <a:cs typeface="+mn-ea"/>
                           <a:sym typeface="+mn-lt"/>
                         </a:rPr>
                         <a:t>金额</a:t>
                       </a:r>
-                      <a:endParaRPr lang="en-US" altLang="zh-CN" sz="1200" b="1" dirty="0" smtClean="0">
+                      <a:endParaRPr lang="en-US" altLang="zh-CN" sz="1000" b="1" baseline="0" dirty="0" smtClean="0">
                         <a:solidFill>
                           <a:schemeClr val="tx1"/>
                         </a:solidFill>
-                        <a:latin typeface="+mn-lt"/>
-                        <a:ea typeface="+mn-ea"/>
+                        <a:latin typeface="Bentley Light" panose="020B0404020201020102"/>
+                        <a:ea typeface="黑体" panose="02010609060101010101" pitchFamily="49" charset="-122"/>
                         <a:cs typeface="+mn-ea"/>
                         <a:sym typeface="+mn-lt"/>
                       </a:endParaRPr>
@@ -19532,23 +19532,23 @@
                         <a:buNone/>
                       </a:pPr>
                       <a:r>
-                        <a:rPr lang="zh-CN" altLang="en-US" sz="1200" b="1" dirty="0" smtClean="0">
+                        <a:rPr lang="zh-CN" altLang="en-US" sz="1000" b="1" baseline="0" dirty="0" smtClean="0">
                           <a:solidFill>
                             <a:schemeClr val="tx1"/>
                           </a:solidFill>
-                          <a:latin typeface="+mn-lt"/>
-                          <a:ea typeface="+mn-ea"/>
+                          <a:latin typeface="Bentley Light" panose="020B0404020201020102"/>
+                          <a:ea typeface="黑体" panose="02010609060101010101" pitchFamily="49" charset="-122"/>
                           <a:cs typeface="+mn-ea"/>
                           <a:sym typeface="+mn-lt"/>
                         </a:rPr>
                         <a:t>是否报销</a:t>
                       </a:r>
-                      <a:endParaRPr lang="en-US" altLang="zh-CN" sz="1200" b="1" dirty="0" smtClean="0">
+                      <a:endParaRPr lang="en-US" altLang="zh-CN" sz="1000" b="1" baseline="0" dirty="0" smtClean="0">
                         <a:solidFill>
                           <a:schemeClr val="tx1"/>
                         </a:solidFill>
-                        <a:latin typeface="+mn-lt"/>
-                        <a:ea typeface="+mn-ea"/>
+                        <a:latin typeface="Bentley Light" panose="020B0404020201020102"/>
+                        <a:ea typeface="黑体" panose="02010609060101010101" pitchFamily="49" charset="-122"/>
                         <a:cs typeface="+mn-ea"/>
                         <a:sym typeface="+mn-lt"/>
                       </a:endParaRPr>
@@ -19570,23 +19570,23 @@
                         <a:buNone/>
                       </a:pPr>
                       <a:r>
-                        <a:rPr lang="zh-CN" altLang="en-US" sz="1200" b="1" dirty="0" smtClean="0">
+                        <a:rPr lang="zh-CN" altLang="en-US" sz="1000" b="1" baseline="0" dirty="0" smtClean="0">
                           <a:solidFill>
                             <a:schemeClr val="tx1"/>
                           </a:solidFill>
-                          <a:latin typeface="+mn-lt"/>
-                          <a:ea typeface="+mn-ea"/>
+                          <a:latin typeface="Bentley Light" panose="020B0404020201020102"/>
+                          <a:ea typeface="黑体" panose="02010609060101010101" pitchFamily="49" charset="-122"/>
                           <a:cs typeface="+mn-ea"/>
                           <a:sym typeface="+mn-lt"/>
                         </a:rPr>
                         <a:t>费用说明</a:t>
                       </a:r>
-                      <a:endParaRPr lang="en-US" altLang="zh-CN" sz="1200" b="1" dirty="0" smtClean="0">
+                      <a:endParaRPr lang="en-US" altLang="zh-CN" sz="1000" b="1" baseline="0" dirty="0" smtClean="0">
                         <a:solidFill>
                           <a:schemeClr val="tx1"/>
                         </a:solidFill>
-                        <a:latin typeface="+mn-lt"/>
-                        <a:ea typeface="+mn-ea"/>
+                        <a:latin typeface="Bentley Light" panose="020B0404020201020102"/>
+                        <a:ea typeface="黑体" panose="02010609060101010101" pitchFamily="49" charset="-122"/>
                         <a:cs typeface="+mn-ea"/>
                         <a:sym typeface="+mn-lt"/>
                       </a:endParaRPr>
@@ -19597,23 +19597,23 @@
                         <a:buNone/>
                       </a:pPr>
                       <a:r>
-                        <a:rPr lang="zh-CN" altLang="en-US" sz="800" b="1" dirty="0" smtClean="0">
+                        <a:rPr lang="zh-CN" altLang="en-US" sz="1000" b="1" baseline="0" dirty="0" smtClean="0">
                           <a:solidFill>
                             <a:schemeClr val="tx1"/>
                           </a:solidFill>
-                          <a:latin typeface="+mn-lt"/>
-                          <a:ea typeface="+mn-ea"/>
+                          <a:latin typeface="Bentley Light" panose="020B0404020201020102"/>
+                          <a:ea typeface="黑体" panose="02010609060101010101" pitchFamily="49" charset="-122"/>
                           <a:cs typeface="+mn-ea"/>
                           <a:sym typeface="+mn-lt"/>
                         </a:rPr>
                         <a:t>（请参考指引填写）</a:t>
                       </a:r>
-                      <a:endParaRPr lang="en-US" altLang="zh-CN" sz="800" b="1" dirty="0" smtClean="0">
+                      <a:endParaRPr lang="en-US" altLang="zh-CN" sz="1000" b="1" baseline="0" dirty="0" smtClean="0">
                         <a:solidFill>
                           <a:schemeClr val="tx1"/>
                         </a:solidFill>
-                        <a:latin typeface="+mn-lt"/>
-                        <a:ea typeface="+mn-ea"/>
+                        <a:latin typeface="Bentley Light" panose="020B0404020201020102"/>
+                        <a:ea typeface="黑体" panose="02010609060101010101" pitchFamily="49" charset="-122"/>
                         <a:cs typeface="+mn-ea"/>
                         <a:sym typeface="+mn-lt"/>
                       </a:endParaRPr>
@@ -19648,23 +19648,23 @@
                         <a:defRPr/>
                       </a:pPr>
                       <a:r>
-                        <a:rPr lang="zh-CN" altLang="en-US" sz="1200" b="1" dirty="0" smtClean="0">
+                        <a:rPr lang="zh-CN" altLang="en-US" sz="1000" b="1" baseline="0" dirty="0" smtClean="0">
                           <a:solidFill>
                             <a:schemeClr val="tx1"/>
                           </a:solidFill>
-                          <a:latin typeface="+mn-lt"/>
-                          <a:ea typeface="+mn-ea"/>
+                          <a:latin typeface="Bentley Light" panose="020B0404020201020102"/>
+                          <a:ea typeface="黑体" panose="02010609060101010101" pitchFamily="49" charset="-122"/>
                           <a:cs typeface="+mn-ea"/>
                           <a:sym typeface="+mn-lt"/>
                         </a:rPr>
                         <a:t>费用</a:t>
                       </a:r>
-                      <a:endParaRPr lang="en-US" altLang="zh-CN" sz="1200" b="1" dirty="0" smtClean="0">
+                      <a:endParaRPr lang="en-US" altLang="zh-CN" sz="1000" b="1" baseline="0" dirty="0" smtClean="0">
                         <a:solidFill>
                           <a:schemeClr val="tx1"/>
                         </a:solidFill>
-                        <a:latin typeface="+mn-lt"/>
-                        <a:ea typeface="+mn-ea"/>
+                        <a:latin typeface="Bentley Light" panose="020B0404020201020102"/>
+                        <a:ea typeface="黑体" panose="02010609060101010101" pitchFamily="49" charset="-122"/>
                         <a:cs typeface="+mn-ea"/>
                         <a:sym typeface="+mn-lt"/>
                       </a:endParaRPr>
@@ -19686,23 +19686,23 @@
                         <a:buNone/>
                       </a:pPr>
                       <a:r>
-                        <a:rPr lang="zh-CN" altLang="en-US" sz="1200" b="1" dirty="0" smtClean="0">
+                        <a:rPr lang="zh-CN" altLang="en-US" sz="1000" b="1" baseline="0" dirty="0" smtClean="0">
                           <a:solidFill>
                             <a:schemeClr val="tx1"/>
                           </a:solidFill>
-                          <a:latin typeface="+mn-lt"/>
-                          <a:ea typeface="+mn-ea"/>
+                          <a:latin typeface="Bentley Light" panose="020B0404020201020102"/>
+                          <a:ea typeface="黑体" panose="02010609060101010101" pitchFamily="49" charset="-122"/>
                           <a:cs typeface="+mn-ea"/>
                           <a:sym typeface="+mn-lt"/>
                         </a:rPr>
                         <a:t>金额</a:t>
                       </a:r>
-                      <a:endParaRPr lang="en-US" altLang="zh-CN" sz="1200" b="1" dirty="0" smtClean="0">
+                      <a:endParaRPr lang="en-US" altLang="zh-CN" sz="1000" b="1" baseline="0" dirty="0" smtClean="0">
                         <a:solidFill>
                           <a:schemeClr val="tx1"/>
                         </a:solidFill>
-                        <a:latin typeface="+mn-lt"/>
-                        <a:ea typeface="+mn-ea"/>
+                        <a:latin typeface="Bentley Light" panose="020B0404020201020102"/>
+                        <a:ea typeface="黑体" panose="02010609060101010101" pitchFamily="49" charset="-122"/>
                         <a:cs typeface="+mn-ea"/>
                         <a:sym typeface="+mn-lt"/>
                       </a:endParaRPr>
@@ -19724,23 +19724,23 @@
                         <a:buNone/>
                       </a:pPr>
                       <a:r>
-                        <a:rPr lang="zh-CN" altLang="en-US" sz="1200" b="1" dirty="0" smtClean="0">
+                        <a:rPr lang="zh-CN" altLang="en-US" sz="1000" b="1" baseline="0" dirty="0" smtClean="0">
                           <a:solidFill>
                             <a:schemeClr val="tx1"/>
                           </a:solidFill>
-                          <a:latin typeface="+mn-lt"/>
-                          <a:ea typeface="+mn-ea"/>
+                          <a:latin typeface="Bentley Light" panose="020B0404020201020102"/>
+                          <a:ea typeface="黑体" panose="02010609060101010101" pitchFamily="49" charset="-122"/>
                           <a:cs typeface="+mn-ea"/>
                           <a:sym typeface="+mn-lt"/>
                         </a:rPr>
                         <a:t>是否报销</a:t>
                       </a:r>
-                      <a:endParaRPr lang="en-US" altLang="zh-CN" sz="1200" b="1" dirty="0" smtClean="0">
+                      <a:endParaRPr lang="en-US" altLang="zh-CN" sz="1000" b="1" baseline="0" dirty="0" smtClean="0">
                         <a:solidFill>
                           <a:schemeClr val="tx1"/>
                         </a:solidFill>
-                        <a:latin typeface="+mn-lt"/>
-                        <a:ea typeface="+mn-ea"/>
+                        <a:latin typeface="Bentley Light" panose="020B0404020201020102"/>
+                        <a:ea typeface="黑体" panose="02010609060101010101" pitchFamily="49" charset="-122"/>
                         <a:cs typeface="+mn-ea"/>
                         <a:sym typeface="+mn-lt"/>
                       </a:endParaRPr>
@@ -19775,7 +19775,7 @@
                         <a:defRPr/>
                       </a:pPr>
                       <a:r>
-                        <a:rPr kumimoji="0" lang="zh-CN" altLang="en-US" sz="1200" b="1" i="0" u="none" strike="noStrike" kern="1200" cap="none" spc="0" normalizeH="0" baseline="0" noProof="0" dirty="0" smtClean="0">
+                        <a:rPr kumimoji="0" lang="zh-CN" altLang="en-US" sz="1000" b="1" i="0" u="none" strike="noStrike" kern="1200" cap="none" spc="0" normalizeH="0" baseline="0" noProof="0" dirty="0" smtClean="0">
                           <a:ln>
                             <a:noFill/>
                           </a:ln>
@@ -19785,14 +19785,14 @@
                           <a:effectLst/>
                           <a:uLnTx/>
                           <a:uFillTx/>
-                          <a:latin typeface="+mn-lt"/>
-                          <a:ea typeface="+mn-ea"/>
+                          <a:latin typeface="Bentley Light" panose="020B0404020201020102"/>
+                          <a:ea typeface="黑体" panose="02010609060101010101" pitchFamily="49" charset="-122"/>
                           <a:cs typeface="+mn-ea"/>
                           <a:sym typeface="+mn-lt"/>
                         </a:rPr>
                         <a:t>费用说明</a:t>
                       </a:r>
-                      <a:endParaRPr kumimoji="0" lang="en-US" altLang="zh-CN" sz="1200" b="1" i="0" u="none" strike="noStrike" kern="1200" cap="none" spc="0" normalizeH="0" baseline="0" noProof="0" dirty="0" smtClean="0">
+                      <a:endParaRPr kumimoji="0" lang="en-US" altLang="zh-CN" sz="1000" b="1" i="0" u="none" strike="noStrike" kern="1200" cap="none" spc="0" normalizeH="0" baseline="0" noProof="0" dirty="0" smtClean="0">
                         <a:ln>
                           <a:noFill/>
                         </a:ln>
@@ -19802,8 +19802,8 @@
                         <a:effectLst/>
                         <a:uLnTx/>
                         <a:uFillTx/>
-                        <a:latin typeface="+mn-lt"/>
-                        <a:ea typeface="+mn-ea"/>
+                        <a:latin typeface="Bentley Light" panose="020B0404020201020102"/>
+                        <a:ea typeface="黑体" panose="02010609060101010101" pitchFamily="49" charset="-122"/>
                         <a:cs typeface="+mn-ea"/>
                         <a:sym typeface="+mn-lt"/>
                       </a:endParaRPr>
@@ -19827,7 +19827,7 @@
                         <a:defRPr/>
                       </a:pPr>
                       <a:r>
-                        <a:rPr kumimoji="0" lang="zh-CN" altLang="en-US" sz="800" b="1" i="0" u="none" strike="noStrike" kern="1200" cap="none" spc="0" normalizeH="0" baseline="0" noProof="0" dirty="0" smtClean="0">
+                        <a:rPr kumimoji="0" lang="zh-CN" altLang="en-US" sz="1000" b="1" i="0" u="none" strike="noStrike" kern="1200" cap="none" spc="0" normalizeH="0" baseline="0" noProof="0" dirty="0" smtClean="0">
                           <a:ln>
                             <a:noFill/>
                           </a:ln>
@@ -19837,14 +19837,14 @@
                           <a:effectLst/>
                           <a:uLnTx/>
                           <a:uFillTx/>
-                          <a:latin typeface="+mn-lt"/>
-                          <a:ea typeface="+mn-ea"/>
+                          <a:latin typeface="Bentley Light" panose="020B0404020201020102"/>
+                          <a:ea typeface="黑体" panose="02010609060101010101" pitchFamily="49" charset="-122"/>
                           <a:cs typeface="+mn-ea"/>
                           <a:sym typeface="+mn-lt"/>
                         </a:rPr>
                         <a:t>（请参考指引填写）</a:t>
                       </a:r>
-                      <a:endParaRPr kumimoji="0" lang="en-US" altLang="zh-CN" sz="800" b="1" i="0" u="none" strike="noStrike" kern="1200" cap="none" spc="0" normalizeH="0" baseline="0" noProof="0" dirty="0" smtClean="0">
+                      <a:endParaRPr kumimoji="0" lang="en-US" altLang="zh-CN" sz="1000" b="1" i="0" u="none" strike="noStrike" kern="1200" cap="none" spc="0" normalizeH="0" baseline="0" noProof="0" dirty="0" smtClean="0">
                         <a:ln>
                           <a:noFill/>
                         </a:ln>
@@ -19854,8 +19854,8 @@
                         <a:effectLst/>
                         <a:uLnTx/>
                         <a:uFillTx/>
-                        <a:latin typeface="+mn-lt"/>
-                        <a:ea typeface="+mn-ea"/>
+                        <a:latin typeface="Bentley Light" panose="020B0404020201020102"/>
+                        <a:ea typeface="黑体" panose="02010609060101010101" pitchFamily="49" charset="-122"/>
                         <a:cs typeface="+mn-ea"/>
                         <a:sym typeface="+mn-lt"/>
                       </a:endParaRPr>
@@ -19884,12 +19884,12 @@
                         <a:buNone/>
                       </a:pPr>
                       <a:r>
-                        <a:rPr lang="en-US" altLang="zh-CN" sz="1200" b="0" dirty="0" smtClean="0">
+                        <a:rPr lang="en-US" altLang="zh-CN" sz="1000" b="0" baseline="0" dirty="0" smtClean="0">
                           <a:solidFill>
                             <a:schemeClr val="tx1"/>
                           </a:solidFill>
-                          <a:latin typeface="+mn-lt"/>
-                          <a:ea typeface="+mn-ea"/>
+                          <a:latin typeface="Bentley Light" panose="020B0404020201020102"/>
+                          <a:ea typeface="黑体" panose="02010609060101010101" pitchFamily="49" charset="-122"/>
                           <a:cs typeface="+mn-ea"/>
                           <a:sym typeface="+mn-lt"/>
                         </a:rPr>
@@ -19902,12 +19902,12 @@
                         <a:buNone/>
                       </a:pPr>
                       <a:r>
-                        <a:rPr lang="zh-CN" altLang="en-US" sz="1200" b="0" dirty="0" smtClean="0">
+                        <a:rPr lang="zh-CN" altLang="en-US" sz="1000" b="0" baseline="0" dirty="0" smtClean="0">
                           <a:solidFill>
                             <a:schemeClr val="tx1"/>
                           </a:solidFill>
-                          <a:latin typeface="+mn-lt"/>
-                          <a:ea typeface="+mn-ea"/>
+                          <a:latin typeface="Bentley Light" panose="020B0404020201020102"/>
+                          <a:ea typeface="黑体" panose="02010609060101010101" pitchFamily="49" charset="-122"/>
                           <a:cs typeface="+mn-ea"/>
                           <a:sym typeface="+mn-lt"/>
                         </a:rPr>
@@ -19919,12 +19919,12 @@
                         <a:buFontTx/>
                         <a:buNone/>
                       </a:pPr>
-                      <a:endParaRPr lang="en-US" altLang="zh-CN" sz="1200" b="0" dirty="0" smtClean="0">
+                      <a:endParaRPr lang="en-US" altLang="zh-CN" sz="1000" b="0" baseline="0" dirty="0" smtClean="0">
                         <a:solidFill>
                           <a:schemeClr val="tx1"/>
                         </a:solidFill>
-                        <a:latin typeface="+mn-lt"/>
-                        <a:ea typeface="+mn-ea"/>
+                        <a:latin typeface="Bentley Light" panose="020B0404020201020102"/>
+                        <a:ea typeface="黑体" panose="02010609060101010101" pitchFamily="49" charset="-122"/>
                         <a:cs typeface="+mn-ea"/>
                         <a:sym typeface="+mn-lt"/>
                       </a:endParaRPr>
@@ -19954,23 +19954,23 @@
                         <a:buNone/>
                       </a:pPr>
                       <a:r>
-                        <a:rPr lang="zh-CN" altLang="en-US" sz="1200" b="0" dirty="0" smtClean="0">
+                        <a:rPr lang="zh-CN" altLang="en-US" sz="1000" b="0" baseline="0" dirty="0" smtClean="0">
                           <a:solidFill>
                             <a:schemeClr val="tx1"/>
                           </a:solidFill>
-                          <a:latin typeface="+mn-lt"/>
-                          <a:ea typeface="+mn-ea"/>
+                          <a:latin typeface="Bentley Light" panose="020B0404020201020102"/>
+                          <a:ea typeface="黑体" panose="02010609060101010101" pitchFamily="49" charset="-122"/>
                           <a:cs typeface="+mn-ea"/>
                           <a:sym typeface="+mn-lt"/>
                         </a:rPr>
                         <a:t> </a:t>
                       </a:r>
-                      <a:endParaRPr lang="en-US" altLang="zh-CN" sz="1200" b="0" dirty="0" smtClean="0">
+                      <a:endParaRPr lang="en-US" altLang="zh-CN" sz="1000" b="0" baseline="0" dirty="0" smtClean="0">
                         <a:solidFill>
                           <a:schemeClr val="tx1"/>
                         </a:solidFill>
-                        <a:latin typeface="+mn-lt"/>
-                        <a:ea typeface="+mn-ea"/>
+                        <a:latin typeface="Bentley Light" panose="020B0404020201020102"/>
+                        <a:ea typeface="黑体" panose="02010609060101010101" pitchFamily="49" charset="-122"/>
                         <a:cs typeface="+mn-ea"/>
                         <a:sym typeface="+mn-lt"/>
                       </a:endParaRPr>
@@ -19991,12 +19991,12 @@
                         <a:buFontTx/>
                         <a:buNone/>
                       </a:pPr>
-                      <a:endParaRPr lang="en-US" altLang="zh-CN" sz="1200" b="0" dirty="0" smtClean="0">
+                      <a:endParaRPr lang="en-US" altLang="zh-CN" sz="1000" b="0" baseline="0" dirty="0" smtClean="0">
                         <a:solidFill>
                           <a:schemeClr val="tx1"/>
                         </a:solidFill>
-                        <a:latin typeface="+mn-lt"/>
-                        <a:ea typeface="+mn-ea"/>
+                        <a:latin typeface="Bentley Light" panose="020B0404020201020102"/>
+                        <a:ea typeface="黑体" panose="02010609060101010101" pitchFamily="49" charset="-122"/>
                         <a:cs typeface="+mn-ea"/>
                         <a:sym typeface="+mn-lt"/>
                       </a:endParaRPr>
@@ -20017,7 +20017,7 @@
                         <a:buFontTx/>
                         <a:buNone/>
                       </a:pPr>
-                      <a:endParaRPr lang="zh-CN" altLang="en-US" sz="1200" b="0" baseline="0" dirty="0" smtClean="0">
+                      <a:endParaRPr lang="zh-CN" altLang="en-US" sz="1000" b="0" baseline="0" dirty="0" smtClean="0">
                         <a:solidFill>
                           <a:schemeClr val="tx1"/>
                         </a:solidFill>
@@ -20057,12 +20057,12 @@
                         <a:defRPr/>
                       </a:pPr>
                       <a:r>
-                        <a:rPr lang="en-US" altLang="zh-CN" sz="1200" b="0" dirty="0" smtClean="0">
+                        <a:rPr lang="en-US" altLang="zh-CN" sz="1000" b="0" baseline="0" dirty="0" smtClean="0">
                           <a:solidFill>
                             <a:schemeClr val="tx1"/>
                           </a:solidFill>
-                          <a:latin typeface="+mn-lt"/>
-                          <a:ea typeface="+mn-ea"/>
+                          <a:latin typeface="Bentley Light" panose="020B0404020201020102"/>
+                          <a:ea typeface="黑体" panose="02010609060101010101" pitchFamily="49" charset="-122"/>
                           <a:cs typeface="+mn-ea"/>
                           <a:sym typeface="+mn-lt"/>
                         </a:rPr>
@@ -20088,23 +20088,23 @@
                         <a:defRPr/>
                       </a:pPr>
                       <a:r>
-                        <a:rPr lang="zh-CN" altLang="en-US" sz="1200" b="0" dirty="0" smtClean="0">
+                        <a:rPr lang="zh-CN" altLang="en-US" sz="1000" b="0" baseline="0" dirty="0" smtClean="0">
                           <a:solidFill>
                             <a:schemeClr val="tx1"/>
                           </a:solidFill>
-                          <a:latin typeface="+mn-lt"/>
-                          <a:ea typeface="+mn-ea"/>
+                          <a:latin typeface="Bentley Light" panose="020B0404020201020102"/>
+                          <a:ea typeface="黑体" panose="02010609060101010101" pitchFamily="49" charset="-122"/>
                           <a:cs typeface="+mn-ea"/>
                           <a:sym typeface="+mn-lt"/>
                         </a:rPr>
                         <a:t>摄影</a:t>
                       </a:r>
-                      <a:endParaRPr lang="en-US" altLang="zh-CN" sz="1200" b="1" dirty="0" smtClean="0">
+                      <a:endParaRPr lang="en-US" altLang="zh-CN" sz="1000" b="1" baseline="0" dirty="0" smtClean="0">
                         <a:solidFill>
                           <a:schemeClr val="tx1"/>
                         </a:solidFill>
-                        <a:latin typeface="+mn-lt"/>
-                        <a:ea typeface="+mn-ea"/>
+                        <a:latin typeface="Bentley Light" panose="020B0404020201020102"/>
+                        <a:ea typeface="黑体" panose="02010609060101010101" pitchFamily="49" charset="-122"/>
                         <a:cs typeface="+mn-ea"/>
                         <a:sym typeface="+mn-lt"/>
                       </a:endParaRPr>
@@ -20123,12 +20123,12 @@
                         <a:buFontTx/>
                         <a:buNone/>
                       </a:pPr>
-                      <a:endParaRPr lang="en-US" altLang="zh-CN" sz="1200" b="0" dirty="0" smtClean="0">
+                      <a:endParaRPr lang="en-US" altLang="zh-CN" sz="1000" b="0" baseline="0" dirty="0" smtClean="0">
                         <a:solidFill>
                           <a:schemeClr val="tx1"/>
                         </a:solidFill>
-                        <a:latin typeface="+mn-lt"/>
-                        <a:ea typeface="+mn-ea"/>
+                        <a:latin typeface="Bentley Light" panose="020B0404020201020102"/>
+                        <a:ea typeface="黑体" panose="02010609060101010101" pitchFamily="49" charset="-122"/>
                         <a:cs typeface="+mn-ea"/>
                         <a:sym typeface="+mn-lt"/>
                       </a:endParaRPr>
@@ -20162,7 +20162,7 @@
                         <a:tabLst/>
                         <a:defRPr/>
                       </a:pPr>
-                      <a:endParaRPr kumimoji="0" lang="en-US" altLang="zh-CN" sz="1200" b="0" i="0" u="none" strike="noStrike" kern="1200" cap="none" spc="0" normalizeH="0" baseline="0" noProof="0" dirty="0" smtClean="0">
+                      <a:endParaRPr kumimoji="0" lang="en-US" altLang="zh-CN" sz="1000" b="0" i="0" u="none" strike="noStrike" kern="1200" cap="none" spc="0" normalizeH="0" baseline="0" noProof="0" dirty="0" smtClean="0">
                         <a:ln>
                           <a:noFill/>
                         </a:ln>
@@ -20172,8 +20172,8 @@
                         <a:effectLst/>
                         <a:uLnTx/>
                         <a:uFillTx/>
-                        <a:latin typeface="+mn-lt"/>
-                        <a:ea typeface="+mn-ea"/>
+                        <a:latin typeface="Bentley Light" panose="020B0404020201020102"/>
+                        <a:ea typeface="黑体" panose="02010609060101010101" pitchFamily="49" charset="-122"/>
                         <a:cs typeface="+mn-ea"/>
                         <a:sym typeface="+mn-lt"/>
                       </a:endParaRPr>
@@ -20207,7 +20207,7 @@
                         <a:tabLst/>
                         <a:defRPr/>
                       </a:pPr>
-                      <a:endParaRPr kumimoji="0" lang="en-US" altLang="zh-CN" sz="1200" b="0" i="0" u="none" strike="noStrike" kern="1200" cap="none" spc="0" normalizeH="0" baseline="0" noProof="0" dirty="0" smtClean="0">
+                      <a:endParaRPr kumimoji="0" lang="en-US" altLang="zh-CN" sz="1000" b="0" i="0" u="none" strike="noStrike" kern="1200" cap="none" spc="0" normalizeH="0" baseline="0" noProof="0" dirty="0" smtClean="0">
                         <a:ln>
                           <a:noFill/>
                         </a:ln>
@@ -20260,12 +20260,12 @@
                         <a:defRPr/>
                       </a:pPr>
                       <a:r>
-                        <a:rPr lang="en-US" altLang="zh-CN" sz="1200" b="0" dirty="0" smtClean="0">
+                        <a:rPr lang="en-US" altLang="zh-CN" sz="1000" b="0" baseline="0" dirty="0" smtClean="0">
                           <a:solidFill>
                             <a:schemeClr val="tx1"/>
                           </a:solidFill>
-                          <a:latin typeface="+mn-lt"/>
-                          <a:ea typeface="+mn-ea"/>
+                          <a:latin typeface="Bentley Light" panose="020B0404020201020102"/>
+                          <a:ea typeface="黑体" panose="02010609060101010101" pitchFamily="49" charset="-122"/>
                           <a:cs typeface="+mn-ea"/>
                           <a:sym typeface="+mn-lt"/>
                         </a:rPr>
@@ -20291,12 +20291,12 @@
                         <a:defRPr/>
                       </a:pPr>
                       <a:r>
-                        <a:rPr lang="zh-CN" altLang="en-US" sz="1200" b="0" dirty="0" smtClean="0">
+                        <a:rPr lang="zh-CN" altLang="en-US" sz="1000" b="0" baseline="0" dirty="0" smtClean="0">
                           <a:solidFill>
                             <a:schemeClr val="tx1"/>
                           </a:solidFill>
-                          <a:latin typeface="+mn-lt"/>
-                          <a:ea typeface="+mn-ea"/>
+                          <a:latin typeface="Bentley Light" panose="020B0404020201020102"/>
+                          <a:ea typeface="黑体" panose="02010609060101010101" pitchFamily="49" charset="-122"/>
                           <a:cs typeface="+mn-ea"/>
                           <a:sym typeface="+mn-lt"/>
                         </a:rPr>
@@ -20328,23 +20328,23 @@
                         <a:buNone/>
                       </a:pPr>
                       <a:r>
-                        <a:rPr lang="zh-CN" altLang="en-US" sz="1200" b="0" dirty="0" smtClean="0">
+                        <a:rPr lang="zh-CN" altLang="en-US" sz="1000" b="0" baseline="0" dirty="0" smtClean="0">
                           <a:solidFill>
                             <a:schemeClr val="tx1"/>
                           </a:solidFill>
-                          <a:latin typeface="+mn-lt"/>
-                          <a:ea typeface="+mn-ea"/>
+                          <a:latin typeface="Bentley Light" panose="020B0404020201020102"/>
+                          <a:ea typeface="黑体" panose="02010609060101010101" pitchFamily="49" charset="-122"/>
                           <a:cs typeface="+mn-ea"/>
                           <a:sym typeface="+mn-lt"/>
                         </a:rPr>
                         <a:t> </a:t>
                       </a:r>
-                      <a:endParaRPr lang="en-US" altLang="zh-CN" sz="1200" b="0" dirty="0" smtClean="0">
+                      <a:endParaRPr lang="en-US" altLang="zh-CN" sz="1000" b="0" baseline="0" dirty="0" smtClean="0">
                         <a:solidFill>
                           <a:schemeClr val="tx1"/>
                         </a:solidFill>
-                        <a:latin typeface="+mn-lt"/>
-                        <a:ea typeface="+mn-ea"/>
+                        <a:latin typeface="Bentley Light" panose="020B0404020201020102"/>
+                        <a:ea typeface="黑体" panose="02010609060101010101" pitchFamily="49" charset="-122"/>
                         <a:cs typeface="+mn-ea"/>
                         <a:sym typeface="+mn-lt"/>
                       </a:endParaRPr>
@@ -20378,7 +20378,7 @@
                         <a:tabLst/>
                         <a:defRPr/>
                       </a:pPr>
-                      <a:endParaRPr kumimoji="0" lang="en-US" altLang="zh-CN" sz="1200" b="0" i="0" u="none" strike="noStrike" kern="1200" cap="none" spc="0" normalizeH="0" baseline="0" noProof="0" dirty="0" smtClean="0">
+                      <a:endParaRPr kumimoji="0" lang="en-US" altLang="zh-CN" sz="1000" b="0" i="0" u="none" strike="noStrike" kern="1200" cap="none" spc="0" normalizeH="0" baseline="0" noProof="0" dirty="0" smtClean="0">
                         <a:ln>
                           <a:noFill/>
                         </a:ln>
@@ -20388,8 +20388,8 @@
                         <a:effectLst/>
                         <a:uLnTx/>
                         <a:uFillTx/>
-                        <a:latin typeface="+mn-lt"/>
-                        <a:ea typeface="+mn-ea"/>
+                        <a:latin typeface="Bentley Light" panose="020B0404020201020102"/>
+                        <a:ea typeface="黑体" panose="02010609060101010101" pitchFamily="49" charset="-122"/>
                         <a:cs typeface="+mn-ea"/>
                         <a:sym typeface="+mn-lt"/>
                       </a:endParaRPr>
@@ -20423,7 +20423,7 @@
                         <a:tabLst/>
                         <a:defRPr/>
                       </a:pPr>
-                      <a:endParaRPr lang="en-US" altLang="zh-CN" sz="1200" b="0" baseline="0" dirty="0" smtClean="0">
+                      <a:endParaRPr lang="en-US" altLang="zh-CN" sz="1000" b="0" baseline="0" dirty="0" smtClean="0">
                         <a:solidFill>
                           <a:schemeClr val="tx1"/>
                         </a:solidFill>
@@ -20450,12 +20450,12 @@
                         <a:buNone/>
                       </a:pPr>
                       <a:r>
-                        <a:rPr lang="en-US" sz="1200" b="0" spc="0" dirty="0" smtClean="0">
+                        <a:rPr lang="en-US" sz="1000" b="0" spc="0" baseline="0" dirty="0" smtClean="0">
                           <a:solidFill>
                             <a:schemeClr val="tx1"/>
                           </a:solidFill>
-                          <a:latin typeface="+mn-lt"/>
-                          <a:ea typeface="+mn-ea"/>
+                          <a:latin typeface="Bentley Light" panose="020B0404020201020102"/>
+                          <a:ea typeface="黑体" panose="02010609060101010101" pitchFamily="49" charset="-122"/>
                           <a:cs typeface="+mn-ea"/>
                           <a:sym typeface="+mn-lt"/>
                         </a:rPr>
@@ -20468,12 +20468,12 @@
                         <a:buNone/>
                       </a:pPr>
                       <a:r>
-                        <a:rPr lang="zh-CN" altLang="en-US" sz="1200" b="0" spc="0" dirty="0" smtClean="0">
+                        <a:rPr lang="zh-CN" altLang="en-US" sz="1000" b="0" spc="0" baseline="0" dirty="0" smtClean="0">
                           <a:solidFill>
                             <a:schemeClr val="tx1"/>
                           </a:solidFill>
-                          <a:latin typeface="+mn-lt"/>
-                          <a:ea typeface="+mn-ea"/>
+                          <a:latin typeface="Bentley Light" panose="020B0404020201020102"/>
+                          <a:ea typeface="黑体" panose="02010609060101010101" pitchFamily="49" charset="-122"/>
                           <a:cs typeface="+mn-ea"/>
                           <a:sym typeface="+mn-lt"/>
                         </a:rPr>
@@ -20507,12 +20507,12 @@
                         <a:tabLst/>
                         <a:defRPr/>
                       </a:pPr>
-                      <a:endParaRPr lang="en-US" altLang="zh-CN" sz="1200" b="0" dirty="0" smtClean="0">
+                      <a:endParaRPr lang="en-US" altLang="zh-CN" sz="1000" b="0" baseline="0" dirty="0" smtClean="0">
                         <a:solidFill>
                           <a:schemeClr val="tx1"/>
                         </a:solidFill>
-                        <a:latin typeface="+mn-lt"/>
-                        <a:ea typeface="+mn-ea"/>
+                        <a:latin typeface="Bentley Light" panose="020B0404020201020102"/>
+                        <a:ea typeface="黑体" panose="02010609060101010101" pitchFamily="49" charset="-122"/>
                         <a:cs typeface="+mn-ea"/>
                         <a:sym typeface="+mn-lt"/>
                       </a:endParaRPr>
@@ -20546,7 +20546,7 @@
                         <a:tabLst/>
                         <a:defRPr/>
                       </a:pPr>
-                      <a:endParaRPr kumimoji="0" lang="en-US" altLang="zh-CN" sz="1200" b="0" i="0" u="none" strike="noStrike" kern="1200" cap="none" spc="0" normalizeH="0" baseline="0" noProof="0" dirty="0" smtClean="0">
+                      <a:endParaRPr kumimoji="0" lang="en-US" altLang="zh-CN" sz="1000" b="0" i="0" u="none" strike="noStrike" kern="1200" cap="none" spc="0" normalizeH="0" baseline="0" noProof="0" dirty="0" smtClean="0">
                         <a:ln>
                           <a:noFill/>
                         </a:ln>
@@ -20556,8 +20556,8 @@
                         <a:effectLst/>
                         <a:uLnTx/>
                         <a:uFillTx/>
-                        <a:latin typeface="+mn-lt"/>
-                        <a:ea typeface="+mn-ea"/>
+                        <a:latin typeface="Bentley Light" panose="020B0404020201020102"/>
+                        <a:ea typeface="黑体" panose="02010609060101010101" pitchFamily="49" charset="-122"/>
                         <a:cs typeface="+mn-ea"/>
                         <a:sym typeface="+mn-lt"/>
                       </a:endParaRPr>
@@ -20591,7 +20591,7 @@
                         <a:tabLst/>
                         <a:defRPr/>
                       </a:pPr>
-                      <a:endParaRPr kumimoji="0" lang="en-US" altLang="zh-CN" sz="1200" b="0" i="0" u="none" strike="noStrike" kern="1200" cap="none" spc="0" normalizeH="0" baseline="0" noProof="0" dirty="0" smtClean="0">
+                      <a:endParaRPr kumimoji="0" lang="en-US" altLang="zh-CN" sz="1000" b="0" i="0" u="none" strike="noStrike" kern="1200" cap="none" spc="0" normalizeH="0" baseline="0" noProof="0" dirty="0" smtClean="0">
                         <a:ln>
                           <a:noFill/>
                         </a:ln>
@@ -20644,12 +20644,12 @@
                         <a:defRPr/>
                       </a:pPr>
                       <a:r>
-                        <a:rPr lang="en-US" altLang="zh-CN" sz="1200" b="0" dirty="0" smtClean="0">
+                        <a:rPr lang="en-US" altLang="zh-CN" sz="1000" b="0" baseline="0" dirty="0" smtClean="0">
                           <a:solidFill>
                             <a:schemeClr val="tx1"/>
                           </a:solidFill>
-                          <a:latin typeface="+mn-lt"/>
-                          <a:ea typeface="+mn-ea"/>
+                          <a:latin typeface="Bentley Light" panose="020B0404020201020102"/>
+                          <a:ea typeface="黑体" panose="02010609060101010101" pitchFamily="49" charset="-122"/>
                           <a:cs typeface="+mn-ea"/>
                           <a:sym typeface="+mn-lt"/>
                         </a:rPr>
@@ -20675,23 +20675,23 @@
                         <a:defRPr/>
                       </a:pPr>
                       <a:r>
-                        <a:rPr lang="zh-CN" altLang="en-US" sz="1200" b="0" dirty="0" smtClean="0">
+                        <a:rPr lang="zh-CN" altLang="en-US" sz="1000" b="0" baseline="0" dirty="0" smtClean="0">
                           <a:solidFill>
                             <a:schemeClr val="tx1"/>
                           </a:solidFill>
-                          <a:latin typeface="+mn-lt"/>
-                          <a:ea typeface="+mn-ea"/>
+                          <a:latin typeface="Bentley Light" panose="020B0404020201020102"/>
+                          <a:ea typeface="黑体" panose="02010609060101010101" pitchFamily="49" charset="-122"/>
                           <a:cs typeface="+mn-ea"/>
                           <a:sym typeface="+mn-lt"/>
                         </a:rPr>
                         <a:t>餐饮</a:t>
                       </a:r>
-                      <a:endParaRPr lang="en-US" altLang="zh-CN" sz="1200" b="0" dirty="0" smtClean="0">
+                      <a:endParaRPr lang="en-US" altLang="zh-CN" sz="1000" b="0" baseline="0" dirty="0" smtClean="0">
                         <a:solidFill>
                           <a:schemeClr val="tx1"/>
                         </a:solidFill>
-                        <a:latin typeface="+mn-lt"/>
-                        <a:ea typeface="+mn-ea"/>
+                        <a:latin typeface="Bentley Light" panose="020B0404020201020102"/>
+                        <a:ea typeface="黑体" panose="02010609060101010101" pitchFamily="49" charset="-122"/>
                         <a:cs typeface="+mn-ea"/>
                         <a:sym typeface="+mn-lt"/>
                       </a:endParaRPr>
@@ -20724,23 +20724,23 @@
                         <a:defRPr/>
                       </a:pPr>
                       <a:r>
-                        <a:rPr lang="zh-CN" altLang="en-US" sz="1200" b="0" smtClean="0">
+                        <a:rPr lang="zh-CN" altLang="en-US" sz="1000" b="0" baseline="0" smtClean="0">
                           <a:solidFill>
                             <a:schemeClr val="tx1"/>
                           </a:solidFill>
-                          <a:latin typeface="+mn-lt"/>
-                          <a:ea typeface="+mn-ea"/>
+                          <a:latin typeface="Bentley Light" panose="020B0404020201020102"/>
+                          <a:ea typeface="黑体" panose="02010609060101010101" pitchFamily="49" charset="-122"/>
                           <a:cs typeface="+mn-ea"/>
                           <a:sym typeface="+mn-lt"/>
                         </a:rPr>
                         <a:t>餐费</a:t>
                       </a:r>
-                      <a:endParaRPr lang="en-US" altLang="zh-CN" sz="1200" b="0" dirty="0" smtClean="0">
+                      <a:endParaRPr lang="en-US" altLang="zh-CN" sz="1000" b="0" baseline="0" dirty="0" smtClean="0">
                         <a:solidFill>
                           <a:schemeClr val="tx1"/>
                         </a:solidFill>
-                        <a:latin typeface="+mn-lt"/>
-                        <a:ea typeface="+mn-ea"/>
+                        <a:latin typeface="Bentley Light" panose="020B0404020201020102"/>
+                        <a:ea typeface="黑体" panose="02010609060101010101" pitchFamily="49" charset="-122"/>
                         <a:cs typeface="+mn-ea"/>
                         <a:sym typeface="+mn-lt"/>
                       </a:endParaRPr>
@@ -20760,23 +20760,23 @@
                         <a:buNone/>
                       </a:pPr>
                       <a:r>
-                        <a:rPr lang="zh-CN" altLang="en-US" sz="1200" b="0" dirty="0" smtClean="0">
+                        <a:rPr lang="zh-CN" altLang="en-US" sz="1000" b="0" baseline="0" dirty="0" smtClean="0">
                           <a:solidFill>
                             <a:schemeClr val="tx1"/>
                           </a:solidFill>
-                          <a:latin typeface="+mn-lt"/>
-                          <a:ea typeface="+mn-ea"/>
+                          <a:latin typeface="Bentley Light" panose="020B0404020201020102"/>
+                          <a:ea typeface="黑体" panose="02010609060101010101" pitchFamily="49" charset="-122"/>
                           <a:cs typeface="+mn-ea"/>
                           <a:sym typeface="+mn-lt"/>
                         </a:rPr>
                         <a:t> </a:t>
                       </a:r>
-                      <a:endParaRPr lang="en-US" altLang="zh-CN" sz="1200" b="0" dirty="0" smtClean="0">
+                      <a:endParaRPr lang="en-US" altLang="zh-CN" sz="1000" b="0" baseline="0" dirty="0" smtClean="0">
                         <a:solidFill>
                           <a:schemeClr val="tx1"/>
                         </a:solidFill>
-                        <a:latin typeface="+mn-lt"/>
-                        <a:ea typeface="+mn-ea"/>
+                        <a:latin typeface="Bentley Light" panose="020B0404020201020102"/>
+                        <a:ea typeface="黑体" panose="02010609060101010101" pitchFamily="49" charset="-122"/>
                         <a:cs typeface="+mn-ea"/>
                         <a:sym typeface="+mn-lt"/>
                       </a:endParaRPr>
@@ -20810,7 +20810,7 @@
                         <a:tabLst/>
                         <a:defRPr/>
                       </a:pPr>
-                      <a:endParaRPr kumimoji="0" lang="en-US" altLang="zh-CN" sz="1200" b="0" i="0" u="none" strike="noStrike" kern="1200" cap="none" spc="0" normalizeH="0" baseline="0" noProof="0" dirty="0" smtClean="0">
+                      <a:endParaRPr kumimoji="0" lang="en-US" altLang="zh-CN" sz="1000" b="0" i="0" u="none" strike="noStrike" kern="1200" cap="none" spc="0" normalizeH="0" baseline="0" noProof="0" dirty="0" smtClean="0">
                         <a:ln>
                           <a:noFill/>
                         </a:ln>
@@ -20820,8 +20820,8 @@
                         <a:effectLst/>
                         <a:uLnTx/>
                         <a:uFillTx/>
-                        <a:latin typeface="+mn-lt"/>
-                        <a:ea typeface="+mn-ea"/>
+                        <a:latin typeface="Bentley Light" panose="020B0404020201020102"/>
+                        <a:ea typeface="黑体" panose="02010609060101010101" pitchFamily="49" charset="-122"/>
                         <a:cs typeface="+mn-ea"/>
                         <a:sym typeface="+mn-lt"/>
                       </a:endParaRPr>
@@ -20855,7 +20855,7 @@
                         <a:tabLst/>
                         <a:defRPr/>
                       </a:pPr>
-                      <a:endParaRPr lang="en-US" altLang="zh-CN" sz="1200" b="0" baseline="0" dirty="0" smtClean="0">
+                      <a:endParaRPr lang="en-US" altLang="zh-CN" sz="1000" b="0" baseline="0" dirty="0" smtClean="0">
                         <a:solidFill>
                           <a:schemeClr val="tx1"/>
                         </a:solidFill>
@@ -20882,12 +20882,12 @@
                         <a:buNone/>
                       </a:pPr>
                       <a:r>
-                        <a:rPr lang="en-US" sz="1200" b="0" spc="0" dirty="0" smtClean="0">
+                        <a:rPr lang="en-US" sz="1000" b="0" spc="0" baseline="0" dirty="0" smtClean="0">
                           <a:solidFill>
                             <a:schemeClr val="tx1"/>
                           </a:solidFill>
-                          <a:latin typeface="+mn-lt"/>
-                          <a:ea typeface="+mn-ea"/>
+                          <a:latin typeface="Bentley Light" panose="020B0404020201020102"/>
+                          <a:ea typeface="黑体" panose="02010609060101010101" pitchFamily="49" charset="-122"/>
                           <a:cs typeface="+mn-ea"/>
                           <a:sym typeface="+mn-lt"/>
                         </a:rPr>
@@ -20900,12 +20900,12 @@
                         <a:buNone/>
                       </a:pPr>
                       <a:r>
-                        <a:rPr lang="zh-CN" altLang="en-US" sz="1200" b="0" spc="0" dirty="0" smtClean="0">
+                        <a:rPr lang="zh-CN" altLang="en-US" sz="1000" b="0" spc="0" baseline="0" dirty="0" smtClean="0">
                           <a:solidFill>
                             <a:schemeClr val="tx1"/>
                           </a:solidFill>
-                          <a:latin typeface="+mn-lt"/>
-                          <a:ea typeface="+mn-ea"/>
+                          <a:latin typeface="Bentley Light" panose="020B0404020201020102"/>
+                          <a:ea typeface="黑体" panose="02010609060101010101" pitchFamily="49" charset="-122"/>
                           <a:cs typeface="+mn-ea"/>
                           <a:sym typeface="+mn-lt"/>
                         </a:rPr>
@@ -20939,12 +20939,12 @@
                         <a:tabLst/>
                         <a:defRPr/>
                       </a:pPr>
-                      <a:endParaRPr lang="en-US" altLang="zh-CN" sz="1200" b="0" dirty="0" smtClean="0">
+                      <a:endParaRPr lang="en-US" altLang="zh-CN" sz="1000" b="0" baseline="0" dirty="0" smtClean="0">
                         <a:solidFill>
                           <a:schemeClr val="tx1"/>
                         </a:solidFill>
-                        <a:latin typeface="+mn-lt"/>
-                        <a:ea typeface="+mn-ea"/>
+                        <a:latin typeface="Bentley Light" panose="020B0404020201020102"/>
+                        <a:ea typeface="黑体" panose="02010609060101010101" pitchFamily="49" charset="-122"/>
                         <a:cs typeface="+mn-ea"/>
                         <a:sym typeface="+mn-lt"/>
                       </a:endParaRPr>
@@ -20978,7 +20978,7 @@
                         <a:tabLst/>
                         <a:defRPr/>
                       </a:pPr>
-                      <a:endParaRPr kumimoji="0" lang="en-US" altLang="zh-CN" sz="1200" b="0" i="0" u="none" strike="noStrike" kern="1200" cap="none" spc="0" normalizeH="0" baseline="0" noProof="0" dirty="0" smtClean="0">
+                      <a:endParaRPr kumimoji="0" lang="en-US" altLang="zh-CN" sz="1000" b="0" i="0" u="none" strike="noStrike" kern="1200" cap="none" spc="0" normalizeH="0" baseline="0" noProof="0" dirty="0" smtClean="0">
                         <a:ln>
                           <a:noFill/>
                         </a:ln>
@@ -20988,8 +20988,8 @@
                         <a:effectLst/>
                         <a:uLnTx/>
                         <a:uFillTx/>
-                        <a:latin typeface="+mn-lt"/>
-                        <a:ea typeface="+mn-ea"/>
+                        <a:latin typeface="Bentley Light" panose="020B0404020201020102"/>
+                        <a:ea typeface="黑体" panose="02010609060101010101" pitchFamily="49" charset="-122"/>
                         <a:cs typeface="+mn-ea"/>
                         <a:sym typeface="+mn-lt"/>
                       </a:endParaRPr>
@@ -21023,7 +21023,7 @@
                         <a:tabLst/>
                         <a:defRPr/>
                       </a:pPr>
-                      <a:endParaRPr kumimoji="0" lang="en-US" altLang="zh-CN" sz="1200" b="0" i="0" u="none" strike="noStrike" kern="1200" cap="none" spc="0" normalizeH="0" baseline="0" noProof="0" dirty="0" smtClean="0">
+                      <a:endParaRPr kumimoji="0" lang="en-US" altLang="zh-CN" sz="1000" b="0" i="0" u="none" strike="noStrike" kern="1200" cap="none" spc="0" normalizeH="0" baseline="0" noProof="0" dirty="0" smtClean="0">
                         <a:ln>
                           <a:noFill/>
                         </a:ln>
@@ -21113,23 +21113,23 @@
                         <a:defRPr/>
                       </a:pPr>
                       <a:r>
-                        <a:rPr lang="zh-CN" altLang="en-US" sz="1200" b="0" dirty="0" smtClean="0">
+                        <a:rPr lang="zh-CN" altLang="en-US" sz="1000" b="0" baseline="0" dirty="0" smtClean="0">
                           <a:solidFill>
                             <a:schemeClr val="tx1"/>
                           </a:solidFill>
-                          <a:latin typeface="+mn-lt"/>
-                          <a:ea typeface="+mn-ea"/>
+                          <a:latin typeface="Bentley Light" panose="020B0404020201020102"/>
+                          <a:ea typeface="黑体" panose="02010609060101010101" pitchFamily="49" charset="-122"/>
                           <a:cs typeface="+mn-ea"/>
                           <a:sym typeface="+mn-lt"/>
                         </a:rPr>
                         <a:t>酒水</a:t>
                       </a:r>
-                      <a:endParaRPr lang="en-US" altLang="zh-CN" sz="1200" b="0" dirty="0" smtClean="0">
+                      <a:endParaRPr lang="en-US" altLang="zh-CN" sz="1000" b="0" baseline="0" dirty="0" smtClean="0">
                         <a:solidFill>
                           <a:schemeClr val="tx1"/>
                         </a:solidFill>
-                        <a:latin typeface="+mn-lt"/>
-                        <a:ea typeface="+mn-ea"/>
+                        <a:latin typeface="Bentley Light" panose="020B0404020201020102"/>
+                        <a:ea typeface="黑体" panose="02010609060101010101" pitchFamily="49" charset="-122"/>
                         <a:cs typeface="+mn-ea"/>
                         <a:sym typeface="+mn-lt"/>
                       </a:endParaRPr>
@@ -21161,12 +21161,12 @@
                         <a:tabLst/>
                         <a:defRPr/>
                       </a:pPr>
-                      <a:endParaRPr lang="en-US" altLang="zh-CN" sz="1200" b="0" dirty="0" smtClean="0">
+                      <a:endParaRPr lang="en-US" altLang="zh-CN" sz="1000" b="0" baseline="0" dirty="0" smtClean="0">
                         <a:solidFill>
                           <a:schemeClr val="tx1"/>
                         </a:solidFill>
-                        <a:latin typeface="+mn-lt"/>
-                        <a:ea typeface="+mn-ea"/>
+                        <a:latin typeface="Bentley Light" panose="020B0404020201020102"/>
+                        <a:ea typeface="黑体" panose="02010609060101010101" pitchFamily="49" charset="-122"/>
                         <a:cs typeface="+mn-ea"/>
                         <a:sym typeface="+mn-lt"/>
                       </a:endParaRPr>
@@ -21200,7 +21200,7 @@
                         <a:tabLst/>
                         <a:defRPr/>
                       </a:pPr>
-                      <a:endParaRPr kumimoji="0" lang="en-US" altLang="zh-CN" sz="1200" b="0" i="0" u="none" strike="noStrike" kern="1200" cap="none" spc="0" normalizeH="0" baseline="0" noProof="0" dirty="0" smtClean="0">
+                      <a:endParaRPr kumimoji="0" lang="en-US" altLang="zh-CN" sz="1000" b="0" i="0" u="none" strike="noStrike" kern="1200" cap="none" spc="0" normalizeH="0" baseline="0" noProof="0" dirty="0" smtClean="0">
                         <a:ln>
                           <a:noFill/>
                         </a:ln>
@@ -21210,8 +21210,8 @@
                         <a:effectLst/>
                         <a:uLnTx/>
                         <a:uFillTx/>
-                        <a:latin typeface="+mn-lt"/>
-                        <a:ea typeface="+mn-ea"/>
+                        <a:latin typeface="Bentley Light" panose="020B0404020201020102"/>
+                        <a:ea typeface="黑体" panose="02010609060101010101" pitchFamily="49" charset="-122"/>
                         <a:cs typeface="+mn-ea"/>
                         <a:sym typeface="+mn-lt"/>
                       </a:endParaRPr>
@@ -21245,7 +21245,7 @@
                         <a:tabLst/>
                         <a:defRPr/>
                       </a:pPr>
-                      <a:endParaRPr lang="en-US" altLang="zh-CN" sz="1200" b="0" baseline="0" dirty="0" smtClean="0">
+                      <a:endParaRPr lang="en-US" altLang="zh-CN" sz="1000" b="0" baseline="0" dirty="0" smtClean="0">
                         <a:solidFill>
                           <a:schemeClr val="tx1"/>
                         </a:solidFill>
@@ -21332,12 +21332,12 @@
                         <a:defRPr/>
                       </a:pPr>
                       <a:r>
-                        <a:rPr lang="en-US" altLang="zh-CN" sz="1200" b="0" dirty="0" smtClean="0">
+                        <a:rPr lang="en-US" altLang="zh-CN" sz="1000" b="0" baseline="0" dirty="0" smtClean="0">
                           <a:solidFill>
                             <a:schemeClr val="tx1"/>
                           </a:solidFill>
-                          <a:latin typeface="+mn-lt"/>
-                          <a:ea typeface="+mn-ea"/>
+                          <a:latin typeface="Bentley Light" panose="020B0404020201020102"/>
+                          <a:ea typeface="黑体" panose="02010609060101010101" pitchFamily="49" charset="-122"/>
                           <a:cs typeface="+mn-ea"/>
                           <a:sym typeface="+mn-lt"/>
                         </a:rPr>
@@ -21363,23 +21363,23 @@
                         <a:defRPr/>
                       </a:pPr>
                       <a:r>
-                        <a:rPr lang="zh-CN" altLang="en-US" sz="1200" b="0" dirty="0" smtClean="0">
+                        <a:rPr lang="zh-CN" altLang="en-US" sz="1000" b="0" baseline="0" dirty="0" smtClean="0">
                           <a:solidFill>
                             <a:schemeClr val="tx1"/>
                           </a:solidFill>
-                          <a:latin typeface="+mn-lt"/>
-                          <a:ea typeface="+mn-ea"/>
+                          <a:latin typeface="Bentley Light" panose="020B0404020201020102"/>
+                          <a:ea typeface="黑体" panose="02010609060101010101" pitchFamily="49" charset="-122"/>
                           <a:cs typeface="+mn-ea"/>
                           <a:sym typeface="+mn-lt"/>
                         </a:rPr>
                         <a:t>其他</a:t>
                       </a:r>
-                      <a:endParaRPr lang="en-US" altLang="zh-CN" sz="1200" b="0" dirty="0" smtClean="0">
+                      <a:endParaRPr lang="en-US" altLang="zh-CN" sz="1000" b="0" baseline="0" dirty="0" smtClean="0">
                         <a:solidFill>
                           <a:schemeClr val="tx1"/>
                         </a:solidFill>
-                        <a:latin typeface="+mn-lt"/>
-                        <a:ea typeface="+mn-ea"/>
+                        <a:latin typeface="Bentley Light" panose="020B0404020201020102"/>
+                        <a:ea typeface="黑体" panose="02010609060101010101" pitchFamily="49" charset="-122"/>
                         <a:cs typeface="+mn-ea"/>
                         <a:sym typeface="+mn-lt"/>
                       </a:endParaRPr>
@@ -21421,12 +21421,12 @@
                         <a:tabLst/>
                         <a:defRPr/>
                       </a:pPr>
-                      <a:endParaRPr lang="en-US" altLang="zh-CN" sz="1200" b="0" dirty="0" smtClean="0">
+                      <a:endParaRPr lang="en-US" altLang="zh-CN" sz="1000" b="0" baseline="0" dirty="0" smtClean="0">
                         <a:solidFill>
                           <a:schemeClr val="tx1"/>
                         </a:solidFill>
-                        <a:latin typeface="+mn-lt"/>
-                        <a:ea typeface="+mn-ea"/>
+                        <a:latin typeface="Bentley Light" panose="020B0404020201020102"/>
+                        <a:ea typeface="黑体" panose="02010609060101010101" pitchFamily="49" charset="-122"/>
                         <a:cs typeface="+mn-ea"/>
                         <a:sym typeface="+mn-lt"/>
                       </a:endParaRPr>
@@ -21460,7 +21460,7 @@
                         <a:tabLst/>
                         <a:defRPr/>
                       </a:pPr>
-                      <a:endParaRPr kumimoji="0" lang="en-US" altLang="zh-CN" sz="1200" b="0" i="0" u="none" strike="noStrike" kern="1200" cap="none" spc="0" normalizeH="0" baseline="0" noProof="0" dirty="0" smtClean="0">
+                      <a:endParaRPr kumimoji="0" lang="en-US" altLang="zh-CN" sz="1000" b="0" i="0" u="none" strike="noStrike" kern="1200" cap="none" spc="0" normalizeH="0" baseline="0" noProof="0" dirty="0" smtClean="0">
                         <a:ln>
                           <a:noFill/>
                         </a:ln>
@@ -21470,8 +21470,8 @@
                         <a:effectLst/>
                         <a:uLnTx/>
                         <a:uFillTx/>
-                        <a:latin typeface="+mn-lt"/>
-                        <a:ea typeface="+mn-ea"/>
+                        <a:latin typeface="Bentley Light" panose="020B0404020201020102"/>
+                        <a:ea typeface="黑体" panose="02010609060101010101" pitchFamily="49" charset="-122"/>
                         <a:cs typeface="+mn-ea"/>
                         <a:sym typeface="+mn-lt"/>
                       </a:endParaRPr>
@@ -21505,7 +21505,7 @@
                         <a:tabLst/>
                         <a:defRPr/>
                       </a:pPr>
-                      <a:endParaRPr lang="en-US" altLang="zh-CN" sz="1200" b="0" baseline="0" dirty="0" smtClean="0">
+                      <a:endParaRPr lang="en-US" altLang="zh-CN" sz="1000" b="0" baseline="0" dirty="0" smtClean="0">
                         <a:solidFill>
                           <a:schemeClr val="tx1"/>
                         </a:solidFill>
@@ -21532,12 +21532,12 @@
                         <a:buNone/>
                       </a:pPr>
                       <a:r>
-                        <a:rPr lang="en-US" altLang="zh-CN" sz="1200" b="0" spc="0" dirty="0" smtClean="0">
+                        <a:rPr lang="en-US" altLang="zh-CN" sz="1000" b="0" spc="0" baseline="0" dirty="0" smtClean="0">
                           <a:solidFill>
                             <a:schemeClr val="tx1"/>
                           </a:solidFill>
-                          <a:latin typeface="+mn-lt"/>
-                          <a:ea typeface="+mn-ea"/>
+                          <a:latin typeface="Bentley Light" panose="020B0404020201020102"/>
+                          <a:ea typeface="黑体" panose="02010609060101010101" pitchFamily="49" charset="-122"/>
                           <a:cs typeface="+mn-ea"/>
                           <a:sym typeface="+mn-lt"/>
                         </a:rPr>
@@ -21550,12 +21550,12 @@
                         <a:buNone/>
                       </a:pPr>
                       <a:r>
-                        <a:rPr lang="zh-CN" altLang="en-US" sz="1200" b="0" spc="0" dirty="0" smtClean="0">
+                        <a:rPr lang="zh-CN" altLang="en-US" sz="1000" b="0" spc="0" baseline="0" dirty="0" smtClean="0">
                           <a:solidFill>
                             <a:schemeClr val="tx1"/>
                           </a:solidFill>
-                          <a:latin typeface="+mn-lt"/>
-                          <a:ea typeface="+mn-ea"/>
+                          <a:latin typeface="Bentley Light" panose="020B0404020201020102"/>
+                          <a:ea typeface="黑体" panose="02010609060101010101" pitchFamily="49" charset="-122"/>
                           <a:cs typeface="+mn-ea"/>
                           <a:sym typeface="+mn-lt"/>
                         </a:rPr>
@@ -21589,12 +21589,12 @@
                         <a:tabLst/>
                         <a:defRPr/>
                       </a:pPr>
-                      <a:endParaRPr lang="en-US" altLang="zh-CN" sz="1200" b="0" dirty="0" smtClean="0">
+                      <a:endParaRPr lang="en-US" altLang="zh-CN" sz="1000" b="0" baseline="0" dirty="0" smtClean="0">
                         <a:solidFill>
                           <a:schemeClr val="tx1"/>
                         </a:solidFill>
-                        <a:latin typeface="+mn-lt"/>
-                        <a:ea typeface="+mn-ea"/>
+                        <a:latin typeface="Bentley Light" panose="020B0404020201020102"/>
+                        <a:ea typeface="黑体" panose="02010609060101010101" pitchFamily="49" charset="-122"/>
                         <a:cs typeface="+mn-ea"/>
                         <a:sym typeface="+mn-lt"/>
                       </a:endParaRPr>
@@ -21628,7 +21628,7 @@
                         <a:tabLst/>
                         <a:defRPr/>
                       </a:pPr>
-                      <a:endParaRPr kumimoji="0" lang="en-US" altLang="zh-CN" sz="1200" b="0" i="0" u="none" strike="noStrike" kern="1200" cap="none" spc="0" normalizeH="0" baseline="0" noProof="0" dirty="0" smtClean="0">
+                      <a:endParaRPr kumimoji="0" lang="en-US" altLang="zh-CN" sz="1000" b="0" i="0" u="none" strike="noStrike" kern="1200" cap="none" spc="0" normalizeH="0" baseline="0" noProof="0" dirty="0" smtClean="0">
                         <a:ln>
                           <a:noFill/>
                         </a:ln>
@@ -21638,8 +21638,8 @@
                         <a:effectLst/>
                         <a:uLnTx/>
                         <a:uFillTx/>
-                        <a:latin typeface="+mn-lt"/>
-                        <a:ea typeface="+mn-ea"/>
+                        <a:latin typeface="Bentley Light" panose="020B0404020201020102"/>
+                        <a:ea typeface="黑体" panose="02010609060101010101" pitchFamily="49" charset="-122"/>
                         <a:cs typeface="+mn-ea"/>
                         <a:sym typeface="+mn-lt"/>
                       </a:endParaRPr>
@@ -21673,7 +21673,7 @@
                         <a:tabLst/>
                         <a:defRPr/>
                       </a:pPr>
-                      <a:endParaRPr kumimoji="0" lang="en-US" altLang="zh-CN" sz="1200" b="0" i="0" u="none" strike="noStrike" kern="1200" cap="none" spc="0" normalizeH="0" baseline="0" noProof="0" dirty="0" smtClean="0">
+                      <a:endParaRPr kumimoji="0" lang="en-US" altLang="zh-CN" sz="1000" b="0" i="0" u="none" strike="noStrike" kern="1200" cap="none" spc="0" normalizeH="0" baseline="0" noProof="0" dirty="0" smtClean="0">
                         <a:ln>
                           <a:noFill/>
                         </a:ln>
@@ -22151,7 +22151,7 @@
         <p:spPr>
           <a:xfrm>
             <a:off x="538850" y="1123920"/>
-            <a:ext cx="5468560" cy="530658"/>
+            <a:ext cx="5468560" cy="400110"/>
           </a:xfrm>
           <a:prstGeom prst="rect">
             <a:avLst/>
@@ -22178,7 +22178,7 @@
               <a:buSzPct val="100000"/>
             </a:pPr>
             <a:r>
-              <a:rPr lang="en-US" altLang="zh-CN" sz="1400" b="1" dirty="0">
+              <a:rPr lang="en-US" altLang="zh-CN" sz="1000" b="1" dirty="0">
                 <a:solidFill>
                   <a:srgbClr val="FFFFFF"/>
                 </a:solidFill>
@@ -22199,7 +22199,7 @@
               <a:buSzPct val="100000"/>
             </a:pPr>
             <a:r>
-              <a:rPr lang="zh-CN" altLang="en-US" sz="1400" b="1" dirty="0">
+              <a:rPr lang="zh-CN" altLang="en-US" sz="1000" b="1" dirty="0">
                 <a:solidFill>
                   <a:srgbClr val="FFFFFF"/>
                 </a:solidFill>
@@ -22352,7 +22352,7 @@
         <p:spPr>
           <a:xfrm>
             <a:off x="6151512" y="1123920"/>
-            <a:ext cx="5468560" cy="530658"/>
+            <a:ext cx="5468560" cy="400110"/>
           </a:xfrm>
           <a:prstGeom prst="rect">
             <a:avLst/>
@@ -22379,7 +22379,7 @@
               <a:buSzPct val="100000"/>
             </a:pPr>
             <a:r>
-              <a:rPr lang="en-US" altLang="zh-CN" sz="1400" b="1" dirty="0">
+              <a:rPr lang="en-US" altLang="zh-CN" sz="1000" b="1" dirty="0">
                 <a:solidFill>
                   <a:srgbClr val="FFFFFF"/>
                 </a:solidFill>
@@ -22400,7 +22400,7 @@
               <a:buSzPct val="100000"/>
             </a:pPr>
             <a:r>
-              <a:rPr lang="zh-CN" altLang="en-US" sz="1400" b="1" dirty="0">
+              <a:rPr lang="zh-CN" altLang="en-US" sz="1000" b="1" dirty="0">
                 <a:solidFill>
                   <a:srgbClr val="FFFFFF"/>
                 </a:solidFill>
@@ -22825,7 +22825,7 @@
         <p:spPr>
           <a:xfrm>
             <a:off x="6151512" y="1123920"/>
-            <a:ext cx="5484130" cy="530658"/>
+            <a:ext cx="5484130" cy="400110"/>
           </a:xfrm>
           <a:prstGeom prst="rect">
             <a:avLst/>
@@ -22852,7 +22852,7 @@
               <a:buSzPct val="100000"/>
             </a:pPr>
             <a:r>
-              <a:rPr lang="en-US" altLang="zh-CN" sz="1400" b="1" dirty="0">
+              <a:rPr lang="en-US" altLang="zh-CN" sz="1000" b="1" dirty="0">
                 <a:solidFill>
                   <a:srgbClr val="FFFFFF"/>
                 </a:solidFill>
@@ -22873,7 +22873,7 @@
               <a:buSzPct val="100000"/>
             </a:pPr>
             <a:r>
-              <a:rPr lang="zh-CN" altLang="en-US" sz="1400" b="1" dirty="0">
+              <a:rPr lang="zh-CN" altLang="en-US" sz="1000" b="1" dirty="0">
                 <a:solidFill>
                   <a:srgbClr val="FFFFFF"/>
                 </a:solidFill>
@@ -22949,7 +22949,7 @@
         <p:spPr>
           <a:xfrm>
             <a:off x="538850" y="1123920"/>
-            <a:ext cx="5468560" cy="530658"/>
+            <a:ext cx="5468560" cy="400110"/>
           </a:xfrm>
           <a:prstGeom prst="rect">
             <a:avLst/>
@@ -22976,7 +22976,7 @@
               <a:buSzPct val="100000"/>
             </a:pPr>
             <a:r>
-              <a:rPr lang="en-US" altLang="zh-CN" sz="1400" b="1" dirty="0">
+              <a:rPr lang="en-US" altLang="zh-CN" sz="1000" b="1" dirty="0">
                 <a:solidFill>
                   <a:srgbClr val="FFFFFF"/>
                 </a:solidFill>
@@ -22997,7 +22997,7 @@
               <a:buSzPct val="100000"/>
             </a:pPr>
             <a:r>
-              <a:rPr lang="zh-CN" altLang="en-US" sz="1400" b="1" dirty="0">
+              <a:rPr lang="zh-CN" altLang="en-US" sz="1000" b="1" dirty="0">
                 <a:solidFill>
                   <a:srgbClr val="FFFFFF"/>
                 </a:solidFill>
@@ -23240,7 +23240,7 @@
           <a:graphicData uri="http://schemas.openxmlformats.org/presentationml/2006/ole">
             <mc:AlternateContent xmlns:mc="http://schemas.openxmlformats.org/markup-compatibility/2006">
               <mc:Choice xmlns:v="urn:schemas-microsoft-com:vml" Requires="v">
-                <p:oleObj spid="_x0000_s44089" name="think-cell Slide" r:id="rId5" imgW="416" imgH="416" progId="TCLayout.ActiveDocument.1">
+                <p:oleObj spid="_x0000_s44091" name="think-cell Slide" r:id="rId5" imgW="416" imgH="416" progId="TCLayout.ActiveDocument.1">
                   <p:embed/>
                 </p:oleObj>
               </mc:Choice>
@@ -23707,7 +23707,7 @@
         <p:spPr>
           <a:xfrm>
             <a:off x="558264" y="1126740"/>
-            <a:ext cx="11081395" cy="523220"/>
+            <a:ext cx="11081395" cy="400110"/>
           </a:xfrm>
           <a:prstGeom prst="rect">
             <a:avLst/>
@@ -23828,7 +23828,7 @@
               <a:buSzPct val="100000"/>
             </a:pPr>
             <a:r>
-              <a:rPr lang="en-US" altLang="zh-CN" sz="1400" b="1" dirty="0">
+              <a:rPr lang="en-US" altLang="zh-CN" sz="1000" b="1" dirty="0">
                 <a:solidFill>
                   <a:srgbClr val="FFFFFF"/>
                 </a:solidFill>
@@ -23837,7 +23837,7 @@
               </a:rPr>
               <a:t>Brand Representation </a:t>
             </a:r>
-            <a:endParaRPr lang="en-US" altLang="zh-CN" sz="1400" b="1" dirty="0" smtClean="0">
+            <a:endParaRPr lang="en-US" altLang="zh-CN" sz="1000" b="1" dirty="0" smtClean="0">
               <a:solidFill>
                 <a:srgbClr val="FFFFFF"/>
               </a:solidFill>
@@ -23856,7 +23856,7 @@
               <a:buSzPct val="100000"/>
             </a:pPr>
             <a:r>
-              <a:rPr lang="zh-CN" altLang="en-US" sz="1400" b="1" dirty="0" smtClean="0">
+              <a:rPr lang="zh-CN" altLang="en-US" sz="1000" b="1" dirty="0" smtClean="0">
                 <a:solidFill>
                   <a:srgbClr val="FFFFFF"/>
                 </a:solidFill>
@@ -23866,7 +23866,7 @@
               <a:t>活动</a:t>
             </a:r>
             <a:r>
-              <a:rPr lang="zh-CN" altLang="en-US" sz="1400" b="1" dirty="0">
+              <a:rPr lang="zh-CN" altLang="en-US" sz="1000" b="1" dirty="0">
                 <a:solidFill>
                   <a:srgbClr val="FFFFFF"/>
                 </a:solidFill>
@@ -24152,10 +24152,20 @@
                 <a:cs typeface="+mn-ea"/>
                 <a:sym typeface="+mn-lt"/>
               </a:rPr>
-              <a:t> Construction &amp; Displayed </a:t>
+              <a:t> </a:t>
             </a:r>
             <a:r>
-              <a:rPr lang="zh-CN" altLang="en-US" sz="1400" b="1" dirty="0">
+              <a:rPr lang="en-US" altLang="zh-CN" sz="1000" b="1" dirty="0">
+                <a:solidFill>
+                  <a:srgbClr val="FFFFFF"/>
+                </a:solidFill>
+                <a:cs typeface="+mn-ea"/>
+                <a:sym typeface="+mn-lt"/>
+              </a:rPr>
+              <a:t>Construction &amp; Displayed </a:t>
+            </a:r>
+            <a:r>
+              <a:rPr lang="zh-CN" altLang="en-US" sz="1000" b="1" dirty="0">
                 <a:solidFill>
                   <a:srgbClr val="FFFFFF"/>
                 </a:solidFill>
@@ -24164,7 +24174,7 @@
               </a:rPr>
               <a:t>搭建及布置</a:t>
             </a:r>
-            <a:endParaRPr lang="en-US" altLang="zh-CN" sz="1400" b="1" dirty="0">
+            <a:endParaRPr lang="en-US" altLang="zh-CN" sz="1000" b="1" dirty="0">
               <a:solidFill>
                 <a:srgbClr val="FFFFFF"/>
               </a:solidFill>
@@ -24272,10 +24282,20 @@
                 <a:cs typeface="+mn-ea"/>
                 <a:sym typeface="+mn-lt"/>
               </a:rPr>
-              <a:t> Construction &amp; Displayed </a:t>
+              <a:t> </a:t>
             </a:r>
             <a:r>
-              <a:rPr lang="zh-CN" altLang="en-US" sz="1400" b="1" dirty="0">
+              <a:rPr lang="en-US" altLang="zh-CN" sz="1000" b="1" dirty="0">
+                <a:solidFill>
+                  <a:srgbClr val="FFFFFF"/>
+                </a:solidFill>
+                <a:cs typeface="+mn-ea"/>
+                <a:sym typeface="+mn-lt"/>
+              </a:rPr>
+              <a:t>Construction &amp; Displayed </a:t>
+            </a:r>
+            <a:r>
+              <a:rPr lang="zh-CN" altLang="en-US" sz="1000" b="1" dirty="0">
                 <a:solidFill>
                   <a:srgbClr val="FFFFFF"/>
                 </a:solidFill>
@@ -24284,7 +24304,7 @@
               </a:rPr>
               <a:t>搭建及布置</a:t>
             </a:r>
-            <a:endParaRPr lang="en-US" altLang="zh-CN" sz="1400" b="1" dirty="0">
+            <a:endParaRPr lang="en-US" altLang="zh-CN" sz="1000" b="1" dirty="0">
               <a:solidFill>
                 <a:srgbClr val="FFFFFF"/>
               </a:solidFill>
@@ -24725,10 +24745,20 @@
                 <a:cs typeface="+mn-ea"/>
                 <a:sym typeface="+mn-lt"/>
               </a:rPr>
-              <a:t> Performance </a:t>
+              <a:t> </a:t>
             </a:r>
             <a:r>
-              <a:rPr lang="zh-CN" altLang="en-US" sz="1400" b="1" dirty="0">
+              <a:rPr lang="en-US" altLang="zh-CN" sz="1000" b="1" dirty="0">
+                <a:solidFill>
+                  <a:srgbClr val="FFFFFF"/>
+                </a:solidFill>
+                <a:cs typeface="+mn-ea"/>
+                <a:sym typeface="+mn-lt"/>
+              </a:rPr>
+              <a:t>Performance </a:t>
+            </a:r>
+            <a:r>
+              <a:rPr lang="zh-CN" altLang="en-US" sz="1000" b="1" dirty="0">
                 <a:solidFill>
                   <a:srgbClr val="FFFFFF"/>
                 </a:solidFill>
@@ -24737,7 +24767,7 @@
               </a:rPr>
               <a:t>表演计划</a:t>
             </a:r>
-            <a:endParaRPr lang="en-US" altLang="zh-CN" sz="1400" b="1" dirty="0">
+            <a:endParaRPr lang="en-US" altLang="zh-CN" sz="1000" b="1" dirty="0">
               <a:solidFill>
                 <a:srgbClr val="FFFFFF"/>
               </a:solidFill>
@@ -24845,10 +24875,20 @@
                 <a:cs typeface="+mn-ea"/>
                 <a:sym typeface="+mn-lt"/>
               </a:rPr>
-              <a:t> Performance concept </a:t>
+              <a:t> </a:t>
             </a:r>
             <a:r>
-              <a:rPr lang="zh-CN" altLang="en-US" sz="1400" b="1" dirty="0">
+              <a:rPr lang="en-US" altLang="zh-CN" sz="1000" b="1" dirty="0">
+                <a:solidFill>
+                  <a:srgbClr val="FFFFFF"/>
+                </a:solidFill>
+                <a:cs typeface="+mn-ea"/>
+                <a:sym typeface="+mn-lt"/>
+              </a:rPr>
+              <a:t>Performance concept </a:t>
+            </a:r>
+            <a:r>
+              <a:rPr lang="zh-CN" altLang="en-US" sz="1000" b="1" dirty="0">
                 <a:solidFill>
                   <a:srgbClr val="FFFFFF"/>
                 </a:solidFill>
@@ -24857,7 +24897,7 @@
               </a:rPr>
               <a:t>表演方案</a:t>
             </a:r>
-            <a:endParaRPr lang="en-US" altLang="zh-CN" sz="1400" b="1" dirty="0">
+            <a:endParaRPr lang="en-US" altLang="zh-CN" sz="1000" b="1" dirty="0">
               <a:solidFill>
                 <a:srgbClr val="FFFFFF"/>
               </a:solidFill>
@@ -25298,10 +25338,20 @@
                 <a:cs typeface="+mn-ea"/>
                 <a:sym typeface="+mn-lt"/>
               </a:rPr>
-              <a:t> Photography </a:t>
+              <a:t> </a:t>
             </a:r>
             <a:r>
-              <a:rPr lang="zh-CN" altLang="en-US" sz="1400" b="1" dirty="0">
+              <a:rPr lang="en-US" altLang="zh-CN" sz="1000" b="1" dirty="0">
+                <a:solidFill>
+                  <a:srgbClr val="FFFFFF"/>
+                </a:solidFill>
+                <a:cs typeface="+mn-ea"/>
+                <a:sym typeface="+mn-lt"/>
+              </a:rPr>
+              <a:t>Photography </a:t>
+            </a:r>
+            <a:r>
+              <a:rPr lang="zh-CN" altLang="en-US" sz="1000" b="1" dirty="0">
                 <a:solidFill>
                   <a:srgbClr val="FFFFFF"/>
                 </a:solidFill>
@@ -25310,7 +25360,7 @@
               </a:rPr>
               <a:t>摄影摄像</a:t>
             </a:r>
-            <a:endParaRPr lang="en-US" altLang="zh-CN" sz="1400" b="1" dirty="0">
+            <a:endParaRPr lang="en-US" altLang="zh-CN" sz="1000" b="1" dirty="0">
               <a:solidFill>
                 <a:srgbClr val="FFFFFF"/>
               </a:solidFill>
@@ -25418,10 +25468,20 @@
                 <a:cs typeface="+mn-ea"/>
                 <a:sym typeface="+mn-lt"/>
               </a:rPr>
-              <a:t> Photography </a:t>
+              <a:t> </a:t>
             </a:r>
             <a:r>
-              <a:rPr lang="zh-CN" altLang="en-US" sz="1400" b="1" dirty="0">
+              <a:rPr lang="en-US" altLang="zh-CN" sz="1000" b="1" dirty="0">
+                <a:solidFill>
+                  <a:srgbClr val="FFFFFF"/>
+                </a:solidFill>
+                <a:cs typeface="+mn-ea"/>
+                <a:sym typeface="+mn-lt"/>
+              </a:rPr>
+              <a:t>Photography </a:t>
+            </a:r>
+            <a:r>
+              <a:rPr lang="zh-CN" altLang="en-US" sz="1000" b="1" dirty="0">
                 <a:solidFill>
                   <a:srgbClr val="FFFFFF"/>
                 </a:solidFill>
@@ -25430,7 +25490,7 @@
               </a:rPr>
               <a:t>摄影摄像</a:t>
             </a:r>
-            <a:endParaRPr lang="en-US" altLang="zh-CN" sz="1400" b="1" dirty="0">
+            <a:endParaRPr lang="en-US" altLang="zh-CN" sz="1000" b="1" dirty="0">
               <a:solidFill>
                 <a:srgbClr val="FFFFFF"/>
               </a:solidFill>
